--- a/vignettes/vignetteFigs/00vignetteFigs.pptx
+++ b/vignettes/vignetteFigs/00vignetteFigs.pptx
@@ -5,7 +5,7 @@
     <p:sldMasterId id="2147483648" r:id="rId1"/>
   </p:sldMasterIdLst>
   <p:notesMasterIdLst>
-    <p:notesMasterId r:id="rId44"/>
+    <p:notesMasterId r:id="rId45"/>
   </p:notesMasterIdLst>
   <p:sldIdLst>
     <p:sldId id="260" r:id="rId2"/>
@@ -42,14 +42,15 @@
     <p:sldId id="307" r:id="rId33"/>
     <p:sldId id="283" r:id="rId34"/>
     <p:sldId id="284" r:id="rId35"/>
-    <p:sldId id="291" r:id="rId36"/>
-    <p:sldId id="292" r:id="rId37"/>
-    <p:sldId id="293" r:id="rId38"/>
-    <p:sldId id="297" r:id="rId39"/>
-    <p:sldId id="301" r:id="rId40"/>
-    <p:sldId id="300" r:id="rId41"/>
-    <p:sldId id="298" r:id="rId42"/>
-    <p:sldId id="302" r:id="rId43"/>
+    <p:sldId id="309" r:id="rId36"/>
+    <p:sldId id="291" r:id="rId37"/>
+    <p:sldId id="292" r:id="rId38"/>
+    <p:sldId id="293" r:id="rId39"/>
+    <p:sldId id="297" r:id="rId40"/>
+    <p:sldId id="301" r:id="rId41"/>
+    <p:sldId id="300" r:id="rId42"/>
+    <p:sldId id="298" r:id="rId43"/>
+    <p:sldId id="302" r:id="rId44"/>
   </p:sldIdLst>
   <p:sldSz cx="12192000" cy="6858000"/>
   <p:notesSz cx="6858000" cy="9144000"/>
@@ -238,7 +239,7 @@
           <a:p>
             <a:fld id="{921607FB-4AF3-41D9-93C1-AF2B65302971}" type="datetimeFigureOut">
               <a:rPr lang="en-US" smtClean="0"/>
-              <a:t>10/30/2020</a:t>
+              <a:t>12/28/2020</a:t>
             </a:fld>
             <a:endParaRPr lang="en-US"/>
           </a:p>
@@ -634,7 +635,7 @@
           <a:p>
             <a:fld id="{11D67388-0790-496E-9A12-37055489AF4F}" type="datetimeFigureOut">
               <a:rPr lang="en-US" smtClean="0"/>
-              <a:t>10/30/2020</a:t>
+              <a:t>12/28/2020</a:t>
             </a:fld>
             <a:endParaRPr lang="en-US"/>
           </a:p>
@@ -802,7 +803,7 @@
           <a:p>
             <a:fld id="{11D67388-0790-496E-9A12-37055489AF4F}" type="datetimeFigureOut">
               <a:rPr lang="en-US" smtClean="0"/>
-              <a:t>10/30/2020</a:t>
+              <a:t>12/28/2020</a:t>
             </a:fld>
             <a:endParaRPr lang="en-US"/>
           </a:p>
@@ -980,7 +981,7 @@
           <a:p>
             <a:fld id="{11D67388-0790-496E-9A12-37055489AF4F}" type="datetimeFigureOut">
               <a:rPr lang="en-US" smtClean="0"/>
-              <a:t>10/30/2020</a:t>
+              <a:t>12/28/2020</a:t>
             </a:fld>
             <a:endParaRPr lang="en-US"/>
           </a:p>
@@ -1148,7 +1149,7 @@
           <a:p>
             <a:fld id="{11D67388-0790-496E-9A12-37055489AF4F}" type="datetimeFigureOut">
               <a:rPr lang="en-US" smtClean="0"/>
-              <a:t>10/30/2020</a:t>
+              <a:t>12/28/2020</a:t>
             </a:fld>
             <a:endParaRPr lang="en-US"/>
           </a:p>
@@ -1393,7 +1394,7 @@
           <a:p>
             <a:fld id="{11D67388-0790-496E-9A12-37055489AF4F}" type="datetimeFigureOut">
               <a:rPr lang="en-US" smtClean="0"/>
-              <a:t>10/30/2020</a:t>
+              <a:t>12/28/2020</a:t>
             </a:fld>
             <a:endParaRPr lang="en-US"/>
           </a:p>
@@ -1622,7 +1623,7 @@
           <a:p>
             <a:fld id="{11D67388-0790-496E-9A12-37055489AF4F}" type="datetimeFigureOut">
               <a:rPr lang="en-US" smtClean="0"/>
-              <a:t>10/30/2020</a:t>
+              <a:t>12/28/2020</a:t>
             </a:fld>
             <a:endParaRPr lang="en-US"/>
           </a:p>
@@ -1986,7 +1987,7 @@
           <a:p>
             <a:fld id="{11D67388-0790-496E-9A12-37055489AF4F}" type="datetimeFigureOut">
               <a:rPr lang="en-US" smtClean="0"/>
-              <a:t>10/30/2020</a:t>
+              <a:t>12/28/2020</a:t>
             </a:fld>
             <a:endParaRPr lang="en-US"/>
           </a:p>
@@ -2103,7 +2104,7 @@
           <a:p>
             <a:fld id="{11D67388-0790-496E-9A12-37055489AF4F}" type="datetimeFigureOut">
               <a:rPr lang="en-US" smtClean="0"/>
-              <a:t>10/30/2020</a:t>
+              <a:t>12/28/2020</a:t>
             </a:fld>
             <a:endParaRPr lang="en-US"/>
           </a:p>
@@ -2198,7 +2199,7 @@
           <a:p>
             <a:fld id="{11D67388-0790-496E-9A12-37055489AF4F}" type="datetimeFigureOut">
               <a:rPr lang="en-US" smtClean="0"/>
-              <a:t>10/30/2020</a:t>
+              <a:t>12/28/2020</a:t>
             </a:fld>
             <a:endParaRPr lang="en-US"/>
           </a:p>
@@ -2473,7 +2474,7 @@
           <a:p>
             <a:fld id="{11D67388-0790-496E-9A12-37055489AF4F}" type="datetimeFigureOut">
               <a:rPr lang="en-US" smtClean="0"/>
-              <a:t>10/30/2020</a:t>
+              <a:t>12/28/2020</a:t>
             </a:fld>
             <a:endParaRPr lang="en-US"/>
           </a:p>
@@ -2725,7 +2726,7 @@
           <a:p>
             <a:fld id="{11D67388-0790-496E-9A12-37055489AF4F}" type="datetimeFigureOut">
               <a:rPr lang="en-US" smtClean="0"/>
-              <a:t>10/30/2020</a:t>
+              <a:t>12/28/2020</a:t>
             </a:fld>
             <a:endParaRPr lang="en-US"/>
           </a:p>
@@ -2936,7 +2937,7 @@
           <a:p>
             <a:fld id="{11D67388-0790-496E-9A12-37055489AF4F}" type="datetimeFigureOut">
               <a:rPr lang="en-US" smtClean="0"/>
-              <a:t>10/30/2020</a:t>
+              <a:t>12/28/2020</a:t>
             </a:fld>
             <a:endParaRPr lang="en-US"/>
           </a:p>
@@ -11854,7 +11855,7 @@
           <a:p>
             <a:pPr algn="ctr"/>
             <a:r>
-              <a:rPr lang="en-US" b="1"/>
+              <a:rPr lang="en-US" b="1" dirty="0"/>
               <a:t>Combined Year Plots</a:t>
             </a:r>
           </a:p>
@@ -12066,6 +12067,198 @@
 </file>
 
 <file path=ppt/slides/slide35.xml><?xml version="1.0" encoding="utf-8"?>
+<p:sld xmlns:a="http://schemas.openxmlformats.org/drawingml/2006/main" xmlns:r="http://schemas.openxmlformats.org/officeDocument/2006/relationships" xmlns:p="http://schemas.openxmlformats.org/presentationml/2006/main">
+  <p:cSld>
+    <p:spTree>
+      <p:nvGrpSpPr>
+        <p:cNvPr id="1" name=""/>
+        <p:cNvGrpSpPr/>
+        <p:nvPr/>
+      </p:nvGrpSpPr>
+      <p:grpSpPr>
+        <a:xfrm>
+          <a:off x="0" y="0"/>
+          <a:ext cx="0" cy="0"/>
+          <a:chOff x="0" y="0"/>
+          <a:chExt cx="0" cy="0"/>
+        </a:xfrm>
+      </p:grpSpPr>
+      <p:sp>
+        <p:nvSpPr>
+          <p:cNvPr id="7" name="TextBox 6">
+            <a:extLst>
+              <a:ext uri="{FF2B5EF4-FFF2-40B4-BE49-F238E27FC236}">
+                <a16:creationId xmlns:a16="http://schemas.microsoft.com/office/drawing/2014/main" id="{A063DF1C-7DF0-40B4-AC9D-EC918B0CB000}"/>
+              </a:ext>
+            </a:extLst>
+          </p:cNvPr>
+          <p:cNvSpPr txBox="1"/>
+          <p:nvPr/>
+        </p:nvSpPr>
+        <p:spPr>
+          <a:xfrm>
+            <a:off x="192163" y="128664"/>
+            <a:ext cx="2066223" cy="369332"/>
+          </a:xfrm>
+          <a:prstGeom prst="rect">
+            <a:avLst/>
+          </a:prstGeom>
+          <a:noFill/>
+        </p:spPr>
+        <p:txBody>
+          <a:bodyPr wrap="square" rtlCol="0">
+            <a:spAutoFit/>
+          </a:bodyPr>
+          <a:lstStyle/>
+          <a:p>
+            <a:pPr algn="ctr"/>
+            <a:r>
+              <a:rPr lang="en-US" b="1" dirty="0"/>
+              <a:t>Numeric2Cat</a:t>
+            </a:r>
+          </a:p>
+        </p:txBody>
+      </p:sp>
+      <p:pic>
+        <p:nvPicPr>
+          <p:cNvPr id="3" name="Picture 2" descr="Map&#10;&#10;Description automatically generated">
+            <a:extLst>
+              <a:ext uri="{FF2B5EF4-FFF2-40B4-BE49-F238E27FC236}">
+                <a16:creationId xmlns:a16="http://schemas.microsoft.com/office/drawing/2014/main" id="{3B6F4D65-C9E5-4E0B-BB5A-0DF8509A29C0}"/>
+              </a:ext>
+            </a:extLst>
+          </p:cNvPr>
+          <p:cNvPicPr>
+            <a:picLocks noChangeAspect="1"/>
+          </p:cNvPicPr>
+          <p:nvPr/>
+        </p:nvPicPr>
+        <p:blipFill>
+          <a:blip r:embed="rId2" cstate="print">
+            <a:extLst>
+              <a:ext uri="{28A0092B-C50C-407E-A947-70E740481C1C}">
+                <a14:useLocalDpi xmlns:a14="http://schemas.microsoft.com/office/drawing/2010/main" val="0"/>
+              </a:ext>
+            </a:extLst>
+          </a:blip>
+          <a:stretch>
+            <a:fillRect/>
+          </a:stretch>
+        </p:blipFill>
+        <p:spPr>
+          <a:xfrm>
+            <a:off x="761658" y="1884222"/>
+            <a:ext cx="4661997" cy="2479231"/>
+          </a:xfrm>
+          <a:prstGeom prst="rect">
+            <a:avLst/>
+          </a:prstGeom>
+        </p:spPr>
+      </p:pic>
+      <p:pic>
+        <p:nvPicPr>
+          <p:cNvPr id="8" name="Picture 7" descr="Map&#10;&#10;Description automatically generated">
+            <a:extLst>
+              <a:ext uri="{FF2B5EF4-FFF2-40B4-BE49-F238E27FC236}">
+                <a16:creationId xmlns:a16="http://schemas.microsoft.com/office/drawing/2014/main" id="{7215B5F1-79F3-42C3-B624-349FA1CA4897}"/>
+              </a:ext>
+            </a:extLst>
+          </p:cNvPr>
+          <p:cNvPicPr>
+            <a:picLocks noChangeAspect="1"/>
+          </p:cNvPicPr>
+          <p:nvPr/>
+        </p:nvPicPr>
+        <p:blipFill>
+          <a:blip r:embed="rId3" cstate="print">
+            <a:extLst>
+              <a:ext uri="{28A0092B-C50C-407E-A947-70E740481C1C}">
+                <a14:useLocalDpi xmlns:a14="http://schemas.microsoft.com/office/drawing/2010/main" val="0"/>
+              </a:ext>
+            </a:extLst>
+          </a:blip>
+          <a:stretch>
+            <a:fillRect/>
+          </a:stretch>
+        </p:blipFill>
+        <p:spPr>
+          <a:xfrm>
+            <a:off x="5941833" y="1884222"/>
+            <a:ext cx="5522072" cy="2479231"/>
+          </a:xfrm>
+          <a:prstGeom prst="rect">
+            <a:avLst/>
+          </a:prstGeom>
+        </p:spPr>
+      </p:pic>
+      <p:sp>
+        <p:nvSpPr>
+          <p:cNvPr id="10" name="Rectangle 9">
+            <a:extLst>
+              <a:ext uri="{FF2B5EF4-FFF2-40B4-BE49-F238E27FC236}">
+                <a16:creationId xmlns:a16="http://schemas.microsoft.com/office/drawing/2014/main" id="{89B28590-6D43-4968-A021-CF2493679ADD}"/>
+              </a:ext>
+            </a:extLst>
+          </p:cNvPr>
+          <p:cNvSpPr/>
+          <p:nvPr/>
+        </p:nvSpPr>
+        <p:spPr>
+          <a:xfrm>
+            <a:off x="409073" y="1608221"/>
+            <a:ext cx="11285621" cy="3104147"/>
+          </a:xfrm>
+          <a:prstGeom prst="rect">
+            <a:avLst/>
+          </a:prstGeom>
+          <a:noFill/>
+          <a:ln>
+            <a:solidFill>
+              <a:schemeClr val="bg1">
+                <a:lumMod val="65000"/>
+              </a:schemeClr>
+            </a:solidFill>
+          </a:ln>
+        </p:spPr>
+        <p:style>
+          <a:lnRef idx="2">
+            <a:schemeClr val="accent1">
+              <a:shade val="50000"/>
+            </a:schemeClr>
+          </a:lnRef>
+          <a:fillRef idx="1">
+            <a:schemeClr val="accent1"/>
+          </a:fillRef>
+          <a:effectRef idx="0">
+            <a:schemeClr val="accent1"/>
+          </a:effectRef>
+          <a:fontRef idx="minor">
+            <a:schemeClr val="lt1"/>
+          </a:fontRef>
+        </p:style>
+        <p:txBody>
+          <a:bodyPr rtlCol="0" anchor="ctr"/>
+          <a:lstStyle/>
+          <a:p>
+            <a:pPr algn="ctr"/>
+            <a:endParaRPr lang="en-US"/>
+          </a:p>
+        </p:txBody>
+      </p:sp>
+    </p:spTree>
+    <p:extLst>
+      <p:ext uri="{BB962C8B-B14F-4D97-AF65-F5344CB8AC3E}">
+        <p14:creationId xmlns:p14="http://schemas.microsoft.com/office/powerpoint/2010/main" val="859117162"/>
+      </p:ext>
+    </p:extLst>
+  </p:cSld>
+  <p:clrMapOvr>
+    <a:masterClrMapping/>
+  </p:clrMapOvr>
+</p:sld>
+</file>
+
+<file path=ppt/slides/slide36.xml><?xml version="1.0" encoding="utf-8"?>
 <p:sld xmlns:a="http://schemas.openxmlformats.org/drawingml/2006/main" xmlns:r="http://schemas.openxmlformats.org/officeDocument/2006/relationships" xmlns:p="http://schemas.openxmlformats.org/presentationml/2006/main">
   <p:cSld>
     <p:spTree>
@@ -13550,7 +13743,7 @@
 </p:sld>
 </file>
 
-<file path=ppt/slides/slide36.xml><?xml version="1.0" encoding="utf-8"?>
+<file path=ppt/slides/slide37.xml><?xml version="1.0" encoding="utf-8"?>
 <p:sld xmlns:a="http://schemas.openxmlformats.org/drawingml/2006/main" xmlns:r="http://schemas.openxmlformats.org/officeDocument/2006/relationships" xmlns:p="http://schemas.openxmlformats.org/presentationml/2006/main">
   <p:cSld>
     <p:spTree>
@@ -14051,7 +14244,7 @@
 </p:sld>
 </file>
 
-<file path=ppt/slides/slide37.xml><?xml version="1.0" encoding="utf-8"?>
+<file path=ppt/slides/slide38.xml><?xml version="1.0" encoding="utf-8"?>
 <p:sld xmlns:a="http://schemas.openxmlformats.org/drawingml/2006/main" xmlns:r="http://schemas.openxmlformats.org/officeDocument/2006/relationships" xmlns:p="http://schemas.openxmlformats.org/presentationml/2006/main">
   <p:cSld>
     <p:spTree>
@@ -14315,7 +14508,7 @@
 </p:sld>
 </file>
 
-<file path=ppt/slides/slide38.xml><?xml version="1.0" encoding="utf-8"?>
+<file path=ppt/slides/slide39.xml><?xml version="1.0" encoding="utf-8"?>
 <p:sld xmlns:a="http://schemas.openxmlformats.org/drawingml/2006/main" xmlns:r="http://schemas.openxmlformats.org/officeDocument/2006/relationships" xmlns:p="http://schemas.openxmlformats.org/presentationml/2006/main">
   <p:cSld>
     <p:spTree>
@@ -14372,7 +14565,1053 @@
 </p:sld>
 </file>
 
-<file path=ppt/slides/slide39.xml><?xml version="1.0" encoding="utf-8"?>
+<file path=ppt/slides/slide4.xml><?xml version="1.0" encoding="utf-8"?>
+<p:sld xmlns:a="http://schemas.openxmlformats.org/drawingml/2006/main" xmlns:r="http://schemas.openxmlformats.org/officeDocument/2006/relationships" xmlns:p="http://schemas.openxmlformats.org/presentationml/2006/main">
+  <p:cSld>
+    <p:spTree>
+      <p:nvGrpSpPr>
+        <p:cNvPr id="1" name=""/>
+        <p:cNvGrpSpPr/>
+        <p:nvPr/>
+      </p:nvGrpSpPr>
+      <p:grpSpPr>
+        <a:xfrm>
+          <a:off x="0" y="0"/>
+          <a:ext cx="0" cy="0"/>
+          <a:chOff x="0" y="0"/>
+          <a:chExt cx="0" cy="0"/>
+        </a:xfrm>
+      </p:grpSpPr>
+      <p:sp>
+        <p:nvSpPr>
+          <p:cNvPr id="6" name="TextBox 5">
+            <a:extLst>
+              <a:ext uri="{FF2B5EF4-FFF2-40B4-BE49-F238E27FC236}">
+                <a16:creationId xmlns:a16="http://schemas.microsoft.com/office/drawing/2014/main" id="{770E9E06-5F46-4A20-920E-2473B2FB3AF0}"/>
+              </a:ext>
+            </a:extLst>
+          </p:cNvPr>
+          <p:cNvSpPr txBox="1"/>
+          <p:nvPr/>
+        </p:nvSpPr>
+        <p:spPr>
+          <a:xfrm>
+            <a:off x="677207" y="522579"/>
+            <a:ext cx="2216370" cy="4429995"/>
+          </a:xfrm>
+          <a:prstGeom prst="rect">
+            <a:avLst/>
+          </a:prstGeom>
+          <a:noFill/>
+        </p:spPr>
+        <p:txBody>
+          <a:bodyPr wrap="square" rtlCol="0">
+            <a:spAutoFit/>
+          </a:bodyPr>
+          <a:lstStyle>
+            <a:defPPr>
+              <a:defRPr lang="en-US"/>
+            </a:defPPr>
+            <a:lvl1pPr>
+              <a:lnSpc>
+                <a:spcPct val="150000"/>
+              </a:lnSpc>
+              <a:defRPr sz="900">
+                <a:latin typeface="Consolas" panose="020B0609020204030204" pitchFamily="49" charset="0"/>
+              </a:defRPr>
+            </a:lvl1pPr>
+          </a:lstStyle>
+          <a:p>
+            <a:pPr algn="ctr"/>
+            <a:r>
+              <a:rPr lang="en-US" altLang="en-US" sz="1050" b="1" u="sng">
+                <a:latin typeface="+mn-lt"/>
+              </a:rPr>
+              <a:t>electricity</a:t>
+            </a:r>
+          </a:p>
+          <a:p>
+            <a:pPr marL="171450" indent="-171450">
+              <a:buFont typeface="Arial" panose="020B0604020202020204" pitchFamily="34" charset="0"/>
+              <a:buChar char="•"/>
+            </a:pPr>
+            <a:r>
+              <a:rPr lang="en-US" altLang="en-US" sz="1050">
+                <a:latin typeface="+mn-lt"/>
+              </a:rPr>
+              <a:t>elecByTechTWh</a:t>
+            </a:r>
+          </a:p>
+          <a:p>
+            <a:pPr marL="171450" indent="-171450">
+              <a:buFont typeface="Arial" panose="020B0604020202020204" pitchFamily="34" charset="0"/>
+              <a:buChar char="•"/>
+            </a:pPr>
+            <a:r>
+              <a:rPr lang="en-US" altLang="en-US" sz="1050">
+                <a:latin typeface="+mn-lt"/>
+              </a:rPr>
+              <a:t>elecCapByFuel</a:t>
+            </a:r>
+          </a:p>
+          <a:p>
+            <a:pPr marL="171450" indent="-171450">
+              <a:buFont typeface="Arial" panose="020B0604020202020204" pitchFamily="34" charset="0"/>
+              <a:buChar char="•"/>
+            </a:pPr>
+            <a:r>
+              <a:rPr lang="en-US" altLang="en-US" sz="1050">
+                <a:latin typeface="+mn-lt"/>
+              </a:rPr>
+              <a:t>elecFinalBySecTWh</a:t>
+            </a:r>
+          </a:p>
+          <a:p>
+            <a:pPr marL="171450" indent="-171450">
+              <a:buFont typeface="Arial" panose="020B0604020202020204" pitchFamily="34" charset="0"/>
+              <a:buChar char="•"/>
+            </a:pPr>
+            <a:r>
+              <a:rPr lang="en-US" altLang="en-US" sz="1050">
+                <a:latin typeface="+mn-lt"/>
+              </a:rPr>
+              <a:t>elecFinalByFuelTWh</a:t>
+            </a:r>
+          </a:p>
+          <a:p>
+            <a:pPr marL="171450" indent="-171450">
+              <a:buFont typeface="Arial" panose="020B0604020202020204" pitchFamily="34" charset="0"/>
+              <a:buChar char="•"/>
+            </a:pPr>
+            <a:r>
+              <a:rPr lang="en-US" altLang="en-US" sz="1050">
+                <a:latin typeface="+mn-lt"/>
+              </a:rPr>
+              <a:t>elecNewCapCost</a:t>
+            </a:r>
+          </a:p>
+          <a:p>
+            <a:pPr marL="171450" indent="-171450">
+              <a:buFont typeface="Arial" panose="020B0604020202020204" pitchFamily="34" charset="0"/>
+              <a:buChar char="•"/>
+            </a:pPr>
+            <a:r>
+              <a:rPr lang="en-US" altLang="en-US" sz="1050">
+                <a:latin typeface="+mn-lt"/>
+              </a:rPr>
+              <a:t>elecNewCapGW</a:t>
+            </a:r>
+          </a:p>
+          <a:p>
+            <a:pPr marL="171450" indent="-171450">
+              <a:buFont typeface="Arial" panose="020B0604020202020204" pitchFamily="34" charset="0"/>
+              <a:buChar char="•"/>
+            </a:pPr>
+            <a:r>
+              <a:rPr lang="en-US" altLang="en-US" sz="1050">
+                <a:latin typeface="+mn-lt"/>
+              </a:rPr>
+              <a:t>elecAnnualRetPrematureCost</a:t>
+            </a:r>
+          </a:p>
+          <a:p>
+            <a:pPr marL="171450" indent="-171450">
+              <a:buFont typeface="Arial" panose="020B0604020202020204" pitchFamily="34" charset="0"/>
+              <a:buChar char="•"/>
+            </a:pPr>
+            <a:r>
+              <a:rPr lang="en-US" altLang="en-US" sz="1050">
+                <a:latin typeface="+mn-lt"/>
+              </a:rPr>
+              <a:t>elecAnnualRetPrematureGW</a:t>
+            </a:r>
+          </a:p>
+          <a:p>
+            <a:pPr marL="171450" indent="-171450">
+              <a:buFont typeface="Arial" panose="020B0604020202020204" pitchFamily="34" charset="0"/>
+              <a:buChar char="•"/>
+            </a:pPr>
+            <a:r>
+              <a:rPr lang="en-US" altLang="en-US" sz="1050">
+                <a:latin typeface="+mn-lt"/>
+              </a:rPr>
+              <a:t>elecCumCapCost</a:t>
+            </a:r>
+          </a:p>
+          <a:p>
+            <a:pPr marL="171450" indent="-171450">
+              <a:buFont typeface="Arial" panose="020B0604020202020204" pitchFamily="34" charset="0"/>
+              <a:buChar char="•"/>
+            </a:pPr>
+            <a:r>
+              <a:rPr lang="en-US" altLang="en-US" sz="1050">
+                <a:latin typeface="+mn-lt"/>
+              </a:rPr>
+              <a:t>elecCumCapGW</a:t>
+            </a:r>
+          </a:p>
+          <a:p>
+            <a:pPr marL="171450" indent="-171450">
+              <a:buFont typeface="Arial" panose="020B0604020202020204" pitchFamily="34" charset="0"/>
+              <a:buChar char="•"/>
+            </a:pPr>
+            <a:r>
+              <a:rPr lang="en-US" altLang="en-US" sz="1050">
+                <a:latin typeface="+mn-lt"/>
+              </a:rPr>
+              <a:t>elecCumRetPrematureCost</a:t>
+            </a:r>
+          </a:p>
+          <a:p>
+            <a:pPr marL="171450" indent="-171450">
+              <a:buFont typeface="Arial" panose="020B0604020202020204" pitchFamily="34" charset="0"/>
+              <a:buChar char="•"/>
+            </a:pPr>
+            <a:r>
+              <a:rPr lang="en-US" altLang="en-US" sz="1050">
+                <a:latin typeface="+mn-lt"/>
+              </a:rPr>
+              <a:t>elecCumRetPrematureGW</a:t>
+            </a:r>
+          </a:p>
+          <a:p>
+            <a:pPr algn="ctr"/>
+            <a:r>
+              <a:rPr lang="en-US" altLang="en-US" sz="1050" b="1" u="sng">
+                <a:latin typeface="+mn-lt"/>
+              </a:rPr>
+              <a:t>transport</a:t>
+            </a:r>
+          </a:p>
+          <a:p>
+            <a:pPr marL="171450" indent="-171450">
+              <a:buFont typeface="Arial" panose="020B0604020202020204" pitchFamily="34" charset="0"/>
+              <a:buChar char="•"/>
+            </a:pPr>
+            <a:r>
+              <a:rPr lang="en-US" altLang="en-US" sz="1050">
+                <a:latin typeface="+mn-lt"/>
+              </a:rPr>
+              <a:t>transportPassengerVMTByMode</a:t>
+            </a:r>
+          </a:p>
+          <a:p>
+            <a:pPr marL="171450" indent="-171450">
+              <a:buFont typeface="Arial" panose="020B0604020202020204" pitchFamily="34" charset="0"/>
+              <a:buChar char="•"/>
+            </a:pPr>
+            <a:r>
+              <a:rPr lang="en-US" altLang="en-US" sz="1050">
+                <a:latin typeface="+mn-lt"/>
+              </a:rPr>
+              <a:t>transportFreightVMTByMode</a:t>
+            </a:r>
+          </a:p>
+          <a:p>
+            <a:pPr marL="171450" indent="-171450">
+              <a:buFont typeface="Arial" panose="020B0604020202020204" pitchFamily="34" charset="0"/>
+              <a:buChar char="•"/>
+            </a:pPr>
+            <a:r>
+              <a:rPr lang="en-US" altLang="en-US" sz="1050">
+                <a:latin typeface="+mn-lt"/>
+              </a:rPr>
+              <a:t>transportPassengerVMTByFuel</a:t>
+            </a:r>
+          </a:p>
+          <a:p>
+            <a:pPr marL="171450" indent="-171450">
+              <a:buFont typeface="Arial" panose="020B0604020202020204" pitchFamily="34" charset="0"/>
+              <a:buChar char="•"/>
+            </a:pPr>
+            <a:r>
+              <a:rPr lang="en-US" altLang="en-US" sz="1050">
+                <a:latin typeface="+mn-lt"/>
+              </a:rPr>
+              <a:t>transportFreightVMTByFuel</a:t>
+            </a:r>
+          </a:p>
+        </p:txBody>
+      </p:sp>
+      <p:sp>
+        <p:nvSpPr>
+          <p:cNvPr id="7" name="TextBox 6">
+            <a:extLst>
+              <a:ext uri="{FF2B5EF4-FFF2-40B4-BE49-F238E27FC236}">
+                <a16:creationId xmlns:a16="http://schemas.microsoft.com/office/drawing/2014/main" id="{08849C20-7534-4CC1-AE72-789DE7D498D4}"/>
+              </a:ext>
+            </a:extLst>
+          </p:cNvPr>
+          <p:cNvSpPr txBox="1"/>
+          <p:nvPr/>
+        </p:nvSpPr>
+        <p:spPr>
+          <a:xfrm>
+            <a:off x="3772467" y="522579"/>
+            <a:ext cx="2216370" cy="5884240"/>
+          </a:xfrm>
+          <a:prstGeom prst="rect">
+            <a:avLst/>
+          </a:prstGeom>
+          <a:noFill/>
+        </p:spPr>
+        <p:txBody>
+          <a:bodyPr wrap="square" rtlCol="0">
+            <a:spAutoFit/>
+          </a:bodyPr>
+          <a:lstStyle>
+            <a:defPPr>
+              <a:defRPr lang="en-US"/>
+            </a:defPPr>
+            <a:lvl1pPr>
+              <a:lnSpc>
+                <a:spcPct val="150000"/>
+              </a:lnSpc>
+              <a:defRPr sz="900">
+                <a:latin typeface="Consolas" panose="020B0609020204030204" pitchFamily="49" charset="0"/>
+              </a:defRPr>
+            </a:lvl1pPr>
+          </a:lstStyle>
+          <a:p>
+            <a:pPr algn="ctr"/>
+            <a:r>
+              <a:rPr lang="en-US" altLang="en-US" sz="1050" b="1" u="sng">
+                <a:latin typeface="+mn-lt"/>
+              </a:rPr>
+              <a:t>socioecon</a:t>
+            </a:r>
+          </a:p>
+          <a:p>
+            <a:pPr marL="171450" indent="-171450">
+              <a:buFont typeface="Arial" panose="020B0604020202020204" pitchFamily="34" charset="0"/>
+              <a:buChar char="•"/>
+            </a:pPr>
+            <a:r>
+              <a:rPr lang="en-US" altLang="en-US" sz="1050">
+                <a:latin typeface="+mn-lt"/>
+              </a:rPr>
+              <a:t>gdpPerCapita</a:t>
+            </a:r>
+          </a:p>
+          <a:p>
+            <a:pPr marL="171450" indent="-171450">
+              <a:buFont typeface="Arial" panose="020B0604020202020204" pitchFamily="34" charset="0"/>
+              <a:buChar char="•"/>
+            </a:pPr>
+            <a:r>
+              <a:rPr lang="en-US" altLang="en-US" sz="1050">
+                <a:latin typeface="+mn-lt"/>
+              </a:rPr>
+              <a:t>gdp</a:t>
+            </a:r>
+          </a:p>
+          <a:p>
+            <a:pPr marL="171450" indent="-171450">
+              <a:buFont typeface="Arial" panose="020B0604020202020204" pitchFamily="34" charset="0"/>
+              <a:buChar char="•"/>
+            </a:pPr>
+            <a:r>
+              <a:rPr lang="en-US" altLang="en-US" sz="1050">
+                <a:latin typeface="+mn-lt"/>
+              </a:rPr>
+              <a:t>gdpGrowthRate</a:t>
+            </a:r>
+          </a:p>
+          <a:p>
+            <a:pPr marL="171450" indent="-171450">
+              <a:buFont typeface="Arial" panose="020B0604020202020204" pitchFamily="34" charset="0"/>
+              <a:buChar char="•"/>
+            </a:pPr>
+            <a:r>
+              <a:rPr lang="en-US" altLang="en-US" sz="1050">
+                <a:latin typeface="+mn-lt"/>
+              </a:rPr>
+              <a:t>pop</a:t>
+            </a:r>
+          </a:p>
+          <a:p>
+            <a:pPr algn="ctr"/>
+            <a:r>
+              <a:rPr lang="en-US" altLang="en-US" sz="1050" b="1" u="sng">
+                <a:latin typeface="+mn-lt"/>
+              </a:rPr>
+              <a:t>ag</a:t>
+            </a:r>
+          </a:p>
+          <a:p>
+            <a:pPr marL="171450" indent="-171450">
+              <a:buFont typeface="Arial" panose="020B0604020202020204" pitchFamily="34" charset="0"/>
+              <a:buChar char="•"/>
+            </a:pPr>
+            <a:r>
+              <a:rPr lang="en-US" altLang="en-US" sz="1050">
+                <a:latin typeface="+mn-lt"/>
+              </a:rPr>
+              <a:t>agProdbyIrrRfd</a:t>
+            </a:r>
+          </a:p>
+          <a:p>
+            <a:pPr marL="171450" indent="-171450">
+              <a:buFont typeface="Arial" panose="020B0604020202020204" pitchFamily="34" charset="0"/>
+              <a:buChar char="•"/>
+            </a:pPr>
+            <a:r>
+              <a:rPr lang="en-US" altLang="en-US" sz="1050">
+                <a:latin typeface="+mn-lt"/>
+              </a:rPr>
+              <a:t>agProdBiomass</a:t>
+            </a:r>
+          </a:p>
+          <a:p>
+            <a:pPr marL="171450" indent="-171450">
+              <a:buFont typeface="Arial" panose="020B0604020202020204" pitchFamily="34" charset="0"/>
+              <a:buChar char="•"/>
+            </a:pPr>
+            <a:r>
+              <a:rPr lang="en-US" altLang="en-US" sz="1050">
+                <a:latin typeface="+mn-lt"/>
+              </a:rPr>
+              <a:t>agProdForest</a:t>
+            </a:r>
+          </a:p>
+          <a:p>
+            <a:pPr marL="171450" indent="-171450">
+              <a:buFont typeface="Arial" panose="020B0604020202020204" pitchFamily="34" charset="0"/>
+              <a:buChar char="•"/>
+            </a:pPr>
+            <a:r>
+              <a:rPr lang="en-US" altLang="en-US" sz="1050">
+                <a:latin typeface="+mn-lt"/>
+              </a:rPr>
+              <a:t>agProdByCrop</a:t>
+            </a:r>
+          </a:p>
+          <a:p>
+            <a:pPr algn="ctr"/>
+            <a:r>
+              <a:rPr lang="en-US" altLang="en-US" sz="1050" b="1" u="sng">
+                <a:latin typeface="+mn-lt"/>
+              </a:rPr>
+              <a:t>livestock</a:t>
+            </a:r>
+          </a:p>
+          <a:p>
+            <a:pPr marL="171450" indent="-171450">
+              <a:buFont typeface="Arial" panose="020B0604020202020204" pitchFamily="34" charset="0"/>
+              <a:buChar char="•"/>
+            </a:pPr>
+            <a:r>
+              <a:rPr lang="en-US" altLang="en-US" sz="1050">
+                <a:latin typeface="+mn-lt"/>
+              </a:rPr>
+              <a:t>livestock_MeatDairybyTechMixed</a:t>
+            </a:r>
+          </a:p>
+          <a:p>
+            <a:pPr marL="171450" indent="-171450">
+              <a:buFont typeface="Arial" panose="020B0604020202020204" pitchFamily="34" charset="0"/>
+              <a:buChar char="•"/>
+            </a:pPr>
+            <a:r>
+              <a:rPr lang="en-US" altLang="en-US" sz="1050">
+                <a:latin typeface="+mn-lt"/>
+              </a:rPr>
+              <a:t>livestock_MeatDairybyTechPastoral</a:t>
+            </a:r>
+          </a:p>
+          <a:p>
+            <a:pPr marL="171450" indent="-171450">
+              <a:buFont typeface="Arial" panose="020B0604020202020204" pitchFamily="34" charset="0"/>
+              <a:buChar char="•"/>
+            </a:pPr>
+            <a:r>
+              <a:rPr lang="en-US" altLang="en-US" sz="1050">
+                <a:latin typeface="+mn-lt"/>
+              </a:rPr>
+              <a:t>livestock_MeatDairybyTechImports</a:t>
+            </a:r>
+          </a:p>
+          <a:p>
+            <a:pPr marL="171450" indent="-171450">
+              <a:buFont typeface="Arial" panose="020B0604020202020204" pitchFamily="34" charset="0"/>
+              <a:buChar char="•"/>
+            </a:pPr>
+            <a:r>
+              <a:rPr lang="en-US" altLang="en-US" sz="1050">
+                <a:latin typeface="+mn-lt"/>
+              </a:rPr>
+              <a:t>livestock_MeatDairybySubsector</a:t>
+            </a:r>
+          </a:p>
+          <a:p>
+            <a:pPr algn="ctr"/>
+            <a:r>
+              <a:rPr lang="en-US" altLang="en-US" sz="1050" b="1" u="sng">
+                <a:latin typeface="+mn-lt"/>
+              </a:rPr>
+              <a:t>land</a:t>
+            </a:r>
+          </a:p>
+          <a:p>
+            <a:pPr marL="171450" indent="-171450">
+              <a:buFont typeface="Arial" panose="020B0604020202020204" pitchFamily="34" charset="0"/>
+              <a:buChar char="•"/>
+            </a:pPr>
+            <a:r>
+              <a:rPr lang="en-US" altLang="en-US" sz="1050">
+                <a:latin typeface="+mn-lt"/>
+              </a:rPr>
+              <a:t>landIrrRfd</a:t>
+            </a:r>
+          </a:p>
+          <a:p>
+            <a:pPr marL="171450" indent="-171450">
+              <a:buFont typeface="Arial" panose="020B0604020202020204" pitchFamily="34" charset="0"/>
+              <a:buChar char="•"/>
+            </a:pPr>
+            <a:r>
+              <a:rPr lang="en-US" altLang="en-US" sz="1050">
+                <a:latin typeface="+mn-lt"/>
+              </a:rPr>
+              <a:t>landIrrCrop</a:t>
+            </a:r>
+          </a:p>
+          <a:p>
+            <a:pPr marL="171450" indent="-171450">
+              <a:buFont typeface="Arial" panose="020B0604020202020204" pitchFamily="34" charset="0"/>
+              <a:buChar char="•"/>
+            </a:pPr>
+            <a:r>
+              <a:rPr lang="en-US" altLang="en-US" sz="1050">
+                <a:latin typeface="+mn-lt"/>
+              </a:rPr>
+              <a:t>landRfdCrop</a:t>
+            </a:r>
+          </a:p>
+          <a:p>
+            <a:pPr marL="171450" indent="-171450">
+              <a:buFont typeface="Arial" panose="020B0604020202020204" pitchFamily="34" charset="0"/>
+              <a:buChar char="•"/>
+            </a:pPr>
+            <a:r>
+              <a:rPr lang="en-US" altLang="en-US" sz="1050">
+                <a:latin typeface="+mn-lt"/>
+              </a:rPr>
+              <a:t>landAlloc</a:t>
+            </a:r>
+          </a:p>
+          <a:p>
+            <a:pPr marL="171450" indent="-171450">
+              <a:buFont typeface="Arial" panose="020B0604020202020204" pitchFamily="34" charset="0"/>
+              <a:buChar char="•"/>
+            </a:pPr>
+            <a:r>
+              <a:rPr lang="en-US" altLang="en-US" sz="1050">
+                <a:latin typeface="+mn-lt"/>
+              </a:rPr>
+              <a:t>landAllocByCrop</a:t>
+            </a:r>
+          </a:p>
+          <a:p>
+            <a:pPr algn="ctr"/>
+            <a:endParaRPr lang="en-US" altLang="en-US" sz="1050">
+              <a:latin typeface="+mn-lt"/>
+            </a:endParaRPr>
+          </a:p>
+        </p:txBody>
+      </p:sp>
+      <p:sp>
+        <p:nvSpPr>
+          <p:cNvPr id="8" name="TextBox 7">
+            <a:extLst>
+              <a:ext uri="{FF2B5EF4-FFF2-40B4-BE49-F238E27FC236}">
+                <a16:creationId xmlns:a16="http://schemas.microsoft.com/office/drawing/2014/main" id="{8585856F-0683-439B-927B-E2E8AD4AA13F}"/>
+              </a:ext>
+            </a:extLst>
+          </p:cNvPr>
+          <p:cNvSpPr txBox="1"/>
+          <p:nvPr/>
+        </p:nvSpPr>
+        <p:spPr>
+          <a:xfrm>
+            <a:off x="6867727" y="522579"/>
+            <a:ext cx="2216370" cy="4429995"/>
+          </a:xfrm>
+          <a:prstGeom prst="rect">
+            <a:avLst/>
+          </a:prstGeom>
+          <a:noFill/>
+        </p:spPr>
+        <p:txBody>
+          <a:bodyPr wrap="square" rtlCol="0">
+            <a:spAutoFit/>
+          </a:bodyPr>
+          <a:lstStyle>
+            <a:defPPr>
+              <a:defRPr lang="en-US"/>
+            </a:defPPr>
+            <a:lvl1pPr>
+              <a:lnSpc>
+                <a:spcPct val="150000"/>
+              </a:lnSpc>
+              <a:defRPr sz="900">
+                <a:latin typeface="Consolas" panose="020B0609020204030204" pitchFamily="49" charset="0"/>
+              </a:defRPr>
+            </a:lvl1pPr>
+          </a:lstStyle>
+          <a:p>
+            <a:pPr algn="ctr"/>
+            <a:r>
+              <a:rPr lang="en-US" altLang="en-US" sz="1050" b="1" u="sng">
+                <a:latin typeface="+mn-lt"/>
+              </a:rPr>
+              <a:t>emissions</a:t>
+            </a:r>
+          </a:p>
+          <a:p>
+            <a:pPr marL="171450" indent="-171450">
+              <a:buFont typeface="Arial" panose="020B0604020202020204" pitchFamily="34" charset="0"/>
+              <a:buChar char="•"/>
+            </a:pPr>
+            <a:r>
+              <a:rPr lang="en-US" altLang="en-US" sz="1050">
+                <a:latin typeface="+mn-lt"/>
+              </a:rPr>
+              <a:t>emissNonCO2BySectorGWPAR5</a:t>
+            </a:r>
+          </a:p>
+          <a:p>
+            <a:pPr marL="171450" indent="-171450">
+              <a:buFont typeface="Arial" panose="020B0604020202020204" pitchFamily="34" charset="0"/>
+              <a:buChar char="•"/>
+            </a:pPr>
+            <a:r>
+              <a:rPr lang="en-US" altLang="en-US" sz="1050">
+                <a:latin typeface="+mn-lt"/>
+              </a:rPr>
+              <a:t>emissNonCO2BySectorGTPAR5</a:t>
+            </a:r>
+          </a:p>
+          <a:p>
+            <a:pPr marL="171450" indent="-171450">
+              <a:buFont typeface="Arial" panose="020B0604020202020204" pitchFamily="34" charset="0"/>
+              <a:buChar char="•"/>
+            </a:pPr>
+            <a:r>
+              <a:rPr lang="en-US" altLang="en-US" sz="1050">
+                <a:latin typeface="+mn-lt"/>
+              </a:rPr>
+              <a:t>emissNonCO2BySectorOrigUnits</a:t>
+            </a:r>
+          </a:p>
+          <a:p>
+            <a:pPr marL="171450" indent="-171450">
+              <a:buFont typeface="Arial" panose="020B0604020202020204" pitchFamily="34" charset="0"/>
+              <a:buChar char="•"/>
+            </a:pPr>
+            <a:r>
+              <a:rPr lang="en-US" altLang="en-US" sz="1050">
+                <a:latin typeface="+mn-lt"/>
+              </a:rPr>
+              <a:t>emissLUC</a:t>
+            </a:r>
+          </a:p>
+          <a:p>
+            <a:pPr marL="171450" indent="-171450">
+              <a:buFont typeface="Arial" panose="020B0604020202020204" pitchFamily="34" charset="0"/>
+              <a:buChar char="•"/>
+            </a:pPr>
+            <a:r>
+              <a:rPr lang="en-US" altLang="en-US" sz="1050">
+                <a:latin typeface="+mn-lt"/>
+              </a:rPr>
+              <a:t>emissCO2BySectorNoBio</a:t>
+            </a:r>
+          </a:p>
+          <a:p>
+            <a:pPr marL="171450" indent="-171450">
+              <a:buFont typeface="Arial" panose="020B0604020202020204" pitchFamily="34" charset="0"/>
+              <a:buChar char="•"/>
+            </a:pPr>
+            <a:r>
+              <a:rPr lang="en-US" altLang="en-US" sz="1050">
+                <a:latin typeface="+mn-lt"/>
+              </a:rPr>
+              <a:t>emissNonCO2ByResProdGWPAR5</a:t>
+            </a:r>
+          </a:p>
+          <a:p>
+            <a:pPr marL="171450" indent="-171450">
+              <a:buFont typeface="Arial" panose="020B0604020202020204" pitchFamily="34" charset="0"/>
+              <a:buChar char="•"/>
+            </a:pPr>
+            <a:r>
+              <a:rPr lang="en-US" altLang="en-US" sz="1050">
+                <a:latin typeface="+mn-lt"/>
+              </a:rPr>
+              <a:t>emissMethaneBySourceGWPAR5</a:t>
+            </a:r>
+          </a:p>
+          <a:p>
+            <a:pPr marL="171450" indent="-171450">
+              <a:buFont typeface="Arial" panose="020B0604020202020204" pitchFamily="34" charset="0"/>
+              <a:buChar char="•"/>
+            </a:pPr>
+            <a:r>
+              <a:rPr lang="en-US" altLang="en-US" sz="1050">
+                <a:latin typeface="+mn-lt"/>
+              </a:rPr>
+              <a:t>emissByGasGWPAR5FFI</a:t>
+            </a:r>
+          </a:p>
+          <a:p>
+            <a:pPr marL="171450" indent="-171450">
+              <a:buFont typeface="Arial" panose="020B0604020202020204" pitchFamily="34" charset="0"/>
+              <a:buChar char="•"/>
+            </a:pPr>
+            <a:r>
+              <a:rPr lang="en-US" altLang="en-US" sz="1050">
+                <a:latin typeface="+mn-lt"/>
+              </a:rPr>
+              <a:t>emissByGasGWPAR5LUC</a:t>
+            </a:r>
+          </a:p>
+          <a:p>
+            <a:pPr marL="171450" indent="-171450">
+              <a:buFont typeface="Arial" panose="020B0604020202020204" pitchFamily="34" charset="0"/>
+              <a:buChar char="•"/>
+            </a:pPr>
+            <a:r>
+              <a:rPr lang="en-US" altLang="en-US" sz="1050">
+                <a:latin typeface="+mn-lt"/>
+              </a:rPr>
+              <a:t>emissBySectorGWPAR5FFI</a:t>
+            </a:r>
+          </a:p>
+          <a:p>
+            <a:pPr marL="171450" indent="-171450">
+              <a:buFont typeface="Arial" panose="020B0604020202020204" pitchFamily="34" charset="0"/>
+              <a:buChar char="•"/>
+            </a:pPr>
+            <a:r>
+              <a:rPr lang="en-US" altLang="en-US" sz="1050">
+                <a:latin typeface="+mn-lt"/>
+              </a:rPr>
+              <a:t>emissBySectorGWPAR5LUC</a:t>
+            </a:r>
+          </a:p>
+          <a:p>
+            <a:pPr marL="171450" indent="-171450">
+              <a:buFont typeface="Arial" panose="020B0604020202020204" pitchFamily="34" charset="0"/>
+              <a:buChar char="•"/>
+            </a:pPr>
+            <a:r>
+              <a:rPr lang="en-US" altLang="en-US" sz="1050">
+                <a:latin typeface="+mn-lt"/>
+              </a:rPr>
+              <a:t>emissNonCO2ByResProdGTPAR5</a:t>
+            </a:r>
+          </a:p>
+          <a:p>
+            <a:pPr marL="171450" indent="-171450">
+              <a:buFont typeface="Arial" panose="020B0604020202020204" pitchFamily="34" charset="0"/>
+              <a:buChar char="•"/>
+            </a:pPr>
+            <a:r>
+              <a:rPr lang="en-US" altLang="en-US" sz="1050">
+                <a:latin typeface="+mn-lt"/>
+              </a:rPr>
+              <a:t>emissMethaneBySourceGTPAR5</a:t>
+            </a:r>
+          </a:p>
+          <a:p>
+            <a:pPr marL="171450" indent="-171450">
+              <a:buFont typeface="Arial" panose="020B0604020202020204" pitchFamily="34" charset="0"/>
+              <a:buChar char="•"/>
+            </a:pPr>
+            <a:r>
+              <a:rPr lang="en-US" altLang="en-US" sz="1050">
+                <a:latin typeface="+mn-lt"/>
+              </a:rPr>
+              <a:t>emissByGasGTPAR5FFI</a:t>
+            </a:r>
+          </a:p>
+          <a:p>
+            <a:pPr marL="171450" indent="-171450">
+              <a:buFont typeface="Arial" panose="020B0604020202020204" pitchFamily="34" charset="0"/>
+              <a:buChar char="•"/>
+            </a:pPr>
+            <a:r>
+              <a:rPr lang="en-US" altLang="en-US" sz="1050">
+                <a:latin typeface="+mn-lt"/>
+              </a:rPr>
+              <a:t>emissByGasGTPAR5LUC</a:t>
+            </a:r>
+          </a:p>
+          <a:p>
+            <a:pPr marL="171450" indent="-171450">
+              <a:buFont typeface="Arial" panose="020B0604020202020204" pitchFamily="34" charset="0"/>
+              <a:buChar char="•"/>
+            </a:pPr>
+            <a:r>
+              <a:rPr lang="en-US" altLang="en-US" sz="1050">
+                <a:latin typeface="+mn-lt"/>
+              </a:rPr>
+              <a:t>emissBySectorGTPAR5FFI</a:t>
+            </a:r>
+          </a:p>
+          <a:p>
+            <a:pPr marL="171450" indent="-171450">
+              <a:buFont typeface="Arial" panose="020B0604020202020204" pitchFamily="34" charset="0"/>
+              <a:buChar char="•"/>
+            </a:pPr>
+            <a:r>
+              <a:rPr lang="en-US" altLang="en-US" sz="1050">
+                <a:latin typeface="+mn-lt"/>
+              </a:rPr>
+              <a:t>emissBySectorGTPAR5LUC</a:t>
+            </a:r>
+          </a:p>
+        </p:txBody>
+      </p:sp>
+      <p:sp>
+        <p:nvSpPr>
+          <p:cNvPr id="10" name="TextBox 9">
+            <a:extLst>
+              <a:ext uri="{FF2B5EF4-FFF2-40B4-BE49-F238E27FC236}">
+                <a16:creationId xmlns:a16="http://schemas.microsoft.com/office/drawing/2014/main" id="{11BBF495-EC10-4E41-938D-C41D6846FC07}"/>
+              </a:ext>
+            </a:extLst>
+          </p:cNvPr>
+          <p:cNvSpPr txBox="1"/>
+          <p:nvPr/>
+        </p:nvSpPr>
+        <p:spPr>
+          <a:xfrm>
+            <a:off x="9270444" y="522578"/>
+            <a:ext cx="2216370" cy="2006255"/>
+          </a:xfrm>
+          <a:prstGeom prst="rect">
+            <a:avLst/>
+          </a:prstGeom>
+          <a:noFill/>
+        </p:spPr>
+        <p:txBody>
+          <a:bodyPr wrap="square" rtlCol="0">
+            <a:spAutoFit/>
+          </a:bodyPr>
+          <a:lstStyle>
+            <a:defPPr>
+              <a:defRPr lang="en-US"/>
+            </a:defPPr>
+            <a:lvl1pPr>
+              <a:lnSpc>
+                <a:spcPct val="150000"/>
+              </a:lnSpc>
+              <a:defRPr sz="900">
+                <a:latin typeface="Consolas" panose="020B0609020204030204" pitchFamily="49" charset="0"/>
+              </a:defRPr>
+            </a:lvl1pPr>
+          </a:lstStyle>
+          <a:p>
+            <a:pPr algn="ctr"/>
+            <a:r>
+              <a:rPr lang="en-US" altLang="en-US" sz="1050" b="1" u="sng">
+                <a:latin typeface="+mn-lt"/>
+              </a:rPr>
+              <a:t>water</a:t>
+            </a:r>
+          </a:p>
+          <a:p>
+            <a:pPr marL="171450" indent="-171450">
+              <a:buFont typeface="Arial" panose="020B0604020202020204" pitchFamily="34" charset="0"/>
+              <a:buChar char="•"/>
+            </a:pPr>
+            <a:r>
+              <a:rPr lang="en-US" altLang="en-US" sz="1050">
+                <a:latin typeface="+mn-lt"/>
+              </a:rPr>
+              <a:t>watConsumBySec</a:t>
+            </a:r>
+          </a:p>
+          <a:p>
+            <a:pPr marL="171450" indent="-171450">
+              <a:buFont typeface="Arial" panose="020B0604020202020204" pitchFamily="34" charset="0"/>
+              <a:buChar char="•"/>
+            </a:pPr>
+            <a:r>
+              <a:rPr lang="en-US" altLang="en-US" sz="1050">
+                <a:latin typeface="+mn-lt"/>
+              </a:rPr>
+              <a:t>watWithdrawBySec</a:t>
+            </a:r>
+          </a:p>
+          <a:p>
+            <a:pPr marL="171450" indent="-171450">
+              <a:buFont typeface="Arial" panose="020B0604020202020204" pitchFamily="34" charset="0"/>
+              <a:buChar char="•"/>
+            </a:pPr>
+            <a:r>
+              <a:rPr lang="en-US" altLang="en-US" sz="1050">
+                <a:latin typeface="+mn-lt"/>
+              </a:rPr>
+              <a:t>watWithdrawByCrop</a:t>
+            </a:r>
+          </a:p>
+          <a:p>
+            <a:pPr marL="171450" indent="-171450">
+              <a:buFont typeface="Arial" panose="020B0604020202020204" pitchFamily="34" charset="0"/>
+              <a:buChar char="•"/>
+            </a:pPr>
+            <a:r>
+              <a:rPr lang="en-US" altLang="en-US" sz="1050">
+                <a:latin typeface="+mn-lt"/>
+              </a:rPr>
+              <a:t>watBioPhysCons</a:t>
+            </a:r>
+          </a:p>
+          <a:p>
+            <a:pPr marL="171450" indent="-171450">
+              <a:buFont typeface="Arial" panose="020B0604020202020204" pitchFamily="34" charset="0"/>
+              <a:buChar char="•"/>
+            </a:pPr>
+            <a:r>
+              <a:rPr lang="en-US" altLang="en-US" sz="1050">
+                <a:latin typeface="+mn-lt"/>
+              </a:rPr>
+              <a:t>watIrrWithdrawBasin</a:t>
+            </a:r>
+          </a:p>
+          <a:p>
+            <a:pPr marL="171450" indent="-171450">
+              <a:buFont typeface="Arial" panose="020B0604020202020204" pitchFamily="34" charset="0"/>
+              <a:buChar char="•"/>
+            </a:pPr>
+            <a:r>
+              <a:rPr lang="en-US" altLang="en-US" sz="1050">
+                <a:latin typeface="+mn-lt"/>
+              </a:rPr>
+              <a:t>watIrrConsBasin</a:t>
+            </a:r>
+          </a:p>
+          <a:p>
+            <a:pPr marL="171450" indent="-171450">
+              <a:buFont typeface="Arial" panose="020B0604020202020204" pitchFamily="34" charset="0"/>
+              <a:buChar char="•"/>
+            </a:pPr>
+            <a:r>
+              <a:rPr lang="en-US" altLang="en-US" sz="1050">
+                <a:latin typeface="+mn-lt"/>
+              </a:rPr>
+              <a:t>watSupRunoffBasin</a:t>
+            </a:r>
+          </a:p>
+        </p:txBody>
+      </p:sp>
+      <p:sp>
+        <p:nvSpPr>
+          <p:cNvPr id="11" name="Rectangle 10">
+            <a:extLst>
+              <a:ext uri="{FF2B5EF4-FFF2-40B4-BE49-F238E27FC236}">
+                <a16:creationId xmlns:a16="http://schemas.microsoft.com/office/drawing/2014/main" id="{F7432040-3975-4A47-9851-71C7544179DB}"/>
+              </a:ext>
+            </a:extLst>
+          </p:cNvPr>
+          <p:cNvSpPr/>
+          <p:nvPr/>
+        </p:nvSpPr>
+        <p:spPr>
+          <a:xfrm>
+            <a:off x="497520" y="522577"/>
+            <a:ext cx="10466402" cy="5691791"/>
+          </a:xfrm>
+          <a:prstGeom prst="rect">
+            <a:avLst/>
+          </a:prstGeom>
+          <a:noFill/>
+          <a:ln>
+            <a:solidFill>
+              <a:schemeClr val="bg1">
+                <a:lumMod val="65000"/>
+              </a:schemeClr>
+            </a:solidFill>
+          </a:ln>
+        </p:spPr>
+        <p:style>
+          <a:lnRef idx="2">
+            <a:schemeClr val="accent1">
+              <a:shade val="50000"/>
+            </a:schemeClr>
+          </a:lnRef>
+          <a:fillRef idx="1">
+            <a:schemeClr val="accent1"/>
+          </a:fillRef>
+          <a:effectRef idx="0">
+            <a:schemeClr val="accent1"/>
+          </a:effectRef>
+          <a:fontRef idx="minor">
+            <a:schemeClr val="lt1"/>
+          </a:fontRef>
+        </p:style>
+        <p:txBody>
+          <a:bodyPr rtlCol="0" anchor="ctr"/>
+          <a:lstStyle/>
+          <a:p>
+            <a:pPr algn="ctr"/>
+            <a:endParaRPr lang="en-US"/>
+          </a:p>
+        </p:txBody>
+      </p:sp>
+      <p:sp>
+        <p:nvSpPr>
+          <p:cNvPr id="12" name="TextBox 11">
+            <a:extLst>
+              <a:ext uri="{FF2B5EF4-FFF2-40B4-BE49-F238E27FC236}">
+                <a16:creationId xmlns:a16="http://schemas.microsoft.com/office/drawing/2014/main" id="{F1498920-CEE6-468A-B822-668FDD52D7A2}"/>
+              </a:ext>
+            </a:extLst>
+          </p:cNvPr>
+          <p:cNvSpPr txBox="1"/>
+          <p:nvPr/>
+        </p:nvSpPr>
+        <p:spPr>
+          <a:xfrm>
+            <a:off x="192163" y="128664"/>
+            <a:ext cx="2066223" cy="369332"/>
+          </a:xfrm>
+          <a:prstGeom prst="rect">
+            <a:avLst/>
+          </a:prstGeom>
+          <a:noFill/>
+        </p:spPr>
+        <p:txBody>
+          <a:bodyPr wrap="square" rtlCol="0">
+            <a:spAutoFit/>
+          </a:bodyPr>
+          <a:lstStyle/>
+          <a:p>
+            <a:pPr algn="ctr"/>
+            <a:r>
+              <a:rPr lang="en-US" b="1"/>
+              <a:t>Param List</a:t>
+            </a:r>
+          </a:p>
+        </p:txBody>
+      </p:sp>
+    </p:spTree>
+    <p:extLst>
+      <p:ext uri="{BB962C8B-B14F-4D97-AF65-F5344CB8AC3E}">
+        <p14:creationId xmlns:p14="http://schemas.microsoft.com/office/powerpoint/2010/main" val="3345794904"/>
+      </p:ext>
+    </p:extLst>
+  </p:cSld>
+  <p:clrMapOvr>
+    <a:masterClrMapping/>
+  </p:clrMapOvr>
+</p:sld>
+</file>
+
+<file path=ppt/slides/slide40.xml><?xml version="1.0" encoding="utf-8"?>
 <p:sld xmlns:a="http://schemas.openxmlformats.org/drawingml/2006/main" xmlns:r="http://schemas.openxmlformats.org/officeDocument/2006/relationships" xmlns:p="http://schemas.openxmlformats.org/presentationml/2006/main">
   <p:cSld>
     <p:spTree>
@@ -16441,1053 +17680,7 @@
 </p:sld>
 </file>
 
-<file path=ppt/slides/slide4.xml><?xml version="1.0" encoding="utf-8"?>
-<p:sld xmlns:a="http://schemas.openxmlformats.org/drawingml/2006/main" xmlns:r="http://schemas.openxmlformats.org/officeDocument/2006/relationships" xmlns:p="http://schemas.openxmlformats.org/presentationml/2006/main">
-  <p:cSld>
-    <p:spTree>
-      <p:nvGrpSpPr>
-        <p:cNvPr id="1" name=""/>
-        <p:cNvGrpSpPr/>
-        <p:nvPr/>
-      </p:nvGrpSpPr>
-      <p:grpSpPr>
-        <a:xfrm>
-          <a:off x="0" y="0"/>
-          <a:ext cx="0" cy="0"/>
-          <a:chOff x="0" y="0"/>
-          <a:chExt cx="0" cy="0"/>
-        </a:xfrm>
-      </p:grpSpPr>
-      <p:sp>
-        <p:nvSpPr>
-          <p:cNvPr id="6" name="TextBox 5">
-            <a:extLst>
-              <a:ext uri="{FF2B5EF4-FFF2-40B4-BE49-F238E27FC236}">
-                <a16:creationId xmlns:a16="http://schemas.microsoft.com/office/drawing/2014/main" id="{770E9E06-5F46-4A20-920E-2473B2FB3AF0}"/>
-              </a:ext>
-            </a:extLst>
-          </p:cNvPr>
-          <p:cNvSpPr txBox="1"/>
-          <p:nvPr/>
-        </p:nvSpPr>
-        <p:spPr>
-          <a:xfrm>
-            <a:off x="677207" y="522579"/>
-            <a:ext cx="2216370" cy="4429995"/>
-          </a:xfrm>
-          <a:prstGeom prst="rect">
-            <a:avLst/>
-          </a:prstGeom>
-          <a:noFill/>
-        </p:spPr>
-        <p:txBody>
-          <a:bodyPr wrap="square" rtlCol="0">
-            <a:spAutoFit/>
-          </a:bodyPr>
-          <a:lstStyle>
-            <a:defPPr>
-              <a:defRPr lang="en-US"/>
-            </a:defPPr>
-            <a:lvl1pPr>
-              <a:lnSpc>
-                <a:spcPct val="150000"/>
-              </a:lnSpc>
-              <a:defRPr sz="900">
-                <a:latin typeface="Consolas" panose="020B0609020204030204" pitchFamily="49" charset="0"/>
-              </a:defRPr>
-            </a:lvl1pPr>
-          </a:lstStyle>
-          <a:p>
-            <a:pPr algn="ctr"/>
-            <a:r>
-              <a:rPr lang="en-US" altLang="en-US" sz="1050" b="1" u="sng">
-                <a:latin typeface="+mn-lt"/>
-              </a:rPr>
-              <a:t>electricity</a:t>
-            </a:r>
-          </a:p>
-          <a:p>
-            <a:pPr marL="171450" indent="-171450">
-              <a:buFont typeface="Arial" panose="020B0604020202020204" pitchFamily="34" charset="0"/>
-              <a:buChar char="•"/>
-            </a:pPr>
-            <a:r>
-              <a:rPr lang="en-US" altLang="en-US" sz="1050">
-                <a:latin typeface="+mn-lt"/>
-              </a:rPr>
-              <a:t>elecByTechTWh</a:t>
-            </a:r>
-          </a:p>
-          <a:p>
-            <a:pPr marL="171450" indent="-171450">
-              <a:buFont typeface="Arial" panose="020B0604020202020204" pitchFamily="34" charset="0"/>
-              <a:buChar char="•"/>
-            </a:pPr>
-            <a:r>
-              <a:rPr lang="en-US" altLang="en-US" sz="1050">
-                <a:latin typeface="+mn-lt"/>
-              </a:rPr>
-              <a:t>elecCapByFuel</a:t>
-            </a:r>
-          </a:p>
-          <a:p>
-            <a:pPr marL="171450" indent="-171450">
-              <a:buFont typeface="Arial" panose="020B0604020202020204" pitchFamily="34" charset="0"/>
-              <a:buChar char="•"/>
-            </a:pPr>
-            <a:r>
-              <a:rPr lang="en-US" altLang="en-US" sz="1050">
-                <a:latin typeface="+mn-lt"/>
-              </a:rPr>
-              <a:t>elecFinalBySecTWh</a:t>
-            </a:r>
-          </a:p>
-          <a:p>
-            <a:pPr marL="171450" indent="-171450">
-              <a:buFont typeface="Arial" panose="020B0604020202020204" pitchFamily="34" charset="0"/>
-              <a:buChar char="•"/>
-            </a:pPr>
-            <a:r>
-              <a:rPr lang="en-US" altLang="en-US" sz="1050">
-                <a:latin typeface="+mn-lt"/>
-              </a:rPr>
-              <a:t>elecFinalByFuelTWh</a:t>
-            </a:r>
-          </a:p>
-          <a:p>
-            <a:pPr marL="171450" indent="-171450">
-              <a:buFont typeface="Arial" panose="020B0604020202020204" pitchFamily="34" charset="0"/>
-              <a:buChar char="•"/>
-            </a:pPr>
-            <a:r>
-              <a:rPr lang="en-US" altLang="en-US" sz="1050">
-                <a:latin typeface="+mn-lt"/>
-              </a:rPr>
-              <a:t>elecNewCapCost</a:t>
-            </a:r>
-          </a:p>
-          <a:p>
-            <a:pPr marL="171450" indent="-171450">
-              <a:buFont typeface="Arial" panose="020B0604020202020204" pitchFamily="34" charset="0"/>
-              <a:buChar char="•"/>
-            </a:pPr>
-            <a:r>
-              <a:rPr lang="en-US" altLang="en-US" sz="1050">
-                <a:latin typeface="+mn-lt"/>
-              </a:rPr>
-              <a:t>elecNewCapGW</a:t>
-            </a:r>
-          </a:p>
-          <a:p>
-            <a:pPr marL="171450" indent="-171450">
-              <a:buFont typeface="Arial" panose="020B0604020202020204" pitchFamily="34" charset="0"/>
-              <a:buChar char="•"/>
-            </a:pPr>
-            <a:r>
-              <a:rPr lang="en-US" altLang="en-US" sz="1050">
-                <a:latin typeface="+mn-lt"/>
-              </a:rPr>
-              <a:t>elecAnnualRetPrematureCost</a:t>
-            </a:r>
-          </a:p>
-          <a:p>
-            <a:pPr marL="171450" indent="-171450">
-              <a:buFont typeface="Arial" panose="020B0604020202020204" pitchFamily="34" charset="0"/>
-              <a:buChar char="•"/>
-            </a:pPr>
-            <a:r>
-              <a:rPr lang="en-US" altLang="en-US" sz="1050">
-                <a:latin typeface="+mn-lt"/>
-              </a:rPr>
-              <a:t>elecAnnualRetPrematureGW</a:t>
-            </a:r>
-          </a:p>
-          <a:p>
-            <a:pPr marL="171450" indent="-171450">
-              <a:buFont typeface="Arial" panose="020B0604020202020204" pitchFamily="34" charset="0"/>
-              <a:buChar char="•"/>
-            </a:pPr>
-            <a:r>
-              <a:rPr lang="en-US" altLang="en-US" sz="1050">
-                <a:latin typeface="+mn-lt"/>
-              </a:rPr>
-              <a:t>elecCumCapCost</a:t>
-            </a:r>
-          </a:p>
-          <a:p>
-            <a:pPr marL="171450" indent="-171450">
-              <a:buFont typeface="Arial" panose="020B0604020202020204" pitchFamily="34" charset="0"/>
-              <a:buChar char="•"/>
-            </a:pPr>
-            <a:r>
-              <a:rPr lang="en-US" altLang="en-US" sz="1050">
-                <a:latin typeface="+mn-lt"/>
-              </a:rPr>
-              <a:t>elecCumCapGW</a:t>
-            </a:r>
-          </a:p>
-          <a:p>
-            <a:pPr marL="171450" indent="-171450">
-              <a:buFont typeface="Arial" panose="020B0604020202020204" pitchFamily="34" charset="0"/>
-              <a:buChar char="•"/>
-            </a:pPr>
-            <a:r>
-              <a:rPr lang="en-US" altLang="en-US" sz="1050">
-                <a:latin typeface="+mn-lt"/>
-              </a:rPr>
-              <a:t>elecCumRetPrematureCost</a:t>
-            </a:r>
-          </a:p>
-          <a:p>
-            <a:pPr marL="171450" indent="-171450">
-              <a:buFont typeface="Arial" panose="020B0604020202020204" pitchFamily="34" charset="0"/>
-              <a:buChar char="•"/>
-            </a:pPr>
-            <a:r>
-              <a:rPr lang="en-US" altLang="en-US" sz="1050">
-                <a:latin typeface="+mn-lt"/>
-              </a:rPr>
-              <a:t>elecCumRetPrematureGW</a:t>
-            </a:r>
-          </a:p>
-          <a:p>
-            <a:pPr algn="ctr"/>
-            <a:r>
-              <a:rPr lang="en-US" altLang="en-US" sz="1050" b="1" u="sng">
-                <a:latin typeface="+mn-lt"/>
-              </a:rPr>
-              <a:t>transport</a:t>
-            </a:r>
-          </a:p>
-          <a:p>
-            <a:pPr marL="171450" indent="-171450">
-              <a:buFont typeface="Arial" panose="020B0604020202020204" pitchFamily="34" charset="0"/>
-              <a:buChar char="•"/>
-            </a:pPr>
-            <a:r>
-              <a:rPr lang="en-US" altLang="en-US" sz="1050">
-                <a:latin typeface="+mn-lt"/>
-              </a:rPr>
-              <a:t>transportPassengerVMTByMode</a:t>
-            </a:r>
-          </a:p>
-          <a:p>
-            <a:pPr marL="171450" indent="-171450">
-              <a:buFont typeface="Arial" panose="020B0604020202020204" pitchFamily="34" charset="0"/>
-              <a:buChar char="•"/>
-            </a:pPr>
-            <a:r>
-              <a:rPr lang="en-US" altLang="en-US" sz="1050">
-                <a:latin typeface="+mn-lt"/>
-              </a:rPr>
-              <a:t>transportFreightVMTByMode</a:t>
-            </a:r>
-          </a:p>
-          <a:p>
-            <a:pPr marL="171450" indent="-171450">
-              <a:buFont typeface="Arial" panose="020B0604020202020204" pitchFamily="34" charset="0"/>
-              <a:buChar char="•"/>
-            </a:pPr>
-            <a:r>
-              <a:rPr lang="en-US" altLang="en-US" sz="1050">
-                <a:latin typeface="+mn-lt"/>
-              </a:rPr>
-              <a:t>transportPassengerVMTByFuel</a:t>
-            </a:r>
-          </a:p>
-          <a:p>
-            <a:pPr marL="171450" indent="-171450">
-              <a:buFont typeface="Arial" panose="020B0604020202020204" pitchFamily="34" charset="0"/>
-              <a:buChar char="•"/>
-            </a:pPr>
-            <a:r>
-              <a:rPr lang="en-US" altLang="en-US" sz="1050">
-                <a:latin typeface="+mn-lt"/>
-              </a:rPr>
-              <a:t>transportFreightVMTByFuel</a:t>
-            </a:r>
-          </a:p>
-        </p:txBody>
-      </p:sp>
-      <p:sp>
-        <p:nvSpPr>
-          <p:cNvPr id="7" name="TextBox 6">
-            <a:extLst>
-              <a:ext uri="{FF2B5EF4-FFF2-40B4-BE49-F238E27FC236}">
-                <a16:creationId xmlns:a16="http://schemas.microsoft.com/office/drawing/2014/main" id="{08849C20-7534-4CC1-AE72-789DE7D498D4}"/>
-              </a:ext>
-            </a:extLst>
-          </p:cNvPr>
-          <p:cNvSpPr txBox="1"/>
-          <p:nvPr/>
-        </p:nvSpPr>
-        <p:spPr>
-          <a:xfrm>
-            <a:off x="3772467" y="522579"/>
-            <a:ext cx="2216370" cy="5884240"/>
-          </a:xfrm>
-          <a:prstGeom prst="rect">
-            <a:avLst/>
-          </a:prstGeom>
-          <a:noFill/>
-        </p:spPr>
-        <p:txBody>
-          <a:bodyPr wrap="square" rtlCol="0">
-            <a:spAutoFit/>
-          </a:bodyPr>
-          <a:lstStyle>
-            <a:defPPr>
-              <a:defRPr lang="en-US"/>
-            </a:defPPr>
-            <a:lvl1pPr>
-              <a:lnSpc>
-                <a:spcPct val="150000"/>
-              </a:lnSpc>
-              <a:defRPr sz="900">
-                <a:latin typeface="Consolas" panose="020B0609020204030204" pitchFamily="49" charset="0"/>
-              </a:defRPr>
-            </a:lvl1pPr>
-          </a:lstStyle>
-          <a:p>
-            <a:pPr algn="ctr"/>
-            <a:r>
-              <a:rPr lang="en-US" altLang="en-US" sz="1050" b="1" u="sng">
-                <a:latin typeface="+mn-lt"/>
-              </a:rPr>
-              <a:t>socioecon</a:t>
-            </a:r>
-          </a:p>
-          <a:p>
-            <a:pPr marL="171450" indent="-171450">
-              <a:buFont typeface="Arial" panose="020B0604020202020204" pitchFamily="34" charset="0"/>
-              <a:buChar char="•"/>
-            </a:pPr>
-            <a:r>
-              <a:rPr lang="en-US" altLang="en-US" sz="1050">
-                <a:latin typeface="+mn-lt"/>
-              </a:rPr>
-              <a:t>gdpPerCapita</a:t>
-            </a:r>
-          </a:p>
-          <a:p>
-            <a:pPr marL="171450" indent="-171450">
-              <a:buFont typeface="Arial" panose="020B0604020202020204" pitchFamily="34" charset="0"/>
-              <a:buChar char="•"/>
-            </a:pPr>
-            <a:r>
-              <a:rPr lang="en-US" altLang="en-US" sz="1050">
-                <a:latin typeface="+mn-lt"/>
-              </a:rPr>
-              <a:t>gdp</a:t>
-            </a:r>
-          </a:p>
-          <a:p>
-            <a:pPr marL="171450" indent="-171450">
-              <a:buFont typeface="Arial" panose="020B0604020202020204" pitchFamily="34" charset="0"/>
-              <a:buChar char="•"/>
-            </a:pPr>
-            <a:r>
-              <a:rPr lang="en-US" altLang="en-US" sz="1050">
-                <a:latin typeface="+mn-lt"/>
-              </a:rPr>
-              <a:t>gdpGrowthRate</a:t>
-            </a:r>
-          </a:p>
-          <a:p>
-            <a:pPr marL="171450" indent="-171450">
-              <a:buFont typeface="Arial" panose="020B0604020202020204" pitchFamily="34" charset="0"/>
-              <a:buChar char="•"/>
-            </a:pPr>
-            <a:r>
-              <a:rPr lang="en-US" altLang="en-US" sz="1050">
-                <a:latin typeface="+mn-lt"/>
-              </a:rPr>
-              <a:t>pop</a:t>
-            </a:r>
-          </a:p>
-          <a:p>
-            <a:pPr algn="ctr"/>
-            <a:r>
-              <a:rPr lang="en-US" altLang="en-US" sz="1050" b="1" u="sng">
-                <a:latin typeface="+mn-lt"/>
-              </a:rPr>
-              <a:t>ag</a:t>
-            </a:r>
-          </a:p>
-          <a:p>
-            <a:pPr marL="171450" indent="-171450">
-              <a:buFont typeface="Arial" panose="020B0604020202020204" pitchFamily="34" charset="0"/>
-              <a:buChar char="•"/>
-            </a:pPr>
-            <a:r>
-              <a:rPr lang="en-US" altLang="en-US" sz="1050">
-                <a:latin typeface="+mn-lt"/>
-              </a:rPr>
-              <a:t>agProdbyIrrRfd</a:t>
-            </a:r>
-          </a:p>
-          <a:p>
-            <a:pPr marL="171450" indent="-171450">
-              <a:buFont typeface="Arial" panose="020B0604020202020204" pitchFamily="34" charset="0"/>
-              <a:buChar char="•"/>
-            </a:pPr>
-            <a:r>
-              <a:rPr lang="en-US" altLang="en-US" sz="1050">
-                <a:latin typeface="+mn-lt"/>
-              </a:rPr>
-              <a:t>agProdBiomass</a:t>
-            </a:r>
-          </a:p>
-          <a:p>
-            <a:pPr marL="171450" indent="-171450">
-              <a:buFont typeface="Arial" panose="020B0604020202020204" pitchFamily="34" charset="0"/>
-              <a:buChar char="•"/>
-            </a:pPr>
-            <a:r>
-              <a:rPr lang="en-US" altLang="en-US" sz="1050">
-                <a:latin typeface="+mn-lt"/>
-              </a:rPr>
-              <a:t>agProdForest</a:t>
-            </a:r>
-          </a:p>
-          <a:p>
-            <a:pPr marL="171450" indent="-171450">
-              <a:buFont typeface="Arial" panose="020B0604020202020204" pitchFamily="34" charset="0"/>
-              <a:buChar char="•"/>
-            </a:pPr>
-            <a:r>
-              <a:rPr lang="en-US" altLang="en-US" sz="1050">
-                <a:latin typeface="+mn-lt"/>
-              </a:rPr>
-              <a:t>agProdByCrop</a:t>
-            </a:r>
-          </a:p>
-          <a:p>
-            <a:pPr algn="ctr"/>
-            <a:r>
-              <a:rPr lang="en-US" altLang="en-US" sz="1050" b="1" u="sng">
-                <a:latin typeface="+mn-lt"/>
-              </a:rPr>
-              <a:t>livestock</a:t>
-            </a:r>
-          </a:p>
-          <a:p>
-            <a:pPr marL="171450" indent="-171450">
-              <a:buFont typeface="Arial" panose="020B0604020202020204" pitchFamily="34" charset="0"/>
-              <a:buChar char="•"/>
-            </a:pPr>
-            <a:r>
-              <a:rPr lang="en-US" altLang="en-US" sz="1050">
-                <a:latin typeface="+mn-lt"/>
-              </a:rPr>
-              <a:t>livestock_MeatDairybyTechMixed</a:t>
-            </a:r>
-          </a:p>
-          <a:p>
-            <a:pPr marL="171450" indent="-171450">
-              <a:buFont typeface="Arial" panose="020B0604020202020204" pitchFamily="34" charset="0"/>
-              <a:buChar char="•"/>
-            </a:pPr>
-            <a:r>
-              <a:rPr lang="en-US" altLang="en-US" sz="1050">
-                <a:latin typeface="+mn-lt"/>
-              </a:rPr>
-              <a:t>livestock_MeatDairybyTechPastoral</a:t>
-            </a:r>
-          </a:p>
-          <a:p>
-            <a:pPr marL="171450" indent="-171450">
-              <a:buFont typeface="Arial" panose="020B0604020202020204" pitchFamily="34" charset="0"/>
-              <a:buChar char="•"/>
-            </a:pPr>
-            <a:r>
-              <a:rPr lang="en-US" altLang="en-US" sz="1050">
-                <a:latin typeface="+mn-lt"/>
-              </a:rPr>
-              <a:t>livestock_MeatDairybyTechImports</a:t>
-            </a:r>
-          </a:p>
-          <a:p>
-            <a:pPr marL="171450" indent="-171450">
-              <a:buFont typeface="Arial" panose="020B0604020202020204" pitchFamily="34" charset="0"/>
-              <a:buChar char="•"/>
-            </a:pPr>
-            <a:r>
-              <a:rPr lang="en-US" altLang="en-US" sz="1050">
-                <a:latin typeface="+mn-lt"/>
-              </a:rPr>
-              <a:t>livestock_MeatDairybySubsector</a:t>
-            </a:r>
-          </a:p>
-          <a:p>
-            <a:pPr algn="ctr"/>
-            <a:r>
-              <a:rPr lang="en-US" altLang="en-US" sz="1050" b="1" u="sng">
-                <a:latin typeface="+mn-lt"/>
-              </a:rPr>
-              <a:t>land</a:t>
-            </a:r>
-          </a:p>
-          <a:p>
-            <a:pPr marL="171450" indent="-171450">
-              <a:buFont typeface="Arial" panose="020B0604020202020204" pitchFamily="34" charset="0"/>
-              <a:buChar char="•"/>
-            </a:pPr>
-            <a:r>
-              <a:rPr lang="en-US" altLang="en-US" sz="1050">
-                <a:latin typeface="+mn-lt"/>
-              </a:rPr>
-              <a:t>landIrrRfd</a:t>
-            </a:r>
-          </a:p>
-          <a:p>
-            <a:pPr marL="171450" indent="-171450">
-              <a:buFont typeface="Arial" panose="020B0604020202020204" pitchFamily="34" charset="0"/>
-              <a:buChar char="•"/>
-            </a:pPr>
-            <a:r>
-              <a:rPr lang="en-US" altLang="en-US" sz="1050">
-                <a:latin typeface="+mn-lt"/>
-              </a:rPr>
-              <a:t>landIrrCrop</a:t>
-            </a:r>
-          </a:p>
-          <a:p>
-            <a:pPr marL="171450" indent="-171450">
-              <a:buFont typeface="Arial" panose="020B0604020202020204" pitchFamily="34" charset="0"/>
-              <a:buChar char="•"/>
-            </a:pPr>
-            <a:r>
-              <a:rPr lang="en-US" altLang="en-US" sz="1050">
-                <a:latin typeface="+mn-lt"/>
-              </a:rPr>
-              <a:t>landRfdCrop</a:t>
-            </a:r>
-          </a:p>
-          <a:p>
-            <a:pPr marL="171450" indent="-171450">
-              <a:buFont typeface="Arial" panose="020B0604020202020204" pitchFamily="34" charset="0"/>
-              <a:buChar char="•"/>
-            </a:pPr>
-            <a:r>
-              <a:rPr lang="en-US" altLang="en-US" sz="1050">
-                <a:latin typeface="+mn-lt"/>
-              </a:rPr>
-              <a:t>landAlloc</a:t>
-            </a:r>
-          </a:p>
-          <a:p>
-            <a:pPr marL="171450" indent="-171450">
-              <a:buFont typeface="Arial" panose="020B0604020202020204" pitchFamily="34" charset="0"/>
-              <a:buChar char="•"/>
-            </a:pPr>
-            <a:r>
-              <a:rPr lang="en-US" altLang="en-US" sz="1050">
-                <a:latin typeface="+mn-lt"/>
-              </a:rPr>
-              <a:t>landAllocByCrop</a:t>
-            </a:r>
-          </a:p>
-          <a:p>
-            <a:pPr algn="ctr"/>
-            <a:endParaRPr lang="en-US" altLang="en-US" sz="1050">
-              <a:latin typeface="+mn-lt"/>
-            </a:endParaRPr>
-          </a:p>
-        </p:txBody>
-      </p:sp>
-      <p:sp>
-        <p:nvSpPr>
-          <p:cNvPr id="8" name="TextBox 7">
-            <a:extLst>
-              <a:ext uri="{FF2B5EF4-FFF2-40B4-BE49-F238E27FC236}">
-                <a16:creationId xmlns:a16="http://schemas.microsoft.com/office/drawing/2014/main" id="{8585856F-0683-439B-927B-E2E8AD4AA13F}"/>
-              </a:ext>
-            </a:extLst>
-          </p:cNvPr>
-          <p:cNvSpPr txBox="1"/>
-          <p:nvPr/>
-        </p:nvSpPr>
-        <p:spPr>
-          <a:xfrm>
-            <a:off x="6867727" y="522579"/>
-            <a:ext cx="2216370" cy="4429995"/>
-          </a:xfrm>
-          <a:prstGeom prst="rect">
-            <a:avLst/>
-          </a:prstGeom>
-          <a:noFill/>
-        </p:spPr>
-        <p:txBody>
-          <a:bodyPr wrap="square" rtlCol="0">
-            <a:spAutoFit/>
-          </a:bodyPr>
-          <a:lstStyle>
-            <a:defPPr>
-              <a:defRPr lang="en-US"/>
-            </a:defPPr>
-            <a:lvl1pPr>
-              <a:lnSpc>
-                <a:spcPct val="150000"/>
-              </a:lnSpc>
-              <a:defRPr sz="900">
-                <a:latin typeface="Consolas" panose="020B0609020204030204" pitchFamily="49" charset="0"/>
-              </a:defRPr>
-            </a:lvl1pPr>
-          </a:lstStyle>
-          <a:p>
-            <a:pPr algn="ctr"/>
-            <a:r>
-              <a:rPr lang="en-US" altLang="en-US" sz="1050" b="1" u="sng">
-                <a:latin typeface="+mn-lt"/>
-              </a:rPr>
-              <a:t>emissions</a:t>
-            </a:r>
-          </a:p>
-          <a:p>
-            <a:pPr marL="171450" indent="-171450">
-              <a:buFont typeface="Arial" panose="020B0604020202020204" pitchFamily="34" charset="0"/>
-              <a:buChar char="•"/>
-            </a:pPr>
-            <a:r>
-              <a:rPr lang="en-US" altLang="en-US" sz="1050">
-                <a:latin typeface="+mn-lt"/>
-              </a:rPr>
-              <a:t>emissNonCO2BySectorGWPAR5</a:t>
-            </a:r>
-          </a:p>
-          <a:p>
-            <a:pPr marL="171450" indent="-171450">
-              <a:buFont typeface="Arial" panose="020B0604020202020204" pitchFamily="34" charset="0"/>
-              <a:buChar char="•"/>
-            </a:pPr>
-            <a:r>
-              <a:rPr lang="en-US" altLang="en-US" sz="1050">
-                <a:latin typeface="+mn-lt"/>
-              </a:rPr>
-              <a:t>emissNonCO2BySectorGTPAR5</a:t>
-            </a:r>
-          </a:p>
-          <a:p>
-            <a:pPr marL="171450" indent="-171450">
-              <a:buFont typeface="Arial" panose="020B0604020202020204" pitchFamily="34" charset="0"/>
-              <a:buChar char="•"/>
-            </a:pPr>
-            <a:r>
-              <a:rPr lang="en-US" altLang="en-US" sz="1050">
-                <a:latin typeface="+mn-lt"/>
-              </a:rPr>
-              <a:t>emissNonCO2BySectorOrigUnits</a:t>
-            </a:r>
-          </a:p>
-          <a:p>
-            <a:pPr marL="171450" indent="-171450">
-              <a:buFont typeface="Arial" panose="020B0604020202020204" pitchFamily="34" charset="0"/>
-              <a:buChar char="•"/>
-            </a:pPr>
-            <a:r>
-              <a:rPr lang="en-US" altLang="en-US" sz="1050">
-                <a:latin typeface="+mn-lt"/>
-              </a:rPr>
-              <a:t>emissLUC</a:t>
-            </a:r>
-          </a:p>
-          <a:p>
-            <a:pPr marL="171450" indent="-171450">
-              <a:buFont typeface="Arial" panose="020B0604020202020204" pitchFamily="34" charset="0"/>
-              <a:buChar char="•"/>
-            </a:pPr>
-            <a:r>
-              <a:rPr lang="en-US" altLang="en-US" sz="1050">
-                <a:latin typeface="+mn-lt"/>
-              </a:rPr>
-              <a:t>emissCO2BySectorNoBio</a:t>
-            </a:r>
-          </a:p>
-          <a:p>
-            <a:pPr marL="171450" indent="-171450">
-              <a:buFont typeface="Arial" panose="020B0604020202020204" pitchFamily="34" charset="0"/>
-              <a:buChar char="•"/>
-            </a:pPr>
-            <a:r>
-              <a:rPr lang="en-US" altLang="en-US" sz="1050">
-                <a:latin typeface="+mn-lt"/>
-              </a:rPr>
-              <a:t>emissNonCO2ByResProdGWPAR5</a:t>
-            </a:r>
-          </a:p>
-          <a:p>
-            <a:pPr marL="171450" indent="-171450">
-              <a:buFont typeface="Arial" panose="020B0604020202020204" pitchFamily="34" charset="0"/>
-              <a:buChar char="•"/>
-            </a:pPr>
-            <a:r>
-              <a:rPr lang="en-US" altLang="en-US" sz="1050">
-                <a:latin typeface="+mn-lt"/>
-              </a:rPr>
-              <a:t>emissMethaneBySourceGWPAR5</a:t>
-            </a:r>
-          </a:p>
-          <a:p>
-            <a:pPr marL="171450" indent="-171450">
-              <a:buFont typeface="Arial" panose="020B0604020202020204" pitchFamily="34" charset="0"/>
-              <a:buChar char="•"/>
-            </a:pPr>
-            <a:r>
-              <a:rPr lang="en-US" altLang="en-US" sz="1050">
-                <a:latin typeface="+mn-lt"/>
-              </a:rPr>
-              <a:t>emissByGasGWPAR5FFI</a:t>
-            </a:r>
-          </a:p>
-          <a:p>
-            <a:pPr marL="171450" indent="-171450">
-              <a:buFont typeface="Arial" panose="020B0604020202020204" pitchFamily="34" charset="0"/>
-              <a:buChar char="•"/>
-            </a:pPr>
-            <a:r>
-              <a:rPr lang="en-US" altLang="en-US" sz="1050">
-                <a:latin typeface="+mn-lt"/>
-              </a:rPr>
-              <a:t>emissByGasGWPAR5LUC</a:t>
-            </a:r>
-          </a:p>
-          <a:p>
-            <a:pPr marL="171450" indent="-171450">
-              <a:buFont typeface="Arial" panose="020B0604020202020204" pitchFamily="34" charset="0"/>
-              <a:buChar char="•"/>
-            </a:pPr>
-            <a:r>
-              <a:rPr lang="en-US" altLang="en-US" sz="1050">
-                <a:latin typeface="+mn-lt"/>
-              </a:rPr>
-              <a:t>emissBySectorGWPAR5FFI</a:t>
-            </a:r>
-          </a:p>
-          <a:p>
-            <a:pPr marL="171450" indent="-171450">
-              <a:buFont typeface="Arial" panose="020B0604020202020204" pitchFamily="34" charset="0"/>
-              <a:buChar char="•"/>
-            </a:pPr>
-            <a:r>
-              <a:rPr lang="en-US" altLang="en-US" sz="1050">
-                <a:latin typeface="+mn-lt"/>
-              </a:rPr>
-              <a:t>emissBySectorGWPAR5LUC</a:t>
-            </a:r>
-          </a:p>
-          <a:p>
-            <a:pPr marL="171450" indent="-171450">
-              <a:buFont typeface="Arial" panose="020B0604020202020204" pitchFamily="34" charset="0"/>
-              <a:buChar char="•"/>
-            </a:pPr>
-            <a:r>
-              <a:rPr lang="en-US" altLang="en-US" sz="1050">
-                <a:latin typeface="+mn-lt"/>
-              </a:rPr>
-              <a:t>emissNonCO2ByResProdGTPAR5</a:t>
-            </a:r>
-          </a:p>
-          <a:p>
-            <a:pPr marL="171450" indent="-171450">
-              <a:buFont typeface="Arial" panose="020B0604020202020204" pitchFamily="34" charset="0"/>
-              <a:buChar char="•"/>
-            </a:pPr>
-            <a:r>
-              <a:rPr lang="en-US" altLang="en-US" sz="1050">
-                <a:latin typeface="+mn-lt"/>
-              </a:rPr>
-              <a:t>emissMethaneBySourceGTPAR5</a:t>
-            </a:r>
-          </a:p>
-          <a:p>
-            <a:pPr marL="171450" indent="-171450">
-              <a:buFont typeface="Arial" panose="020B0604020202020204" pitchFamily="34" charset="0"/>
-              <a:buChar char="•"/>
-            </a:pPr>
-            <a:r>
-              <a:rPr lang="en-US" altLang="en-US" sz="1050">
-                <a:latin typeface="+mn-lt"/>
-              </a:rPr>
-              <a:t>emissByGasGTPAR5FFI</a:t>
-            </a:r>
-          </a:p>
-          <a:p>
-            <a:pPr marL="171450" indent="-171450">
-              <a:buFont typeface="Arial" panose="020B0604020202020204" pitchFamily="34" charset="0"/>
-              <a:buChar char="•"/>
-            </a:pPr>
-            <a:r>
-              <a:rPr lang="en-US" altLang="en-US" sz="1050">
-                <a:latin typeface="+mn-lt"/>
-              </a:rPr>
-              <a:t>emissByGasGTPAR5LUC</a:t>
-            </a:r>
-          </a:p>
-          <a:p>
-            <a:pPr marL="171450" indent="-171450">
-              <a:buFont typeface="Arial" panose="020B0604020202020204" pitchFamily="34" charset="0"/>
-              <a:buChar char="•"/>
-            </a:pPr>
-            <a:r>
-              <a:rPr lang="en-US" altLang="en-US" sz="1050">
-                <a:latin typeface="+mn-lt"/>
-              </a:rPr>
-              <a:t>emissBySectorGTPAR5FFI</a:t>
-            </a:r>
-          </a:p>
-          <a:p>
-            <a:pPr marL="171450" indent="-171450">
-              <a:buFont typeface="Arial" panose="020B0604020202020204" pitchFamily="34" charset="0"/>
-              <a:buChar char="•"/>
-            </a:pPr>
-            <a:r>
-              <a:rPr lang="en-US" altLang="en-US" sz="1050">
-                <a:latin typeface="+mn-lt"/>
-              </a:rPr>
-              <a:t>emissBySectorGTPAR5LUC</a:t>
-            </a:r>
-          </a:p>
-        </p:txBody>
-      </p:sp>
-      <p:sp>
-        <p:nvSpPr>
-          <p:cNvPr id="10" name="TextBox 9">
-            <a:extLst>
-              <a:ext uri="{FF2B5EF4-FFF2-40B4-BE49-F238E27FC236}">
-                <a16:creationId xmlns:a16="http://schemas.microsoft.com/office/drawing/2014/main" id="{11BBF495-EC10-4E41-938D-C41D6846FC07}"/>
-              </a:ext>
-            </a:extLst>
-          </p:cNvPr>
-          <p:cNvSpPr txBox="1"/>
-          <p:nvPr/>
-        </p:nvSpPr>
-        <p:spPr>
-          <a:xfrm>
-            <a:off x="9270444" y="522578"/>
-            <a:ext cx="2216370" cy="2006255"/>
-          </a:xfrm>
-          <a:prstGeom prst="rect">
-            <a:avLst/>
-          </a:prstGeom>
-          <a:noFill/>
-        </p:spPr>
-        <p:txBody>
-          <a:bodyPr wrap="square" rtlCol="0">
-            <a:spAutoFit/>
-          </a:bodyPr>
-          <a:lstStyle>
-            <a:defPPr>
-              <a:defRPr lang="en-US"/>
-            </a:defPPr>
-            <a:lvl1pPr>
-              <a:lnSpc>
-                <a:spcPct val="150000"/>
-              </a:lnSpc>
-              <a:defRPr sz="900">
-                <a:latin typeface="Consolas" panose="020B0609020204030204" pitchFamily="49" charset="0"/>
-              </a:defRPr>
-            </a:lvl1pPr>
-          </a:lstStyle>
-          <a:p>
-            <a:pPr algn="ctr"/>
-            <a:r>
-              <a:rPr lang="en-US" altLang="en-US" sz="1050" b="1" u="sng">
-                <a:latin typeface="+mn-lt"/>
-              </a:rPr>
-              <a:t>water</a:t>
-            </a:r>
-          </a:p>
-          <a:p>
-            <a:pPr marL="171450" indent="-171450">
-              <a:buFont typeface="Arial" panose="020B0604020202020204" pitchFamily="34" charset="0"/>
-              <a:buChar char="•"/>
-            </a:pPr>
-            <a:r>
-              <a:rPr lang="en-US" altLang="en-US" sz="1050">
-                <a:latin typeface="+mn-lt"/>
-              </a:rPr>
-              <a:t>watConsumBySec</a:t>
-            </a:r>
-          </a:p>
-          <a:p>
-            <a:pPr marL="171450" indent="-171450">
-              <a:buFont typeface="Arial" panose="020B0604020202020204" pitchFamily="34" charset="0"/>
-              <a:buChar char="•"/>
-            </a:pPr>
-            <a:r>
-              <a:rPr lang="en-US" altLang="en-US" sz="1050">
-                <a:latin typeface="+mn-lt"/>
-              </a:rPr>
-              <a:t>watWithdrawBySec</a:t>
-            </a:r>
-          </a:p>
-          <a:p>
-            <a:pPr marL="171450" indent="-171450">
-              <a:buFont typeface="Arial" panose="020B0604020202020204" pitchFamily="34" charset="0"/>
-              <a:buChar char="•"/>
-            </a:pPr>
-            <a:r>
-              <a:rPr lang="en-US" altLang="en-US" sz="1050">
-                <a:latin typeface="+mn-lt"/>
-              </a:rPr>
-              <a:t>watWithdrawByCrop</a:t>
-            </a:r>
-          </a:p>
-          <a:p>
-            <a:pPr marL="171450" indent="-171450">
-              <a:buFont typeface="Arial" panose="020B0604020202020204" pitchFamily="34" charset="0"/>
-              <a:buChar char="•"/>
-            </a:pPr>
-            <a:r>
-              <a:rPr lang="en-US" altLang="en-US" sz="1050">
-                <a:latin typeface="+mn-lt"/>
-              </a:rPr>
-              <a:t>watBioPhysCons</a:t>
-            </a:r>
-          </a:p>
-          <a:p>
-            <a:pPr marL="171450" indent="-171450">
-              <a:buFont typeface="Arial" panose="020B0604020202020204" pitchFamily="34" charset="0"/>
-              <a:buChar char="•"/>
-            </a:pPr>
-            <a:r>
-              <a:rPr lang="en-US" altLang="en-US" sz="1050">
-                <a:latin typeface="+mn-lt"/>
-              </a:rPr>
-              <a:t>watIrrWithdrawBasin</a:t>
-            </a:r>
-          </a:p>
-          <a:p>
-            <a:pPr marL="171450" indent="-171450">
-              <a:buFont typeface="Arial" panose="020B0604020202020204" pitchFamily="34" charset="0"/>
-              <a:buChar char="•"/>
-            </a:pPr>
-            <a:r>
-              <a:rPr lang="en-US" altLang="en-US" sz="1050">
-                <a:latin typeface="+mn-lt"/>
-              </a:rPr>
-              <a:t>watIrrConsBasin</a:t>
-            </a:r>
-          </a:p>
-          <a:p>
-            <a:pPr marL="171450" indent="-171450">
-              <a:buFont typeface="Arial" panose="020B0604020202020204" pitchFamily="34" charset="0"/>
-              <a:buChar char="•"/>
-            </a:pPr>
-            <a:r>
-              <a:rPr lang="en-US" altLang="en-US" sz="1050">
-                <a:latin typeface="+mn-lt"/>
-              </a:rPr>
-              <a:t>watSupRunoffBasin</a:t>
-            </a:r>
-          </a:p>
-        </p:txBody>
-      </p:sp>
-      <p:sp>
-        <p:nvSpPr>
-          <p:cNvPr id="11" name="Rectangle 10">
-            <a:extLst>
-              <a:ext uri="{FF2B5EF4-FFF2-40B4-BE49-F238E27FC236}">
-                <a16:creationId xmlns:a16="http://schemas.microsoft.com/office/drawing/2014/main" id="{F7432040-3975-4A47-9851-71C7544179DB}"/>
-              </a:ext>
-            </a:extLst>
-          </p:cNvPr>
-          <p:cNvSpPr/>
-          <p:nvPr/>
-        </p:nvSpPr>
-        <p:spPr>
-          <a:xfrm>
-            <a:off x="497520" y="522577"/>
-            <a:ext cx="10466402" cy="5691791"/>
-          </a:xfrm>
-          <a:prstGeom prst="rect">
-            <a:avLst/>
-          </a:prstGeom>
-          <a:noFill/>
-          <a:ln>
-            <a:solidFill>
-              <a:schemeClr val="bg1">
-                <a:lumMod val="65000"/>
-              </a:schemeClr>
-            </a:solidFill>
-          </a:ln>
-        </p:spPr>
-        <p:style>
-          <a:lnRef idx="2">
-            <a:schemeClr val="accent1">
-              <a:shade val="50000"/>
-            </a:schemeClr>
-          </a:lnRef>
-          <a:fillRef idx="1">
-            <a:schemeClr val="accent1"/>
-          </a:fillRef>
-          <a:effectRef idx="0">
-            <a:schemeClr val="accent1"/>
-          </a:effectRef>
-          <a:fontRef idx="minor">
-            <a:schemeClr val="lt1"/>
-          </a:fontRef>
-        </p:style>
-        <p:txBody>
-          <a:bodyPr rtlCol="0" anchor="ctr"/>
-          <a:lstStyle/>
-          <a:p>
-            <a:pPr algn="ctr"/>
-            <a:endParaRPr lang="en-US"/>
-          </a:p>
-        </p:txBody>
-      </p:sp>
-      <p:sp>
-        <p:nvSpPr>
-          <p:cNvPr id="12" name="TextBox 11">
-            <a:extLst>
-              <a:ext uri="{FF2B5EF4-FFF2-40B4-BE49-F238E27FC236}">
-                <a16:creationId xmlns:a16="http://schemas.microsoft.com/office/drawing/2014/main" id="{F1498920-CEE6-468A-B822-668FDD52D7A2}"/>
-              </a:ext>
-            </a:extLst>
-          </p:cNvPr>
-          <p:cNvSpPr txBox="1"/>
-          <p:nvPr/>
-        </p:nvSpPr>
-        <p:spPr>
-          <a:xfrm>
-            <a:off x="192163" y="128664"/>
-            <a:ext cx="2066223" cy="369332"/>
-          </a:xfrm>
-          <a:prstGeom prst="rect">
-            <a:avLst/>
-          </a:prstGeom>
-          <a:noFill/>
-        </p:spPr>
-        <p:txBody>
-          <a:bodyPr wrap="square" rtlCol="0">
-            <a:spAutoFit/>
-          </a:bodyPr>
-          <a:lstStyle/>
-          <a:p>
-            <a:pPr algn="ctr"/>
-            <a:r>
-              <a:rPr lang="en-US" b="1"/>
-              <a:t>Param List</a:t>
-            </a:r>
-          </a:p>
-        </p:txBody>
-      </p:sp>
-    </p:spTree>
-    <p:extLst>
-      <p:ext uri="{BB962C8B-B14F-4D97-AF65-F5344CB8AC3E}">
-        <p14:creationId xmlns:p14="http://schemas.microsoft.com/office/powerpoint/2010/main" val="3345794904"/>
-      </p:ext>
-    </p:extLst>
-  </p:cSld>
-  <p:clrMapOvr>
-    <a:masterClrMapping/>
-  </p:clrMapOvr>
-</p:sld>
-</file>
-
-<file path=ppt/slides/slide40.xml><?xml version="1.0" encoding="utf-8"?>
+<file path=ppt/slides/slide41.xml><?xml version="1.0" encoding="utf-8"?>
 <p:sld xmlns:a="http://schemas.openxmlformats.org/drawingml/2006/main" xmlns:r="http://schemas.openxmlformats.org/officeDocument/2006/relationships" xmlns:p="http://schemas.openxmlformats.org/presentationml/2006/main">
   <p:cSld>
     <p:spTree>
@@ -18403,7 +18596,7 @@
 </p:sld>
 </file>
 
-<file path=ppt/slides/slide41.xml><?xml version="1.0" encoding="utf-8"?>
+<file path=ppt/slides/slide42.xml><?xml version="1.0" encoding="utf-8"?>
 <p:sld xmlns:a="http://schemas.openxmlformats.org/drawingml/2006/main" xmlns:r="http://schemas.openxmlformats.org/officeDocument/2006/relationships" xmlns:p="http://schemas.openxmlformats.org/presentationml/2006/main">
   <p:cSld>
     <p:spTree>
@@ -25259,7 +25452,7 @@
 </p:sld>
 </file>
 
-<file path=ppt/slides/slide42.xml><?xml version="1.0" encoding="utf-8"?>
+<file path=ppt/slides/slide43.xml><?xml version="1.0" encoding="utf-8"?>
 <p:sld xmlns:a="http://schemas.openxmlformats.org/drawingml/2006/main" xmlns:r="http://schemas.openxmlformats.org/officeDocument/2006/relationships" xmlns:p="http://schemas.openxmlformats.org/presentationml/2006/main">
   <p:cSld>
     <p:spTree>

--- a/vignettes/vignetteFigs/00vignetteFigs.pptx
+++ b/vignettes/vignetteFigs/00vignetteFigs.pptx
@@ -239,7 +239,7 @@
           <a:p>
             <a:fld id="{921607FB-4AF3-41D9-93C1-AF2B65302971}" type="datetimeFigureOut">
               <a:rPr lang="en-US" smtClean="0"/>
-              <a:t>12/28/2020</a:t>
+              <a:t>12/31/2020</a:t>
             </a:fld>
             <a:endParaRPr lang="en-US"/>
           </a:p>
@@ -635,7 +635,7 @@
           <a:p>
             <a:fld id="{11D67388-0790-496E-9A12-37055489AF4F}" type="datetimeFigureOut">
               <a:rPr lang="en-US" smtClean="0"/>
-              <a:t>12/28/2020</a:t>
+              <a:t>12/31/2020</a:t>
             </a:fld>
             <a:endParaRPr lang="en-US"/>
           </a:p>
@@ -803,7 +803,7 @@
           <a:p>
             <a:fld id="{11D67388-0790-496E-9A12-37055489AF4F}" type="datetimeFigureOut">
               <a:rPr lang="en-US" smtClean="0"/>
-              <a:t>12/28/2020</a:t>
+              <a:t>12/31/2020</a:t>
             </a:fld>
             <a:endParaRPr lang="en-US"/>
           </a:p>
@@ -981,7 +981,7 @@
           <a:p>
             <a:fld id="{11D67388-0790-496E-9A12-37055489AF4F}" type="datetimeFigureOut">
               <a:rPr lang="en-US" smtClean="0"/>
-              <a:t>12/28/2020</a:t>
+              <a:t>12/31/2020</a:t>
             </a:fld>
             <a:endParaRPr lang="en-US"/>
           </a:p>
@@ -1149,7 +1149,7 @@
           <a:p>
             <a:fld id="{11D67388-0790-496E-9A12-37055489AF4F}" type="datetimeFigureOut">
               <a:rPr lang="en-US" smtClean="0"/>
-              <a:t>12/28/2020</a:t>
+              <a:t>12/31/2020</a:t>
             </a:fld>
             <a:endParaRPr lang="en-US"/>
           </a:p>
@@ -1394,7 +1394,7 @@
           <a:p>
             <a:fld id="{11D67388-0790-496E-9A12-37055489AF4F}" type="datetimeFigureOut">
               <a:rPr lang="en-US" smtClean="0"/>
-              <a:t>12/28/2020</a:t>
+              <a:t>12/31/2020</a:t>
             </a:fld>
             <a:endParaRPr lang="en-US"/>
           </a:p>
@@ -1623,7 +1623,7 @@
           <a:p>
             <a:fld id="{11D67388-0790-496E-9A12-37055489AF4F}" type="datetimeFigureOut">
               <a:rPr lang="en-US" smtClean="0"/>
-              <a:t>12/28/2020</a:t>
+              <a:t>12/31/2020</a:t>
             </a:fld>
             <a:endParaRPr lang="en-US"/>
           </a:p>
@@ -1987,7 +1987,7 @@
           <a:p>
             <a:fld id="{11D67388-0790-496E-9A12-37055489AF4F}" type="datetimeFigureOut">
               <a:rPr lang="en-US" smtClean="0"/>
-              <a:t>12/28/2020</a:t>
+              <a:t>12/31/2020</a:t>
             </a:fld>
             <a:endParaRPr lang="en-US"/>
           </a:p>
@@ -2104,7 +2104,7 @@
           <a:p>
             <a:fld id="{11D67388-0790-496E-9A12-37055489AF4F}" type="datetimeFigureOut">
               <a:rPr lang="en-US" smtClean="0"/>
-              <a:t>12/28/2020</a:t>
+              <a:t>12/31/2020</a:t>
             </a:fld>
             <a:endParaRPr lang="en-US"/>
           </a:p>
@@ -2199,7 +2199,7 @@
           <a:p>
             <a:fld id="{11D67388-0790-496E-9A12-37055489AF4F}" type="datetimeFigureOut">
               <a:rPr lang="en-US" smtClean="0"/>
-              <a:t>12/28/2020</a:t>
+              <a:t>12/31/2020</a:t>
             </a:fld>
             <a:endParaRPr lang="en-US"/>
           </a:p>
@@ -2474,7 +2474,7 @@
           <a:p>
             <a:fld id="{11D67388-0790-496E-9A12-37055489AF4F}" type="datetimeFigureOut">
               <a:rPr lang="en-US" smtClean="0"/>
-              <a:t>12/28/2020</a:t>
+              <a:t>12/31/2020</a:t>
             </a:fld>
             <a:endParaRPr lang="en-US"/>
           </a:p>
@@ -2726,7 +2726,7 @@
           <a:p>
             <a:fld id="{11D67388-0790-496E-9A12-37055489AF4F}" type="datetimeFigureOut">
               <a:rPr lang="en-US" smtClean="0"/>
-              <a:t>12/28/2020</a:t>
+              <a:t>12/31/2020</a:t>
             </a:fld>
             <a:endParaRPr lang="en-US"/>
           </a:p>
@@ -2937,7 +2937,7 @@
           <a:p>
             <a:fld id="{11D67388-0790-496E-9A12-37055489AF4F}" type="datetimeFigureOut">
               <a:rPr lang="en-US" smtClean="0"/>
-              <a:t>12/28/2020</a:t>
+              <a:t>12/31/2020</a:t>
             </a:fld>
             <a:endParaRPr lang="en-US"/>
           </a:p>
@@ -26112,10 +26112,10 @@
       </p:grpSpPr>
       <p:grpSp>
         <p:nvGrpSpPr>
-          <p:cNvPr id="39" name="Group 38">
+          <p:cNvPr id="7" name="Group 6">
             <a:extLst>
               <a:ext uri="{FF2B5EF4-FFF2-40B4-BE49-F238E27FC236}">
-                <a16:creationId xmlns:a16="http://schemas.microsoft.com/office/drawing/2014/main" id="{3A905EBC-B917-4CFA-BACA-482DB87A7820}"/>
+                <a16:creationId xmlns:a16="http://schemas.microsoft.com/office/drawing/2014/main" id="{C14C4105-B156-4A04-ACD9-260303EF992B}"/>
               </a:ext>
             </a:extLst>
           </p:cNvPr>
@@ -26124,217 +26124,9 @@
         </p:nvGrpSpPr>
         <p:grpSpPr>
           <a:xfrm>
-            <a:off x="150309" y="585984"/>
+            <a:off x="2930020" y="517802"/>
             <a:ext cx="2066223" cy="965296"/>
-            <a:chOff x="1811039" y="1300849"/>
-            <a:chExt cx="2066223" cy="965296"/>
-          </a:xfrm>
-        </p:grpSpPr>
-        <p:pic>
-          <p:nvPicPr>
-            <p:cNvPr id="40" name="Picture 2">
-              <a:extLst>
-                <a:ext uri="{FF2B5EF4-FFF2-40B4-BE49-F238E27FC236}">
-                  <a16:creationId xmlns:a16="http://schemas.microsoft.com/office/drawing/2014/main" id="{4F33735E-5188-4915-8530-5C34C4B23E93}"/>
-                </a:ext>
-              </a:extLst>
-            </p:cNvPr>
-            <p:cNvPicPr>
-              <a:picLocks noChangeAspect="1" noChangeArrowheads="1"/>
-            </p:cNvPicPr>
-            <p:nvPr/>
-          </p:nvPicPr>
-          <p:blipFill>
-            <a:blip r:embed="rId2" cstate="print">
-              <a:extLst>
-                <a:ext uri="{28A0092B-C50C-407E-A947-70E740481C1C}">
-                  <a14:useLocalDpi xmlns:a14="http://schemas.microsoft.com/office/drawing/2010/main" val="0"/>
-                </a:ext>
-              </a:extLst>
-            </a:blip>
-            <a:srcRect/>
-            <a:stretch>
-              <a:fillRect/>
-            </a:stretch>
-          </p:blipFill>
-          <p:spPr bwMode="auto">
-            <a:xfrm>
-              <a:off x="2512807" y="1603456"/>
-              <a:ext cx="662689" cy="662689"/>
-            </a:xfrm>
-            <a:prstGeom prst="rect">
-              <a:avLst/>
-            </a:prstGeom>
-            <a:noFill/>
-            <a:extLst>
-              <a:ext uri="{909E8E84-426E-40DD-AFC4-6F175D3DCCD1}">
-                <a14:hiddenFill xmlns:a14="http://schemas.microsoft.com/office/drawing/2010/main">
-                  <a:solidFill>
-                    <a:srgbClr val="FFFFFF"/>
-                  </a:solidFill>
-                </a14:hiddenFill>
-              </a:ext>
-            </a:extLst>
-          </p:spPr>
-        </p:pic>
-        <p:sp>
-          <p:nvSpPr>
-            <p:cNvPr id="41" name="TextBox 40">
-              <a:extLst>
-                <a:ext uri="{FF2B5EF4-FFF2-40B4-BE49-F238E27FC236}">
-                  <a16:creationId xmlns:a16="http://schemas.microsoft.com/office/drawing/2014/main" id="{B605E60D-B32F-4878-9BAF-668D2E0E3FC9}"/>
-                </a:ext>
-              </a:extLst>
-            </p:cNvPr>
-            <p:cNvSpPr txBox="1"/>
-            <p:nvPr/>
-          </p:nvSpPr>
-          <p:spPr>
-            <a:xfrm>
-              <a:off x="1811039" y="1300849"/>
-              <a:ext cx="2066223" cy="369332"/>
-            </a:xfrm>
-            <a:prstGeom prst="rect">
-              <a:avLst/>
-            </a:prstGeom>
-            <a:noFill/>
-          </p:spPr>
-          <p:txBody>
-            <a:bodyPr wrap="square" rtlCol="0">
-              <a:spAutoFit/>
-            </a:bodyPr>
-            <a:lstStyle/>
-            <a:p>
-              <a:pPr algn="ctr"/>
-              <a:r>
-                <a:rPr lang="en-US" dirty="0"/>
-                <a:t>dirOutputs</a:t>
-              </a:r>
-            </a:p>
-          </p:txBody>
-        </p:sp>
-      </p:grpSp>
-      <p:grpSp>
-        <p:nvGrpSpPr>
-          <p:cNvPr id="4" name="Group 3">
-            <a:extLst>
-              <a:ext uri="{FF2B5EF4-FFF2-40B4-BE49-F238E27FC236}">
-                <a16:creationId xmlns:a16="http://schemas.microsoft.com/office/drawing/2014/main" id="{7741C7EC-AB75-4251-8904-713E928E5FB3}"/>
-              </a:ext>
-            </a:extLst>
-          </p:cNvPr>
-          <p:cNvGrpSpPr/>
-          <p:nvPr/>
-        </p:nvGrpSpPr>
-        <p:grpSpPr>
-          <a:xfrm>
-            <a:off x="3261155" y="585984"/>
-            <a:ext cx="2066223" cy="965296"/>
-            <a:chOff x="1811039" y="1300849"/>
-            <a:chExt cx="2066223" cy="965296"/>
-          </a:xfrm>
-        </p:grpSpPr>
-        <p:pic>
-          <p:nvPicPr>
-            <p:cNvPr id="5" name="Picture 2">
-              <a:extLst>
-                <a:ext uri="{FF2B5EF4-FFF2-40B4-BE49-F238E27FC236}">
-                  <a16:creationId xmlns:a16="http://schemas.microsoft.com/office/drawing/2014/main" id="{C63F0FC7-CFA1-4D62-9708-F237E717605B}"/>
-                </a:ext>
-              </a:extLst>
-            </p:cNvPr>
-            <p:cNvPicPr>
-              <a:picLocks noChangeAspect="1" noChangeArrowheads="1"/>
-            </p:cNvPicPr>
-            <p:nvPr/>
-          </p:nvPicPr>
-          <p:blipFill>
-            <a:blip r:embed="rId2" cstate="print">
-              <a:extLst>
-                <a:ext uri="{28A0092B-C50C-407E-A947-70E740481C1C}">
-                  <a14:useLocalDpi xmlns:a14="http://schemas.microsoft.com/office/drawing/2010/main" val="0"/>
-                </a:ext>
-              </a:extLst>
-            </a:blip>
-            <a:srcRect/>
-            <a:stretch>
-              <a:fillRect/>
-            </a:stretch>
-          </p:blipFill>
-          <p:spPr bwMode="auto">
-            <a:xfrm>
-              <a:off x="2512807" y="1603456"/>
-              <a:ext cx="662689" cy="662689"/>
-            </a:xfrm>
-            <a:prstGeom prst="rect">
-              <a:avLst/>
-            </a:prstGeom>
-            <a:noFill/>
-            <a:extLst>
-              <a:ext uri="{909E8E84-426E-40DD-AFC4-6F175D3DCCD1}">
-                <a14:hiddenFill xmlns:a14="http://schemas.microsoft.com/office/drawing/2010/main">
-                  <a:solidFill>
-                    <a:srgbClr val="FFFFFF"/>
-                  </a:solidFill>
-                </a14:hiddenFill>
-              </a:ext>
-            </a:extLst>
-          </p:spPr>
-        </p:pic>
-        <p:sp>
-          <p:nvSpPr>
-            <p:cNvPr id="6" name="TextBox 5">
-              <a:extLst>
-                <a:ext uri="{FF2B5EF4-FFF2-40B4-BE49-F238E27FC236}">
-                  <a16:creationId xmlns:a16="http://schemas.microsoft.com/office/drawing/2014/main" id="{A071F53A-3158-4A45-84D6-74B554E4286A}"/>
-                </a:ext>
-              </a:extLst>
-            </p:cNvPr>
-            <p:cNvSpPr txBox="1"/>
-            <p:nvPr/>
-          </p:nvSpPr>
-          <p:spPr>
-            <a:xfrm>
-              <a:off x="1811039" y="1300849"/>
-              <a:ext cx="2066223" cy="369332"/>
-            </a:xfrm>
-            <a:prstGeom prst="rect">
-              <a:avLst/>
-            </a:prstGeom>
-            <a:noFill/>
-          </p:spPr>
-          <p:txBody>
-            <a:bodyPr wrap="square" rtlCol="0">
-              <a:spAutoFit/>
-            </a:bodyPr>
-            <a:lstStyle/>
-            <a:p>
-              <a:pPr algn="ctr"/>
-              <a:r>
-                <a:rPr lang="en-US"/>
-                <a:t>subRegionType</a:t>
-              </a:r>
-            </a:p>
-          </p:txBody>
-        </p:sp>
-      </p:grpSp>
-      <p:grpSp>
-        <p:nvGrpSpPr>
-          <p:cNvPr id="7" name="Group 6">
-            <a:extLst>
-              <a:ext uri="{FF2B5EF4-FFF2-40B4-BE49-F238E27FC236}">
-                <a16:creationId xmlns:a16="http://schemas.microsoft.com/office/drawing/2014/main" id="{C14C4105-B156-4A04-ACD9-260303EF992B}"/>
-              </a:ext>
-            </a:extLst>
-          </p:cNvPr>
-          <p:cNvGrpSpPr/>
-          <p:nvPr/>
-        </p:nvGrpSpPr>
-        <p:grpSpPr>
-          <a:xfrm>
-            <a:off x="4329697" y="585984"/>
-            <a:ext cx="2066223" cy="965296"/>
-            <a:chOff x="1811039" y="1300849"/>
+            <a:chOff x="816429" y="1300849"/>
             <a:chExt cx="2066223" cy="965296"/>
           </a:xfrm>
         </p:grpSpPr>
@@ -26367,7 +26159,7 @@
           </p:blipFill>
           <p:spPr bwMode="auto">
             <a:xfrm>
-              <a:off x="2512807" y="1603456"/>
+              <a:off x="1518197" y="1603456"/>
               <a:ext cx="662689" cy="662689"/>
             </a:xfrm>
             <a:prstGeom prst="rect">
@@ -26399,7 +26191,7 @@
           </p:nvSpPr>
           <p:spPr>
             <a:xfrm>
-              <a:off x="1811039" y="1300849"/>
+              <a:off x="816429" y="1300849"/>
               <a:ext cx="2066223" cy="369332"/>
             </a:xfrm>
             <a:prstGeom prst="rect">
@@ -26415,7 +26207,7 @@
             <a:p>
               <a:pPr algn="ctr"/>
               <a:r>
-                <a:rPr lang="en-US"/>
+                <a:rPr lang="en-US" dirty="0"/>
                 <a:t>param</a:t>
               </a:r>
             </a:p>
@@ -26436,7 +26228,7 @@
         </p:nvGrpSpPr>
         <p:grpSpPr>
           <a:xfrm>
-            <a:off x="5365377" y="585984"/>
+            <a:off x="4960310" y="517802"/>
             <a:ext cx="2066223" cy="965296"/>
             <a:chOff x="1811039" y="1300849"/>
             <a:chExt cx="2066223" cy="965296"/>
@@ -26528,49 +26320,6 @@
       </p:grpSp>
       <p:cxnSp>
         <p:nvCxnSpPr>
-          <p:cNvPr id="13" name="Straight Connector 12">
-            <a:extLst>
-              <a:ext uri="{FF2B5EF4-FFF2-40B4-BE49-F238E27FC236}">
-                <a16:creationId xmlns:a16="http://schemas.microsoft.com/office/drawing/2014/main" id="{069F897B-A183-4CD6-9504-67DC7865728E}"/>
-              </a:ext>
-            </a:extLst>
-          </p:cNvPr>
-          <p:cNvCxnSpPr>
-            <a:cxnSpLocks/>
-            <a:stCxn id="5" idx="3"/>
-            <a:endCxn id="8" idx="1"/>
-          </p:cNvCxnSpPr>
-          <p:nvPr/>
-        </p:nvCxnSpPr>
-        <p:spPr>
-          <a:xfrm>
-            <a:off x="4625612" y="1219936"/>
-            <a:ext cx="405853" cy="0"/>
-          </a:xfrm>
-          <a:prstGeom prst="line">
-            <a:avLst/>
-          </a:prstGeom>
-          <a:ln>
-            <a:tailEnd type="triangle" w="lg" len="lg"/>
-          </a:ln>
-        </p:spPr>
-        <p:style>
-          <a:lnRef idx="1">
-            <a:schemeClr val="dk1"/>
-          </a:lnRef>
-          <a:fillRef idx="0">
-            <a:schemeClr val="dk1"/>
-          </a:fillRef>
-          <a:effectRef idx="0">
-            <a:schemeClr val="dk1"/>
-          </a:effectRef>
-          <a:fontRef idx="minor">
-            <a:schemeClr val="tx1"/>
-          </a:fontRef>
-        </p:style>
-      </p:cxnSp>
-      <p:cxnSp>
-        <p:nvCxnSpPr>
           <p:cNvPr id="14" name="Straight Connector 13">
             <a:extLst>
               <a:ext uri="{FF2B5EF4-FFF2-40B4-BE49-F238E27FC236}">
@@ -26587,8 +26336,8 @@
         </p:nvCxnSpPr>
         <p:spPr>
           <a:xfrm>
-            <a:off x="5694154" y="1219936"/>
-            <a:ext cx="372991" cy="0"/>
+            <a:off x="4294477" y="1151754"/>
+            <a:ext cx="1367601" cy="0"/>
           </a:xfrm>
           <a:prstGeom prst="line">
             <a:avLst/>
@@ -26630,8 +26379,8 @@
         </p:nvCxnSpPr>
         <p:spPr>
           <a:xfrm rot="5400000">
-            <a:off x="4808298" y="453484"/>
-            <a:ext cx="492396" cy="2687988"/>
+            <a:off x="4571674" y="621927"/>
+            <a:ext cx="560578" cy="2282921"/>
           </a:xfrm>
           <a:prstGeom prst="bentConnector3">
             <a:avLst>
@@ -26671,10 +26420,10 @@
         </p:nvGrpSpPr>
         <p:grpSpPr>
           <a:xfrm>
-            <a:off x="1304906" y="585984"/>
-            <a:ext cx="2066223" cy="965296"/>
-            <a:chOff x="1811039" y="1300849"/>
-            <a:chExt cx="2066223" cy="965296"/>
+            <a:off x="881764" y="298269"/>
+            <a:ext cx="2066223" cy="1184829"/>
+            <a:chOff x="1792964" y="1081316"/>
+            <a:chExt cx="2066223" cy="1184829"/>
           </a:xfrm>
         </p:grpSpPr>
         <p:pic>
@@ -26738,8 +26487,8 @@
           </p:nvSpPr>
           <p:spPr>
             <a:xfrm>
-              <a:off x="1811039" y="1300849"/>
-              <a:ext cx="2066223" cy="369332"/>
+              <a:off x="1792964" y="1081316"/>
+              <a:ext cx="2066223" cy="646331"/>
             </a:xfrm>
             <a:prstGeom prst="rect">
               <a:avLst/>
@@ -26754,112 +26503,15 @@
             <a:p>
               <a:pPr algn="ctr"/>
               <a:r>
-                <a:rPr lang="en-US"/>
-                <a:t>folderName</a:t>
+                <a:rPr lang="en-US" dirty="0"/>
+                <a:t>folder</a:t>
               </a:r>
             </a:p>
-          </p:txBody>
-        </p:sp>
-      </p:grpSp>
-      <p:grpSp>
-        <p:nvGrpSpPr>
-          <p:cNvPr id="19" name="Group 18">
-            <a:extLst>
-              <a:ext uri="{FF2B5EF4-FFF2-40B4-BE49-F238E27FC236}">
-                <a16:creationId xmlns:a16="http://schemas.microsoft.com/office/drawing/2014/main" id="{4079EBC8-DF3A-46D1-B3E3-4208EBFCF8B7}"/>
-              </a:ext>
-            </a:extLst>
-          </p:cNvPr>
-          <p:cNvGrpSpPr/>
-          <p:nvPr/>
-        </p:nvGrpSpPr>
-        <p:grpSpPr>
-          <a:xfrm>
-            <a:off x="2235152" y="585984"/>
-            <a:ext cx="2066223" cy="965296"/>
-            <a:chOff x="1811039" y="1300849"/>
-            <a:chExt cx="2066223" cy="965296"/>
-          </a:xfrm>
-        </p:grpSpPr>
-        <p:pic>
-          <p:nvPicPr>
-            <p:cNvPr id="20" name="Picture 2">
-              <a:extLst>
-                <a:ext uri="{FF2B5EF4-FFF2-40B4-BE49-F238E27FC236}">
-                  <a16:creationId xmlns:a16="http://schemas.microsoft.com/office/drawing/2014/main" id="{84C701EF-79AE-4F24-A774-142227DF3B7E}"/>
-                </a:ext>
-              </a:extLst>
-            </p:cNvPr>
-            <p:cNvPicPr>
-              <a:picLocks noChangeAspect="1" noChangeArrowheads="1"/>
-            </p:cNvPicPr>
-            <p:nvPr/>
-          </p:nvPicPr>
-          <p:blipFill>
-            <a:blip r:embed="rId2" cstate="print">
-              <a:extLst>
-                <a:ext uri="{28A0092B-C50C-407E-A947-70E740481C1C}">
-                  <a14:useLocalDpi xmlns:a14="http://schemas.microsoft.com/office/drawing/2010/main" val="0"/>
-                </a:ext>
-              </a:extLst>
-            </a:blip>
-            <a:srcRect/>
-            <a:stretch>
-              <a:fillRect/>
-            </a:stretch>
-          </p:blipFill>
-          <p:spPr bwMode="auto">
-            <a:xfrm>
-              <a:off x="2512807" y="1603456"/>
-              <a:ext cx="662689" cy="662689"/>
-            </a:xfrm>
-            <a:prstGeom prst="rect">
-              <a:avLst/>
-            </a:prstGeom>
-            <a:noFill/>
-            <a:extLst>
-              <a:ext uri="{909E8E84-426E-40DD-AFC4-6F175D3DCCD1}">
-                <a14:hiddenFill xmlns:a14="http://schemas.microsoft.com/office/drawing/2010/main">
-                  <a:solidFill>
-                    <a:srgbClr val="FFFFFF"/>
-                  </a:solidFill>
-                </a14:hiddenFill>
-              </a:ext>
-            </a:extLst>
-          </p:spPr>
-        </p:pic>
-        <p:sp>
-          <p:nvSpPr>
-            <p:cNvPr id="21" name="TextBox 20">
-              <a:extLst>
-                <a:ext uri="{FF2B5EF4-FFF2-40B4-BE49-F238E27FC236}">
-                  <a16:creationId xmlns:a16="http://schemas.microsoft.com/office/drawing/2014/main" id="{E8AA026A-3E1D-42D1-A6B4-845980666B12}"/>
-                </a:ext>
-              </a:extLst>
-            </p:cNvPr>
-            <p:cNvSpPr txBox="1"/>
-            <p:nvPr/>
-          </p:nvSpPr>
-          <p:spPr>
-            <a:xfrm>
-              <a:off x="1811039" y="1300849"/>
-              <a:ext cx="2066223" cy="369332"/>
-            </a:xfrm>
-            <a:prstGeom prst="rect">
-              <a:avLst/>
-            </a:prstGeom>
-            <a:noFill/>
-          </p:spPr>
-          <p:txBody>
-            <a:bodyPr wrap="square" rtlCol="0">
-              <a:spAutoFit/>
-            </a:bodyPr>
-            <a:lstStyle/>
             <a:p>
               <a:pPr algn="ctr"/>
               <a:r>
-                <a:rPr lang="en-US"/>
-                <a:t>Maps</a:t>
+                <a:rPr lang="en-US" dirty="0"/>
+                <a:t>(default = outputs)</a:t>
               </a:r>
             </a:p>
           </p:txBody>
@@ -27212,95 +26864,14 @@
           </p:cNvPr>
           <p:cNvCxnSpPr>
             <a:cxnSpLocks/>
+            <a:endCxn id="8" idx="1"/>
           </p:cNvCxnSpPr>
           <p:nvPr/>
         </p:nvCxnSpPr>
         <p:spPr>
           <a:xfrm>
-            <a:off x="2607648" y="1219936"/>
-            <a:ext cx="329272" cy="0"/>
-          </a:xfrm>
-          <a:prstGeom prst="line">
-            <a:avLst/>
-          </a:prstGeom>
-          <a:ln>
-            <a:tailEnd type="triangle" w="lg" len="lg"/>
-          </a:ln>
-        </p:spPr>
-        <p:style>
-          <a:lnRef idx="1">
-            <a:schemeClr val="dk1"/>
-          </a:lnRef>
-          <a:fillRef idx="0">
-            <a:schemeClr val="dk1"/>
-          </a:fillRef>
-          <a:effectRef idx="0">
-            <a:schemeClr val="dk1"/>
-          </a:effectRef>
-          <a:fontRef idx="minor">
-            <a:schemeClr val="tx1"/>
-          </a:fontRef>
-        </p:style>
-      </p:cxnSp>
-      <p:cxnSp>
-        <p:nvCxnSpPr>
-          <p:cNvPr id="33" name="Straight Connector 32">
-            <a:extLst>
-              <a:ext uri="{FF2B5EF4-FFF2-40B4-BE49-F238E27FC236}">
-                <a16:creationId xmlns:a16="http://schemas.microsoft.com/office/drawing/2014/main" id="{9B774E99-928D-4B43-93D0-68DB3F062F21}"/>
-              </a:ext>
-            </a:extLst>
-          </p:cNvPr>
-          <p:cNvCxnSpPr>
-            <a:cxnSpLocks/>
-          </p:cNvCxnSpPr>
-          <p:nvPr/>
-        </p:nvCxnSpPr>
-        <p:spPr>
-          <a:xfrm>
-            <a:off x="3582066" y="1211147"/>
-            <a:ext cx="329272" cy="0"/>
-          </a:xfrm>
-          <a:prstGeom prst="line">
-            <a:avLst/>
-          </a:prstGeom>
-          <a:ln>
-            <a:tailEnd type="triangle" w="lg" len="lg"/>
-          </a:ln>
-        </p:spPr>
-        <p:style>
-          <a:lnRef idx="1">
-            <a:schemeClr val="dk1"/>
-          </a:lnRef>
-          <a:fillRef idx="0">
-            <a:schemeClr val="dk1"/>
-          </a:fillRef>
-          <a:effectRef idx="0">
-            <a:schemeClr val="dk1"/>
-          </a:effectRef>
-          <a:fontRef idx="minor">
-            <a:schemeClr val="tx1"/>
-          </a:fontRef>
-        </p:style>
-      </p:cxnSp>
-      <p:cxnSp>
-        <p:nvCxnSpPr>
-          <p:cNvPr id="34" name="Straight Connector 33">
-            <a:extLst>
-              <a:ext uri="{FF2B5EF4-FFF2-40B4-BE49-F238E27FC236}">
-                <a16:creationId xmlns:a16="http://schemas.microsoft.com/office/drawing/2014/main" id="{074B77A9-0200-40A3-8C0C-7461CEBF0F87}"/>
-              </a:ext>
-            </a:extLst>
-          </p:cNvPr>
-          <p:cNvCxnSpPr>
-            <a:cxnSpLocks/>
-          </p:cNvCxnSpPr>
-          <p:nvPr/>
-        </p:nvCxnSpPr>
-        <p:spPr>
-          <a:xfrm>
-            <a:off x="1526549" y="1236546"/>
-            <a:ext cx="329272" cy="0"/>
+            <a:off x="2202581" y="1151754"/>
+            <a:ext cx="1429207" cy="0"/>
           </a:xfrm>
           <a:prstGeom prst="line">
             <a:avLst/>
@@ -27338,7 +26909,7 @@
         </p:nvSpPr>
         <p:spPr>
           <a:xfrm>
-            <a:off x="1717367" y="1343001"/>
+            <a:off x="1352951" y="1442323"/>
             <a:ext cx="1159998" cy="369332"/>
           </a:xfrm>
           <a:prstGeom prst="rect">
@@ -27352,14 +26923,14 @@
           <a:lstStyle/>
           <a:p>
             <a:r>
-              <a:rPr lang="en-US" altLang="en-US" b="1">
+              <a:rPr lang="en-US" altLang="en-US" b="1" dirty="0">
                 <a:solidFill>
                   <a:srgbClr val="29A33D"/>
                 </a:solidFill>
               </a:rPr>
               <a:t>(Optional)</a:t>
             </a:r>
-            <a:endParaRPr lang="en-US"/>
+            <a:endParaRPr lang="en-US" dirty="0"/>
           </a:p>
         </p:txBody>
       </p:sp>
@@ -27696,45 +27267,6 @@
               <a:rPr lang="en-US" sz="2400"/>
               <a:t>Same scale across years and classes</a:t>
             </a:r>
-          </a:p>
-        </p:txBody>
-      </p:sp>
-      <p:sp>
-        <p:nvSpPr>
-          <p:cNvPr id="50" name="Rectangle 49">
-            <a:extLst>
-              <a:ext uri="{FF2B5EF4-FFF2-40B4-BE49-F238E27FC236}">
-                <a16:creationId xmlns:a16="http://schemas.microsoft.com/office/drawing/2014/main" id="{52B01F8F-C641-4B73-9227-04C3323D8223}"/>
-              </a:ext>
-            </a:extLst>
-          </p:cNvPr>
-          <p:cNvSpPr/>
-          <p:nvPr/>
-        </p:nvSpPr>
-        <p:spPr>
-          <a:xfrm>
-            <a:off x="589949" y="1343001"/>
-            <a:ext cx="1159998" cy="369332"/>
-          </a:xfrm>
-          <a:prstGeom prst="rect">
-            <a:avLst/>
-          </a:prstGeom>
-        </p:spPr>
-        <p:txBody>
-          <a:bodyPr wrap="none">
-            <a:spAutoFit/>
-          </a:bodyPr>
-          <a:lstStyle/>
-          <a:p>
-            <a:r>
-              <a:rPr lang="en-US" altLang="en-US" b="1">
-                <a:solidFill>
-                  <a:srgbClr val="29A33D"/>
-                </a:solidFill>
-              </a:rPr>
-              <a:t>(Optional)</a:t>
-            </a:r>
-            <a:endParaRPr lang="en-US"/>
           </a:p>
         </p:txBody>
       </p:sp>

--- a/vignettes/vignetteFigs/00vignetteFigs.pptx
+++ b/vignettes/vignetteFigs/00vignetteFigs.pptx
@@ -5,7 +5,7 @@
     <p:sldMasterId id="2147483648" r:id="rId1"/>
   </p:sldMasterIdLst>
   <p:notesMasterIdLst>
-    <p:notesMasterId r:id="rId45"/>
+    <p:notesMasterId r:id="rId47"/>
   </p:notesMasterIdLst>
   <p:sldIdLst>
     <p:sldId id="260" r:id="rId2"/>
@@ -42,15 +42,17 @@
     <p:sldId id="307" r:id="rId33"/>
     <p:sldId id="283" r:id="rId34"/>
     <p:sldId id="284" r:id="rId35"/>
-    <p:sldId id="309" r:id="rId36"/>
-    <p:sldId id="291" r:id="rId37"/>
-    <p:sldId id="292" r:id="rId38"/>
-    <p:sldId id="293" r:id="rId39"/>
-    <p:sldId id="297" r:id="rId40"/>
-    <p:sldId id="301" r:id="rId41"/>
-    <p:sldId id="300" r:id="rId42"/>
-    <p:sldId id="298" r:id="rId43"/>
-    <p:sldId id="302" r:id="rId44"/>
+    <p:sldId id="310" r:id="rId36"/>
+    <p:sldId id="311" r:id="rId37"/>
+    <p:sldId id="309" r:id="rId38"/>
+    <p:sldId id="291" r:id="rId39"/>
+    <p:sldId id="292" r:id="rId40"/>
+    <p:sldId id="293" r:id="rId41"/>
+    <p:sldId id="297" r:id="rId42"/>
+    <p:sldId id="301" r:id="rId43"/>
+    <p:sldId id="300" r:id="rId44"/>
+    <p:sldId id="298" r:id="rId45"/>
+    <p:sldId id="302" r:id="rId46"/>
   </p:sldIdLst>
   <p:sldSz cx="12192000" cy="6858000"/>
   <p:notesSz cx="6858000" cy="9144000"/>
@@ -239,7 +241,7 @@
           <a:p>
             <a:fld id="{921607FB-4AF3-41D9-93C1-AF2B65302971}" type="datetimeFigureOut">
               <a:rPr lang="en-US" smtClean="0"/>
-              <a:t>12/31/2020</a:t>
+              <a:t>1/15/2021</a:t>
             </a:fld>
             <a:endParaRPr lang="en-US"/>
           </a:p>
@@ -635,7 +637,7 @@
           <a:p>
             <a:fld id="{11D67388-0790-496E-9A12-37055489AF4F}" type="datetimeFigureOut">
               <a:rPr lang="en-US" smtClean="0"/>
-              <a:t>12/31/2020</a:t>
+              <a:t>1/15/2021</a:t>
             </a:fld>
             <a:endParaRPr lang="en-US"/>
           </a:p>
@@ -803,7 +805,7 @@
           <a:p>
             <a:fld id="{11D67388-0790-496E-9A12-37055489AF4F}" type="datetimeFigureOut">
               <a:rPr lang="en-US" smtClean="0"/>
-              <a:t>12/31/2020</a:t>
+              <a:t>1/15/2021</a:t>
             </a:fld>
             <a:endParaRPr lang="en-US"/>
           </a:p>
@@ -981,7 +983,7 @@
           <a:p>
             <a:fld id="{11D67388-0790-496E-9A12-37055489AF4F}" type="datetimeFigureOut">
               <a:rPr lang="en-US" smtClean="0"/>
-              <a:t>12/31/2020</a:t>
+              <a:t>1/15/2021</a:t>
             </a:fld>
             <a:endParaRPr lang="en-US"/>
           </a:p>
@@ -1149,7 +1151,7 @@
           <a:p>
             <a:fld id="{11D67388-0790-496E-9A12-37055489AF4F}" type="datetimeFigureOut">
               <a:rPr lang="en-US" smtClean="0"/>
-              <a:t>12/31/2020</a:t>
+              <a:t>1/15/2021</a:t>
             </a:fld>
             <a:endParaRPr lang="en-US"/>
           </a:p>
@@ -1394,7 +1396,7 @@
           <a:p>
             <a:fld id="{11D67388-0790-496E-9A12-37055489AF4F}" type="datetimeFigureOut">
               <a:rPr lang="en-US" smtClean="0"/>
-              <a:t>12/31/2020</a:t>
+              <a:t>1/15/2021</a:t>
             </a:fld>
             <a:endParaRPr lang="en-US"/>
           </a:p>
@@ -1623,7 +1625,7 @@
           <a:p>
             <a:fld id="{11D67388-0790-496E-9A12-37055489AF4F}" type="datetimeFigureOut">
               <a:rPr lang="en-US" smtClean="0"/>
-              <a:t>12/31/2020</a:t>
+              <a:t>1/15/2021</a:t>
             </a:fld>
             <a:endParaRPr lang="en-US"/>
           </a:p>
@@ -1987,7 +1989,7 @@
           <a:p>
             <a:fld id="{11D67388-0790-496E-9A12-37055489AF4F}" type="datetimeFigureOut">
               <a:rPr lang="en-US" smtClean="0"/>
-              <a:t>12/31/2020</a:t>
+              <a:t>1/15/2021</a:t>
             </a:fld>
             <a:endParaRPr lang="en-US"/>
           </a:p>
@@ -2104,7 +2106,7 @@
           <a:p>
             <a:fld id="{11D67388-0790-496E-9A12-37055489AF4F}" type="datetimeFigureOut">
               <a:rPr lang="en-US" smtClean="0"/>
-              <a:t>12/31/2020</a:t>
+              <a:t>1/15/2021</a:t>
             </a:fld>
             <a:endParaRPr lang="en-US"/>
           </a:p>
@@ -2199,7 +2201,7 @@
           <a:p>
             <a:fld id="{11D67388-0790-496E-9A12-37055489AF4F}" type="datetimeFigureOut">
               <a:rPr lang="en-US" smtClean="0"/>
-              <a:t>12/31/2020</a:t>
+              <a:t>1/15/2021</a:t>
             </a:fld>
             <a:endParaRPr lang="en-US"/>
           </a:p>
@@ -2474,7 +2476,7 @@
           <a:p>
             <a:fld id="{11D67388-0790-496E-9A12-37055489AF4F}" type="datetimeFigureOut">
               <a:rPr lang="en-US" smtClean="0"/>
-              <a:t>12/31/2020</a:t>
+              <a:t>1/15/2021</a:t>
             </a:fld>
             <a:endParaRPr lang="en-US"/>
           </a:p>
@@ -2726,7 +2728,7 @@
           <a:p>
             <a:fld id="{11D67388-0790-496E-9A12-37055489AF4F}" type="datetimeFigureOut">
               <a:rPr lang="en-US" smtClean="0"/>
-              <a:t>12/31/2020</a:t>
+              <a:t>1/15/2021</a:t>
             </a:fld>
             <a:endParaRPr lang="en-US"/>
           </a:p>
@@ -2937,7 +2939,7 @@
           <a:p>
             <a:fld id="{11D67388-0790-496E-9A12-37055489AF4F}" type="datetimeFigureOut">
               <a:rPr lang="en-US" smtClean="0"/>
-              <a:t>12/31/2020</a:t>
+              <a:t>1/15/2021</a:t>
             </a:fld>
             <a:endParaRPr lang="en-US"/>
           </a:p>
@@ -12085,118 +12087,10 @@
       </p:grpSpPr>
       <p:sp>
         <p:nvSpPr>
-          <p:cNvPr id="7" name="TextBox 6">
+          <p:cNvPr id="6" name="Rectangle 5">
             <a:extLst>
               <a:ext uri="{FF2B5EF4-FFF2-40B4-BE49-F238E27FC236}">
-                <a16:creationId xmlns:a16="http://schemas.microsoft.com/office/drawing/2014/main" id="{A063DF1C-7DF0-40B4-AC9D-EC918B0CB000}"/>
-              </a:ext>
-            </a:extLst>
-          </p:cNvPr>
-          <p:cNvSpPr txBox="1"/>
-          <p:nvPr/>
-        </p:nvSpPr>
-        <p:spPr>
-          <a:xfrm>
-            <a:off x="192163" y="128664"/>
-            <a:ext cx="2066223" cy="369332"/>
-          </a:xfrm>
-          <a:prstGeom prst="rect">
-            <a:avLst/>
-          </a:prstGeom>
-          <a:noFill/>
-        </p:spPr>
-        <p:txBody>
-          <a:bodyPr wrap="square" rtlCol="0">
-            <a:spAutoFit/>
-          </a:bodyPr>
-          <a:lstStyle/>
-          <a:p>
-            <a:pPr algn="ctr"/>
-            <a:r>
-              <a:rPr lang="en-US" b="1" dirty="0"/>
-              <a:t>Numeric2Cat</a:t>
-            </a:r>
-          </a:p>
-        </p:txBody>
-      </p:sp>
-      <p:pic>
-        <p:nvPicPr>
-          <p:cNvPr id="3" name="Picture 2" descr="Map&#10;&#10;Description automatically generated">
-            <a:extLst>
-              <a:ext uri="{FF2B5EF4-FFF2-40B4-BE49-F238E27FC236}">
-                <a16:creationId xmlns:a16="http://schemas.microsoft.com/office/drawing/2014/main" id="{3B6F4D65-C9E5-4E0B-BB5A-0DF8509A29C0}"/>
-              </a:ext>
-            </a:extLst>
-          </p:cNvPr>
-          <p:cNvPicPr>
-            <a:picLocks noChangeAspect="1"/>
-          </p:cNvPicPr>
-          <p:nvPr/>
-        </p:nvPicPr>
-        <p:blipFill>
-          <a:blip r:embed="rId2" cstate="print">
-            <a:extLst>
-              <a:ext uri="{28A0092B-C50C-407E-A947-70E740481C1C}">
-                <a14:useLocalDpi xmlns:a14="http://schemas.microsoft.com/office/drawing/2010/main" val="0"/>
-              </a:ext>
-            </a:extLst>
-          </a:blip>
-          <a:stretch>
-            <a:fillRect/>
-          </a:stretch>
-        </p:blipFill>
-        <p:spPr>
-          <a:xfrm>
-            <a:off x="761658" y="1884222"/>
-            <a:ext cx="4661997" cy="2479231"/>
-          </a:xfrm>
-          <a:prstGeom prst="rect">
-            <a:avLst/>
-          </a:prstGeom>
-        </p:spPr>
-      </p:pic>
-      <p:pic>
-        <p:nvPicPr>
-          <p:cNvPr id="8" name="Picture 7" descr="Map&#10;&#10;Description automatically generated">
-            <a:extLst>
-              <a:ext uri="{FF2B5EF4-FFF2-40B4-BE49-F238E27FC236}">
-                <a16:creationId xmlns:a16="http://schemas.microsoft.com/office/drawing/2014/main" id="{7215B5F1-79F3-42C3-B624-349FA1CA4897}"/>
-              </a:ext>
-            </a:extLst>
-          </p:cNvPr>
-          <p:cNvPicPr>
-            <a:picLocks noChangeAspect="1"/>
-          </p:cNvPicPr>
-          <p:nvPr/>
-        </p:nvPicPr>
-        <p:blipFill>
-          <a:blip r:embed="rId3" cstate="print">
-            <a:extLst>
-              <a:ext uri="{28A0092B-C50C-407E-A947-70E740481C1C}">
-                <a14:useLocalDpi xmlns:a14="http://schemas.microsoft.com/office/drawing/2010/main" val="0"/>
-              </a:ext>
-            </a:extLst>
-          </a:blip>
-          <a:stretch>
-            <a:fillRect/>
-          </a:stretch>
-        </p:blipFill>
-        <p:spPr>
-          <a:xfrm>
-            <a:off x="5941833" y="1884222"/>
-            <a:ext cx="5522072" cy="2479231"/>
-          </a:xfrm>
-          <a:prstGeom prst="rect">
-            <a:avLst/>
-          </a:prstGeom>
-        </p:spPr>
-      </p:pic>
-      <p:sp>
-        <p:nvSpPr>
-          <p:cNvPr id="10" name="Rectangle 9">
-            <a:extLst>
-              <a:ext uri="{FF2B5EF4-FFF2-40B4-BE49-F238E27FC236}">
-                <a16:creationId xmlns:a16="http://schemas.microsoft.com/office/drawing/2014/main" id="{89B28590-6D43-4968-A021-CF2493679ADD}"/>
+                <a16:creationId xmlns:a16="http://schemas.microsoft.com/office/drawing/2014/main" id="{F2FAAE5D-6F5D-4276-A188-B0F75533DF8A}"/>
               </a:ext>
             </a:extLst>
           </p:cNvPr>
@@ -12205,8 +12099,8 @@
         </p:nvSpPr>
         <p:spPr>
           <a:xfrm>
-            <a:off x="409073" y="1608221"/>
-            <a:ext cx="11285621" cy="3104147"/>
+            <a:off x="612058" y="1231490"/>
+            <a:ext cx="11002298" cy="4387645"/>
           </a:xfrm>
           <a:prstGeom prst="rect">
             <a:avLst/>
@@ -12245,6 +12139,696 @@
           </a:p>
         </p:txBody>
       </p:sp>
+      <p:sp>
+        <p:nvSpPr>
+          <p:cNvPr id="7" name="TextBox 6">
+            <a:extLst>
+              <a:ext uri="{FF2B5EF4-FFF2-40B4-BE49-F238E27FC236}">
+                <a16:creationId xmlns:a16="http://schemas.microsoft.com/office/drawing/2014/main" id="{A063DF1C-7DF0-40B4-AC9D-EC918B0CB000}"/>
+              </a:ext>
+            </a:extLst>
+          </p:cNvPr>
+          <p:cNvSpPr txBox="1"/>
+          <p:nvPr/>
+        </p:nvSpPr>
+        <p:spPr>
+          <a:xfrm>
+            <a:off x="192163" y="128664"/>
+            <a:ext cx="2897624" cy="646331"/>
+          </a:xfrm>
+          <a:prstGeom prst="rect">
+            <a:avLst/>
+          </a:prstGeom>
+          <a:noFill/>
+        </p:spPr>
+        <p:txBody>
+          <a:bodyPr wrap="square" rtlCol="0">
+            <a:spAutoFit/>
+          </a:bodyPr>
+          <a:lstStyle/>
+          <a:p>
+            <a:pPr algn="ctr"/>
+            <a:r>
+              <a:rPr lang="en-US" b="1" dirty="0"/>
+              <a:t>Legend Customization Position Single Facet</a:t>
+            </a:r>
+          </a:p>
+        </p:txBody>
+      </p:sp>
+      <p:pic>
+        <p:nvPicPr>
+          <p:cNvPr id="3" name="Picture 2" descr="Map&#10;&#10;Description automatically generated">
+            <a:extLst>
+              <a:ext uri="{FF2B5EF4-FFF2-40B4-BE49-F238E27FC236}">
+                <a16:creationId xmlns:a16="http://schemas.microsoft.com/office/drawing/2014/main" id="{4DAF0C07-36F0-47F5-BA02-2C8A75EAA14D}"/>
+              </a:ext>
+            </a:extLst>
+          </p:cNvPr>
+          <p:cNvPicPr>
+            <a:picLocks noChangeAspect="1"/>
+          </p:cNvPicPr>
+          <p:nvPr/>
+        </p:nvPicPr>
+        <p:blipFill>
+          <a:blip r:embed="rId2" cstate="print">
+            <a:extLst>
+              <a:ext uri="{28A0092B-C50C-407E-A947-70E740481C1C}">
+                <a14:useLocalDpi xmlns:a14="http://schemas.microsoft.com/office/drawing/2010/main" val="0"/>
+              </a:ext>
+            </a:extLst>
+          </a:blip>
+          <a:stretch>
+            <a:fillRect/>
+          </a:stretch>
+        </p:blipFill>
+        <p:spPr>
+          <a:xfrm>
+            <a:off x="885686" y="1999111"/>
+            <a:ext cx="4010780" cy="3465095"/>
+          </a:xfrm>
+          <a:prstGeom prst="rect">
+            <a:avLst/>
+          </a:prstGeom>
+        </p:spPr>
+      </p:pic>
+      <p:pic>
+        <p:nvPicPr>
+          <p:cNvPr id="8" name="Picture 7" descr="Map&#10;&#10;Description automatically generated">
+            <a:extLst>
+              <a:ext uri="{FF2B5EF4-FFF2-40B4-BE49-F238E27FC236}">
+                <a16:creationId xmlns:a16="http://schemas.microsoft.com/office/drawing/2014/main" id="{9B69A37F-3310-4E1A-82BE-F3FA52E41001}"/>
+              </a:ext>
+            </a:extLst>
+          </p:cNvPr>
+          <p:cNvPicPr>
+            <a:picLocks noChangeAspect="1"/>
+          </p:cNvPicPr>
+          <p:nvPr/>
+        </p:nvPicPr>
+        <p:blipFill>
+          <a:blip r:embed="rId3" cstate="print">
+            <a:extLst>
+              <a:ext uri="{28A0092B-C50C-407E-A947-70E740481C1C}">
+                <a14:useLocalDpi xmlns:a14="http://schemas.microsoft.com/office/drawing/2010/main" val="0"/>
+              </a:ext>
+            </a:extLst>
+          </a:blip>
+          <a:stretch>
+            <a:fillRect/>
+          </a:stretch>
+        </p:blipFill>
+        <p:spPr>
+          <a:xfrm>
+            <a:off x="5772002" y="1999111"/>
+            <a:ext cx="5592561" cy="3465095"/>
+          </a:xfrm>
+          <a:prstGeom prst="rect">
+            <a:avLst/>
+          </a:prstGeom>
+        </p:spPr>
+      </p:pic>
+      <p:sp>
+        <p:nvSpPr>
+          <p:cNvPr id="10" name="TextBox 9">
+            <a:extLst>
+              <a:ext uri="{FF2B5EF4-FFF2-40B4-BE49-F238E27FC236}">
+                <a16:creationId xmlns:a16="http://schemas.microsoft.com/office/drawing/2014/main" id="{0CF585E1-68FB-483B-87C7-21C9A87EC8B6}"/>
+              </a:ext>
+            </a:extLst>
+          </p:cNvPr>
+          <p:cNvSpPr txBox="1"/>
+          <p:nvPr/>
+        </p:nvSpPr>
+        <p:spPr>
+          <a:xfrm>
+            <a:off x="1286373" y="1393794"/>
+            <a:ext cx="3209405" cy="523220"/>
+          </a:xfrm>
+          <a:prstGeom prst="rect">
+            <a:avLst/>
+          </a:prstGeom>
+          <a:noFill/>
+        </p:spPr>
+        <p:txBody>
+          <a:bodyPr wrap="square" rtlCol="0">
+            <a:spAutoFit/>
+          </a:bodyPr>
+          <a:lstStyle/>
+          <a:p>
+            <a:pPr algn="ctr"/>
+            <a:r>
+              <a:rPr lang="en-US" sz="1400" b="1" dirty="0" err="1"/>
+              <a:t>legendOutsideSingle</a:t>
+            </a:r>
+            <a:r>
+              <a:rPr lang="en-US" sz="1400" b="1" dirty="0"/>
+              <a:t> = F,</a:t>
+            </a:r>
+          </a:p>
+          <a:p>
+            <a:pPr algn="ctr"/>
+            <a:r>
+              <a:rPr lang="en-US" sz="1400" b="1" dirty="0" err="1"/>
+              <a:t>legendPosition</a:t>
+            </a:r>
+            <a:r>
+              <a:rPr lang="en-US" sz="1400" b="1" dirty="0"/>
+              <a:t> = c('</a:t>
+            </a:r>
+            <a:r>
+              <a:rPr lang="en-US" sz="1400" b="1" dirty="0" err="1"/>
+              <a:t>left','bottom</a:t>
+            </a:r>
+            <a:r>
+              <a:rPr lang="en-US" sz="1400" b="1" dirty="0"/>
+              <a:t>'),</a:t>
+            </a:r>
+          </a:p>
+        </p:txBody>
+      </p:sp>
+      <p:sp>
+        <p:nvSpPr>
+          <p:cNvPr id="11" name="TextBox 10">
+            <a:extLst>
+              <a:ext uri="{FF2B5EF4-FFF2-40B4-BE49-F238E27FC236}">
+                <a16:creationId xmlns:a16="http://schemas.microsoft.com/office/drawing/2014/main" id="{2A0B9975-246B-4FD3-817A-4DBBAF33EAF4}"/>
+              </a:ext>
+            </a:extLst>
+          </p:cNvPr>
+          <p:cNvSpPr txBox="1"/>
+          <p:nvPr/>
+        </p:nvSpPr>
+        <p:spPr>
+          <a:xfrm>
+            <a:off x="7877979" y="1475891"/>
+            <a:ext cx="3209405" cy="523220"/>
+          </a:xfrm>
+          <a:prstGeom prst="rect">
+            <a:avLst/>
+          </a:prstGeom>
+          <a:noFill/>
+        </p:spPr>
+        <p:txBody>
+          <a:bodyPr wrap="square" rtlCol="0">
+            <a:spAutoFit/>
+          </a:bodyPr>
+          <a:lstStyle/>
+          <a:p>
+            <a:pPr algn="ctr"/>
+            <a:r>
+              <a:rPr lang="en-US" sz="1400" b="1" dirty="0" err="1"/>
+              <a:t>legendOutsideSingle</a:t>
+            </a:r>
+            <a:r>
+              <a:rPr lang="en-US" sz="1400" b="1" dirty="0"/>
+              <a:t> = T,</a:t>
+            </a:r>
+          </a:p>
+          <a:p>
+            <a:pPr algn="ctr"/>
+            <a:r>
+              <a:rPr lang="en-US" sz="1400" b="1" dirty="0" err="1"/>
+              <a:t>legendOutsidePosition</a:t>
+            </a:r>
+            <a:r>
+              <a:rPr lang="en-US" sz="1400" b="1" dirty="0"/>
+              <a:t> = "left",</a:t>
+            </a:r>
+          </a:p>
+        </p:txBody>
+      </p:sp>
+    </p:spTree>
+    <p:extLst>
+      <p:ext uri="{BB962C8B-B14F-4D97-AF65-F5344CB8AC3E}">
+        <p14:creationId xmlns:p14="http://schemas.microsoft.com/office/powerpoint/2010/main" val="1479050426"/>
+      </p:ext>
+    </p:extLst>
+  </p:cSld>
+  <p:clrMapOvr>
+    <a:masterClrMapping/>
+  </p:clrMapOvr>
+</p:sld>
+</file>
+
+<file path=ppt/slides/slide36.xml><?xml version="1.0" encoding="utf-8"?>
+<p:sld xmlns:a="http://schemas.openxmlformats.org/drawingml/2006/main" xmlns:r="http://schemas.openxmlformats.org/officeDocument/2006/relationships" xmlns:p="http://schemas.openxmlformats.org/presentationml/2006/main">
+  <p:cSld>
+    <p:spTree>
+      <p:nvGrpSpPr>
+        <p:cNvPr id="1" name=""/>
+        <p:cNvGrpSpPr/>
+        <p:nvPr/>
+      </p:nvGrpSpPr>
+      <p:grpSpPr>
+        <a:xfrm>
+          <a:off x="0" y="0"/>
+          <a:ext cx="0" cy="0"/>
+          <a:chOff x="0" y="0"/>
+          <a:chExt cx="0" cy="0"/>
+        </a:xfrm>
+      </p:grpSpPr>
+      <p:sp>
+        <p:nvSpPr>
+          <p:cNvPr id="6" name="Rectangle 5">
+            <a:extLst>
+              <a:ext uri="{FF2B5EF4-FFF2-40B4-BE49-F238E27FC236}">
+                <a16:creationId xmlns:a16="http://schemas.microsoft.com/office/drawing/2014/main" id="{F2FAAE5D-6F5D-4276-A188-B0F75533DF8A}"/>
+              </a:ext>
+            </a:extLst>
+          </p:cNvPr>
+          <p:cNvSpPr/>
+          <p:nvPr/>
+        </p:nvSpPr>
+        <p:spPr>
+          <a:xfrm>
+            <a:off x="1167063" y="1102895"/>
+            <a:ext cx="10030326" cy="5514473"/>
+          </a:xfrm>
+          <a:prstGeom prst="rect">
+            <a:avLst/>
+          </a:prstGeom>
+          <a:noFill/>
+          <a:ln>
+            <a:solidFill>
+              <a:schemeClr val="bg1">
+                <a:lumMod val="65000"/>
+              </a:schemeClr>
+            </a:solidFill>
+          </a:ln>
+        </p:spPr>
+        <p:style>
+          <a:lnRef idx="2">
+            <a:schemeClr val="accent1">
+              <a:shade val="50000"/>
+            </a:schemeClr>
+          </a:lnRef>
+          <a:fillRef idx="1">
+            <a:schemeClr val="accent1"/>
+          </a:fillRef>
+          <a:effectRef idx="0">
+            <a:schemeClr val="accent1"/>
+          </a:effectRef>
+          <a:fontRef idx="minor">
+            <a:schemeClr val="lt1"/>
+          </a:fontRef>
+        </p:style>
+        <p:txBody>
+          <a:bodyPr rtlCol="0" anchor="ctr"/>
+          <a:lstStyle/>
+          <a:p>
+            <a:pPr algn="ctr"/>
+            <a:endParaRPr lang="en-US"/>
+          </a:p>
+        </p:txBody>
+      </p:sp>
+      <p:sp>
+        <p:nvSpPr>
+          <p:cNvPr id="7" name="TextBox 6">
+            <a:extLst>
+              <a:ext uri="{FF2B5EF4-FFF2-40B4-BE49-F238E27FC236}">
+                <a16:creationId xmlns:a16="http://schemas.microsoft.com/office/drawing/2014/main" id="{A063DF1C-7DF0-40B4-AC9D-EC918B0CB000}"/>
+              </a:ext>
+            </a:extLst>
+          </p:cNvPr>
+          <p:cNvSpPr txBox="1"/>
+          <p:nvPr/>
+        </p:nvSpPr>
+        <p:spPr>
+          <a:xfrm>
+            <a:off x="192163" y="128664"/>
+            <a:ext cx="2897624" cy="646331"/>
+          </a:xfrm>
+          <a:prstGeom prst="rect">
+            <a:avLst/>
+          </a:prstGeom>
+          <a:noFill/>
+        </p:spPr>
+        <p:txBody>
+          <a:bodyPr wrap="square" rtlCol="0">
+            <a:spAutoFit/>
+          </a:bodyPr>
+          <a:lstStyle/>
+          <a:p>
+            <a:pPr algn="ctr"/>
+            <a:r>
+              <a:rPr lang="en-US" b="1" dirty="0"/>
+              <a:t>Legend Customization Position Multi Facet</a:t>
+            </a:r>
+          </a:p>
+        </p:txBody>
+      </p:sp>
+      <p:pic>
+        <p:nvPicPr>
+          <p:cNvPr id="4" name="Picture 3" descr="Map&#10;&#10;Description automatically generated">
+            <a:extLst>
+              <a:ext uri="{FF2B5EF4-FFF2-40B4-BE49-F238E27FC236}">
+                <a16:creationId xmlns:a16="http://schemas.microsoft.com/office/drawing/2014/main" id="{0132B726-589C-4C79-B9B2-4A8EC872625D}"/>
+              </a:ext>
+            </a:extLst>
+          </p:cNvPr>
+          <p:cNvPicPr>
+            <a:picLocks noChangeAspect="1"/>
+          </p:cNvPicPr>
+          <p:nvPr/>
+        </p:nvPicPr>
+        <p:blipFill>
+          <a:blip r:embed="rId2">
+            <a:extLst>
+              <a:ext uri="{28A0092B-C50C-407E-A947-70E740481C1C}">
+                <a14:useLocalDpi xmlns:a14="http://schemas.microsoft.com/office/drawing/2010/main" val="0"/>
+              </a:ext>
+            </a:extLst>
+          </a:blip>
+          <a:stretch>
+            <a:fillRect/>
+          </a:stretch>
+        </p:blipFill>
+        <p:spPr>
+          <a:xfrm>
+            <a:off x="1608221" y="1917619"/>
+            <a:ext cx="9307351" cy="1549018"/>
+          </a:xfrm>
+          <a:prstGeom prst="rect">
+            <a:avLst/>
+          </a:prstGeom>
+        </p:spPr>
+      </p:pic>
+      <p:pic>
+        <p:nvPicPr>
+          <p:cNvPr id="15" name="Picture 14" descr="Map&#10;&#10;Description automatically generated">
+            <a:extLst>
+              <a:ext uri="{FF2B5EF4-FFF2-40B4-BE49-F238E27FC236}">
+                <a16:creationId xmlns:a16="http://schemas.microsoft.com/office/drawing/2014/main" id="{6FE477DC-93C2-46A7-8EF4-675749F488DC}"/>
+              </a:ext>
+            </a:extLst>
+          </p:cNvPr>
+          <p:cNvPicPr>
+            <a:picLocks noChangeAspect="1"/>
+          </p:cNvPicPr>
+          <p:nvPr/>
+        </p:nvPicPr>
+        <p:blipFill>
+          <a:blip r:embed="rId3">
+            <a:extLst>
+              <a:ext uri="{28A0092B-C50C-407E-A947-70E740481C1C}">
+                <a14:useLocalDpi xmlns:a14="http://schemas.microsoft.com/office/drawing/2010/main" val="0"/>
+              </a:ext>
+            </a:extLst>
+          </a:blip>
+          <a:stretch>
+            <a:fillRect/>
+          </a:stretch>
+        </p:blipFill>
+        <p:spPr>
+          <a:xfrm>
+            <a:off x="1608221" y="4281361"/>
+            <a:ext cx="9307351" cy="2118104"/>
+          </a:xfrm>
+          <a:prstGeom prst="rect">
+            <a:avLst/>
+          </a:prstGeom>
+        </p:spPr>
+      </p:pic>
+      <p:sp>
+        <p:nvSpPr>
+          <p:cNvPr id="16" name="TextBox 15">
+            <a:extLst>
+              <a:ext uri="{FF2B5EF4-FFF2-40B4-BE49-F238E27FC236}">
+                <a16:creationId xmlns:a16="http://schemas.microsoft.com/office/drawing/2014/main" id="{C9A6C033-E761-462F-85EF-1C073B6B685A}"/>
+              </a:ext>
+            </a:extLst>
+          </p:cNvPr>
+          <p:cNvSpPr txBox="1"/>
+          <p:nvPr/>
+        </p:nvSpPr>
+        <p:spPr>
+          <a:xfrm>
+            <a:off x="4386508" y="1392517"/>
+            <a:ext cx="3209405" cy="307777"/>
+          </a:xfrm>
+          <a:prstGeom prst="rect">
+            <a:avLst/>
+          </a:prstGeom>
+          <a:noFill/>
+        </p:spPr>
+        <p:txBody>
+          <a:bodyPr wrap="square" rtlCol="0">
+            <a:spAutoFit/>
+          </a:bodyPr>
+          <a:lstStyle/>
+          <a:p>
+            <a:pPr algn="ctr"/>
+            <a:r>
+              <a:rPr lang="en-US" sz="1400" b="1" dirty="0" err="1"/>
+              <a:t>legendOutsidePosition</a:t>
+            </a:r>
+            <a:r>
+              <a:rPr lang="en-US" sz="1400" b="1" dirty="0"/>
+              <a:t> = "left",</a:t>
+            </a:r>
+          </a:p>
+        </p:txBody>
+      </p:sp>
+      <p:sp>
+        <p:nvSpPr>
+          <p:cNvPr id="17" name="TextBox 16">
+            <a:extLst>
+              <a:ext uri="{FF2B5EF4-FFF2-40B4-BE49-F238E27FC236}">
+                <a16:creationId xmlns:a16="http://schemas.microsoft.com/office/drawing/2014/main" id="{AB4E9045-6013-48D6-BAEA-FDC3C7ACE39F}"/>
+              </a:ext>
+            </a:extLst>
+          </p:cNvPr>
+          <p:cNvSpPr txBox="1"/>
+          <p:nvPr/>
+        </p:nvSpPr>
+        <p:spPr>
+          <a:xfrm>
+            <a:off x="4386509" y="3809634"/>
+            <a:ext cx="3209405" cy="307777"/>
+          </a:xfrm>
+          <a:prstGeom prst="rect">
+            <a:avLst/>
+          </a:prstGeom>
+          <a:noFill/>
+        </p:spPr>
+        <p:txBody>
+          <a:bodyPr wrap="square" rtlCol="0">
+            <a:spAutoFit/>
+          </a:bodyPr>
+          <a:lstStyle/>
+          <a:p>
+            <a:pPr algn="ctr"/>
+            <a:r>
+              <a:rPr lang="en-US" sz="1400" b="1" dirty="0" err="1"/>
+              <a:t>legendPosition</a:t>
+            </a:r>
+            <a:r>
+              <a:rPr lang="en-US" sz="1400" b="1" dirty="0"/>
+              <a:t> =  c('</a:t>
+            </a:r>
+            <a:r>
+              <a:rPr lang="en-US" sz="1400" b="1" dirty="0" err="1"/>
+              <a:t>left','bottom</a:t>
+            </a:r>
+            <a:r>
+              <a:rPr lang="en-US" sz="1400" b="1" dirty="0"/>
+              <a:t>')</a:t>
+            </a:r>
+          </a:p>
+        </p:txBody>
+      </p:sp>
+    </p:spTree>
+    <p:extLst>
+      <p:ext uri="{BB962C8B-B14F-4D97-AF65-F5344CB8AC3E}">
+        <p14:creationId xmlns:p14="http://schemas.microsoft.com/office/powerpoint/2010/main" val="4277558033"/>
+      </p:ext>
+    </p:extLst>
+  </p:cSld>
+  <p:clrMapOvr>
+    <a:masterClrMapping/>
+  </p:clrMapOvr>
+</p:sld>
+</file>
+
+<file path=ppt/slides/slide37.xml><?xml version="1.0" encoding="utf-8"?>
+<p:sld xmlns:a="http://schemas.openxmlformats.org/drawingml/2006/main" xmlns:r="http://schemas.openxmlformats.org/officeDocument/2006/relationships" xmlns:p="http://schemas.openxmlformats.org/presentationml/2006/main">
+  <p:cSld>
+    <p:spTree>
+      <p:nvGrpSpPr>
+        <p:cNvPr id="1" name=""/>
+        <p:cNvGrpSpPr/>
+        <p:nvPr/>
+      </p:nvGrpSpPr>
+      <p:grpSpPr>
+        <a:xfrm>
+          <a:off x="0" y="0"/>
+          <a:ext cx="0" cy="0"/>
+          <a:chOff x="0" y="0"/>
+          <a:chExt cx="0" cy="0"/>
+        </a:xfrm>
+      </p:grpSpPr>
+      <p:sp>
+        <p:nvSpPr>
+          <p:cNvPr id="7" name="TextBox 6">
+            <a:extLst>
+              <a:ext uri="{FF2B5EF4-FFF2-40B4-BE49-F238E27FC236}">
+                <a16:creationId xmlns:a16="http://schemas.microsoft.com/office/drawing/2014/main" id="{A063DF1C-7DF0-40B4-AC9D-EC918B0CB000}"/>
+              </a:ext>
+            </a:extLst>
+          </p:cNvPr>
+          <p:cNvSpPr txBox="1"/>
+          <p:nvPr/>
+        </p:nvSpPr>
+        <p:spPr>
+          <a:xfrm>
+            <a:off x="192163" y="128664"/>
+            <a:ext cx="2066223" cy="369332"/>
+          </a:xfrm>
+          <a:prstGeom prst="rect">
+            <a:avLst/>
+          </a:prstGeom>
+          <a:noFill/>
+        </p:spPr>
+        <p:txBody>
+          <a:bodyPr wrap="square" rtlCol="0">
+            <a:spAutoFit/>
+          </a:bodyPr>
+          <a:lstStyle/>
+          <a:p>
+            <a:pPr algn="ctr"/>
+            <a:r>
+              <a:rPr lang="en-US" b="1" dirty="0"/>
+              <a:t>Numeric2Cat</a:t>
+            </a:r>
+          </a:p>
+        </p:txBody>
+      </p:sp>
+      <p:pic>
+        <p:nvPicPr>
+          <p:cNvPr id="3" name="Picture 2" descr="Map&#10;&#10;Description automatically generated">
+            <a:extLst>
+              <a:ext uri="{FF2B5EF4-FFF2-40B4-BE49-F238E27FC236}">
+                <a16:creationId xmlns:a16="http://schemas.microsoft.com/office/drawing/2014/main" id="{3B6F4D65-C9E5-4E0B-BB5A-0DF8509A29C0}"/>
+              </a:ext>
+            </a:extLst>
+          </p:cNvPr>
+          <p:cNvPicPr>
+            <a:picLocks noChangeAspect="1"/>
+          </p:cNvPicPr>
+          <p:nvPr/>
+        </p:nvPicPr>
+        <p:blipFill>
+          <a:blip r:embed="rId2" cstate="print">
+            <a:extLst>
+              <a:ext uri="{28A0092B-C50C-407E-A947-70E740481C1C}">
+                <a14:useLocalDpi xmlns:a14="http://schemas.microsoft.com/office/drawing/2010/main" val="0"/>
+              </a:ext>
+            </a:extLst>
+          </a:blip>
+          <a:stretch>
+            <a:fillRect/>
+          </a:stretch>
+        </p:blipFill>
+        <p:spPr>
+          <a:xfrm>
+            <a:off x="761658" y="1884222"/>
+            <a:ext cx="4661997" cy="2479231"/>
+          </a:xfrm>
+          <a:prstGeom prst="rect">
+            <a:avLst/>
+          </a:prstGeom>
+        </p:spPr>
+      </p:pic>
+      <p:pic>
+        <p:nvPicPr>
+          <p:cNvPr id="8" name="Picture 7" descr="Map&#10;&#10;Description automatically generated">
+            <a:extLst>
+              <a:ext uri="{FF2B5EF4-FFF2-40B4-BE49-F238E27FC236}">
+                <a16:creationId xmlns:a16="http://schemas.microsoft.com/office/drawing/2014/main" id="{7215B5F1-79F3-42C3-B624-349FA1CA4897}"/>
+              </a:ext>
+            </a:extLst>
+          </p:cNvPr>
+          <p:cNvPicPr>
+            <a:picLocks noChangeAspect="1"/>
+          </p:cNvPicPr>
+          <p:nvPr/>
+        </p:nvPicPr>
+        <p:blipFill>
+          <a:blip r:embed="rId3" cstate="print">
+            <a:extLst>
+              <a:ext uri="{28A0092B-C50C-407E-A947-70E740481C1C}">
+                <a14:useLocalDpi xmlns:a14="http://schemas.microsoft.com/office/drawing/2010/main" val="0"/>
+              </a:ext>
+            </a:extLst>
+          </a:blip>
+          <a:stretch>
+            <a:fillRect/>
+          </a:stretch>
+        </p:blipFill>
+        <p:spPr>
+          <a:xfrm>
+            <a:off x="5941833" y="1884222"/>
+            <a:ext cx="5522072" cy="2479231"/>
+          </a:xfrm>
+          <a:prstGeom prst="rect">
+            <a:avLst/>
+          </a:prstGeom>
+        </p:spPr>
+      </p:pic>
+      <p:sp>
+        <p:nvSpPr>
+          <p:cNvPr id="10" name="Rectangle 9">
+            <a:extLst>
+              <a:ext uri="{FF2B5EF4-FFF2-40B4-BE49-F238E27FC236}">
+                <a16:creationId xmlns:a16="http://schemas.microsoft.com/office/drawing/2014/main" id="{89B28590-6D43-4968-A021-CF2493679ADD}"/>
+              </a:ext>
+            </a:extLst>
+          </p:cNvPr>
+          <p:cNvSpPr/>
+          <p:nvPr/>
+        </p:nvSpPr>
+        <p:spPr>
+          <a:xfrm>
+            <a:off x="409073" y="1608221"/>
+            <a:ext cx="11285621" cy="3104147"/>
+          </a:xfrm>
+          <a:prstGeom prst="rect">
+            <a:avLst/>
+          </a:prstGeom>
+          <a:noFill/>
+          <a:ln>
+            <a:solidFill>
+              <a:schemeClr val="bg1">
+                <a:lumMod val="65000"/>
+              </a:schemeClr>
+            </a:solidFill>
+          </a:ln>
+        </p:spPr>
+        <p:style>
+          <a:lnRef idx="2">
+            <a:schemeClr val="accent1">
+              <a:shade val="50000"/>
+            </a:schemeClr>
+          </a:lnRef>
+          <a:fillRef idx="1">
+            <a:schemeClr val="accent1"/>
+          </a:fillRef>
+          <a:effectRef idx="0">
+            <a:schemeClr val="accent1"/>
+          </a:effectRef>
+          <a:fontRef idx="minor">
+            <a:schemeClr val="lt1"/>
+          </a:fontRef>
+        </p:style>
+        <p:txBody>
+          <a:bodyPr rtlCol="0" anchor="ctr"/>
+          <a:lstStyle/>
+          <a:p>
+            <a:pPr algn="ctr"/>
+            <a:endParaRPr lang="en-US"/>
+          </a:p>
+        </p:txBody>
+      </p:sp>
     </p:spTree>
     <p:extLst>
       <p:ext uri="{BB962C8B-B14F-4D97-AF65-F5344CB8AC3E}">
@@ -12258,7 +12842,7 @@
 </p:sld>
 </file>
 
-<file path=ppt/slides/slide36.xml><?xml version="1.0" encoding="utf-8"?>
+<file path=ppt/slides/slide38.xml><?xml version="1.0" encoding="utf-8"?>
 <p:sld xmlns:a="http://schemas.openxmlformats.org/drawingml/2006/main" xmlns:r="http://schemas.openxmlformats.org/officeDocument/2006/relationships" xmlns:p="http://schemas.openxmlformats.org/presentationml/2006/main">
   <p:cSld>
     <p:spTree>
@@ -13743,7 +14327,7 @@
 </p:sld>
 </file>
 
-<file path=ppt/slides/slide37.xml><?xml version="1.0" encoding="utf-8"?>
+<file path=ppt/slides/slide39.xml><?xml version="1.0" encoding="utf-8"?>
 <p:sld xmlns:a="http://schemas.openxmlformats.org/drawingml/2006/main" xmlns:r="http://schemas.openxmlformats.org/officeDocument/2006/relationships" xmlns:p="http://schemas.openxmlformats.org/presentationml/2006/main">
   <p:cSld>
     <p:spTree>
@@ -14244,7 +14828,7 @@
 </p:sld>
 </file>
 
-<file path=ppt/slides/slide38.xml><?xml version="1.0" encoding="utf-8"?>
+<file path=ppt/slides/slide4.xml><?xml version="1.0" encoding="utf-8"?>
 <p:sld xmlns:a="http://schemas.openxmlformats.org/drawingml/2006/main" xmlns:r="http://schemas.openxmlformats.org/officeDocument/2006/relationships" xmlns:p="http://schemas.openxmlformats.org/presentationml/2006/main">
   <p:cSld>
     <p:spTree>
@@ -14263,10 +14847,10 @@
       </p:grpSpPr>
       <p:sp>
         <p:nvSpPr>
-          <p:cNvPr id="7" name="TextBox 6">
+          <p:cNvPr id="6" name="TextBox 5">
             <a:extLst>
               <a:ext uri="{FF2B5EF4-FFF2-40B4-BE49-F238E27FC236}">
-                <a16:creationId xmlns:a16="http://schemas.microsoft.com/office/drawing/2014/main" id="{A063DF1C-7DF0-40B4-AC9D-EC918B0CB000}"/>
+                <a16:creationId xmlns:a16="http://schemas.microsoft.com/office/drawing/2014/main" id="{770E9E06-5F46-4A20-920E-2473B2FB3AF0}"/>
               </a:ext>
             </a:extLst>
           </p:cNvPr>
@@ -14275,8 +14859,8 @@
         </p:nvSpPr>
         <p:spPr>
           <a:xfrm>
-            <a:off x="201996" y="-369332"/>
-            <a:ext cx="3101370" cy="369332"/>
+            <a:off x="677207" y="522579"/>
+            <a:ext cx="2216370" cy="4429995"/>
           </a:xfrm>
           <a:prstGeom prst="rect">
             <a:avLst/>
@@ -14287,22 +14871,912 @@
           <a:bodyPr wrap="square" rtlCol="0">
             <a:spAutoFit/>
           </a:bodyPr>
-          <a:lstStyle/>
+          <a:lstStyle>
+            <a:defPPr>
+              <a:defRPr lang="en-US"/>
+            </a:defPPr>
+            <a:lvl1pPr>
+              <a:lnSpc>
+                <a:spcPct val="150000"/>
+              </a:lnSpc>
+              <a:defRPr sz="900">
+                <a:latin typeface="Consolas" panose="020B0609020204030204" pitchFamily="49" charset="0"/>
+              </a:defRPr>
+            </a:lvl1pPr>
+          </a:lstStyle>
           <a:p>
             <a:pPr algn="ctr"/>
             <a:r>
-              <a:rPr lang="en-US" b="1"/>
-              <a:t>GCAM by Class Figs</a:t>
+              <a:rPr lang="en-US" altLang="en-US" sz="1050" b="1" u="sng">
+                <a:latin typeface="+mn-lt"/>
+              </a:rPr>
+              <a:t>electricity</a:t>
+            </a:r>
+          </a:p>
+          <a:p>
+            <a:pPr marL="171450" indent="-171450">
+              <a:buFont typeface="Arial" panose="020B0604020202020204" pitchFamily="34" charset="0"/>
+              <a:buChar char="•"/>
+            </a:pPr>
+            <a:r>
+              <a:rPr lang="en-US" altLang="en-US" sz="1050">
+                <a:latin typeface="+mn-lt"/>
+              </a:rPr>
+              <a:t>elecByTechTWh</a:t>
+            </a:r>
+          </a:p>
+          <a:p>
+            <a:pPr marL="171450" indent="-171450">
+              <a:buFont typeface="Arial" panose="020B0604020202020204" pitchFamily="34" charset="0"/>
+              <a:buChar char="•"/>
+            </a:pPr>
+            <a:r>
+              <a:rPr lang="en-US" altLang="en-US" sz="1050">
+                <a:latin typeface="+mn-lt"/>
+              </a:rPr>
+              <a:t>elecCapByFuel</a:t>
+            </a:r>
+          </a:p>
+          <a:p>
+            <a:pPr marL="171450" indent="-171450">
+              <a:buFont typeface="Arial" panose="020B0604020202020204" pitchFamily="34" charset="0"/>
+              <a:buChar char="•"/>
+            </a:pPr>
+            <a:r>
+              <a:rPr lang="en-US" altLang="en-US" sz="1050">
+                <a:latin typeface="+mn-lt"/>
+              </a:rPr>
+              <a:t>elecFinalBySecTWh</a:t>
+            </a:r>
+          </a:p>
+          <a:p>
+            <a:pPr marL="171450" indent="-171450">
+              <a:buFont typeface="Arial" panose="020B0604020202020204" pitchFamily="34" charset="0"/>
+              <a:buChar char="•"/>
+            </a:pPr>
+            <a:r>
+              <a:rPr lang="en-US" altLang="en-US" sz="1050">
+                <a:latin typeface="+mn-lt"/>
+              </a:rPr>
+              <a:t>elecFinalByFuelTWh</a:t>
+            </a:r>
+          </a:p>
+          <a:p>
+            <a:pPr marL="171450" indent="-171450">
+              <a:buFont typeface="Arial" panose="020B0604020202020204" pitchFamily="34" charset="0"/>
+              <a:buChar char="•"/>
+            </a:pPr>
+            <a:r>
+              <a:rPr lang="en-US" altLang="en-US" sz="1050">
+                <a:latin typeface="+mn-lt"/>
+              </a:rPr>
+              <a:t>elecNewCapCost</a:t>
+            </a:r>
+          </a:p>
+          <a:p>
+            <a:pPr marL="171450" indent="-171450">
+              <a:buFont typeface="Arial" panose="020B0604020202020204" pitchFamily="34" charset="0"/>
+              <a:buChar char="•"/>
+            </a:pPr>
+            <a:r>
+              <a:rPr lang="en-US" altLang="en-US" sz="1050">
+                <a:latin typeface="+mn-lt"/>
+              </a:rPr>
+              <a:t>elecNewCapGW</a:t>
+            </a:r>
+          </a:p>
+          <a:p>
+            <a:pPr marL="171450" indent="-171450">
+              <a:buFont typeface="Arial" panose="020B0604020202020204" pitchFamily="34" charset="0"/>
+              <a:buChar char="•"/>
+            </a:pPr>
+            <a:r>
+              <a:rPr lang="en-US" altLang="en-US" sz="1050">
+                <a:latin typeface="+mn-lt"/>
+              </a:rPr>
+              <a:t>elecAnnualRetPrematureCost</a:t>
+            </a:r>
+          </a:p>
+          <a:p>
+            <a:pPr marL="171450" indent="-171450">
+              <a:buFont typeface="Arial" panose="020B0604020202020204" pitchFamily="34" charset="0"/>
+              <a:buChar char="•"/>
+            </a:pPr>
+            <a:r>
+              <a:rPr lang="en-US" altLang="en-US" sz="1050">
+                <a:latin typeface="+mn-lt"/>
+              </a:rPr>
+              <a:t>elecAnnualRetPrematureGW</a:t>
+            </a:r>
+          </a:p>
+          <a:p>
+            <a:pPr marL="171450" indent="-171450">
+              <a:buFont typeface="Arial" panose="020B0604020202020204" pitchFamily="34" charset="0"/>
+              <a:buChar char="•"/>
+            </a:pPr>
+            <a:r>
+              <a:rPr lang="en-US" altLang="en-US" sz="1050">
+                <a:latin typeface="+mn-lt"/>
+              </a:rPr>
+              <a:t>elecCumCapCost</a:t>
+            </a:r>
+          </a:p>
+          <a:p>
+            <a:pPr marL="171450" indent="-171450">
+              <a:buFont typeface="Arial" panose="020B0604020202020204" pitchFamily="34" charset="0"/>
+              <a:buChar char="•"/>
+            </a:pPr>
+            <a:r>
+              <a:rPr lang="en-US" altLang="en-US" sz="1050">
+                <a:latin typeface="+mn-lt"/>
+              </a:rPr>
+              <a:t>elecCumCapGW</a:t>
+            </a:r>
+          </a:p>
+          <a:p>
+            <a:pPr marL="171450" indent="-171450">
+              <a:buFont typeface="Arial" panose="020B0604020202020204" pitchFamily="34" charset="0"/>
+              <a:buChar char="•"/>
+            </a:pPr>
+            <a:r>
+              <a:rPr lang="en-US" altLang="en-US" sz="1050">
+                <a:latin typeface="+mn-lt"/>
+              </a:rPr>
+              <a:t>elecCumRetPrematureCost</a:t>
+            </a:r>
+          </a:p>
+          <a:p>
+            <a:pPr marL="171450" indent="-171450">
+              <a:buFont typeface="Arial" panose="020B0604020202020204" pitchFamily="34" charset="0"/>
+              <a:buChar char="•"/>
+            </a:pPr>
+            <a:r>
+              <a:rPr lang="en-US" altLang="en-US" sz="1050">
+                <a:latin typeface="+mn-lt"/>
+              </a:rPr>
+              <a:t>elecCumRetPrematureGW</a:t>
+            </a:r>
+          </a:p>
+          <a:p>
+            <a:pPr algn="ctr"/>
+            <a:r>
+              <a:rPr lang="en-US" altLang="en-US" sz="1050" b="1" u="sng">
+                <a:latin typeface="+mn-lt"/>
+              </a:rPr>
+              <a:t>transport</a:t>
+            </a:r>
+          </a:p>
+          <a:p>
+            <a:pPr marL="171450" indent="-171450">
+              <a:buFont typeface="Arial" panose="020B0604020202020204" pitchFamily="34" charset="0"/>
+              <a:buChar char="•"/>
+            </a:pPr>
+            <a:r>
+              <a:rPr lang="en-US" altLang="en-US" sz="1050">
+                <a:latin typeface="+mn-lt"/>
+              </a:rPr>
+              <a:t>transportPassengerVMTByMode</a:t>
+            </a:r>
+          </a:p>
+          <a:p>
+            <a:pPr marL="171450" indent="-171450">
+              <a:buFont typeface="Arial" panose="020B0604020202020204" pitchFamily="34" charset="0"/>
+              <a:buChar char="•"/>
+            </a:pPr>
+            <a:r>
+              <a:rPr lang="en-US" altLang="en-US" sz="1050">
+                <a:latin typeface="+mn-lt"/>
+              </a:rPr>
+              <a:t>transportFreightVMTByMode</a:t>
+            </a:r>
+          </a:p>
+          <a:p>
+            <a:pPr marL="171450" indent="-171450">
+              <a:buFont typeface="Arial" panose="020B0604020202020204" pitchFamily="34" charset="0"/>
+              <a:buChar char="•"/>
+            </a:pPr>
+            <a:r>
+              <a:rPr lang="en-US" altLang="en-US" sz="1050">
+                <a:latin typeface="+mn-lt"/>
+              </a:rPr>
+              <a:t>transportPassengerVMTByFuel</a:t>
+            </a:r>
+          </a:p>
+          <a:p>
+            <a:pPr marL="171450" indent="-171450">
+              <a:buFont typeface="Arial" panose="020B0604020202020204" pitchFamily="34" charset="0"/>
+              <a:buChar char="•"/>
+            </a:pPr>
+            <a:r>
+              <a:rPr lang="en-US" altLang="en-US" sz="1050">
+                <a:latin typeface="+mn-lt"/>
+              </a:rPr>
+              <a:t>transportFreightVMTByFuel</a:t>
             </a:r>
           </a:p>
         </p:txBody>
       </p:sp>
       <p:sp>
         <p:nvSpPr>
-          <p:cNvPr id="3" name="Rectangle 2">
+          <p:cNvPr id="7" name="TextBox 6">
             <a:extLst>
               <a:ext uri="{FF2B5EF4-FFF2-40B4-BE49-F238E27FC236}">
-                <a16:creationId xmlns:a16="http://schemas.microsoft.com/office/drawing/2014/main" id="{80047060-3AA7-4699-9EAE-4E3F4573EEA2}"/>
+                <a16:creationId xmlns:a16="http://schemas.microsoft.com/office/drawing/2014/main" id="{08849C20-7534-4CC1-AE72-789DE7D498D4}"/>
+              </a:ext>
+            </a:extLst>
+          </p:cNvPr>
+          <p:cNvSpPr txBox="1"/>
+          <p:nvPr/>
+        </p:nvSpPr>
+        <p:spPr>
+          <a:xfrm>
+            <a:off x="3772467" y="522579"/>
+            <a:ext cx="2216370" cy="5884240"/>
+          </a:xfrm>
+          <a:prstGeom prst="rect">
+            <a:avLst/>
+          </a:prstGeom>
+          <a:noFill/>
+        </p:spPr>
+        <p:txBody>
+          <a:bodyPr wrap="square" rtlCol="0">
+            <a:spAutoFit/>
+          </a:bodyPr>
+          <a:lstStyle>
+            <a:defPPr>
+              <a:defRPr lang="en-US"/>
+            </a:defPPr>
+            <a:lvl1pPr>
+              <a:lnSpc>
+                <a:spcPct val="150000"/>
+              </a:lnSpc>
+              <a:defRPr sz="900">
+                <a:latin typeface="Consolas" panose="020B0609020204030204" pitchFamily="49" charset="0"/>
+              </a:defRPr>
+            </a:lvl1pPr>
+          </a:lstStyle>
+          <a:p>
+            <a:pPr algn="ctr"/>
+            <a:r>
+              <a:rPr lang="en-US" altLang="en-US" sz="1050" b="1" u="sng">
+                <a:latin typeface="+mn-lt"/>
+              </a:rPr>
+              <a:t>socioecon</a:t>
+            </a:r>
+          </a:p>
+          <a:p>
+            <a:pPr marL="171450" indent="-171450">
+              <a:buFont typeface="Arial" panose="020B0604020202020204" pitchFamily="34" charset="0"/>
+              <a:buChar char="•"/>
+            </a:pPr>
+            <a:r>
+              <a:rPr lang="en-US" altLang="en-US" sz="1050">
+                <a:latin typeface="+mn-lt"/>
+              </a:rPr>
+              <a:t>gdpPerCapita</a:t>
+            </a:r>
+          </a:p>
+          <a:p>
+            <a:pPr marL="171450" indent="-171450">
+              <a:buFont typeface="Arial" panose="020B0604020202020204" pitchFamily="34" charset="0"/>
+              <a:buChar char="•"/>
+            </a:pPr>
+            <a:r>
+              <a:rPr lang="en-US" altLang="en-US" sz="1050">
+                <a:latin typeface="+mn-lt"/>
+              </a:rPr>
+              <a:t>gdp</a:t>
+            </a:r>
+          </a:p>
+          <a:p>
+            <a:pPr marL="171450" indent="-171450">
+              <a:buFont typeface="Arial" panose="020B0604020202020204" pitchFamily="34" charset="0"/>
+              <a:buChar char="•"/>
+            </a:pPr>
+            <a:r>
+              <a:rPr lang="en-US" altLang="en-US" sz="1050">
+                <a:latin typeface="+mn-lt"/>
+              </a:rPr>
+              <a:t>gdpGrowthRate</a:t>
+            </a:r>
+          </a:p>
+          <a:p>
+            <a:pPr marL="171450" indent="-171450">
+              <a:buFont typeface="Arial" panose="020B0604020202020204" pitchFamily="34" charset="0"/>
+              <a:buChar char="•"/>
+            </a:pPr>
+            <a:r>
+              <a:rPr lang="en-US" altLang="en-US" sz="1050">
+                <a:latin typeface="+mn-lt"/>
+              </a:rPr>
+              <a:t>pop</a:t>
+            </a:r>
+          </a:p>
+          <a:p>
+            <a:pPr algn="ctr"/>
+            <a:r>
+              <a:rPr lang="en-US" altLang="en-US" sz="1050" b="1" u="sng">
+                <a:latin typeface="+mn-lt"/>
+              </a:rPr>
+              <a:t>ag</a:t>
+            </a:r>
+          </a:p>
+          <a:p>
+            <a:pPr marL="171450" indent="-171450">
+              <a:buFont typeface="Arial" panose="020B0604020202020204" pitchFamily="34" charset="0"/>
+              <a:buChar char="•"/>
+            </a:pPr>
+            <a:r>
+              <a:rPr lang="en-US" altLang="en-US" sz="1050">
+                <a:latin typeface="+mn-lt"/>
+              </a:rPr>
+              <a:t>agProdbyIrrRfd</a:t>
+            </a:r>
+          </a:p>
+          <a:p>
+            <a:pPr marL="171450" indent="-171450">
+              <a:buFont typeface="Arial" panose="020B0604020202020204" pitchFamily="34" charset="0"/>
+              <a:buChar char="•"/>
+            </a:pPr>
+            <a:r>
+              <a:rPr lang="en-US" altLang="en-US" sz="1050">
+                <a:latin typeface="+mn-lt"/>
+              </a:rPr>
+              <a:t>agProdBiomass</a:t>
+            </a:r>
+          </a:p>
+          <a:p>
+            <a:pPr marL="171450" indent="-171450">
+              <a:buFont typeface="Arial" panose="020B0604020202020204" pitchFamily="34" charset="0"/>
+              <a:buChar char="•"/>
+            </a:pPr>
+            <a:r>
+              <a:rPr lang="en-US" altLang="en-US" sz="1050">
+                <a:latin typeface="+mn-lt"/>
+              </a:rPr>
+              <a:t>agProdForest</a:t>
+            </a:r>
+          </a:p>
+          <a:p>
+            <a:pPr marL="171450" indent="-171450">
+              <a:buFont typeface="Arial" panose="020B0604020202020204" pitchFamily="34" charset="0"/>
+              <a:buChar char="•"/>
+            </a:pPr>
+            <a:r>
+              <a:rPr lang="en-US" altLang="en-US" sz="1050">
+                <a:latin typeface="+mn-lt"/>
+              </a:rPr>
+              <a:t>agProdByCrop</a:t>
+            </a:r>
+          </a:p>
+          <a:p>
+            <a:pPr algn="ctr"/>
+            <a:r>
+              <a:rPr lang="en-US" altLang="en-US" sz="1050" b="1" u="sng">
+                <a:latin typeface="+mn-lt"/>
+              </a:rPr>
+              <a:t>livestock</a:t>
+            </a:r>
+          </a:p>
+          <a:p>
+            <a:pPr marL="171450" indent="-171450">
+              <a:buFont typeface="Arial" panose="020B0604020202020204" pitchFamily="34" charset="0"/>
+              <a:buChar char="•"/>
+            </a:pPr>
+            <a:r>
+              <a:rPr lang="en-US" altLang="en-US" sz="1050">
+                <a:latin typeface="+mn-lt"/>
+              </a:rPr>
+              <a:t>livestock_MeatDairybyTechMixed</a:t>
+            </a:r>
+          </a:p>
+          <a:p>
+            <a:pPr marL="171450" indent="-171450">
+              <a:buFont typeface="Arial" panose="020B0604020202020204" pitchFamily="34" charset="0"/>
+              <a:buChar char="•"/>
+            </a:pPr>
+            <a:r>
+              <a:rPr lang="en-US" altLang="en-US" sz="1050">
+                <a:latin typeface="+mn-lt"/>
+              </a:rPr>
+              <a:t>livestock_MeatDairybyTechPastoral</a:t>
+            </a:r>
+          </a:p>
+          <a:p>
+            <a:pPr marL="171450" indent="-171450">
+              <a:buFont typeface="Arial" panose="020B0604020202020204" pitchFamily="34" charset="0"/>
+              <a:buChar char="•"/>
+            </a:pPr>
+            <a:r>
+              <a:rPr lang="en-US" altLang="en-US" sz="1050">
+                <a:latin typeface="+mn-lt"/>
+              </a:rPr>
+              <a:t>livestock_MeatDairybyTechImports</a:t>
+            </a:r>
+          </a:p>
+          <a:p>
+            <a:pPr marL="171450" indent="-171450">
+              <a:buFont typeface="Arial" panose="020B0604020202020204" pitchFamily="34" charset="0"/>
+              <a:buChar char="•"/>
+            </a:pPr>
+            <a:r>
+              <a:rPr lang="en-US" altLang="en-US" sz="1050">
+                <a:latin typeface="+mn-lt"/>
+              </a:rPr>
+              <a:t>livestock_MeatDairybySubsector</a:t>
+            </a:r>
+          </a:p>
+          <a:p>
+            <a:pPr algn="ctr"/>
+            <a:r>
+              <a:rPr lang="en-US" altLang="en-US" sz="1050" b="1" u="sng">
+                <a:latin typeface="+mn-lt"/>
+              </a:rPr>
+              <a:t>land</a:t>
+            </a:r>
+          </a:p>
+          <a:p>
+            <a:pPr marL="171450" indent="-171450">
+              <a:buFont typeface="Arial" panose="020B0604020202020204" pitchFamily="34" charset="0"/>
+              <a:buChar char="•"/>
+            </a:pPr>
+            <a:r>
+              <a:rPr lang="en-US" altLang="en-US" sz="1050">
+                <a:latin typeface="+mn-lt"/>
+              </a:rPr>
+              <a:t>landIrrRfd</a:t>
+            </a:r>
+          </a:p>
+          <a:p>
+            <a:pPr marL="171450" indent="-171450">
+              <a:buFont typeface="Arial" panose="020B0604020202020204" pitchFamily="34" charset="0"/>
+              <a:buChar char="•"/>
+            </a:pPr>
+            <a:r>
+              <a:rPr lang="en-US" altLang="en-US" sz="1050">
+                <a:latin typeface="+mn-lt"/>
+              </a:rPr>
+              <a:t>landIrrCrop</a:t>
+            </a:r>
+          </a:p>
+          <a:p>
+            <a:pPr marL="171450" indent="-171450">
+              <a:buFont typeface="Arial" panose="020B0604020202020204" pitchFamily="34" charset="0"/>
+              <a:buChar char="•"/>
+            </a:pPr>
+            <a:r>
+              <a:rPr lang="en-US" altLang="en-US" sz="1050">
+                <a:latin typeface="+mn-lt"/>
+              </a:rPr>
+              <a:t>landRfdCrop</a:t>
+            </a:r>
+          </a:p>
+          <a:p>
+            <a:pPr marL="171450" indent="-171450">
+              <a:buFont typeface="Arial" panose="020B0604020202020204" pitchFamily="34" charset="0"/>
+              <a:buChar char="•"/>
+            </a:pPr>
+            <a:r>
+              <a:rPr lang="en-US" altLang="en-US" sz="1050">
+                <a:latin typeface="+mn-lt"/>
+              </a:rPr>
+              <a:t>landAlloc</a:t>
+            </a:r>
+          </a:p>
+          <a:p>
+            <a:pPr marL="171450" indent="-171450">
+              <a:buFont typeface="Arial" panose="020B0604020202020204" pitchFamily="34" charset="0"/>
+              <a:buChar char="•"/>
+            </a:pPr>
+            <a:r>
+              <a:rPr lang="en-US" altLang="en-US" sz="1050">
+                <a:latin typeface="+mn-lt"/>
+              </a:rPr>
+              <a:t>landAllocByCrop</a:t>
+            </a:r>
+          </a:p>
+          <a:p>
+            <a:pPr algn="ctr"/>
+            <a:endParaRPr lang="en-US" altLang="en-US" sz="1050">
+              <a:latin typeface="+mn-lt"/>
+            </a:endParaRPr>
+          </a:p>
+        </p:txBody>
+      </p:sp>
+      <p:sp>
+        <p:nvSpPr>
+          <p:cNvPr id="8" name="TextBox 7">
+            <a:extLst>
+              <a:ext uri="{FF2B5EF4-FFF2-40B4-BE49-F238E27FC236}">
+                <a16:creationId xmlns:a16="http://schemas.microsoft.com/office/drawing/2014/main" id="{8585856F-0683-439B-927B-E2E8AD4AA13F}"/>
+              </a:ext>
+            </a:extLst>
+          </p:cNvPr>
+          <p:cNvSpPr txBox="1"/>
+          <p:nvPr/>
+        </p:nvSpPr>
+        <p:spPr>
+          <a:xfrm>
+            <a:off x="6867727" y="522579"/>
+            <a:ext cx="2216370" cy="4429995"/>
+          </a:xfrm>
+          <a:prstGeom prst="rect">
+            <a:avLst/>
+          </a:prstGeom>
+          <a:noFill/>
+        </p:spPr>
+        <p:txBody>
+          <a:bodyPr wrap="square" rtlCol="0">
+            <a:spAutoFit/>
+          </a:bodyPr>
+          <a:lstStyle>
+            <a:defPPr>
+              <a:defRPr lang="en-US"/>
+            </a:defPPr>
+            <a:lvl1pPr>
+              <a:lnSpc>
+                <a:spcPct val="150000"/>
+              </a:lnSpc>
+              <a:defRPr sz="900">
+                <a:latin typeface="Consolas" panose="020B0609020204030204" pitchFamily="49" charset="0"/>
+              </a:defRPr>
+            </a:lvl1pPr>
+          </a:lstStyle>
+          <a:p>
+            <a:pPr algn="ctr"/>
+            <a:r>
+              <a:rPr lang="en-US" altLang="en-US" sz="1050" b="1" u="sng">
+                <a:latin typeface="+mn-lt"/>
+              </a:rPr>
+              <a:t>emissions</a:t>
+            </a:r>
+          </a:p>
+          <a:p>
+            <a:pPr marL="171450" indent="-171450">
+              <a:buFont typeface="Arial" panose="020B0604020202020204" pitchFamily="34" charset="0"/>
+              <a:buChar char="•"/>
+            </a:pPr>
+            <a:r>
+              <a:rPr lang="en-US" altLang="en-US" sz="1050">
+                <a:latin typeface="+mn-lt"/>
+              </a:rPr>
+              <a:t>emissNonCO2BySectorGWPAR5</a:t>
+            </a:r>
+          </a:p>
+          <a:p>
+            <a:pPr marL="171450" indent="-171450">
+              <a:buFont typeface="Arial" panose="020B0604020202020204" pitchFamily="34" charset="0"/>
+              <a:buChar char="•"/>
+            </a:pPr>
+            <a:r>
+              <a:rPr lang="en-US" altLang="en-US" sz="1050">
+                <a:latin typeface="+mn-lt"/>
+              </a:rPr>
+              <a:t>emissNonCO2BySectorGTPAR5</a:t>
+            </a:r>
+          </a:p>
+          <a:p>
+            <a:pPr marL="171450" indent="-171450">
+              <a:buFont typeface="Arial" panose="020B0604020202020204" pitchFamily="34" charset="0"/>
+              <a:buChar char="•"/>
+            </a:pPr>
+            <a:r>
+              <a:rPr lang="en-US" altLang="en-US" sz="1050">
+                <a:latin typeface="+mn-lt"/>
+              </a:rPr>
+              <a:t>emissNonCO2BySectorOrigUnits</a:t>
+            </a:r>
+          </a:p>
+          <a:p>
+            <a:pPr marL="171450" indent="-171450">
+              <a:buFont typeface="Arial" panose="020B0604020202020204" pitchFamily="34" charset="0"/>
+              <a:buChar char="•"/>
+            </a:pPr>
+            <a:r>
+              <a:rPr lang="en-US" altLang="en-US" sz="1050">
+                <a:latin typeface="+mn-lt"/>
+              </a:rPr>
+              <a:t>emissLUC</a:t>
+            </a:r>
+          </a:p>
+          <a:p>
+            <a:pPr marL="171450" indent="-171450">
+              <a:buFont typeface="Arial" panose="020B0604020202020204" pitchFamily="34" charset="0"/>
+              <a:buChar char="•"/>
+            </a:pPr>
+            <a:r>
+              <a:rPr lang="en-US" altLang="en-US" sz="1050">
+                <a:latin typeface="+mn-lt"/>
+              </a:rPr>
+              <a:t>emissCO2BySectorNoBio</a:t>
+            </a:r>
+          </a:p>
+          <a:p>
+            <a:pPr marL="171450" indent="-171450">
+              <a:buFont typeface="Arial" panose="020B0604020202020204" pitchFamily="34" charset="0"/>
+              <a:buChar char="•"/>
+            </a:pPr>
+            <a:r>
+              <a:rPr lang="en-US" altLang="en-US" sz="1050">
+                <a:latin typeface="+mn-lt"/>
+              </a:rPr>
+              <a:t>emissNonCO2ByResProdGWPAR5</a:t>
+            </a:r>
+          </a:p>
+          <a:p>
+            <a:pPr marL="171450" indent="-171450">
+              <a:buFont typeface="Arial" panose="020B0604020202020204" pitchFamily="34" charset="0"/>
+              <a:buChar char="•"/>
+            </a:pPr>
+            <a:r>
+              <a:rPr lang="en-US" altLang="en-US" sz="1050">
+                <a:latin typeface="+mn-lt"/>
+              </a:rPr>
+              <a:t>emissMethaneBySourceGWPAR5</a:t>
+            </a:r>
+          </a:p>
+          <a:p>
+            <a:pPr marL="171450" indent="-171450">
+              <a:buFont typeface="Arial" panose="020B0604020202020204" pitchFamily="34" charset="0"/>
+              <a:buChar char="•"/>
+            </a:pPr>
+            <a:r>
+              <a:rPr lang="en-US" altLang="en-US" sz="1050">
+                <a:latin typeface="+mn-lt"/>
+              </a:rPr>
+              <a:t>emissByGasGWPAR5FFI</a:t>
+            </a:r>
+          </a:p>
+          <a:p>
+            <a:pPr marL="171450" indent="-171450">
+              <a:buFont typeface="Arial" panose="020B0604020202020204" pitchFamily="34" charset="0"/>
+              <a:buChar char="•"/>
+            </a:pPr>
+            <a:r>
+              <a:rPr lang="en-US" altLang="en-US" sz="1050">
+                <a:latin typeface="+mn-lt"/>
+              </a:rPr>
+              <a:t>emissByGasGWPAR5LUC</a:t>
+            </a:r>
+          </a:p>
+          <a:p>
+            <a:pPr marL="171450" indent="-171450">
+              <a:buFont typeface="Arial" panose="020B0604020202020204" pitchFamily="34" charset="0"/>
+              <a:buChar char="•"/>
+            </a:pPr>
+            <a:r>
+              <a:rPr lang="en-US" altLang="en-US" sz="1050">
+                <a:latin typeface="+mn-lt"/>
+              </a:rPr>
+              <a:t>emissBySectorGWPAR5FFI</a:t>
+            </a:r>
+          </a:p>
+          <a:p>
+            <a:pPr marL="171450" indent="-171450">
+              <a:buFont typeface="Arial" panose="020B0604020202020204" pitchFamily="34" charset="0"/>
+              <a:buChar char="•"/>
+            </a:pPr>
+            <a:r>
+              <a:rPr lang="en-US" altLang="en-US" sz="1050">
+                <a:latin typeface="+mn-lt"/>
+              </a:rPr>
+              <a:t>emissBySectorGWPAR5LUC</a:t>
+            </a:r>
+          </a:p>
+          <a:p>
+            <a:pPr marL="171450" indent="-171450">
+              <a:buFont typeface="Arial" panose="020B0604020202020204" pitchFamily="34" charset="0"/>
+              <a:buChar char="•"/>
+            </a:pPr>
+            <a:r>
+              <a:rPr lang="en-US" altLang="en-US" sz="1050">
+                <a:latin typeface="+mn-lt"/>
+              </a:rPr>
+              <a:t>emissNonCO2ByResProdGTPAR5</a:t>
+            </a:r>
+          </a:p>
+          <a:p>
+            <a:pPr marL="171450" indent="-171450">
+              <a:buFont typeface="Arial" panose="020B0604020202020204" pitchFamily="34" charset="0"/>
+              <a:buChar char="•"/>
+            </a:pPr>
+            <a:r>
+              <a:rPr lang="en-US" altLang="en-US" sz="1050">
+                <a:latin typeface="+mn-lt"/>
+              </a:rPr>
+              <a:t>emissMethaneBySourceGTPAR5</a:t>
+            </a:r>
+          </a:p>
+          <a:p>
+            <a:pPr marL="171450" indent="-171450">
+              <a:buFont typeface="Arial" panose="020B0604020202020204" pitchFamily="34" charset="0"/>
+              <a:buChar char="•"/>
+            </a:pPr>
+            <a:r>
+              <a:rPr lang="en-US" altLang="en-US" sz="1050">
+                <a:latin typeface="+mn-lt"/>
+              </a:rPr>
+              <a:t>emissByGasGTPAR5FFI</a:t>
+            </a:r>
+          </a:p>
+          <a:p>
+            <a:pPr marL="171450" indent="-171450">
+              <a:buFont typeface="Arial" panose="020B0604020202020204" pitchFamily="34" charset="0"/>
+              <a:buChar char="•"/>
+            </a:pPr>
+            <a:r>
+              <a:rPr lang="en-US" altLang="en-US" sz="1050">
+                <a:latin typeface="+mn-lt"/>
+              </a:rPr>
+              <a:t>emissByGasGTPAR5LUC</a:t>
+            </a:r>
+          </a:p>
+          <a:p>
+            <a:pPr marL="171450" indent="-171450">
+              <a:buFont typeface="Arial" panose="020B0604020202020204" pitchFamily="34" charset="0"/>
+              <a:buChar char="•"/>
+            </a:pPr>
+            <a:r>
+              <a:rPr lang="en-US" altLang="en-US" sz="1050">
+                <a:latin typeface="+mn-lt"/>
+              </a:rPr>
+              <a:t>emissBySectorGTPAR5FFI</a:t>
+            </a:r>
+          </a:p>
+          <a:p>
+            <a:pPr marL="171450" indent="-171450">
+              <a:buFont typeface="Arial" panose="020B0604020202020204" pitchFamily="34" charset="0"/>
+              <a:buChar char="•"/>
+            </a:pPr>
+            <a:r>
+              <a:rPr lang="en-US" altLang="en-US" sz="1050">
+                <a:latin typeface="+mn-lt"/>
+              </a:rPr>
+              <a:t>emissBySectorGTPAR5LUC</a:t>
+            </a:r>
+          </a:p>
+        </p:txBody>
+      </p:sp>
+      <p:sp>
+        <p:nvSpPr>
+          <p:cNvPr id="10" name="TextBox 9">
+            <a:extLst>
+              <a:ext uri="{FF2B5EF4-FFF2-40B4-BE49-F238E27FC236}">
+                <a16:creationId xmlns:a16="http://schemas.microsoft.com/office/drawing/2014/main" id="{11BBF495-EC10-4E41-938D-C41D6846FC07}"/>
+              </a:ext>
+            </a:extLst>
+          </p:cNvPr>
+          <p:cNvSpPr txBox="1"/>
+          <p:nvPr/>
+        </p:nvSpPr>
+        <p:spPr>
+          <a:xfrm>
+            <a:off x="9270444" y="522578"/>
+            <a:ext cx="2216370" cy="2006255"/>
+          </a:xfrm>
+          <a:prstGeom prst="rect">
+            <a:avLst/>
+          </a:prstGeom>
+          <a:noFill/>
+        </p:spPr>
+        <p:txBody>
+          <a:bodyPr wrap="square" rtlCol="0">
+            <a:spAutoFit/>
+          </a:bodyPr>
+          <a:lstStyle>
+            <a:defPPr>
+              <a:defRPr lang="en-US"/>
+            </a:defPPr>
+            <a:lvl1pPr>
+              <a:lnSpc>
+                <a:spcPct val="150000"/>
+              </a:lnSpc>
+              <a:defRPr sz="900">
+                <a:latin typeface="Consolas" panose="020B0609020204030204" pitchFamily="49" charset="0"/>
+              </a:defRPr>
+            </a:lvl1pPr>
+          </a:lstStyle>
+          <a:p>
+            <a:pPr algn="ctr"/>
+            <a:r>
+              <a:rPr lang="en-US" altLang="en-US" sz="1050" b="1" u="sng">
+                <a:latin typeface="+mn-lt"/>
+              </a:rPr>
+              <a:t>water</a:t>
+            </a:r>
+          </a:p>
+          <a:p>
+            <a:pPr marL="171450" indent="-171450">
+              <a:buFont typeface="Arial" panose="020B0604020202020204" pitchFamily="34" charset="0"/>
+              <a:buChar char="•"/>
+            </a:pPr>
+            <a:r>
+              <a:rPr lang="en-US" altLang="en-US" sz="1050">
+                <a:latin typeface="+mn-lt"/>
+              </a:rPr>
+              <a:t>watConsumBySec</a:t>
+            </a:r>
+          </a:p>
+          <a:p>
+            <a:pPr marL="171450" indent="-171450">
+              <a:buFont typeface="Arial" panose="020B0604020202020204" pitchFamily="34" charset="0"/>
+              <a:buChar char="•"/>
+            </a:pPr>
+            <a:r>
+              <a:rPr lang="en-US" altLang="en-US" sz="1050">
+                <a:latin typeface="+mn-lt"/>
+              </a:rPr>
+              <a:t>watWithdrawBySec</a:t>
+            </a:r>
+          </a:p>
+          <a:p>
+            <a:pPr marL="171450" indent="-171450">
+              <a:buFont typeface="Arial" panose="020B0604020202020204" pitchFamily="34" charset="0"/>
+              <a:buChar char="•"/>
+            </a:pPr>
+            <a:r>
+              <a:rPr lang="en-US" altLang="en-US" sz="1050">
+                <a:latin typeface="+mn-lt"/>
+              </a:rPr>
+              <a:t>watWithdrawByCrop</a:t>
+            </a:r>
+          </a:p>
+          <a:p>
+            <a:pPr marL="171450" indent="-171450">
+              <a:buFont typeface="Arial" panose="020B0604020202020204" pitchFamily="34" charset="0"/>
+              <a:buChar char="•"/>
+            </a:pPr>
+            <a:r>
+              <a:rPr lang="en-US" altLang="en-US" sz="1050">
+                <a:latin typeface="+mn-lt"/>
+              </a:rPr>
+              <a:t>watBioPhysCons</a:t>
+            </a:r>
+          </a:p>
+          <a:p>
+            <a:pPr marL="171450" indent="-171450">
+              <a:buFont typeface="Arial" panose="020B0604020202020204" pitchFamily="34" charset="0"/>
+              <a:buChar char="•"/>
+            </a:pPr>
+            <a:r>
+              <a:rPr lang="en-US" altLang="en-US" sz="1050">
+                <a:latin typeface="+mn-lt"/>
+              </a:rPr>
+              <a:t>watIrrWithdrawBasin</a:t>
+            </a:r>
+          </a:p>
+          <a:p>
+            <a:pPr marL="171450" indent="-171450">
+              <a:buFont typeface="Arial" panose="020B0604020202020204" pitchFamily="34" charset="0"/>
+              <a:buChar char="•"/>
+            </a:pPr>
+            <a:r>
+              <a:rPr lang="en-US" altLang="en-US" sz="1050">
+                <a:latin typeface="+mn-lt"/>
+              </a:rPr>
+              <a:t>watIrrConsBasin</a:t>
+            </a:r>
+          </a:p>
+          <a:p>
+            <a:pPr marL="171450" indent="-171450">
+              <a:buFont typeface="Arial" panose="020B0604020202020204" pitchFamily="34" charset="0"/>
+              <a:buChar char="•"/>
+            </a:pPr>
+            <a:r>
+              <a:rPr lang="en-US" altLang="en-US" sz="1050">
+                <a:latin typeface="+mn-lt"/>
+              </a:rPr>
+              <a:t>watSupRunoffBasin</a:t>
+            </a:r>
+          </a:p>
+        </p:txBody>
+      </p:sp>
+      <p:sp>
+        <p:nvSpPr>
+          <p:cNvPr id="11" name="Rectangle 10">
+            <a:extLst>
+              <a:ext uri="{FF2B5EF4-FFF2-40B4-BE49-F238E27FC236}">
+                <a16:creationId xmlns:a16="http://schemas.microsoft.com/office/drawing/2014/main" id="{F7432040-3975-4A47-9851-71C7544179DB}"/>
               </a:ext>
             </a:extLst>
           </p:cNvPr>
@@ -14311,8 +15785,8 @@
         </p:nvSpPr>
         <p:spPr>
           <a:xfrm>
-            <a:off x="442452" y="117988"/>
-            <a:ext cx="11444747" cy="6548284"/>
+            <a:off x="497520" y="522577"/>
+            <a:ext cx="10466402" cy="5691791"/>
           </a:xfrm>
           <a:prstGeom prst="rect">
             <a:avLst/>
@@ -14351,84 +15825,12 @@
           </a:p>
         </p:txBody>
       </p:sp>
-      <p:pic>
-        <p:nvPicPr>
-          <p:cNvPr id="4" name="Picture 3" descr="A close up of a map&#10;&#10;Description automatically generated">
-            <a:extLst>
-              <a:ext uri="{FF2B5EF4-FFF2-40B4-BE49-F238E27FC236}">
-                <a16:creationId xmlns:a16="http://schemas.microsoft.com/office/drawing/2014/main" id="{54953583-8DC0-4DC1-9C80-59364DCE9939}"/>
-              </a:ext>
-            </a:extLst>
-          </p:cNvPr>
-          <p:cNvPicPr>
-            <a:picLocks noChangeAspect="1"/>
-          </p:cNvPicPr>
-          <p:nvPr/>
-        </p:nvPicPr>
-        <p:blipFill>
-          <a:blip r:embed="rId2">
-            <a:extLst>
-              <a:ext uri="{28A0092B-C50C-407E-A947-70E740481C1C}">
-                <a14:useLocalDpi xmlns:a14="http://schemas.microsoft.com/office/drawing/2010/main" val="0"/>
-              </a:ext>
-            </a:extLst>
-          </a:blip>
-          <a:stretch>
-            <a:fillRect/>
-          </a:stretch>
-        </p:blipFill>
-        <p:spPr>
-          <a:xfrm>
-            <a:off x="592175" y="545082"/>
-            <a:ext cx="7331022" cy="3993389"/>
-          </a:xfrm>
-          <a:prstGeom prst="rect">
-            <a:avLst/>
-          </a:prstGeom>
-        </p:spPr>
-      </p:pic>
-      <p:pic>
-        <p:nvPicPr>
-          <p:cNvPr id="6" name="Picture 5" descr="A picture containing text, map&#10;&#10;Description automatically generated">
-            <a:extLst>
-              <a:ext uri="{FF2B5EF4-FFF2-40B4-BE49-F238E27FC236}">
-                <a16:creationId xmlns:a16="http://schemas.microsoft.com/office/drawing/2014/main" id="{949EBDC5-4E80-425B-84EA-DDBD3A9647A4}"/>
-              </a:ext>
-            </a:extLst>
-          </p:cNvPr>
-          <p:cNvPicPr>
-            <a:picLocks noChangeAspect="1"/>
-          </p:cNvPicPr>
-          <p:nvPr/>
-        </p:nvPicPr>
-        <p:blipFill>
-          <a:blip r:embed="rId3">
-            <a:extLst>
-              <a:ext uri="{28A0092B-C50C-407E-A947-70E740481C1C}">
-                <a14:useLocalDpi xmlns:a14="http://schemas.microsoft.com/office/drawing/2010/main" val="0"/>
-              </a:ext>
-            </a:extLst>
-          </a:blip>
-          <a:stretch>
-            <a:fillRect/>
-          </a:stretch>
-        </p:blipFill>
-        <p:spPr>
-          <a:xfrm>
-            <a:off x="4257686" y="3783081"/>
-            <a:ext cx="7525130" cy="2748571"/>
-          </a:xfrm>
-          <a:prstGeom prst="rect">
-            <a:avLst/>
-          </a:prstGeom>
-        </p:spPr>
-      </p:pic>
       <p:sp>
         <p:nvSpPr>
-          <p:cNvPr id="9" name="TextBox 8">
+          <p:cNvPr id="12" name="TextBox 11">
             <a:extLst>
               <a:ext uri="{FF2B5EF4-FFF2-40B4-BE49-F238E27FC236}">
-                <a16:creationId xmlns:a16="http://schemas.microsoft.com/office/drawing/2014/main" id="{65A82A39-C97E-4486-BF84-AD752A7FF992}"/>
+                <a16:creationId xmlns:a16="http://schemas.microsoft.com/office/drawing/2014/main" id="{F1498920-CEE6-468A-B822-668FDD52D7A2}"/>
               </a:ext>
             </a:extLst>
           </p:cNvPr>
@@ -14437,8 +15839,8 @@
         </p:nvSpPr>
         <p:spPr>
           <a:xfrm>
-            <a:off x="1556139" y="175750"/>
-            <a:ext cx="4210816" cy="369332"/>
+            <a:off x="192163" y="128664"/>
+            <a:ext cx="2066223" cy="369332"/>
           </a:xfrm>
           <a:prstGeom prst="rect">
             <a:avLst/>
@@ -14454,43 +15856,7 @@
             <a:pPr algn="ctr"/>
             <a:r>
               <a:rPr lang="en-US" b="1"/>
-              <a:t>Electricity Generation SSP5 by Class 2040</a:t>
-            </a:r>
-          </a:p>
-        </p:txBody>
-      </p:sp>
-      <p:sp>
-        <p:nvSpPr>
-          <p:cNvPr id="10" name="TextBox 9">
-            <a:extLst>
-              <a:ext uri="{FF2B5EF4-FFF2-40B4-BE49-F238E27FC236}">
-                <a16:creationId xmlns:a16="http://schemas.microsoft.com/office/drawing/2014/main" id="{52335815-A0C2-4151-96C4-FDD5E5395A04}"/>
-              </a:ext>
-            </a:extLst>
-          </p:cNvPr>
-          <p:cNvSpPr txBox="1"/>
-          <p:nvPr/>
-        </p:nvSpPr>
-        <p:spPr>
-          <a:xfrm>
-            <a:off x="5929124" y="3429000"/>
-            <a:ext cx="3976074" cy="369332"/>
-          </a:xfrm>
-          <a:prstGeom prst="rect">
-            <a:avLst/>
-          </a:prstGeom>
-          <a:noFill/>
-        </p:spPr>
-        <p:txBody>
-          <a:bodyPr wrap="square" rtlCol="0">
-            <a:spAutoFit/>
-          </a:bodyPr>
-          <a:lstStyle/>
-          <a:p>
-            <a:pPr algn="ctr"/>
-            <a:r>
-              <a:rPr lang="en-US" b="1"/>
-              <a:t>Land Allocation SSP5 by Class 2040</a:t>
+              <a:t>Param List</a:t>
             </a:r>
           </a:p>
         </p:txBody>
@@ -14498,7 +15864,7 @@
     </p:spTree>
     <p:extLst>
       <p:ext uri="{BB962C8B-B14F-4D97-AF65-F5344CB8AC3E}">
-        <p14:creationId xmlns:p14="http://schemas.microsoft.com/office/powerpoint/2010/main" val="1298961020"/>
+        <p14:creationId xmlns:p14="http://schemas.microsoft.com/office/powerpoint/2010/main" val="3345794904"/>
       </p:ext>
     </p:extLst>
   </p:cSld>
@@ -14508,7 +15874,7 @@
 </p:sld>
 </file>
 
-<file path=ppt/slides/slide39.xml><?xml version="1.0" encoding="utf-8"?>
+<file path=ppt/slides/slide40.xml><?xml version="1.0" encoding="utf-8"?>
 <p:sld xmlns:a="http://schemas.openxmlformats.org/drawingml/2006/main" xmlns:r="http://schemas.openxmlformats.org/officeDocument/2006/relationships" xmlns:p="http://schemas.openxmlformats.org/presentationml/2006/main">
   <p:cSld>
     <p:spTree>
@@ -14527,67 +15893,10 @@
       </p:grpSpPr>
       <p:sp>
         <p:nvSpPr>
-          <p:cNvPr id="2" name="Title 1"/>
-          <p:cNvSpPr>
-            <a:spLocks noGrp="1"/>
-          </p:cNvSpPr>
-          <p:nvPr>
-            <p:ph type="title"/>
-          </p:nvPr>
-        </p:nvSpPr>
-        <p:spPr>
-          <a:xfrm>
-            <a:off x="784860" y="1721485"/>
-            <a:ext cx="10515600" cy="1325563"/>
-          </a:xfrm>
-        </p:spPr>
-        <p:txBody>
-          <a:bodyPr/>
-          <a:lstStyle/>
-          <a:p>
-            <a:r>
-              <a:rPr lang="en-US" dirty="0"/>
-              <a:t>Figures for grid2poly</a:t>
-            </a:r>
-          </a:p>
-        </p:txBody>
-      </p:sp>
-    </p:spTree>
-    <p:extLst>
-      <p:ext uri="{BB962C8B-B14F-4D97-AF65-F5344CB8AC3E}">
-        <p14:creationId xmlns:p14="http://schemas.microsoft.com/office/powerpoint/2010/main" val="2851378575"/>
-      </p:ext>
-    </p:extLst>
-  </p:cSld>
-  <p:clrMapOvr>
-    <a:masterClrMapping/>
-  </p:clrMapOvr>
-</p:sld>
-</file>
-
-<file path=ppt/slides/slide4.xml><?xml version="1.0" encoding="utf-8"?>
-<p:sld xmlns:a="http://schemas.openxmlformats.org/drawingml/2006/main" xmlns:r="http://schemas.openxmlformats.org/officeDocument/2006/relationships" xmlns:p="http://schemas.openxmlformats.org/presentationml/2006/main">
-  <p:cSld>
-    <p:spTree>
-      <p:nvGrpSpPr>
-        <p:cNvPr id="1" name=""/>
-        <p:cNvGrpSpPr/>
-        <p:nvPr/>
-      </p:nvGrpSpPr>
-      <p:grpSpPr>
-        <a:xfrm>
-          <a:off x="0" y="0"/>
-          <a:ext cx="0" cy="0"/>
-          <a:chOff x="0" y="0"/>
-          <a:chExt cx="0" cy="0"/>
-        </a:xfrm>
-      </p:grpSpPr>
-      <p:sp>
-        <p:nvSpPr>
-          <p:cNvPr id="6" name="TextBox 5">
+          <p:cNvPr id="7" name="TextBox 6">
             <a:extLst>
               <a:ext uri="{FF2B5EF4-FFF2-40B4-BE49-F238E27FC236}">
-                <a16:creationId xmlns:a16="http://schemas.microsoft.com/office/drawing/2014/main" id="{770E9E06-5F46-4A20-920E-2473B2FB3AF0}"/>
+                <a16:creationId xmlns:a16="http://schemas.microsoft.com/office/drawing/2014/main" id="{A063DF1C-7DF0-40B4-AC9D-EC918B0CB000}"/>
               </a:ext>
             </a:extLst>
           </p:cNvPr>
@@ -14596,8 +15905,8 @@
         </p:nvSpPr>
         <p:spPr>
           <a:xfrm>
-            <a:off x="677207" y="522579"/>
-            <a:ext cx="2216370" cy="4429995"/>
+            <a:off x="201996" y="-369332"/>
+            <a:ext cx="3101370" cy="369332"/>
           </a:xfrm>
           <a:prstGeom prst="rect">
             <a:avLst/>
@@ -14608,912 +15917,22 @@
           <a:bodyPr wrap="square" rtlCol="0">
             <a:spAutoFit/>
           </a:bodyPr>
-          <a:lstStyle>
-            <a:defPPr>
-              <a:defRPr lang="en-US"/>
-            </a:defPPr>
-            <a:lvl1pPr>
-              <a:lnSpc>
-                <a:spcPct val="150000"/>
-              </a:lnSpc>
-              <a:defRPr sz="900">
-                <a:latin typeface="Consolas" panose="020B0609020204030204" pitchFamily="49" charset="0"/>
-              </a:defRPr>
-            </a:lvl1pPr>
-          </a:lstStyle>
+          <a:lstStyle/>
           <a:p>
             <a:pPr algn="ctr"/>
             <a:r>
-              <a:rPr lang="en-US" altLang="en-US" sz="1050" b="1" u="sng">
-                <a:latin typeface="+mn-lt"/>
-              </a:rPr>
-              <a:t>electricity</a:t>
-            </a:r>
-          </a:p>
-          <a:p>
-            <a:pPr marL="171450" indent="-171450">
-              <a:buFont typeface="Arial" panose="020B0604020202020204" pitchFamily="34" charset="0"/>
-              <a:buChar char="•"/>
-            </a:pPr>
-            <a:r>
-              <a:rPr lang="en-US" altLang="en-US" sz="1050">
-                <a:latin typeface="+mn-lt"/>
-              </a:rPr>
-              <a:t>elecByTechTWh</a:t>
-            </a:r>
-          </a:p>
-          <a:p>
-            <a:pPr marL="171450" indent="-171450">
-              <a:buFont typeface="Arial" panose="020B0604020202020204" pitchFamily="34" charset="0"/>
-              <a:buChar char="•"/>
-            </a:pPr>
-            <a:r>
-              <a:rPr lang="en-US" altLang="en-US" sz="1050">
-                <a:latin typeface="+mn-lt"/>
-              </a:rPr>
-              <a:t>elecCapByFuel</a:t>
-            </a:r>
-          </a:p>
-          <a:p>
-            <a:pPr marL="171450" indent="-171450">
-              <a:buFont typeface="Arial" panose="020B0604020202020204" pitchFamily="34" charset="0"/>
-              <a:buChar char="•"/>
-            </a:pPr>
-            <a:r>
-              <a:rPr lang="en-US" altLang="en-US" sz="1050">
-                <a:latin typeface="+mn-lt"/>
-              </a:rPr>
-              <a:t>elecFinalBySecTWh</a:t>
-            </a:r>
-          </a:p>
-          <a:p>
-            <a:pPr marL="171450" indent="-171450">
-              <a:buFont typeface="Arial" panose="020B0604020202020204" pitchFamily="34" charset="0"/>
-              <a:buChar char="•"/>
-            </a:pPr>
-            <a:r>
-              <a:rPr lang="en-US" altLang="en-US" sz="1050">
-                <a:latin typeface="+mn-lt"/>
-              </a:rPr>
-              <a:t>elecFinalByFuelTWh</a:t>
-            </a:r>
-          </a:p>
-          <a:p>
-            <a:pPr marL="171450" indent="-171450">
-              <a:buFont typeface="Arial" panose="020B0604020202020204" pitchFamily="34" charset="0"/>
-              <a:buChar char="•"/>
-            </a:pPr>
-            <a:r>
-              <a:rPr lang="en-US" altLang="en-US" sz="1050">
-                <a:latin typeface="+mn-lt"/>
-              </a:rPr>
-              <a:t>elecNewCapCost</a:t>
-            </a:r>
-          </a:p>
-          <a:p>
-            <a:pPr marL="171450" indent="-171450">
-              <a:buFont typeface="Arial" panose="020B0604020202020204" pitchFamily="34" charset="0"/>
-              <a:buChar char="•"/>
-            </a:pPr>
-            <a:r>
-              <a:rPr lang="en-US" altLang="en-US" sz="1050">
-                <a:latin typeface="+mn-lt"/>
-              </a:rPr>
-              <a:t>elecNewCapGW</a:t>
-            </a:r>
-          </a:p>
-          <a:p>
-            <a:pPr marL="171450" indent="-171450">
-              <a:buFont typeface="Arial" panose="020B0604020202020204" pitchFamily="34" charset="0"/>
-              <a:buChar char="•"/>
-            </a:pPr>
-            <a:r>
-              <a:rPr lang="en-US" altLang="en-US" sz="1050">
-                <a:latin typeface="+mn-lt"/>
-              </a:rPr>
-              <a:t>elecAnnualRetPrematureCost</a:t>
-            </a:r>
-          </a:p>
-          <a:p>
-            <a:pPr marL="171450" indent="-171450">
-              <a:buFont typeface="Arial" panose="020B0604020202020204" pitchFamily="34" charset="0"/>
-              <a:buChar char="•"/>
-            </a:pPr>
-            <a:r>
-              <a:rPr lang="en-US" altLang="en-US" sz="1050">
-                <a:latin typeface="+mn-lt"/>
-              </a:rPr>
-              <a:t>elecAnnualRetPrematureGW</a:t>
-            </a:r>
-          </a:p>
-          <a:p>
-            <a:pPr marL="171450" indent="-171450">
-              <a:buFont typeface="Arial" panose="020B0604020202020204" pitchFamily="34" charset="0"/>
-              <a:buChar char="•"/>
-            </a:pPr>
-            <a:r>
-              <a:rPr lang="en-US" altLang="en-US" sz="1050">
-                <a:latin typeface="+mn-lt"/>
-              </a:rPr>
-              <a:t>elecCumCapCost</a:t>
-            </a:r>
-          </a:p>
-          <a:p>
-            <a:pPr marL="171450" indent="-171450">
-              <a:buFont typeface="Arial" panose="020B0604020202020204" pitchFamily="34" charset="0"/>
-              <a:buChar char="•"/>
-            </a:pPr>
-            <a:r>
-              <a:rPr lang="en-US" altLang="en-US" sz="1050">
-                <a:latin typeface="+mn-lt"/>
-              </a:rPr>
-              <a:t>elecCumCapGW</a:t>
-            </a:r>
-          </a:p>
-          <a:p>
-            <a:pPr marL="171450" indent="-171450">
-              <a:buFont typeface="Arial" panose="020B0604020202020204" pitchFamily="34" charset="0"/>
-              <a:buChar char="•"/>
-            </a:pPr>
-            <a:r>
-              <a:rPr lang="en-US" altLang="en-US" sz="1050">
-                <a:latin typeface="+mn-lt"/>
-              </a:rPr>
-              <a:t>elecCumRetPrematureCost</a:t>
-            </a:r>
-          </a:p>
-          <a:p>
-            <a:pPr marL="171450" indent="-171450">
-              <a:buFont typeface="Arial" panose="020B0604020202020204" pitchFamily="34" charset="0"/>
-              <a:buChar char="•"/>
-            </a:pPr>
-            <a:r>
-              <a:rPr lang="en-US" altLang="en-US" sz="1050">
-                <a:latin typeface="+mn-lt"/>
-              </a:rPr>
-              <a:t>elecCumRetPrematureGW</a:t>
-            </a:r>
-          </a:p>
-          <a:p>
-            <a:pPr algn="ctr"/>
-            <a:r>
-              <a:rPr lang="en-US" altLang="en-US" sz="1050" b="1" u="sng">
-                <a:latin typeface="+mn-lt"/>
-              </a:rPr>
-              <a:t>transport</a:t>
-            </a:r>
-          </a:p>
-          <a:p>
-            <a:pPr marL="171450" indent="-171450">
-              <a:buFont typeface="Arial" panose="020B0604020202020204" pitchFamily="34" charset="0"/>
-              <a:buChar char="•"/>
-            </a:pPr>
-            <a:r>
-              <a:rPr lang="en-US" altLang="en-US" sz="1050">
-                <a:latin typeface="+mn-lt"/>
-              </a:rPr>
-              <a:t>transportPassengerVMTByMode</a:t>
-            </a:r>
-          </a:p>
-          <a:p>
-            <a:pPr marL="171450" indent="-171450">
-              <a:buFont typeface="Arial" panose="020B0604020202020204" pitchFamily="34" charset="0"/>
-              <a:buChar char="•"/>
-            </a:pPr>
-            <a:r>
-              <a:rPr lang="en-US" altLang="en-US" sz="1050">
-                <a:latin typeface="+mn-lt"/>
-              </a:rPr>
-              <a:t>transportFreightVMTByMode</a:t>
-            </a:r>
-          </a:p>
-          <a:p>
-            <a:pPr marL="171450" indent="-171450">
-              <a:buFont typeface="Arial" panose="020B0604020202020204" pitchFamily="34" charset="0"/>
-              <a:buChar char="•"/>
-            </a:pPr>
-            <a:r>
-              <a:rPr lang="en-US" altLang="en-US" sz="1050">
-                <a:latin typeface="+mn-lt"/>
-              </a:rPr>
-              <a:t>transportPassengerVMTByFuel</a:t>
-            </a:r>
-          </a:p>
-          <a:p>
-            <a:pPr marL="171450" indent="-171450">
-              <a:buFont typeface="Arial" panose="020B0604020202020204" pitchFamily="34" charset="0"/>
-              <a:buChar char="•"/>
-            </a:pPr>
-            <a:r>
-              <a:rPr lang="en-US" altLang="en-US" sz="1050">
-                <a:latin typeface="+mn-lt"/>
-              </a:rPr>
-              <a:t>transportFreightVMTByFuel</a:t>
+              <a:rPr lang="en-US" b="1"/>
+              <a:t>GCAM by Class Figs</a:t>
             </a:r>
           </a:p>
         </p:txBody>
       </p:sp>
       <p:sp>
         <p:nvSpPr>
-          <p:cNvPr id="7" name="TextBox 6">
+          <p:cNvPr id="3" name="Rectangle 2">
             <a:extLst>
               <a:ext uri="{FF2B5EF4-FFF2-40B4-BE49-F238E27FC236}">
-                <a16:creationId xmlns:a16="http://schemas.microsoft.com/office/drawing/2014/main" id="{08849C20-7534-4CC1-AE72-789DE7D498D4}"/>
-              </a:ext>
-            </a:extLst>
-          </p:cNvPr>
-          <p:cNvSpPr txBox="1"/>
-          <p:nvPr/>
-        </p:nvSpPr>
-        <p:spPr>
-          <a:xfrm>
-            <a:off x="3772467" y="522579"/>
-            <a:ext cx="2216370" cy="5884240"/>
-          </a:xfrm>
-          <a:prstGeom prst="rect">
-            <a:avLst/>
-          </a:prstGeom>
-          <a:noFill/>
-        </p:spPr>
-        <p:txBody>
-          <a:bodyPr wrap="square" rtlCol="0">
-            <a:spAutoFit/>
-          </a:bodyPr>
-          <a:lstStyle>
-            <a:defPPr>
-              <a:defRPr lang="en-US"/>
-            </a:defPPr>
-            <a:lvl1pPr>
-              <a:lnSpc>
-                <a:spcPct val="150000"/>
-              </a:lnSpc>
-              <a:defRPr sz="900">
-                <a:latin typeface="Consolas" panose="020B0609020204030204" pitchFamily="49" charset="0"/>
-              </a:defRPr>
-            </a:lvl1pPr>
-          </a:lstStyle>
-          <a:p>
-            <a:pPr algn="ctr"/>
-            <a:r>
-              <a:rPr lang="en-US" altLang="en-US" sz="1050" b="1" u="sng">
-                <a:latin typeface="+mn-lt"/>
-              </a:rPr>
-              <a:t>socioecon</a:t>
-            </a:r>
-          </a:p>
-          <a:p>
-            <a:pPr marL="171450" indent="-171450">
-              <a:buFont typeface="Arial" panose="020B0604020202020204" pitchFamily="34" charset="0"/>
-              <a:buChar char="•"/>
-            </a:pPr>
-            <a:r>
-              <a:rPr lang="en-US" altLang="en-US" sz="1050">
-                <a:latin typeface="+mn-lt"/>
-              </a:rPr>
-              <a:t>gdpPerCapita</a:t>
-            </a:r>
-          </a:p>
-          <a:p>
-            <a:pPr marL="171450" indent="-171450">
-              <a:buFont typeface="Arial" panose="020B0604020202020204" pitchFamily="34" charset="0"/>
-              <a:buChar char="•"/>
-            </a:pPr>
-            <a:r>
-              <a:rPr lang="en-US" altLang="en-US" sz="1050">
-                <a:latin typeface="+mn-lt"/>
-              </a:rPr>
-              <a:t>gdp</a:t>
-            </a:r>
-          </a:p>
-          <a:p>
-            <a:pPr marL="171450" indent="-171450">
-              <a:buFont typeface="Arial" panose="020B0604020202020204" pitchFamily="34" charset="0"/>
-              <a:buChar char="•"/>
-            </a:pPr>
-            <a:r>
-              <a:rPr lang="en-US" altLang="en-US" sz="1050">
-                <a:latin typeface="+mn-lt"/>
-              </a:rPr>
-              <a:t>gdpGrowthRate</a:t>
-            </a:r>
-          </a:p>
-          <a:p>
-            <a:pPr marL="171450" indent="-171450">
-              <a:buFont typeface="Arial" panose="020B0604020202020204" pitchFamily="34" charset="0"/>
-              <a:buChar char="•"/>
-            </a:pPr>
-            <a:r>
-              <a:rPr lang="en-US" altLang="en-US" sz="1050">
-                <a:latin typeface="+mn-lt"/>
-              </a:rPr>
-              <a:t>pop</a:t>
-            </a:r>
-          </a:p>
-          <a:p>
-            <a:pPr algn="ctr"/>
-            <a:r>
-              <a:rPr lang="en-US" altLang="en-US" sz="1050" b="1" u="sng">
-                <a:latin typeface="+mn-lt"/>
-              </a:rPr>
-              <a:t>ag</a:t>
-            </a:r>
-          </a:p>
-          <a:p>
-            <a:pPr marL="171450" indent="-171450">
-              <a:buFont typeface="Arial" panose="020B0604020202020204" pitchFamily="34" charset="0"/>
-              <a:buChar char="•"/>
-            </a:pPr>
-            <a:r>
-              <a:rPr lang="en-US" altLang="en-US" sz="1050">
-                <a:latin typeface="+mn-lt"/>
-              </a:rPr>
-              <a:t>agProdbyIrrRfd</a:t>
-            </a:r>
-          </a:p>
-          <a:p>
-            <a:pPr marL="171450" indent="-171450">
-              <a:buFont typeface="Arial" panose="020B0604020202020204" pitchFamily="34" charset="0"/>
-              <a:buChar char="•"/>
-            </a:pPr>
-            <a:r>
-              <a:rPr lang="en-US" altLang="en-US" sz="1050">
-                <a:latin typeface="+mn-lt"/>
-              </a:rPr>
-              <a:t>agProdBiomass</a:t>
-            </a:r>
-          </a:p>
-          <a:p>
-            <a:pPr marL="171450" indent="-171450">
-              <a:buFont typeface="Arial" panose="020B0604020202020204" pitchFamily="34" charset="0"/>
-              <a:buChar char="•"/>
-            </a:pPr>
-            <a:r>
-              <a:rPr lang="en-US" altLang="en-US" sz="1050">
-                <a:latin typeface="+mn-lt"/>
-              </a:rPr>
-              <a:t>agProdForest</a:t>
-            </a:r>
-          </a:p>
-          <a:p>
-            <a:pPr marL="171450" indent="-171450">
-              <a:buFont typeface="Arial" panose="020B0604020202020204" pitchFamily="34" charset="0"/>
-              <a:buChar char="•"/>
-            </a:pPr>
-            <a:r>
-              <a:rPr lang="en-US" altLang="en-US" sz="1050">
-                <a:latin typeface="+mn-lt"/>
-              </a:rPr>
-              <a:t>agProdByCrop</a:t>
-            </a:r>
-          </a:p>
-          <a:p>
-            <a:pPr algn="ctr"/>
-            <a:r>
-              <a:rPr lang="en-US" altLang="en-US" sz="1050" b="1" u="sng">
-                <a:latin typeface="+mn-lt"/>
-              </a:rPr>
-              <a:t>livestock</a:t>
-            </a:r>
-          </a:p>
-          <a:p>
-            <a:pPr marL="171450" indent="-171450">
-              <a:buFont typeface="Arial" panose="020B0604020202020204" pitchFamily="34" charset="0"/>
-              <a:buChar char="•"/>
-            </a:pPr>
-            <a:r>
-              <a:rPr lang="en-US" altLang="en-US" sz="1050">
-                <a:latin typeface="+mn-lt"/>
-              </a:rPr>
-              <a:t>livestock_MeatDairybyTechMixed</a:t>
-            </a:r>
-          </a:p>
-          <a:p>
-            <a:pPr marL="171450" indent="-171450">
-              <a:buFont typeface="Arial" panose="020B0604020202020204" pitchFamily="34" charset="0"/>
-              <a:buChar char="•"/>
-            </a:pPr>
-            <a:r>
-              <a:rPr lang="en-US" altLang="en-US" sz="1050">
-                <a:latin typeface="+mn-lt"/>
-              </a:rPr>
-              <a:t>livestock_MeatDairybyTechPastoral</a:t>
-            </a:r>
-          </a:p>
-          <a:p>
-            <a:pPr marL="171450" indent="-171450">
-              <a:buFont typeface="Arial" panose="020B0604020202020204" pitchFamily="34" charset="0"/>
-              <a:buChar char="•"/>
-            </a:pPr>
-            <a:r>
-              <a:rPr lang="en-US" altLang="en-US" sz="1050">
-                <a:latin typeface="+mn-lt"/>
-              </a:rPr>
-              <a:t>livestock_MeatDairybyTechImports</a:t>
-            </a:r>
-          </a:p>
-          <a:p>
-            <a:pPr marL="171450" indent="-171450">
-              <a:buFont typeface="Arial" panose="020B0604020202020204" pitchFamily="34" charset="0"/>
-              <a:buChar char="•"/>
-            </a:pPr>
-            <a:r>
-              <a:rPr lang="en-US" altLang="en-US" sz="1050">
-                <a:latin typeface="+mn-lt"/>
-              </a:rPr>
-              <a:t>livestock_MeatDairybySubsector</a:t>
-            </a:r>
-          </a:p>
-          <a:p>
-            <a:pPr algn="ctr"/>
-            <a:r>
-              <a:rPr lang="en-US" altLang="en-US" sz="1050" b="1" u="sng">
-                <a:latin typeface="+mn-lt"/>
-              </a:rPr>
-              <a:t>land</a:t>
-            </a:r>
-          </a:p>
-          <a:p>
-            <a:pPr marL="171450" indent="-171450">
-              <a:buFont typeface="Arial" panose="020B0604020202020204" pitchFamily="34" charset="0"/>
-              <a:buChar char="•"/>
-            </a:pPr>
-            <a:r>
-              <a:rPr lang="en-US" altLang="en-US" sz="1050">
-                <a:latin typeface="+mn-lt"/>
-              </a:rPr>
-              <a:t>landIrrRfd</a:t>
-            </a:r>
-          </a:p>
-          <a:p>
-            <a:pPr marL="171450" indent="-171450">
-              <a:buFont typeface="Arial" panose="020B0604020202020204" pitchFamily="34" charset="0"/>
-              <a:buChar char="•"/>
-            </a:pPr>
-            <a:r>
-              <a:rPr lang="en-US" altLang="en-US" sz="1050">
-                <a:latin typeface="+mn-lt"/>
-              </a:rPr>
-              <a:t>landIrrCrop</a:t>
-            </a:r>
-          </a:p>
-          <a:p>
-            <a:pPr marL="171450" indent="-171450">
-              <a:buFont typeface="Arial" panose="020B0604020202020204" pitchFamily="34" charset="0"/>
-              <a:buChar char="•"/>
-            </a:pPr>
-            <a:r>
-              <a:rPr lang="en-US" altLang="en-US" sz="1050">
-                <a:latin typeface="+mn-lt"/>
-              </a:rPr>
-              <a:t>landRfdCrop</a:t>
-            </a:r>
-          </a:p>
-          <a:p>
-            <a:pPr marL="171450" indent="-171450">
-              <a:buFont typeface="Arial" panose="020B0604020202020204" pitchFamily="34" charset="0"/>
-              <a:buChar char="•"/>
-            </a:pPr>
-            <a:r>
-              <a:rPr lang="en-US" altLang="en-US" sz="1050">
-                <a:latin typeface="+mn-lt"/>
-              </a:rPr>
-              <a:t>landAlloc</a:t>
-            </a:r>
-          </a:p>
-          <a:p>
-            <a:pPr marL="171450" indent="-171450">
-              <a:buFont typeface="Arial" panose="020B0604020202020204" pitchFamily="34" charset="0"/>
-              <a:buChar char="•"/>
-            </a:pPr>
-            <a:r>
-              <a:rPr lang="en-US" altLang="en-US" sz="1050">
-                <a:latin typeface="+mn-lt"/>
-              </a:rPr>
-              <a:t>landAllocByCrop</a:t>
-            </a:r>
-          </a:p>
-          <a:p>
-            <a:pPr algn="ctr"/>
-            <a:endParaRPr lang="en-US" altLang="en-US" sz="1050">
-              <a:latin typeface="+mn-lt"/>
-            </a:endParaRPr>
-          </a:p>
-        </p:txBody>
-      </p:sp>
-      <p:sp>
-        <p:nvSpPr>
-          <p:cNvPr id="8" name="TextBox 7">
-            <a:extLst>
-              <a:ext uri="{FF2B5EF4-FFF2-40B4-BE49-F238E27FC236}">
-                <a16:creationId xmlns:a16="http://schemas.microsoft.com/office/drawing/2014/main" id="{8585856F-0683-439B-927B-E2E8AD4AA13F}"/>
-              </a:ext>
-            </a:extLst>
-          </p:cNvPr>
-          <p:cNvSpPr txBox="1"/>
-          <p:nvPr/>
-        </p:nvSpPr>
-        <p:spPr>
-          <a:xfrm>
-            <a:off x="6867727" y="522579"/>
-            <a:ext cx="2216370" cy="4429995"/>
-          </a:xfrm>
-          <a:prstGeom prst="rect">
-            <a:avLst/>
-          </a:prstGeom>
-          <a:noFill/>
-        </p:spPr>
-        <p:txBody>
-          <a:bodyPr wrap="square" rtlCol="0">
-            <a:spAutoFit/>
-          </a:bodyPr>
-          <a:lstStyle>
-            <a:defPPr>
-              <a:defRPr lang="en-US"/>
-            </a:defPPr>
-            <a:lvl1pPr>
-              <a:lnSpc>
-                <a:spcPct val="150000"/>
-              </a:lnSpc>
-              <a:defRPr sz="900">
-                <a:latin typeface="Consolas" panose="020B0609020204030204" pitchFamily="49" charset="0"/>
-              </a:defRPr>
-            </a:lvl1pPr>
-          </a:lstStyle>
-          <a:p>
-            <a:pPr algn="ctr"/>
-            <a:r>
-              <a:rPr lang="en-US" altLang="en-US" sz="1050" b="1" u="sng">
-                <a:latin typeface="+mn-lt"/>
-              </a:rPr>
-              <a:t>emissions</a:t>
-            </a:r>
-          </a:p>
-          <a:p>
-            <a:pPr marL="171450" indent="-171450">
-              <a:buFont typeface="Arial" panose="020B0604020202020204" pitchFamily="34" charset="0"/>
-              <a:buChar char="•"/>
-            </a:pPr>
-            <a:r>
-              <a:rPr lang="en-US" altLang="en-US" sz="1050">
-                <a:latin typeface="+mn-lt"/>
-              </a:rPr>
-              <a:t>emissNonCO2BySectorGWPAR5</a:t>
-            </a:r>
-          </a:p>
-          <a:p>
-            <a:pPr marL="171450" indent="-171450">
-              <a:buFont typeface="Arial" panose="020B0604020202020204" pitchFamily="34" charset="0"/>
-              <a:buChar char="•"/>
-            </a:pPr>
-            <a:r>
-              <a:rPr lang="en-US" altLang="en-US" sz="1050">
-                <a:latin typeface="+mn-lt"/>
-              </a:rPr>
-              <a:t>emissNonCO2BySectorGTPAR5</a:t>
-            </a:r>
-          </a:p>
-          <a:p>
-            <a:pPr marL="171450" indent="-171450">
-              <a:buFont typeface="Arial" panose="020B0604020202020204" pitchFamily="34" charset="0"/>
-              <a:buChar char="•"/>
-            </a:pPr>
-            <a:r>
-              <a:rPr lang="en-US" altLang="en-US" sz="1050">
-                <a:latin typeface="+mn-lt"/>
-              </a:rPr>
-              <a:t>emissNonCO2BySectorOrigUnits</a:t>
-            </a:r>
-          </a:p>
-          <a:p>
-            <a:pPr marL="171450" indent="-171450">
-              <a:buFont typeface="Arial" panose="020B0604020202020204" pitchFamily="34" charset="0"/>
-              <a:buChar char="•"/>
-            </a:pPr>
-            <a:r>
-              <a:rPr lang="en-US" altLang="en-US" sz="1050">
-                <a:latin typeface="+mn-lt"/>
-              </a:rPr>
-              <a:t>emissLUC</a:t>
-            </a:r>
-          </a:p>
-          <a:p>
-            <a:pPr marL="171450" indent="-171450">
-              <a:buFont typeface="Arial" panose="020B0604020202020204" pitchFamily="34" charset="0"/>
-              <a:buChar char="•"/>
-            </a:pPr>
-            <a:r>
-              <a:rPr lang="en-US" altLang="en-US" sz="1050">
-                <a:latin typeface="+mn-lt"/>
-              </a:rPr>
-              <a:t>emissCO2BySectorNoBio</a:t>
-            </a:r>
-          </a:p>
-          <a:p>
-            <a:pPr marL="171450" indent="-171450">
-              <a:buFont typeface="Arial" panose="020B0604020202020204" pitchFamily="34" charset="0"/>
-              <a:buChar char="•"/>
-            </a:pPr>
-            <a:r>
-              <a:rPr lang="en-US" altLang="en-US" sz="1050">
-                <a:latin typeface="+mn-lt"/>
-              </a:rPr>
-              <a:t>emissNonCO2ByResProdGWPAR5</a:t>
-            </a:r>
-          </a:p>
-          <a:p>
-            <a:pPr marL="171450" indent="-171450">
-              <a:buFont typeface="Arial" panose="020B0604020202020204" pitchFamily="34" charset="0"/>
-              <a:buChar char="•"/>
-            </a:pPr>
-            <a:r>
-              <a:rPr lang="en-US" altLang="en-US" sz="1050">
-                <a:latin typeface="+mn-lt"/>
-              </a:rPr>
-              <a:t>emissMethaneBySourceGWPAR5</a:t>
-            </a:r>
-          </a:p>
-          <a:p>
-            <a:pPr marL="171450" indent="-171450">
-              <a:buFont typeface="Arial" panose="020B0604020202020204" pitchFamily="34" charset="0"/>
-              <a:buChar char="•"/>
-            </a:pPr>
-            <a:r>
-              <a:rPr lang="en-US" altLang="en-US" sz="1050">
-                <a:latin typeface="+mn-lt"/>
-              </a:rPr>
-              <a:t>emissByGasGWPAR5FFI</a:t>
-            </a:r>
-          </a:p>
-          <a:p>
-            <a:pPr marL="171450" indent="-171450">
-              <a:buFont typeface="Arial" panose="020B0604020202020204" pitchFamily="34" charset="0"/>
-              <a:buChar char="•"/>
-            </a:pPr>
-            <a:r>
-              <a:rPr lang="en-US" altLang="en-US" sz="1050">
-                <a:latin typeface="+mn-lt"/>
-              </a:rPr>
-              <a:t>emissByGasGWPAR5LUC</a:t>
-            </a:r>
-          </a:p>
-          <a:p>
-            <a:pPr marL="171450" indent="-171450">
-              <a:buFont typeface="Arial" panose="020B0604020202020204" pitchFamily="34" charset="0"/>
-              <a:buChar char="•"/>
-            </a:pPr>
-            <a:r>
-              <a:rPr lang="en-US" altLang="en-US" sz="1050">
-                <a:latin typeface="+mn-lt"/>
-              </a:rPr>
-              <a:t>emissBySectorGWPAR5FFI</a:t>
-            </a:r>
-          </a:p>
-          <a:p>
-            <a:pPr marL="171450" indent="-171450">
-              <a:buFont typeface="Arial" panose="020B0604020202020204" pitchFamily="34" charset="0"/>
-              <a:buChar char="•"/>
-            </a:pPr>
-            <a:r>
-              <a:rPr lang="en-US" altLang="en-US" sz="1050">
-                <a:latin typeface="+mn-lt"/>
-              </a:rPr>
-              <a:t>emissBySectorGWPAR5LUC</a:t>
-            </a:r>
-          </a:p>
-          <a:p>
-            <a:pPr marL="171450" indent="-171450">
-              <a:buFont typeface="Arial" panose="020B0604020202020204" pitchFamily="34" charset="0"/>
-              <a:buChar char="•"/>
-            </a:pPr>
-            <a:r>
-              <a:rPr lang="en-US" altLang="en-US" sz="1050">
-                <a:latin typeface="+mn-lt"/>
-              </a:rPr>
-              <a:t>emissNonCO2ByResProdGTPAR5</a:t>
-            </a:r>
-          </a:p>
-          <a:p>
-            <a:pPr marL="171450" indent="-171450">
-              <a:buFont typeface="Arial" panose="020B0604020202020204" pitchFamily="34" charset="0"/>
-              <a:buChar char="•"/>
-            </a:pPr>
-            <a:r>
-              <a:rPr lang="en-US" altLang="en-US" sz="1050">
-                <a:latin typeface="+mn-lt"/>
-              </a:rPr>
-              <a:t>emissMethaneBySourceGTPAR5</a:t>
-            </a:r>
-          </a:p>
-          <a:p>
-            <a:pPr marL="171450" indent="-171450">
-              <a:buFont typeface="Arial" panose="020B0604020202020204" pitchFamily="34" charset="0"/>
-              <a:buChar char="•"/>
-            </a:pPr>
-            <a:r>
-              <a:rPr lang="en-US" altLang="en-US" sz="1050">
-                <a:latin typeface="+mn-lt"/>
-              </a:rPr>
-              <a:t>emissByGasGTPAR5FFI</a:t>
-            </a:r>
-          </a:p>
-          <a:p>
-            <a:pPr marL="171450" indent="-171450">
-              <a:buFont typeface="Arial" panose="020B0604020202020204" pitchFamily="34" charset="0"/>
-              <a:buChar char="•"/>
-            </a:pPr>
-            <a:r>
-              <a:rPr lang="en-US" altLang="en-US" sz="1050">
-                <a:latin typeface="+mn-lt"/>
-              </a:rPr>
-              <a:t>emissByGasGTPAR5LUC</a:t>
-            </a:r>
-          </a:p>
-          <a:p>
-            <a:pPr marL="171450" indent="-171450">
-              <a:buFont typeface="Arial" panose="020B0604020202020204" pitchFamily="34" charset="0"/>
-              <a:buChar char="•"/>
-            </a:pPr>
-            <a:r>
-              <a:rPr lang="en-US" altLang="en-US" sz="1050">
-                <a:latin typeface="+mn-lt"/>
-              </a:rPr>
-              <a:t>emissBySectorGTPAR5FFI</a:t>
-            </a:r>
-          </a:p>
-          <a:p>
-            <a:pPr marL="171450" indent="-171450">
-              <a:buFont typeface="Arial" panose="020B0604020202020204" pitchFamily="34" charset="0"/>
-              <a:buChar char="•"/>
-            </a:pPr>
-            <a:r>
-              <a:rPr lang="en-US" altLang="en-US" sz="1050">
-                <a:latin typeface="+mn-lt"/>
-              </a:rPr>
-              <a:t>emissBySectorGTPAR5LUC</a:t>
-            </a:r>
-          </a:p>
-        </p:txBody>
-      </p:sp>
-      <p:sp>
-        <p:nvSpPr>
-          <p:cNvPr id="10" name="TextBox 9">
-            <a:extLst>
-              <a:ext uri="{FF2B5EF4-FFF2-40B4-BE49-F238E27FC236}">
-                <a16:creationId xmlns:a16="http://schemas.microsoft.com/office/drawing/2014/main" id="{11BBF495-EC10-4E41-938D-C41D6846FC07}"/>
-              </a:ext>
-            </a:extLst>
-          </p:cNvPr>
-          <p:cNvSpPr txBox="1"/>
-          <p:nvPr/>
-        </p:nvSpPr>
-        <p:spPr>
-          <a:xfrm>
-            <a:off x="9270444" y="522578"/>
-            <a:ext cx="2216370" cy="2006255"/>
-          </a:xfrm>
-          <a:prstGeom prst="rect">
-            <a:avLst/>
-          </a:prstGeom>
-          <a:noFill/>
-        </p:spPr>
-        <p:txBody>
-          <a:bodyPr wrap="square" rtlCol="0">
-            <a:spAutoFit/>
-          </a:bodyPr>
-          <a:lstStyle>
-            <a:defPPr>
-              <a:defRPr lang="en-US"/>
-            </a:defPPr>
-            <a:lvl1pPr>
-              <a:lnSpc>
-                <a:spcPct val="150000"/>
-              </a:lnSpc>
-              <a:defRPr sz="900">
-                <a:latin typeface="Consolas" panose="020B0609020204030204" pitchFamily="49" charset="0"/>
-              </a:defRPr>
-            </a:lvl1pPr>
-          </a:lstStyle>
-          <a:p>
-            <a:pPr algn="ctr"/>
-            <a:r>
-              <a:rPr lang="en-US" altLang="en-US" sz="1050" b="1" u="sng">
-                <a:latin typeface="+mn-lt"/>
-              </a:rPr>
-              <a:t>water</a:t>
-            </a:r>
-          </a:p>
-          <a:p>
-            <a:pPr marL="171450" indent="-171450">
-              <a:buFont typeface="Arial" panose="020B0604020202020204" pitchFamily="34" charset="0"/>
-              <a:buChar char="•"/>
-            </a:pPr>
-            <a:r>
-              <a:rPr lang="en-US" altLang="en-US" sz="1050">
-                <a:latin typeface="+mn-lt"/>
-              </a:rPr>
-              <a:t>watConsumBySec</a:t>
-            </a:r>
-          </a:p>
-          <a:p>
-            <a:pPr marL="171450" indent="-171450">
-              <a:buFont typeface="Arial" panose="020B0604020202020204" pitchFamily="34" charset="0"/>
-              <a:buChar char="•"/>
-            </a:pPr>
-            <a:r>
-              <a:rPr lang="en-US" altLang="en-US" sz="1050">
-                <a:latin typeface="+mn-lt"/>
-              </a:rPr>
-              <a:t>watWithdrawBySec</a:t>
-            </a:r>
-          </a:p>
-          <a:p>
-            <a:pPr marL="171450" indent="-171450">
-              <a:buFont typeface="Arial" panose="020B0604020202020204" pitchFamily="34" charset="0"/>
-              <a:buChar char="•"/>
-            </a:pPr>
-            <a:r>
-              <a:rPr lang="en-US" altLang="en-US" sz="1050">
-                <a:latin typeface="+mn-lt"/>
-              </a:rPr>
-              <a:t>watWithdrawByCrop</a:t>
-            </a:r>
-          </a:p>
-          <a:p>
-            <a:pPr marL="171450" indent="-171450">
-              <a:buFont typeface="Arial" panose="020B0604020202020204" pitchFamily="34" charset="0"/>
-              <a:buChar char="•"/>
-            </a:pPr>
-            <a:r>
-              <a:rPr lang="en-US" altLang="en-US" sz="1050">
-                <a:latin typeface="+mn-lt"/>
-              </a:rPr>
-              <a:t>watBioPhysCons</a:t>
-            </a:r>
-          </a:p>
-          <a:p>
-            <a:pPr marL="171450" indent="-171450">
-              <a:buFont typeface="Arial" panose="020B0604020202020204" pitchFamily="34" charset="0"/>
-              <a:buChar char="•"/>
-            </a:pPr>
-            <a:r>
-              <a:rPr lang="en-US" altLang="en-US" sz="1050">
-                <a:latin typeface="+mn-lt"/>
-              </a:rPr>
-              <a:t>watIrrWithdrawBasin</a:t>
-            </a:r>
-          </a:p>
-          <a:p>
-            <a:pPr marL="171450" indent="-171450">
-              <a:buFont typeface="Arial" panose="020B0604020202020204" pitchFamily="34" charset="0"/>
-              <a:buChar char="•"/>
-            </a:pPr>
-            <a:r>
-              <a:rPr lang="en-US" altLang="en-US" sz="1050">
-                <a:latin typeface="+mn-lt"/>
-              </a:rPr>
-              <a:t>watIrrConsBasin</a:t>
-            </a:r>
-          </a:p>
-          <a:p>
-            <a:pPr marL="171450" indent="-171450">
-              <a:buFont typeface="Arial" panose="020B0604020202020204" pitchFamily="34" charset="0"/>
-              <a:buChar char="•"/>
-            </a:pPr>
-            <a:r>
-              <a:rPr lang="en-US" altLang="en-US" sz="1050">
-                <a:latin typeface="+mn-lt"/>
-              </a:rPr>
-              <a:t>watSupRunoffBasin</a:t>
-            </a:r>
-          </a:p>
-        </p:txBody>
-      </p:sp>
-      <p:sp>
-        <p:nvSpPr>
-          <p:cNvPr id="11" name="Rectangle 10">
-            <a:extLst>
-              <a:ext uri="{FF2B5EF4-FFF2-40B4-BE49-F238E27FC236}">
-                <a16:creationId xmlns:a16="http://schemas.microsoft.com/office/drawing/2014/main" id="{F7432040-3975-4A47-9851-71C7544179DB}"/>
+                <a16:creationId xmlns:a16="http://schemas.microsoft.com/office/drawing/2014/main" id="{80047060-3AA7-4699-9EAE-4E3F4573EEA2}"/>
               </a:ext>
             </a:extLst>
           </p:cNvPr>
@@ -15522,8 +15941,8 @@
         </p:nvSpPr>
         <p:spPr>
           <a:xfrm>
-            <a:off x="497520" y="522577"/>
-            <a:ext cx="10466402" cy="5691791"/>
+            <a:off x="442452" y="117988"/>
+            <a:ext cx="11444747" cy="6548284"/>
           </a:xfrm>
           <a:prstGeom prst="rect">
             <a:avLst/>
@@ -15562,12 +15981,84 @@
           </a:p>
         </p:txBody>
       </p:sp>
+      <p:pic>
+        <p:nvPicPr>
+          <p:cNvPr id="4" name="Picture 3" descr="A close up of a map&#10;&#10;Description automatically generated">
+            <a:extLst>
+              <a:ext uri="{FF2B5EF4-FFF2-40B4-BE49-F238E27FC236}">
+                <a16:creationId xmlns:a16="http://schemas.microsoft.com/office/drawing/2014/main" id="{54953583-8DC0-4DC1-9C80-59364DCE9939}"/>
+              </a:ext>
+            </a:extLst>
+          </p:cNvPr>
+          <p:cNvPicPr>
+            <a:picLocks noChangeAspect="1"/>
+          </p:cNvPicPr>
+          <p:nvPr/>
+        </p:nvPicPr>
+        <p:blipFill>
+          <a:blip r:embed="rId2">
+            <a:extLst>
+              <a:ext uri="{28A0092B-C50C-407E-A947-70E740481C1C}">
+                <a14:useLocalDpi xmlns:a14="http://schemas.microsoft.com/office/drawing/2010/main" val="0"/>
+              </a:ext>
+            </a:extLst>
+          </a:blip>
+          <a:stretch>
+            <a:fillRect/>
+          </a:stretch>
+        </p:blipFill>
+        <p:spPr>
+          <a:xfrm>
+            <a:off x="592175" y="545082"/>
+            <a:ext cx="7331022" cy="3993389"/>
+          </a:xfrm>
+          <a:prstGeom prst="rect">
+            <a:avLst/>
+          </a:prstGeom>
+        </p:spPr>
+      </p:pic>
+      <p:pic>
+        <p:nvPicPr>
+          <p:cNvPr id="6" name="Picture 5" descr="A picture containing text, map&#10;&#10;Description automatically generated">
+            <a:extLst>
+              <a:ext uri="{FF2B5EF4-FFF2-40B4-BE49-F238E27FC236}">
+                <a16:creationId xmlns:a16="http://schemas.microsoft.com/office/drawing/2014/main" id="{949EBDC5-4E80-425B-84EA-DDBD3A9647A4}"/>
+              </a:ext>
+            </a:extLst>
+          </p:cNvPr>
+          <p:cNvPicPr>
+            <a:picLocks noChangeAspect="1"/>
+          </p:cNvPicPr>
+          <p:nvPr/>
+        </p:nvPicPr>
+        <p:blipFill>
+          <a:blip r:embed="rId3">
+            <a:extLst>
+              <a:ext uri="{28A0092B-C50C-407E-A947-70E740481C1C}">
+                <a14:useLocalDpi xmlns:a14="http://schemas.microsoft.com/office/drawing/2010/main" val="0"/>
+              </a:ext>
+            </a:extLst>
+          </a:blip>
+          <a:stretch>
+            <a:fillRect/>
+          </a:stretch>
+        </p:blipFill>
+        <p:spPr>
+          <a:xfrm>
+            <a:off x="4257686" y="3783081"/>
+            <a:ext cx="7525130" cy="2748571"/>
+          </a:xfrm>
+          <a:prstGeom prst="rect">
+            <a:avLst/>
+          </a:prstGeom>
+        </p:spPr>
+      </p:pic>
       <p:sp>
         <p:nvSpPr>
-          <p:cNvPr id="12" name="TextBox 11">
+          <p:cNvPr id="9" name="TextBox 8">
             <a:extLst>
               <a:ext uri="{FF2B5EF4-FFF2-40B4-BE49-F238E27FC236}">
-                <a16:creationId xmlns:a16="http://schemas.microsoft.com/office/drawing/2014/main" id="{F1498920-CEE6-468A-B822-668FDD52D7A2}"/>
+                <a16:creationId xmlns:a16="http://schemas.microsoft.com/office/drawing/2014/main" id="{65A82A39-C97E-4486-BF84-AD752A7FF992}"/>
               </a:ext>
             </a:extLst>
           </p:cNvPr>
@@ -15576,8 +16067,8 @@
         </p:nvSpPr>
         <p:spPr>
           <a:xfrm>
-            <a:off x="192163" y="128664"/>
-            <a:ext cx="2066223" cy="369332"/>
+            <a:off x="1556139" y="175750"/>
+            <a:ext cx="4210816" cy="369332"/>
           </a:xfrm>
           <a:prstGeom prst="rect">
             <a:avLst/>
@@ -15593,7 +16084,43 @@
             <a:pPr algn="ctr"/>
             <a:r>
               <a:rPr lang="en-US" b="1"/>
-              <a:t>Param List</a:t>
+              <a:t>Electricity Generation SSP5 by Class 2040</a:t>
+            </a:r>
+          </a:p>
+        </p:txBody>
+      </p:sp>
+      <p:sp>
+        <p:nvSpPr>
+          <p:cNvPr id="10" name="TextBox 9">
+            <a:extLst>
+              <a:ext uri="{FF2B5EF4-FFF2-40B4-BE49-F238E27FC236}">
+                <a16:creationId xmlns:a16="http://schemas.microsoft.com/office/drawing/2014/main" id="{52335815-A0C2-4151-96C4-FDD5E5395A04}"/>
+              </a:ext>
+            </a:extLst>
+          </p:cNvPr>
+          <p:cNvSpPr txBox="1"/>
+          <p:nvPr/>
+        </p:nvSpPr>
+        <p:spPr>
+          <a:xfrm>
+            <a:off x="5929124" y="3429000"/>
+            <a:ext cx="3976074" cy="369332"/>
+          </a:xfrm>
+          <a:prstGeom prst="rect">
+            <a:avLst/>
+          </a:prstGeom>
+          <a:noFill/>
+        </p:spPr>
+        <p:txBody>
+          <a:bodyPr wrap="square" rtlCol="0">
+            <a:spAutoFit/>
+          </a:bodyPr>
+          <a:lstStyle/>
+          <a:p>
+            <a:pPr algn="ctr"/>
+            <a:r>
+              <a:rPr lang="en-US" b="1"/>
+              <a:t>Land Allocation SSP5 by Class 2040</a:t>
             </a:r>
           </a:p>
         </p:txBody>
@@ -15601,7 +16128,7 @@
     </p:spTree>
     <p:extLst>
       <p:ext uri="{BB962C8B-B14F-4D97-AF65-F5344CB8AC3E}">
-        <p14:creationId xmlns:p14="http://schemas.microsoft.com/office/powerpoint/2010/main" val="3345794904"/>
+        <p14:creationId xmlns:p14="http://schemas.microsoft.com/office/powerpoint/2010/main" val="1298961020"/>
       </p:ext>
     </p:extLst>
   </p:cSld>
@@ -15611,7 +16138,64 @@
 </p:sld>
 </file>
 
-<file path=ppt/slides/slide40.xml><?xml version="1.0" encoding="utf-8"?>
+<file path=ppt/slides/slide41.xml><?xml version="1.0" encoding="utf-8"?>
+<p:sld xmlns:a="http://schemas.openxmlformats.org/drawingml/2006/main" xmlns:r="http://schemas.openxmlformats.org/officeDocument/2006/relationships" xmlns:p="http://schemas.openxmlformats.org/presentationml/2006/main">
+  <p:cSld>
+    <p:spTree>
+      <p:nvGrpSpPr>
+        <p:cNvPr id="1" name=""/>
+        <p:cNvGrpSpPr/>
+        <p:nvPr/>
+      </p:nvGrpSpPr>
+      <p:grpSpPr>
+        <a:xfrm>
+          <a:off x="0" y="0"/>
+          <a:ext cx="0" cy="0"/>
+          <a:chOff x="0" y="0"/>
+          <a:chExt cx="0" cy="0"/>
+        </a:xfrm>
+      </p:grpSpPr>
+      <p:sp>
+        <p:nvSpPr>
+          <p:cNvPr id="2" name="Title 1"/>
+          <p:cNvSpPr>
+            <a:spLocks noGrp="1"/>
+          </p:cNvSpPr>
+          <p:nvPr>
+            <p:ph type="title"/>
+          </p:nvPr>
+        </p:nvSpPr>
+        <p:spPr>
+          <a:xfrm>
+            <a:off x="784860" y="1721485"/>
+            <a:ext cx="10515600" cy="1325563"/>
+          </a:xfrm>
+        </p:spPr>
+        <p:txBody>
+          <a:bodyPr/>
+          <a:lstStyle/>
+          <a:p>
+            <a:r>
+              <a:rPr lang="en-US" dirty="0"/>
+              <a:t>Figures for grid2poly</a:t>
+            </a:r>
+          </a:p>
+        </p:txBody>
+      </p:sp>
+    </p:spTree>
+    <p:extLst>
+      <p:ext uri="{BB962C8B-B14F-4D97-AF65-F5344CB8AC3E}">
+        <p14:creationId xmlns:p14="http://schemas.microsoft.com/office/powerpoint/2010/main" val="2851378575"/>
+      </p:ext>
+    </p:extLst>
+  </p:cSld>
+  <p:clrMapOvr>
+    <a:masterClrMapping/>
+  </p:clrMapOvr>
+</p:sld>
+</file>
+
+<file path=ppt/slides/slide42.xml><?xml version="1.0" encoding="utf-8"?>
 <p:sld xmlns:a="http://schemas.openxmlformats.org/drawingml/2006/main" xmlns:r="http://schemas.openxmlformats.org/officeDocument/2006/relationships" xmlns:p="http://schemas.openxmlformats.org/presentationml/2006/main">
   <p:cSld>
     <p:spTree>
@@ -17680,7 +18264,7 @@
 </p:sld>
 </file>
 
-<file path=ppt/slides/slide41.xml><?xml version="1.0" encoding="utf-8"?>
+<file path=ppt/slides/slide43.xml><?xml version="1.0" encoding="utf-8"?>
 <p:sld xmlns:a="http://schemas.openxmlformats.org/drawingml/2006/main" xmlns:r="http://schemas.openxmlformats.org/officeDocument/2006/relationships" xmlns:p="http://schemas.openxmlformats.org/presentationml/2006/main">
   <p:cSld>
     <p:spTree>
@@ -18596,7 +19180,7 @@
 </p:sld>
 </file>
 
-<file path=ppt/slides/slide42.xml><?xml version="1.0" encoding="utf-8"?>
+<file path=ppt/slides/slide44.xml><?xml version="1.0" encoding="utf-8"?>
 <p:sld xmlns:a="http://schemas.openxmlformats.org/drawingml/2006/main" xmlns:r="http://schemas.openxmlformats.org/officeDocument/2006/relationships" xmlns:p="http://schemas.openxmlformats.org/presentationml/2006/main">
   <p:cSld>
     <p:spTree>
@@ -25452,7 +26036,7 @@
 </p:sld>
 </file>
 
-<file path=ppt/slides/slide43.xml><?xml version="1.0" encoding="utf-8"?>
+<file path=ppt/slides/slide45.xml><?xml version="1.0" encoding="utf-8"?>
 <p:sld xmlns:a="http://schemas.openxmlformats.org/drawingml/2006/main" xmlns:r="http://schemas.openxmlformats.org/officeDocument/2006/relationships" xmlns:p="http://schemas.openxmlformats.org/presentationml/2006/main">
   <p:cSld>
     <p:spTree>

--- a/vignettes/vignetteFigs/00vignetteFigs.pptx
+++ b/vignettes/vignetteFigs/00vignetteFigs.pptx
@@ -5,7 +5,7 @@
     <p:sldMasterId id="2147483648" r:id="rId1"/>
   </p:sldMasterIdLst>
   <p:notesMasterIdLst>
-    <p:notesMasterId r:id="rId47"/>
+    <p:notesMasterId r:id="rId48"/>
   </p:notesMasterIdLst>
   <p:sldIdLst>
     <p:sldId id="260" r:id="rId2"/>
@@ -44,15 +44,16 @@
     <p:sldId id="284" r:id="rId35"/>
     <p:sldId id="310" r:id="rId36"/>
     <p:sldId id="311" r:id="rId37"/>
-    <p:sldId id="309" r:id="rId38"/>
-    <p:sldId id="291" r:id="rId39"/>
-    <p:sldId id="292" r:id="rId40"/>
-    <p:sldId id="293" r:id="rId41"/>
-    <p:sldId id="297" r:id="rId42"/>
-    <p:sldId id="301" r:id="rId43"/>
-    <p:sldId id="300" r:id="rId44"/>
-    <p:sldId id="298" r:id="rId45"/>
-    <p:sldId id="302" r:id="rId46"/>
+    <p:sldId id="313" r:id="rId38"/>
+    <p:sldId id="309" r:id="rId39"/>
+    <p:sldId id="291" r:id="rId40"/>
+    <p:sldId id="292" r:id="rId41"/>
+    <p:sldId id="293" r:id="rId42"/>
+    <p:sldId id="297" r:id="rId43"/>
+    <p:sldId id="301" r:id="rId44"/>
+    <p:sldId id="300" r:id="rId45"/>
+    <p:sldId id="298" r:id="rId46"/>
+    <p:sldId id="302" r:id="rId47"/>
   </p:sldIdLst>
   <p:sldSz cx="12192000" cy="6858000"/>
   <p:notesSz cx="6858000" cy="9144000"/>
@@ -241,7 +242,7 @@
           <a:p>
             <a:fld id="{921607FB-4AF3-41D9-93C1-AF2B65302971}" type="datetimeFigureOut">
               <a:rPr lang="en-US" smtClean="0"/>
-              <a:t>1/15/2021</a:t>
+              <a:t>1/22/2021</a:t>
             </a:fld>
             <a:endParaRPr lang="en-US"/>
           </a:p>
@@ -637,7 +638,7 @@
           <a:p>
             <a:fld id="{11D67388-0790-496E-9A12-37055489AF4F}" type="datetimeFigureOut">
               <a:rPr lang="en-US" smtClean="0"/>
-              <a:t>1/15/2021</a:t>
+              <a:t>1/22/2021</a:t>
             </a:fld>
             <a:endParaRPr lang="en-US"/>
           </a:p>
@@ -805,7 +806,7 @@
           <a:p>
             <a:fld id="{11D67388-0790-496E-9A12-37055489AF4F}" type="datetimeFigureOut">
               <a:rPr lang="en-US" smtClean="0"/>
-              <a:t>1/15/2021</a:t>
+              <a:t>1/22/2021</a:t>
             </a:fld>
             <a:endParaRPr lang="en-US"/>
           </a:p>
@@ -983,7 +984,7 @@
           <a:p>
             <a:fld id="{11D67388-0790-496E-9A12-37055489AF4F}" type="datetimeFigureOut">
               <a:rPr lang="en-US" smtClean="0"/>
-              <a:t>1/15/2021</a:t>
+              <a:t>1/22/2021</a:t>
             </a:fld>
             <a:endParaRPr lang="en-US"/>
           </a:p>
@@ -1151,7 +1152,7 @@
           <a:p>
             <a:fld id="{11D67388-0790-496E-9A12-37055489AF4F}" type="datetimeFigureOut">
               <a:rPr lang="en-US" smtClean="0"/>
-              <a:t>1/15/2021</a:t>
+              <a:t>1/22/2021</a:t>
             </a:fld>
             <a:endParaRPr lang="en-US"/>
           </a:p>
@@ -1396,7 +1397,7 @@
           <a:p>
             <a:fld id="{11D67388-0790-496E-9A12-37055489AF4F}" type="datetimeFigureOut">
               <a:rPr lang="en-US" smtClean="0"/>
-              <a:t>1/15/2021</a:t>
+              <a:t>1/22/2021</a:t>
             </a:fld>
             <a:endParaRPr lang="en-US"/>
           </a:p>
@@ -1625,7 +1626,7 @@
           <a:p>
             <a:fld id="{11D67388-0790-496E-9A12-37055489AF4F}" type="datetimeFigureOut">
               <a:rPr lang="en-US" smtClean="0"/>
-              <a:t>1/15/2021</a:t>
+              <a:t>1/22/2021</a:t>
             </a:fld>
             <a:endParaRPr lang="en-US"/>
           </a:p>
@@ -1989,7 +1990,7 @@
           <a:p>
             <a:fld id="{11D67388-0790-496E-9A12-37055489AF4F}" type="datetimeFigureOut">
               <a:rPr lang="en-US" smtClean="0"/>
-              <a:t>1/15/2021</a:t>
+              <a:t>1/22/2021</a:t>
             </a:fld>
             <a:endParaRPr lang="en-US"/>
           </a:p>
@@ -2106,7 +2107,7 @@
           <a:p>
             <a:fld id="{11D67388-0790-496E-9A12-37055489AF4F}" type="datetimeFigureOut">
               <a:rPr lang="en-US" smtClean="0"/>
-              <a:t>1/15/2021</a:t>
+              <a:t>1/22/2021</a:t>
             </a:fld>
             <a:endParaRPr lang="en-US"/>
           </a:p>
@@ -2201,7 +2202,7 @@
           <a:p>
             <a:fld id="{11D67388-0790-496E-9A12-37055489AF4F}" type="datetimeFigureOut">
               <a:rPr lang="en-US" smtClean="0"/>
-              <a:t>1/15/2021</a:t>
+              <a:t>1/22/2021</a:t>
             </a:fld>
             <a:endParaRPr lang="en-US"/>
           </a:p>
@@ -2476,7 +2477,7 @@
           <a:p>
             <a:fld id="{11D67388-0790-496E-9A12-37055489AF4F}" type="datetimeFigureOut">
               <a:rPr lang="en-US" smtClean="0"/>
-              <a:t>1/15/2021</a:t>
+              <a:t>1/22/2021</a:t>
             </a:fld>
             <a:endParaRPr lang="en-US"/>
           </a:p>
@@ -2728,7 +2729,7 @@
           <a:p>
             <a:fld id="{11D67388-0790-496E-9A12-37055489AF4F}" type="datetimeFigureOut">
               <a:rPr lang="en-US" smtClean="0"/>
-              <a:t>1/15/2021</a:t>
+              <a:t>1/22/2021</a:t>
             </a:fld>
             <a:endParaRPr lang="en-US"/>
           </a:p>
@@ -2939,7 +2940,7 @@
           <a:p>
             <a:fld id="{11D67388-0790-496E-9A12-37055489AF4F}" type="datetimeFigureOut">
               <a:rPr lang="en-US" smtClean="0"/>
-              <a:t>1/15/2021</a:t>
+              <a:t>1/22/2021</a:t>
             </a:fld>
             <a:endParaRPr lang="en-US"/>
           </a:p>
@@ -12563,8 +12564,8 @@
         </p:nvSpPr>
         <p:spPr>
           <a:xfrm>
-            <a:off x="4386508" y="1392517"/>
-            <a:ext cx="3209405" cy="307777"/>
+            <a:off x="4013529" y="1413095"/>
+            <a:ext cx="4781555" cy="307777"/>
           </a:xfrm>
           <a:prstGeom prst="rect">
             <a:avLst/>
@@ -12584,7 +12585,7 @@
             </a:r>
             <a:r>
               <a:rPr lang="en-US" sz="1400" b="1" dirty="0"/>
-              <a:t> = "left",</a:t>
+              <a:t> = "left“ for KMEANS or PRETTY Maps</a:t>
             </a:r>
           </a:p>
         </p:txBody>
@@ -12603,8 +12604,8 @@
         </p:nvSpPr>
         <p:spPr>
           <a:xfrm>
-            <a:off x="4386509" y="3809634"/>
-            <a:ext cx="3209405" cy="307777"/>
+            <a:off x="3901198" y="3860131"/>
+            <a:ext cx="4721396" cy="307777"/>
           </a:xfrm>
           <a:prstGeom prst="rect">
             <a:avLst/>
@@ -12632,7 +12633,7 @@
             </a:r>
             <a:r>
               <a:rPr lang="en-US" sz="1400" b="1" dirty="0"/>
-              <a:t>')</a:t>
+              <a:t>’) for FREESCALE Maps</a:t>
             </a:r>
           </a:p>
         </p:txBody>
@@ -12681,8 +12682,8 @@
         </p:nvSpPr>
         <p:spPr>
           <a:xfrm>
-            <a:off x="192163" y="128664"/>
-            <a:ext cx="2066223" cy="369332"/>
+            <a:off x="-540198" y="-684744"/>
+            <a:ext cx="3790290" cy="369332"/>
           </a:xfrm>
           <a:prstGeom prst="rect">
             <a:avLst/>
@@ -12698,83 +12699,11 @@
             <a:pPr algn="ctr"/>
             <a:r>
               <a:rPr lang="en-US" b="1" dirty="0"/>
-              <a:t>Numeric2Cat</a:t>
+              <a:t>Legend Customization Breaks</a:t>
             </a:r>
           </a:p>
         </p:txBody>
       </p:sp>
-      <p:pic>
-        <p:nvPicPr>
-          <p:cNvPr id="3" name="Picture 2" descr="Map&#10;&#10;Description automatically generated">
-            <a:extLst>
-              <a:ext uri="{FF2B5EF4-FFF2-40B4-BE49-F238E27FC236}">
-                <a16:creationId xmlns:a16="http://schemas.microsoft.com/office/drawing/2014/main" id="{3B6F4D65-C9E5-4E0B-BB5A-0DF8509A29C0}"/>
-              </a:ext>
-            </a:extLst>
-          </p:cNvPr>
-          <p:cNvPicPr>
-            <a:picLocks noChangeAspect="1"/>
-          </p:cNvPicPr>
-          <p:nvPr/>
-        </p:nvPicPr>
-        <p:blipFill>
-          <a:blip r:embed="rId2" cstate="print">
-            <a:extLst>
-              <a:ext uri="{28A0092B-C50C-407E-A947-70E740481C1C}">
-                <a14:useLocalDpi xmlns:a14="http://schemas.microsoft.com/office/drawing/2010/main" val="0"/>
-              </a:ext>
-            </a:extLst>
-          </a:blip>
-          <a:stretch>
-            <a:fillRect/>
-          </a:stretch>
-        </p:blipFill>
-        <p:spPr>
-          <a:xfrm>
-            <a:off x="761658" y="1884222"/>
-            <a:ext cx="4661997" cy="2479231"/>
-          </a:xfrm>
-          <a:prstGeom prst="rect">
-            <a:avLst/>
-          </a:prstGeom>
-        </p:spPr>
-      </p:pic>
-      <p:pic>
-        <p:nvPicPr>
-          <p:cNvPr id="8" name="Picture 7" descr="Map&#10;&#10;Description automatically generated">
-            <a:extLst>
-              <a:ext uri="{FF2B5EF4-FFF2-40B4-BE49-F238E27FC236}">
-                <a16:creationId xmlns:a16="http://schemas.microsoft.com/office/drawing/2014/main" id="{7215B5F1-79F3-42C3-B624-349FA1CA4897}"/>
-              </a:ext>
-            </a:extLst>
-          </p:cNvPr>
-          <p:cNvPicPr>
-            <a:picLocks noChangeAspect="1"/>
-          </p:cNvPicPr>
-          <p:nvPr/>
-        </p:nvPicPr>
-        <p:blipFill>
-          <a:blip r:embed="rId3" cstate="print">
-            <a:extLst>
-              <a:ext uri="{28A0092B-C50C-407E-A947-70E740481C1C}">
-                <a14:useLocalDpi xmlns:a14="http://schemas.microsoft.com/office/drawing/2010/main" val="0"/>
-              </a:ext>
-            </a:extLst>
-          </a:blip>
-          <a:stretch>
-            <a:fillRect/>
-          </a:stretch>
-        </p:blipFill>
-        <p:spPr>
-          <a:xfrm>
-            <a:off x="5941833" y="1884222"/>
-            <a:ext cx="5522072" cy="2479231"/>
-          </a:xfrm>
-          <a:prstGeom prst="rect">
-            <a:avLst/>
-          </a:prstGeom>
-        </p:spPr>
-      </p:pic>
       <p:sp>
         <p:nvSpPr>
           <p:cNvPr id="10" name="Rectangle 9">
@@ -12789,8 +12718,8 @@
         </p:nvSpPr>
         <p:spPr>
           <a:xfrm>
-            <a:off x="409073" y="1608221"/>
-            <a:ext cx="11285621" cy="3104147"/>
+            <a:off x="144037" y="221381"/>
+            <a:ext cx="11767226" cy="6335830"/>
           </a:xfrm>
           <a:prstGeom prst="rect">
             <a:avLst/>
@@ -12829,6 +12758,710 @@
           </a:p>
         </p:txBody>
       </p:sp>
+      <p:pic>
+        <p:nvPicPr>
+          <p:cNvPr id="4" name="Picture 3" descr="Map&#10;&#10;Description automatically generated">
+            <a:extLst>
+              <a:ext uri="{FF2B5EF4-FFF2-40B4-BE49-F238E27FC236}">
+                <a16:creationId xmlns:a16="http://schemas.microsoft.com/office/drawing/2014/main" id="{702A5922-C552-400E-9FE2-354B20B15D94}"/>
+              </a:ext>
+            </a:extLst>
+          </p:cNvPr>
+          <p:cNvPicPr>
+            <a:picLocks noChangeAspect="1"/>
+          </p:cNvPicPr>
+          <p:nvPr/>
+        </p:nvPicPr>
+        <p:blipFill>
+          <a:blip r:embed="rId2" cstate="print">
+            <a:extLst>
+              <a:ext uri="{28A0092B-C50C-407E-A947-70E740481C1C}">
+                <a14:useLocalDpi xmlns:a14="http://schemas.microsoft.com/office/drawing/2010/main" val="0"/>
+              </a:ext>
+            </a:extLst>
+          </a:blip>
+          <a:stretch>
+            <a:fillRect/>
+          </a:stretch>
+        </p:blipFill>
+        <p:spPr>
+          <a:xfrm>
+            <a:off x="8572248" y="858458"/>
+            <a:ext cx="3094015" cy="2245690"/>
+          </a:xfrm>
+          <a:prstGeom prst="rect">
+            <a:avLst/>
+          </a:prstGeom>
+        </p:spPr>
+      </p:pic>
+      <p:pic>
+        <p:nvPicPr>
+          <p:cNvPr id="6" name="Picture 5" descr="Map&#10;&#10;Description automatically generated">
+            <a:extLst>
+              <a:ext uri="{FF2B5EF4-FFF2-40B4-BE49-F238E27FC236}">
+                <a16:creationId xmlns:a16="http://schemas.microsoft.com/office/drawing/2014/main" id="{BD1847ED-78DA-4EE2-9F6B-DF61A4781AA1}"/>
+              </a:ext>
+            </a:extLst>
+          </p:cNvPr>
+          <p:cNvPicPr>
+            <a:picLocks noChangeAspect="1"/>
+          </p:cNvPicPr>
+          <p:nvPr/>
+        </p:nvPicPr>
+        <p:blipFill>
+          <a:blip r:embed="rId3" cstate="print">
+            <a:extLst>
+              <a:ext uri="{28A0092B-C50C-407E-A947-70E740481C1C}">
+                <a14:useLocalDpi xmlns:a14="http://schemas.microsoft.com/office/drawing/2010/main" val="0"/>
+              </a:ext>
+            </a:extLst>
+          </a:blip>
+          <a:stretch>
+            <a:fillRect/>
+          </a:stretch>
+        </p:blipFill>
+        <p:spPr>
+          <a:xfrm>
+            <a:off x="5020709" y="858458"/>
+            <a:ext cx="2920635" cy="2245690"/>
+          </a:xfrm>
+          <a:prstGeom prst="rect">
+            <a:avLst/>
+          </a:prstGeom>
+        </p:spPr>
+      </p:pic>
+      <p:pic>
+        <p:nvPicPr>
+          <p:cNvPr id="11" name="Picture 10" descr="Map&#10;&#10;Description automatically generated">
+            <a:extLst>
+              <a:ext uri="{FF2B5EF4-FFF2-40B4-BE49-F238E27FC236}">
+                <a16:creationId xmlns:a16="http://schemas.microsoft.com/office/drawing/2014/main" id="{D0E51D78-FA86-4E08-9501-CF135CE058B4}"/>
+              </a:ext>
+            </a:extLst>
+          </p:cNvPr>
+          <p:cNvPicPr>
+            <a:picLocks noChangeAspect="1"/>
+          </p:cNvPicPr>
+          <p:nvPr/>
+        </p:nvPicPr>
+        <p:blipFill>
+          <a:blip r:embed="rId4" cstate="print">
+            <a:extLst>
+              <a:ext uri="{28A0092B-C50C-407E-A947-70E740481C1C}">
+                <a14:useLocalDpi xmlns:a14="http://schemas.microsoft.com/office/drawing/2010/main" val="0"/>
+              </a:ext>
+            </a:extLst>
+          </a:blip>
+          <a:stretch>
+            <a:fillRect/>
+          </a:stretch>
+        </p:blipFill>
+        <p:spPr>
+          <a:xfrm>
+            <a:off x="1227212" y="858458"/>
+            <a:ext cx="2920635" cy="2245690"/>
+          </a:xfrm>
+          <a:prstGeom prst="rect">
+            <a:avLst/>
+          </a:prstGeom>
+        </p:spPr>
+      </p:pic>
+      <p:sp>
+        <p:nvSpPr>
+          <p:cNvPr id="12" name="TextBox 11">
+            <a:extLst>
+              <a:ext uri="{FF2B5EF4-FFF2-40B4-BE49-F238E27FC236}">
+                <a16:creationId xmlns:a16="http://schemas.microsoft.com/office/drawing/2014/main" id="{23C84CB3-FB37-4F2D-8606-9612F3166861}"/>
+              </a:ext>
+            </a:extLst>
+          </p:cNvPr>
+          <p:cNvSpPr txBox="1"/>
+          <p:nvPr/>
+        </p:nvSpPr>
+        <p:spPr>
+          <a:xfrm>
+            <a:off x="1306821" y="388470"/>
+            <a:ext cx="2435398" cy="307777"/>
+          </a:xfrm>
+          <a:prstGeom prst="rect">
+            <a:avLst/>
+          </a:prstGeom>
+          <a:noFill/>
+        </p:spPr>
+        <p:txBody>
+          <a:bodyPr wrap="square" rtlCol="0">
+            <a:spAutoFit/>
+          </a:bodyPr>
+          <a:lstStyle/>
+          <a:p>
+            <a:pPr algn="ctr"/>
+            <a:r>
+              <a:rPr lang="en-US" sz="1400" b="1" dirty="0"/>
+              <a:t>Freescale</a:t>
+            </a:r>
+          </a:p>
+        </p:txBody>
+      </p:sp>
+      <p:sp>
+        <p:nvSpPr>
+          <p:cNvPr id="13" name="TextBox 12">
+            <a:extLst>
+              <a:ext uri="{FF2B5EF4-FFF2-40B4-BE49-F238E27FC236}">
+                <a16:creationId xmlns:a16="http://schemas.microsoft.com/office/drawing/2014/main" id="{DDC5C95B-6050-4D14-9B54-E5818678375C}"/>
+              </a:ext>
+            </a:extLst>
+          </p:cNvPr>
+          <p:cNvSpPr txBox="1"/>
+          <p:nvPr/>
+        </p:nvSpPr>
+        <p:spPr>
+          <a:xfrm>
+            <a:off x="5279579" y="388470"/>
+            <a:ext cx="2435398" cy="307777"/>
+          </a:xfrm>
+          <a:prstGeom prst="rect">
+            <a:avLst/>
+          </a:prstGeom>
+          <a:noFill/>
+        </p:spPr>
+        <p:txBody>
+          <a:bodyPr wrap="square" rtlCol="0">
+            <a:spAutoFit/>
+          </a:bodyPr>
+          <a:lstStyle/>
+          <a:p>
+            <a:pPr algn="ctr"/>
+            <a:r>
+              <a:rPr lang="en-US" sz="1400" b="1" dirty="0"/>
+              <a:t>Pretty</a:t>
+            </a:r>
+          </a:p>
+        </p:txBody>
+      </p:sp>
+      <p:sp>
+        <p:nvSpPr>
+          <p:cNvPr id="14" name="TextBox 13">
+            <a:extLst>
+              <a:ext uri="{FF2B5EF4-FFF2-40B4-BE49-F238E27FC236}">
+                <a16:creationId xmlns:a16="http://schemas.microsoft.com/office/drawing/2014/main" id="{482ABEB8-C8BE-4214-812C-A62AA299A9A6}"/>
+              </a:ext>
+            </a:extLst>
+          </p:cNvPr>
+          <p:cNvSpPr txBox="1"/>
+          <p:nvPr/>
+        </p:nvSpPr>
+        <p:spPr>
+          <a:xfrm>
+            <a:off x="8830235" y="386031"/>
+            <a:ext cx="2435398" cy="307777"/>
+          </a:xfrm>
+          <a:prstGeom prst="rect">
+            <a:avLst/>
+          </a:prstGeom>
+          <a:noFill/>
+        </p:spPr>
+        <p:txBody>
+          <a:bodyPr wrap="square" rtlCol="0">
+            <a:spAutoFit/>
+          </a:bodyPr>
+          <a:lstStyle/>
+          <a:p>
+            <a:pPr algn="ctr"/>
+            <a:r>
+              <a:rPr lang="en-US" sz="1400" b="1" dirty="0"/>
+              <a:t>Kmeans</a:t>
+            </a:r>
+          </a:p>
+        </p:txBody>
+      </p:sp>
+      <p:sp>
+        <p:nvSpPr>
+          <p:cNvPr id="15" name="TextBox 14">
+            <a:extLst>
+              <a:ext uri="{FF2B5EF4-FFF2-40B4-BE49-F238E27FC236}">
+                <a16:creationId xmlns:a16="http://schemas.microsoft.com/office/drawing/2014/main" id="{26F1F682-14F8-43CD-8AE9-8A20325DB7FE}"/>
+              </a:ext>
+            </a:extLst>
+          </p:cNvPr>
+          <p:cNvSpPr txBox="1"/>
+          <p:nvPr/>
+        </p:nvSpPr>
+        <p:spPr>
+          <a:xfrm rot="16200000">
+            <a:off x="-580806" y="1827415"/>
+            <a:ext cx="2435398" cy="307777"/>
+          </a:xfrm>
+          <a:prstGeom prst="rect">
+            <a:avLst/>
+          </a:prstGeom>
+          <a:noFill/>
+        </p:spPr>
+        <p:txBody>
+          <a:bodyPr wrap="square" rtlCol="0">
+            <a:spAutoFit/>
+          </a:bodyPr>
+          <a:lstStyle/>
+          <a:p>
+            <a:pPr algn="ctr"/>
+            <a:r>
+              <a:rPr lang="en-US" sz="1400" b="1" dirty="0" err="1"/>
+              <a:t>legendFixedBreaks</a:t>
+            </a:r>
+            <a:r>
+              <a:rPr lang="en-US" sz="1400" b="1" dirty="0"/>
+              <a:t> = 3</a:t>
+            </a:r>
+          </a:p>
+        </p:txBody>
+      </p:sp>
+      <p:sp>
+        <p:nvSpPr>
+          <p:cNvPr id="19" name="TextBox 18">
+            <a:extLst>
+              <a:ext uri="{FF2B5EF4-FFF2-40B4-BE49-F238E27FC236}">
+                <a16:creationId xmlns:a16="http://schemas.microsoft.com/office/drawing/2014/main" id="{1626578C-5E18-430E-8F7A-D05D8831D037}"/>
+              </a:ext>
+            </a:extLst>
+          </p:cNvPr>
+          <p:cNvSpPr txBox="1"/>
+          <p:nvPr/>
+        </p:nvSpPr>
+        <p:spPr>
+          <a:xfrm>
+            <a:off x="1306821" y="3474060"/>
+            <a:ext cx="2435398" cy="307777"/>
+          </a:xfrm>
+          <a:prstGeom prst="rect">
+            <a:avLst/>
+          </a:prstGeom>
+          <a:noFill/>
+        </p:spPr>
+        <p:txBody>
+          <a:bodyPr wrap="square" rtlCol="0">
+            <a:spAutoFit/>
+          </a:bodyPr>
+          <a:lstStyle/>
+          <a:p>
+            <a:pPr algn="ctr"/>
+            <a:r>
+              <a:rPr lang="en-US" sz="1400" b="1" dirty="0"/>
+              <a:t>Freescale</a:t>
+            </a:r>
+          </a:p>
+        </p:txBody>
+      </p:sp>
+      <p:sp>
+        <p:nvSpPr>
+          <p:cNvPr id="20" name="TextBox 19">
+            <a:extLst>
+              <a:ext uri="{FF2B5EF4-FFF2-40B4-BE49-F238E27FC236}">
+                <a16:creationId xmlns:a16="http://schemas.microsoft.com/office/drawing/2014/main" id="{E9FEE197-782D-4E28-9F20-CC09CD97CA5D}"/>
+              </a:ext>
+            </a:extLst>
+          </p:cNvPr>
+          <p:cNvSpPr txBox="1"/>
+          <p:nvPr/>
+        </p:nvSpPr>
+        <p:spPr>
+          <a:xfrm>
+            <a:off x="5279579" y="3474060"/>
+            <a:ext cx="2435398" cy="307777"/>
+          </a:xfrm>
+          <a:prstGeom prst="rect">
+            <a:avLst/>
+          </a:prstGeom>
+          <a:noFill/>
+        </p:spPr>
+        <p:txBody>
+          <a:bodyPr wrap="square" rtlCol="0">
+            <a:spAutoFit/>
+          </a:bodyPr>
+          <a:lstStyle/>
+          <a:p>
+            <a:pPr algn="ctr"/>
+            <a:r>
+              <a:rPr lang="en-US" sz="1400" b="1" dirty="0"/>
+              <a:t>Pretty</a:t>
+            </a:r>
+          </a:p>
+        </p:txBody>
+      </p:sp>
+      <p:sp>
+        <p:nvSpPr>
+          <p:cNvPr id="21" name="TextBox 20">
+            <a:extLst>
+              <a:ext uri="{FF2B5EF4-FFF2-40B4-BE49-F238E27FC236}">
+                <a16:creationId xmlns:a16="http://schemas.microsoft.com/office/drawing/2014/main" id="{F02D0632-C09D-41FD-965A-1B9DB848E310}"/>
+              </a:ext>
+            </a:extLst>
+          </p:cNvPr>
+          <p:cNvSpPr txBox="1"/>
+          <p:nvPr/>
+        </p:nvSpPr>
+        <p:spPr>
+          <a:xfrm>
+            <a:off x="8830235" y="3471621"/>
+            <a:ext cx="2435398" cy="307777"/>
+          </a:xfrm>
+          <a:prstGeom prst="rect">
+            <a:avLst/>
+          </a:prstGeom>
+          <a:noFill/>
+        </p:spPr>
+        <p:txBody>
+          <a:bodyPr wrap="square" rtlCol="0">
+            <a:spAutoFit/>
+          </a:bodyPr>
+          <a:lstStyle/>
+          <a:p>
+            <a:pPr algn="ctr"/>
+            <a:r>
+              <a:rPr lang="en-US" sz="1400" b="1" dirty="0"/>
+              <a:t>Kmeans</a:t>
+            </a:r>
+          </a:p>
+        </p:txBody>
+      </p:sp>
+      <p:sp>
+        <p:nvSpPr>
+          <p:cNvPr id="22" name="TextBox 21">
+            <a:extLst>
+              <a:ext uri="{FF2B5EF4-FFF2-40B4-BE49-F238E27FC236}">
+                <a16:creationId xmlns:a16="http://schemas.microsoft.com/office/drawing/2014/main" id="{7674599C-DB17-434E-A362-5782382ECED2}"/>
+              </a:ext>
+            </a:extLst>
+          </p:cNvPr>
+          <p:cNvSpPr txBox="1"/>
+          <p:nvPr/>
+        </p:nvSpPr>
+        <p:spPr>
+          <a:xfrm rot="16200000">
+            <a:off x="-580806" y="4913005"/>
+            <a:ext cx="2435398" cy="307777"/>
+          </a:xfrm>
+          <a:prstGeom prst="rect">
+            <a:avLst/>
+          </a:prstGeom>
+          <a:noFill/>
+        </p:spPr>
+        <p:txBody>
+          <a:bodyPr wrap="square" rtlCol="0">
+            <a:spAutoFit/>
+          </a:bodyPr>
+          <a:lstStyle/>
+          <a:p>
+            <a:pPr algn="ctr"/>
+            <a:r>
+              <a:rPr lang="en-US" sz="1400" b="1" dirty="0" err="1"/>
+              <a:t>legendFixedBreaks</a:t>
+            </a:r>
+            <a:r>
+              <a:rPr lang="en-US" sz="1400" b="1" dirty="0"/>
+              <a:t> = 3</a:t>
+            </a:r>
+          </a:p>
+        </p:txBody>
+      </p:sp>
+      <p:pic>
+        <p:nvPicPr>
+          <p:cNvPr id="24" name="Picture 23" descr="Map&#10;&#10;Description automatically generated">
+            <a:extLst>
+              <a:ext uri="{FF2B5EF4-FFF2-40B4-BE49-F238E27FC236}">
+                <a16:creationId xmlns:a16="http://schemas.microsoft.com/office/drawing/2014/main" id="{A75B0ED4-9028-42E9-8ED7-F36DD87186E5}"/>
+              </a:ext>
+            </a:extLst>
+          </p:cNvPr>
+          <p:cNvPicPr>
+            <a:picLocks noChangeAspect="1"/>
+          </p:cNvPicPr>
+          <p:nvPr/>
+        </p:nvPicPr>
+        <p:blipFill>
+          <a:blip r:embed="rId5" cstate="print">
+            <a:extLst>
+              <a:ext uri="{28A0092B-C50C-407E-A947-70E740481C1C}">
+                <a14:useLocalDpi xmlns:a14="http://schemas.microsoft.com/office/drawing/2010/main" val="0"/>
+              </a:ext>
+            </a:extLst>
+          </a:blip>
+          <a:stretch>
+            <a:fillRect/>
+          </a:stretch>
+        </p:blipFill>
+        <p:spPr>
+          <a:xfrm>
+            <a:off x="5038124" y="3849194"/>
+            <a:ext cx="2920635" cy="2245690"/>
+          </a:xfrm>
+          <a:prstGeom prst="rect">
+            <a:avLst/>
+          </a:prstGeom>
+        </p:spPr>
+      </p:pic>
+      <p:pic>
+        <p:nvPicPr>
+          <p:cNvPr id="26" name="Picture 25" descr="Map&#10;&#10;Description automatically generated">
+            <a:extLst>
+              <a:ext uri="{FF2B5EF4-FFF2-40B4-BE49-F238E27FC236}">
+                <a16:creationId xmlns:a16="http://schemas.microsoft.com/office/drawing/2014/main" id="{6DF7ABCE-2742-408D-9E59-B7842C8A99DA}"/>
+              </a:ext>
+            </a:extLst>
+          </p:cNvPr>
+          <p:cNvPicPr>
+            <a:picLocks noChangeAspect="1"/>
+          </p:cNvPicPr>
+          <p:nvPr/>
+        </p:nvPicPr>
+        <p:blipFill>
+          <a:blip r:embed="rId6" cstate="print">
+            <a:extLst>
+              <a:ext uri="{28A0092B-C50C-407E-A947-70E740481C1C}">
+                <a14:useLocalDpi xmlns:a14="http://schemas.microsoft.com/office/drawing/2010/main" val="0"/>
+              </a:ext>
+            </a:extLst>
+          </a:blip>
+          <a:stretch>
+            <a:fillRect/>
+          </a:stretch>
+        </p:blipFill>
+        <p:spPr>
+          <a:xfrm>
+            <a:off x="1230892" y="3849194"/>
+            <a:ext cx="3094015" cy="2245690"/>
+          </a:xfrm>
+          <a:prstGeom prst="rect">
+            <a:avLst/>
+          </a:prstGeom>
+        </p:spPr>
+      </p:pic>
+      <p:pic>
+        <p:nvPicPr>
+          <p:cNvPr id="28" name="Picture 27" descr="Map&#10;&#10;Description automatically generated">
+            <a:extLst>
+              <a:ext uri="{FF2B5EF4-FFF2-40B4-BE49-F238E27FC236}">
+                <a16:creationId xmlns:a16="http://schemas.microsoft.com/office/drawing/2014/main" id="{257C0961-85C5-4C4F-A9F7-9A85B0670309}"/>
+              </a:ext>
+            </a:extLst>
+          </p:cNvPr>
+          <p:cNvPicPr>
+            <a:picLocks noChangeAspect="1"/>
+          </p:cNvPicPr>
+          <p:nvPr/>
+        </p:nvPicPr>
+        <p:blipFill>
+          <a:blip r:embed="rId7" cstate="print">
+            <a:extLst>
+              <a:ext uri="{28A0092B-C50C-407E-A947-70E740481C1C}">
+                <a14:useLocalDpi xmlns:a14="http://schemas.microsoft.com/office/drawing/2010/main" val="0"/>
+              </a:ext>
+            </a:extLst>
+          </a:blip>
+          <a:stretch>
+            <a:fillRect/>
+          </a:stretch>
+        </p:blipFill>
+        <p:spPr>
+          <a:xfrm>
+            <a:off x="8572248" y="3849194"/>
+            <a:ext cx="3023838" cy="2245690"/>
+          </a:xfrm>
+          <a:prstGeom prst="rect">
+            <a:avLst/>
+          </a:prstGeom>
+        </p:spPr>
+      </p:pic>
+    </p:spTree>
+    <p:extLst>
+      <p:ext uri="{BB962C8B-B14F-4D97-AF65-F5344CB8AC3E}">
+        <p14:creationId xmlns:p14="http://schemas.microsoft.com/office/powerpoint/2010/main" val="4119142978"/>
+      </p:ext>
+    </p:extLst>
+  </p:cSld>
+  <p:clrMapOvr>
+    <a:masterClrMapping/>
+  </p:clrMapOvr>
+</p:sld>
+</file>
+
+<file path=ppt/slides/slide38.xml><?xml version="1.0" encoding="utf-8"?>
+<p:sld xmlns:a="http://schemas.openxmlformats.org/drawingml/2006/main" xmlns:r="http://schemas.openxmlformats.org/officeDocument/2006/relationships" xmlns:p="http://schemas.openxmlformats.org/presentationml/2006/main">
+  <p:cSld>
+    <p:spTree>
+      <p:nvGrpSpPr>
+        <p:cNvPr id="1" name=""/>
+        <p:cNvGrpSpPr/>
+        <p:nvPr/>
+      </p:nvGrpSpPr>
+      <p:grpSpPr>
+        <a:xfrm>
+          <a:off x="0" y="0"/>
+          <a:ext cx="0" cy="0"/>
+          <a:chOff x="0" y="0"/>
+          <a:chExt cx="0" cy="0"/>
+        </a:xfrm>
+      </p:grpSpPr>
+      <p:sp>
+        <p:nvSpPr>
+          <p:cNvPr id="7" name="TextBox 6">
+            <a:extLst>
+              <a:ext uri="{FF2B5EF4-FFF2-40B4-BE49-F238E27FC236}">
+                <a16:creationId xmlns:a16="http://schemas.microsoft.com/office/drawing/2014/main" id="{A063DF1C-7DF0-40B4-AC9D-EC918B0CB000}"/>
+              </a:ext>
+            </a:extLst>
+          </p:cNvPr>
+          <p:cNvSpPr txBox="1"/>
+          <p:nvPr/>
+        </p:nvSpPr>
+        <p:spPr>
+          <a:xfrm>
+            <a:off x="192163" y="128664"/>
+            <a:ext cx="2066223" cy="369332"/>
+          </a:xfrm>
+          <a:prstGeom prst="rect">
+            <a:avLst/>
+          </a:prstGeom>
+          <a:noFill/>
+        </p:spPr>
+        <p:txBody>
+          <a:bodyPr wrap="square" rtlCol="0">
+            <a:spAutoFit/>
+          </a:bodyPr>
+          <a:lstStyle/>
+          <a:p>
+            <a:pPr algn="ctr"/>
+            <a:r>
+              <a:rPr lang="en-US" b="1" dirty="0"/>
+              <a:t>Numeric2Cat</a:t>
+            </a:r>
+          </a:p>
+        </p:txBody>
+      </p:sp>
+      <p:pic>
+        <p:nvPicPr>
+          <p:cNvPr id="3" name="Picture 2" descr="Map&#10;&#10;Description automatically generated">
+            <a:extLst>
+              <a:ext uri="{FF2B5EF4-FFF2-40B4-BE49-F238E27FC236}">
+                <a16:creationId xmlns:a16="http://schemas.microsoft.com/office/drawing/2014/main" id="{3B6F4D65-C9E5-4E0B-BB5A-0DF8509A29C0}"/>
+              </a:ext>
+            </a:extLst>
+          </p:cNvPr>
+          <p:cNvPicPr>
+            <a:picLocks noChangeAspect="1"/>
+          </p:cNvPicPr>
+          <p:nvPr/>
+        </p:nvPicPr>
+        <p:blipFill>
+          <a:blip r:embed="rId2" cstate="print">
+            <a:extLst>
+              <a:ext uri="{28A0092B-C50C-407E-A947-70E740481C1C}">
+                <a14:useLocalDpi xmlns:a14="http://schemas.microsoft.com/office/drawing/2010/main" val="0"/>
+              </a:ext>
+            </a:extLst>
+          </a:blip>
+          <a:stretch>
+            <a:fillRect/>
+          </a:stretch>
+        </p:blipFill>
+        <p:spPr>
+          <a:xfrm>
+            <a:off x="761658" y="1884222"/>
+            <a:ext cx="4661997" cy="2479231"/>
+          </a:xfrm>
+          <a:prstGeom prst="rect">
+            <a:avLst/>
+          </a:prstGeom>
+        </p:spPr>
+      </p:pic>
+      <p:pic>
+        <p:nvPicPr>
+          <p:cNvPr id="8" name="Picture 7" descr="Map&#10;&#10;Description automatically generated">
+            <a:extLst>
+              <a:ext uri="{FF2B5EF4-FFF2-40B4-BE49-F238E27FC236}">
+                <a16:creationId xmlns:a16="http://schemas.microsoft.com/office/drawing/2014/main" id="{7215B5F1-79F3-42C3-B624-349FA1CA4897}"/>
+              </a:ext>
+            </a:extLst>
+          </p:cNvPr>
+          <p:cNvPicPr>
+            <a:picLocks noChangeAspect="1"/>
+          </p:cNvPicPr>
+          <p:nvPr/>
+        </p:nvPicPr>
+        <p:blipFill>
+          <a:blip r:embed="rId3" cstate="print">
+            <a:extLst>
+              <a:ext uri="{28A0092B-C50C-407E-A947-70E740481C1C}">
+                <a14:useLocalDpi xmlns:a14="http://schemas.microsoft.com/office/drawing/2010/main" val="0"/>
+              </a:ext>
+            </a:extLst>
+          </a:blip>
+          <a:stretch>
+            <a:fillRect/>
+          </a:stretch>
+        </p:blipFill>
+        <p:spPr>
+          <a:xfrm>
+            <a:off x="5941833" y="1884222"/>
+            <a:ext cx="5522072" cy="2479231"/>
+          </a:xfrm>
+          <a:prstGeom prst="rect">
+            <a:avLst/>
+          </a:prstGeom>
+        </p:spPr>
+      </p:pic>
+      <p:sp>
+        <p:nvSpPr>
+          <p:cNvPr id="10" name="Rectangle 9">
+            <a:extLst>
+              <a:ext uri="{FF2B5EF4-FFF2-40B4-BE49-F238E27FC236}">
+                <a16:creationId xmlns:a16="http://schemas.microsoft.com/office/drawing/2014/main" id="{89B28590-6D43-4968-A021-CF2493679ADD}"/>
+              </a:ext>
+            </a:extLst>
+          </p:cNvPr>
+          <p:cNvSpPr/>
+          <p:nvPr/>
+        </p:nvSpPr>
+        <p:spPr>
+          <a:xfrm>
+            <a:off x="409073" y="1608221"/>
+            <a:ext cx="11285621" cy="3104147"/>
+          </a:xfrm>
+          <a:prstGeom prst="rect">
+            <a:avLst/>
+          </a:prstGeom>
+          <a:noFill/>
+          <a:ln>
+            <a:solidFill>
+              <a:schemeClr val="bg1">
+                <a:lumMod val="65000"/>
+              </a:schemeClr>
+            </a:solidFill>
+          </a:ln>
+        </p:spPr>
+        <p:style>
+          <a:lnRef idx="2">
+            <a:schemeClr val="accent1">
+              <a:shade val="50000"/>
+            </a:schemeClr>
+          </a:lnRef>
+          <a:fillRef idx="1">
+            <a:schemeClr val="accent1"/>
+          </a:fillRef>
+          <a:effectRef idx="0">
+            <a:schemeClr val="accent1"/>
+          </a:effectRef>
+          <a:fontRef idx="minor">
+            <a:schemeClr val="lt1"/>
+          </a:fontRef>
+        </p:style>
+        <p:txBody>
+          <a:bodyPr rtlCol="0" anchor="ctr"/>
+          <a:lstStyle/>
+          <a:p>
+            <a:pPr algn="ctr"/>
+            <a:endParaRPr lang="en-US"/>
+          </a:p>
+        </p:txBody>
+      </p:sp>
     </p:spTree>
     <p:extLst>
       <p:ext uri="{BB962C8B-B14F-4D97-AF65-F5344CB8AC3E}">
@@ -12842,7 +13475,7 @@
 </p:sld>
 </file>
 
-<file path=ppt/slides/slide38.xml><?xml version="1.0" encoding="utf-8"?>
+<file path=ppt/slides/slide39.xml><?xml version="1.0" encoding="utf-8"?>
 <p:sld xmlns:a="http://schemas.openxmlformats.org/drawingml/2006/main" xmlns:r="http://schemas.openxmlformats.org/officeDocument/2006/relationships" xmlns:p="http://schemas.openxmlformats.org/presentationml/2006/main">
   <p:cSld>
     <p:spTree>
@@ -14327,507 +14960,6 @@
 </p:sld>
 </file>
 
-<file path=ppt/slides/slide39.xml><?xml version="1.0" encoding="utf-8"?>
-<p:sld xmlns:a="http://schemas.openxmlformats.org/drawingml/2006/main" xmlns:r="http://schemas.openxmlformats.org/officeDocument/2006/relationships" xmlns:p="http://schemas.openxmlformats.org/presentationml/2006/main">
-  <p:cSld>
-    <p:spTree>
-      <p:nvGrpSpPr>
-        <p:cNvPr id="1" name=""/>
-        <p:cNvGrpSpPr/>
-        <p:nvPr/>
-      </p:nvGrpSpPr>
-      <p:grpSpPr>
-        <a:xfrm>
-          <a:off x="0" y="0"/>
-          <a:ext cx="0" cy="0"/>
-          <a:chOff x="0" y="0"/>
-          <a:chExt cx="0" cy="0"/>
-        </a:xfrm>
-      </p:grpSpPr>
-      <p:sp>
-        <p:nvSpPr>
-          <p:cNvPr id="7" name="TextBox 6">
-            <a:extLst>
-              <a:ext uri="{FF2B5EF4-FFF2-40B4-BE49-F238E27FC236}">
-                <a16:creationId xmlns:a16="http://schemas.microsoft.com/office/drawing/2014/main" id="{A063DF1C-7DF0-40B4-AC9D-EC918B0CB000}"/>
-              </a:ext>
-            </a:extLst>
-          </p:cNvPr>
-          <p:cNvSpPr txBox="1"/>
-          <p:nvPr/>
-        </p:nvSpPr>
-        <p:spPr>
-          <a:xfrm>
-            <a:off x="192162" y="-345805"/>
-            <a:ext cx="3101370" cy="369332"/>
-          </a:xfrm>
-          <a:prstGeom prst="rect">
-            <a:avLst/>
-          </a:prstGeom>
-          <a:noFill/>
-        </p:spPr>
-        <p:txBody>
-          <a:bodyPr wrap="square" rtlCol="0">
-            <a:spAutoFit/>
-          </a:bodyPr>
-          <a:lstStyle/>
-          <a:p>
-            <a:pPr algn="ctr"/>
-            <a:r>
-              <a:rPr lang="en-US" b="1"/>
-              <a:t>GCAM by Param Figs</a:t>
-            </a:r>
-          </a:p>
-        </p:txBody>
-      </p:sp>
-      <p:sp>
-        <p:nvSpPr>
-          <p:cNvPr id="3" name="Rectangle 2">
-            <a:extLst>
-              <a:ext uri="{FF2B5EF4-FFF2-40B4-BE49-F238E27FC236}">
-                <a16:creationId xmlns:a16="http://schemas.microsoft.com/office/drawing/2014/main" id="{F74BF3CB-7E52-4F13-8449-FE231ADB4921}"/>
-              </a:ext>
-            </a:extLst>
-          </p:cNvPr>
-          <p:cNvSpPr/>
-          <p:nvPr/>
-        </p:nvSpPr>
-        <p:spPr>
-          <a:xfrm>
-            <a:off x="442452" y="117988"/>
-            <a:ext cx="11444747" cy="6548284"/>
-          </a:xfrm>
-          <a:prstGeom prst="rect">
-            <a:avLst/>
-          </a:prstGeom>
-          <a:noFill/>
-          <a:ln>
-            <a:solidFill>
-              <a:schemeClr val="bg1">
-                <a:lumMod val="65000"/>
-              </a:schemeClr>
-            </a:solidFill>
-          </a:ln>
-        </p:spPr>
-        <p:style>
-          <a:lnRef idx="2">
-            <a:schemeClr val="accent1">
-              <a:shade val="50000"/>
-            </a:schemeClr>
-          </a:lnRef>
-          <a:fillRef idx="1">
-            <a:schemeClr val="accent1"/>
-          </a:fillRef>
-          <a:effectRef idx="0">
-            <a:schemeClr val="accent1"/>
-          </a:effectRef>
-          <a:fontRef idx="minor">
-            <a:schemeClr val="lt1"/>
-          </a:fontRef>
-        </p:style>
-        <p:txBody>
-          <a:bodyPr rtlCol="0" anchor="ctr"/>
-          <a:lstStyle/>
-          <a:p>
-            <a:pPr algn="ctr"/>
-            <a:endParaRPr lang="en-US"/>
-          </a:p>
-        </p:txBody>
-      </p:sp>
-      <p:sp>
-        <p:nvSpPr>
-          <p:cNvPr id="64" name="TextBox 63">
-            <a:extLst>
-              <a:ext uri="{FF2B5EF4-FFF2-40B4-BE49-F238E27FC236}">
-                <a16:creationId xmlns:a16="http://schemas.microsoft.com/office/drawing/2014/main" id="{7628F066-CA00-4417-A6D9-707233D718F1}"/>
-              </a:ext>
-            </a:extLst>
-          </p:cNvPr>
-          <p:cNvSpPr txBox="1"/>
-          <p:nvPr/>
-        </p:nvSpPr>
-        <p:spPr>
-          <a:xfrm>
-            <a:off x="1084319" y="741040"/>
-            <a:ext cx="2485538" cy="369332"/>
-          </a:xfrm>
-          <a:prstGeom prst="rect">
-            <a:avLst/>
-          </a:prstGeom>
-          <a:noFill/>
-        </p:spPr>
-        <p:txBody>
-          <a:bodyPr wrap="square" rtlCol="0">
-            <a:spAutoFit/>
-          </a:bodyPr>
-          <a:lstStyle/>
-          <a:p>
-            <a:pPr algn="ctr"/>
-            <a:r>
-              <a:rPr lang="en-US" b="1"/>
-              <a:t>Population by Year SSP3</a:t>
-            </a:r>
-          </a:p>
-        </p:txBody>
-      </p:sp>
-      <p:sp>
-        <p:nvSpPr>
-          <p:cNvPr id="65" name="TextBox 64">
-            <a:extLst>
-              <a:ext uri="{FF2B5EF4-FFF2-40B4-BE49-F238E27FC236}">
-                <a16:creationId xmlns:a16="http://schemas.microsoft.com/office/drawing/2014/main" id="{D00C1B6A-B22A-4D19-91EF-C8BA151777A4}"/>
-              </a:ext>
-            </a:extLst>
-          </p:cNvPr>
-          <p:cNvSpPr txBox="1"/>
-          <p:nvPr/>
-        </p:nvSpPr>
-        <p:spPr>
-          <a:xfrm>
-            <a:off x="807994" y="3486630"/>
-            <a:ext cx="2485538" cy="646331"/>
-          </a:xfrm>
-          <a:prstGeom prst="rect">
-            <a:avLst/>
-          </a:prstGeom>
-          <a:noFill/>
-        </p:spPr>
-        <p:txBody>
-          <a:bodyPr wrap="square" rtlCol="0">
-            <a:spAutoFit/>
-          </a:bodyPr>
-          <a:lstStyle/>
-          <a:p>
-            <a:pPr algn="ctr"/>
-            <a:r>
-              <a:rPr lang="en-US" b="1"/>
-              <a:t>Land Allocation SSP5</a:t>
-            </a:r>
-          </a:p>
-          <a:p>
-            <a:pPr algn="ctr"/>
-            <a:r>
-              <a:rPr lang="en-US" b="1"/>
-              <a:t>(Mean 2010 to 2050)</a:t>
-            </a:r>
-          </a:p>
-        </p:txBody>
-      </p:sp>
-      <p:sp>
-        <p:nvSpPr>
-          <p:cNvPr id="66" name="TextBox 65">
-            <a:extLst>
-              <a:ext uri="{FF2B5EF4-FFF2-40B4-BE49-F238E27FC236}">
-                <a16:creationId xmlns:a16="http://schemas.microsoft.com/office/drawing/2014/main" id="{D23BD46B-EFD3-48A8-A749-606D7DA6C469}"/>
-              </a:ext>
-            </a:extLst>
-          </p:cNvPr>
-          <p:cNvSpPr txBox="1"/>
-          <p:nvPr/>
-        </p:nvSpPr>
-        <p:spPr>
-          <a:xfrm>
-            <a:off x="4853231" y="3552051"/>
-            <a:ext cx="2485538" cy="369332"/>
-          </a:xfrm>
-          <a:prstGeom prst="rect">
-            <a:avLst/>
-          </a:prstGeom>
-          <a:noFill/>
-        </p:spPr>
-        <p:txBody>
-          <a:bodyPr wrap="square" rtlCol="0">
-            <a:spAutoFit/>
-          </a:bodyPr>
-          <a:lstStyle/>
-          <a:p>
-            <a:pPr algn="ctr"/>
-            <a:r>
-              <a:rPr lang="en-US" b="1"/>
-              <a:t>Runoff by Basin 2050</a:t>
-            </a:r>
-          </a:p>
-        </p:txBody>
-      </p:sp>
-      <p:sp>
-        <p:nvSpPr>
-          <p:cNvPr id="67" name="TextBox 66">
-            <a:extLst>
-              <a:ext uri="{FF2B5EF4-FFF2-40B4-BE49-F238E27FC236}">
-                <a16:creationId xmlns:a16="http://schemas.microsoft.com/office/drawing/2014/main" id="{80439EAE-3020-4A30-8A0D-8343E7A17CD8}"/>
-              </a:ext>
-            </a:extLst>
-          </p:cNvPr>
-          <p:cNvSpPr txBox="1"/>
-          <p:nvPr/>
-        </p:nvSpPr>
-        <p:spPr>
-          <a:xfrm>
-            <a:off x="8412211" y="3447289"/>
-            <a:ext cx="2950299" cy="646331"/>
-          </a:xfrm>
-          <a:prstGeom prst="rect">
-            <a:avLst/>
-          </a:prstGeom>
-          <a:noFill/>
-        </p:spPr>
-        <p:txBody>
-          <a:bodyPr wrap="square" rtlCol="0">
-            <a:spAutoFit/>
-          </a:bodyPr>
-          <a:lstStyle/>
-          <a:p>
-            <a:pPr algn="ctr"/>
-            <a:r>
-              <a:rPr lang="en-US" b="1"/>
-              <a:t>Percentage Diff Elec Gen</a:t>
-            </a:r>
-          </a:p>
-          <a:p>
-            <a:pPr algn="ctr"/>
-            <a:r>
-              <a:rPr lang="en-US" b="1"/>
-              <a:t>(SSP5 – SSP3)</a:t>
-            </a:r>
-          </a:p>
-        </p:txBody>
-      </p:sp>
-      <p:pic>
-        <p:nvPicPr>
-          <p:cNvPr id="6" name="Picture 5" descr="A picture containing text, map&#10;&#10;Description automatically generated">
-            <a:extLst>
-              <a:ext uri="{FF2B5EF4-FFF2-40B4-BE49-F238E27FC236}">
-                <a16:creationId xmlns:a16="http://schemas.microsoft.com/office/drawing/2014/main" id="{5246A03D-8991-4794-AFC7-9553B33AAC8B}"/>
-              </a:ext>
-            </a:extLst>
-          </p:cNvPr>
-          <p:cNvPicPr>
-            <a:picLocks noChangeAspect="1"/>
-          </p:cNvPicPr>
-          <p:nvPr/>
-        </p:nvPicPr>
-        <p:blipFill>
-          <a:blip r:embed="rId2" cstate="print">
-            <a:extLst>
-              <a:ext uri="{28A0092B-C50C-407E-A947-70E740481C1C}">
-                <a14:useLocalDpi xmlns:a14="http://schemas.microsoft.com/office/drawing/2010/main" val="0"/>
-              </a:ext>
-            </a:extLst>
-          </a:blip>
-          <a:stretch>
-            <a:fillRect/>
-          </a:stretch>
-        </p:blipFill>
-        <p:spPr>
-          <a:xfrm>
-            <a:off x="4568054" y="4106049"/>
-            <a:ext cx="3655891" cy="2472811"/>
-          </a:xfrm>
-          <a:prstGeom prst="rect">
-            <a:avLst/>
-          </a:prstGeom>
-        </p:spPr>
-      </p:pic>
-      <p:pic>
-        <p:nvPicPr>
-          <p:cNvPr id="17" name="Picture 16" descr="A picture containing text, map&#10;&#10;Description automatically generated">
-            <a:extLst>
-              <a:ext uri="{FF2B5EF4-FFF2-40B4-BE49-F238E27FC236}">
-                <a16:creationId xmlns:a16="http://schemas.microsoft.com/office/drawing/2014/main" id="{1CF5B8F5-FA65-42EB-B3F1-1C8421421835}"/>
-              </a:ext>
-            </a:extLst>
-          </p:cNvPr>
-          <p:cNvPicPr>
-            <a:picLocks noChangeAspect="1"/>
-          </p:cNvPicPr>
-          <p:nvPr/>
-        </p:nvPicPr>
-        <p:blipFill>
-          <a:blip r:embed="rId3" cstate="print">
-            <a:extLst>
-              <a:ext uri="{28A0092B-C50C-407E-A947-70E740481C1C}">
-                <a14:useLocalDpi xmlns:a14="http://schemas.microsoft.com/office/drawing/2010/main" val="0"/>
-              </a:ext>
-            </a:extLst>
-          </a:blip>
-          <a:stretch>
-            <a:fillRect/>
-          </a:stretch>
-        </p:blipFill>
-        <p:spPr>
-          <a:xfrm>
-            <a:off x="672542" y="4106049"/>
-            <a:ext cx="3717897" cy="2472811"/>
-          </a:xfrm>
-          <a:prstGeom prst="rect">
-            <a:avLst/>
-          </a:prstGeom>
-        </p:spPr>
-      </p:pic>
-      <p:pic>
-        <p:nvPicPr>
-          <p:cNvPr id="19" name="Picture 18" descr="A close up of a map&#10;&#10;Description automatically generated">
-            <a:extLst>
-              <a:ext uri="{FF2B5EF4-FFF2-40B4-BE49-F238E27FC236}">
-                <a16:creationId xmlns:a16="http://schemas.microsoft.com/office/drawing/2014/main" id="{0D9FB249-DA1F-47EC-A0F5-53F1A1704847}"/>
-              </a:ext>
-            </a:extLst>
-          </p:cNvPr>
-          <p:cNvPicPr>
-            <a:picLocks noChangeAspect="1"/>
-          </p:cNvPicPr>
-          <p:nvPr/>
-        </p:nvPicPr>
-        <p:blipFill>
-          <a:blip r:embed="rId4">
-            <a:extLst>
-              <a:ext uri="{28A0092B-C50C-407E-A947-70E740481C1C}">
-                <a14:useLocalDpi xmlns:a14="http://schemas.microsoft.com/office/drawing/2010/main" val="0"/>
-              </a:ext>
-            </a:extLst>
-          </a:blip>
-          <a:stretch>
-            <a:fillRect/>
-          </a:stretch>
-        </p:blipFill>
-        <p:spPr>
-          <a:xfrm>
-            <a:off x="3934490" y="221175"/>
-            <a:ext cx="7428020" cy="1409063"/>
-          </a:xfrm>
-          <a:prstGeom prst="rect">
-            <a:avLst/>
-          </a:prstGeom>
-        </p:spPr>
-      </p:pic>
-      <p:pic>
-        <p:nvPicPr>
-          <p:cNvPr id="21" name="Picture 20" descr="A picture containing text, map&#10;&#10;Description automatically generated">
-            <a:extLst>
-              <a:ext uri="{FF2B5EF4-FFF2-40B4-BE49-F238E27FC236}">
-                <a16:creationId xmlns:a16="http://schemas.microsoft.com/office/drawing/2014/main" id="{46679271-34BC-46F3-A89F-3DD2AA742315}"/>
-              </a:ext>
-            </a:extLst>
-          </p:cNvPr>
-          <p:cNvPicPr>
-            <a:picLocks noChangeAspect="1"/>
-          </p:cNvPicPr>
-          <p:nvPr/>
-        </p:nvPicPr>
-        <p:blipFill>
-          <a:blip r:embed="rId5">
-            <a:extLst>
-              <a:ext uri="{28A0092B-C50C-407E-A947-70E740481C1C}">
-                <a14:useLocalDpi xmlns:a14="http://schemas.microsoft.com/office/drawing/2010/main" val="0"/>
-              </a:ext>
-            </a:extLst>
-          </a:blip>
-          <a:stretch>
-            <a:fillRect/>
-          </a:stretch>
-        </p:blipFill>
-        <p:spPr>
-          <a:xfrm>
-            <a:off x="3934490" y="1828225"/>
-            <a:ext cx="7223619" cy="1409062"/>
-          </a:xfrm>
-          <a:prstGeom prst="rect">
-            <a:avLst/>
-          </a:prstGeom>
-        </p:spPr>
-      </p:pic>
-      <p:sp>
-        <p:nvSpPr>
-          <p:cNvPr id="30" name="TextBox 29">
-            <a:extLst>
-              <a:ext uri="{FF2B5EF4-FFF2-40B4-BE49-F238E27FC236}">
-                <a16:creationId xmlns:a16="http://schemas.microsoft.com/office/drawing/2014/main" id="{2DFD97C6-B7A5-4D16-B656-84935B142B4C}"/>
-              </a:ext>
-            </a:extLst>
-          </p:cNvPr>
-          <p:cNvSpPr txBox="1"/>
-          <p:nvPr/>
-        </p:nvSpPr>
-        <p:spPr>
-          <a:xfrm>
-            <a:off x="1084319" y="1981564"/>
-            <a:ext cx="2485538" cy="923330"/>
-          </a:xfrm>
-          <a:prstGeom prst="rect">
-            <a:avLst/>
-          </a:prstGeom>
-          <a:noFill/>
-        </p:spPr>
-        <p:txBody>
-          <a:bodyPr wrap="square" rtlCol="0">
-            <a:spAutoFit/>
-          </a:bodyPr>
-          <a:lstStyle/>
-          <a:p>
-            <a:pPr algn="ctr"/>
-            <a:r>
-              <a:rPr lang="en-US" b="1"/>
-              <a:t>Absolute Difference in Population by Year</a:t>
-            </a:r>
-          </a:p>
-          <a:p>
-            <a:pPr algn="ctr"/>
-            <a:r>
-              <a:rPr lang="en-US" b="1"/>
-              <a:t>(SSP5 – SSP3)</a:t>
-            </a:r>
-          </a:p>
-        </p:txBody>
-      </p:sp>
-      <p:pic>
-        <p:nvPicPr>
-          <p:cNvPr id="25" name="Picture 24" descr="A picture containing text, map&#10;&#10;Description automatically generated">
-            <a:extLst>
-              <a:ext uri="{FF2B5EF4-FFF2-40B4-BE49-F238E27FC236}">
-                <a16:creationId xmlns:a16="http://schemas.microsoft.com/office/drawing/2014/main" id="{1F8DE4E6-08A9-4594-88BA-0F93AA1C048E}"/>
-              </a:ext>
-            </a:extLst>
-          </p:cNvPr>
-          <p:cNvPicPr>
-            <a:picLocks noChangeAspect="1"/>
-          </p:cNvPicPr>
-          <p:nvPr/>
-        </p:nvPicPr>
-        <p:blipFill>
-          <a:blip r:embed="rId6" cstate="print">
-            <a:extLst>
-              <a:ext uri="{28A0092B-C50C-407E-A947-70E740481C1C}">
-                <a14:useLocalDpi xmlns:a14="http://schemas.microsoft.com/office/drawing/2010/main" val="0"/>
-              </a:ext>
-            </a:extLst>
-          </a:blip>
-          <a:stretch>
-            <a:fillRect/>
-          </a:stretch>
-        </p:blipFill>
-        <p:spPr>
-          <a:xfrm>
-            <a:off x="8223945" y="4135943"/>
-            <a:ext cx="3424701" cy="2413022"/>
-          </a:xfrm>
-          <a:prstGeom prst="rect">
-            <a:avLst/>
-          </a:prstGeom>
-        </p:spPr>
-      </p:pic>
-    </p:spTree>
-    <p:extLst>
-      <p:ext uri="{BB962C8B-B14F-4D97-AF65-F5344CB8AC3E}">
-        <p14:creationId xmlns:p14="http://schemas.microsoft.com/office/powerpoint/2010/main" val="454569677"/>
-      </p:ext>
-    </p:extLst>
-  </p:cSld>
-  <p:clrMapOvr>
-    <a:masterClrMapping/>
-  </p:clrMapOvr>
-</p:sld>
-</file>
-
 <file path=ppt/slides/slide4.xml><?xml version="1.0" encoding="utf-8"?>
 <p:sld xmlns:a="http://schemas.openxmlformats.org/drawingml/2006/main" xmlns:r="http://schemas.openxmlformats.org/officeDocument/2006/relationships" xmlns:p="http://schemas.openxmlformats.org/presentationml/2006/main">
   <p:cSld>
@@ -15905,7 +16037,7 @@
         </p:nvSpPr>
         <p:spPr>
           <a:xfrm>
-            <a:off x="201996" y="-369332"/>
+            <a:off x="192162" y="-345805"/>
             <a:ext cx="3101370" cy="369332"/>
           </a:xfrm>
           <a:prstGeom prst="rect">
@@ -15922,7 +16054,7 @@
             <a:pPr algn="ctr"/>
             <a:r>
               <a:rPr lang="en-US" b="1"/>
-              <a:t>GCAM by Class Figs</a:t>
+              <a:t>GCAM by Param Figs</a:t>
             </a:r>
           </a:p>
         </p:txBody>
@@ -15932,7 +16064,7 @@
           <p:cNvPr id="3" name="Rectangle 2">
             <a:extLst>
               <a:ext uri="{FF2B5EF4-FFF2-40B4-BE49-F238E27FC236}">
-                <a16:creationId xmlns:a16="http://schemas.microsoft.com/office/drawing/2014/main" id="{80047060-3AA7-4699-9EAE-4E3F4573EEA2}"/>
+                <a16:creationId xmlns:a16="http://schemas.microsoft.com/office/drawing/2014/main" id="{F74BF3CB-7E52-4F13-8449-FE231ADB4921}"/>
               </a:ext>
             </a:extLst>
           </p:cNvPr>
@@ -15981,84 +16113,12 @@
           </a:p>
         </p:txBody>
       </p:sp>
-      <p:pic>
-        <p:nvPicPr>
-          <p:cNvPr id="4" name="Picture 3" descr="A close up of a map&#10;&#10;Description automatically generated">
-            <a:extLst>
-              <a:ext uri="{FF2B5EF4-FFF2-40B4-BE49-F238E27FC236}">
-                <a16:creationId xmlns:a16="http://schemas.microsoft.com/office/drawing/2014/main" id="{54953583-8DC0-4DC1-9C80-59364DCE9939}"/>
-              </a:ext>
-            </a:extLst>
-          </p:cNvPr>
-          <p:cNvPicPr>
-            <a:picLocks noChangeAspect="1"/>
-          </p:cNvPicPr>
-          <p:nvPr/>
-        </p:nvPicPr>
-        <p:blipFill>
-          <a:blip r:embed="rId2">
-            <a:extLst>
-              <a:ext uri="{28A0092B-C50C-407E-A947-70E740481C1C}">
-                <a14:useLocalDpi xmlns:a14="http://schemas.microsoft.com/office/drawing/2010/main" val="0"/>
-              </a:ext>
-            </a:extLst>
-          </a:blip>
-          <a:stretch>
-            <a:fillRect/>
-          </a:stretch>
-        </p:blipFill>
-        <p:spPr>
-          <a:xfrm>
-            <a:off x="592175" y="545082"/>
-            <a:ext cx="7331022" cy="3993389"/>
-          </a:xfrm>
-          <a:prstGeom prst="rect">
-            <a:avLst/>
-          </a:prstGeom>
-        </p:spPr>
-      </p:pic>
-      <p:pic>
-        <p:nvPicPr>
-          <p:cNvPr id="6" name="Picture 5" descr="A picture containing text, map&#10;&#10;Description automatically generated">
-            <a:extLst>
-              <a:ext uri="{FF2B5EF4-FFF2-40B4-BE49-F238E27FC236}">
-                <a16:creationId xmlns:a16="http://schemas.microsoft.com/office/drawing/2014/main" id="{949EBDC5-4E80-425B-84EA-DDBD3A9647A4}"/>
-              </a:ext>
-            </a:extLst>
-          </p:cNvPr>
-          <p:cNvPicPr>
-            <a:picLocks noChangeAspect="1"/>
-          </p:cNvPicPr>
-          <p:nvPr/>
-        </p:nvPicPr>
-        <p:blipFill>
-          <a:blip r:embed="rId3">
-            <a:extLst>
-              <a:ext uri="{28A0092B-C50C-407E-A947-70E740481C1C}">
-                <a14:useLocalDpi xmlns:a14="http://schemas.microsoft.com/office/drawing/2010/main" val="0"/>
-              </a:ext>
-            </a:extLst>
-          </a:blip>
-          <a:stretch>
-            <a:fillRect/>
-          </a:stretch>
-        </p:blipFill>
-        <p:spPr>
-          <a:xfrm>
-            <a:off x="4257686" y="3783081"/>
-            <a:ext cx="7525130" cy="2748571"/>
-          </a:xfrm>
-          <a:prstGeom prst="rect">
-            <a:avLst/>
-          </a:prstGeom>
-        </p:spPr>
-      </p:pic>
       <p:sp>
         <p:nvSpPr>
-          <p:cNvPr id="9" name="TextBox 8">
-            <a:extLst>
-              <a:ext uri="{FF2B5EF4-FFF2-40B4-BE49-F238E27FC236}">
-                <a16:creationId xmlns:a16="http://schemas.microsoft.com/office/drawing/2014/main" id="{65A82A39-C97E-4486-BF84-AD752A7FF992}"/>
+          <p:cNvPr id="64" name="TextBox 63">
+            <a:extLst>
+              <a:ext uri="{FF2B5EF4-FFF2-40B4-BE49-F238E27FC236}">
+                <a16:creationId xmlns:a16="http://schemas.microsoft.com/office/drawing/2014/main" id="{7628F066-CA00-4417-A6D9-707233D718F1}"/>
               </a:ext>
             </a:extLst>
           </p:cNvPr>
@@ -16067,8 +16127,8 @@
         </p:nvSpPr>
         <p:spPr>
           <a:xfrm>
-            <a:off x="1556139" y="175750"/>
-            <a:ext cx="4210816" cy="369332"/>
+            <a:off x="1084319" y="741040"/>
+            <a:ext cx="2485538" cy="369332"/>
           </a:xfrm>
           <a:prstGeom prst="rect">
             <a:avLst/>
@@ -16084,17 +16144,17 @@
             <a:pPr algn="ctr"/>
             <a:r>
               <a:rPr lang="en-US" b="1"/>
-              <a:t>Electricity Generation SSP5 by Class 2040</a:t>
+              <a:t>Population by Year SSP3</a:t>
             </a:r>
           </a:p>
         </p:txBody>
       </p:sp>
       <p:sp>
         <p:nvSpPr>
-          <p:cNvPr id="10" name="TextBox 9">
-            <a:extLst>
-              <a:ext uri="{FF2B5EF4-FFF2-40B4-BE49-F238E27FC236}">
-                <a16:creationId xmlns:a16="http://schemas.microsoft.com/office/drawing/2014/main" id="{52335815-A0C2-4151-96C4-FDD5E5395A04}"/>
+          <p:cNvPr id="65" name="TextBox 64">
+            <a:extLst>
+              <a:ext uri="{FF2B5EF4-FFF2-40B4-BE49-F238E27FC236}">
+                <a16:creationId xmlns:a16="http://schemas.microsoft.com/office/drawing/2014/main" id="{D00C1B6A-B22A-4D19-91EF-C8BA151777A4}"/>
               </a:ext>
             </a:extLst>
           </p:cNvPr>
@@ -16103,8 +16163,8 @@
         </p:nvSpPr>
         <p:spPr>
           <a:xfrm>
-            <a:off x="5929124" y="3429000"/>
-            <a:ext cx="3976074" cy="369332"/>
+            <a:off x="807994" y="3486630"/>
+            <a:ext cx="2485538" cy="646331"/>
           </a:xfrm>
           <a:prstGeom prst="rect">
             <a:avLst/>
@@ -16120,15 +16180,324 @@
             <a:pPr algn="ctr"/>
             <a:r>
               <a:rPr lang="en-US" b="1"/>
-              <a:t>Land Allocation SSP5 by Class 2040</a:t>
+              <a:t>Land Allocation SSP5</a:t>
+            </a:r>
+          </a:p>
+          <a:p>
+            <a:pPr algn="ctr"/>
+            <a:r>
+              <a:rPr lang="en-US" b="1"/>
+              <a:t>(Mean 2010 to 2050)</a:t>
             </a:r>
           </a:p>
         </p:txBody>
       </p:sp>
+      <p:sp>
+        <p:nvSpPr>
+          <p:cNvPr id="66" name="TextBox 65">
+            <a:extLst>
+              <a:ext uri="{FF2B5EF4-FFF2-40B4-BE49-F238E27FC236}">
+                <a16:creationId xmlns:a16="http://schemas.microsoft.com/office/drawing/2014/main" id="{D23BD46B-EFD3-48A8-A749-606D7DA6C469}"/>
+              </a:ext>
+            </a:extLst>
+          </p:cNvPr>
+          <p:cNvSpPr txBox="1"/>
+          <p:nvPr/>
+        </p:nvSpPr>
+        <p:spPr>
+          <a:xfrm>
+            <a:off x="4853231" y="3552051"/>
+            <a:ext cx="2485538" cy="369332"/>
+          </a:xfrm>
+          <a:prstGeom prst="rect">
+            <a:avLst/>
+          </a:prstGeom>
+          <a:noFill/>
+        </p:spPr>
+        <p:txBody>
+          <a:bodyPr wrap="square" rtlCol="0">
+            <a:spAutoFit/>
+          </a:bodyPr>
+          <a:lstStyle/>
+          <a:p>
+            <a:pPr algn="ctr"/>
+            <a:r>
+              <a:rPr lang="en-US" b="1"/>
+              <a:t>Runoff by Basin 2050</a:t>
+            </a:r>
+          </a:p>
+        </p:txBody>
+      </p:sp>
+      <p:sp>
+        <p:nvSpPr>
+          <p:cNvPr id="67" name="TextBox 66">
+            <a:extLst>
+              <a:ext uri="{FF2B5EF4-FFF2-40B4-BE49-F238E27FC236}">
+                <a16:creationId xmlns:a16="http://schemas.microsoft.com/office/drawing/2014/main" id="{80439EAE-3020-4A30-8A0D-8343E7A17CD8}"/>
+              </a:ext>
+            </a:extLst>
+          </p:cNvPr>
+          <p:cNvSpPr txBox="1"/>
+          <p:nvPr/>
+        </p:nvSpPr>
+        <p:spPr>
+          <a:xfrm>
+            <a:off x="8412211" y="3447289"/>
+            <a:ext cx="2950299" cy="646331"/>
+          </a:xfrm>
+          <a:prstGeom prst="rect">
+            <a:avLst/>
+          </a:prstGeom>
+          <a:noFill/>
+        </p:spPr>
+        <p:txBody>
+          <a:bodyPr wrap="square" rtlCol="0">
+            <a:spAutoFit/>
+          </a:bodyPr>
+          <a:lstStyle/>
+          <a:p>
+            <a:pPr algn="ctr"/>
+            <a:r>
+              <a:rPr lang="en-US" b="1"/>
+              <a:t>Percentage Diff Elec Gen</a:t>
+            </a:r>
+          </a:p>
+          <a:p>
+            <a:pPr algn="ctr"/>
+            <a:r>
+              <a:rPr lang="en-US" b="1"/>
+              <a:t>(SSP5 – SSP3)</a:t>
+            </a:r>
+          </a:p>
+        </p:txBody>
+      </p:sp>
+      <p:pic>
+        <p:nvPicPr>
+          <p:cNvPr id="6" name="Picture 5" descr="A picture containing text, map&#10;&#10;Description automatically generated">
+            <a:extLst>
+              <a:ext uri="{FF2B5EF4-FFF2-40B4-BE49-F238E27FC236}">
+                <a16:creationId xmlns:a16="http://schemas.microsoft.com/office/drawing/2014/main" id="{5246A03D-8991-4794-AFC7-9553B33AAC8B}"/>
+              </a:ext>
+            </a:extLst>
+          </p:cNvPr>
+          <p:cNvPicPr>
+            <a:picLocks noChangeAspect="1"/>
+          </p:cNvPicPr>
+          <p:nvPr/>
+        </p:nvPicPr>
+        <p:blipFill>
+          <a:blip r:embed="rId2" cstate="print">
+            <a:extLst>
+              <a:ext uri="{28A0092B-C50C-407E-A947-70E740481C1C}">
+                <a14:useLocalDpi xmlns:a14="http://schemas.microsoft.com/office/drawing/2010/main" val="0"/>
+              </a:ext>
+            </a:extLst>
+          </a:blip>
+          <a:stretch>
+            <a:fillRect/>
+          </a:stretch>
+        </p:blipFill>
+        <p:spPr>
+          <a:xfrm>
+            <a:off x="4568054" y="4106049"/>
+            <a:ext cx="3655891" cy="2472811"/>
+          </a:xfrm>
+          <a:prstGeom prst="rect">
+            <a:avLst/>
+          </a:prstGeom>
+        </p:spPr>
+      </p:pic>
+      <p:pic>
+        <p:nvPicPr>
+          <p:cNvPr id="17" name="Picture 16" descr="A picture containing text, map&#10;&#10;Description automatically generated">
+            <a:extLst>
+              <a:ext uri="{FF2B5EF4-FFF2-40B4-BE49-F238E27FC236}">
+                <a16:creationId xmlns:a16="http://schemas.microsoft.com/office/drawing/2014/main" id="{1CF5B8F5-FA65-42EB-B3F1-1C8421421835}"/>
+              </a:ext>
+            </a:extLst>
+          </p:cNvPr>
+          <p:cNvPicPr>
+            <a:picLocks noChangeAspect="1"/>
+          </p:cNvPicPr>
+          <p:nvPr/>
+        </p:nvPicPr>
+        <p:blipFill>
+          <a:blip r:embed="rId3" cstate="print">
+            <a:extLst>
+              <a:ext uri="{28A0092B-C50C-407E-A947-70E740481C1C}">
+                <a14:useLocalDpi xmlns:a14="http://schemas.microsoft.com/office/drawing/2010/main" val="0"/>
+              </a:ext>
+            </a:extLst>
+          </a:blip>
+          <a:stretch>
+            <a:fillRect/>
+          </a:stretch>
+        </p:blipFill>
+        <p:spPr>
+          <a:xfrm>
+            <a:off x="672542" y="4106049"/>
+            <a:ext cx="3717897" cy="2472811"/>
+          </a:xfrm>
+          <a:prstGeom prst="rect">
+            <a:avLst/>
+          </a:prstGeom>
+        </p:spPr>
+      </p:pic>
+      <p:pic>
+        <p:nvPicPr>
+          <p:cNvPr id="19" name="Picture 18" descr="A close up of a map&#10;&#10;Description automatically generated">
+            <a:extLst>
+              <a:ext uri="{FF2B5EF4-FFF2-40B4-BE49-F238E27FC236}">
+                <a16:creationId xmlns:a16="http://schemas.microsoft.com/office/drawing/2014/main" id="{0D9FB249-DA1F-47EC-A0F5-53F1A1704847}"/>
+              </a:ext>
+            </a:extLst>
+          </p:cNvPr>
+          <p:cNvPicPr>
+            <a:picLocks noChangeAspect="1"/>
+          </p:cNvPicPr>
+          <p:nvPr/>
+        </p:nvPicPr>
+        <p:blipFill>
+          <a:blip r:embed="rId4">
+            <a:extLst>
+              <a:ext uri="{28A0092B-C50C-407E-A947-70E740481C1C}">
+                <a14:useLocalDpi xmlns:a14="http://schemas.microsoft.com/office/drawing/2010/main" val="0"/>
+              </a:ext>
+            </a:extLst>
+          </a:blip>
+          <a:stretch>
+            <a:fillRect/>
+          </a:stretch>
+        </p:blipFill>
+        <p:spPr>
+          <a:xfrm>
+            <a:off x="3934490" y="221175"/>
+            <a:ext cx="7428020" cy="1409063"/>
+          </a:xfrm>
+          <a:prstGeom prst="rect">
+            <a:avLst/>
+          </a:prstGeom>
+        </p:spPr>
+      </p:pic>
+      <p:pic>
+        <p:nvPicPr>
+          <p:cNvPr id="21" name="Picture 20" descr="A picture containing text, map&#10;&#10;Description automatically generated">
+            <a:extLst>
+              <a:ext uri="{FF2B5EF4-FFF2-40B4-BE49-F238E27FC236}">
+                <a16:creationId xmlns:a16="http://schemas.microsoft.com/office/drawing/2014/main" id="{46679271-34BC-46F3-A89F-3DD2AA742315}"/>
+              </a:ext>
+            </a:extLst>
+          </p:cNvPr>
+          <p:cNvPicPr>
+            <a:picLocks noChangeAspect="1"/>
+          </p:cNvPicPr>
+          <p:nvPr/>
+        </p:nvPicPr>
+        <p:blipFill>
+          <a:blip r:embed="rId5">
+            <a:extLst>
+              <a:ext uri="{28A0092B-C50C-407E-A947-70E740481C1C}">
+                <a14:useLocalDpi xmlns:a14="http://schemas.microsoft.com/office/drawing/2010/main" val="0"/>
+              </a:ext>
+            </a:extLst>
+          </a:blip>
+          <a:stretch>
+            <a:fillRect/>
+          </a:stretch>
+        </p:blipFill>
+        <p:spPr>
+          <a:xfrm>
+            <a:off x="3934490" y="1828225"/>
+            <a:ext cx="7223619" cy="1409062"/>
+          </a:xfrm>
+          <a:prstGeom prst="rect">
+            <a:avLst/>
+          </a:prstGeom>
+        </p:spPr>
+      </p:pic>
+      <p:sp>
+        <p:nvSpPr>
+          <p:cNvPr id="30" name="TextBox 29">
+            <a:extLst>
+              <a:ext uri="{FF2B5EF4-FFF2-40B4-BE49-F238E27FC236}">
+                <a16:creationId xmlns:a16="http://schemas.microsoft.com/office/drawing/2014/main" id="{2DFD97C6-B7A5-4D16-B656-84935B142B4C}"/>
+              </a:ext>
+            </a:extLst>
+          </p:cNvPr>
+          <p:cNvSpPr txBox="1"/>
+          <p:nvPr/>
+        </p:nvSpPr>
+        <p:spPr>
+          <a:xfrm>
+            <a:off x="1084319" y="1981564"/>
+            <a:ext cx="2485538" cy="923330"/>
+          </a:xfrm>
+          <a:prstGeom prst="rect">
+            <a:avLst/>
+          </a:prstGeom>
+          <a:noFill/>
+        </p:spPr>
+        <p:txBody>
+          <a:bodyPr wrap="square" rtlCol="0">
+            <a:spAutoFit/>
+          </a:bodyPr>
+          <a:lstStyle/>
+          <a:p>
+            <a:pPr algn="ctr"/>
+            <a:r>
+              <a:rPr lang="en-US" b="1"/>
+              <a:t>Absolute Difference in Population by Year</a:t>
+            </a:r>
+          </a:p>
+          <a:p>
+            <a:pPr algn="ctr"/>
+            <a:r>
+              <a:rPr lang="en-US" b="1"/>
+              <a:t>(SSP5 – SSP3)</a:t>
+            </a:r>
+          </a:p>
+        </p:txBody>
+      </p:sp>
+      <p:pic>
+        <p:nvPicPr>
+          <p:cNvPr id="25" name="Picture 24" descr="A picture containing text, map&#10;&#10;Description automatically generated">
+            <a:extLst>
+              <a:ext uri="{FF2B5EF4-FFF2-40B4-BE49-F238E27FC236}">
+                <a16:creationId xmlns:a16="http://schemas.microsoft.com/office/drawing/2014/main" id="{1F8DE4E6-08A9-4594-88BA-0F93AA1C048E}"/>
+              </a:ext>
+            </a:extLst>
+          </p:cNvPr>
+          <p:cNvPicPr>
+            <a:picLocks noChangeAspect="1"/>
+          </p:cNvPicPr>
+          <p:nvPr/>
+        </p:nvPicPr>
+        <p:blipFill>
+          <a:blip r:embed="rId6" cstate="print">
+            <a:extLst>
+              <a:ext uri="{28A0092B-C50C-407E-A947-70E740481C1C}">
+                <a14:useLocalDpi xmlns:a14="http://schemas.microsoft.com/office/drawing/2010/main" val="0"/>
+              </a:ext>
+            </a:extLst>
+          </a:blip>
+          <a:stretch>
+            <a:fillRect/>
+          </a:stretch>
+        </p:blipFill>
+        <p:spPr>
+          <a:xfrm>
+            <a:off x="8223945" y="4135943"/>
+            <a:ext cx="3424701" cy="2413022"/>
+          </a:xfrm>
+          <a:prstGeom prst="rect">
+            <a:avLst/>
+          </a:prstGeom>
+        </p:spPr>
+      </p:pic>
     </p:spTree>
     <p:extLst>
       <p:ext uri="{BB962C8B-B14F-4D97-AF65-F5344CB8AC3E}">
-        <p14:creationId xmlns:p14="http://schemas.microsoft.com/office/powerpoint/2010/main" val="1298961020"/>
+        <p14:creationId xmlns:p14="http://schemas.microsoft.com/office/powerpoint/2010/main" val="454569677"/>
       </p:ext>
     </p:extLst>
   </p:cSld>
@@ -16157,6 +16526,270 @@
       </p:grpSpPr>
       <p:sp>
         <p:nvSpPr>
+          <p:cNvPr id="7" name="TextBox 6">
+            <a:extLst>
+              <a:ext uri="{FF2B5EF4-FFF2-40B4-BE49-F238E27FC236}">
+                <a16:creationId xmlns:a16="http://schemas.microsoft.com/office/drawing/2014/main" id="{A063DF1C-7DF0-40B4-AC9D-EC918B0CB000}"/>
+              </a:ext>
+            </a:extLst>
+          </p:cNvPr>
+          <p:cNvSpPr txBox="1"/>
+          <p:nvPr/>
+        </p:nvSpPr>
+        <p:spPr>
+          <a:xfrm>
+            <a:off x="201996" y="-369332"/>
+            <a:ext cx="3101370" cy="369332"/>
+          </a:xfrm>
+          <a:prstGeom prst="rect">
+            <a:avLst/>
+          </a:prstGeom>
+          <a:noFill/>
+        </p:spPr>
+        <p:txBody>
+          <a:bodyPr wrap="square" rtlCol="0">
+            <a:spAutoFit/>
+          </a:bodyPr>
+          <a:lstStyle/>
+          <a:p>
+            <a:pPr algn="ctr"/>
+            <a:r>
+              <a:rPr lang="en-US" b="1"/>
+              <a:t>GCAM by Class Figs</a:t>
+            </a:r>
+          </a:p>
+        </p:txBody>
+      </p:sp>
+      <p:sp>
+        <p:nvSpPr>
+          <p:cNvPr id="3" name="Rectangle 2">
+            <a:extLst>
+              <a:ext uri="{FF2B5EF4-FFF2-40B4-BE49-F238E27FC236}">
+                <a16:creationId xmlns:a16="http://schemas.microsoft.com/office/drawing/2014/main" id="{80047060-3AA7-4699-9EAE-4E3F4573EEA2}"/>
+              </a:ext>
+            </a:extLst>
+          </p:cNvPr>
+          <p:cNvSpPr/>
+          <p:nvPr/>
+        </p:nvSpPr>
+        <p:spPr>
+          <a:xfrm>
+            <a:off x="442452" y="117988"/>
+            <a:ext cx="11444747" cy="6548284"/>
+          </a:xfrm>
+          <a:prstGeom prst="rect">
+            <a:avLst/>
+          </a:prstGeom>
+          <a:noFill/>
+          <a:ln>
+            <a:solidFill>
+              <a:schemeClr val="bg1">
+                <a:lumMod val="65000"/>
+              </a:schemeClr>
+            </a:solidFill>
+          </a:ln>
+        </p:spPr>
+        <p:style>
+          <a:lnRef idx="2">
+            <a:schemeClr val="accent1">
+              <a:shade val="50000"/>
+            </a:schemeClr>
+          </a:lnRef>
+          <a:fillRef idx="1">
+            <a:schemeClr val="accent1"/>
+          </a:fillRef>
+          <a:effectRef idx="0">
+            <a:schemeClr val="accent1"/>
+          </a:effectRef>
+          <a:fontRef idx="minor">
+            <a:schemeClr val="lt1"/>
+          </a:fontRef>
+        </p:style>
+        <p:txBody>
+          <a:bodyPr rtlCol="0" anchor="ctr"/>
+          <a:lstStyle/>
+          <a:p>
+            <a:pPr algn="ctr"/>
+            <a:endParaRPr lang="en-US"/>
+          </a:p>
+        </p:txBody>
+      </p:sp>
+      <p:pic>
+        <p:nvPicPr>
+          <p:cNvPr id="4" name="Picture 3" descr="A close up of a map&#10;&#10;Description automatically generated">
+            <a:extLst>
+              <a:ext uri="{FF2B5EF4-FFF2-40B4-BE49-F238E27FC236}">
+                <a16:creationId xmlns:a16="http://schemas.microsoft.com/office/drawing/2014/main" id="{54953583-8DC0-4DC1-9C80-59364DCE9939}"/>
+              </a:ext>
+            </a:extLst>
+          </p:cNvPr>
+          <p:cNvPicPr>
+            <a:picLocks noChangeAspect="1"/>
+          </p:cNvPicPr>
+          <p:nvPr/>
+        </p:nvPicPr>
+        <p:blipFill>
+          <a:blip r:embed="rId2">
+            <a:extLst>
+              <a:ext uri="{28A0092B-C50C-407E-A947-70E740481C1C}">
+                <a14:useLocalDpi xmlns:a14="http://schemas.microsoft.com/office/drawing/2010/main" val="0"/>
+              </a:ext>
+            </a:extLst>
+          </a:blip>
+          <a:stretch>
+            <a:fillRect/>
+          </a:stretch>
+        </p:blipFill>
+        <p:spPr>
+          <a:xfrm>
+            <a:off x="592175" y="545082"/>
+            <a:ext cx="7331022" cy="3993389"/>
+          </a:xfrm>
+          <a:prstGeom prst="rect">
+            <a:avLst/>
+          </a:prstGeom>
+        </p:spPr>
+      </p:pic>
+      <p:pic>
+        <p:nvPicPr>
+          <p:cNvPr id="6" name="Picture 5" descr="A picture containing text, map&#10;&#10;Description automatically generated">
+            <a:extLst>
+              <a:ext uri="{FF2B5EF4-FFF2-40B4-BE49-F238E27FC236}">
+                <a16:creationId xmlns:a16="http://schemas.microsoft.com/office/drawing/2014/main" id="{949EBDC5-4E80-425B-84EA-DDBD3A9647A4}"/>
+              </a:ext>
+            </a:extLst>
+          </p:cNvPr>
+          <p:cNvPicPr>
+            <a:picLocks noChangeAspect="1"/>
+          </p:cNvPicPr>
+          <p:nvPr/>
+        </p:nvPicPr>
+        <p:blipFill>
+          <a:blip r:embed="rId3">
+            <a:extLst>
+              <a:ext uri="{28A0092B-C50C-407E-A947-70E740481C1C}">
+                <a14:useLocalDpi xmlns:a14="http://schemas.microsoft.com/office/drawing/2010/main" val="0"/>
+              </a:ext>
+            </a:extLst>
+          </a:blip>
+          <a:stretch>
+            <a:fillRect/>
+          </a:stretch>
+        </p:blipFill>
+        <p:spPr>
+          <a:xfrm>
+            <a:off x="4257686" y="3783081"/>
+            <a:ext cx="7525130" cy="2748571"/>
+          </a:xfrm>
+          <a:prstGeom prst="rect">
+            <a:avLst/>
+          </a:prstGeom>
+        </p:spPr>
+      </p:pic>
+      <p:sp>
+        <p:nvSpPr>
+          <p:cNvPr id="9" name="TextBox 8">
+            <a:extLst>
+              <a:ext uri="{FF2B5EF4-FFF2-40B4-BE49-F238E27FC236}">
+                <a16:creationId xmlns:a16="http://schemas.microsoft.com/office/drawing/2014/main" id="{65A82A39-C97E-4486-BF84-AD752A7FF992}"/>
+              </a:ext>
+            </a:extLst>
+          </p:cNvPr>
+          <p:cNvSpPr txBox="1"/>
+          <p:nvPr/>
+        </p:nvSpPr>
+        <p:spPr>
+          <a:xfrm>
+            <a:off x="1556139" y="175750"/>
+            <a:ext cx="4210816" cy="369332"/>
+          </a:xfrm>
+          <a:prstGeom prst="rect">
+            <a:avLst/>
+          </a:prstGeom>
+          <a:noFill/>
+        </p:spPr>
+        <p:txBody>
+          <a:bodyPr wrap="square" rtlCol="0">
+            <a:spAutoFit/>
+          </a:bodyPr>
+          <a:lstStyle/>
+          <a:p>
+            <a:pPr algn="ctr"/>
+            <a:r>
+              <a:rPr lang="en-US" b="1"/>
+              <a:t>Electricity Generation SSP5 by Class 2040</a:t>
+            </a:r>
+          </a:p>
+        </p:txBody>
+      </p:sp>
+      <p:sp>
+        <p:nvSpPr>
+          <p:cNvPr id="10" name="TextBox 9">
+            <a:extLst>
+              <a:ext uri="{FF2B5EF4-FFF2-40B4-BE49-F238E27FC236}">
+                <a16:creationId xmlns:a16="http://schemas.microsoft.com/office/drawing/2014/main" id="{52335815-A0C2-4151-96C4-FDD5E5395A04}"/>
+              </a:ext>
+            </a:extLst>
+          </p:cNvPr>
+          <p:cNvSpPr txBox="1"/>
+          <p:nvPr/>
+        </p:nvSpPr>
+        <p:spPr>
+          <a:xfrm>
+            <a:off x="5929124" y="3429000"/>
+            <a:ext cx="3976074" cy="369332"/>
+          </a:xfrm>
+          <a:prstGeom prst="rect">
+            <a:avLst/>
+          </a:prstGeom>
+          <a:noFill/>
+        </p:spPr>
+        <p:txBody>
+          <a:bodyPr wrap="square" rtlCol="0">
+            <a:spAutoFit/>
+          </a:bodyPr>
+          <a:lstStyle/>
+          <a:p>
+            <a:pPr algn="ctr"/>
+            <a:r>
+              <a:rPr lang="en-US" b="1"/>
+              <a:t>Land Allocation SSP5 by Class 2040</a:t>
+            </a:r>
+          </a:p>
+        </p:txBody>
+      </p:sp>
+    </p:spTree>
+    <p:extLst>
+      <p:ext uri="{BB962C8B-B14F-4D97-AF65-F5344CB8AC3E}">
+        <p14:creationId xmlns:p14="http://schemas.microsoft.com/office/powerpoint/2010/main" val="1298961020"/>
+      </p:ext>
+    </p:extLst>
+  </p:cSld>
+  <p:clrMapOvr>
+    <a:masterClrMapping/>
+  </p:clrMapOvr>
+</p:sld>
+</file>
+
+<file path=ppt/slides/slide42.xml><?xml version="1.0" encoding="utf-8"?>
+<p:sld xmlns:a="http://schemas.openxmlformats.org/drawingml/2006/main" xmlns:r="http://schemas.openxmlformats.org/officeDocument/2006/relationships" xmlns:p="http://schemas.openxmlformats.org/presentationml/2006/main">
+  <p:cSld>
+    <p:spTree>
+      <p:nvGrpSpPr>
+        <p:cNvPr id="1" name=""/>
+        <p:cNvGrpSpPr/>
+        <p:nvPr/>
+      </p:nvGrpSpPr>
+      <p:grpSpPr>
+        <a:xfrm>
+          <a:off x="0" y="0"/>
+          <a:ext cx="0" cy="0"/>
+          <a:chOff x="0" y="0"/>
+          <a:chExt cx="0" cy="0"/>
+        </a:xfrm>
+      </p:grpSpPr>
+      <p:sp>
+        <p:nvSpPr>
           <p:cNvPr id="2" name="Title 1"/>
           <p:cNvSpPr>
             <a:spLocks noGrp="1"/>
@@ -16195,7 +16828,7 @@
 </p:sld>
 </file>
 
-<file path=ppt/slides/slide42.xml><?xml version="1.0" encoding="utf-8"?>
+<file path=ppt/slides/slide43.xml><?xml version="1.0" encoding="utf-8"?>
 <p:sld xmlns:a="http://schemas.openxmlformats.org/drawingml/2006/main" xmlns:r="http://schemas.openxmlformats.org/officeDocument/2006/relationships" xmlns:p="http://schemas.openxmlformats.org/presentationml/2006/main">
   <p:cSld>
     <p:spTree>
@@ -18264,7 +18897,7 @@
 </p:sld>
 </file>
 
-<file path=ppt/slides/slide43.xml><?xml version="1.0" encoding="utf-8"?>
+<file path=ppt/slides/slide44.xml><?xml version="1.0" encoding="utf-8"?>
 <p:sld xmlns:a="http://schemas.openxmlformats.org/drawingml/2006/main" xmlns:r="http://schemas.openxmlformats.org/officeDocument/2006/relationships" xmlns:p="http://schemas.openxmlformats.org/presentationml/2006/main">
   <p:cSld>
     <p:spTree>
@@ -19180,7 +19813,7 @@
 </p:sld>
 </file>
 
-<file path=ppt/slides/slide44.xml><?xml version="1.0" encoding="utf-8"?>
+<file path=ppt/slides/slide45.xml><?xml version="1.0" encoding="utf-8"?>
 <p:sld xmlns:a="http://schemas.openxmlformats.org/drawingml/2006/main" xmlns:r="http://schemas.openxmlformats.org/officeDocument/2006/relationships" xmlns:p="http://schemas.openxmlformats.org/presentationml/2006/main">
   <p:cSld>
     <p:spTree>
@@ -26036,7 +26669,7 @@
 </p:sld>
 </file>
 
-<file path=ppt/slides/slide45.xml><?xml version="1.0" encoding="utf-8"?>
+<file path=ppt/slides/slide46.xml><?xml version="1.0" encoding="utf-8"?>
 <p:sld xmlns:a="http://schemas.openxmlformats.org/drawingml/2006/main" xmlns:r="http://schemas.openxmlformats.org/officeDocument/2006/relationships" xmlns:p="http://schemas.openxmlformats.org/presentationml/2006/main">
   <p:cSld>
     <p:spTree>

--- a/vignettes/vignetteFigs/00vignetteFigs.pptx
+++ b/vignettes/vignetteFigs/00vignetteFigs.pptx
@@ -242,7 +242,7 @@
           <a:p>
             <a:fld id="{921607FB-4AF3-41D9-93C1-AF2B65302971}" type="datetimeFigureOut">
               <a:rPr lang="en-US" smtClean="0"/>
-              <a:t>1/22/2021</a:t>
+              <a:t>3/1/2021</a:t>
             </a:fld>
             <a:endParaRPr lang="en-US"/>
           </a:p>
@@ -638,7 +638,7 @@
           <a:p>
             <a:fld id="{11D67388-0790-496E-9A12-37055489AF4F}" type="datetimeFigureOut">
               <a:rPr lang="en-US" smtClean="0"/>
-              <a:t>1/22/2021</a:t>
+              <a:t>3/1/2021</a:t>
             </a:fld>
             <a:endParaRPr lang="en-US"/>
           </a:p>
@@ -806,7 +806,7 @@
           <a:p>
             <a:fld id="{11D67388-0790-496E-9A12-37055489AF4F}" type="datetimeFigureOut">
               <a:rPr lang="en-US" smtClean="0"/>
-              <a:t>1/22/2021</a:t>
+              <a:t>3/1/2021</a:t>
             </a:fld>
             <a:endParaRPr lang="en-US"/>
           </a:p>
@@ -984,7 +984,7 @@
           <a:p>
             <a:fld id="{11D67388-0790-496E-9A12-37055489AF4F}" type="datetimeFigureOut">
               <a:rPr lang="en-US" smtClean="0"/>
-              <a:t>1/22/2021</a:t>
+              <a:t>3/1/2021</a:t>
             </a:fld>
             <a:endParaRPr lang="en-US"/>
           </a:p>
@@ -1152,7 +1152,7 @@
           <a:p>
             <a:fld id="{11D67388-0790-496E-9A12-37055489AF4F}" type="datetimeFigureOut">
               <a:rPr lang="en-US" smtClean="0"/>
-              <a:t>1/22/2021</a:t>
+              <a:t>3/1/2021</a:t>
             </a:fld>
             <a:endParaRPr lang="en-US"/>
           </a:p>
@@ -1397,7 +1397,7 @@
           <a:p>
             <a:fld id="{11D67388-0790-496E-9A12-37055489AF4F}" type="datetimeFigureOut">
               <a:rPr lang="en-US" smtClean="0"/>
-              <a:t>1/22/2021</a:t>
+              <a:t>3/1/2021</a:t>
             </a:fld>
             <a:endParaRPr lang="en-US"/>
           </a:p>
@@ -1626,7 +1626,7 @@
           <a:p>
             <a:fld id="{11D67388-0790-496E-9A12-37055489AF4F}" type="datetimeFigureOut">
               <a:rPr lang="en-US" smtClean="0"/>
-              <a:t>1/22/2021</a:t>
+              <a:t>3/1/2021</a:t>
             </a:fld>
             <a:endParaRPr lang="en-US"/>
           </a:p>
@@ -1990,7 +1990,7 @@
           <a:p>
             <a:fld id="{11D67388-0790-496E-9A12-37055489AF4F}" type="datetimeFigureOut">
               <a:rPr lang="en-US" smtClean="0"/>
-              <a:t>1/22/2021</a:t>
+              <a:t>3/1/2021</a:t>
             </a:fld>
             <a:endParaRPr lang="en-US"/>
           </a:p>
@@ -2107,7 +2107,7 @@
           <a:p>
             <a:fld id="{11D67388-0790-496E-9A12-37055489AF4F}" type="datetimeFigureOut">
               <a:rPr lang="en-US" smtClean="0"/>
-              <a:t>1/22/2021</a:t>
+              <a:t>3/1/2021</a:t>
             </a:fld>
             <a:endParaRPr lang="en-US"/>
           </a:p>
@@ -2202,7 +2202,7 @@
           <a:p>
             <a:fld id="{11D67388-0790-496E-9A12-37055489AF4F}" type="datetimeFigureOut">
               <a:rPr lang="en-US" smtClean="0"/>
-              <a:t>1/22/2021</a:t>
+              <a:t>3/1/2021</a:t>
             </a:fld>
             <a:endParaRPr lang="en-US"/>
           </a:p>
@@ -2477,7 +2477,7 @@
           <a:p>
             <a:fld id="{11D67388-0790-496E-9A12-37055489AF4F}" type="datetimeFigureOut">
               <a:rPr lang="en-US" smtClean="0"/>
-              <a:t>1/22/2021</a:t>
+              <a:t>3/1/2021</a:t>
             </a:fld>
             <a:endParaRPr lang="en-US"/>
           </a:p>
@@ -2729,7 +2729,7 @@
           <a:p>
             <a:fld id="{11D67388-0790-496E-9A12-37055489AF4F}" type="datetimeFigureOut">
               <a:rPr lang="en-US" smtClean="0"/>
-              <a:t>1/22/2021</a:t>
+              <a:t>3/1/2021</a:t>
             </a:fld>
             <a:endParaRPr lang="en-US"/>
           </a:p>
@@ -2940,7 +2940,7 @@
           <a:p>
             <a:fld id="{11D67388-0790-496E-9A12-37055489AF4F}" type="datetimeFigureOut">
               <a:rPr lang="en-US" smtClean="0"/>
-              <a:t>1/22/2021</a:t>
+              <a:t>3/1/2021</a:t>
             </a:fld>
             <a:endParaRPr lang="en-US"/>
           </a:p>
@@ -3699,14 +3699,14 @@
               </a:lnSpc>
             </a:pPr>
             <a:r>
-              <a:rPr lang="de-DE" altLang="en-US" sz="1600">
+              <a:rPr lang="de-DE" altLang="en-US" sz="1600" dirty="0">
                 <a:solidFill>
                   <a:schemeClr val="tx1"/>
                 </a:solidFill>
               </a:rPr>
-              <a:t>metis::metis.map(mapUS49, labels=T)</a:t>
+              <a:t>rmap::map(mapUS49, labels=T)</a:t>
             </a:r>
-            <a:endParaRPr lang="en-US" altLang="en-US" sz="1600">
+            <a:endParaRPr lang="en-US" altLang="en-US" sz="1600" dirty="0">
               <a:solidFill>
                 <a:schemeClr val="tx1"/>
               </a:solidFill>
@@ -7012,8 +7012,8 @@
         </p:nvSpPr>
         <p:spPr>
           <a:xfrm>
-            <a:off x="7027205" y="1735388"/>
-            <a:ext cx="3957750" cy="369332"/>
+            <a:off x="7391792" y="1735388"/>
+            <a:ext cx="3228576" cy="369332"/>
           </a:xfrm>
           <a:prstGeom prst="rect">
             <a:avLst/>
@@ -7026,8 +7026,16 @@
           <a:lstStyle/>
           <a:p>
             <a:r>
-              <a:rPr lang="en-US" b="1"/>
-              <a:t>subRegShape = metis::mapGCAMReg32</a:t>
+              <a:rPr lang="en-US" b="1" dirty="0"/>
+              <a:t>shape = </a:t>
+            </a:r>
+            <a:r>
+              <a:rPr lang="en-US" b="1" dirty="0" err="1"/>
+              <a:t>rmap</a:t>
+            </a:r>
+            <a:r>
+              <a:rPr lang="en-US" b="1" dirty="0"/>
+              <a:t>::mapGCAMReg32</a:t>
             </a:r>
           </a:p>
         </p:txBody>
@@ -7046,8 +7054,8 @@
         </p:nvSpPr>
         <p:spPr>
           <a:xfrm>
-            <a:off x="1759823" y="1735388"/>
-            <a:ext cx="2715615" cy="646331"/>
+            <a:off x="1321115" y="1735388"/>
+            <a:ext cx="3843681" cy="369332"/>
           </a:xfrm>
           <a:prstGeom prst="rect">
             <a:avLst/>
@@ -7060,19 +7068,8 @@
           <a:lstStyle/>
           <a:p>
             <a:r>
-              <a:rPr lang="en-US" b="1" dirty="0" err="1"/>
-              <a:t>subRegShape</a:t>
-            </a:r>
-            <a:r>
               <a:rPr lang="en-US" b="1" dirty="0"/>
-              <a:t> not assigned</a:t>
-            </a:r>
-          </a:p>
-          <a:p>
-            <a:pPr algn="ctr"/>
-            <a:r>
-              <a:rPr lang="en-US" b="1" dirty="0"/>
-              <a:t>auto selects a map</a:t>
+              <a:t>shape not assigned auto selects a map</a:t>
             </a:r>
           </a:p>
         </p:txBody>
@@ -7230,7 +7227,7 @@
         </p:blipFill>
         <p:spPr>
           <a:xfrm>
-            <a:off x="2379714" y="1419209"/>
+            <a:off x="2379714" y="1500323"/>
             <a:ext cx="2758575" cy="3810166"/>
           </a:xfrm>
           <a:prstGeom prst="rect">
@@ -7266,7 +7263,7 @@
         </p:blipFill>
         <p:spPr>
           <a:xfrm>
-            <a:off x="7257764" y="1302551"/>
+            <a:off x="7257764" y="1383665"/>
             <a:ext cx="3181965" cy="3926824"/>
           </a:xfrm>
           <a:prstGeom prst="rect">
@@ -7288,8 +7285,8 @@
         </p:nvSpPr>
         <p:spPr>
           <a:xfrm>
-            <a:off x="3062914" y="849000"/>
-            <a:ext cx="1392176" cy="369332"/>
+            <a:off x="2937553" y="850590"/>
+            <a:ext cx="2040239" cy="369332"/>
           </a:xfrm>
           <a:prstGeom prst="rect">
             <a:avLst/>
@@ -7303,8 +7300,13 @@
           <a:p>
             <a:r>
               <a:rPr lang="en-US" b="1" dirty="0"/>
+              <a:t>data = </a:t>
+            </a:r>
+            <a:r>
+              <a:rPr lang="en-US" b="1" dirty="0" err="1"/>
               <a:t>shapeSubset</a:t>
             </a:r>
+            <a:endParaRPr lang="en-US" b="1" dirty="0"/>
           </a:p>
         </p:txBody>
       </p:sp>
@@ -7322,8 +7324,8 @@
         </p:nvSpPr>
         <p:spPr>
           <a:xfrm>
-            <a:off x="7843887" y="849000"/>
-            <a:ext cx="2009717" cy="369332"/>
+            <a:off x="7758318" y="712090"/>
+            <a:ext cx="2180854" cy="646331"/>
           </a:xfrm>
           <a:prstGeom prst="rect">
             <a:avLst/>
@@ -7335,9 +7337,26 @@
           </a:bodyPr>
           <a:lstStyle/>
           <a:p>
+            <a:pPr algn="ctr"/>
+            <a:r>
+              <a:rPr lang="en-US" b="1" dirty="0"/>
+              <a:t>data = </a:t>
+            </a:r>
             <a:r>
               <a:rPr lang="en-US" b="1" dirty="0" err="1"/>
-              <a:t>metis.mapsProcess</a:t>
+              <a:t>dataframe</a:t>
+            </a:r>
+            <a:endParaRPr lang="en-US" b="1" dirty="0"/>
+          </a:p>
+          <a:p>
+            <a:pPr algn="ctr"/>
+            <a:r>
+              <a:rPr lang="en-US" b="1" dirty="0"/>
+              <a:t>shape = </a:t>
+            </a:r>
+            <a:r>
+              <a:rPr lang="en-US" b="1" dirty="0" err="1"/>
+              <a:t>shapeSubset</a:t>
             </a:r>
             <a:endParaRPr lang="en-US" b="1" dirty="0"/>
           </a:p>
@@ -7468,12 +7487,84 @@
           </a:p>
         </p:txBody>
       </p:sp>
+      <p:pic>
+        <p:nvPicPr>
+          <p:cNvPr id="3" name="Picture 2" descr="A picture containing chart&#10;&#10;Description automatically generated">
+            <a:extLst>
+              <a:ext uri="{FF2B5EF4-FFF2-40B4-BE49-F238E27FC236}">
+                <a16:creationId xmlns:a16="http://schemas.microsoft.com/office/drawing/2014/main" id="{22703104-0203-4F7B-BE55-2A0221E93976}"/>
+              </a:ext>
+            </a:extLst>
+          </p:cNvPr>
+          <p:cNvPicPr>
+            <a:picLocks noChangeAspect="1"/>
+          </p:cNvPicPr>
+          <p:nvPr/>
+        </p:nvPicPr>
+        <p:blipFill>
+          <a:blip r:embed="rId2" cstate="print">
+            <a:extLst>
+              <a:ext uri="{28A0092B-C50C-407E-A947-70E740481C1C}">
+                <a14:useLocalDpi xmlns:a14="http://schemas.microsoft.com/office/drawing/2010/main" val="0"/>
+              </a:ext>
+            </a:extLst>
+          </a:blip>
+          <a:stretch>
+            <a:fillRect/>
+          </a:stretch>
+        </p:blipFill>
+        <p:spPr>
+          <a:xfrm>
+            <a:off x="1951839" y="1705801"/>
+            <a:ext cx="3605456" cy="3425683"/>
+          </a:xfrm>
+          <a:prstGeom prst="rect">
+            <a:avLst/>
+          </a:prstGeom>
+        </p:spPr>
+      </p:pic>
+      <p:pic>
+        <p:nvPicPr>
+          <p:cNvPr id="11" name="Picture 10" descr="Map&#10;&#10;Description automatically generated">
+            <a:extLst>
+              <a:ext uri="{FF2B5EF4-FFF2-40B4-BE49-F238E27FC236}">
+                <a16:creationId xmlns:a16="http://schemas.microsoft.com/office/drawing/2014/main" id="{9FA9517D-43C4-42A3-A4CF-13744C9DAC3A}"/>
+              </a:ext>
+            </a:extLst>
+          </p:cNvPr>
+          <p:cNvPicPr>
+            <a:picLocks noChangeAspect="1"/>
+          </p:cNvPicPr>
+          <p:nvPr/>
+        </p:nvPicPr>
+        <p:blipFill>
+          <a:blip r:embed="rId3" cstate="print">
+            <a:extLst>
+              <a:ext uri="{28A0092B-C50C-407E-A947-70E740481C1C}">
+                <a14:useLocalDpi xmlns:a14="http://schemas.microsoft.com/office/drawing/2010/main" val="0"/>
+              </a:ext>
+            </a:extLst>
+          </a:blip>
+          <a:stretch>
+            <a:fillRect/>
+          </a:stretch>
+        </p:blipFill>
+        <p:spPr>
+          <a:xfrm>
+            <a:off x="6693804" y="1560882"/>
+            <a:ext cx="4309881" cy="3715520"/>
+          </a:xfrm>
+          <a:prstGeom prst="rect">
+            <a:avLst/>
+          </a:prstGeom>
+        </p:spPr>
+      </p:pic>
       <p:sp>
         <p:nvSpPr>
-          <p:cNvPr id="9" name="Rectangle 8">
-            <a:extLst>
-              <a:ext uri="{FF2B5EF4-FFF2-40B4-BE49-F238E27FC236}">
-                <a16:creationId xmlns:a16="http://schemas.microsoft.com/office/drawing/2014/main" id="{7AB7F313-45DA-4714-9451-0C5E31B3BE25}"/>
+          <p:cNvPr id="13" name="Rectangle 12">
+            <a:extLst>
+              <a:ext uri="{FF2B5EF4-FFF2-40B4-BE49-F238E27FC236}">
+                <a16:creationId xmlns:a16="http://schemas.microsoft.com/office/drawing/2014/main" id="{23CAFE2C-7887-498D-88FB-B0CEA705874F}"/>
               </a:ext>
             </a:extLst>
           </p:cNvPr>
@@ -7482,8 +7573,8 @@
         </p:nvSpPr>
         <p:spPr>
           <a:xfrm>
-            <a:off x="3062914" y="849000"/>
-            <a:ext cx="1199752" cy="369332"/>
+            <a:off x="2937553" y="850590"/>
+            <a:ext cx="1847814" cy="369332"/>
           </a:xfrm>
           <a:prstGeom prst="rect">
             <a:avLst/>
@@ -7497,17 +7588,22 @@
           <a:p>
             <a:r>
               <a:rPr lang="en-US" b="1" dirty="0"/>
+              <a:t>data = </a:t>
+            </a:r>
+            <a:r>
+              <a:rPr lang="en-US" b="1" dirty="0" err="1"/>
               <a:t>shapeCrop</a:t>
             </a:r>
+            <a:endParaRPr lang="en-US" b="1" dirty="0"/>
           </a:p>
         </p:txBody>
       </p:sp>
       <p:sp>
         <p:nvSpPr>
-          <p:cNvPr id="10" name="Rectangle 9">
-            <a:extLst>
-              <a:ext uri="{FF2B5EF4-FFF2-40B4-BE49-F238E27FC236}">
-                <a16:creationId xmlns:a16="http://schemas.microsoft.com/office/drawing/2014/main" id="{DC79B96A-FB2B-4CFF-B618-4410BDE33DA2}"/>
+          <p:cNvPr id="14" name="Rectangle 13">
+            <a:extLst>
+              <a:ext uri="{FF2B5EF4-FFF2-40B4-BE49-F238E27FC236}">
+                <a16:creationId xmlns:a16="http://schemas.microsoft.com/office/drawing/2014/main" id="{22041367-82B6-447F-8A35-AB8E4BFAF487}"/>
               </a:ext>
             </a:extLst>
           </p:cNvPr>
@@ -7516,8 +7612,8 @@
         </p:nvSpPr>
         <p:spPr>
           <a:xfrm>
-            <a:off x="7843887" y="849000"/>
-            <a:ext cx="2009717" cy="369332"/>
+            <a:off x="7854531" y="712090"/>
+            <a:ext cx="1988429" cy="646331"/>
           </a:xfrm>
           <a:prstGeom prst="rect">
             <a:avLst/>
@@ -7529,85 +7625,31 @@
           </a:bodyPr>
           <a:lstStyle/>
           <a:p>
+            <a:pPr algn="ctr"/>
             <a:r>
               <a:rPr lang="en-US" b="1" dirty="0"/>
-              <a:t>metis.mapsProcess</a:t>
+              <a:t>data = </a:t>
             </a:r>
+            <a:r>
+              <a:rPr lang="en-US" b="1" dirty="0" err="1"/>
+              <a:t>dataframe</a:t>
+            </a:r>
+            <a:endParaRPr lang="en-US" b="1" dirty="0"/>
+          </a:p>
+          <a:p>
+            <a:pPr algn="ctr"/>
+            <a:r>
+              <a:rPr lang="en-US" b="1" dirty="0"/>
+              <a:t>shape = </a:t>
+            </a:r>
+            <a:r>
+              <a:rPr lang="en-US" b="1" dirty="0" err="1"/>
+              <a:t>shapeCrop</a:t>
+            </a:r>
+            <a:endParaRPr lang="en-US" b="1" dirty="0"/>
           </a:p>
         </p:txBody>
       </p:sp>
-      <p:pic>
-        <p:nvPicPr>
-          <p:cNvPr id="3" name="Picture 2" descr="A picture containing chart&#10;&#10;Description automatically generated">
-            <a:extLst>
-              <a:ext uri="{FF2B5EF4-FFF2-40B4-BE49-F238E27FC236}">
-                <a16:creationId xmlns:a16="http://schemas.microsoft.com/office/drawing/2014/main" id="{22703104-0203-4F7B-BE55-2A0221E93976}"/>
-              </a:ext>
-            </a:extLst>
-          </p:cNvPr>
-          <p:cNvPicPr>
-            <a:picLocks noChangeAspect="1"/>
-          </p:cNvPicPr>
-          <p:nvPr/>
-        </p:nvPicPr>
-        <p:blipFill>
-          <a:blip r:embed="rId2" cstate="print">
-            <a:extLst>
-              <a:ext uri="{28A0092B-C50C-407E-A947-70E740481C1C}">
-                <a14:useLocalDpi xmlns:a14="http://schemas.microsoft.com/office/drawing/2010/main" val="0"/>
-              </a:ext>
-            </a:extLst>
-          </a:blip>
-          <a:stretch>
-            <a:fillRect/>
-          </a:stretch>
-        </p:blipFill>
-        <p:spPr>
-          <a:xfrm>
-            <a:off x="1951839" y="1576145"/>
-            <a:ext cx="3605456" cy="3425683"/>
-          </a:xfrm>
-          <a:prstGeom prst="rect">
-            <a:avLst/>
-          </a:prstGeom>
-        </p:spPr>
-      </p:pic>
-      <p:pic>
-        <p:nvPicPr>
-          <p:cNvPr id="11" name="Picture 10" descr="Map&#10;&#10;Description automatically generated">
-            <a:extLst>
-              <a:ext uri="{FF2B5EF4-FFF2-40B4-BE49-F238E27FC236}">
-                <a16:creationId xmlns:a16="http://schemas.microsoft.com/office/drawing/2014/main" id="{9FA9517D-43C4-42A3-A4CF-13744C9DAC3A}"/>
-              </a:ext>
-            </a:extLst>
-          </p:cNvPr>
-          <p:cNvPicPr>
-            <a:picLocks noChangeAspect="1"/>
-          </p:cNvPicPr>
-          <p:nvPr/>
-        </p:nvPicPr>
-        <p:blipFill>
-          <a:blip r:embed="rId3" cstate="print">
-            <a:extLst>
-              <a:ext uri="{28A0092B-C50C-407E-A947-70E740481C1C}">
-                <a14:useLocalDpi xmlns:a14="http://schemas.microsoft.com/office/drawing/2010/main" val="0"/>
-              </a:ext>
-            </a:extLst>
-          </a:blip>
-          <a:stretch>
-            <a:fillRect/>
-          </a:stretch>
-        </p:blipFill>
-        <p:spPr>
-          <a:xfrm>
-            <a:off x="6693804" y="1431226"/>
-            <a:ext cx="4309881" cy="3715520"/>
-          </a:xfrm>
-          <a:prstGeom prst="rect">
-            <a:avLst/>
-          </a:prstGeom>
-        </p:spPr>
-      </p:pic>
     </p:spTree>
     <p:extLst>
       <p:ext uri="{BB962C8B-B14F-4D97-AF65-F5344CB8AC3E}">

--- a/vignettes/vignetteFigs/00vignetteFigs.pptx
+++ b/vignettes/vignetteFigs/00vignetteFigs.pptx
@@ -5,7 +5,7 @@
     <p:sldMasterId id="2147483648" r:id="rId1"/>
   </p:sldMasterIdLst>
   <p:notesMasterIdLst>
-    <p:notesMasterId r:id="rId48"/>
+    <p:notesMasterId r:id="rId50"/>
   </p:notesMasterIdLst>
   <p:sldIdLst>
     <p:sldId id="260" r:id="rId2"/>
@@ -37,23 +37,25 @@
     <p:sldId id="285" r:id="rId28"/>
     <p:sldId id="287" r:id="rId29"/>
     <p:sldId id="282" r:id="rId30"/>
-    <p:sldId id="286" r:id="rId31"/>
-    <p:sldId id="308" r:id="rId32"/>
-    <p:sldId id="307" r:id="rId33"/>
-    <p:sldId id="283" r:id="rId34"/>
-    <p:sldId id="284" r:id="rId35"/>
-    <p:sldId id="310" r:id="rId36"/>
-    <p:sldId id="311" r:id="rId37"/>
-    <p:sldId id="313" r:id="rId38"/>
-    <p:sldId id="309" r:id="rId39"/>
-    <p:sldId id="291" r:id="rId40"/>
-    <p:sldId id="292" r:id="rId41"/>
-    <p:sldId id="293" r:id="rId42"/>
-    <p:sldId id="297" r:id="rId43"/>
-    <p:sldId id="301" r:id="rId44"/>
-    <p:sldId id="300" r:id="rId45"/>
-    <p:sldId id="298" r:id="rId46"/>
-    <p:sldId id="302" r:id="rId47"/>
+    <p:sldId id="314" r:id="rId31"/>
+    <p:sldId id="286" r:id="rId32"/>
+    <p:sldId id="308" r:id="rId33"/>
+    <p:sldId id="307" r:id="rId34"/>
+    <p:sldId id="283" r:id="rId35"/>
+    <p:sldId id="284" r:id="rId36"/>
+    <p:sldId id="310" r:id="rId37"/>
+    <p:sldId id="311" r:id="rId38"/>
+    <p:sldId id="313" r:id="rId39"/>
+    <p:sldId id="315" r:id="rId40"/>
+    <p:sldId id="309" r:id="rId41"/>
+    <p:sldId id="291" r:id="rId42"/>
+    <p:sldId id="292" r:id="rId43"/>
+    <p:sldId id="293" r:id="rId44"/>
+    <p:sldId id="297" r:id="rId45"/>
+    <p:sldId id="301" r:id="rId46"/>
+    <p:sldId id="300" r:id="rId47"/>
+    <p:sldId id="298" r:id="rId48"/>
+    <p:sldId id="302" r:id="rId49"/>
   </p:sldIdLst>
   <p:sldSz cx="12192000" cy="6858000"/>
   <p:notesSz cx="6858000" cy="9144000"/>
@@ -3862,7 +3864,7 @@
         </p:nvGrpSpPr>
         <p:grpSpPr>
           <a:xfrm>
-            <a:off x="5674206" y="658374"/>
+            <a:off x="4108047" y="658374"/>
             <a:ext cx="2066223" cy="965296"/>
             <a:chOff x="1811039" y="1300849"/>
             <a:chExt cx="2066223" cy="965296"/>
@@ -4096,10 +4098,10 @@
       </p:grpSp>
       <p:grpSp>
         <p:nvGrpSpPr>
-          <p:cNvPr id="26" name="Group 25">
-            <a:extLst>
-              <a:ext uri="{FF2B5EF4-FFF2-40B4-BE49-F238E27FC236}">
-                <a16:creationId xmlns:a16="http://schemas.microsoft.com/office/drawing/2014/main" id="{F8ABCB50-70E7-4DB2-B96A-6E8E77AF5983}"/>
+          <p:cNvPr id="32" name="Group 31">
+            <a:extLst>
+              <a:ext uri="{FF2B5EF4-FFF2-40B4-BE49-F238E27FC236}">
+                <a16:creationId xmlns:a16="http://schemas.microsoft.com/office/drawing/2014/main" id="{22A529F0-6FD0-4F2D-8C46-A913DB80535F}"/>
               </a:ext>
             </a:extLst>
           </p:cNvPr>
@@ -4108,111 +4110,7 @@
         </p:nvGrpSpPr>
         <p:grpSpPr>
           <a:xfrm>
-            <a:off x="4605664" y="658374"/>
-            <a:ext cx="2066223" cy="965296"/>
-            <a:chOff x="1811039" y="1300849"/>
-            <a:chExt cx="2066223" cy="965296"/>
-          </a:xfrm>
-        </p:grpSpPr>
-        <p:pic>
-          <p:nvPicPr>
-            <p:cNvPr id="27" name="Picture 2">
-              <a:extLst>
-                <a:ext uri="{FF2B5EF4-FFF2-40B4-BE49-F238E27FC236}">
-                  <a16:creationId xmlns:a16="http://schemas.microsoft.com/office/drawing/2014/main" id="{5C62F180-7277-4194-9CED-7C99EAF3FCCE}"/>
-                </a:ext>
-              </a:extLst>
-            </p:cNvPr>
-            <p:cNvPicPr>
-              <a:picLocks noChangeAspect="1" noChangeArrowheads="1"/>
-            </p:cNvPicPr>
-            <p:nvPr/>
-          </p:nvPicPr>
-          <p:blipFill>
-            <a:blip r:embed="rId2" cstate="print">
-              <a:extLst>
-                <a:ext uri="{28A0092B-C50C-407E-A947-70E740481C1C}">
-                  <a14:useLocalDpi xmlns:a14="http://schemas.microsoft.com/office/drawing/2010/main" val="0"/>
-                </a:ext>
-              </a:extLst>
-            </a:blip>
-            <a:srcRect/>
-            <a:stretch>
-              <a:fillRect/>
-            </a:stretch>
-          </p:blipFill>
-          <p:spPr bwMode="auto">
-            <a:xfrm>
-              <a:off x="2512807" y="1603456"/>
-              <a:ext cx="662689" cy="662689"/>
-            </a:xfrm>
-            <a:prstGeom prst="rect">
-              <a:avLst/>
-            </a:prstGeom>
-            <a:noFill/>
-            <a:extLst>
-              <a:ext uri="{909E8E84-426E-40DD-AFC4-6F175D3DCCD1}">
-                <a14:hiddenFill xmlns:a14="http://schemas.microsoft.com/office/drawing/2010/main">
-                  <a:solidFill>
-                    <a:srgbClr val="FFFFFF"/>
-                  </a:solidFill>
-                </a14:hiddenFill>
-              </a:ext>
-            </a:extLst>
-          </p:spPr>
-        </p:pic>
-        <p:sp>
-          <p:nvSpPr>
-            <p:cNvPr id="28" name="TextBox 27">
-              <a:extLst>
-                <a:ext uri="{FF2B5EF4-FFF2-40B4-BE49-F238E27FC236}">
-                  <a16:creationId xmlns:a16="http://schemas.microsoft.com/office/drawing/2014/main" id="{D0B8A10D-8661-4473-8903-FD2834B7AF77}"/>
-                </a:ext>
-              </a:extLst>
-            </p:cNvPr>
-            <p:cNvSpPr txBox="1"/>
-            <p:nvPr/>
-          </p:nvSpPr>
-          <p:spPr>
-            <a:xfrm>
-              <a:off x="1811039" y="1300849"/>
-              <a:ext cx="2066223" cy="369332"/>
-            </a:xfrm>
-            <a:prstGeom prst="rect">
-              <a:avLst/>
-            </a:prstGeom>
-            <a:noFill/>
-          </p:spPr>
-          <p:txBody>
-            <a:bodyPr wrap="square" rtlCol="0">
-              <a:spAutoFit/>
-            </a:bodyPr>
-            <a:lstStyle/>
-            <a:p>
-              <a:pPr algn="ctr"/>
-              <a:r>
-                <a:rPr lang="en-US"/>
-                <a:t>US49</a:t>
-              </a:r>
-            </a:p>
-          </p:txBody>
-        </p:sp>
-      </p:grpSp>
-      <p:grpSp>
-        <p:nvGrpSpPr>
-          <p:cNvPr id="32" name="Group 31">
-            <a:extLst>
-              <a:ext uri="{FF2B5EF4-FFF2-40B4-BE49-F238E27FC236}">
-                <a16:creationId xmlns:a16="http://schemas.microsoft.com/office/drawing/2014/main" id="{22A529F0-6FD0-4F2D-8C46-A913DB80535F}"/>
-              </a:ext>
-            </a:extLst>
-          </p:cNvPr>
-          <p:cNvGrpSpPr/>
-          <p:nvPr/>
-        </p:nvGrpSpPr>
-        <p:grpSpPr>
-          <a:xfrm>
-            <a:off x="6709886" y="658374"/>
+            <a:off x="5260462" y="658374"/>
             <a:ext cx="2066223" cy="965296"/>
             <a:chOff x="1811039" y="1300849"/>
             <a:chExt cx="2066223" cy="965296"/>
@@ -4313,14 +4211,12 @@
           </p:cNvPr>
           <p:cNvCxnSpPr>
             <a:cxnSpLocks/>
-            <a:stCxn id="27" idx="3"/>
-            <a:endCxn id="30" idx="1"/>
           </p:cNvCxnSpPr>
           <p:nvPr/>
         </p:nvCxnSpPr>
         <p:spPr>
           <a:xfrm>
-            <a:off x="5970121" y="1292326"/>
+            <a:off x="4267774" y="1292326"/>
             <a:ext cx="405853" cy="0"/>
           </a:xfrm>
           <a:prstGeom prst="line">
@@ -4363,8 +4259,8 @@
         </p:nvCxnSpPr>
         <p:spPr>
           <a:xfrm>
-            <a:off x="7038663" y="1292326"/>
-            <a:ext cx="372991" cy="0"/>
+            <a:off x="5472504" y="1292326"/>
+            <a:ext cx="489726" cy="0"/>
           </a:xfrm>
           <a:prstGeom prst="line">
             <a:avLst/>
@@ -4406,8 +4302,8 @@
         </p:nvCxnSpPr>
         <p:spPr>
           <a:xfrm rot="5400000">
-            <a:off x="5765532" y="138599"/>
-            <a:ext cx="492396" cy="3462539"/>
+            <a:off x="5040820" y="863311"/>
+            <a:ext cx="492396" cy="2013115"/>
           </a:xfrm>
           <a:prstGeom prst="bentConnector3">
             <a:avLst>
@@ -4447,7 +4343,7 @@
         </p:nvGrpSpPr>
         <p:grpSpPr>
           <a:xfrm>
-            <a:off x="2525590" y="658374"/>
+            <a:off x="2749329" y="658374"/>
             <a:ext cx="2066223" cy="965296"/>
             <a:chOff x="1811039" y="1300849"/>
             <a:chExt cx="2066223" cy="965296"/>
@@ -4530,113 +4426,18 @@
             <a:p>
               <a:pPr algn="ctr"/>
               <a:r>
-                <a:rPr lang="en-US"/>
+                <a:rPr lang="en-US" dirty="0" err="1">
+                  <a:solidFill>
+                    <a:srgbClr val="FF0000"/>
+                  </a:solidFill>
+                </a:rPr>
                 <a:t>vignetteMaps</a:t>
               </a:r>
-            </a:p>
-          </p:txBody>
-        </p:sp>
-      </p:grpSp>
-      <p:grpSp>
-        <p:nvGrpSpPr>
-          <p:cNvPr id="41" name="Group 40">
-            <a:extLst>
-              <a:ext uri="{FF2B5EF4-FFF2-40B4-BE49-F238E27FC236}">
-                <a16:creationId xmlns:a16="http://schemas.microsoft.com/office/drawing/2014/main" id="{639D9C17-B8EC-4A42-96C6-DDC4A39CDF4B}"/>
-              </a:ext>
-            </a:extLst>
-          </p:cNvPr>
-          <p:cNvGrpSpPr/>
-          <p:nvPr/>
-        </p:nvGrpSpPr>
-        <p:grpSpPr>
-          <a:xfrm>
-            <a:off x="3579661" y="658374"/>
-            <a:ext cx="2066223" cy="965296"/>
-            <a:chOff x="1811039" y="1300849"/>
-            <a:chExt cx="2066223" cy="965296"/>
-          </a:xfrm>
-        </p:grpSpPr>
-        <p:pic>
-          <p:nvPicPr>
-            <p:cNvPr id="42" name="Picture 2">
-              <a:extLst>
-                <a:ext uri="{FF2B5EF4-FFF2-40B4-BE49-F238E27FC236}">
-                  <a16:creationId xmlns:a16="http://schemas.microsoft.com/office/drawing/2014/main" id="{B10A292F-F2D2-4F8C-B6C8-26CB27C674FD}"/>
-                </a:ext>
-              </a:extLst>
-            </p:cNvPr>
-            <p:cNvPicPr>
-              <a:picLocks noChangeAspect="1" noChangeArrowheads="1"/>
-            </p:cNvPicPr>
-            <p:nvPr/>
-          </p:nvPicPr>
-          <p:blipFill>
-            <a:blip r:embed="rId2" cstate="print">
-              <a:extLst>
-                <a:ext uri="{28A0092B-C50C-407E-A947-70E740481C1C}">
-                  <a14:useLocalDpi xmlns:a14="http://schemas.microsoft.com/office/drawing/2010/main" val="0"/>
-                </a:ext>
-              </a:extLst>
-            </a:blip>
-            <a:srcRect/>
-            <a:stretch>
-              <a:fillRect/>
-            </a:stretch>
-          </p:blipFill>
-          <p:spPr bwMode="auto">
-            <a:xfrm>
-              <a:off x="2512807" y="1603456"/>
-              <a:ext cx="662689" cy="662689"/>
-            </a:xfrm>
-            <a:prstGeom prst="rect">
-              <a:avLst/>
-            </a:prstGeom>
-            <a:noFill/>
-            <a:extLst>
-              <a:ext uri="{909E8E84-426E-40DD-AFC4-6F175D3DCCD1}">
-                <a14:hiddenFill xmlns:a14="http://schemas.microsoft.com/office/drawing/2010/main">
-                  <a:solidFill>
-                    <a:srgbClr val="FFFFFF"/>
-                  </a:solidFill>
-                </a14:hiddenFill>
-              </a:ext>
-            </a:extLst>
-          </p:spPr>
-        </p:pic>
-        <p:sp>
-          <p:nvSpPr>
-            <p:cNvPr id="43" name="TextBox 42">
-              <a:extLst>
-                <a:ext uri="{FF2B5EF4-FFF2-40B4-BE49-F238E27FC236}">
-                  <a16:creationId xmlns:a16="http://schemas.microsoft.com/office/drawing/2014/main" id="{FA136A0A-1C41-483B-BCE8-022C3600A6D3}"/>
-                </a:ext>
-              </a:extLst>
-            </p:cNvPr>
-            <p:cNvSpPr txBox="1"/>
-            <p:nvPr/>
-          </p:nvSpPr>
-          <p:spPr>
-            <a:xfrm>
-              <a:off x="1811039" y="1300849"/>
-              <a:ext cx="2066223" cy="369332"/>
-            </a:xfrm>
-            <a:prstGeom prst="rect">
-              <a:avLst/>
-            </a:prstGeom>
-            <a:noFill/>
-          </p:spPr>
-          <p:txBody>
-            <a:bodyPr wrap="square" rtlCol="0">
-              <a:spAutoFit/>
-            </a:bodyPr>
-            <a:lstStyle/>
-            <a:p>
-              <a:pPr algn="ctr"/>
-              <a:r>
-                <a:rPr lang="en-US"/>
-                <a:t>Maps</a:t>
-              </a:r>
+              <a:endParaRPr lang="en-US" dirty="0">
+                <a:solidFill>
+                  <a:srgbClr val="FF0000"/>
+                </a:solidFill>
+              </a:endParaRPr>
             </a:p>
           </p:txBody>
         </p:sp>
@@ -4751,88 +4552,6 @@
       </p:grpSp>
       <p:cxnSp>
         <p:nvCxnSpPr>
-          <p:cNvPr id="54" name="Straight Connector 53">
-            <a:extLst>
-              <a:ext uri="{FF2B5EF4-FFF2-40B4-BE49-F238E27FC236}">
-                <a16:creationId xmlns:a16="http://schemas.microsoft.com/office/drawing/2014/main" id="{E0E679EA-6F28-4D22-8980-8B71467381CD}"/>
-              </a:ext>
-            </a:extLst>
-          </p:cNvPr>
-          <p:cNvCxnSpPr>
-            <a:cxnSpLocks/>
-          </p:cNvCxnSpPr>
-          <p:nvPr/>
-        </p:nvCxnSpPr>
-        <p:spPr>
-          <a:xfrm>
-            <a:off x="3828332" y="1292326"/>
-            <a:ext cx="329272" cy="0"/>
-          </a:xfrm>
-          <a:prstGeom prst="line">
-            <a:avLst/>
-          </a:prstGeom>
-          <a:ln>
-            <a:tailEnd type="triangle" w="lg" len="lg"/>
-          </a:ln>
-        </p:spPr>
-        <p:style>
-          <a:lnRef idx="1">
-            <a:schemeClr val="dk1"/>
-          </a:lnRef>
-          <a:fillRef idx="0">
-            <a:schemeClr val="dk1"/>
-          </a:fillRef>
-          <a:effectRef idx="0">
-            <a:schemeClr val="dk1"/>
-          </a:effectRef>
-          <a:fontRef idx="minor">
-            <a:schemeClr val="tx1"/>
-          </a:fontRef>
-        </p:style>
-      </p:cxnSp>
-      <p:cxnSp>
-        <p:nvCxnSpPr>
-          <p:cNvPr id="55" name="Straight Connector 54">
-            <a:extLst>
-              <a:ext uri="{FF2B5EF4-FFF2-40B4-BE49-F238E27FC236}">
-                <a16:creationId xmlns:a16="http://schemas.microsoft.com/office/drawing/2014/main" id="{C5F4F747-8F17-41A4-BCC2-9F18EAB58AFE}"/>
-              </a:ext>
-            </a:extLst>
-          </p:cNvPr>
-          <p:cNvCxnSpPr>
-            <a:cxnSpLocks/>
-          </p:cNvCxnSpPr>
-          <p:nvPr/>
-        </p:nvCxnSpPr>
-        <p:spPr>
-          <a:xfrm>
-            <a:off x="4926575" y="1283537"/>
-            <a:ext cx="329272" cy="0"/>
-          </a:xfrm>
-          <a:prstGeom prst="line">
-            <a:avLst/>
-          </a:prstGeom>
-          <a:ln>
-            <a:tailEnd type="triangle" w="lg" len="lg"/>
-          </a:ln>
-        </p:spPr>
-        <p:style>
-          <a:lnRef idx="1">
-            <a:schemeClr val="dk1"/>
-          </a:lnRef>
-          <a:fillRef idx="0">
-            <a:schemeClr val="dk1"/>
-          </a:fillRef>
-          <a:effectRef idx="0">
-            <a:schemeClr val="dk1"/>
-          </a:effectRef>
-          <a:fontRef idx="minor">
-            <a:schemeClr val="tx1"/>
-          </a:fontRef>
-        </p:style>
-      </p:cxnSp>
-      <p:cxnSp>
-        <p:nvCxnSpPr>
           <p:cNvPr id="56" name="Straight Connector 55">
             <a:extLst>
               <a:ext uri="{FF2B5EF4-FFF2-40B4-BE49-F238E27FC236}">
@@ -9020,7 +8739,7 @@
           <a:p>
             <a:pPr algn="ctr"/>
             <a:r>
-              <a:rPr lang="en-US" b="1"/>
+              <a:rPr lang="en-US" b="1" dirty="0"/>
               <a:t>Multi-Scenario</a:t>
             </a:r>
           </a:p>
@@ -9597,110 +9316,6 @@
           <a:chExt cx="0" cy="0"/>
         </a:xfrm>
       </p:grpSpPr>
-      <p:grpSp>
-        <p:nvGrpSpPr>
-          <p:cNvPr id="25" name="Group 24">
-            <a:extLst>
-              <a:ext uri="{FF2B5EF4-FFF2-40B4-BE49-F238E27FC236}">
-                <a16:creationId xmlns:a16="http://schemas.microsoft.com/office/drawing/2014/main" id="{C85C54E1-D638-49FA-939A-C756C2653C40}"/>
-              </a:ext>
-            </a:extLst>
-          </p:cNvPr>
-          <p:cNvGrpSpPr/>
-          <p:nvPr/>
-        </p:nvGrpSpPr>
-        <p:grpSpPr>
-          <a:xfrm>
-            <a:off x="2866427" y="1513323"/>
-            <a:ext cx="2066223" cy="965296"/>
-            <a:chOff x="1811039" y="1300849"/>
-            <a:chExt cx="2066223" cy="965296"/>
-          </a:xfrm>
-        </p:grpSpPr>
-        <p:pic>
-          <p:nvPicPr>
-            <p:cNvPr id="26" name="Picture 2">
-              <a:extLst>
-                <a:ext uri="{FF2B5EF4-FFF2-40B4-BE49-F238E27FC236}">
-                  <a16:creationId xmlns:a16="http://schemas.microsoft.com/office/drawing/2014/main" id="{B99CD118-BE2B-4974-A63A-05D086E8EA55}"/>
-                </a:ext>
-              </a:extLst>
-            </p:cNvPr>
-            <p:cNvPicPr>
-              <a:picLocks noChangeAspect="1" noChangeArrowheads="1"/>
-            </p:cNvPicPr>
-            <p:nvPr/>
-          </p:nvPicPr>
-          <p:blipFill>
-            <a:blip r:embed="rId2" cstate="print">
-              <a:extLst>
-                <a:ext uri="{28A0092B-C50C-407E-A947-70E740481C1C}">
-                  <a14:useLocalDpi xmlns:a14="http://schemas.microsoft.com/office/drawing/2010/main" val="0"/>
-                </a:ext>
-              </a:extLst>
-            </a:blip>
-            <a:srcRect/>
-            <a:stretch>
-              <a:fillRect/>
-            </a:stretch>
-          </p:blipFill>
-          <p:spPr bwMode="auto">
-            <a:xfrm>
-              <a:off x="2512807" y="1603456"/>
-              <a:ext cx="662689" cy="662689"/>
-            </a:xfrm>
-            <a:prstGeom prst="rect">
-              <a:avLst/>
-            </a:prstGeom>
-            <a:noFill/>
-            <a:extLst>
-              <a:ext uri="{909E8E84-426E-40DD-AFC4-6F175D3DCCD1}">
-                <a14:hiddenFill xmlns:a14="http://schemas.microsoft.com/office/drawing/2010/main">
-                  <a:solidFill>
-                    <a:srgbClr val="FFFFFF"/>
-                  </a:solidFill>
-                </a14:hiddenFill>
-              </a:ext>
-            </a:extLst>
-          </p:spPr>
-        </p:pic>
-        <p:sp>
-          <p:nvSpPr>
-            <p:cNvPr id="27" name="TextBox 26">
-              <a:extLst>
-                <a:ext uri="{FF2B5EF4-FFF2-40B4-BE49-F238E27FC236}">
-                  <a16:creationId xmlns:a16="http://schemas.microsoft.com/office/drawing/2014/main" id="{18C13B33-EEF3-454C-8140-6B229FA6718A}"/>
-                </a:ext>
-              </a:extLst>
-            </p:cNvPr>
-            <p:cNvSpPr txBox="1"/>
-            <p:nvPr/>
-          </p:nvSpPr>
-          <p:spPr>
-            <a:xfrm>
-              <a:off x="1811039" y="1300849"/>
-              <a:ext cx="2066223" cy="369332"/>
-            </a:xfrm>
-            <a:prstGeom prst="rect">
-              <a:avLst/>
-            </a:prstGeom>
-            <a:noFill/>
-          </p:spPr>
-          <p:txBody>
-            <a:bodyPr wrap="square" rtlCol="0">
-              <a:spAutoFit/>
-            </a:bodyPr>
-            <a:lstStyle/>
-            <a:p>
-              <a:pPr algn="ctr"/>
-              <a:r>
-                <a:rPr lang="en-US"/>
-                <a:t>Maps</a:t>
-              </a:r>
-            </a:p>
-          </p:txBody>
-        </p:sp>
-      </p:grpSp>
       <p:sp>
         <p:nvSpPr>
           <p:cNvPr id="6" name="Rectangle 5">
@@ -9715,8 +9330,8 @@
         </p:nvSpPr>
         <p:spPr>
           <a:xfrm>
-            <a:off x="770467" y="863600"/>
-            <a:ext cx="9254066" cy="2565400"/>
+            <a:off x="192163" y="1260628"/>
+            <a:ext cx="11807674" cy="3666973"/>
           </a:xfrm>
           <a:prstGeom prst="rect">
             <a:avLst/>
@@ -9770,7 +9385,7 @@
         <p:spPr>
           <a:xfrm>
             <a:off x="192163" y="128664"/>
-            <a:ext cx="2965904" cy="369332"/>
+            <a:ext cx="2066223" cy="369332"/>
           </a:xfrm>
           <a:prstGeom prst="rect">
             <a:avLst/>
@@ -9785,6 +9400,162 @@
           <a:p>
             <a:pPr algn="ctr"/>
             <a:r>
+              <a:rPr lang="en-US" b="1" dirty="0"/>
+              <a:t>Multi-Scenario</a:t>
+            </a:r>
+          </a:p>
+        </p:txBody>
+      </p:sp>
+      <p:pic>
+        <p:nvPicPr>
+          <p:cNvPr id="10" name="Picture 9" descr="Map&#10;&#10;Description automatically generated">
+            <a:extLst>
+              <a:ext uri="{FF2B5EF4-FFF2-40B4-BE49-F238E27FC236}">
+                <a16:creationId xmlns:a16="http://schemas.microsoft.com/office/drawing/2014/main" id="{A30A1B0C-09B7-422A-83A0-D12D50E2AEB1}"/>
+              </a:ext>
+            </a:extLst>
+          </p:cNvPr>
+          <p:cNvPicPr>
+            <a:picLocks noChangeAspect="1"/>
+          </p:cNvPicPr>
+          <p:nvPr/>
+        </p:nvPicPr>
+        <p:blipFill>
+          <a:blip r:embed="rId2">
+            <a:extLst>
+              <a:ext uri="{28A0092B-C50C-407E-A947-70E740481C1C}">
+                <a14:useLocalDpi xmlns:a14="http://schemas.microsoft.com/office/drawing/2010/main" val="0"/>
+              </a:ext>
+            </a:extLst>
+          </a:blip>
+          <a:stretch>
+            <a:fillRect/>
+          </a:stretch>
+        </p:blipFill>
+        <p:spPr>
+          <a:xfrm>
+            <a:off x="482486" y="1402889"/>
+            <a:ext cx="11278111" cy="3091290"/>
+          </a:xfrm>
+          <a:prstGeom prst="rect">
+            <a:avLst/>
+          </a:prstGeom>
+        </p:spPr>
+      </p:pic>
+    </p:spTree>
+    <p:extLst>
+      <p:ext uri="{BB962C8B-B14F-4D97-AF65-F5344CB8AC3E}">
+        <p14:creationId xmlns:p14="http://schemas.microsoft.com/office/powerpoint/2010/main" val="2731102115"/>
+      </p:ext>
+    </p:extLst>
+  </p:cSld>
+  <p:clrMapOvr>
+    <a:masterClrMapping/>
+  </p:clrMapOvr>
+</p:sld>
+</file>
+
+<file path=ppt/slides/slide31.xml><?xml version="1.0" encoding="utf-8"?>
+<p:sld xmlns:a="http://schemas.openxmlformats.org/drawingml/2006/main" xmlns:r="http://schemas.openxmlformats.org/officeDocument/2006/relationships" xmlns:p="http://schemas.openxmlformats.org/presentationml/2006/main">
+  <p:cSld>
+    <p:spTree>
+      <p:nvGrpSpPr>
+        <p:cNvPr id="1" name=""/>
+        <p:cNvGrpSpPr/>
+        <p:nvPr/>
+      </p:nvGrpSpPr>
+      <p:grpSpPr>
+        <a:xfrm>
+          <a:off x="0" y="0"/>
+          <a:ext cx="0" cy="0"/>
+          <a:chOff x="0" y="0"/>
+          <a:chExt cx="0" cy="0"/>
+        </a:xfrm>
+      </p:grpSpPr>
+      <p:sp>
+        <p:nvSpPr>
+          <p:cNvPr id="6" name="Rectangle 5">
+            <a:extLst>
+              <a:ext uri="{FF2B5EF4-FFF2-40B4-BE49-F238E27FC236}">
+                <a16:creationId xmlns:a16="http://schemas.microsoft.com/office/drawing/2014/main" id="{F2FAAE5D-6F5D-4276-A188-B0F75533DF8A}"/>
+              </a:ext>
+            </a:extLst>
+          </p:cNvPr>
+          <p:cNvSpPr/>
+          <p:nvPr/>
+        </p:nvSpPr>
+        <p:spPr>
+          <a:xfrm>
+            <a:off x="2305455" y="863600"/>
+            <a:ext cx="7719078" cy="2565400"/>
+          </a:xfrm>
+          <a:prstGeom prst="rect">
+            <a:avLst/>
+          </a:prstGeom>
+          <a:noFill/>
+          <a:ln>
+            <a:solidFill>
+              <a:schemeClr val="bg1">
+                <a:lumMod val="65000"/>
+              </a:schemeClr>
+            </a:solidFill>
+          </a:ln>
+        </p:spPr>
+        <p:style>
+          <a:lnRef idx="2">
+            <a:schemeClr val="accent1">
+              <a:shade val="50000"/>
+            </a:schemeClr>
+          </a:lnRef>
+          <a:fillRef idx="1">
+            <a:schemeClr val="accent1"/>
+          </a:fillRef>
+          <a:effectRef idx="0">
+            <a:schemeClr val="accent1"/>
+          </a:effectRef>
+          <a:fontRef idx="minor">
+            <a:schemeClr val="lt1"/>
+          </a:fontRef>
+        </p:style>
+        <p:txBody>
+          <a:bodyPr rtlCol="0" anchor="ctr"/>
+          <a:lstStyle/>
+          <a:p>
+            <a:pPr algn="ctr"/>
+            <a:endParaRPr lang="en-US"/>
+          </a:p>
+        </p:txBody>
+      </p:sp>
+      <p:sp>
+        <p:nvSpPr>
+          <p:cNvPr id="7" name="TextBox 6">
+            <a:extLst>
+              <a:ext uri="{FF2B5EF4-FFF2-40B4-BE49-F238E27FC236}">
+                <a16:creationId xmlns:a16="http://schemas.microsoft.com/office/drawing/2014/main" id="{A063DF1C-7DF0-40B4-AC9D-EC918B0CB000}"/>
+              </a:ext>
+            </a:extLst>
+          </p:cNvPr>
+          <p:cNvSpPr txBox="1"/>
+          <p:nvPr/>
+        </p:nvSpPr>
+        <p:spPr>
+          <a:xfrm>
+            <a:off x="192163" y="128664"/>
+            <a:ext cx="2965904" cy="369332"/>
+          </a:xfrm>
+          <a:prstGeom prst="rect">
+            <a:avLst/>
+          </a:prstGeom>
+          <a:noFill/>
+        </p:spPr>
+        <p:txBody>
+          <a:bodyPr wrap="square" rtlCol="0">
+            <a:spAutoFit/>
+          </a:bodyPr>
+          <a:lstStyle/>
+          <a:p>
+            <a:pPr algn="ctr"/>
+            <a:r>
               <a:rPr lang="en-US" b="1"/>
               <a:t>Multi-Scenario Folders</a:t>
             </a:r>
@@ -9805,7 +9576,7 @@
         </p:nvGrpSpPr>
         <p:grpSpPr>
           <a:xfrm>
-            <a:off x="519116" y="1513323"/>
+            <a:off x="2075547" y="1513323"/>
             <a:ext cx="2066223" cy="965296"/>
             <a:chOff x="1811039" y="1300849"/>
             <a:chExt cx="2066223" cy="965296"/>
@@ -9890,110 +9661,6 @@
               <a:r>
                 <a:rPr lang="en-US" dirty="0"/>
                 <a:t>dirOutputs</a:t>
-              </a:r>
-            </a:p>
-          </p:txBody>
-        </p:sp>
-      </p:grpSp>
-      <p:grpSp>
-        <p:nvGrpSpPr>
-          <p:cNvPr id="10" name="Group 9">
-            <a:extLst>
-              <a:ext uri="{FF2B5EF4-FFF2-40B4-BE49-F238E27FC236}">
-                <a16:creationId xmlns:a16="http://schemas.microsoft.com/office/drawing/2014/main" id="{559BFAA9-2EB9-46A1-94B8-F10C4594B349}"/>
-              </a:ext>
-            </a:extLst>
-          </p:cNvPr>
-          <p:cNvGrpSpPr/>
-          <p:nvPr/>
-        </p:nvGrpSpPr>
-        <p:grpSpPr>
-          <a:xfrm>
-            <a:off x="3892430" y="1513323"/>
-            <a:ext cx="2066223" cy="965296"/>
-            <a:chOff x="1811039" y="1300849"/>
-            <a:chExt cx="2066223" cy="965296"/>
-          </a:xfrm>
-        </p:grpSpPr>
-        <p:pic>
-          <p:nvPicPr>
-            <p:cNvPr id="11" name="Picture 2">
-              <a:extLst>
-                <a:ext uri="{FF2B5EF4-FFF2-40B4-BE49-F238E27FC236}">
-                  <a16:creationId xmlns:a16="http://schemas.microsoft.com/office/drawing/2014/main" id="{E2D5D6E7-7032-41E5-9345-84AD730066DF}"/>
-                </a:ext>
-              </a:extLst>
-            </p:cNvPr>
-            <p:cNvPicPr>
-              <a:picLocks noChangeAspect="1" noChangeArrowheads="1"/>
-            </p:cNvPicPr>
-            <p:nvPr/>
-          </p:nvPicPr>
-          <p:blipFill>
-            <a:blip r:embed="rId2" cstate="print">
-              <a:extLst>
-                <a:ext uri="{28A0092B-C50C-407E-A947-70E740481C1C}">
-                  <a14:useLocalDpi xmlns:a14="http://schemas.microsoft.com/office/drawing/2010/main" val="0"/>
-                </a:ext>
-              </a:extLst>
-            </a:blip>
-            <a:srcRect/>
-            <a:stretch>
-              <a:fillRect/>
-            </a:stretch>
-          </p:blipFill>
-          <p:spPr bwMode="auto">
-            <a:xfrm>
-              <a:off x="2512807" y="1603456"/>
-              <a:ext cx="662689" cy="662689"/>
-            </a:xfrm>
-            <a:prstGeom prst="rect">
-              <a:avLst/>
-            </a:prstGeom>
-            <a:noFill/>
-            <a:extLst>
-              <a:ext uri="{909E8E84-426E-40DD-AFC4-6F175D3DCCD1}">
-                <a14:hiddenFill xmlns:a14="http://schemas.microsoft.com/office/drawing/2010/main">
-                  <a:solidFill>
-                    <a:srgbClr val="FFFFFF"/>
-                  </a:solidFill>
-                </a14:hiddenFill>
-              </a:ext>
-            </a:extLst>
-          </p:spPr>
-        </p:pic>
-        <p:sp>
-          <p:nvSpPr>
-            <p:cNvPr id="12" name="TextBox 11">
-              <a:extLst>
-                <a:ext uri="{FF2B5EF4-FFF2-40B4-BE49-F238E27FC236}">
-                  <a16:creationId xmlns:a16="http://schemas.microsoft.com/office/drawing/2014/main" id="{845F5119-2944-4FB2-8E63-4E67D12F789F}"/>
-                </a:ext>
-              </a:extLst>
-            </p:cNvPr>
-            <p:cNvSpPr txBox="1"/>
-            <p:nvPr/>
-          </p:nvSpPr>
-          <p:spPr>
-            <a:xfrm>
-              <a:off x="1811039" y="1300849"/>
-              <a:ext cx="2066223" cy="369332"/>
-            </a:xfrm>
-            <a:prstGeom prst="rect">
-              <a:avLst/>
-            </a:prstGeom>
-            <a:noFill/>
-          </p:spPr>
-          <p:txBody>
-            <a:bodyPr wrap="square" rtlCol="0">
-              <a:spAutoFit/>
-            </a:bodyPr>
-            <a:lstStyle/>
-            <a:p>
-              <a:pPr algn="ctr"/>
-              <a:r>
-                <a:rPr lang="en-US"/>
-                <a:t>country</a:t>
               </a:r>
             </a:p>
           </p:txBody>
@@ -10203,7 +9870,7 @@
         </p:nvGrpSpPr>
         <p:grpSpPr>
           <a:xfrm>
-            <a:off x="1783781" y="1513323"/>
+            <a:off x="3622316" y="1513323"/>
             <a:ext cx="2066223" cy="965296"/>
             <a:chOff x="1811039" y="1300849"/>
             <a:chExt cx="2066223" cy="965296"/>
@@ -10286,19 +9953,28 @@
             <a:p>
               <a:pPr algn="ctr"/>
               <a:r>
-                <a:rPr lang="en-US"/>
+                <a:rPr lang="en-US" dirty="0" err="1">
+                  <a:solidFill>
+                    <a:srgbClr val="FF0000"/>
+                  </a:solidFill>
+                </a:rPr>
                 <a:t>multiScenario</a:t>
               </a:r>
+              <a:endParaRPr lang="en-US" dirty="0">
+                <a:solidFill>
+                  <a:srgbClr val="FF0000"/>
+                </a:solidFill>
+              </a:endParaRPr>
             </a:p>
           </p:txBody>
         </p:sp>
       </p:grpSp>
       <p:cxnSp>
         <p:nvCxnSpPr>
-          <p:cNvPr id="38" name="Straight Connector 37">
-            <a:extLst>
-              <a:ext uri="{FF2B5EF4-FFF2-40B4-BE49-F238E27FC236}">
-                <a16:creationId xmlns:a16="http://schemas.microsoft.com/office/drawing/2014/main" id="{F859E3F0-3588-4B88-A3B8-3FC4B9064A83}"/>
+          <p:cNvPr id="40" name="Straight Connector 39">
+            <a:extLst>
+              <a:ext uri="{FF2B5EF4-FFF2-40B4-BE49-F238E27FC236}">
+                <a16:creationId xmlns:a16="http://schemas.microsoft.com/office/drawing/2014/main" id="{23735FD4-1B27-4B7C-855D-84EF75E589A4}"/>
               </a:ext>
             </a:extLst>
           </p:cNvPr>
@@ -10309,89 +9985,7 @@
         </p:nvCxnSpPr>
         <p:spPr>
           <a:xfrm>
-            <a:off x="3238923" y="2147275"/>
-            <a:ext cx="329272" cy="0"/>
-          </a:xfrm>
-          <a:prstGeom prst="line">
-            <a:avLst/>
-          </a:prstGeom>
-          <a:ln>
-            <a:tailEnd type="triangle" w="lg" len="lg"/>
-          </a:ln>
-        </p:spPr>
-        <p:style>
-          <a:lnRef idx="1">
-            <a:schemeClr val="dk1"/>
-          </a:lnRef>
-          <a:fillRef idx="0">
-            <a:schemeClr val="dk1"/>
-          </a:fillRef>
-          <a:effectRef idx="0">
-            <a:schemeClr val="dk1"/>
-          </a:effectRef>
-          <a:fontRef idx="minor">
-            <a:schemeClr val="tx1"/>
-          </a:fontRef>
-        </p:style>
-      </p:cxnSp>
-      <p:cxnSp>
-        <p:nvCxnSpPr>
-          <p:cNvPr id="39" name="Straight Connector 38">
-            <a:extLst>
-              <a:ext uri="{FF2B5EF4-FFF2-40B4-BE49-F238E27FC236}">
-                <a16:creationId xmlns:a16="http://schemas.microsoft.com/office/drawing/2014/main" id="{271752A6-51C3-407D-B323-312B43068FD7}"/>
-              </a:ext>
-            </a:extLst>
-          </p:cNvPr>
-          <p:cNvCxnSpPr>
-            <a:cxnSpLocks/>
-          </p:cNvCxnSpPr>
-          <p:nvPr/>
-        </p:nvCxnSpPr>
-        <p:spPr>
-          <a:xfrm>
-            <a:off x="4213341" y="2138486"/>
-            <a:ext cx="329272" cy="0"/>
-          </a:xfrm>
-          <a:prstGeom prst="line">
-            <a:avLst/>
-          </a:prstGeom>
-          <a:ln>
-            <a:tailEnd type="triangle" w="lg" len="lg"/>
-          </a:ln>
-        </p:spPr>
-        <p:style>
-          <a:lnRef idx="1">
-            <a:schemeClr val="dk1"/>
-          </a:lnRef>
-          <a:fillRef idx="0">
-            <a:schemeClr val="dk1"/>
-          </a:fillRef>
-          <a:effectRef idx="0">
-            <a:schemeClr val="dk1"/>
-          </a:effectRef>
-          <a:fontRef idx="minor">
-            <a:schemeClr val="tx1"/>
-          </a:fontRef>
-        </p:style>
-      </p:cxnSp>
-      <p:cxnSp>
-        <p:nvCxnSpPr>
-          <p:cNvPr id="40" name="Straight Connector 39">
-            <a:extLst>
-              <a:ext uri="{FF2B5EF4-FFF2-40B4-BE49-F238E27FC236}">
-                <a16:creationId xmlns:a16="http://schemas.microsoft.com/office/drawing/2014/main" id="{23735FD4-1B27-4B7C-855D-84EF75E589A4}"/>
-              </a:ext>
-            </a:extLst>
-          </p:cNvPr>
-          <p:cNvCxnSpPr>
-            <a:cxnSpLocks/>
-          </p:cNvCxnSpPr>
-          <p:nvPr/>
-        </p:nvCxnSpPr>
-        <p:spPr>
-          <a:xfrm>
-            <a:off x="1895356" y="2163885"/>
+            <a:off x="3636614" y="2163885"/>
             <a:ext cx="329272" cy="0"/>
           </a:xfrm>
           <a:prstGeom prst="line">
@@ -10455,349 +10049,6 @@
     <p:extLst>
       <p:ext uri="{BB962C8B-B14F-4D97-AF65-F5344CB8AC3E}">
         <p14:creationId xmlns:p14="http://schemas.microsoft.com/office/powerpoint/2010/main" val="1688675703"/>
-      </p:ext>
-    </p:extLst>
-  </p:cSld>
-  <p:clrMapOvr>
-    <a:masterClrMapping/>
-  </p:clrMapOvr>
-</p:sld>
-</file>
-
-<file path=ppt/slides/slide31.xml><?xml version="1.0" encoding="utf-8"?>
-<p:sld xmlns:a="http://schemas.openxmlformats.org/drawingml/2006/main" xmlns:r="http://schemas.openxmlformats.org/officeDocument/2006/relationships" xmlns:p="http://schemas.openxmlformats.org/presentationml/2006/main">
-  <p:cSld>
-    <p:spTree>
-      <p:nvGrpSpPr>
-        <p:cNvPr id="1" name=""/>
-        <p:cNvGrpSpPr/>
-        <p:nvPr/>
-      </p:nvGrpSpPr>
-      <p:grpSpPr>
-        <a:xfrm>
-          <a:off x="0" y="0"/>
-          <a:ext cx="0" cy="0"/>
-          <a:chOff x="0" y="0"/>
-          <a:chExt cx="0" cy="0"/>
-        </a:xfrm>
-      </p:grpSpPr>
-      <p:sp>
-        <p:nvSpPr>
-          <p:cNvPr id="6" name="Rectangle 5">
-            <a:extLst>
-              <a:ext uri="{FF2B5EF4-FFF2-40B4-BE49-F238E27FC236}">
-                <a16:creationId xmlns:a16="http://schemas.microsoft.com/office/drawing/2014/main" id="{F2FAAE5D-6F5D-4276-A188-B0F75533DF8A}"/>
-              </a:ext>
-            </a:extLst>
-          </p:cNvPr>
-          <p:cNvSpPr/>
-          <p:nvPr/>
-        </p:nvSpPr>
-        <p:spPr>
-          <a:xfrm>
-            <a:off x="192163" y="1260628"/>
-            <a:ext cx="11807674" cy="3666973"/>
-          </a:xfrm>
-          <a:prstGeom prst="rect">
-            <a:avLst/>
-          </a:prstGeom>
-          <a:noFill/>
-          <a:ln>
-            <a:solidFill>
-              <a:schemeClr val="bg1">
-                <a:lumMod val="65000"/>
-              </a:schemeClr>
-            </a:solidFill>
-          </a:ln>
-        </p:spPr>
-        <p:style>
-          <a:lnRef idx="2">
-            <a:schemeClr val="accent1">
-              <a:shade val="50000"/>
-            </a:schemeClr>
-          </a:lnRef>
-          <a:fillRef idx="1">
-            <a:schemeClr val="accent1"/>
-          </a:fillRef>
-          <a:effectRef idx="0">
-            <a:schemeClr val="accent1"/>
-          </a:effectRef>
-          <a:fontRef idx="minor">
-            <a:schemeClr val="lt1"/>
-          </a:fontRef>
-        </p:style>
-        <p:txBody>
-          <a:bodyPr rtlCol="0" anchor="ctr"/>
-          <a:lstStyle/>
-          <a:p>
-            <a:pPr algn="ctr"/>
-            <a:endParaRPr lang="en-US"/>
-          </a:p>
-        </p:txBody>
-      </p:sp>
-      <p:sp>
-        <p:nvSpPr>
-          <p:cNvPr id="7" name="TextBox 6">
-            <a:extLst>
-              <a:ext uri="{FF2B5EF4-FFF2-40B4-BE49-F238E27FC236}">
-                <a16:creationId xmlns:a16="http://schemas.microsoft.com/office/drawing/2014/main" id="{A063DF1C-7DF0-40B4-AC9D-EC918B0CB000}"/>
-              </a:ext>
-            </a:extLst>
-          </p:cNvPr>
-          <p:cNvSpPr txBox="1"/>
-          <p:nvPr/>
-        </p:nvSpPr>
-        <p:spPr>
-          <a:xfrm>
-            <a:off x="192163" y="128664"/>
-            <a:ext cx="2066223" cy="369332"/>
-          </a:xfrm>
-          <a:prstGeom prst="rect">
-            <a:avLst/>
-          </a:prstGeom>
-          <a:noFill/>
-        </p:spPr>
-        <p:txBody>
-          <a:bodyPr wrap="square" rtlCol="0">
-            <a:spAutoFit/>
-          </a:bodyPr>
-          <a:lstStyle/>
-          <a:p>
-            <a:pPr algn="ctr"/>
-            <a:r>
-              <a:rPr lang="en-US" b="1" dirty="0"/>
-              <a:t>Multi-Year Diff</a:t>
-            </a:r>
-          </a:p>
-        </p:txBody>
-      </p:sp>
-      <p:sp>
-        <p:nvSpPr>
-          <p:cNvPr id="14" name="TextBox 13">
-            <a:extLst>
-              <a:ext uri="{FF2B5EF4-FFF2-40B4-BE49-F238E27FC236}">
-                <a16:creationId xmlns:a16="http://schemas.microsoft.com/office/drawing/2014/main" id="{E7096BCA-B784-4F66-8101-8FBD88CCDF24}"/>
-              </a:ext>
-            </a:extLst>
-          </p:cNvPr>
-          <p:cNvSpPr txBox="1"/>
-          <p:nvPr/>
-        </p:nvSpPr>
-        <p:spPr>
-          <a:xfrm>
-            <a:off x="886592" y="1470938"/>
-            <a:ext cx="2066223" cy="369332"/>
-          </a:xfrm>
-          <a:prstGeom prst="rect">
-            <a:avLst/>
-          </a:prstGeom>
-          <a:noFill/>
-        </p:spPr>
-        <p:txBody>
-          <a:bodyPr wrap="square" rtlCol="0">
-            <a:spAutoFit/>
-          </a:bodyPr>
-          <a:lstStyle/>
-          <a:p>
-            <a:pPr algn="ctr"/>
-            <a:r>
-              <a:rPr lang="en-US" b="1" dirty="0"/>
-              <a:t>2010</a:t>
-            </a:r>
-          </a:p>
-        </p:txBody>
-      </p:sp>
-      <p:sp>
-        <p:nvSpPr>
-          <p:cNvPr id="15" name="TextBox 14">
-            <a:extLst>
-              <a:ext uri="{FF2B5EF4-FFF2-40B4-BE49-F238E27FC236}">
-                <a16:creationId xmlns:a16="http://schemas.microsoft.com/office/drawing/2014/main" id="{20D64CD3-3451-4DBB-B63F-1B79EAEC9F2F}"/>
-              </a:ext>
-            </a:extLst>
-          </p:cNvPr>
-          <p:cNvSpPr txBox="1"/>
-          <p:nvPr/>
-        </p:nvSpPr>
-        <p:spPr>
-          <a:xfrm>
-            <a:off x="4851608" y="1332438"/>
-            <a:ext cx="2066223" cy="646331"/>
-          </a:xfrm>
-          <a:prstGeom prst="rect">
-            <a:avLst/>
-          </a:prstGeom>
-          <a:noFill/>
-        </p:spPr>
-        <p:txBody>
-          <a:bodyPr wrap="square" rtlCol="0">
-            <a:spAutoFit/>
-          </a:bodyPr>
-          <a:lstStyle/>
-          <a:p>
-            <a:pPr algn="ctr"/>
-            <a:r>
-              <a:rPr lang="en-US" b="1" dirty="0"/>
-              <a:t>Absolute Difference 2020 - 2010</a:t>
-            </a:r>
-          </a:p>
-        </p:txBody>
-      </p:sp>
-      <p:sp>
-        <p:nvSpPr>
-          <p:cNvPr id="16" name="TextBox 15">
-            <a:extLst>
-              <a:ext uri="{FF2B5EF4-FFF2-40B4-BE49-F238E27FC236}">
-                <a16:creationId xmlns:a16="http://schemas.microsoft.com/office/drawing/2014/main" id="{53AAA9E1-273D-4B82-9CB8-E9390A866C43}"/>
-              </a:ext>
-            </a:extLst>
-          </p:cNvPr>
-          <p:cNvSpPr txBox="1"/>
-          <p:nvPr/>
-        </p:nvSpPr>
-        <p:spPr>
-          <a:xfrm>
-            <a:off x="8866130" y="1332438"/>
-            <a:ext cx="2066223" cy="646331"/>
-          </a:xfrm>
-          <a:prstGeom prst="rect">
-            <a:avLst/>
-          </a:prstGeom>
-          <a:noFill/>
-        </p:spPr>
-        <p:txBody>
-          <a:bodyPr wrap="square" rtlCol="0">
-            <a:spAutoFit/>
-          </a:bodyPr>
-          <a:lstStyle/>
-          <a:p>
-            <a:pPr algn="ctr"/>
-            <a:r>
-              <a:rPr lang="en-US" b="1" dirty="0"/>
-              <a:t>% Difference </a:t>
-            </a:r>
-          </a:p>
-          <a:p>
-            <a:pPr algn="ctr"/>
-            <a:r>
-              <a:rPr lang="en-US" b="1" dirty="0"/>
-              <a:t>2020 – 2010</a:t>
-            </a:r>
-          </a:p>
-        </p:txBody>
-      </p:sp>
-      <p:pic>
-        <p:nvPicPr>
-          <p:cNvPr id="5" name="Picture 4" descr="Map&#10;&#10;Description automatically generated">
-            <a:extLst>
-              <a:ext uri="{FF2B5EF4-FFF2-40B4-BE49-F238E27FC236}">
-                <a16:creationId xmlns:a16="http://schemas.microsoft.com/office/drawing/2014/main" id="{51C9B150-CB1F-46B2-9B33-5FE9B3252BBA}"/>
-              </a:ext>
-            </a:extLst>
-          </p:cNvPr>
-          <p:cNvPicPr>
-            <a:picLocks noChangeAspect="1"/>
-          </p:cNvPicPr>
-          <p:nvPr/>
-        </p:nvPicPr>
-        <p:blipFill>
-          <a:blip r:embed="rId2" cstate="print">
-            <a:extLst>
-              <a:ext uri="{28A0092B-C50C-407E-A947-70E740481C1C}">
-                <a14:useLocalDpi xmlns:a14="http://schemas.microsoft.com/office/drawing/2010/main" val="0"/>
-              </a:ext>
-            </a:extLst>
-          </a:blip>
-          <a:stretch>
-            <a:fillRect/>
-          </a:stretch>
-        </p:blipFill>
-        <p:spPr>
-          <a:xfrm>
-            <a:off x="4114905" y="2015065"/>
-            <a:ext cx="3589658" cy="2721636"/>
-          </a:xfrm>
-          <a:prstGeom prst="rect">
-            <a:avLst/>
-          </a:prstGeom>
-        </p:spPr>
-      </p:pic>
-      <p:pic>
-        <p:nvPicPr>
-          <p:cNvPr id="10" name="Picture 9" descr="Map&#10;&#10;Description automatically generated">
-            <a:extLst>
-              <a:ext uri="{FF2B5EF4-FFF2-40B4-BE49-F238E27FC236}">
-                <a16:creationId xmlns:a16="http://schemas.microsoft.com/office/drawing/2014/main" id="{8EF4338E-CA13-4B4A-89F9-517F569B08DB}"/>
-              </a:ext>
-            </a:extLst>
-          </p:cNvPr>
-          <p:cNvPicPr>
-            <a:picLocks noChangeAspect="1"/>
-          </p:cNvPicPr>
-          <p:nvPr/>
-        </p:nvPicPr>
-        <p:blipFill>
-          <a:blip r:embed="rId3" cstate="print">
-            <a:extLst>
-              <a:ext uri="{28A0092B-C50C-407E-A947-70E740481C1C}">
-                <a14:useLocalDpi xmlns:a14="http://schemas.microsoft.com/office/drawing/2010/main" val="0"/>
-              </a:ext>
-            </a:extLst>
-          </a:blip>
-          <a:stretch>
-            <a:fillRect/>
-          </a:stretch>
-        </p:blipFill>
-        <p:spPr>
-          <a:xfrm>
-            <a:off x="8087494" y="2015064"/>
-            <a:ext cx="3679559" cy="2725229"/>
-          </a:xfrm>
-          <a:prstGeom prst="rect">
-            <a:avLst/>
-          </a:prstGeom>
-        </p:spPr>
-      </p:pic>
-      <p:pic>
-        <p:nvPicPr>
-          <p:cNvPr id="12" name="Picture 11" descr="Map&#10;&#10;Description automatically generated">
-            <a:extLst>
-              <a:ext uri="{FF2B5EF4-FFF2-40B4-BE49-F238E27FC236}">
-                <a16:creationId xmlns:a16="http://schemas.microsoft.com/office/drawing/2014/main" id="{AC0BB8A3-416C-434C-B443-7F1272B5C3DB}"/>
-              </a:ext>
-            </a:extLst>
-          </p:cNvPr>
-          <p:cNvPicPr>
-            <a:picLocks noChangeAspect="1"/>
-          </p:cNvPicPr>
-          <p:nvPr/>
-        </p:nvPicPr>
-        <p:blipFill>
-          <a:blip r:embed="rId4" cstate="print">
-            <a:extLst>
-              <a:ext uri="{28A0092B-C50C-407E-A947-70E740481C1C}">
-                <a14:useLocalDpi xmlns:a14="http://schemas.microsoft.com/office/drawing/2010/main" val="0"/>
-              </a:ext>
-            </a:extLst>
-          </a:blip>
-          <a:stretch>
-            <a:fillRect/>
-          </a:stretch>
-        </p:blipFill>
-        <p:spPr>
-          <a:xfrm>
-            <a:off x="305895" y="1978769"/>
-            <a:ext cx="3539629" cy="2721637"/>
-          </a:xfrm>
-          <a:prstGeom prst="rect">
-            <a:avLst/>
-          </a:prstGeom>
-        </p:spPr>
-      </p:pic>
-    </p:spTree>
-    <p:extLst>
-      <p:ext uri="{BB962C8B-B14F-4D97-AF65-F5344CB8AC3E}">
-        <p14:creationId xmlns:p14="http://schemas.microsoft.com/office/powerpoint/2010/main" val="800566656"/>
       </p:ext>
     </p:extLst>
   </p:cSld>
@@ -10824,110 +10075,6 @@
           <a:chExt cx="0" cy="0"/>
         </a:xfrm>
       </p:grpSpPr>
-      <p:grpSp>
-        <p:nvGrpSpPr>
-          <p:cNvPr id="25" name="Group 24">
-            <a:extLst>
-              <a:ext uri="{FF2B5EF4-FFF2-40B4-BE49-F238E27FC236}">
-                <a16:creationId xmlns:a16="http://schemas.microsoft.com/office/drawing/2014/main" id="{C85C54E1-D638-49FA-939A-C756C2653C40}"/>
-              </a:ext>
-            </a:extLst>
-          </p:cNvPr>
-          <p:cNvGrpSpPr/>
-          <p:nvPr/>
-        </p:nvGrpSpPr>
-        <p:grpSpPr>
-          <a:xfrm>
-            <a:off x="2866427" y="1513323"/>
-            <a:ext cx="2066223" cy="965296"/>
-            <a:chOff x="1811039" y="1300849"/>
-            <a:chExt cx="2066223" cy="965296"/>
-          </a:xfrm>
-        </p:grpSpPr>
-        <p:pic>
-          <p:nvPicPr>
-            <p:cNvPr id="26" name="Picture 2">
-              <a:extLst>
-                <a:ext uri="{FF2B5EF4-FFF2-40B4-BE49-F238E27FC236}">
-                  <a16:creationId xmlns:a16="http://schemas.microsoft.com/office/drawing/2014/main" id="{B99CD118-BE2B-4974-A63A-05D086E8EA55}"/>
-                </a:ext>
-              </a:extLst>
-            </p:cNvPr>
-            <p:cNvPicPr>
-              <a:picLocks noChangeAspect="1" noChangeArrowheads="1"/>
-            </p:cNvPicPr>
-            <p:nvPr/>
-          </p:nvPicPr>
-          <p:blipFill>
-            <a:blip r:embed="rId2" cstate="print">
-              <a:extLst>
-                <a:ext uri="{28A0092B-C50C-407E-A947-70E740481C1C}">
-                  <a14:useLocalDpi xmlns:a14="http://schemas.microsoft.com/office/drawing/2010/main" val="0"/>
-                </a:ext>
-              </a:extLst>
-            </a:blip>
-            <a:srcRect/>
-            <a:stretch>
-              <a:fillRect/>
-            </a:stretch>
-          </p:blipFill>
-          <p:spPr bwMode="auto">
-            <a:xfrm>
-              <a:off x="2512807" y="1603456"/>
-              <a:ext cx="662689" cy="662689"/>
-            </a:xfrm>
-            <a:prstGeom prst="rect">
-              <a:avLst/>
-            </a:prstGeom>
-            <a:noFill/>
-            <a:extLst>
-              <a:ext uri="{909E8E84-426E-40DD-AFC4-6F175D3DCCD1}">
-                <a14:hiddenFill xmlns:a14="http://schemas.microsoft.com/office/drawing/2010/main">
-                  <a:solidFill>
-                    <a:srgbClr val="FFFFFF"/>
-                  </a:solidFill>
-                </a14:hiddenFill>
-              </a:ext>
-            </a:extLst>
-          </p:spPr>
-        </p:pic>
-        <p:sp>
-          <p:nvSpPr>
-            <p:cNvPr id="27" name="TextBox 26">
-              <a:extLst>
-                <a:ext uri="{FF2B5EF4-FFF2-40B4-BE49-F238E27FC236}">
-                  <a16:creationId xmlns:a16="http://schemas.microsoft.com/office/drawing/2014/main" id="{18C13B33-EEF3-454C-8140-6B229FA6718A}"/>
-                </a:ext>
-              </a:extLst>
-            </p:cNvPr>
-            <p:cNvSpPr txBox="1"/>
-            <p:nvPr/>
-          </p:nvSpPr>
-          <p:spPr>
-            <a:xfrm>
-              <a:off x="1811039" y="1300849"/>
-              <a:ext cx="2066223" cy="369332"/>
-            </a:xfrm>
-            <a:prstGeom prst="rect">
-              <a:avLst/>
-            </a:prstGeom>
-            <a:noFill/>
-          </p:spPr>
-          <p:txBody>
-            <a:bodyPr wrap="square" rtlCol="0">
-              <a:spAutoFit/>
-            </a:bodyPr>
-            <a:lstStyle/>
-            <a:p>
-              <a:pPr algn="ctr"/>
-              <a:r>
-                <a:rPr lang="en-US"/>
-                <a:t>Maps</a:t>
-              </a:r>
-            </a:p>
-          </p:txBody>
-        </p:sp>
-      </p:grpSp>
       <p:sp>
         <p:nvSpPr>
           <p:cNvPr id="6" name="Rectangle 5">
@@ -10942,8 +10089,8 @@
         </p:nvSpPr>
         <p:spPr>
           <a:xfrm>
-            <a:off x="770467" y="863600"/>
-            <a:ext cx="9254066" cy="2565400"/>
+            <a:off x="192163" y="1260628"/>
+            <a:ext cx="11807674" cy="3666973"/>
           </a:xfrm>
           <a:prstGeom prst="rect">
             <a:avLst/>
@@ -10997,7 +10144,7 @@
         <p:spPr>
           <a:xfrm>
             <a:off x="192163" y="128664"/>
-            <a:ext cx="2965904" cy="369332"/>
+            <a:ext cx="2066223" cy="369332"/>
           </a:xfrm>
           <a:prstGeom prst="rect">
             <a:avLst/>
@@ -11013,6 +10160,349 @@
             <a:pPr algn="ctr"/>
             <a:r>
               <a:rPr lang="en-US" b="1" dirty="0"/>
+              <a:t>Multi-Year Diff</a:t>
+            </a:r>
+          </a:p>
+        </p:txBody>
+      </p:sp>
+      <p:sp>
+        <p:nvSpPr>
+          <p:cNvPr id="14" name="TextBox 13">
+            <a:extLst>
+              <a:ext uri="{FF2B5EF4-FFF2-40B4-BE49-F238E27FC236}">
+                <a16:creationId xmlns:a16="http://schemas.microsoft.com/office/drawing/2014/main" id="{E7096BCA-B784-4F66-8101-8FBD88CCDF24}"/>
+              </a:ext>
+            </a:extLst>
+          </p:cNvPr>
+          <p:cNvSpPr txBox="1"/>
+          <p:nvPr/>
+        </p:nvSpPr>
+        <p:spPr>
+          <a:xfrm>
+            <a:off x="886592" y="1470938"/>
+            <a:ext cx="2066223" cy="369332"/>
+          </a:xfrm>
+          <a:prstGeom prst="rect">
+            <a:avLst/>
+          </a:prstGeom>
+          <a:noFill/>
+        </p:spPr>
+        <p:txBody>
+          <a:bodyPr wrap="square" rtlCol="0">
+            <a:spAutoFit/>
+          </a:bodyPr>
+          <a:lstStyle/>
+          <a:p>
+            <a:pPr algn="ctr"/>
+            <a:r>
+              <a:rPr lang="en-US" b="1" dirty="0"/>
+              <a:t>2010</a:t>
+            </a:r>
+          </a:p>
+        </p:txBody>
+      </p:sp>
+      <p:sp>
+        <p:nvSpPr>
+          <p:cNvPr id="15" name="TextBox 14">
+            <a:extLst>
+              <a:ext uri="{FF2B5EF4-FFF2-40B4-BE49-F238E27FC236}">
+                <a16:creationId xmlns:a16="http://schemas.microsoft.com/office/drawing/2014/main" id="{20D64CD3-3451-4DBB-B63F-1B79EAEC9F2F}"/>
+              </a:ext>
+            </a:extLst>
+          </p:cNvPr>
+          <p:cNvSpPr txBox="1"/>
+          <p:nvPr/>
+        </p:nvSpPr>
+        <p:spPr>
+          <a:xfrm>
+            <a:off x="4851608" y="1332438"/>
+            <a:ext cx="2066223" cy="646331"/>
+          </a:xfrm>
+          <a:prstGeom prst="rect">
+            <a:avLst/>
+          </a:prstGeom>
+          <a:noFill/>
+        </p:spPr>
+        <p:txBody>
+          <a:bodyPr wrap="square" rtlCol="0">
+            <a:spAutoFit/>
+          </a:bodyPr>
+          <a:lstStyle/>
+          <a:p>
+            <a:pPr algn="ctr"/>
+            <a:r>
+              <a:rPr lang="en-US" b="1" dirty="0"/>
+              <a:t>Absolute Difference 2020 - 2010</a:t>
+            </a:r>
+          </a:p>
+        </p:txBody>
+      </p:sp>
+      <p:sp>
+        <p:nvSpPr>
+          <p:cNvPr id="16" name="TextBox 15">
+            <a:extLst>
+              <a:ext uri="{FF2B5EF4-FFF2-40B4-BE49-F238E27FC236}">
+                <a16:creationId xmlns:a16="http://schemas.microsoft.com/office/drawing/2014/main" id="{53AAA9E1-273D-4B82-9CB8-E9390A866C43}"/>
+              </a:ext>
+            </a:extLst>
+          </p:cNvPr>
+          <p:cNvSpPr txBox="1"/>
+          <p:nvPr/>
+        </p:nvSpPr>
+        <p:spPr>
+          <a:xfrm>
+            <a:off x="8866130" y="1332438"/>
+            <a:ext cx="2066223" cy="646331"/>
+          </a:xfrm>
+          <a:prstGeom prst="rect">
+            <a:avLst/>
+          </a:prstGeom>
+          <a:noFill/>
+        </p:spPr>
+        <p:txBody>
+          <a:bodyPr wrap="square" rtlCol="0">
+            <a:spAutoFit/>
+          </a:bodyPr>
+          <a:lstStyle/>
+          <a:p>
+            <a:pPr algn="ctr"/>
+            <a:r>
+              <a:rPr lang="en-US" b="1" dirty="0"/>
+              <a:t>% Difference </a:t>
+            </a:r>
+          </a:p>
+          <a:p>
+            <a:pPr algn="ctr"/>
+            <a:r>
+              <a:rPr lang="en-US" b="1" dirty="0"/>
+              <a:t>2020 – 2010</a:t>
+            </a:r>
+          </a:p>
+        </p:txBody>
+      </p:sp>
+      <p:pic>
+        <p:nvPicPr>
+          <p:cNvPr id="5" name="Picture 4" descr="Map&#10;&#10;Description automatically generated">
+            <a:extLst>
+              <a:ext uri="{FF2B5EF4-FFF2-40B4-BE49-F238E27FC236}">
+                <a16:creationId xmlns:a16="http://schemas.microsoft.com/office/drawing/2014/main" id="{51C9B150-CB1F-46B2-9B33-5FE9B3252BBA}"/>
+              </a:ext>
+            </a:extLst>
+          </p:cNvPr>
+          <p:cNvPicPr>
+            <a:picLocks noChangeAspect="1"/>
+          </p:cNvPicPr>
+          <p:nvPr/>
+        </p:nvPicPr>
+        <p:blipFill>
+          <a:blip r:embed="rId2" cstate="print">
+            <a:extLst>
+              <a:ext uri="{28A0092B-C50C-407E-A947-70E740481C1C}">
+                <a14:useLocalDpi xmlns:a14="http://schemas.microsoft.com/office/drawing/2010/main" val="0"/>
+              </a:ext>
+            </a:extLst>
+          </a:blip>
+          <a:stretch>
+            <a:fillRect/>
+          </a:stretch>
+        </p:blipFill>
+        <p:spPr>
+          <a:xfrm>
+            <a:off x="4114905" y="2015065"/>
+            <a:ext cx="3589658" cy="2721636"/>
+          </a:xfrm>
+          <a:prstGeom prst="rect">
+            <a:avLst/>
+          </a:prstGeom>
+        </p:spPr>
+      </p:pic>
+      <p:pic>
+        <p:nvPicPr>
+          <p:cNvPr id="10" name="Picture 9" descr="Map&#10;&#10;Description automatically generated">
+            <a:extLst>
+              <a:ext uri="{FF2B5EF4-FFF2-40B4-BE49-F238E27FC236}">
+                <a16:creationId xmlns:a16="http://schemas.microsoft.com/office/drawing/2014/main" id="{8EF4338E-CA13-4B4A-89F9-517F569B08DB}"/>
+              </a:ext>
+            </a:extLst>
+          </p:cNvPr>
+          <p:cNvPicPr>
+            <a:picLocks noChangeAspect="1"/>
+          </p:cNvPicPr>
+          <p:nvPr/>
+        </p:nvPicPr>
+        <p:blipFill>
+          <a:blip r:embed="rId3" cstate="print">
+            <a:extLst>
+              <a:ext uri="{28A0092B-C50C-407E-A947-70E740481C1C}">
+                <a14:useLocalDpi xmlns:a14="http://schemas.microsoft.com/office/drawing/2010/main" val="0"/>
+              </a:ext>
+            </a:extLst>
+          </a:blip>
+          <a:stretch>
+            <a:fillRect/>
+          </a:stretch>
+        </p:blipFill>
+        <p:spPr>
+          <a:xfrm>
+            <a:off x="8087494" y="2015064"/>
+            <a:ext cx="3679559" cy="2725229"/>
+          </a:xfrm>
+          <a:prstGeom prst="rect">
+            <a:avLst/>
+          </a:prstGeom>
+        </p:spPr>
+      </p:pic>
+      <p:pic>
+        <p:nvPicPr>
+          <p:cNvPr id="12" name="Picture 11" descr="Map&#10;&#10;Description automatically generated">
+            <a:extLst>
+              <a:ext uri="{FF2B5EF4-FFF2-40B4-BE49-F238E27FC236}">
+                <a16:creationId xmlns:a16="http://schemas.microsoft.com/office/drawing/2014/main" id="{AC0BB8A3-416C-434C-B443-7F1272B5C3DB}"/>
+              </a:ext>
+            </a:extLst>
+          </p:cNvPr>
+          <p:cNvPicPr>
+            <a:picLocks noChangeAspect="1"/>
+          </p:cNvPicPr>
+          <p:nvPr/>
+        </p:nvPicPr>
+        <p:blipFill>
+          <a:blip r:embed="rId4" cstate="print">
+            <a:extLst>
+              <a:ext uri="{28A0092B-C50C-407E-A947-70E740481C1C}">
+                <a14:useLocalDpi xmlns:a14="http://schemas.microsoft.com/office/drawing/2010/main" val="0"/>
+              </a:ext>
+            </a:extLst>
+          </a:blip>
+          <a:stretch>
+            <a:fillRect/>
+          </a:stretch>
+        </p:blipFill>
+        <p:spPr>
+          <a:xfrm>
+            <a:off x="305895" y="1978769"/>
+            <a:ext cx="3539629" cy="2721637"/>
+          </a:xfrm>
+          <a:prstGeom prst="rect">
+            <a:avLst/>
+          </a:prstGeom>
+        </p:spPr>
+      </p:pic>
+    </p:spTree>
+    <p:extLst>
+      <p:ext uri="{BB962C8B-B14F-4D97-AF65-F5344CB8AC3E}">
+        <p14:creationId xmlns:p14="http://schemas.microsoft.com/office/powerpoint/2010/main" val="800566656"/>
+      </p:ext>
+    </p:extLst>
+  </p:cSld>
+  <p:clrMapOvr>
+    <a:masterClrMapping/>
+  </p:clrMapOvr>
+</p:sld>
+</file>
+
+<file path=ppt/slides/slide33.xml><?xml version="1.0" encoding="utf-8"?>
+<p:sld xmlns:a="http://schemas.openxmlformats.org/drawingml/2006/main" xmlns:r="http://schemas.openxmlformats.org/officeDocument/2006/relationships" xmlns:p="http://schemas.openxmlformats.org/presentationml/2006/main">
+  <p:cSld>
+    <p:spTree>
+      <p:nvGrpSpPr>
+        <p:cNvPr id="1" name=""/>
+        <p:cNvGrpSpPr/>
+        <p:nvPr/>
+      </p:nvGrpSpPr>
+      <p:grpSpPr>
+        <a:xfrm>
+          <a:off x="0" y="0"/>
+          <a:ext cx="0" cy="0"/>
+          <a:chOff x="0" y="0"/>
+          <a:chExt cx="0" cy="0"/>
+        </a:xfrm>
+      </p:grpSpPr>
+      <p:sp>
+        <p:nvSpPr>
+          <p:cNvPr id="6" name="Rectangle 5">
+            <a:extLst>
+              <a:ext uri="{FF2B5EF4-FFF2-40B4-BE49-F238E27FC236}">
+                <a16:creationId xmlns:a16="http://schemas.microsoft.com/office/drawing/2014/main" id="{F2FAAE5D-6F5D-4276-A188-B0F75533DF8A}"/>
+              </a:ext>
+            </a:extLst>
+          </p:cNvPr>
+          <p:cNvSpPr/>
+          <p:nvPr/>
+        </p:nvSpPr>
+        <p:spPr>
+          <a:xfrm>
+            <a:off x="2237361" y="1186774"/>
+            <a:ext cx="7787171" cy="1896894"/>
+          </a:xfrm>
+          <a:prstGeom prst="rect">
+            <a:avLst/>
+          </a:prstGeom>
+          <a:noFill/>
+          <a:ln>
+            <a:solidFill>
+              <a:schemeClr val="bg1">
+                <a:lumMod val="65000"/>
+              </a:schemeClr>
+            </a:solidFill>
+          </a:ln>
+        </p:spPr>
+        <p:style>
+          <a:lnRef idx="2">
+            <a:schemeClr val="accent1">
+              <a:shade val="50000"/>
+            </a:schemeClr>
+          </a:lnRef>
+          <a:fillRef idx="1">
+            <a:schemeClr val="accent1"/>
+          </a:fillRef>
+          <a:effectRef idx="0">
+            <a:schemeClr val="accent1"/>
+          </a:effectRef>
+          <a:fontRef idx="minor">
+            <a:schemeClr val="lt1"/>
+          </a:fontRef>
+        </p:style>
+        <p:txBody>
+          <a:bodyPr rtlCol="0" anchor="ctr"/>
+          <a:lstStyle/>
+          <a:p>
+            <a:pPr algn="ctr"/>
+            <a:endParaRPr lang="en-US"/>
+          </a:p>
+        </p:txBody>
+      </p:sp>
+      <p:sp>
+        <p:nvSpPr>
+          <p:cNvPr id="7" name="TextBox 6">
+            <a:extLst>
+              <a:ext uri="{FF2B5EF4-FFF2-40B4-BE49-F238E27FC236}">
+                <a16:creationId xmlns:a16="http://schemas.microsoft.com/office/drawing/2014/main" id="{A063DF1C-7DF0-40B4-AC9D-EC918B0CB000}"/>
+              </a:ext>
+            </a:extLst>
+          </p:cNvPr>
+          <p:cNvSpPr txBox="1"/>
+          <p:nvPr/>
+        </p:nvSpPr>
+        <p:spPr>
+          <a:xfrm>
+            <a:off x="192163" y="128664"/>
+            <a:ext cx="2965904" cy="369332"/>
+          </a:xfrm>
+          <a:prstGeom prst="rect">
+            <a:avLst/>
+          </a:prstGeom>
+          <a:noFill/>
+        </p:spPr>
+        <p:txBody>
+          <a:bodyPr wrap="square" rtlCol="0">
+            <a:spAutoFit/>
+          </a:bodyPr>
+          <a:lstStyle/>
+          <a:p>
+            <a:pPr algn="ctr"/>
+            <a:r>
+              <a:rPr lang="en-US" b="1" dirty="0"/>
               <a:t>Multi-Year Folders</a:t>
             </a:r>
           </a:p>
@@ -11032,7 +10522,7 @@
         </p:nvGrpSpPr>
         <p:grpSpPr>
           <a:xfrm>
-            <a:off x="519116" y="1513323"/>
+            <a:off x="1880991" y="1513323"/>
             <a:ext cx="2066223" cy="965296"/>
             <a:chOff x="1811039" y="1300849"/>
             <a:chExt cx="2066223" cy="965296"/>
@@ -11124,110 +10614,6 @@
       </p:grpSp>
       <p:grpSp>
         <p:nvGrpSpPr>
-          <p:cNvPr id="10" name="Group 9">
-            <a:extLst>
-              <a:ext uri="{FF2B5EF4-FFF2-40B4-BE49-F238E27FC236}">
-                <a16:creationId xmlns:a16="http://schemas.microsoft.com/office/drawing/2014/main" id="{559BFAA9-2EB9-46A1-94B8-F10C4594B349}"/>
-              </a:ext>
-            </a:extLst>
-          </p:cNvPr>
-          <p:cNvGrpSpPr/>
-          <p:nvPr/>
-        </p:nvGrpSpPr>
-        <p:grpSpPr>
-          <a:xfrm>
-            <a:off x="3892430" y="1513323"/>
-            <a:ext cx="2066223" cy="965296"/>
-            <a:chOff x="1811039" y="1300849"/>
-            <a:chExt cx="2066223" cy="965296"/>
-          </a:xfrm>
-        </p:grpSpPr>
-        <p:pic>
-          <p:nvPicPr>
-            <p:cNvPr id="11" name="Picture 2">
-              <a:extLst>
-                <a:ext uri="{FF2B5EF4-FFF2-40B4-BE49-F238E27FC236}">
-                  <a16:creationId xmlns:a16="http://schemas.microsoft.com/office/drawing/2014/main" id="{E2D5D6E7-7032-41E5-9345-84AD730066DF}"/>
-                </a:ext>
-              </a:extLst>
-            </p:cNvPr>
-            <p:cNvPicPr>
-              <a:picLocks noChangeAspect="1" noChangeArrowheads="1"/>
-            </p:cNvPicPr>
-            <p:nvPr/>
-          </p:nvPicPr>
-          <p:blipFill>
-            <a:blip r:embed="rId2" cstate="print">
-              <a:extLst>
-                <a:ext uri="{28A0092B-C50C-407E-A947-70E740481C1C}">
-                  <a14:useLocalDpi xmlns:a14="http://schemas.microsoft.com/office/drawing/2010/main" val="0"/>
-                </a:ext>
-              </a:extLst>
-            </a:blip>
-            <a:srcRect/>
-            <a:stretch>
-              <a:fillRect/>
-            </a:stretch>
-          </p:blipFill>
-          <p:spPr bwMode="auto">
-            <a:xfrm>
-              <a:off x="2512807" y="1603456"/>
-              <a:ext cx="662689" cy="662689"/>
-            </a:xfrm>
-            <a:prstGeom prst="rect">
-              <a:avLst/>
-            </a:prstGeom>
-            <a:noFill/>
-            <a:extLst>
-              <a:ext uri="{909E8E84-426E-40DD-AFC4-6F175D3DCCD1}">
-                <a14:hiddenFill xmlns:a14="http://schemas.microsoft.com/office/drawing/2010/main">
-                  <a:solidFill>
-                    <a:srgbClr val="FFFFFF"/>
-                  </a:solidFill>
-                </a14:hiddenFill>
-              </a:ext>
-            </a:extLst>
-          </p:spPr>
-        </p:pic>
-        <p:sp>
-          <p:nvSpPr>
-            <p:cNvPr id="12" name="TextBox 11">
-              <a:extLst>
-                <a:ext uri="{FF2B5EF4-FFF2-40B4-BE49-F238E27FC236}">
-                  <a16:creationId xmlns:a16="http://schemas.microsoft.com/office/drawing/2014/main" id="{845F5119-2944-4FB2-8E63-4E67D12F789F}"/>
-                </a:ext>
-              </a:extLst>
-            </p:cNvPr>
-            <p:cNvSpPr txBox="1"/>
-            <p:nvPr/>
-          </p:nvSpPr>
-          <p:spPr>
-            <a:xfrm>
-              <a:off x="1811039" y="1300849"/>
-              <a:ext cx="2066223" cy="369332"/>
-            </a:xfrm>
-            <a:prstGeom prst="rect">
-              <a:avLst/>
-            </a:prstGeom>
-            <a:noFill/>
-          </p:spPr>
-          <p:txBody>
-            <a:bodyPr wrap="square" rtlCol="0">
-              <a:spAutoFit/>
-            </a:bodyPr>
-            <a:lstStyle/>
-            <a:p>
-              <a:pPr algn="ctr"/>
-              <a:r>
-                <a:rPr lang="en-US"/>
-                <a:t>country</a:t>
-              </a:r>
-            </a:p>
-          </p:txBody>
-        </p:sp>
-      </p:grpSp>
-      <p:grpSp>
-        <p:nvGrpSpPr>
           <p:cNvPr id="13" name="Group 12">
             <a:extLst>
               <a:ext uri="{FF2B5EF4-FFF2-40B4-BE49-F238E27FC236}">
@@ -11332,49 +10718,6 @@
       </p:grpSp>
       <p:cxnSp>
         <p:nvCxnSpPr>
-          <p:cNvPr id="19" name="Straight Connector 18">
-            <a:extLst>
-              <a:ext uri="{FF2B5EF4-FFF2-40B4-BE49-F238E27FC236}">
-                <a16:creationId xmlns:a16="http://schemas.microsoft.com/office/drawing/2014/main" id="{BB83AEA6-6BBC-4499-95B1-ABA66209BB19}"/>
-              </a:ext>
-            </a:extLst>
-          </p:cNvPr>
-          <p:cNvCxnSpPr>
-            <a:cxnSpLocks/>
-            <a:stCxn id="11" idx="3"/>
-            <a:endCxn id="14" idx="1"/>
-          </p:cNvCxnSpPr>
-          <p:nvPr/>
-        </p:nvCxnSpPr>
-        <p:spPr>
-          <a:xfrm>
-            <a:off x="5256887" y="2147275"/>
-            <a:ext cx="405853" cy="0"/>
-          </a:xfrm>
-          <a:prstGeom prst="line">
-            <a:avLst/>
-          </a:prstGeom>
-          <a:ln>
-            <a:tailEnd type="triangle" w="lg" len="lg"/>
-          </a:ln>
-        </p:spPr>
-        <p:style>
-          <a:lnRef idx="1">
-            <a:schemeClr val="dk1"/>
-          </a:lnRef>
-          <a:fillRef idx="0">
-            <a:schemeClr val="dk1"/>
-          </a:fillRef>
-          <a:effectRef idx="0">
-            <a:schemeClr val="dk1"/>
-          </a:effectRef>
-          <a:fontRef idx="minor">
-            <a:schemeClr val="tx1"/>
-          </a:fontRef>
-        </p:style>
-      </p:cxnSp>
-      <p:cxnSp>
-        <p:nvCxnSpPr>
           <p:cNvPr id="20" name="Straight Connector 19">
             <a:extLst>
               <a:ext uri="{FF2B5EF4-FFF2-40B4-BE49-F238E27FC236}">
@@ -11430,7 +10773,7 @@
         </p:nvGrpSpPr>
         <p:grpSpPr>
           <a:xfrm>
-            <a:off x="1783781" y="1513323"/>
+            <a:off x="3408304" y="1513323"/>
             <a:ext cx="2066223" cy="965296"/>
             <a:chOff x="1811039" y="1300849"/>
             <a:chExt cx="2066223" cy="965296"/>
@@ -11513,9 +10856,18 @@
             <a:p>
               <a:pPr algn="ctr"/>
               <a:r>
-                <a:rPr lang="en-US"/>
+                <a:rPr lang="en-US" dirty="0" err="1">
+                  <a:solidFill>
+                    <a:srgbClr val="FF0000"/>
+                  </a:solidFill>
+                </a:rPr>
                 <a:t>multiScenario</a:t>
               </a:r>
+              <a:endParaRPr lang="en-US" dirty="0">
+                <a:solidFill>
+                  <a:srgbClr val="FF0000"/>
+                </a:solidFill>
+              </a:endParaRPr>
             </a:p>
           </p:txBody>
         </p:sp>
@@ -11536,48 +10888,7 @@
         </p:nvCxnSpPr>
         <p:spPr>
           <a:xfrm>
-            <a:off x="3238923" y="2147275"/>
-            <a:ext cx="329272" cy="0"/>
-          </a:xfrm>
-          <a:prstGeom prst="line">
-            <a:avLst/>
-          </a:prstGeom>
-          <a:ln>
-            <a:tailEnd type="triangle" w="lg" len="lg"/>
-          </a:ln>
-        </p:spPr>
-        <p:style>
-          <a:lnRef idx="1">
-            <a:schemeClr val="dk1"/>
-          </a:lnRef>
-          <a:fillRef idx="0">
-            <a:schemeClr val="dk1"/>
-          </a:fillRef>
-          <a:effectRef idx="0">
-            <a:schemeClr val="dk1"/>
-          </a:effectRef>
-          <a:fontRef idx="minor">
-            <a:schemeClr val="tx1"/>
-          </a:fontRef>
-        </p:style>
-      </p:cxnSp>
-      <p:cxnSp>
-        <p:nvCxnSpPr>
-          <p:cNvPr id="39" name="Straight Connector 38">
-            <a:extLst>
-              <a:ext uri="{FF2B5EF4-FFF2-40B4-BE49-F238E27FC236}">
-                <a16:creationId xmlns:a16="http://schemas.microsoft.com/office/drawing/2014/main" id="{271752A6-51C3-407D-B323-312B43068FD7}"/>
-              </a:ext>
-            </a:extLst>
-          </p:cNvPr>
-          <p:cNvCxnSpPr>
-            <a:cxnSpLocks/>
-          </p:cNvCxnSpPr>
-          <p:nvPr/>
-        </p:nvCxnSpPr>
-        <p:spPr>
-          <a:xfrm>
-            <a:off x="4213341" y="2138486"/>
+            <a:off x="4863446" y="2147275"/>
             <a:ext cx="329272" cy="0"/>
           </a:xfrm>
           <a:prstGeom prst="line">
@@ -11618,7 +10929,7 @@
         </p:nvCxnSpPr>
         <p:spPr>
           <a:xfrm>
-            <a:off x="1895356" y="2163885"/>
+            <a:off x="3257231" y="2163885"/>
             <a:ext cx="329272" cy="0"/>
           </a:xfrm>
           <a:prstGeom prst="line">
@@ -11682,270 +10993,6 @@
     <p:extLst>
       <p:ext uri="{BB962C8B-B14F-4D97-AF65-F5344CB8AC3E}">
         <p14:creationId xmlns:p14="http://schemas.microsoft.com/office/powerpoint/2010/main" val="2544726570"/>
-      </p:ext>
-    </p:extLst>
-  </p:cSld>
-  <p:clrMapOvr>
-    <a:masterClrMapping/>
-  </p:clrMapOvr>
-</p:sld>
-</file>
-
-<file path=ppt/slides/slide33.xml><?xml version="1.0" encoding="utf-8"?>
-<p:sld xmlns:a="http://schemas.openxmlformats.org/drawingml/2006/main" xmlns:r="http://schemas.openxmlformats.org/officeDocument/2006/relationships" xmlns:p="http://schemas.openxmlformats.org/presentationml/2006/main">
-  <p:cSld>
-    <p:spTree>
-      <p:nvGrpSpPr>
-        <p:cNvPr id="1" name=""/>
-        <p:cNvGrpSpPr/>
-        <p:nvPr/>
-      </p:nvGrpSpPr>
-      <p:grpSpPr>
-        <a:xfrm>
-          <a:off x="0" y="0"/>
-          <a:ext cx="0" cy="0"/>
-          <a:chOff x="0" y="0"/>
-          <a:chExt cx="0" cy="0"/>
-        </a:xfrm>
-      </p:grpSpPr>
-      <p:sp>
-        <p:nvSpPr>
-          <p:cNvPr id="6" name="Rectangle 5">
-            <a:extLst>
-              <a:ext uri="{FF2B5EF4-FFF2-40B4-BE49-F238E27FC236}">
-                <a16:creationId xmlns:a16="http://schemas.microsoft.com/office/drawing/2014/main" id="{F2FAAE5D-6F5D-4276-A188-B0F75533DF8A}"/>
-              </a:ext>
-            </a:extLst>
-          </p:cNvPr>
-          <p:cNvSpPr/>
-          <p:nvPr/>
-        </p:nvSpPr>
-        <p:spPr>
-          <a:xfrm>
-            <a:off x="192163" y="887767"/>
-            <a:ext cx="11807674" cy="4429958"/>
-          </a:xfrm>
-          <a:prstGeom prst="rect">
-            <a:avLst/>
-          </a:prstGeom>
-          <a:noFill/>
-          <a:ln>
-            <a:solidFill>
-              <a:schemeClr val="bg1">
-                <a:lumMod val="65000"/>
-              </a:schemeClr>
-            </a:solidFill>
-          </a:ln>
-        </p:spPr>
-        <p:style>
-          <a:lnRef idx="2">
-            <a:schemeClr val="accent1">
-              <a:shade val="50000"/>
-            </a:schemeClr>
-          </a:lnRef>
-          <a:fillRef idx="1">
-            <a:schemeClr val="accent1"/>
-          </a:fillRef>
-          <a:effectRef idx="0">
-            <a:schemeClr val="accent1"/>
-          </a:effectRef>
-          <a:fontRef idx="minor">
-            <a:schemeClr val="lt1"/>
-          </a:fontRef>
-        </p:style>
-        <p:txBody>
-          <a:bodyPr rtlCol="0" anchor="ctr"/>
-          <a:lstStyle/>
-          <a:p>
-            <a:pPr algn="ctr"/>
-            <a:endParaRPr lang="en-US"/>
-          </a:p>
-        </p:txBody>
-      </p:sp>
-      <p:sp>
-        <p:nvSpPr>
-          <p:cNvPr id="7" name="TextBox 6">
-            <a:extLst>
-              <a:ext uri="{FF2B5EF4-FFF2-40B4-BE49-F238E27FC236}">
-                <a16:creationId xmlns:a16="http://schemas.microsoft.com/office/drawing/2014/main" id="{A063DF1C-7DF0-40B4-AC9D-EC918B0CB000}"/>
-              </a:ext>
-            </a:extLst>
-          </p:cNvPr>
-          <p:cNvSpPr txBox="1"/>
-          <p:nvPr/>
-        </p:nvSpPr>
-        <p:spPr>
-          <a:xfrm>
-            <a:off x="192163" y="128664"/>
-            <a:ext cx="2066223" cy="369332"/>
-          </a:xfrm>
-          <a:prstGeom prst="rect">
-            <a:avLst/>
-          </a:prstGeom>
-          <a:noFill/>
-        </p:spPr>
-        <p:txBody>
-          <a:bodyPr wrap="square" rtlCol="0">
-            <a:spAutoFit/>
-          </a:bodyPr>
-          <a:lstStyle/>
-          <a:p>
-            <a:pPr algn="ctr"/>
-            <a:r>
-              <a:rPr lang="en-US" b="1"/>
-              <a:t>Multi-Year</a:t>
-            </a:r>
-          </a:p>
-        </p:txBody>
-      </p:sp>
-      <p:pic>
-        <p:nvPicPr>
-          <p:cNvPr id="9" name="Picture 8" descr="A picture containing text, map&#10;&#10;Description automatically generated">
-            <a:extLst>
-              <a:ext uri="{FF2B5EF4-FFF2-40B4-BE49-F238E27FC236}">
-                <a16:creationId xmlns:a16="http://schemas.microsoft.com/office/drawing/2014/main" id="{7075CCF6-2D36-4F07-9303-645D61153C36}"/>
-              </a:ext>
-            </a:extLst>
-          </p:cNvPr>
-          <p:cNvPicPr>
-            <a:picLocks noChangeAspect="1"/>
-          </p:cNvPicPr>
-          <p:nvPr/>
-        </p:nvPicPr>
-        <p:blipFill>
-          <a:blip r:embed="rId2">
-            <a:extLst>
-              <a:ext uri="{28A0092B-C50C-407E-A947-70E740481C1C}">
-                <a14:useLocalDpi xmlns:a14="http://schemas.microsoft.com/office/drawing/2010/main" val="0"/>
-              </a:ext>
-            </a:extLst>
-          </a:blip>
-          <a:stretch>
-            <a:fillRect/>
-          </a:stretch>
-        </p:blipFill>
-        <p:spPr>
-          <a:xfrm>
-            <a:off x="352956" y="2435263"/>
-            <a:ext cx="6823625" cy="1455983"/>
-          </a:xfrm>
-          <a:prstGeom prst="rect">
-            <a:avLst/>
-          </a:prstGeom>
-        </p:spPr>
-      </p:pic>
-      <p:pic>
-        <p:nvPicPr>
-          <p:cNvPr id="11" name="Picture 10" descr="A close up of a map&#10;&#10;Description automatically generated">
-            <a:extLst>
-              <a:ext uri="{FF2B5EF4-FFF2-40B4-BE49-F238E27FC236}">
-                <a16:creationId xmlns:a16="http://schemas.microsoft.com/office/drawing/2014/main" id="{7C7BA25C-FFF3-4AD7-A697-2F888925A92F}"/>
-              </a:ext>
-            </a:extLst>
-          </p:cNvPr>
-          <p:cNvPicPr>
-            <a:picLocks noChangeAspect="1"/>
-          </p:cNvPicPr>
-          <p:nvPr/>
-        </p:nvPicPr>
-        <p:blipFill>
-          <a:blip r:embed="rId3" cstate="print">
-            <a:extLst>
-              <a:ext uri="{28A0092B-C50C-407E-A947-70E740481C1C}">
-                <a14:useLocalDpi xmlns:a14="http://schemas.microsoft.com/office/drawing/2010/main" val="0"/>
-              </a:ext>
-            </a:extLst>
-          </a:blip>
-          <a:stretch>
-            <a:fillRect/>
-          </a:stretch>
-        </p:blipFill>
-        <p:spPr>
-          <a:xfrm>
-            <a:off x="7350712" y="1636016"/>
-            <a:ext cx="4488332" cy="3451099"/>
-          </a:xfrm>
-          <a:prstGeom prst="rect">
-            <a:avLst/>
-          </a:prstGeom>
-        </p:spPr>
-      </p:pic>
-      <p:sp>
-        <p:nvSpPr>
-          <p:cNvPr id="12" name="TextBox 11">
-            <a:extLst>
-              <a:ext uri="{FF2B5EF4-FFF2-40B4-BE49-F238E27FC236}">
-                <a16:creationId xmlns:a16="http://schemas.microsoft.com/office/drawing/2014/main" id="{F5148CF5-C0BA-4F2A-A7AC-ACDAD907493F}"/>
-              </a:ext>
-            </a:extLst>
-          </p:cNvPr>
-          <p:cNvSpPr txBox="1"/>
-          <p:nvPr/>
-        </p:nvSpPr>
-        <p:spPr>
-          <a:xfrm>
-            <a:off x="2004687" y="1840726"/>
-            <a:ext cx="2691600" cy="369332"/>
-          </a:xfrm>
-          <a:prstGeom prst="rect">
-            <a:avLst/>
-          </a:prstGeom>
-          <a:noFill/>
-        </p:spPr>
-        <p:txBody>
-          <a:bodyPr wrap="square" rtlCol="0">
-            <a:spAutoFit/>
-          </a:bodyPr>
-          <a:lstStyle/>
-          <a:p>
-            <a:pPr algn="ctr"/>
-            <a:r>
-              <a:rPr lang="en-US" b="1" dirty="0"/>
-              <a:t>Combined Year Plots</a:t>
-            </a:r>
-          </a:p>
-        </p:txBody>
-      </p:sp>
-      <p:sp>
-        <p:nvSpPr>
-          <p:cNvPr id="13" name="TextBox 12">
-            <a:extLst>
-              <a:ext uri="{FF2B5EF4-FFF2-40B4-BE49-F238E27FC236}">
-                <a16:creationId xmlns:a16="http://schemas.microsoft.com/office/drawing/2014/main" id="{2FF4C991-5D6E-43DB-8801-5B2C47F2ECAB}"/>
-              </a:ext>
-            </a:extLst>
-          </p:cNvPr>
-          <p:cNvSpPr txBox="1"/>
-          <p:nvPr/>
-        </p:nvSpPr>
-        <p:spPr>
-          <a:xfrm>
-            <a:off x="8042982" y="1005119"/>
-            <a:ext cx="2691600" cy="369332"/>
-          </a:xfrm>
-          <a:prstGeom prst="rect">
-            <a:avLst/>
-          </a:prstGeom>
-          <a:noFill/>
-        </p:spPr>
-        <p:txBody>
-          <a:bodyPr wrap="square" rtlCol="0">
-            <a:spAutoFit/>
-          </a:bodyPr>
-          <a:lstStyle/>
-          <a:p>
-            <a:pPr algn="ctr"/>
-            <a:r>
-              <a:rPr lang="en-US" b="1"/>
-              <a:t>Mean Plot</a:t>
-            </a:r>
-          </a:p>
-        </p:txBody>
-      </p:sp>
-    </p:spTree>
-    <p:extLst>
-      <p:ext uri="{BB962C8B-B14F-4D97-AF65-F5344CB8AC3E}">
-        <p14:creationId xmlns:p14="http://schemas.microsoft.com/office/powerpoint/2010/main" val="1642896518"/>
       </p:ext>
     </p:extLst>
   </p:cSld>
@@ -11986,8 +11033,8 @@
         </p:nvSpPr>
         <p:spPr>
           <a:xfrm>
-            <a:off x="192163" y="1393794"/>
-            <a:ext cx="11807674" cy="2885243"/>
+            <a:off x="192163" y="887767"/>
+            <a:ext cx="11807674" cy="4429958"/>
           </a:xfrm>
           <a:prstGeom prst="rect">
             <a:avLst/>
@@ -12057,17 +11104,17 @@
             <a:pPr algn="ctr"/>
             <a:r>
               <a:rPr lang="en-US" b="1"/>
-              <a:t>Multi-Class</a:t>
+              <a:t>Multi-Year</a:t>
             </a:r>
           </a:p>
         </p:txBody>
       </p:sp>
       <p:pic>
         <p:nvPicPr>
-          <p:cNvPr id="5" name="Picture 4" descr="A picture containing text, map&#10;&#10;Description automatically generated">
-            <a:extLst>
-              <a:ext uri="{FF2B5EF4-FFF2-40B4-BE49-F238E27FC236}">
-                <a16:creationId xmlns:a16="http://schemas.microsoft.com/office/drawing/2014/main" id="{3D27A65B-4BEA-43AE-AC77-2C948A38FEFA}"/>
+          <p:cNvPr id="9" name="Picture 8" descr="A picture containing text, map&#10;&#10;Description automatically generated">
+            <a:extLst>
+              <a:ext uri="{FF2B5EF4-FFF2-40B4-BE49-F238E27FC236}">
+                <a16:creationId xmlns:a16="http://schemas.microsoft.com/office/drawing/2014/main" id="{7075CCF6-2D36-4F07-9303-645D61153C36}"/>
               </a:ext>
             </a:extLst>
           </p:cNvPr>
@@ -12090,18 +11137,126 @@
         </p:blipFill>
         <p:spPr>
           <a:xfrm>
-            <a:off x="318526" y="1571302"/>
-            <a:ext cx="11419072" cy="2468038"/>
+            <a:off x="352956" y="2435263"/>
+            <a:ext cx="6823625" cy="1455983"/>
           </a:xfrm>
           <a:prstGeom prst="rect">
             <a:avLst/>
           </a:prstGeom>
         </p:spPr>
       </p:pic>
+      <p:pic>
+        <p:nvPicPr>
+          <p:cNvPr id="11" name="Picture 10" descr="A close up of a map&#10;&#10;Description automatically generated">
+            <a:extLst>
+              <a:ext uri="{FF2B5EF4-FFF2-40B4-BE49-F238E27FC236}">
+                <a16:creationId xmlns:a16="http://schemas.microsoft.com/office/drawing/2014/main" id="{7C7BA25C-FFF3-4AD7-A697-2F888925A92F}"/>
+              </a:ext>
+            </a:extLst>
+          </p:cNvPr>
+          <p:cNvPicPr>
+            <a:picLocks noChangeAspect="1"/>
+          </p:cNvPicPr>
+          <p:nvPr/>
+        </p:nvPicPr>
+        <p:blipFill>
+          <a:blip r:embed="rId3" cstate="print">
+            <a:extLst>
+              <a:ext uri="{28A0092B-C50C-407E-A947-70E740481C1C}">
+                <a14:useLocalDpi xmlns:a14="http://schemas.microsoft.com/office/drawing/2010/main" val="0"/>
+              </a:ext>
+            </a:extLst>
+          </a:blip>
+          <a:stretch>
+            <a:fillRect/>
+          </a:stretch>
+        </p:blipFill>
+        <p:spPr>
+          <a:xfrm>
+            <a:off x="7350712" y="1636016"/>
+            <a:ext cx="4488332" cy="3451099"/>
+          </a:xfrm>
+          <a:prstGeom prst="rect">
+            <a:avLst/>
+          </a:prstGeom>
+        </p:spPr>
+      </p:pic>
+      <p:sp>
+        <p:nvSpPr>
+          <p:cNvPr id="12" name="TextBox 11">
+            <a:extLst>
+              <a:ext uri="{FF2B5EF4-FFF2-40B4-BE49-F238E27FC236}">
+                <a16:creationId xmlns:a16="http://schemas.microsoft.com/office/drawing/2014/main" id="{F5148CF5-C0BA-4F2A-A7AC-ACDAD907493F}"/>
+              </a:ext>
+            </a:extLst>
+          </p:cNvPr>
+          <p:cNvSpPr txBox="1"/>
+          <p:nvPr/>
+        </p:nvSpPr>
+        <p:spPr>
+          <a:xfrm>
+            <a:off x="2004687" y="1840726"/>
+            <a:ext cx="2691600" cy="369332"/>
+          </a:xfrm>
+          <a:prstGeom prst="rect">
+            <a:avLst/>
+          </a:prstGeom>
+          <a:noFill/>
+        </p:spPr>
+        <p:txBody>
+          <a:bodyPr wrap="square" rtlCol="0">
+            <a:spAutoFit/>
+          </a:bodyPr>
+          <a:lstStyle/>
+          <a:p>
+            <a:pPr algn="ctr"/>
+            <a:r>
+              <a:rPr lang="en-US" b="1" dirty="0"/>
+              <a:t>Combined Year Plots</a:t>
+            </a:r>
+          </a:p>
+        </p:txBody>
+      </p:sp>
+      <p:sp>
+        <p:nvSpPr>
+          <p:cNvPr id="13" name="TextBox 12">
+            <a:extLst>
+              <a:ext uri="{FF2B5EF4-FFF2-40B4-BE49-F238E27FC236}">
+                <a16:creationId xmlns:a16="http://schemas.microsoft.com/office/drawing/2014/main" id="{2FF4C991-5D6E-43DB-8801-5B2C47F2ECAB}"/>
+              </a:ext>
+            </a:extLst>
+          </p:cNvPr>
+          <p:cNvSpPr txBox="1"/>
+          <p:nvPr/>
+        </p:nvSpPr>
+        <p:spPr>
+          <a:xfrm>
+            <a:off x="8042982" y="1005119"/>
+            <a:ext cx="2691600" cy="369332"/>
+          </a:xfrm>
+          <a:prstGeom prst="rect">
+            <a:avLst/>
+          </a:prstGeom>
+          <a:noFill/>
+        </p:spPr>
+        <p:txBody>
+          <a:bodyPr wrap="square" rtlCol="0">
+            <a:spAutoFit/>
+          </a:bodyPr>
+          <a:lstStyle/>
+          <a:p>
+            <a:pPr algn="ctr"/>
+            <a:r>
+              <a:rPr lang="en-US" b="1"/>
+              <a:t>Mean Plot</a:t>
+            </a:r>
+          </a:p>
+        </p:txBody>
+      </p:sp>
     </p:spTree>
     <p:extLst>
       <p:ext uri="{BB962C8B-B14F-4D97-AF65-F5344CB8AC3E}">
-        <p14:creationId xmlns:p14="http://schemas.microsoft.com/office/powerpoint/2010/main" val="1597531760"/>
+        <p14:creationId xmlns:p14="http://schemas.microsoft.com/office/powerpoint/2010/main" val="1642896518"/>
       </p:ext>
     </p:extLst>
   </p:cSld>
@@ -12142,8 +11297,8 @@
         </p:nvSpPr>
         <p:spPr>
           <a:xfrm>
-            <a:off x="612058" y="1231490"/>
-            <a:ext cx="11002298" cy="4387645"/>
+            <a:off x="192163" y="1393794"/>
+            <a:ext cx="11807674" cy="2885243"/>
           </a:xfrm>
           <a:prstGeom prst="rect">
             <a:avLst/>
@@ -12197,7 +11352,7 @@
         <p:spPr>
           <a:xfrm>
             <a:off x="192163" y="128664"/>
-            <a:ext cx="2897624" cy="646331"/>
+            <a:ext cx="2066223" cy="369332"/>
           </a:xfrm>
           <a:prstGeom prst="rect">
             <a:avLst/>
@@ -12212,18 +11367,18 @@
           <a:p>
             <a:pPr algn="ctr"/>
             <a:r>
-              <a:rPr lang="en-US" b="1" dirty="0"/>
-              <a:t>Legend Customization Position Single Facet</a:t>
+              <a:rPr lang="en-US" b="1"/>
+              <a:t>Multi-Class</a:t>
             </a:r>
           </a:p>
         </p:txBody>
       </p:sp>
       <p:pic>
         <p:nvPicPr>
-          <p:cNvPr id="3" name="Picture 2" descr="Map&#10;&#10;Description automatically generated">
-            <a:extLst>
-              <a:ext uri="{FF2B5EF4-FFF2-40B4-BE49-F238E27FC236}">
-                <a16:creationId xmlns:a16="http://schemas.microsoft.com/office/drawing/2014/main" id="{4DAF0C07-36F0-47F5-BA02-2C8A75EAA14D}"/>
+          <p:cNvPr id="5" name="Picture 4" descr="A picture containing text, map&#10;&#10;Description automatically generated">
+            <a:extLst>
+              <a:ext uri="{FF2B5EF4-FFF2-40B4-BE49-F238E27FC236}">
+                <a16:creationId xmlns:a16="http://schemas.microsoft.com/office/drawing/2014/main" id="{3D27A65B-4BEA-43AE-AC77-2C948A38FEFA}"/>
               </a:ext>
             </a:extLst>
           </p:cNvPr>
@@ -12233,7 +11388,7 @@
           <p:nvPr/>
         </p:nvPicPr>
         <p:blipFill>
-          <a:blip r:embed="rId2" cstate="print">
+          <a:blip r:embed="rId2">
             <a:extLst>
               <a:ext uri="{28A0092B-C50C-407E-A947-70E740481C1C}">
                 <a14:useLocalDpi xmlns:a14="http://schemas.microsoft.com/office/drawing/2010/main" val="0"/>
@@ -12246,164 +11401,18 @@
         </p:blipFill>
         <p:spPr>
           <a:xfrm>
-            <a:off x="885686" y="1999111"/>
-            <a:ext cx="4010780" cy="3465095"/>
+            <a:off x="318526" y="1571302"/>
+            <a:ext cx="11419072" cy="2468038"/>
           </a:xfrm>
           <a:prstGeom prst="rect">
             <a:avLst/>
           </a:prstGeom>
         </p:spPr>
       </p:pic>
-      <p:pic>
-        <p:nvPicPr>
-          <p:cNvPr id="8" name="Picture 7" descr="Map&#10;&#10;Description automatically generated">
-            <a:extLst>
-              <a:ext uri="{FF2B5EF4-FFF2-40B4-BE49-F238E27FC236}">
-                <a16:creationId xmlns:a16="http://schemas.microsoft.com/office/drawing/2014/main" id="{9B69A37F-3310-4E1A-82BE-F3FA52E41001}"/>
-              </a:ext>
-            </a:extLst>
-          </p:cNvPr>
-          <p:cNvPicPr>
-            <a:picLocks noChangeAspect="1"/>
-          </p:cNvPicPr>
-          <p:nvPr/>
-        </p:nvPicPr>
-        <p:blipFill>
-          <a:blip r:embed="rId3" cstate="print">
-            <a:extLst>
-              <a:ext uri="{28A0092B-C50C-407E-A947-70E740481C1C}">
-                <a14:useLocalDpi xmlns:a14="http://schemas.microsoft.com/office/drawing/2010/main" val="0"/>
-              </a:ext>
-            </a:extLst>
-          </a:blip>
-          <a:stretch>
-            <a:fillRect/>
-          </a:stretch>
-        </p:blipFill>
-        <p:spPr>
-          <a:xfrm>
-            <a:off x="5772002" y="1999111"/>
-            <a:ext cx="5592561" cy="3465095"/>
-          </a:xfrm>
-          <a:prstGeom prst="rect">
-            <a:avLst/>
-          </a:prstGeom>
-        </p:spPr>
-      </p:pic>
-      <p:sp>
-        <p:nvSpPr>
-          <p:cNvPr id="10" name="TextBox 9">
-            <a:extLst>
-              <a:ext uri="{FF2B5EF4-FFF2-40B4-BE49-F238E27FC236}">
-                <a16:creationId xmlns:a16="http://schemas.microsoft.com/office/drawing/2014/main" id="{0CF585E1-68FB-483B-87C7-21C9A87EC8B6}"/>
-              </a:ext>
-            </a:extLst>
-          </p:cNvPr>
-          <p:cNvSpPr txBox="1"/>
-          <p:nvPr/>
-        </p:nvSpPr>
-        <p:spPr>
-          <a:xfrm>
-            <a:off x="1286373" y="1393794"/>
-            <a:ext cx="3209405" cy="523220"/>
-          </a:xfrm>
-          <a:prstGeom prst="rect">
-            <a:avLst/>
-          </a:prstGeom>
-          <a:noFill/>
-        </p:spPr>
-        <p:txBody>
-          <a:bodyPr wrap="square" rtlCol="0">
-            <a:spAutoFit/>
-          </a:bodyPr>
-          <a:lstStyle/>
-          <a:p>
-            <a:pPr algn="ctr"/>
-            <a:r>
-              <a:rPr lang="en-US" sz="1400" b="1" dirty="0" err="1"/>
-              <a:t>legendOutsideSingle</a:t>
-            </a:r>
-            <a:r>
-              <a:rPr lang="en-US" sz="1400" b="1" dirty="0"/>
-              <a:t> = F,</a:t>
-            </a:r>
-          </a:p>
-          <a:p>
-            <a:pPr algn="ctr"/>
-            <a:r>
-              <a:rPr lang="en-US" sz="1400" b="1" dirty="0" err="1"/>
-              <a:t>legendPosition</a:t>
-            </a:r>
-            <a:r>
-              <a:rPr lang="en-US" sz="1400" b="1" dirty="0"/>
-              <a:t> = c('</a:t>
-            </a:r>
-            <a:r>
-              <a:rPr lang="en-US" sz="1400" b="1" dirty="0" err="1"/>
-              <a:t>left','bottom</a:t>
-            </a:r>
-            <a:r>
-              <a:rPr lang="en-US" sz="1400" b="1" dirty="0"/>
-              <a:t>'),</a:t>
-            </a:r>
-          </a:p>
-        </p:txBody>
-      </p:sp>
-      <p:sp>
-        <p:nvSpPr>
-          <p:cNvPr id="11" name="TextBox 10">
-            <a:extLst>
-              <a:ext uri="{FF2B5EF4-FFF2-40B4-BE49-F238E27FC236}">
-                <a16:creationId xmlns:a16="http://schemas.microsoft.com/office/drawing/2014/main" id="{2A0B9975-246B-4FD3-817A-4DBBAF33EAF4}"/>
-              </a:ext>
-            </a:extLst>
-          </p:cNvPr>
-          <p:cNvSpPr txBox="1"/>
-          <p:nvPr/>
-        </p:nvSpPr>
-        <p:spPr>
-          <a:xfrm>
-            <a:off x="7877979" y="1475891"/>
-            <a:ext cx="3209405" cy="523220"/>
-          </a:xfrm>
-          <a:prstGeom prst="rect">
-            <a:avLst/>
-          </a:prstGeom>
-          <a:noFill/>
-        </p:spPr>
-        <p:txBody>
-          <a:bodyPr wrap="square" rtlCol="0">
-            <a:spAutoFit/>
-          </a:bodyPr>
-          <a:lstStyle/>
-          <a:p>
-            <a:pPr algn="ctr"/>
-            <a:r>
-              <a:rPr lang="en-US" sz="1400" b="1" dirty="0" err="1"/>
-              <a:t>legendOutsideSingle</a:t>
-            </a:r>
-            <a:r>
-              <a:rPr lang="en-US" sz="1400" b="1" dirty="0"/>
-              <a:t> = T,</a:t>
-            </a:r>
-          </a:p>
-          <a:p>
-            <a:pPr algn="ctr"/>
-            <a:r>
-              <a:rPr lang="en-US" sz="1400" b="1" dirty="0" err="1"/>
-              <a:t>legendOutsidePosition</a:t>
-            </a:r>
-            <a:r>
-              <a:rPr lang="en-US" sz="1400" b="1" dirty="0"/>
-              <a:t> = "left",</a:t>
-            </a:r>
-          </a:p>
-        </p:txBody>
-      </p:sp>
     </p:spTree>
     <p:extLst>
       <p:ext uri="{BB962C8B-B14F-4D97-AF65-F5344CB8AC3E}">
-        <p14:creationId xmlns:p14="http://schemas.microsoft.com/office/powerpoint/2010/main" val="1479050426"/>
+        <p14:creationId xmlns:p14="http://schemas.microsoft.com/office/powerpoint/2010/main" val="1597531760"/>
       </p:ext>
     </p:extLst>
   </p:cSld>
@@ -12444,8 +11453,8 @@
         </p:nvSpPr>
         <p:spPr>
           <a:xfrm>
-            <a:off x="1167063" y="1102895"/>
-            <a:ext cx="10030326" cy="5514473"/>
+            <a:off x="612058" y="1231490"/>
+            <a:ext cx="11002298" cy="4387645"/>
           </a:xfrm>
           <a:prstGeom prst="rect">
             <a:avLst/>
@@ -12515,17 +11524,17 @@
             <a:pPr algn="ctr"/>
             <a:r>
               <a:rPr lang="en-US" b="1" dirty="0"/>
-              <a:t>Legend Customization Position Multi Facet</a:t>
+              <a:t>Legend Customization Position Single Facet</a:t>
             </a:r>
           </a:p>
         </p:txBody>
       </p:sp>
       <p:pic>
         <p:nvPicPr>
-          <p:cNvPr id="4" name="Picture 3" descr="Map&#10;&#10;Description automatically generated">
-            <a:extLst>
-              <a:ext uri="{FF2B5EF4-FFF2-40B4-BE49-F238E27FC236}">
-                <a16:creationId xmlns:a16="http://schemas.microsoft.com/office/drawing/2014/main" id="{0132B726-589C-4C79-B9B2-4A8EC872625D}"/>
+          <p:cNvPr id="3" name="Picture 2" descr="Map&#10;&#10;Description automatically generated">
+            <a:extLst>
+              <a:ext uri="{FF2B5EF4-FFF2-40B4-BE49-F238E27FC236}">
+                <a16:creationId xmlns:a16="http://schemas.microsoft.com/office/drawing/2014/main" id="{4DAF0C07-36F0-47F5-BA02-2C8A75EAA14D}"/>
               </a:ext>
             </a:extLst>
           </p:cNvPr>
@@ -12535,7 +11544,7 @@
           <p:nvPr/>
         </p:nvPicPr>
         <p:blipFill>
-          <a:blip r:embed="rId2">
+          <a:blip r:embed="rId2" cstate="print">
             <a:extLst>
               <a:ext uri="{28A0092B-C50C-407E-A947-70E740481C1C}">
                 <a14:useLocalDpi xmlns:a14="http://schemas.microsoft.com/office/drawing/2010/main" val="0"/>
@@ -12548,8 +11557,8 @@
         </p:blipFill>
         <p:spPr>
           <a:xfrm>
-            <a:off x="1608221" y="1917619"/>
-            <a:ext cx="9307351" cy="1549018"/>
+            <a:off x="885686" y="1999111"/>
+            <a:ext cx="4010780" cy="3465095"/>
           </a:xfrm>
           <a:prstGeom prst="rect">
             <a:avLst/>
@@ -12558,10 +11567,10 @@
       </p:pic>
       <p:pic>
         <p:nvPicPr>
-          <p:cNvPr id="15" name="Picture 14" descr="Map&#10;&#10;Description automatically generated">
-            <a:extLst>
-              <a:ext uri="{FF2B5EF4-FFF2-40B4-BE49-F238E27FC236}">
-                <a16:creationId xmlns:a16="http://schemas.microsoft.com/office/drawing/2014/main" id="{6FE477DC-93C2-46A7-8EF4-675749F488DC}"/>
+          <p:cNvPr id="8" name="Picture 7" descr="Map&#10;&#10;Description automatically generated">
+            <a:extLst>
+              <a:ext uri="{FF2B5EF4-FFF2-40B4-BE49-F238E27FC236}">
+                <a16:creationId xmlns:a16="http://schemas.microsoft.com/office/drawing/2014/main" id="{9B69A37F-3310-4E1A-82BE-F3FA52E41001}"/>
               </a:ext>
             </a:extLst>
           </p:cNvPr>
@@ -12571,7 +11580,7 @@
           <p:nvPr/>
         </p:nvPicPr>
         <p:blipFill>
-          <a:blip r:embed="rId3">
+          <a:blip r:embed="rId3" cstate="print">
             <a:extLst>
               <a:ext uri="{28A0092B-C50C-407E-A947-70E740481C1C}">
                 <a14:useLocalDpi xmlns:a14="http://schemas.microsoft.com/office/drawing/2010/main" val="0"/>
@@ -12584,8 +11593,8 @@
         </p:blipFill>
         <p:spPr>
           <a:xfrm>
-            <a:off x="1608221" y="4281361"/>
-            <a:ext cx="9307351" cy="2118104"/>
+            <a:off x="5772002" y="1999111"/>
+            <a:ext cx="5592561" cy="3465095"/>
           </a:xfrm>
           <a:prstGeom prst="rect">
             <a:avLst/>
@@ -12594,10 +11603,10 @@
       </p:pic>
       <p:sp>
         <p:nvSpPr>
-          <p:cNvPr id="16" name="TextBox 15">
-            <a:extLst>
-              <a:ext uri="{FF2B5EF4-FFF2-40B4-BE49-F238E27FC236}">
-                <a16:creationId xmlns:a16="http://schemas.microsoft.com/office/drawing/2014/main" id="{C9A6C033-E761-462F-85EF-1C073B6B685A}"/>
+          <p:cNvPr id="10" name="TextBox 9">
+            <a:extLst>
+              <a:ext uri="{FF2B5EF4-FFF2-40B4-BE49-F238E27FC236}">
+                <a16:creationId xmlns:a16="http://schemas.microsoft.com/office/drawing/2014/main" id="{0CF585E1-68FB-483B-87C7-21C9A87EC8B6}"/>
               </a:ext>
             </a:extLst>
           </p:cNvPr>
@@ -12606,8 +11615,8 @@
         </p:nvSpPr>
         <p:spPr>
           <a:xfrm>
-            <a:off x="4013529" y="1413095"/>
-            <a:ext cx="4781555" cy="307777"/>
+            <a:off x="1286373" y="1393794"/>
+            <a:ext cx="3209405" cy="523220"/>
           </a:xfrm>
           <a:prstGeom prst="rect">
             <a:avLst/>
@@ -12623,21 +11632,40 @@
             <a:pPr algn="ctr"/>
             <a:r>
               <a:rPr lang="en-US" sz="1400" b="1" dirty="0" err="1"/>
-              <a:t>legendOutsidePosition</a:t>
+              <a:t>legendOutsideSingle</a:t>
             </a:r>
             <a:r>
               <a:rPr lang="en-US" sz="1400" b="1" dirty="0"/>
-              <a:t> = "left“ for KMEANS or PRETTY Maps</a:t>
+              <a:t> = F,</a:t>
+            </a:r>
+          </a:p>
+          <a:p>
+            <a:pPr algn="ctr"/>
+            <a:r>
+              <a:rPr lang="en-US" sz="1400" b="1" dirty="0" err="1"/>
+              <a:t>legendPosition</a:t>
+            </a:r>
+            <a:r>
+              <a:rPr lang="en-US" sz="1400" b="1" dirty="0"/>
+              <a:t> = c('</a:t>
+            </a:r>
+            <a:r>
+              <a:rPr lang="en-US" sz="1400" b="1" dirty="0" err="1"/>
+              <a:t>left','bottom</a:t>
+            </a:r>
+            <a:r>
+              <a:rPr lang="en-US" sz="1400" b="1" dirty="0"/>
+              <a:t>'),</a:t>
             </a:r>
           </a:p>
         </p:txBody>
       </p:sp>
       <p:sp>
         <p:nvSpPr>
-          <p:cNvPr id="17" name="TextBox 16">
-            <a:extLst>
-              <a:ext uri="{FF2B5EF4-FFF2-40B4-BE49-F238E27FC236}">
-                <a16:creationId xmlns:a16="http://schemas.microsoft.com/office/drawing/2014/main" id="{AB4E9045-6013-48D6-BAEA-FDC3C7ACE39F}"/>
+          <p:cNvPr id="11" name="TextBox 10">
+            <a:extLst>
+              <a:ext uri="{FF2B5EF4-FFF2-40B4-BE49-F238E27FC236}">
+                <a16:creationId xmlns:a16="http://schemas.microsoft.com/office/drawing/2014/main" id="{2A0B9975-246B-4FD3-817A-4DBBAF33EAF4}"/>
               </a:ext>
             </a:extLst>
           </p:cNvPr>
@@ -12646,8 +11674,8 @@
         </p:nvSpPr>
         <p:spPr>
           <a:xfrm>
-            <a:off x="3901198" y="3860131"/>
-            <a:ext cx="4721396" cy="307777"/>
+            <a:off x="7877979" y="1475891"/>
+            <a:ext cx="3209405" cy="523220"/>
           </a:xfrm>
           <a:prstGeom prst="rect">
             <a:avLst/>
@@ -12663,19 +11691,22 @@
             <a:pPr algn="ctr"/>
             <a:r>
               <a:rPr lang="en-US" sz="1400" b="1" dirty="0" err="1"/>
-              <a:t>legendPosition</a:t>
+              <a:t>legendOutsideSingle</a:t>
             </a:r>
             <a:r>
               <a:rPr lang="en-US" sz="1400" b="1" dirty="0"/>
-              <a:t> =  c('</a:t>
-            </a:r>
+              <a:t> = T,</a:t>
+            </a:r>
+          </a:p>
+          <a:p>
+            <a:pPr algn="ctr"/>
             <a:r>
               <a:rPr lang="en-US" sz="1400" b="1" dirty="0" err="1"/>
-              <a:t>left','bottom</a:t>
+              <a:t>legendOutsidePosition</a:t>
             </a:r>
             <a:r>
               <a:rPr lang="en-US" sz="1400" b="1" dirty="0"/>
-              <a:t>’) for FREESCALE Maps</a:t>
+              <a:t> = "left",</a:t>
             </a:r>
           </a:p>
         </p:txBody>
@@ -12683,7 +11714,7 @@
     </p:spTree>
     <p:extLst>
       <p:ext uri="{BB962C8B-B14F-4D97-AF65-F5344CB8AC3E}">
-        <p14:creationId xmlns:p14="http://schemas.microsoft.com/office/powerpoint/2010/main" val="4277558033"/>
+        <p14:creationId xmlns:p14="http://schemas.microsoft.com/office/powerpoint/2010/main" val="1479050426"/>
       </p:ext>
     </p:extLst>
   </p:cSld>
@@ -12712,56 +11743,20 @@
       </p:grpSpPr>
       <p:sp>
         <p:nvSpPr>
-          <p:cNvPr id="7" name="TextBox 6">
-            <a:extLst>
-              <a:ext uri="{FF2B5EF4-FFF2-40B4-BE49-F238E27FC236}">
-                <a16:creationId xmlns:a16="http://schemas.microsoft.com/office/drawing/2014/main" id="{A063DF1C-7DF0-40B4-AC9D-EC918B0CB000}"/>
-              </a:ext>
-            </a:extLst>
-          </p:cNvPr>
-          <p:cNvSpPr txBox="1"/>
+          <p:cNvPr id="6" name="Rectangle 5">
+            <a:extLst>
+              <a:ext uri="{FF2B5EF4-FFF2-40B4-BE49-F238E27FC236}">
+                <a16:creationId xmlns:a16="http://schemas.microsoft.com/office/drawing/2014/main" id="{F2FAAE5D-6F5D-4276-A188-B0F75533DF8A}"/>
+              </a:ext>
+            </a:extLst>
+          </p:cNvPr>
+          <p:cNvSpPr/>
           <p:nvPr/>
         </p:nvSpPr>
         <p:spPr>
           <a:xfrm>
-            <a:off x="-540198" y="-684744"/>
-            <a:ext cx="3790290" cy="369332"/>
-          </a:xfrm>
-          <a:prstGeom prst="rect">
-            <a:avLst/>
-          </a:prstGeom>
-          <a:noFill/>
-        </p:spPr>
-        <p:txBody>
-          <a:bodyPr wrap="square" rtlCol="0">
-            <a:spAutoFit/>
-          </a:bodyPr>
-          <a:lstStyle/>
-          <a:p>
-            <a:pPr algn="ctr"/>
-            <a:r>
-              <a:rPr lang="en-US" b="1" dirty="0"/>
-              <a:t>Legend Customization Breaks</a:t>
-            </a:r>
-          </a:p>
-        </p:txBody>
-      </p:sp>
-      <p:sp>
-        <p:nvSpPr>
-          <p:cNvPr id="10" name="Rectangle 9">
-            <a:extLst>
-              <a:ext uri="{FF2B5EF4-FFF2-40B4-BE49-F238E27FC236}">
-                <a16:creationId xmlns:a16="http://schemas.microsoft.com/office/drawing/2014/main" id="{89B28590-6D43-4968-A021-CF2493679ADD}"/>
-              </a:ext>
-            </a:extLst>
-          </p:cNvPr>
-          <p:cNvSpPr/>
-          <p:nvPr/>
-        </p:nvSpPr>
-        <p:spPr>
-          <a:xfrm>
-            <a:off x="144037" y="221381"/>
-            <a:ext cx="11767226" cy="6335830"/>
+            <a:off x="1167063" y="1102895"/>
+            <a:ext cx="10030326" cy="5514473"/>
           </a:xfrm>
           <a:prstGeom prst="rect">
             <a:avLst/>
@@ -12800,12 +11795,48 @@
           </a:p>
         </p:txBody>
       </p:sp>
+      <p:sp>
+        <p:nvSpPr>
+          <p:cNvPr id="7" name="TextBox 6">
+            <a:extLst>
+              <a:ext uri="{FF2B5EF4-FFF2-40B4-BE49-F238E27FC236}">
+                <a16:creationId xmlns:a16="http://schemas.microsoft.com/office/drawing/2014/main" id="{A063DF1C-7DF0-40B4-AC9D-EC918B0CB000}"/>
+              </a:ext>
+            </a:extLst>
+          </p:cNvPr>
+          <p:cNvSpPr txBox="1"/>
+          <p:nvPr/>
+        </p:nvSpPr>
+        <p:spPr>
+          <a:xfrm>
+            <a:off x="192163" y="128664"/>
+            <a:ext cx="2897624" cy="646331"/>
+          </a:xfrm>
+          <a:prstGeom prst="rect">
+            <a:avLst/>
+          </a:prstGeom>
+          <a:noFill/>
+        </p:spPr>
+        <p:txBody>
+          <a:bodyPr wrap="square" rtlCol="0">
+            <a:spAutoFit/>
+          </a:bodyPr>
+          <a:lstStyle/>
+          <a:p>
+            <a:pPr algn="ctr"/>
+            <a:r>
+              <a:rPr lang="en-US" b="1" dirty="0"/>
+              <a:t>Legend Customization Position Multi Facet</a:t>
+            </a:r>
+          </a:p>
+        </p:txBody>
+      </p:sp>
       <p:pic>
         <p:nvPicPr>
           <p:cNvPr id="4" name="Picture 3" descr="Map&#10;&#10;Description automatically generated">
             <a:extLst>
               <a:ext uri="{FF2B5EF4-FFF2-40B4-BE49-F238E27FC236}">
-                <a16:creationId xmlns:a16="http://schemas.microsoft.com/office/drawing/2014/main" id="{702A5922-C552-400E-9FE2-354B20B15D94}"/>
+                <a16:creationId xmlns:a16="http://schemas.microsoft.com/office/drawing/2014/main" id="{0132B726-589C-4C79-B9B2-4A8EC872625D}"/>
               </a:ext>
             </a:extLst>
           </p:cNvPr>
@@ -12815,7 +11846,7 @@
           <p:nvPr/>
         </p:nvPicPr>
         <p:blipFill>
-          <a:blip r:embed="rId2" cstate="print">
+          <a:blip r:embed="rId2">
             <a:extLst>
               <a:ext uri="{28A0092B-C50C-407E-A947-70E740481C1C}">
                 <a14:useLocalDpi xmlns:a14="http://schemas.microsoft.com/office/drawing/2010/main" val="0"/>
@@ -12828,8 +11859,8 @@
         </p:blipFill>
         <p:spPr>
           <a:xfrm>
-            <a:off x="8572248" y="858458"/>
-            <a:ext cx="3094015" cy="2245690"/>
+            <a:off x="1608221" y="1917619"/>
+            <a:ext cx="9307351" cy="1549018"/>
           </a:xfrm>
           <a:prstGeom prst="rect">
             <a:avLst/>
@@ -12838,10 +11869,10 @@
       </p:pic>
       <p:pic>
         <p:nvPicPr>
-          <p:cNvPr id="6" name="Picture 5" descr="Map&#10;&#10;Description automatically generated">
-            <a:extLst>
-              <a:ext uri="{FF2B5EF4-FFF2-40B4-BE49-F238E27FC236}">
-                <a16:creationId xmlns:a16="http://schemas.microsoft.com/office/drawing/2014/main" id="{BD1847ED-78DA-4EE2-9F6B-DF61A4781AA1}"/>
+          <p:cNvPr id="15" name="Picture 14" descr="Map&#10;&#10;Description automatically generated">
+            <a:extLst>
+              <a:ext uri="{FF2B5EF4-FFF2-40B4-BE49-F238E27FC236}">
+                <a16:creationId xmlns:a16="http://schemas.microsoft.com/office/drawing/2014/main" id="{6FE477DC-93C2-46A7-8EF4-675749F488DC}"/>
               </a:ext>
             </a:extLst>
           </p:cNvPr>
@@ -12851,7 +11882,7 @@
           <p:nvPr/>
         </p:nvPicPr>
         <p:blipFill>
-          <a:blip r:embed="rId3" cstate="print">
+          <a:blip r:embed="rId3">
             <a:extLst>
               <a:ext uri="{28A0092B-C50C-407E-A947-70E740481C1C}">
                 <a14:useLocalDpi xmlns:a14="http://schemas.microsoft.com/office/drawing/2010/main" val="0"/>
@@ -12864,56 +11895,20 @@
         </p:blipFill>
         <p:spPr>
           <a:xfrm>
-            <a:off x="5020709" y="858458"/>
-            <a:ext cx="2920635" cy="2245690"/>
+            <a:off x="1608221" y="4281361"/>
+            <a:ext cx="9307351" cy="2118104"/>
           </a:xfrm>
           <a:prstGeom prst="rect">
             <a:avLst/>
           </a:prstGeom>
         </p:spPr>
       </p:pic>
-      <p:pic>
-        <p:nvPicPr>
-          <p:cNvPr id="11" name="Picture 10" descr="Map&#10;&#10;Description automatically generated">
-            <a:extLst>
-              <a:ext uri="{FF2B5EF4-FFF2-40B4-BE49-F238E27FC236}">
-                <a16:creationId xmlns:a16="http://schemas.microsoft.com/office/drawing/2014/main" id="{D0E51D78-FA86-4E08-9501-CF135CE058B4}"/>
-              </a:ext>
-            </a:extLst>
-          </p:cNvPr>
-          <p:cNvPicPr>
-            <a:picLocks noChangeAspect="1"/>
-          </p:cNvPicPr>
-          <p:nvPr/>
-        </p:nvPicPr>
-        <p:blipFill>
-          <a:blip r:embed="rId4" cstate="print">
-            <a:extLst>
-              <a:ext uri="{28A0092B-C50C-407E-A947-70E740481C1C}">
-                <a14:useLocalDpi xmlns:a14="http://schemas.microsoft.com/office/drawing/2010/main" val="0"/>
-              </a:ext>
-            </a:extLst>
-          </a:blip>
-          <a:stretch>
-            <a:fillRect/>
-          </a:stretch>
-        </p:blipFill>
-        <p:spPr>
-          <a:xfrm>
-            <a:off x="1227212" y="858458"/>
-            <a:ext cx="2920635" cy="2245690"/>
-          </a:xfrm>
-          <a:prstGeom prst="rect">
-            <a:avLst/>
-          </a:prstGeom>
-        </p:spPr>
-      </p:pic>
       <p:sp>
         <p:nvSpPr>
-          <p:cNvPr id="12" name="TextBox 11">
-            <a:extLst>
-              <a:ext uri="{FF2B5EF4-FFF2-40B4-BE49-F238E27FC236}">
-                <a16:creationId xmlns:a16="http://schemas.microsoft.com/office/drawing/2014/main" id="{23C84CB3-FB37-4F2D-8606-9612F3166861}"/>
+          <p:cNvPr id="16" name="TextBox 15">
+            <a:extLst>
+              <a:ext uri="{FF2B5EF4-FFF2-40B4-BE49-F238E27FC236}">
+                <a16:creationId xmlns:a16="http://schemas.microsoft.com/office/drawing/2014/main" id="{C9A6C033-E761-462F-85EF-1C073B6B685A}"/>
               </a:ext>
             </a:extLst>
           </p:cNvPr>
@@ -12922,8 +11917,8 @@
         </p:nvSpPr>
         <p:spPr>
           <a:xfrm>
-            <a:off x="1306821" y="388470"/>
-            <a:ext cx="2435398" cy="307777"/>
+            <a:off x="4013529" y="1413095"/>
+            <a:ext cx="4781555" cy="307777"/>
           </a:xfrm>
           <a:prstGeom prst="rect">
             <a:avLst/>
@@ -12938,18 +11933,22 @@
           <a:p>
             <a:pPr algn="ctr"/>
             <a:r>
+              <a:rPr lang="en-US" sz="1400" b="1" dirty="0" err="1"/>
+              <a:t>legendOutsidePosition</a:t>
+            </a:r>
+            <a:r>
               <a:rPr lang="en-US" sz="1400" b="1" dirty="0"/>
-              <a:t>Freescale</a:t>
+              <a:t> = "left“ for KMEANS or PRETTY Maps</a:t>
             </a:r>
           </a:p>
         </p:txBody>
       </p:sp>
       <p:sp>
         <p:nvSpPr>
-          <p:cNvPr id="13" name="TextBox 12">
-            <a:extLst>
-              <a:ext uri="{FF2B5EF4-FFF2-40B4-BE49-F238E27FC236}">
-                <a16:creationId xmlns:a16="http://schemas.microsoft.com/office/drawing/2014/main" id="{DDC5C95B-6050-4D14-9B54-E5818678375C}"/>
+          <p:cNvPr id="17" name="TextBox 16">
+            <a:extLst>
+              <a:ext uri="{FF2B5EF4-FFF2-40B4-BE49-F238E27FC236}">
+                <a16:creationId xmlns:a16="http://schemas.microsoft.com/office/drawing/2014/main" id="{AB4E9045-6013-48D6-BAEA-FDC3C7ACE39F}"/>
               </a:ext>
             </a:extLst>
           </p:cNvPr>
@@ -12958,8 +11957,8 @@
         </p:nvSpPr>
         <p:spPr>
           <a:xfrm>
-            <a:off x="5279579" y="388470"/>
-            <a:ext cx="2435398" cy="307777"/>
+            <a:off x="3901198" y="3860131"/>
+            <a:ext cx="4721396" cy="307777"/>
           </a:xfrm>
           <a:prstGeom prst="rect">
             <a:avLst/>
@@ -12974,348 +11973,28 @@
           <a:p>
             <a:pPr algn="ctr"/>
             <a:r>
+              <a:rPr lang="en-US" sz="1400" b="1" dirty="0" err="1"/>
+              <a:t>legendPosition</a:t>
+            </a:r>
+            <a:r>
               <a:rPr lang="en-US" sz="1400" b="1" dirty="0"/>
-              <a:t>Pretty</a:t>
+              <a:t> =  c('</a:t>
+            </a:r>
+            <a:r>
+              <a:rPr lang="en-US" sz="1400" b="1" dirty="0" err="1"/>
+              <a:t>left','bottom</a:t>
+            </a:r>
+            <a:r>
+              <a:rPr lang="en-US" sz="1400" b="1" dirty="0"/>
+              <a:t>’) for FREESCALE Maps</a:t>
             </a:r>
           </a:p>
         </p:txBody>
       </p:sp>
-      <p:sp>
-        <p:nvSpPr>
-          <p:cNvPr id="14" name="TextBox 13">
-            <a:extLst>
-              <a:ext uri="{FF2B5EF4-FFF2-40B4-BE49-F238E27FC236}">
-                <a16:creationId xmlns:a16="http://schemas.microsoft.com/office/drawing/2014/main" id="{482ABEB8-C8BE-4214-812C-A62AA299A9A6}"/>
-              </a:ext>
-            </a:extLst>
-          </p:cNvPr>
-          <p:cNvSpPr txBox="1"/>
-          <p:nvPr/>
-        </p:nvSpPr>
-        <p:spPr>
-          <a:xfrm>
-            <a:off x="8830235" y="386031"/>
-            <a:ext cx="2435398" cy="307777"/>
-          </a:xfrm>
-          <a:prstGeom prst="rect">
-            <a:avLst/>
-          </a:prstGeom>
-          <a:noFill/>
-        </p:spPr>
-        <p:txBody>
-          <a:bodyPr wrap="square" rtlCol="0">
-            <a:spAutoFit/>
-          </a:bodyPr>
-          <a:lstStyle/>
-          <a:p>
-            <a:pPr algn="ctr"/>
-            <a:r>
-              <a:rPr lang="en-US" sz="1400" b="1" dirty="0"/>
-              <a:t>Kmeans</a:t>
-            </a:r>
-          </a:p>
-        </p:txBody>
-      </p:sp>
-      <p:sp>
-        <p:nvSpPr>
-          <p:cNvPr id="15" name="TextBox 14">
-            <a:extLst>
-              <a:ext uri="{FF2B5EF4-FFF2-40B4-BE49-F238E27FC236}">
-                <a16:creationId xmlns:a16="http://schemas.microsoft.com/office/drawing/2014/main" id="{26F1F682-14F8-43CD-8AE9-8A20325DB7FE}"/>
-              </a:ext>
-            </a:extLst>
-          </p:cNvPr>
-          <p:cNvSpPr txBox="1"/>
-          <p:nvPr/>
-        </p:nvSpPr>
-        <p:spPr>
-          <a:xfrm rot="16200000">
-            <a:off x="-580806" y="1827415"/>
-            <a:ext cx="2435398" cy="307777"/>
-          </a:xfrm>
-          <a:prstGeom prst="rect">
-            <a:avLst/>
-          </a:prstGeom>
-          <a:noFill/>
-        </p:spPr>
-        <p:txBody>
-          <a:bodyPr wrap="square" rtlCol="0">
-            <a:spAutoFit/>
-          </a:bodyPr>
-          <a:lstStyle/>
-          <a:p>
-            <a:pPr algn="ctr"/>
-            <a:r>
-              <a:rPr lang="en-US" sz="1400" b="1" dirty="0" err="1"/>
-              <a:t>legendFixedBreaks</a:t>
-            </a:r>
-            <a:r>
-              <a:rPr lang="en-US" sz="1400" b="1" dirty="0"/>
-              <a:t> = 3</a:t>
-            </a:r>
-          </a:p>
-        </p:txBody>
-      </p:sp>
-      <p:sp>
-        <p:nvSpPr>
-          <p:cNvPr id="19" name="TextBox 18">
-            <a:extLst>
-              <a:ext uri="{FF2B5EF4-FFF2-40B4-BE49-F238E27FC236}">
-                <a16:creationId xmlns:a16="http://schemas.microsoft.com/office/drawing/2014/main" id="{1626578C-5E18-430E-8F7A-D05D8831D037}"/>
-              </a:ext>
-            </a:extLst>
-          </p:cNvPr>
-          <p:cNvSpPr txBox="1"/>
-          <p:nvPr/>
-        </p:nvSpPr>
-        <p:spPr>
-          <a:xfrm>
-            <a:off x="1306821" y="3474060"/>
-            <a:ext cx="2435398" cy="307777"/>
-          </a:xfrm>
-          <a:prstGeom prst="rect">
-            <a:avLst/>
-          </a:prstGeom>
-          <a:noFill/>
-        </p:spPr>
-        <p:txBody>
-          <a:bodyPr wrap="square" rtlCol="0">
-            <a:spAutoFit/>
-          </a:bodyPr>
-          <a:lstStyle/>
-          <a:p>
-            <a:pPr algn="ctr"/>
-            <a:r>
-              <a:rPr lang="en-US" sz="1400" b="1" dirty="0"/>
-              <a:t>Freescale</a:t>
-            </a:r>
-          </a:p>
-        </p:txBody>
-      </p:sp>
-      <p:sp>
-        <p:nvSpPr>
-          <p:cNvPr id="20" name="TextBox 19">
-            <a:extLst>
-              <a:ext uri="{FF2B5EF4-FFF2-40B4-BE49-F238E27FC236}">
-                <a16:creationId xmlns:a16="http://schemas.microsoft.com/office/drawing/2014/main" id="{E9FEE197-782D-4E28-9F20-CC09CD97CA5D}"/>
-              </a:ext>
-            </a:extLst>
-          </p:cNvPr>
-          <p:cNvSpPr txBox="1"/>
-          <p:nvPr/>
-        </p:nvSpPr>
-        <p:spPr>
-          <a:xfrm>
-            <a:off x="5279579" y="3474060"/>
-            <a:ext cx="2435398" cy="307777"/>
-          </a:xfrm>
-          <a:prstGeom prst="rect">
-            <a:avLst/>
-          </a:prstGeom>
-          <a:noFill/>
-        </p:spPr>
-        <p:txBody>
-          <a:bodyPr wrap="square" rtlCol="0">
-            <a:spAutoFit/>
-          </a:bodyPr>
-          <a:lstStyle/>
-          <a:p>
-            <a:pPr algn="ctr"/>
-            <a:r>
-              <a:rPr lang="en-US" sz="1400" b="1" dirty="0"/>
-              <a:t>Pretty</a:t>
-            </a:r>
-          </a:p>
-        </p:txBody>
-      </p:sp>
-      <p:sp>
-        <p:nvSpPr>
-          <p:cNvPr id="21" name="TextBox 20">
-            <a:extLst>
-              <a:ext uri="{FF2B5EF4-FFF2-40B4-BE49-F238E27FC236}">
-                <a16:creationId xmlns:a16="http://schemas.microsoft.com/office/drawing/2014/main" id="{F02D0632-C09D-41FD-965A-1B9DB848E310}"/>
-              </a:ext>
-            </a:extLst>
-          </p:cNvPr>
-          <p:cNvSpPr txBox="1"/>
-          <p:nvPr/>
-        </p:nvSpPr>
-        <p:spPr>
-          <a:xfrm>
-            <a:off x="8830235" y="3471621"/>
-            <a:ext cx="2435398" cy="307777"/>
-          </a:xfrm>
-          <a:prstGeom prst="rect">
-            <a:avLst/>
-          </a:prstGeom>
-          <a:noFill/>
-        </p:spPr>
-        <p:txBody>
-          <a:bodyPr wrap="square" rtlCol="0">
-            <a:spAutoFit/>
-          </a:bodyPr>
-          <a:lstStyle/>
-          <a:p>
-            <a:pPr algn="ctr"/>
-            <a:r>
-              <a:rPr lang="en-US" sz="1400" b="1" dirty="0"/>
-              <a:t>Kmeans</a:t>
-            </a:r>
-          </a:p>
-        </p:txBody>
-      </p:sp>
-      <p:sp>
-        <p:nvSpPr>
-          <p:cNvPr id="22" name="TextBox 21">
-            <a:extLst>
-              <a:ext uri="{FF2B5EF4-FFF2-40B4-BE49-F238E27FC236}">
-                <a16:creationId xmlns:a16="http://schemas.microsoft.com/office/drawing/2014/main" id="{7674599C-DB17-434E-A362-5782382ECED2}"/>
-              </a:ext>
-            </a:extLst>
-          </p:cNvPr>
-          <p:cNvSpPr txBox="1"/>
-          <p:nvPr/>
-        </p:nvSpPr>
-        <p:spPr>
-          <a:xfrm rot="16200000">
-            <a:off x="-580806" y="4913005"/>
-            <a:ext cx="2435398" cy="307777"/>
-          </a:xfrm>
-          <a:prstGeom prst="rect">
-            <a:avLst/>
-          </a:prstGeom>
-          <a:noFill/>
-        </p:spPr>
-        <p:txBody>
-          <a:bodyPr wrap="square" rtlCol="0">
-            <a:spAutoFit/>
-          </a:bodyPr>
-          <a:lstStyle/>
-          <a:p>
-            <a:pPr algn="ctr"/>
-            <a:r>
-              <a:rPr lang="en-US" sz="1400" b="1" dirty="0" err="1"/>
-              <a:t>legendFixedBreaks</a:t>
-            </a:r>
-            <a:r>
-              <a:rPr lang="en-US" sz="1400" b="1" dirty="0"/>
-              <a:t> = 3</a:t>
-            </a:r>
-          </a:p>
-        </p:txBody>
-      </p:sp>
-      <p:pic>
-        <p:nvPicPr>
-          <p:cNvPr id="24" name="Picture 23" descr="Map&#10;&#10;Description automatically generated">
-            <a:extLst>
-              <a:ext uri="{FF2B5EF4-FFF2-40B4-BE49-F238E27FC236}">
-                <a16:creationId xmlns:a16="http://schemas.microsoft.com/office/drawing/2014/main" id="{A75B0ED4-9028-42E9-8ED7-F36DD87186E5}"/>
-              </a:ext>
-            </a:extLst>
-          </p:cNvPr>
-          <p:cNvPicPr>
-            <a:picLocks noChangeAspect="1"/>
-          </p:cNvPicPr>
-          <p:nvPr/>
-        </p:nvPicPr>
-        <p:blipFill>
-          <a:blip r:embed="rId5" cstate="print">
-            <a:extLst>
-              <a:ext uri="{28A0092B-C50C-407E-A947-70E740481C1C}">
-                <a14:useLocalDpi xmlns:a14="http://schemas.microsoft.com/office/drawing/2010/main" val="0"/>
-              </a:ext>
-            </a:extLst>
-          </a:blip>
-          <a:stretch>
-            <a:fillRect/>
-          </a:stretch>
-        </p:blipFill>
-        <p:spPr>
-          <a:xfrm>
-            <a:off x="5038124" y="3849194"/>
-            <a:ext cx="2920635" cy="2245690"/>
-          </a:xfrm>
-          <a:prstGeom prst="rect">
-            <a:avLst/>
-          </a:prstGeom>
-        </p:spPr>
-      </p:pic>
-      <p:pic>
-        <p:nvPicPr>
-          <p:cNvPr id="26" name="Picture 25" descr="Map&#10;&#10;Description automatically generated">
-            <a:extLst>
-              <a:ext uri="{FF2B5EF4-FFF2-40B4-BE49-F238E27FC236}">
-                <a16:creationId xmlns:a16="http://schemas.microsoft.com/office/drawing/2014/main" id="{6DF7ABCE-2742-408D-9E59-B7842C8A99DA}"/>
-              </a:ext>
-            </a:extLst>
-          </p:cNvPr>
-          <p:cNvPicPr>
-            <a:picLocks noChangeAspect="1"/>
-          </p:cNvPicPr>
-          <p:nvPr/>
-        </p:nvPicPr>
-        <p:blipFill>
-          <a:blip r:embed="rId6" cstate="print">
-            <a:extLst>
-              <a:ext uri="{28A0092B-C50C-407E-A947-70E740481C1C}">
-                <a14:useLocalDpi xmlns:a14="http://schemas.microsoft.com/office/drawing/2010/main" val="0"/>
-              </a:ext>
-            </a:extLst>
-          </a:blip>
-          <a:stretch>
-            <a:fillRect/>
-          </a:stretch>
-        </p:blipFill>
-        <p:spPr>
-          <a:xfrm>
-            <a:off x="1230892" y="3849194"/>
-            <a:ext cx="3094015" cy="2245690"/>
-          </a:xfrm>
-          <a:prstGeom prst="rect">
-            <a:avLst/>
-          </a:prstGeom>
-        </p:spPr>
-      </p:pic>
-      <p:pic>
-        <p:nvPicPr>
-          <p:cNvPr id="28" name="Picture 27" descr="Map&#10;&#10;Description automatically generated">
-            <a:extLst>
-              <a:ext uri="{FF2B5EF4-FFF2-40B4-BE49-F238E27FC236}">
-                <a16:creationId xmlns:a16="http://schemas.microsoft.com/office/drawing/2014/main" id="{257C0961-85C5-4C4F-A9F7-9A85B0670309}"/>
-              </a:ext>
-            </a:extLst>
-          </p:cNvPr>
-          <p:cNvPicPr>
-            <a:picLocks noChangeAspect="1"/>
-          </p:cNvPicPr>
-          <p:nvPr/>
-        </p:nvPicPr>
-        <p:blipFill>
-          <a:blip r:embed="rId7" cstate="print">
-            <a:extLst>
-              <a:ext uri="{28A0092B-C50C-407E-A947-70E740481C1C}">
-                <a14:useLocalDpi xmlns:a14="http://schemas.microsoft.com/office/drawing/2010/main" val="0"/>
-              </a:ext>
-            </a:extLst>
-          </a:blip>
-          <a:stretch>
-            <a:fillRect/>
-          </a:stretch>
-        </p:blipFill>
-        <p:spPr>
-          <a:xfrm>
-            <a:off x="8572248" y="3849194"/>
-            <a:ext cx="3023838" cy="2245690"/>
-          </a:xfrm>
-          <a:prstGeom prst="rect">
-            <a:avLst/>
-          </a:prstGeom>
-        </p:spPr>
-      </p:pic>
     </p:spTree>
     <p:extLst>
       <p:ext uri="{BB962C8B-B14F-4D97-AF65-F5344CB8AC3E}">
-        <p14:creationId xmlns:p14="http://schemas.microsoft.com/office/powerpoint/2010/main" val="4119142978"/>
+        <p14:creationId xmlns:p14="http://schemas.microsoft.com/office/powerpoint/2010/main" val="4277558033"/>
       </p:ext>
     </p:extLst>
   </p:cSld>
@@ -13356,8 +12035,8 @@
         </p:nvSpPr>
         <p:spPr>
           <a:xfrm>
-            <a:off x="192163" y="128664"/>
-            <a:ext cx="2066223" cy="369332"/>
+            <a:off x="-540198" y="-684744"/>
+            <a:ext cx="3790290" cy="369332"/>
           </a:xfrm>
           <a:prstGeom prst="rect">
             <a:avLst/>
@@ -13373,83 +12052,11 @@
             <a:pPr algn="ctr"/>
             <a:r>
               <a:rPr lang="en-US" b="1" dirty="0"/>
-              <a:t>Numeric2Cat</a:t>
+              <a:t>Legend Customization Breaks</a:t>
             </a:r>
           </a:p>
         </p:txBody>
       </p:sp>
-      <p:pic>
-        <p:nvPicPr>
-          <p:cNvPr id="3" name="Picture 2" descr="Map&#10;&#10;Description automatically generated">
-            <a:extLst>
-              <a:ext uri="{FF2B5EF4-FFF2-40B4-BE49-F238E27FC236}">
-                <a16:creationId xmlns:a16="http://schemas.microsoft.com/office/drawing/2014/main" id="{3B6F4D65-C9E5-4E0B-BB5A-0DF8509A29C0}"/>
-              </a:ext>
-            </a:extLst>
-          </p:cNvPr>
-          <p:cNvPicPr>
-            <a:picLocks noChangeAspect="1"/>
-          </p:cNvPicPr>
-          <p:nvPr/>
-        </p:nvPicPr>
-        <p:blipFill>
-          <a:blip r:embed="rId2" cstate="print">
-            <a:extLst>
-              <a:ext uri="{28A0092B-C50C-407E-A947-70E740481C1C}">
-                <a14:useLocalDpi xmlns:a14="http://schemas.microsoft.com/office/drawing/2010/main" val="0"/>
-              </a:ext>
-            </a:extLst>
-          </a:blip>
-          <a:stretch>
-            <a:fillRect/>
-          </a:stretch>
-        </p:blipFill>
-        <p:spPr>
-          <a:xfrm>
-            <a:off x="761658" y="1884222"/>
-            <a:ext cx="4661997" cy="2479231"/>
-          </a:xfrm>
-          <a:prstGeom prst="rect">
-            <a:avLst/>
-          </a:prstGeom>
-        </p:spPr>
-      </p:pic>
-      <p:pic>
-        <p:nvPicPr>
-          <p:cNvPr id="8" name="Picture 7" descr="Map&#10;&#10;Description automatically generated">
-            <a:extLst>
-              <a:ext uri="{FF2B5EF4-FFF2-40B4-BE49-F238E27FC236}">
-                <a16:creationId xmlns:a16="http://schemas.microsoft.com/office/drawing/2014/main" id="{7215B5F1-79F3-42C3-B624-349FA1CA4897}"/>
-              </a:ext>
-            </a:extLst>
-          </p:cNvPr>
-          <p:cNvPicPr>
-            <a:picLocks noChangeAspect="1"/>
-          </p:cNvPicPr>
-          <p:nvPr/>
-        </p:nvPicPr>
-        <p:blipFill>
-          <a:blip r:embed="rId3" cstate="print">
-            <a:extLst>
-              <a:ext uri="{28A0092B-C50C-407E-A947-70E740481C1C}">
-                <a14:useLocalDpi xmlns:a14="http://schemas.microsoft.com/office/drawing/2010/main" val="0"/>
-              </a:ext>
-            </a:extLst>
-          </a:blip>
-          <a:stretch>
-            <a:fillRect/>
-          </a:stretch>
-        </p:blipFill>
-        <p:spPr>
-          <a:xfrm>
-            <a:off x="5941833" y="1884222"/>
-            <a:ext cx="5522072" cy="2479231"/>
-          </a:xfrm>
-          <a:prstGeom prst="rect">
-            <a:avLst/>
-          </a:prstGeom>
-        </p:spPr>
-      </p:pic>
       <p:sp>
         <p:nvSpPr>
           <p:cNvPr id="10" name="Rectangle 9">
@@ -13464,8 +12071,8 @@
         </p:nvSpPr>
         <p:spPr>
           <a:xfrm>
-            <a:off x="409073" y="1608221"/>
-            <a:ext cx="11285621" cy="3104147"/>
+            <a:off x="144037" y="221381"/>
+            <a:ext cx="11767226" cy="6335830"/>
           </a:xfrm>
           <a:prstGeom prst="rect">
             <a:avLst/>
@@ -13504,10 +12111,522 @@
           </a:p>
         </p:txBody>
       </p:sp>
+      <p:pic>
+        <p:nvPicPr>
+          <p:cNvPr id="4" name="Picture 3" descr="Map&#10;&#10;Description automatically generated">
+            <a:extLst>
+              <a:ext uri="{FF2B5EF4-FFF2-40B4-BE49-F238E27FC236}">
+                <a16:creationId xmlns:a16="http://schemas.microsoft.com/office/drawing/2014/main" id="{702A5922-C552-400E-9FE2-354B20B15D94}"/>
+              </a:ext>
+            </a:extLst>
+          </p:cNvPr>
+          <p:cNvPicPr>
+            <a:picLocks noChangeAspect="1"/>
+          </p:cNvPicPr>
+          <p:nvPr/>
+        </p:nvPicPr>
+        <p:blipFill>
+          <a:blip r:embed="rId2" cstate="print">
+            <a:extLst>
+              <a:ext uri="{28A0092B-C50C-407E-A947-70E740481C1C}">
+                <a14:useLocalDpi xmlns:a14="http://schemas.microsoft.com/office/drawing/2010/main" val="0"/>
+              </a:ext>
+            </a:extLst>
+          </a:blip>
+          <a:stretch>
+            <a:fillRect/>
+          </a:stretch>
+        </p:blipFill>
+        <p:spPr>
+          <a:xfrm>
+            <a:off x="8572248" y="858458"/>
+            <a:ext cx="3094015" cy="2245690"/>
+          </a:xfrm>
+          <a:prstGeom prst="rect">
+            <a:avLst/>
+          </a:prstGeom>
+        </p:spPr>
+      </p:pic>
+      <p:pic>
+        <p:nvPicPr>
+          <p:cNvPr id="6" name="Picture 5" descr="Map&#10;&#10;Description automatically generated">
+            <a:extLst>
+              <a:ext uri="{FF2B5EF4-FFF2-40B4-BE49-F238E27FC236}">
+                <a16:creationId xmlns:a16="http://schemas.microsoft.com/office/drawing/2014/main" id="{BD1847ED-78DA-4EE2-9F6B-DF61A4781AA1}"/>
+              </a:ext>
+            </a:extLst>
+          </p:cNvPr>
+          <p:cNvPicPr>
+            <a:picLocks noChangeAspect="1"/>
+          </p:cNvPicPr>
+          <p:nvPr/>
+        </p:nvPicPr>
+        <p:blipFill>
+          <a:blip r:embed="rId3" cstate="print">
+            <a:extLst>
+              <a:ext uri="{28A0092B-C50C-407E-A947-70E740481C1C}">
+                <a14:useLocalDpi xmlns:a14="http://schemas.microsoft.com/office/drawing/2010/main" val="0"/>
+              </a:ext>
+            </a:extLst>
+          </a:blip>
+          <a:stretch>
+            <a:fillRect/>
+          </a:stretch>
+        </p:blipFill>
+        <p:spPr>
+          <a:xfrm>
+            <a:off x="5020709" y="858458"/>
+            <a:ext cx="2920635" cy="2245690"/>
+          </a:xfrm>
+          <a:prstGeom prst="rect">
+            <a:avLst/>
+          </a:prstGeom>
+        </p:spPr>
+      </p:pic>
+      <p:pic>
+        <p:nvPicPr>
+          <p:cNvPr id="11" name="Picture 10" descr="Map&#10;&#10;Description automatically generated">
+            <a:extLst>
+              <a:ext uri="{FF2B5EF4-FFF2-40B4-BE49-F238E27FC236}">
+                <a16:creationId xmlns:a16="http://schemas.microsoft.com/office/drawing/2014/main" id="{D0E51D78-FA86-4E08-9501-CF135CE058B4}"/>
+              </a:ext>
+            </a:extLst>
+          </p:cNvPr>
+          <p:cNvPicPr>
+            <a:picLocks noChangeAspect="1"/>
+          </p:cNvPicPr>
+          <p:nvPr/>
+        </p:nvPicPr>
+        <p:blipFill>
+          <a:blip r:embed="rId4" cstate="print">
+            <a:extLst>
+              <a:ext uri="{28A0092B-C50C-407E-A947-70E740481C1C}">
+                <a14:useLocalDpi xmlns:a14="http://schemas.microsoft.com/office/drawing/2010/main" val="0"/>
+              </a:ext>
+            </a:extLst>
+          </a:blip>
+          <a:stretch>
+            <a:fillRect/>
+          </a:stretch>
+        </p:blipFill>
+        <p:spPr>
+          <a:xfrm>
+            <a:off x="1227212" y="858458"/>
+            <a:ext cx="2920635" cy="2245690"/>
+          </a:xfrm>
+          <a:prstGeom prst="rect">
+            <a:avLst/>
+          </a:prstGeom>
+        </p:spPr>
+      </p:pic>
+      <p:sp>
+        <p:nvSpPr>
+          <p:cNvPr id="12" name="TextBox 11">
+            <a:extLst>
+              <a:ext uri="{FF2B5EF4-FFF2-40B4-BE49-F238E27FC236}">
+                <a16:creationId xmlns:a16="http://schemas.microsoft.com/office/drawing/2014/main" id="{23C84CB3-FB37-4F2D-8606-9612F3166861}"/>
+              </a:ext>
+            </a:extLst>
+          </p:cNvPr>
+          <p:cNvSpPr txBox="1"/>
+          <p:nvPr/>
+        </p:nvSpPr>
+        <p:spPr>
+          <a:xfrm>
+            <a:off x="1306821" y="388470"/>
+            <a:ext cx="2435398" cy="307777"/>
+          </a:xfrm>
+          <a:prstGeom prst="rect">
+            <a:avLst/>
+          </a:prstGeom>
+          <a:noFill/>
+        </p:spPr>
+        <p:txBody>
+          <a:bodyPr wrap="square" rtlCol="0">
+            <a:spAutoFit/>
+          </a:bodyPr>
+          <a:lstStyle/>
+          <a:p>
+            <a:pPr algn="ctr"/>
+            <a:r>
+              <a:rPr lang="en-US" sz="1400" b="1" dirty="0"/>
+              <a:t>Freescale</a:t>
+            </a:r>
+          </a:p>
+        </p:txBody>
+      </p:sp>
+      <p:sp>
+        <p:nvSpPr>
+          <p:cNvPr id="13" name="TextBox 12">
+            <a:extLst>
+              <a:ext uri="{FF2B5EF4-FFF2-40B4-BE49-F238E27FC236}">
+                <a16:creationId xmlns:a16="http://schemas.microsoft.com/office/drawing/2014/main" id="{DDC5C95B-6050-4D14-9B54-E5818678375C}"/>
+              </a:ext>
+            </a:extLst>
+          </p:cNvPr>
+          <p:cNvSpPr txBox="1"/>
+          <p:nvPr/>
+        </p:nvSpPr>
+        <p:spPr>
+          <a:xfrm>
+            <a:off x="5279579" y="388470"/>
+            <a:ext cx="2435398" cy="307777"/>
+          </a:xfrm>
+          <a:prstGeom prst="rect">
+            <a:avLst/>
+          </a:prstGeom>
+          <a:noFill/>
+        </p:spPr>
+        <p:txBody>
+          <a:bodyPr wrap="square" rtlCol="0">
+            <a:spAutoFit/>
+          </a:bodyPr>
+          <a:lstStyle/>
+          <a:p>
+            <a:pPr algn="ctr"/>
+            <a:r>
+              <a:rPr lang="en-US" sz="1400" b="1" dirty="0"/>
+              <a:t>Pretty</a:t>
+            </a:r>
+          </a:p>
+        </p:txBody>
+      </p:sp>
+      <p:sp>
+        <p:nvSpPr>
+          <p:cNvPr id="14" name="TextBox 13">
+            <a:extLst>
+              <a:ext uri="{FF2B5EF4-FFF2-40B4-BE49-F238E27FC236}">
+                <a16:creationId xmlns:a16="http://schemas.microsoft.com/office/drawing/2014/main" id="{482ABEB8-C8BE-4214-812C-A62AA299A9A6}"/>
+              </a:ext>
+            </a:extLst>
+          </p:cNvPr>
+          <p:cNvSpPr txBox="1"/>
+          <p:nvPr/>
+        </p:nvSpPr>
+        <p:spPr>
+          <a:xfrm>
+            <a:off x="8830235" y="386031"/>
+            <a:ext cx="2435398" cy="307777"/>
+          </a:xfrm>
+          <a:prstGeom prst="rect">
+            <a:avLst/>
+          </a:prstGeom>
+          <a:noFill/>
+        </p:spPr>
+        <p:txBody>
+          <a:bodyPr wrap="square" rtlCol="0">
+            <a:spAutoFit/>
+          </a:bodyPr>
+          <a:lstStyle/>
+          <a:p>
+            <a:pPr algn="ctr"/>
+            <a:r>
+              <a:rPr lang="en-US" sz="1400" b="1" dirty="0"/>
+              <a:t>Kmeans</a:t>
+            </a:r>
+          </a:p>
+        </p:txBody>
+      </p:sp>
+      <p:sp>
+        <p:nvSpPr>
+          <p:cNvPr id="15" name="TextBox 14">
+            <a:extLst>
+              <a:ext uri="{FF2B5EF4-FFF2-40B4-BE49-F238E27FC236}">
+                <a16:creationId xmlns:a16="http://schemas.microsoft.com/office/drawing/2014/main" id="{26F1F682-14F8-43CD-8AE9-8A20325DB7FE}"/>
+              </a:ext>
+            </a:extLst>
+          </p:cNvPr>
+          <p:cNvSpPr txBox="1"/>
+          <p:nvPr/>
+        </p:nvSpPr>
+        <p:spPr>
+          <a:xfrm rot="16200000">
+            <a:off x="-580806" y="1827415"/>
+            <a:ext cx="2435398" cy="307777"/>
+          </a:xfrm>
+          <a:prstGeom prst="rect">
+            <a:avLst/>
+          </a:prstGeom>
+          <a:noFill/>
+        </p:spPr>
+        <p:txBody>
+          <a:bodyPr wrap="square" rtlCol="0">
+            <a:spAutoFit/>
+          </a:bodyPr>
+          <a:lstStyle/>
+          <a:p>
+            <a:pPr algn="ctr"/>
+            <a:r>
+              <a:rPr lang="en-US" sz="1400" b="1" dirty="0" err="1"/>
+              <a:t>legendFixedBreaks</a:t>
+            </a:r>
+            <a:r>
+              <a:rPr lang="en-US" sz="1400" b="1" dirty="0"/>
+              <a:t> = 3</a:t>
+            </a:r>
+          </a:p>
+        </p:txBody>
+      </p:sp>
+      <p:sp>
+        <p:nvSpPr>
+          <p:cNvPr id="19" name="TextBox 18">
+            <a:extLst>
+              <a:ext uri="{FF2B5EF4-FFF2-40B4-BE49-F238E27FC236}">
+                <a16:creationId xmlns:a16="http://schemas.microsoft.com/office/drawing/2014/main" id="{1626578C-5E18-430E-8F7A-D05D8831D037}"/>
+              </a:ext>
+            </a:extLst>
+          </p:cNvPr>
+          <p:cNvSpPr txBox="1"/>
+          <p:nvPr/>
+        </p:nvSpPr>
+        <p:spPr>
+          <a:xfrm>
+            <a:off x="1306821" y="3474060"/>
+            <a:ext cx="2435398" cy="307777"/>
+          </a:xfrm>
+          <a:prstGeom prst="rect">
+            <a:avLst/>
+          </a:prstGeom>
+          <a:noFill/>
+        </p:spPr>
+        <p:txBody>
+          <a:bodyPr wrap="square" rtlCol="0">
+            <a:spAutoFit/>
+          </a:bodyPr>
+          <a:lstStyle/>
+          <a:p>
+            <a:pPr algn="ctr"/>
+            <a:r>
+              <a:rPr lang="en-US" sz="1400" b="1" dirty="0"/>
+              <a:t>Freescale</a:t>
+            </a:r>
+          </a:p>
+        </p:txBody>
+      </p:sp>
+      <p:sp>
+        <p:nvSpPr>
+          <p:cNvPr id="20" name="TextBox 19">
+            <a:extLst>
+              <a:ext uri="{FF2B5EF4-FFF2-40B4-BE49-F238E27FC236}">
+                <a16:creationId xmlns:a16="http://schemas.microsoft.com/office/drawing/2014/main" id="{E9FEE197-782D-4E28-9F20-CC09CD97CA5D}"/>
+              </a:ext>
+            </a:extLst>
+          </p:cNvPr>
+          <p:cNvSpPr txBox="1"/>
+          <p:nvPr/>
+        </p:nvSpPr>
+        <p:spPr>
+          <a:xfrm>
+            <a:off x="5279579" y="3474060"/>
+            <a:ext cx="2435398" cy="307777"/>
+          </a:xfrm>
+          <a:prstGeom prst="rect">
+            <a:avLst/>
+          </a:prstGeom>
+          <a:noFill/>
+        </p:spPr>
+        <p:txBody>
+          <a:bodyPr wrap="square" rtlCol="0">
+            <a:spAutoFit/>
+          </a:bodyPr>
+          <a:lstStyle/>
+          <a:p>
+            <a:pPr algn="ctr"/>
+            <a:r>
+              <a:rPr lang="en-US" sz="1400" b="1" dirty="0"/>
+              <a:t>Pretty</a:t>
+            </a:r>
+          </a:p>
+        </p:txBody>
+      </p:sp>
+      <p:sp>
+        <p:nvSpPr>
+          <p:cNvPr id="21" name="TextBox 20">
+            <a:extLst>
+              <a:ext uri="{FF2B5EF4-FFF2-40B4-BE49-F238E27FC236}">
+                <a16:creationId xmlns:a16="http://schemas.microsoft.com/office/drawing/2014/main" id="{F02D0632-C09D-41FD-965A-1B9DB848E310}"/>
+              </a:ext>
+            </a:extLst>
+          </p:cNvPr>
+          <p:cNvSpPr txBox="1"/>
+          <p:nvPr/>
+        </p:nvSpPr>
+        <p:spPr>
+          <a:xfrm>
+            <a:off x="8830235" y="3471621"/>
+            <a:ext cx="2435398" cy="307777"/>
+          </a:xfrm>
+          <a:prstGeom prst="rect">
+            <a:avLst/>
+          </a:prstGeom>
+          <a:noFill/>
+        </p:spPr>
+        <p:txBody>
+          <a:bodyPr wrap="square" rtlCol="0">
+            <a:spAutoFit/>
+          </a:bodyPr>
+          <a:lstStyle/>
+          <a:p>
+            <a:pPr algn="ctr"/>
+            <a:r>
+              <a:rPr lang="en-US" sz="1400" b="1" dirty="0"/>
+              <a:t>Kmeans</a:t>
+            </a:r>
+          </a:p>
+        </p:txBody>
+      </p:sp>
+      <p:sp>
+        <p:nvSpPr>
+          <p:cNvPr id="22" name="TextBox 21">
+            <a:extLst>
+              <a:ext uri="{FF2B5EF4-FFF2-40B4-BE49-F238E27FC236}">
+                <a16:creationId xmlns:a16="http://schemas.microsoft.com/office/drawing/2014/main" id="{7674599C-DB17-434E-A362-5782382ECED2}"/>
+              </a:ext>
+            </a:extLst>
+          </p:cNvPr>
+          <p:cNvSpPr txBox="1"/>
+          <p:nvPr/>
+        </p:nvSpPr>
+        <p:spPr>
+          <a:xfrm rot="16200000">
+            <a:off x="-580806" y="4913005"/>
+            <a:ext cx="2435398" cy="307777"/>
+          </a:xfrm>
+          <a:prstGeom prst="rect">
+            <a:avLst/>
+          </a:prstGeom>
+          <a:noFill/>
+        </p:spPr>
+        <p:txBody>
+          <a:bodyPr wrap="square" rtlCol="0">
+            <a:spAutoFit/>
+          </a:bodyPr>
+          <a:lstStyle/>
+          <a:p>
+            <a:pPr algn="ctr"/>
+            <a:r>
+              <a:rPr lang="en-US" sz="1400" b="1" dirty="0" err="1"/>
+              <a:t>legendFixedBreaks</a:t>
+            </a:r>
+            <a:r>
+              <a:rPr lang="en-US" sz="1400" b="1" dirty="0"/>
+              <a:t> = 3</a:t>
+            </a:r>
+          </a:p>
+        </p:txBody>
+      </p:sp>
+      <p:pic>
+        <p:nvPicPr>
+          <p:cNvPr id="24" name="Picture 23" descr="Map&#10;&#10;Description automatically generated">
+            <a:extLst>
+              <a:ext uri="{FF2B5EF4-FFF2-40B4-BE49-F238E27FC236}">
+                <a16:creationId xmlns:a16="http://schemas.microsoft.com/office/drawing/2014/main" id="{A75B0ED4-9028-42E9-8ED7-F36DD87186E5}"/>
+              </a:ext>
+            </a:extLst>
+          </p:cNvPr>
+          <p:cNvPicPr>
+            <a:picLocks noChangeAspect="1"/>
+          </p:cNvPicPr>
+          <p:nvPr/>
+        </p:nvPicPr>
+        <p:blipFill>
+          <a:blip r:embed="rId5" cstate="print">
+            <a:extLst>
+              <a:ext uri="{28A0092B-C50C-407E-A947-70E740481C1C}">
+                <a14:useLocalDpi xmlns:a14="http://schemas.microsoft.com/office/drawing/2010/main" val="0"/>
+              </a:ext>
+            </a:extLst>
+          </a:blip>
+          <a:stretch>
+            <a:fillRect/>
+          </a:stretch>
+        </p:blipFill>
+        <p:spPr>
+          <a:xfrm>
+            <a:off x="5038124" y="3849194"/>
+            <a:ext cx="2920635" cy="2245690"/>
+          </a:xfrm>
+          <a:prstGeom prst="rect">
+            <a:avLst/>
+          </a:prstGeom>
+        </p:spPr>
+      </p:pic>
+      <p:pic>
+        <p:nvPicPr>
+          <p:cNvPr id="26" name="Picture 25" descr="Map&#10;&#10;Description automatically generated">
+            <a:extLst>
+              <a:ext uri="{FF2B5EF4-FFF2-40B4-BE49-F238E27FC236}">
+                <a16:creationId xmlns:a16="http://schemas.microsoft.com/office/drawing/2014/main" id="{6DF7ABCE-2742-408D-9E59-B7842C8A99DA}"/>
+              </a:ext>
+            </a:extLst>
+          </p:cNvPr>
+          <p:cNvPicPr>
+            <a:picLocks noChangeAspect="1"/>
+          </p:cNvPicPr>
+          <p:nvPr/>
+        </p:nvPicPr>
+        <p:blipFill>
+          <a:blip r:embed="rId6" cstate="print">
+            <a:extLst>
+              <a:ext uri="{28A0092B-C50C-407E-A947-70E740481C1C}">
+                <a14:useLocalDpi xmlns:a14="http://schemas.microsoft.com/office/drawing/2010/main" val="0"/>
+              </a:ext>
+            </a:extLst>
+          </a:blip>
+          <a:stretch>
+            <a:fillRect/>
+          </a:stretch>
+        </p:blipFill>
+        <p:spPr>
+          <a:xfrm>
+            <a:off x="1230892" y="3849194"/>
+            <a:ext cx="3094015" cy="2245690"/>
+          </a:xfrm>
+          <a:prstGeom prst="rect">
+            <a:avLst/>
+          </a:prstGeom>
+        </p:spPr>
+      </p:pic>
+      <p:pic>
+        <p:nvPicPr>
+          <p:cNvPr id="28" name="Picture 27" descr="Map&#10;&#10;Description automatically generated">
+            <a:extLst>
+              <a:ext uri="{FF2B5EF4-FFF2-40B4-BE49-F238E27FC236}">
+                <a16:creationId xmlns:a16="http://schemas.microsoft.com/office/drawing/2014/main" id="{257C0961-85C5-4C4F-A9F7-9A85B0670309}"/>
+              </a:ext>
+            </a:extLst>
+          </p:cNvPr>
+          <p:cNvPicPr>
+            <a:picLocks noChangeAspect="1"/>
+          </p:cNvPicPr>
+          <p:nvPr/>
+        </p:nvPicPr>
+        <p:blipFill>
+          <a:blip r:embed="rId7" cstate="print">
+            <a:extLst>
+              <a:ext uri="{28A0092B-C50C-407E-A947-70E740481C1C}">
+                <a14:useLocalDpi xmlns:a14="http://schemas.microsoft.com/office/drawing/2010/main" val="0"/>
+              </a:ext>
+            </a:extLst>
+          </a:blip>
+          <a:stretch>
+            <a:fillRect/>
+          </a:stretch>
+        </p:blipFill>
+        <p:spPr>
+          <a:xfrm>
+            <a:off x="8572248" y="3849194"/>
+            <a:ext cx="3023838" cy="2245690"/>
+          </a:xfrm>
+          <a:prstGeom prst="rect">
+            <a:avLst/>
+          </a:prstGeom>
+        </p:spPr>
+      </p:pic>
     </p:spTree>
     <p:extLst>
       <p:ext uri="{BB962C8B-B14F-4D97-AF65-F5344CB8AC3E}">
-        <p14:creationId xmlns:p14="http://schemas.microsoft.com/office/powerpoint/2010/main" val="859117162"/>
+        <p14:creationId xmlns:p14="http://schemas.microsoft.com/office/powerpoint/2010/main" val="4119142978"/>
       </p:ext>
     </p:extLst>
   </p:cSld>
@@ -13536,353 +12655,31 @@
       </p:grpSpPr>
       <p:sp>
         <p:nvSpPr>
-          <p:cNvPr id="7" name="TextBox 6">
-            <a:extLst>
-              <a:ext uri="{FF2B5EF4-FFF2-40B4-BE49-F238E27FC236}">
-                <a16:creationId xmlns:a16="http://schemas.microsoft.com/office/drawing/2014/main" id="{A063DF1C-7DF0-40B4-AC9D-EC918B0CB000}"/>
-              </a:ext>
-            </a:extLst>
-          </p:cNvPr>
-          <p:cNvSpPr txBox="1"/>
+          <p:cNvPr id="6" name="Rectangle 5">
+            <a:extLst>
+              <a:ext uri="{FF2B5EF4-FFF2-40B4-BE49-F238E27FC236}">
+                <a16:creationId xmlns:a16="http://schemas.microsoft.com/office/drawing/2014/main" id="{F2FAAE5D-6F5D-4276-A188-B0F75533DF8A}"/>
+              </a:ext>
+            </a:extLst>
+          </p:cNvPr>
+          <p:cNvSpPr/>
           <p:nvPr/>
         </p:nvSpPr>
         <p:spPr>
           <a:xfrm>
-            <a:off x="192163" y="128664"/>
-            <a:ext cx="3101370" cy="369332"/>
-          </a:xfrm>
-          <a:prstGeom prst="rect">
-            <a:avLst/>
-          </a:prstGeom>
-          <a:noFill/>
-        </p:spPr>
-        <p:txBody>
-          <a:bodyPr wrap="square" rtlCol="0">
-            <a:spAutoFit/>
-          </a:bodyPr>
-          <a:lstStyle/>
-          <a:p>
-            <a:pPr algn="ctr"/>
-            <a:r>
-              <a:rPr lang="en-US" b="1"/>
-              <a:t>GCAM Results Folder</a:t>
-            </a:r>
-          </a:p>
-        </p:txBody>
-      </p:sp>
-      <p:grpSp>
-        <p:nvGrpSpPr>
-          <p:cNvPr id="12" name="Group 11">
-            <a:extLst>
-              <a:ext uri="{FF2B5EF4-FFF2-40B4-BE49-F238E27FC236}">
-                <a16:creationId xmlns:a16="http://schemas.microsoft.com/office/drawing/2014/main" id="{BAB3D5B8-F101-4F2A-BB68-D105EE67A66B}"/>
-              </a:ext>
-            </a:extLst>
-          </p:cNvPr>
-          <p:cNvGrpSpPr/>
-          <p:nvPr/>
-        </p:nvGrpSpPr>
-        <p:grpSpPr>
-          <a:xfrm>
-            <a:off x="1707202" y="1558164"/>
-            <a:ext cx="2066223" cy="965296"/>
-            <a:chOff x="1811039" y="1300849"/>
-            <a:chExt cx="2066223" cy="965296"/>
-          </a:xfrm>
-        </p:grpSpPr>
-        <p:pic>
-          <p:nvPicPr>
-            <p:cNvPr id="13" name="Picture 2">
-              <a:extLst>
-                <a:ext uri="{FF2B5EF4-FFF2-40B4-BE49-F238E27FC236}">
-                  <a16:creationId xmlns:a16="http://schemas.microsoft.com/office/drawing/2014/main" id="{6A6B1FFF-5D22-44C4-B7E8-B969938A312E}"/>
-                </a:ext>
-              </a:extLst>
-            </p:cNvPr>
-            <p:cNvPicPr>
-              <a:picLocks noChangeAspect="1" noChangeArrowheads="1"/>
-            </p:cNvPicPr>
-            <p:nvPr/>
-          </p:nvPicPr>
-          <p:blipFill>
-            <a:blip r:embed="rId2" cstate="print">
-              <a:extLst>
-                <a:ext uri="{28A0092B-C50C-407E-A947-70E740481C1C}">
-                  <a14:useLocalDpi xmlns:a14="http://schemas.microsoft.com/office/drawing/2010/main" val="0"/>
-                </a:ext>
-              </a:extLst>
-            </a:blip>
-            <a:srcRect/>
-            <a:stretch>
-              <a:fillRect/>
-            </a:stretch>
-          </p:blipFill>
-          <p:spPr bwMode="auto">
-            <a:xfrm>
-              <a:off x="2512807" y="1603456"/>
-              <a:ext cx="662689" cy="662689"/>
-            </a:xfrm>
-            <a:prstGeom prst="rect">
-              <a:avLst/>
-            </a:prstGeom>
-            <a:noFill/>
-            <a:extLst>
-              <a:ext uri="{909E8E84-426E-40DD-AFC4-6F175D3DCCD1}">
-                <a14:hiddenFill xmlns:a14="http://schemas.microsoft.com/office/drawing/2010/main">
-                  <a:solidFill>
-                    <a:srgbClr val="FFFFFF"/>
-                  </a:solidFill>
-                </a14:hiddenFill>
-              </a:ext>
-            </a:extLst>
-          </p:spPr>
-        </p:pic>
-        <p:sp>
-          <p:nvSpPr>
-            <p:cNvPr id="14" name="TextBox 13">
-              <a:extLst>
-                <a:ext uri="{FF2B5EF4-FFF2-40B4-BE49-F238E27FC236}">
-                  <a16:creationId xmlns:a16="http://schemas.microsoft.com/office/drawing/2014/main" id="{BE03BC9B-F13A-4CF5-B65E-F5BB04F3FFC3}"/>
-                </a:ext>
-              </a:extLst>
-            </p:cNvPr>
-            <p:cNvSpPr txBox="1"/>
-            <p:nvPr/>
-          </p:nvSpPr>
-          <p:spPr>
-            <a:xfrm>
-              <a:off x="1811039" y="1300849"/>
-              <a:ext cx="2066223" cy="369332"/>
-            </a:xfrm>
-            <a:prstGeom prst="rect">
-              <a:avLst/>
-            </a:prstGeom>
-            <a:noFill/>
-          </p:spPr>
-          <p:txBody>
-            <a:bodyPr wrap="square" rtlCol="0">
-              <a:spAutoFit/>
-            </a:bodyPr>
-            <a:lstStyle/>
-            <a:p>
-              <a:pPr algn="ctr"/>
-              <a:r>
-                <a:rPr lang="en-US"/>
-                <a:t>outputs</a:t>
-              </a:r>
-            </a:p>
-          </p:txBody>
-        </p:sp>
-      </p:grpSp>
-      <p:grpSp>
-        <p:nvGrpSpPr>
-          <p:cNvPr id="27" name="Group 26">
-            <a:extLst>
-              <a:ext uri="{FF2B5EF4-FFF2-40B4-BE49-F238E27FC236}">
-                <a16:creationId xmlns:a16="http://schemas.microsoft.com/office/drawing/2014/main" id="{C021E8F4-2180-4BA0-B64B-B4A111C6FDBA}"/>
-              </a:ext>
-            </a:extLst>
-          </p:cNvPr>
-          <p:cNvGrpSpPr/>
-          <p:nvPr/>
-        </p:nvGrpSpPr>
-        <p:grpSpPr>
-          <a:xfrm>
-            <a:off x="4904956" y="1563134"/>
-            <a:ext cx="2066223" cy="965296"/>
-            <a:chOff x="1811039" y="1300849"/>
-            <a:chExt cx="2066223" cy="965296"/>
-          </a:xfrm>
-        </p:grpSpPr>
-        <p:pic>
-          <p:nvPicPr>
-            <p:cNvPr id="28" name="Picture 2">
-              <a:extLst>
-                <a:ext uri="{FF2B5EF4-FFF2-40B4-BE49-F238E27FC236}">
-                  <a16:creationId xmlns:a16="http://schemas.microsoft.com/office/drawing/2014/main" id="{2FB42ADA-F0B4-4C57-823E-A9385F11E60E}"/>
-                </a:ext>
-              </a:extLst>
-            </p:cNvPr>
-            <p:cNvPicPr>
-              <a:picLocks noChangeAspect="1" noChangeArrowheads="1"/>
-            </p:cNvPicPr>
-            <p:nvPr/>
-          </p:nvPicPr>
-          <p:blipFill>
-            <a:blip r:embed="rId2" cstate="print">
-              <a:extLst>
-                <a:ext uri="{28A0092B-C50C-407E-A947-70E740481C1C}">
-                  <a14:useLocalDpi xmlns:a14="http://schemas.microsoft.com/office/drawing/2010/main" val="0"/>
-                </a:ext>
-              </a:extLst>
-            </a:blip>
-            <a:srcRect/>
-            <a:stretch>
-              <a:fillRect/>
-            </a:stretch>
-          </p:blipFill>
-          <p:spPr bwMode="auto">
-            <a:xfrm>
-              <a:off x="2512807" y="1603456"/>
-              <a:ext cx="662689" cy="662689"/>
-            </a:xfrm>
-            <a:prstGeom prst="rect">
-              <a:avLst/>
-            </a:prstGeom>
-            <a:noFill/>
-            <a:extLst>
-              <a:ext uri="{909E8E84-426E-40DD-AFC4-6F175D3DCCD1}">
-                <a14:hiddenFill xmlns:a14="http://schemas.microsoft.com/office/drawing/2010/main">
-                  <a:solidFill>
-                    <a:srgbClr val="FFFFFF"/>
-                  </a:solidFill>
-                </a14:hiddenFill>
-              </a:ext>
-            </a:extLst>
-          </p:spPr>
-        </p:pic>
-        <p:sp>
-          <p:nvSpPr>
-            <p:cNvPr id="29" name="TextBox 28">
-              <a:extLst>
-                <a:ext uri="{FF2B5EF4-FFF2-40B4-BE49-F238E27FC236}">
-                  <a16:creationId xmlns:a16="http://schemas.microsoft.com/office/drawing/2014/main" id="{C3FAE1FE-8437-4630-8945-A21EA82C2AD8}"/>
-                </a:ext>
-              </a:extLst>
-            </p:cNvPr>
-            <p:cNvSpPr txBox="1"/>
-            <p:nvPr/>
-          </p:nvSpPr>
-          <p:spPr>
-            <a:xfrm>
-              <a:off x="1811039" y="1300849"/>
-              <a:ext cx="2066223" cy="369332"/>
-            </a:xfrm>
-            <a:prstGeom prst="rect">
-              <a:avLst/>
-            </a:prstGeom>
-            <a:noFill/>
-          </p:spPr>
-          <p:txBody>
-            <a:bodyPr wrap="square" rtlCol="0">
-              <a:spAutoFit/>
-            </a:bodyPr>
-            <a:lstStyle/>
-            <a:p>
-              <a:pPr algn="ctr"/>
-              <a:r>
-                <a:rPr lang="en-US"/>
-                <a:t>Maps</a:t>
-              </a:r>
-            </a:p>
-          </p:txBody>
-        </p:sp>
-      </p:grpSp>
-      <p:cxnSp>
-        <p:nvCxnSpPr>
-          <p:cNvPr id="34" name="Straight Connector 33">
-            <a:extLst>
-              <a:ext uri="{FF2B5EF4-FFF2-40B4-BE49-F238E27FC236}">
-                <a16:creationId xmlns:a16="http://schemas.microsoft.com/office/drawing/2014/main" id="{72F8E274-F940-47BB-A66B-BFC930922115}"/>
-              </a:ext>
-            </a:extLst>
-          </p:cNvPr>
-          <p:cNvCxnSpPr>
-            <a:cxnSpLocks/>
-          </p:cNvCxnSpPr>
-          <p:nvPr/>
-        </p:nvCxnSpPr>
-        <p:spPr>
-          <a:xfrm>
-            <a:off x="6332043" y="2183327"/>
-            <a:ext cx="329272" cy="0"/>
-          </a:xfrm>
-          <a:prstGeom prst="line">
-            <a:avLst/>
-          </a:prstGeom>
-          <a:ln>
-            <a:tailEnd type="triangle" w="lg" len="lg"/>
-          </a:ln>
-        </p:spPr>
-        <p:style>
-          <a:lnRef idx="1">
-            <a:schemeClr val="dk1"/>
-          </a:lnRef>
-          <a:fillRef idx="0">
-            <a:schemeClr val="dk1"/>
-          </a:fillRef>
-          <a:effectRef idx="0">
-            <a:schemeClr val="dk1"/>
-          </a:effectRef>
-          <a:fontRef idx="minor">
-            <a:schemeClr val="tx1"/>
-          </a:fontRef>
-        </p:style>
-      </p:cxnSp>
-      <p:cxnSp>
-        <p:nvCxnSpPr>
-          <p:cNvPr id="35" name="Straight Connector 34">
-            <a:extLst>
-              <a:ext uri="{FF2B5EF4-FFF2-40B4-BE49-F238E27FC236}">
-                <a16:creationId xmlns:a16="http://schemas.microsoft.com/office/drawing/2014/main" id="{2D1AD679-BAA7-43F2-BBF0-AEC4E9355207}"/>
-              </a:ext>
-            </a:extLst>
-          </p:cNvPr>
-          <p:cNvCxnSpPr>
-            <a:cxnSpLocks/>
-          </p:cNvCxnSpPr>
-          <p:nvPr/>
-        </p:nvCxnSpPr>
-        <p:spPr>
-          <a:xfrm>
-            <a:off x="3114302" y="2208726"/>
-            <a:ext cx="329272" cy="0"/>
-          </a:xfrm>
-          <a:prstGeom prst="line">
-            <a:avLst/>
-          </a:prstGeom>
-          <a:ln>
-            <a:tailEnd type="triangle" w="lg" len="lg"/>
-          </a:ln>
-        </p:spPr>
-        <p:style>
-          <a:lnRef idx="1">
-            <a:schemeClr val="dk1"/>
-          </a:lnRef>
-          <a:fillRef idx="0">
-            <a:schemeClr val="dk1"/>
-          </a:fillRef>
-          <a:effectRef idx="0">
-            <a:schemeClr val="dk1"/>
-          </a:effectRef>
-          <a:fontRef idx="minor">
-            <a:schemeClr val="tx1"/>
-          </a:fontRef>
-        </p:style>
-      </p:cxnSp>
-      <p:sp>
-        <p:nvSpPr>
-          <p:cNvPr id="39" name="Rectangle 38">
-            <a:extLst>
-              <a:ext uri="{FF2B5EF4-FFF2-40B4-BE49-F238E27FC236}">
-                <a16:creationId xmlns:a16="http://schemas.microsoft.com/office/drawing/2014/main" id="{1FEBA126-27DE-47AE-968F-0A03BC9B58B9}"/>
-              </a:ext>
-            </a:extLst>
-          </p:cNvPr>
-          <p:cNvSpPr/>
-          <p:nvPr/>
-        </p:nvSpPr>
-        <p:spPr>
-          <a:xfrm>
-            <a:off x="4147676" y="2771590"/>
-            <a:ext cx="319668" cy="211816"/>
+            <a:off x="192163" y="690664"/>
+            <a:ext cx="8368177" cy="6038672"/>
           </a:xfrm>
           <a:prstGeom prst="rect">
             <a:avLst/>
           </a:prstGeom>
           <a:noFill/>
           <a:ln>
-            <a:noFill/>
+            <a:solidFill>
+              <a:schemeClr val="bg1">
+                <a:lumMod val="65000"/>
+              </a:schemeClr>
+            </a:solidFill>
           </a:ln>
         </p:spPr>
         <p:style>
@@ -13912,10 +12709,1290 @@
       </p:sp>
       <p:sp>
         <p:nvSpPr>
-          <p:cNvPr id="40" name="Rectangle 39">
-            <a:extLst>
-              <a:ext uri="{FF2B5EF4-FFF2-40B4-BE49-F238E27FC236}">
-                <a16:creationId xmlns:a16="http://schemas.microsoft.com/office/drawing/2014/main" id="{48B99608-FE84-4406-99AA-EAF2D7969384}"/>
+          <p:cNvPr id="7" name="TextBox 6">
+            <a:extLst>
+              <a:ext uri="{FF2B5EF4-FFF2-40B4-BE49-F238E27FC236}">
+                <a16:creationId xmlns:a16="http://schemas.microsoft.com/office/drawing/2014/main" id="{A063DF1C-7DF0-40B4-AC9D-EC918B0CB000}"/>
+              </a:ext>
+            </a:extLst>
+          </p:cNvPr>
+          <p:cNvSpPr txBox="1"/>
+          <p:nvPr/>
+        </p:nvSpPr>
+        <p:spPr>
+          <a:xfrm>
+            <a:off x="192163" y="128664"/>
+            <a:ext cx="2066223" cy="369332"/>
+          </a:xfrm>
+          <a:prstGeom prst="rect">
+            <a:avLst/>
+          </a:prstGeom>
+          <a:noFill/>
+        </p:spPr>
+        <p:txBody>
+          <a:bodyPr wrap="square" rtlCol="0">
+            <a:spAutoFit/>
+          </a:bodyPr>
+          <a:lstStyle/>
+          <a:p>
+            <a:pPr algn="ctr"/>
+            <a:r>
+              <a:rPr lang="en-US" b="1" dirty="0"/>
+              <a:t>Multi-Scenario</a:t>
+            </a:r>
+          </a:p>
+        </p:txBody>
+      </p:sp>
+      <p:pic>
+        <p:nvPicPr>
+          <p:cNvPr id="16" name="Picture 15" descr="Map&#10;&#10;Description automatically generated">
+            <a:extLst>
+              <a:ext uri="{FF2B5EF4-FFF2-40B4-BE49-F238E27FC236}">
+                <a16:creationId xmlns:a16="http://schemas.microsoft.com/office/drawing/2014/main" id="{0B0EBD2A-0B93-4F34-BE71-3BBE812EE21C}"/>
+              </a:ext>
+            </a:extLst>
+          </p:cNvPr>
+          <p:cNvPicPr>
+            <a:picLocks noChangeAspect="1"/>
+          </p:cNvPicPr>
+          <p:nvPr/>
+        </p:nvPicPr>
+        <p:blipFill>
+          <a:blip r:embed="rId2" cstate="print">
+            <a:extLst>
+              <a:ext uri="{28A0092B-C50C-407E-A947-70E740481C1C}">
+                <a14:useLocalDpi xmlns:a14="http://schemas.microsoft.com/office/drawing/2010/main" val="0"/>
+              </a:ext>
+            </a:extLst>
+          </a:blip>
+          <a:stretch>
+            <a:fillRect/>
+          </a:stretch>
+        </p:blipFill>
+        <p:spPr>
+          <a:xfrm>
+            <a:off x="5053411" y="1031926"/>
+            <a:ext cx="3209822" cy="2468047"/>
+          </a:xfrm>
+          <a:prstGeom prst="rect">
+            <a:avLst/>
+          </a:prstGeom>
+        </p:spPr>
+      </p:pic>
+      <p:pic>
+        <p:nvPicPr>
+          <p:cNvPr id="18" name="Picture 17" descr="Map&#10;&#10;Description automatically generated">
+            <a:extLst>
+              <a:ext uri="{FF2B5EF4-FFF2-40B4-BE49-F238E27FC236}">
+                <a16:creationId xmlns:a16="http://schemas.microsoft.com/office/drawing/2014/main" id="{E42776A1-6618-43AF-A06B-ADA2A4F91CF4}"/>
+              </a:ext>
+            </a:extLst>
+          </p:cNvPr>
+          <p:cNvPicPr>
+            <a:picLocks noChangeAspect="1"/>
+          </p:cNvPicPr>
+          <p:nvPr/>
+        </p:nvPicPr>
+        <p:blipFill>
+          <a:blip r:embed="rId3" cstate="print">
+            <a:extLst>
+              <a:ext uri="{28A0092B-C50C-407E-A947-70E740481C1C}">
+                <a14:useLocalDpi xmlns:a14="http://schemas.microsoft.com/office/drawing/2010/main" val="0"/>
+              </a:ext>
+            </a:extLst>
+          </a:blip>
+          <a:stretch>
+            <a:fillRect/>
+          </a:stretch>
+        </p:blipFill>
+        <p:spPr>
+          <a:xfrm>
+            <a:off x="391015" y="4063432"/>
+            <a:ext cx="3209822" cy="2468047"/>
+          </a:xfrm>
+          <a:prstGeom prst="rect">
+            <a:avLst/>
+          </a:prstGeom>
+        </p:spPr>
+      </p:pic>
+      <p:pic>
+        <p:nvPicPr>
+          <p:cNvPr id="20" name="Picture 19" descr="Map&#10;&#10;Description automatically generated">
+            <a:extLst>
+              <a:ext uri="{FF2B5EF4-FFF2-40B4-BE49-F238E27FC236}">
+                <a16:creationId xmlns:a16="http://schemas.microsoft.com/office/drawing/2014/main" id="{6AE7463E-ADE8-4133-89D8-D09098718F31}"/>
+              </a:ext>
+            </a:extLst>
+          </p:cNvPr>
+          <p:cNvPicPr>
+            <a:picLocks noChangeAspect="1"/>
+          </p:cNvPicPr>
+          <p:nvPr/>
+        </p:nvPicPr>
+        <p:blipFill>
+          <a:blip r:embed="rId4" cstate="print">
+            <a:extLst>
+              <a:ext uri="{28A0092B-C50C-407E-A947-70E740481C1C}">
+                <a14:useLocalDpi xmlns:a14="http://schemas.microsoft.com/office/drawing/2010/main" val="0"/>
+              </a:ext>
+            </a:extLst>
+          </a:blip>
+          <a:stretch>
+            <a:fillRect/>
+          </a:stretch>
+        </p:blipFill>
+        <p:spPr>
+          <a:xfrm>
+            <a:off x="5053411" y="4063431"/>
+            <a:ext cx="3209822" cy="2468048"/>
+          </a:xfrm>
+          <a:prstGeom prst="rect">
+            <a:avLst/>
+          </a:prstGeom>
+        </p:spPr>
+      </p:pic>
+      <p:pic>
+        <p:nvPicPr>
+          <p:cNvPr id="22" name="Picture 21" descr="Map&#10;&#10;Description automatically generated">
+            <a:extLst>
+              <a:ext uri="{FF2B5EF4-FFF2-40B4-BE49-F238E27FC236}">
+                <a16:creationId xmlns:a16="http://schemas.microsoft.com/office/drawing/2014/main" id="{FE49B1CC-BB5D-4F07-87BD-29A410EFAF10}"/>
+              </a:ext>
+            </a:extLst>
+          </p:cNvPr>
+          <p:cNvPicPr>
+            <a:picLocks noChangeAspect="1"/>
+          </p:cNvPicPr>
+          <p:nvPr/>
+        </p:nvPicPr>
+        <p:blipFill>
+          <a:blip r:embed="rId5" cstate="print">
+            <a:extLst>
+              <a:ext uri="{28A0092B-C50C-407E-A947-70E740481C1C}">
+                <a14:useLocalDpi xmlns:a14="http://schemas.microsoft.com/office/drawing/2010/main" val="0"/>
+              </a:ext>
+            </a:extLst>
+          </a:blip>
+          <a:stretch>
+            <a:fillRect/>
+          </a:stretch>
+        </p:blipFill>
+        <p:spPr>
+          <a:xfrm>
+            <a:off x="391015" y="1031926"/>
+            <a:ext cx="3209822" cy="2468047"/>
+          </a:xfrm>
+          <a:prstGeom prst="rect">
+            <a:avLst/>
+          </a:prstGeom>
+        </p:spPr>
+      </p:pic>
+      <p:sp>
+        <p:nvSpPr>
+          <p:cNvPr id="23" name="TextBox 22">
+            <a:extLst>
+              <a:ext uri="{FF2B5EF4-FFF2-40B4-BE49-F238E27FC236}">
+                <a16:creationId xmlns:a16="http://schemas.microsoft.com/office/drawing/2014/main" id="{5E2BF639-6147-4D3A-8630-CE4EE2F020C9}"/>
+              </a:ext>
+            </a:extLst>
+          </p:cNvPr>
+          <p:cNvSpPr txBox="1"/>
+          <p:nvPr/>
+        </p:nvSpPr>
+        <p:spPr>
+          <a:xfrm>
+            <a:off x="5337049" y="724149"/>
+            <a:ext cx="2435398" cy="307777"/>
+          </a:xfrm>
+          <a:prstGeom prst="rect">
+            <a:avLst/>
+          </a:prstGeom>
+          <a:noFill/>
+        </p:spPr>
+        <p:txBody>
+          <a:bodyPr wrap="square" rtlCol="0">
+            <a:spAutoFit/>
+          </a:bodyPr>
+          <a:lstStyle/>
+          <a:p>
+            <a:pPr algn="ctr"/>
+            <a:r>
+              <a:rPr lang="en-US" sz="1400" b="1" dirty="0"/>
+              <a:t>Freescale</a:t>
+            </a:r>
+          </a:p>
+        </p:txBody>
+      </p:sp>
+      <p:sp>
+        <p:nvSpPr>
+          <p:cNvPr id="24" name="TextBox 23">
+            <a:extLst>
+              <a:ext uri="{FF2B5EF4-FFF2-40B4-BE49-F238E27FC236}">
+                <a16:creationId xmlns:a16="http://schemas.microsoft.com/office/drawing/2014/main" id="{9D0AB9FE-C6AD-447F-80AF-7E6B57B94BF3}"/>
+              </a:ext>
+            </a:extLst>
+          </p:cNvPr>
+          <p:cNvSpPr txBox="1"/>
+          <p:nvPr/>
+        </p:nvSpPr>
+        <p:spPr>
+          <a:xfrm>
+            <a:off x="5337049" y="3755654"/>
+            <a:ext cx="2435398" cy="307777"/>
+          </a:xfrm>
+          <a:prstGeom prst="rect">
+            <a:avLst/>
+          </a:prstGeom>
+          <a:noFill/>
+        </p:spPr>
+        <p:txBody>
+          <a:bodyPr wrap="square" rtlCol="0">
+            <a:spAutoFit/>
+          </a:bodyPr>
+          <a:lstStyle/>
+          <a:p>
+            <a:pPr algn="ctr"/>
+            <a:r>
+              <a:rPr lang="en-US" sz="1400" b="1" dirty="0"/>
+              <a:t>Pretty</a:t>
+            </a:r>
+          </a:p>
+        </p:txBody>
+      </p:sp>
+      <p:sp>
+        <p:nvSpPr>
+          <p:cNvPr id="25" name="TextBox 24">
+            <a:extLst>
+              <a:ext uri="{FF2B5EF4-FFF2-40B4-BE49-F238E27FC236}">
+                <a16:creationId xmlns:a16="http://schemas.microsoft.com/office/drawing/2014/main" id="{D5ECEE82-863C-418D-A9A5-03865818B5EF}"/>
+              </a:ext>
+            </a:extLst>
+          </p:cNvPr>
+          <p:cNvSpPr txBox="1"/>
+          <p:nvPr/>
+        </p:nvSpPr>
+        <p:spPr>
+          <a:xfrm>
+            <a:off x="532208" y="3755654"/>
+            <a:ext cx="2435398" cy="307777"/>
+          </a:xfrm>
+          <a:prstGeom prst="rect">
+            <a:avLst/>
+          </a:prstGeom>
+          <a:noFill/>
+        </p:spPr>
+        <p:txBody>
+          <a:bodyPr wrap="square" rtlCol="0">
+            <a:spAutoFit/>
+          </a:bodyPr>
+          <a:lstStyle/>
+          <a:p>
+            <a:pPr algn="ctr"/>
+            <a:r>
+              <a:rPr lang="en-US" sz="1400" b="1" dirty="0"/>
+              <a:t>Kmeans</a:t>
+            </a:r>
+          </a:p>
+        </p:txBody>
+      </p:sp>
+      <p:sp>
+        <p:nvSpPr>
+          <p:cNvPr id="26" name="TextBox 25">
+            <a:extLst>
+              <a:ext uri="{FF2B5EF4-FFF2-40B4-BE49-F238E27FC236}">
+                <a16:creationId xmlns:a16="http://schemas.microsoft.com/office/drawing/2014/main" id="{6302F8A7-86DE-4B7A-A1EC-06AA25195D06}"/>
+              </a:ext>
+            </a:extLst>
+          </p:cNvPr>
+          <p:cNvSpPr txBox="1"/>
+          <p:nvPr/>
+        </p:nvSpPr>
+        <p:spPr>
+          <a:xfrm>
+            <a:off x="532208" y="724149"/>
+            <a:ext cx="2435398" cy="307777"/>
+          </a:xfrm>
+          <a:prstGeom prst="rect">
+            <a:avLst/>
+          </a:prstGeom>
+          <a:noFill/>
+        </p:spPr>
+        <p:txBody>
+          <a:bodyPr wrap="square" rtlCol="0">
+            <a:spAutoFit/>
+          </a:bodyPr>
+          <a:lstStyle/>
+          <a:p>
+            <a:pPr algn="ctr"/>
+            <a:r>
+              <a:rPr lang="en-US" sz="1400" b="1" dirty="0"/>
+              <a:t>Fixed</a:t>
+            </a:r>
+          </a:p>
+        </p:txBody>
+      </p:sp>
+    </p:spTree>
+    <p:extLst>
+      <p:ext uri="{BB962C8B-B14F-4D97-AF65-F5344CB8AC3E}">
+        <p14:creationId xmlns:p14="http://schemas.microsoft.com/office/powerpoint/2010/main" val="1331896980"/>
+      </p:ext>
+    </p:extLst>
+  </p:cSld>
+  <p:clrMapOvr>
+    <a:masterClrMapping/>
+  </p:clrMapOvr>
+</p:sld>
+</file>
+
+<file path=ppt/slides/slide4.xml><?xml version="1.0" encoding="utf-8"?>
+<p:sld xmlns:a="http://schemas.openxmlformats.org/drawingml/2006/main" xmlns:r="http://schemas.openxmlformats.org/officeDocument/2006/relationships" xmlns:p="http://schemas.openxmlformats.org/presentationml/2006/main">
+  <p:cSld>
+    <p:spTree>
+      <p:nvGrpSpPr>
+        <p:cNvPr id="1" name=""/>
+        <p:cNvGrpSpPr/>
+        <p:nvPr/>
+      </p:nvGrpSpPr>
+      <p:grpSpPr>
+        <a:xfrm>
+          <a:off x="0" y="0"/>
+          <a:ext cx="0" cy="0"/>
+          <a:chOff x="0" y="0"/>
+          <a:chExt cx="0" cy="0"/>
+        </a:xfrm>
+      </p:grpSpPr>
+      <p:sp>
+        <p:nvSpPr>
+          <p:cNvPr id="6" name="TextBox 5">
+            <a:extLst>
+              <a:ext uri="{FF2B5EF4-FFF2-40B4-BE49-F238E27FC236}">
+                <a16:creationId xmlns:a16="http://schemas.microsoft.com/office/drawing/2014/main" id="{770E9E06-5F46-4A20-920E-2473B2FB3AF0}"/>
+              </a:ext>
+            </a:extLst>
+          </p:cNvPr>
+          <p:cNvSpPr txBox="1"/>
+          <p:nvPr/>
+        </p:nvSpPr>
+        <p:spPr>
+          <a:xfrm>
+            <a:off x="677207" y="522579"/>
+            <a:ext cx="2216370" cy="4429995"/>
+          </a:xfrm>
+          <a:prstGeom prst="rect">
+            <a:avLst/>
+          </a:prstGeom>
+          <a:noFill/>
+        </p:spPr>
+        <p:txBody>
+          <a:bodyPr wrap="square" rtlCol="0">
+            <a:spAutoFit/>
+          </a:bodyPr>
+          <a:lstStyle>
+            <a:defPPr>
+              <a:defRPr lang="en-US"/>
+            </a:defPPr>
+            <a:lvl1pPr>
+              <a:lnSpc>
+                <a:spcPct val="150000"/>
+              </a:lnSpc>
+              <a:defRPr sz="900">
+                <a:latin typeface="Consolas" panose="020B0609020204030204" pitchFamily="49" charset="0"/>
+              </a:defRPr>
+            </a:lvl1pPr>
+          </a:lstStyle>
+          <a:p>
+            <a:pPr algn="ctr"/>
+            <a:r>
+              <a:rPr lang="en-US" altLang="en-US" sz="1050" b="1" u="sng">
+                <a:latin typeface="+mn-lt"/>
+              </a:rPr>
+              <a:t>electricity</a:t>
+            </a:r>
+          </a:p>
+          <a:p>
+            <a:pPr marL="171450" indent="-171450">
+              <a:buFont typeface="Arial" panose="020B0604020202020204" pitchFamily="34" charset="0"/>
+              <a:buChar char="•"/>
+            </a:pPr>
+            <a:r>
+              <a:rPr lang="en-US" altLang="en-US" sz="1050">
+                <a:latin typeface="+mn-lt"/>
+              </a:rPr>
+              <a:t>elecByTechTWh</a:t>
+            </a:r>
+          </a:p>
+          <a:p>
+            <a:pPr marL="171450" indent="-171450">
+              <a:buFont typeface="Arial" panose="020B0604020202020204" pitchFamily="34" charset="0"/>
+              <a:buChar char="•"/>
+            </a:pPr>
+            <a:r>
+              <a:rPr lang="en-US" altLang="en-US" sz="1050">
+                <a:latin typeface="+mn-lt"/>
+              </a:rPr>
+              <a:t>elecCapByFuel</a:t>
+            </a:r>
+          </a:p>
+          <a:p>
+            <a:pPr marL="171450" indent="-171450">
+              <a:buFont typeface="Arial" panose="020B0604020202020204" pitchFamily="34" charset="0"/>
+              <a:buChar char="•"/>
+            </a:pPr>
+            <a:r>
+              <a:rPr lang="en-US" altLang="en-US" sz="1050">
+                <a:latin typeface="+mn-lt"/>
+              </a:rPr>
+              <a:t>elecFinalBySecTWh</a:t>
+            </a:r>
+          </a:p>
+          <a:p>
+            <a:pPr marL="171450" indent="-171450">
+              <a:buFont typeface="Arial" panose="020B0604020202020204" pitchFamily="34" charset="0"/>
+              <a:buChar char="•"/>
+            </a:pPr>
+            <a:r>
+              <a:rPr lang="en-US" altLang="en-US" sz="1050">
+                <a:latin typeface="+mn-lt"/>
+              </a:rPr>
+              <a:t>elecFinalByFuelTWh</a:t>
+            </a:r>
+          </a:p>
+          <a:p>
+            <a:pPr marL="171450" indent="-171450">
+              <a:buFont typeface="Arial" panose="020B0604020202020204" pitchFamily="34" charset="0"/>
+              <a:buChar char="•"/>
+            </a:pPr>
+            <a:r>
+              <a:rPr lang="en-US" altLang="en-US" sz="1050">
+                <a:latin typeface="+mn-lt"/>
+              </a:rPr>
+              <a:t>elecNewCapCost</a:t>
+            </a:r>
+          </a:p>
+          <a:p>
+            <a:pPr marL="171450" indent="-171450">
+              <a:buFont typeface="Arial" panose="020B0604020202020204" pitchFamily="34" charset="0"/>
+              <a:buChar char="•"/>
+            </a:pPr>
+            <a:r>
+              <a:rPr lang="en-US" altLang="en-US" sz="1050">
+                <a:latin typeface="+mn-lt"/>
+              </a:rPr>
+              <a:t>elecNewCapGW</a:t>
+            </a:r>
+          </a:p>
+          <a:p>
+            <a:pPr marL="171450" indent="-171450">
+              <a:buFont typeface="Arial" panose="020B0604020202020204" pitchFamily="34" charset="0"/>
+              <a:buChar char="•"/>
+            </a:pPr>
+            <a:r>
+              <a:rPr lang="en-US" altLang="en-US" sz="1050">
+                <a:latin typeface="+mn-lt"/>
+              </a:rPr>
+              <a:t>elecAnnualRetPrematureCost</a:t>
+            </a:r>
+          </a:p>
+          <a:p>
+            <a:pPr marL="171450" indent="-171450">
+              <a:buFont typeface="Arial" panose="020B0604020202020204" pitchFamily="34" charset="0"/>
+              <a:buChar char="•"/>
+            </a:pPr>
+            <a:r>
+              <a:rPr lang="en-US" altLang="en-US" sz="1050">
+                <a:latin typeface="+mn-lt"/>
+              </a:rPr>
+              <a:t>elecAnnualRetPrematureGW</a:t>
+            </a:r>
+          </a:p>
+          <a:p>
+            <a:pPr marL="171450" indent="-171450">
+              <a:buFont typeface="Arial" panose="020B0604020202020204" pitchFamily="34" charset="0"/>
+              <a:buChar char="•"/>
+            </a:pPr>
+            <a:r>
+              <a:rPr lang="en-US" altLang="en-US" sz="1050">
+                <a:latin typeface="+mn-lt"/>
+              </a:rPr>
+              <a:t>elecCumCapCost</a:t>
+            </a:r>
+          </a:p>
+          <a:p>
+            <a:pPr marL="171450" indent="-171450">
+              <a:buFont typeface="Arial" panose="020B0604020202020204" pitchFamily="34" charset="0"/>
+              <a:buChar char="•"/>
+            </a:pPr>
+            <a:r>
+              <a:rPr lang="en-US" altLang="en-US" sz="1050">
+                <a:latin typeface="+mn-lt"/>
+              </a:rPr>
+              <a:t>elecCumCapGW</a:t>
+            </a:r>
+          </a:p>
+          <a:p>
+            <a:pPr marL="171450" indent="-171450">
+              <a:buFont typeface="Arial" panose="020B0604020202020204" pitchFamily="34" charset="0"/>
+              <a:buChar char="•"/>
+            </a:pPr>
+            <a:r>
+              <a:rPr lang="en-US" altLang="en-US" sz="1050">
+                <a:latin typeface="+mn-lt"/>
+              </a:rPr>
+              <a:t>elecCumRetPrematureCost</a:t>
+            </a:r>
+          </a:p>
+          <a:p>
+            <a:pPr marL="171450" indent="-171450">
+              <a:buFont typeface="Arial" panose="020B0604020202020204" pitchFamily="34" charset="0"/>
+              <a:buChar char="•"/>
+            </a:pPr>
+            <a:r>
+              <a:rPr lang="en-US" altLang="en-US" sz="1050">
+                <a:latin typeface="+mn-lt"/>
+              </a:rPr>
+              <a:t>elecCumRetPrematureGW</a:t>
+            </a:r>
+          </a:p>
+          <a:p>
+            <a:pPr algn="ctr"/>
+            <a:r>
+              <a:rPr lang="en-US" altLang="en-US" sz="1050" b="1" u="sng">
+                <a:latin typeface="+mn-lt"/>
+              </a:rPr>
+              <a:t>transport</a:t>
+            </a:r>
+          </a:p>
+          <a:p>
+            <a:pPr marL="171450" indent="-171450">
+              <a:buFont typeface="Arial" panose="020B0604020202020204" pitchFamily="34" charset="0"/>
+              <a:buChar char="•"/>
+            </a:pPr>
+            <a:r>
+              <a:rPr lang="en-US" altLang="en-US" sz="1050">
+                <a:latin typeface="+mn-lt"/>
+              </a:rPr>
+              <a:t>transportPassengerVMTByMode</a:t>
+            </a:r>
+          </a:p>
+          <a:p>
+            <a:pPr marL="171450" indent="-171450">
+              <a:buFont typeface="Arial" panose="020B0604020202020204" pitchFamily="34" charset="0"/>
+              <a:buChar char="•"/>
+            </a:pPr>
+            <a:r>
+              <a:rPr lang="en-US" altLang="en-US" sz="1050">
+                <a:latin typeface="+mn-lt"/>
+              </a:rPr>
+              <a:t>transportFreightVMTByMode</a:t>
+            </a:r>
+          </a:p>
+          <a:p>
+            <a:pPr marL="171450" indent="-171450">
+              <a:buFont typeface="Arial" panose="020B0604020202020204" pitchFamily="34" charset="0"/>
+              <a:buChar char="•"/>
+            </a:pPr>
+            <a:r>
+              <a:rPr lang="en-US" altLang="en-US" sz="1050">
+                <a:latin typeface="+mn-lt"/>
+              </a:rPr>
+              <a:t>transportPassengerVMTByFuel</a:t>
+            </a:r>
+          </a:p>
+          <a:p>
+            <a:pPr marL="171450" indent="-171450">
+              <a:buFont typeface="Arial" panose="020B0604020202020204" pitchFamily="34" charset="0"/>
+              <a:buChar char="•"/>
+            </a:pPr>
+            <a:r>
+              <a:rPr lang="en-US" altLang="en-US" sz="1050">
+                <a:latin typeface="+mn-lt"/>
+              </a:rPr>
+              <a:t>transportFreightVMTByFuel</a:t>
+            </a:r>
+          </a:p>
+        </p:txBody>
+      </p:sp>
+      <p:sp>
+        <p:nvSpPr>
+          <p:cNvPr id="7" name="TextBox 6">
+            <a:extLst>
+              <a:ext uri="{FF2B5EF4-FFF2-40B4-BE49-F238E27FC236}">
+                <a16:creationId xmlns:a16="http://schemas.microsoft.com/office/drawing/2014/main" id="{08849C20-7534-4CC1-AE72-789DE7D498D4}"/>
+              </a:ext>
+            </a:extLst>
+          </p:cNvPr>
+          <p:cNvSpPr txBox="1"/>
+          <p:nvPr/>
+        </p:nvSpPr>
+        <p:spPr>
+          <a:xfrm>
+            <a:off x="3772467" y="522579"/>
+            <a:ext cx="2216370" cy="5884240"/>
+          </a:xfrm>
+          <a:prstGeom prst="rect">
+            <a:avLst/>
+          </a:prstGeom>
+          <a:noFill/>
+        </p:spPr>
+        <p:txBody>
+          <a:bodyPr wrap="square" rtlCol="0">
+            <a:spAutoFit/>
+          </a:bodyPr>
+          <a:lstStyle>
+            <a:defPPr>
+              <a:defRPr lang="en-US"/>
+            </a:defPPr>
+            <a:lvl1pPr>
+              <a:lnSpc>
+                <a:spcPct val="150000"/>
+              </a:lnSpc>
+              <a:defRPr sz="900">
+                <a:latin typeface="Consolas" panose="020B0609020204030204" pitchFamily="49" charset="0"/>
+              </a:defRPr>
+            </a:lvl1pPr>
+          </a:lstStyle>
+          <a:p>
+            <a:pPr algn="ctr"/>
+            <a:r>
+              <a:rPr lang="en-US" altLang="en-US" sz="1050" b="1" u="sng">
+                <a:latin typeface="+mn-lt"/>
+              </a:rPr>
+              <a:t>socioecon</a:t>
+            </a:r>
+          </a:p>
+          <a:p>
+            <a:pPr marL="171450" indent="-171450">
+              <a:buFont typeface="Arial" panose="020B0604020202020204" pitchFamily="34" charset="0"/>
+              <a:buChar char="•"/>
+            </a:pPr>
+            <a:r>
+              <a:rPr lang="en-US" altLang="en-US" sz="1050">
+                <a:latin typeface="+mn-lt"/>
+              </a:rPr>
+              <a:t>gdpPerCapita</a:t>
+            </a:r>
+          </a:p>
+          <a:p>
+            <a:pPr marL="171450" indent="-171450">
+              <a:buFont typeface="Arial" panose="020B0604020202020204" pitchFamily="34" charset="0"/>
+              <a:buChar char="•"/>
+            </a:pPr>
+            <a:r>
+              <a:rPr lang="en-US" altLang="en-US" sz="1050">
+                <a:latin typeface="+mn-lt"/>
+              </a:rPr>
+              <a:t>gdp</a:t>
+            </a:r>
+          </a:p>
+          <a:p>
+            <a:pPr marL="171450" indent="-171450">
+              <a:buFont typeface="Arial" panose="020B0604020202020204" pitchFamily="34" charset="0"/>
+              <a:buChar char="•"/>
+            </a:pPr>
+            <a:r>
+              <a:rPr lang="en-US" altLang="en-US" sz="1050">
+                <a:latin typeface="+mn-lt"/>
+              </a:rPr>
+              <a:t>gdpGrowthRate</a:t>
+            </a:r>
+          </a:p>
+          <a:p>
+            <a:pPr marL="171450" indent="-171450">
+              <a:buFont typeface="Arial" panose="020B0604020202020204" pitchFamily="34" charset="0"/>
+              <a:buChar char="•"/>
+            </a:pPr>
+            <a:r>
+              <a:rPr lang="en-US" altLang="en-US" sz="1050">
+                <a:latin typeface="+mn-lt"/>
+              </a:rPr>
+              <a:t>pop</a:t>
+            </a:r>
+          </a:p>
+          <a:p>
+            <a:pPr algn="ctr"/>
+            <a:r>
+              <a:rPr lang="en-US" altLang="en-US" sz="1050" b="1" u="sng">
+                <a:latin typeface="+mn-lt"/>
+              </a:rPr>
+              <a:t>ag</a:t>
+            </a:r>
+          </a:p>
+          <a:p>
+            <a:pPr marL="171450" indent="-171450">
+              <a:buFont typeface="Arial" panose="020B0604020202020204" pitchFamily="34" charset="0"/>
+              <a:buChar char="•"/>
+            </a:pPr>
+            <a:r>
+              <a:rPr lang="en-US" altLang="en-US" sz="1050">
+                <a:latin typeface="+mn-lt"/>
+              </a:rPr>
+              <a:t>agProdbyIrrRfd</a:t>
+            </a:r>
+          </a:p>
+          <a:p>
+            <a:pPr marL="171450" indent="-171450">
+              <a:buFont typeface="Arial" panose="020B0604020202020204" pitchFamily="34" charset="0"/>
+              <a:buChar char="•"/>
+            </a:pPr>
+            <a:r>
+              <a:rPr lang="en-US" altLang="en-US" sz="1050">
+                <a:latin typeface="+mn-lt"/>
+              </a:rPr>
+              <a:t>agProdBiomass</a:t>
+            </a:r>
+          </a:p>
+          <a:p>
+            <a:pPr marL="171450" indent="-171450">
+              <a:buFont typeface="Arial" panose="020B0604020202020204" pitchFamily="34" charset="0"/>
+              <a:buChar char="•"/>
+            </a:pPr>
+            <a:r>
+              <a:rPr lang="en-US" altLang="en-US" sz="1050">
+                <a:latin typeface="+mn-lt"/>
+              </a:rPr>
+              <a:t>agProdForest</a:t>
+            </a:r>
+          </a:p>
+          <a:p>
+            <a:pPr marL="171450" indent="-171450">
+              <a:buFont typeface="Arial" panose="020B0604020202020204" pitchFamily="34" charset="0"/>
+              <a:buChar char="•"/>
+            </a:pPr>
+            <a:r>
+              <a:rPr lang="en-US" altLang="en-US" sz="1050">
+                <a:latin typeface="+mn-lt"/>
+              </a:rPr>
+              <a:t>agProdByCrop</a:t>
+            </a:r>
+          </a:p>
+          <a:p>
+            <a:pPr algn="ctr"/>
+            <a:r>
+              <a:rPr lang="en-US" altLang="en-US" sz="1050" b="1" u="sng">
+                <a:latin typeface="+mn-lt"/>
+              </a:rPr>
+              <a:t>livestock</a:t>
+            </a:r>
+          </a:p>
+          <a:p>
+            <a:pPr marL="171450" indent="-171450">
+              <a:buFont typeface="Arial" panose="020B0604020202020204" pitchFamily="34" charset="0"/>
+              <a:buChar char="•"/>
+            </a:pPr>
+            <a:r>
+              <a:rPr lang="en-US" altLang="en-US" sz="1050">
+                <a:latin typeface="+mn-lt"/>
+              </a:rPr>
+              <a:t>livestock_MeatDairybyTechMixed</a:t>
+            </a:r>
+          </a:p>
+          <a:p>
+            <a:pPr marL="171450" indent="-171450">
+              <a:buFont typeface="Arial" panose="020B0604020202020204" pitchFamily="34" charset="0"/>
+              <a:buChar char="•"/>
+            </a:pPr>
+            <a:r>
+              <a:rPr lang="en-US" altLang="en-US" sz="1050">
+                <a:latin typeface="+mn-lt"/>
+              </a:rPr>
+              <a:t>livestock_MeatDairybyTechPastoral</a:t>
+            </a:r>
+          </a:p>
+          <a:p>
+            <a:pPr marL="171450" indent="-171450">
+              <a:buFont typeface="Arial" panose="020B0604020202020204" pitchFamily="34" charset="0"/>
+              <a:buChar char="•"/>
+            </a:pPr>
+            <a:r>
+              <a:rPr lang="en-US" altLang="en-US" sz="1050">
+                <a:latin typeface="+mn-lt"/>
+              </a:rPr>
+              <a:t>livestock_MeatDairybyTechImports</a:t>
+            </a:r>
+          </a:p>
+          <a:p>
+            <a:pPr marL="171450" indent="-171450">
+              <a:buFont typeface="Arial" panose="020B0604020202020204" pitchFamily="34" charset="0"/>
+              <a:buChar char="•"/>
+            </a:pPr>
+            <a:r>
+              <a:rPr lang="en-US" altLang="en-US" sz="1050">
+                <a:latin typeface="+mn-lt"/>
+              </a:rPr>
+              <a:t>livestock_MeatDairybySubsector</a:t>
+            </a:r>
+          </a:p>
+          <a:p>
+            <a:pPr algn="ctr"/>
+            <a:r>
+              <a:rPr lang="en-US" altLang="en-US" sz="1050" b="1" u="sng">
+                <a:latin typeface="+mn-lt"/>
+              </a:rPr>
+              <a:t>land</a:t>
+            </a:r>
+          </a:p>
+          <a:p>
+            <a:pPr marL="171450" indent="-171450">
+              <a:buFont typeface="Arial" panose="020B0604020202020204" pitchFamily="34" charset="0"/>
+              <a:buChar char="•"/>
+            </a:pPr>
+            <a:r>
+              <a:rPr lang="en-US" altLang="en-US" sz="1050">
+                <a:latin typeface="+mn-lt"/>
+              </a:rPr>
+              <a:t>landIrrRfd</a:t>
+            </a:r>
+          </a:p>
+          <a:p>
+            <a:pPr marL="171450" indent="-171450">
+              <a:buFont typeface="Arial" panose="020B0604020202020204" pitchFamily="34" charset="0"/>
+              <a:buChar char="•"/>
+            </a:pPr>
+            <a:r>
+              <a:rPr lang="en-US" altLang="en-US" sz="1050">
+                <a:latin typeface="+mn-lt"/>
+              </a:rPr>
+              <a:t>landIrrCrop</a:t>
+            </a:r>
+          </a:p>
+          <a:p>
+            <a:pPr marL="171450" indent="-171450">
+              <a:buFont typeface="Arial" panose="020B0604020202020204" pitchFamily="34" charset="0"/>
+              <a:buChar char="•"/>
+            </a:pPr>
+            <a:r>
+              <a:rPr lang="en-US" altLang="en-US" sz="1050">
+                <a:latin typeface="+mn-lt"/>
+              </a:rPr>
+              <a:t>landRfdCrop</a:t>
+            </a:r>
+          </a:p>
+          <a:p>
+            <a:pPr marL="171450" indent="-171450">
+              <a:buFont typeface="Arial" panose="020B0604020202020204" pitchFamily="34" charset="0"/>
+              <a:buChar char="•"/>
+            </a:pPr>
+            <a:r>
+              <a:rPr lang="en-US" altLang="en-US" sz="1050">
+                <a:latin typeface="+mn-lt"/>
+              </a:rPr>
+              <a:t>landAlloc</a:t>
+            </a:r>
+          </a:p>
+          <a:p>
+            <a:pPr marL="171450" indent="-171450">
+              <a:buFont typeface="Arial" panose="020B0604020202020204" pitchFamily="34" charset="0"/>
+              <a:buChar char="•"/>
+            </a:pPr>
+            <a:r>
+              <a:rPr lang="en-US" altLang="en-US" sz="1050">
+                <a:latin typeface="+mn-lt"/>
+              </a:rPr>
+              <a:t>landAllocByCrop</a:t>
+            </a:r>
+          </a:p>
+          <a:p>
+            <a:pPr algn="ctr"/>
+            <a:endParaRPr lang="en-US" altLang="en-US" sz="1050">
+              <a:latin typeface="+mn-lt"/>
+            </a:endParaRPr>
+          </a:p>
+        </p:txBody>
+      </p:sp>
+      <p:sp>
+        <p:nvSpPr>
+          <p:cNvPr id="8" name="TextBox 7">
+            <a:extLst>
+              <a:ext uri="{FF2B5EF4-FFF2-40B4-BE49-F238E27FC236}">
+                <a16:creationId xmlns:a16="http://schemas.microsoft.com/office/drawing/2014/main" id="{8585856F-0683-439B-927B-E2E8AD4AA13F}"/>
+              </a:ext>
+            </a:extLst>
+          </p:cNvPr>
+          <p:cNvSpPr txBox="1"/>
+          <p:nvPr/>
+        </p:nvSpPr>
+        <p:spPr>
+          <a:xfrm>
+            <a:off x="6867727" y="522579"/>
+            <a:ext cx="2216370" cy="4429995"/>
+          </a:xfrm>
+          <a:prstGeom prst="rect">
+            <a:avLst/>
+          </a:prstGeom>
+          <a:noFill/>
+        </p:spPr>
+        <p:txBody>
+          <a:bodyPr wrap="square" rtlCol="0">
+            <a:spAutoFit/>
+          </a:bodyPr>
+          <a:lstStyle>
+            <a:defPPr>
+              <a:defRPr lang="en-US"/>
+            </a:defPPr>
+            <a:lvl1pPr>
+              <a:lnSpc>
+                <a:spcPct val="150000"/>
+              </a:lnSpc>
+              <a:defRPr sz="900">
+                <a:latin typeface="Consolas" panose="020B0609020204030204" pitchFamily="49" charset="0"/>
+              </a:defRPr>
+            </a:lvl1pPr>
+          </a:lstStyle>
+          <a:p>
+            <a:pPr algn="ctr"/>
+            <a:r>
+              <a:rPr lang="en-US" altLang="en-US" sz="1050" b="1" u="sng">
+                <a:latin typeface="+mn-lt"/>
+              </a:rPr>
+              <a:t>emissions</a:t>
+            </a:r>
+          </a:p>
+          <a:p>
+            <a:pPr marL="171450" indent="-171450">
+              <a:buFont typeface="Arial" panose="020B0604020202020204" pitchFamily="34" charset="0"/>
+              <a:buChar char="•"/>
+            </a:pPr>
+            <a:r>
+              <a:rPr lang="en-US" altLang="en-US" sz="1050">
+                <a:latin typeface="+mn-lt"/>
+              </a:rPr>
+              <a:t>emissNonCO2BySectorGWPAR5</a:t>
+            </a:r>
+          </a:p>
+          <a:p>
+            <a:pPr marL="171450" indent="-171450">
+              <a:buFont typeface="Arial" panose="020B0604020202020204" pitchFamily="34" charset="0"/>
+              <a:buChar char="•"/>
+            </a:pPr>
+            <a:r>
+              <a:rPr lang="en-US" altLang="en-US" sz="1050">
+                <a:latin typeface="+mn-lt"/>
+              </a:rPr>
+              <a:t>emissNonCO2BySectorGTPAR5</a:t>
+            </a:r>
+          </a:p>
+          <a:p>
+            <a:pPr marL="171450" indent="-171450">
+              <a:buFont typeface="Arial" panose="020B0604020202020204" pitchFamily="34" charset="0"/>
+              <a:buChar char="•"/>
+            </a:pPr>
+            <a:r>
+              <a:rPr lang="en-US" altLang="en-US" sz="1050">
+                <a:latin typeface="+mn-lt"/>
+              </a:rPr>
+              <a:t>emissNonCO2BySectorOrigUnits</a:t>
+            </a:r>
+          </a:p>
+          <a:p>
+            <a:pPr marL="171450" indent="-171450">
+              <a:buFont typeface="Arial" panose="020B0604020202020204" pitchFamily="34" charset="0"/>
+              <a:buChar char="•"/>
+            </a:pPr>
+            <a:r>
+              <a:rPr lang="en-US" altLang="en-US" sz="1050">
+                <a:latin typeface="+mn-lt"/>
+              </a:rPr>
+              <a:t>emissLUC</a:t>
+            </a:r>
+          </a:p>
+          <a:p>
+            <a:pPr marL="171450" indent="-171450">
+              <a:buFont typeface="Arial" panose="020B0604020202020204" pitchFamily="34" charset="0"/>
+              <a:buChar char="•"/>
+            </a:pPr>
+            <a:r>
+              <a:rPr lang="en-US" altLang="en-US" sz="1050">
+                <a:latin typeface="+mn-lt"/>
+              </a:rPr>
+              <a:t>emissCO2BySectorNoBio</a:t>
+            </a:r>
+          </a:p>
+          <a:p>
+            <a:pPr marL="171450" indent="-171450">
+              <a:buFont typeface="Arial" panose="020B0604020202020204" pitchFamily="34" charset="0"/>
+              <a:buChar char="•"/>
+            </a:pPr>
+            <a:r>
+              <a:rPr lang="en-US" altLang="en-US" sz="1050">
+                <a:latin typeface="+mn-lt"/>
+              </a:rPr>
+              <a:t>emissNonCO2ByResProdGWPAR5</a:t>
+            </a:r>
+          </a:p>
+          <a:p>
+            <a:pPr marL="171450" indent="-171450">
+              <a:buFont typeface="Arial" panose="020B0604020202020204" pitchFamily="34" charset="0"/>
+              <a:buChar char="•"/>
+            </a:pPr>
+            <a:r>
+              <a:rPr lang="en-US" altLang="en-US" sz="1050">
+                <a:latin typeface="+mn-lt"/>
+              </a:rPr>
+              <a:t>emissMethaneBySourceGWPAR5</a:t>
+            </a:r>
+          </a:p>
+          <a:p>
+            <a:pPr marL="171450" indent="-171450">
+              <a:buFont typeface="Arial" panose="020B0604020202020204" pitchFamily="34" charset="0"/>
+              <a:buChar char="•"/>
+            </a:pPr>
+            <a:r>
+              <a:rPr lang="en-US" altLang="en-US" sz="1050">
+                <a:latin typeface="+mn-lt"/>
+              </a:rPr>
+              <a:t>emissByGasGWPAR5FFI</a:t>
+            </a:r>
+          </a:p>
+          <a:p>
+            <a:pPr marL="171450" indent="-171450">
+              <a:buFont typeface="Arial" panose="020B0604020202020204" pitchFamily="34" charset="0"/>
+              <a:buChar char="•"/>
+            </a:pPr>
+            <a:r>
+              <a:rPr lang="en-US" altLang="en-US" sz="1050">
+                <a:latin typeface="+mn-lt"/>
+              </a:rPr>
+              <a:t>emissByGasGWPAR5LUC</a:t>
+            </a:r>
+          </a:p>
+          <a:p>
+            <a:pPr marL="171450" indent="-171450">
+              <a:buFont typeface="Arial" panose="020B0604020202020204" pitchFamily="34" charset="0"/>
+              <a:buChar char="•"/>
+            </a:pPr>
+            <a:r>
+              <a:rPr lang="en-US" altLang="en-US" sz="1050">
+                <a:latin typeface="+mn-lt"/>
+              </a:rPr>
+              <a:t>emissBySectorGWPAR5FFI</a:t>
+            </a:r>
+          </a:p>
+          <a:p>
+            <a:pPr marL="171450" indent="-171450">
+              <a:buFont typeface="Arial" panose="020B0604020202020204" pitchFamily="34" charset="0"/>
+              <a:buChar char="•"/>
+            </a:pPr>
+            <a:r>
+              <a:rPr lang="en-US" altLang="en-US" sz="1050">
+                <a:latin typeface="+mn-lt"/>
+              </a:rPr>
+              <a:t>emissBySectorGWPAR5LUC</a:t>
+            </a:r>
+          </a:p>
+          <a:p>
+            <a:pPr marL="171450" indent="-171450">
+              <a:buFont typeface="Arial" panose="020B0604020202020204" pitchFamily="34" charset="0"/>
+              <a:buChar char="•"/>
+            </a:pPr>
+            <a:r>
+              <a:rPr lang="en-US" altLang="en-US" sz="1050">
+                <a:latin typeface="+mn-lt"/>
+              </a:rPr>
+              <a:t>emissNonCO2ByResProdGTPAR5</a:t>
+            </a:r>
+          </a:p>
+          <a:p>
+            <a:pPr marL="171450" indent="-171450">
+              <a:buFont typeface="Arial" panose="020B0604020202020204" pitchFamily="34" charset="0"/>
+              <a:buChar char="•"/>
+            </a:pPr>
+            <a:r>
+              <a:rPr lang="en-US" altLang="en-US" sz="1050">
+                <a:latin typeface="+mn-lt"/>
+              </a:rPr>
+              <a:t>emissMethaneBySourceGTPAR5</a:t>
+            </a:r>
+          </a:p>
+          <a:p>
+            <a:pPr marL="171450" indent="-171450">
+              <a:buFont typeface="Arial" panose="020B0604020202020204" pitchFamily="34" charset="0"/>
+              <a:buChar char="•"/>
+            </a:pPr>
+            <a:r>
+              <a:rPr lang="en-US" altLang="en-US" sz="1050">
+                <a:latin typeface="+mn-lt"/>
+              </a:rPr>
+              <a:t>emissByGasGTPAR5FFI</a:t>
+            </a:r>
+          </a:p>
+          <a:p>
+            <a:pPr marL="171450" indent="-171450">
+              <a:buFont typeface="Arial" panose="020B0604020202020204" pitchFamily="34" charset="0"/>
+              <a:buChar char="•"/>
+            </a:pPr>
+            <a:r>
+              <a:rPr lang="en-US" altLang="en-US" sz="1050">
+                <a:latin typeface="+mn-lt"/>
+              </a:rPr>
+              <a:t>emissByGasGTPAR5LUC</a:t>
+            </a:r>
+          </a:p>
+          <a:p>
+            <a:pPr marL="171450" indent="-171450">
+              <a:buFont typeface="Arial" panose="020B0604020202020204" pitchFamily="34" charset="0"/>
+              <a:buChar char="•"/>
+            </a:pPr>
+            <a:r>
+              <a:rPr lang="en-US" altLang="en-US" sz="1050">
+                <a:latin typeface="+mn-lt"/>
+              </a:rPr>
+              <a:t>emissBySectorGTPAR5FFI</a:t>
+            </a:r>
+          </a:p>
+          <a:p>
+            <a:pPr marL="171450" indent="-171450">
+              <a:buFont typeface="Arial" panose="020B0604020202020204" pitchFamily="34" charset="0"/>
+              <a:buChar char="•"/>
+            </a:pPr>
+            <a:r>
+              <a:rPr lang="en-US" altLang="en-US" sz="1050">
+                <a:latin typeface="+mn-lt"/>
+              </a:rPr>
+              <a:t>emissBySectorGTPAR5LUC</a:t>
+            </a:r>
+          </a:p>
+        </p:txBody>
+      </p:sp>
+      <p:sp>
+        <p:nvSpPr>
+          <p:cNvPr id="10" name="TextBox 9">
+            <a:extLst>
+              <a:ext uri="{FF2B5EF4-FFF2-40B4-BE49-F238E27FC236}">
+                <a16:creationId xmlns:a16="http://schemas.microsoft.com/office/drawing/2014/main" id="{11BBF495-EC10-4E41-938D-C41D6846FC07}"/>
+              </a:ext>
+            </a:extLst>
+          </p:cNvPr>
+          <p:cNvSpPr txBox="1"/>
+          <p:nvPr/>
+        </p:nvSpPr>
+        <p:spPr>
+          <a:xfrm>
+            <a:off x="9270444" y="522578"/>
+            <a:ext cx="2216370" cy="2006255"/>
+          </a:xfrm>
+          <a:prstGeom prst="rect">
+            <a:avLst/>
+          </a:prstGeom>
+          <a:noFill/>
+        </p:spPr>
+        <p:txBody>
+          <a:bodyPr wrap="square" rtlCol="0">
+            <a:spAutoFit/>
+          </a:bodyPr>
+          <a:lstStyle>
+            <a:defPPr>
+              <a:defRPr lang="en-US"/>
+            </a:defPPr>
+            <a:lvl1pPr>
+              <a:lnSpc>
+                <a:spcPct val="150000"/>
+              </a:lnSpc>
+              <a:defRPr sz="900">
+                <a:latin typeface="Consolas" panose="020B0609020204030204" pitchFamily="49" charset="0"/>
+              </a:defRPr>
+            </a:lvl1pPr>
+          </a:lstStyle>
+          <a:p>
+            <a:pPr algn="ctr"/>
+            <a:r>
+              <a:rPr lang="en-US" altLang="en-US" sz="1050" b="1" u="sng">
+                <a:latin typeface="+mn-lt"/>
+              </a:rPr>
+              <a:t>water</a:t>
+            </a:r>
+          </a:p>
+          <a:p>
+            <a:pPr marL="171450" indent="-171450">
+              <a:buFont typeface="Arial" panose="020B0604020202020204" pitchFamily="34" charset="0"/>
+              <a:buChar char="•"/>
+            </a:pPr>
+            <a:r>
+              <a:rPr lang="en-US" altLang="en-US" sz="1050">
+                <a:latin typeface="+mn-lt"/>
+              </a:rPr>
+              <a:t>watConsumBySec</a:t>
+            </a:r>
+          </a:p>
+          <a:p>
+            <a:pPr marL="171450" indent="-171450">
+              <a:buFont typeface="Arial" panose="020B0604020202020204" pitchFamily="34" charset="0"/>
+              <a:buChar char="•"/>
+            </a:pPr>
+            <a:r>
+              <a:rPr lang="en-US" altLang="en-US" sz="1050">
+                <a:latin typeface="+mn-lt"/>
+              </a:rPr>
+              <a:t>watWithdrawBySec</a:t>
+            </a:r>
+          </a:p>
+          <a:p>
+            <a:pPr marL="171450" indent="-171450">
+              <a:buFont typeface="Arial" panose="020B0604020202020204" pitchFamily="34" charset="0"/>
+              <a:buChar char="•"/>
+            </a:pPr>
+            <a:r>
+              <a:rPr lang="en-US" altLang="en-US" sz="1050">
+                <a:latin typeface="+mn-lt"/>
+              </a:rPr>
+              <a:t>watWithdrawByCrop</a:t>
+            </a:r>
+          </a:p>
+          <a:p>
+            <a:pPr marL="171450" indent="-171450">
+              <a:buFont typeface="Arial" panose="020B0604020202020204" pitchFamily="34" charset="0"/>
+              <a:buChar char="•"/>
+            </a:pPr>
+            <a:r>
+              <a:rPr lang="en-US" altLang="en-US" sz="1050">
+                <a:latin typeface="+mn-lt"/>
+              </a:rPr>
+              <a:t>watBioPhysCons</a:t>
+            </a:r>
+          </a:p>
+          <a:p>
+            <a:pPr marL="171450" indent="-171450">
+              <a:buFont typeface="Arial" panose="020B0604020202020204" pitchFamily="34" charset="0"/>
+              <a:buChar char="•"/>
+            </a:pPr>
+            <a:r>
+              <a:rPr lang="en-US" altLang="en-US" sz="1050">
+                <a:latin typeface="+mn-lt"/>
+              </a:rPr>
+              <a:t>watIrrWithdrawBasin</a:t>
+            </a:r>
+          </a:p>
+          <a:p>
+            <a:pPr marL="171450" indent="-171450">
+              <a:buFont typeface="Arial" panose="020B0604020202020204" pitchFamily="34" charset="0"/>
+              <a:buChar char="•"/>
+            </a:pPr>
+            <a:r>
+              <a:rPr lang="en-US" altLang="en-US" sz="1050">
+                <a:latin typeface="+mn-lt"/>
+              </a:rPr>
+              <a:t>watIrrConsBasin</a:t>
+            </a:r>
+          </a:p>
+          <a:p>
+            <a:pPr marL="171450" indent="-171450">
+              <a:buFont typeface="Arial" panose="020B0604020202020204" pitchFamily="34" charset="0"/>
+              <a:buChar char="•"/>
+            </a:pPr>
+            <a:r>
+              <a:rPr lang="en-US" altLang="en-US" sz="1050">
+                <a:latin typeface="+mn-lt"/>
+              </a:rPr>
+              <a:t>watSupRunoffBasin</a:t>
+            </a:r>
+          </a:p>
+        </p:txBody>
+      </p:sp>
+      <p:sp>
+        <p:nvSpPr>
+          <p:cNvPr id="11" name="Rectangle 10">
+            <a:extLst>
+              <a:ext uri="{FF2B5EF4-FFF2-40B4-BE49-F238E27FC236}">
+                <a16:creationId xmlns:a16="http://schemas.microsoft.com/office/drawing/2014/main" id="{F7432040-3975-4A47-9851-71C7544179DB}"/>
               </a:ext>
             </a:extLst>
           </p:cNvPr>
@@ -13924,15 +14001,19 @@
         </p:nvSpPr>
         <p:spPr>
           <a:xfrm>
-            <a:off x="4121494" y="3024011"/>
-            <a:ext cx="319668" cy="211816"/>
+            <a:off x="497520" y="522577"/>
+            <a:ext cx="10466402" cy="5691791"/>
           </a:xfrm>
           <a:prstGeom prst="rect">
             <a:avLst/>
           </a:prstGeom>
           <a:noFill/>
           <a:ln>
-            <a:noFill/>
+            <a:solidFill>
+              <a:schemeClr val="bg1">
+                <a:lumMod val="65000"/>
+              </a:schemeClr>
+            </a:solidFill>
           </a:ln>
         </p:spPr>
         <p:style>
@@ -13962,10 +14043,10 @@
       </p:sp>
       <p:sp>
         <p:nvSpPr>
-          <p:cNvPr id="41" name="TextBox 40">
-            <a:extLst>
-              <a:ext uri="{FF2B5EF4-FFF2-40B4-BE49-F238E27FC236}">
-                <a16:creationId xmlns:a16="http://schemas.microsoft.com/office/drawing/2014/main" id="{1779615A-615E-4B19-919C-26C953E6E68C}"/>
+          <p:cNvPr id="12" name="TextBox 11">
+            <a:extLst>
+              <a:ext uri="{FF2B5EF4-FFF2-40B4-BE49-F238E27FC236}">
+                <a16:creationId xmlns:a16="http://schemas.microsoft.com/office/drawing/2014/main" id="{F1498920-CEE6-468A-B822-668FDD52D7A2}"/>
               </a:ext>
             </a:extLst>
           </p:cNvPr>
@@ -13974,7 +14055,7 @@
         </p:nvSpPr>
         <p:spPr>
           <a:xfrm>
-            <a:off x="674620" y="1977441"/>
+            <a:off x="192163" y="128664"/>
             <a:ext cx="2066223" cy="369332"/>
           </a:xfrm>
           <a:prstGeom prst="rect">
@@ -13990,18 +14071,156 @@
           <a:p>
             <a:pPr algn="ctr"/>
             <a:r>
-              <a:rPr lang="en-US"/>
-              <a:t>Working Dir: </a:t>
+              <a:rPr lang="en-US" b="1"/>
+              <a:t>Param List</a:t>
             </a:r>
           </a:p>
         </p:txBody>
       </p:sp>
+    </p:spTree>
+    <p:extLst>
+      <p:ext uri="{BB962C8B-B14F-4D97-AF65-F5344CB8AC3E}">
+        <p14:creationId xmlns:p14="http://schemas.microsoft.com/office/powerpoint/2010/main" val="3345794904"/>
+      </p:ext>
+    </p:extLst>
+  </p:cSld>
+  <p:clrMapOvr>
+    <a:masterClrMapping/>
+  </p:clrMapOvr>
+</p:sld>
+</file>
+
+<file path=ppt/slides/slide40.xml><?xml version="1.0" encoding="utf-8"?>
+<p:sld xmlns:a="http://schemas.openxmlformats.org/drawingml/2006/main" xmlns:r="http://schemas.openxmlformats.org/officeDocument/2006/relationships" xmlns:p="http://schemas.openxmlformats.org/presentationml/2006/main">
+  <p:cSld>
+    <p:spTree>
+      <p:nvGrpSpPr>
+        <p:cNvPr id="1" name=""/>
+        <p:cNvGrpSpPr/>
+        <p:nvPr/>
+      </p:nvGrpSpPr>
+      <p:grpSpPr>
+        <a:xfrm>
+          <a:off x="0" y="0"/>
+          <a:ext cx="0" cy="0"/>
+          <a:chOff x="0" y="0"/>
+          <a:chExt cx="0" cy="0"/>
+        </a:xfrm>
+      </p:grpSpPr>
       <p:sp>
         <p:nvSpPr>
-          <p:cNvPr id="42" name="Rectangle 41">
-            <a:extLst>
-              <a:ext uri="{FF2B5EF4-FFF2-40B4-BE49-F238E27FC236}">
-                <a16:creationId xmlns:a16="http://schemas.microsoft.com/office/drawing/2014/main" id="{6CF596FB-C3D1-4A12-97A0-6930D20FD8C7}"/>
+          <p:cNvPr id="7" name="TextBox 6">
+            <a:extLst>
+              <a:ext uri="{FF2B5EF4-FFF2-40B4-BE49-F238E27FC236}">
+                <a16:creationId xmlns:a16="http://schemas.microsoft.com/office/drawing/2014/main" id="{A063DF1C-7DF0-40B4-AC9D-EC918B0CB000}"/>
+              </a:ext>
+            </a:extLst>
+          </p:cNvPr>
+          <p:cNvSpPr txBox="1"/>
+          <p:nvPr/>
+        </p:nvSpPr>
+        <p:spPr>
+          <a:xfrm>
+            <a:off x="192163" y="128664"/>
+            <a:ext cx="2066223" cy="369332"/>
+          </a:xfrm>
+          <a:prstGeom prst="rect">
+            <a:avLst/>
+          </a:prstGeom>
+          <a:noFill/>
+        </p:spPr>
+        <p:txBody>
+          <a:bodyPr wrap="square" rtlCol="0">
+            <a:spAutoFit/>
+          </a:bodyPr>
+          <a:lstStyle/>
+          <a:p>
+            <a:pPr algn="ctr"/>
+            <a:r>
+              <a:rPr lang="en-US" b="1" dirty="0"/>
+              <a:t>Numeric2Cat</a:t>
+            </a:r>
+          </a:p>
+        </p:txBody>
+      </p:sp>
+      <p:pic>
+        <p:nvPicPr>
+          <p:cNvPr id="3" name="Picture 2" descr="Map&#10;&#10;Description automatically generated">
+            <a:extLst>
+              <a:ext uri="{FF2B5EF4-FFF2-40B4-BE49-F238E27FC236}">
+                <a16:creationId xmlns:a16="http://schemas.microsoft.com/office/drawing/2014/main" id="{3B6F4D65-C9E5-4E0B-BB5A-0DF8509A29C0}"/>
+              </a:ext>
+            </a:extLst>
+          </p:cNvPr>
+          <p:cNvPicPr>
+            <a:picLocks noChangeAspect="1"/>
+          </p:cNvPicPr>
+          <p:nvPr/>
+        </p:nvPicPr>
+        <p:blipFill>
+          <a:blip r:embed="rId2" cstate="print">
+            <a:extLst>
+              <a:ext uri="{28A0092B-C50C-407E-A947-70E740481C1C}">
+                <a14:useLocalDpi xmlns:a14="http://schemas.microsoft.com/office/drawing/2010/main" val="0"/>
+              </a:ext>
+            </a:extLst>
+          </a:blip>
+          <a:stretch>
+            <a:fillRect/>
+          </a:stretch>
+        </p:blipFill>
+        <p:spPr>
+          <a:xfrm>
+            <a:off x="761658" y="1884222"/>
+            <a:ext cx="4661997" cy="2479231"/>
+          </a:xfrm>
+          <a:prstGeom prst="rect">
+            <a:avLst/>
+          </a:prstGeom>
+        </p:spPr>
+      </p:pic>
+      <p:pic>
+        <p:nvPicPr>
+          <p:cNvPr id="8" name="Picture 7" descr="Map&#10;&#10;Description automatically generated">
+            <a:extLst>
+              <a:ext uri="{FF2B5EF4-FFF2-40B4-BE49-F238E27FC236}">
+                <a16:creationId xmlns:a16="http://schemas.microsoft.com/office/drawing/2014/main" id="{7215B5F1-79F3-42C3-B624-349FA1CA4897}"/>
+              </a:ext>
+            </a:extLst>
+          </p:cNvPr>
+          <p:cNvPicPr>
+            <a:picLocks noChangeAspect="1"/>
+          </p:cNvPicPr>
+          <p:nvPr/>
+        </p:nvPicPr>
+        <p:blipFill>
+          <a:blip r:embed="rId3" cstate="print">
+            <a:extLst>
+              <a:ext uri="{28A0092B-C50C-407E-A947-70E740481C1C}">
+                <a14:useLocalDpi xmlns:a14="http://schemas.microsoft.com/office/drawing/2010/main" val="0"/>
+              </a:ext>
+            </a:extLst>
+          </a:blip>
+          <a:stretch>
+            <a:fillRect/>
+          </a:stretch>
+        </p:blipFill>
+        <p:spPr>
+          <a:xfrm>
+            <a:off x="5941833" y="1884222"/>
+            <a:ext cx="5522072" cy="2479231"/>
+          </a:xfrm>
+          <a:prstGeom prst="rect">
+            <a:avLst/>
+          </a:prstGeom>
+        </p:spPr>
+      </p:pic>
+      <p:sp>
+        <p:nvSpPr>
+          <p:cNvPr id="10" name="Rectangle 9">
+            <a:extLst>
+              <a:ext uri="{FF2B5EF4-FFF2-40B4-BE49-F238E27FC236}">
+                <a16:creationId xmlns:a16="http://schemas.microsoft.com/office/drawing/2014/main" id="{89B28590-6D43-4968-A021-CF2493679ADD}"/>
               </a:ext>
             </a:extLst>
           </p:cNvPr>
@@ -14010,8 +14229,8 @@
         </p:nvSpPr>
         <p:spPr>
           <a:xfrm>
-            <a:off x="873016" y="609600"/>
-            <a:ext cx="11014183" cy="5759837"/>
+            <a:off x="409073" y="1608221"/>
+            <a:ext cx="11285621" cy="3104147"/>
           </a:xfrm>
           <a:prstGeom prst="rect">
             <a:avLst/>
@@ -14050,6 +14269,262 @@
           </a:p>
         </p:txBody>
       </p:sp>
+    </p:spTree>
+    <p:extLst>
+      <p:ext uri="{BB962C8B-B14F-4D97-AF65-F5344CB8AC3E}">
+        <p14:creationId xmlns:p14="http://schemas.microsoft.com/office/powerpoint/2010/main" val="859117162"/>
+      </p:ext>
+    </p:extLst>
+  </p:cSld>
+  <p:clrMapOvr>
+    <a:masterClrMapping/>
+  </p:clrMapOvr>
+</p:sld>
+</file>
+
+<file path=ppt/slides/slide41.xml><?xml version="1.0" encoding="utf-8"?>
+<p:sld xmlns:a="http://schemas.openxmlformats.org/drawingml/2006/main" xmlns:r="http://schemas.openxmlformats.org/officeDocument/2006/relationships" xmlns:p="http://schemas.openxmlformats.org/presentationml/2006/main">
+  <p:cSld>
+    <p:spTree>
+      <p:nvGrpSpPr>
+        <p:cNvPr id="1" name=""/>
+        <p:cNvGrpSpPr/>
+        <p:nvPr/>
+      </p:nvGrpSpPr>
+      <p:grpSpPr>
+        <a:xfrm>
+          <a:off x="0" y="0"/>
+          <a:ext cx="0" cy="0"/>
+          <a:chOff x="0" y="0"/>
+          <a:chExt cx="0" cy="0"/>
+        </a:xfrm>
+      </p:grpSpPr>
+      <p:sp>
+        <p:nvSpPr>
+          <p:cNvPr id="7" name="TextBox 6">
+            <a:extLst>
+              <a:ext uri="{FF2B5EF4-FFF2-40B4-BE49-F238E27FC236}">
+                <a16:creationId xmlns:a16="http://schemas.microsoft.com/office/drawing/2014/main" id="{A063DF1C-7DF0-40B4-AC9D-EC918B0CB000}"/>
+              </a:ext>
+            </a:extLst>
+          </p:cNvPr>
+          <p:cNvSpPr txBox="1"/>
+          <p:nvPr/>
+        </p:nvSpPr>
+        <p:spPr>
+          <a:xfrm>
+            <a:off x="192163" y="128664"/>
+            <a:ext cx="3101370" cy="369332"/>
+          </a:xfrm>
+          <a:prstGeom prst="rect">
+            <a:avLst/>
+          </a:prstGeom>
+          <a:noFill/>
+        </p:spPr>
+        <p:txBody>
+          <a:bodyPr wrap="square" rtlCol="0">
+            <a:spAutoFit/>
+          </a:bodyPr>
+          <a:lstStyle/>
+          <a:p>
+            <a:pPr algn="ctr"/>
+            <a:r>
+              <a:rPr lang="en-US" b="1"/>
+              <a:t>GCAM Results Folder</a:t>
+            </a:r>
+          </a:p>
+        </p:txBody>
+      </p:sp>
+      <p:sp>
+        <p:nvSpPr>
+          <p:cNvPr id="39" name="Rectangle 38">
+            <a:extLst>
+              <a:ext uri="{FF2B5EF4-FFF2-40B4-BE49-F238E27FC236}">
+                <a16:creationId xmlns:a16="http://schemas.microsoft.com/office/drawing/2014/main" id="{1FEBA126-27DE-47AE-968F-0A03BC9B58B9}"/>
+              </a:ext>
+            </a:extLst>
+          </p:cNvPr>
+          <p:cNvSpPr/>
+          <p:nvPr/>
+        </p:nvSpPr>
+        <p:spPr>
+          <a:xfrm>
+            <a:off x="4147676" y="2771590"/>
+            <a:ext cx="319668" cy="211816"/>
+          </a:xfrm>
+          <a:prstGeom prst="rect">
+            <a:avLst/>
+          </a:prstGeom>
+          <a:noFill/>
+          <a:ln>
+            <a:noFill/>
+          </a:ln>
+        </p:spPr>
+        <p:style>
+          <a:lnRef idx="2">
+            <a:schemeClr val="accent1">
+              <a:shade val="50000"/>
+            </a:schemeClr>
+          </a:lnRef>
+          <a:fillRef idx="1">
+            <a:schemeClr val="accent1"/>
+          </a:fillRef>
+          <a:effectRef idx="0">
+            <a:schemeClr val="accent1"/>
+          </a:effectRef>
+          <a:fontRef idx="minor">
+            <a:schemeClr val="lt1"/>
+          </a:fontRef>
+        </p:style>
+        <p:txBody>
+          <a:bodyPr rtlCol="0" anchor="ctr"/>
+          <a:lstStyle/>
+          <a:p>
+            <a:pPr algn="ctr"/>
+            <a:endParaRPr lang="en-US"/>
+          </a:p>
+        </p:txBody>
+      </p:sp>
+      <p:sp>
+        <p:nvSpPr>
+          <p:cNvPr id="40" name="Rectangle 39">
+            <a:extLst>
+              <a:ext uri="{FF2B5EF4-FFF2-40B4-BE49-F238E27FC236}">
+                <a16:creationId xmlns:a16="http://schemas.microsoft.com/office/drawing/2014/main" id="{48B99608-FE84-4406-99AA-EAF2D7969384}"/>
+              </a:ext>
+            </a:extLst>
+          </p:cNvPr>
+          <p:cNvSpPr/>
+          <p:nvPr/>
+        </p:nvSpPr>
+        <p:spPr>
+          <a:xfrm>
+            <a:off x="4121494" y="3024011"/>
+            <a:ext cx="319668" cy="211816"/>
+          </a:xfrm>
+          <a:prstGeom prst="rect">
+            <a:avLst/>
+          </a:prstGeom>
+          <a:noFill/>
+          <a:ln>
+            <a:noFill/>
+          </a:ln>
+        </p:spPr>
+        <p:style>
+          <a:lnRef idx="2">
+            <a:schemeClr val="accent1">
+              <a:shade val="50000"/>
+            </a:schemeClr>
+          </a:lnRef>
+          <a:fillRef idx="1">
+            <a:schemeClr val="accent1"/>
+          </a:fillRef>
+          <a:effectRef idx="0">
+            <a:schemeClr val="accent1"/>
+          </a:effectRef>
+          <a:fontRef idx="minor">
+            <a:schemeClr val="lt1"/>
+          </a:fontRef>
+        </p:style>
+        <p:txBody>
+          <a:bodyPr rtlCol="0" anchor="ctr"/>
+          <a:lstStyle/>
+          <a:p>
+            <a:pPr algn="ctr"/>
+            <a:endParaRPr lang="en-US"/>
+          </a:p>
+        </p:txBody>
+      </p:sp>
+      <p:sp>
+        <p:nvSpPr>
+          <p:cNvPr id="41" name="TextBox 40">
+            <a:extLst>
+              <a:ext uri="{FF2B5EF4-FFF2-40B4-BE49-F238E27FC236}">
+                <a16:creationId xmlns:a16="http://schemas.microsoft.com/office/drawing/2014/main" id="{1779615A-615E-4B19-919C-26C953E6E68C}"/>
+              </a:ext>
+            </a:extLst>
+          </p:cNvPr>
+          <p:cNvSpPr txBox="1"/>
+          <p:nvPr/>
+        </p:nvSpPr>
+        <p:spPr>
+          <a:xfrm>
+            <a:off x="1433040" y="1907713"/>
+            <a:ext cx="2066223" cy="369332"/>
+          </a:xfrm>
+          <a:prstGeom prst="rect">
+            <a:avLst/>
+          </a:prstGeom>
+          <a:noFill/>
+        </p:spPr>
+        <p:txBody>
+          <a:bodyPr wrap="square" rtlCol="0">
+            <a:spAutoFit/>
+          </a:bodyPr>
+          <a:lstStyle/>
+          <a:p>
+            <a:pPr algn="ctr"/>
+            <a:r>
+              <a:rPr lang="en-US" dirty="0"/>
+              <a:t>Working Dir: </a:t>
+            </a:r>
+          </a:p>
+        </p:txBody>
+      </p:sp>
+      <p:sp>
+        <p:nvSpPr>
+          <p:cNvPr id="42" name="Rectangle 41">
+            <a:extLst>
+              <a:ext uri="{FF2B5EF4-FFF2-40B4-BE49-F238E27FC236}">
+                <a16:creationId xmlns:a16="http://schemas.microsoft.com/office/drawing/2014/main" id="{6CF596FB-C3D1-4A12-97A0-6930D20FD8C7}"/>
+              </a:ext>
+            </a:extLst>
+          </p:cNvPr>
+          <p:cNvSpPr/>
+          <p:nvPr/>
+        </p:nvSpPr>
+        <p:spPr>
+          <a:xfrm>
+            <a:off x="873016" y="1275572"/>
+            <a:ext cx="9564763" cy="5358692"/>
+          </a:xfrm>
+          <a:prstGeom prst="rect">
+            <a:avLst/>
+          </a:prstGeom>
+          <a:noFill/>
+          <a:ln>
+            <a:solidFill>
+              <a:schemeClr val="bg1">
+                <a:lumMod val="65000"/>
+              </a:schemeClr>
+            </a:solidFill>
+          </a:ln>
+        </p:spPr>
+        <p:style>
+          <a:lnRef idx="2">
+            <a:schemeClr val="accent1">
+              <a:shade val="50000"/>
+            </a:schemeClr>
+          </a:lnRef>
+          <a:fillRef idx="1">
+            <a:schemeClr val="accent1"/>
+          </a:fillRef>
+          <a:effectRef idx="0">
+            <a:schemeClr val="accent1"/>
+          </a:effectRef>
+          <a:fontRef idx="minor">
+            <a:schemeClr val="lt1"/>
+          </a:fontRef>
+        </p:style>
+        <p:txBody>
+          <a:bodyPr rtlCol="0" anchor="ctr"/>
+          <a:lstStyle/>
+          <a:p>
+            <a:pPr algn="ctr"/>
+            <a:endParaRPr lang="en-US"/>
+          </a:p>
+        </p:txBody>
+      </p:sp>
       <p:grpSp>
         <p:nvGrpSpPr>
           <p:cNvPr id="4" name="Group 3">
@@ -14064,7 +14539,7 @@
         </p:nvGrpSpPr>
         <p:grpSpPr>
           <a:xfrm>
-            <a:off x="9066957" y="1632743"/>
+            <a:off x="5847092" y="1632743"/>
             <a:ext cx="2190959" cy="1192711"/>
             <a:chOff x="7654084" y="1134688"/>
             <a:chExt cx="2190959" cy="1192711"/>
@@ -14085,7 +14560,7 @@
             <p:nvPr/>
           </p:nvPicPr>
           <p:blipFill>
-            <a:blip r:embed="rId3"/>
+            <a:blip r:embed="rId2"/>
             <a:stretch>
               <a:fillRect/>
             </a:stretch>
@@ -14169,7 +14644,7 @@
         </p:nvSpPr>
         <p:spPr>
           <a:xfrm>
-            <a:off x="8899033" y="1275572"/>
+            <a:off x="5679168" y="1275572"/>
             <a:ext cx="2066223" cy="369332"/>
           </a:xfrm>
           <a:prstGeom prst="rect">
@@ -14209,10 +14684,10 @@
         </p:nvGrpSpPr>
         <p:grpSpPr>
           <a:xfrm>
-            <a:off x="5938067" y="3122478"/>
-            <a:ext cx="3954072" cy="3143174"/>
-            <a:chOff x="4441162" y="2732004"/>
-            <a:chExt cx="3954072" cy="3143174"/>
+            <a:off x="5938067" y="3151659"/>
+            <a:ext cx="3954072" cy="3415554"/>
+            <a:chOff x="4441162" y="2770913"/>
+            <a:chExt cx="3954072" cy="3415554"/>
           </a:xfrm>
         </p:grpSpPr>
         <p:pic>
@@ -14230,14 +14705,14 @@
             <p:nvPr/>
           </p:nvPicPr>
           <p:blipFill>
-            <a:blip r:embed="rId4"/>
+            <a:blip r:embed="rId3"/>
             <a:stretch>
               <a:fillRect/>
             </a:stretch>
           </p:blipFill>
           <p:spPr>
             <a:xfrm>
-              <a:off x="4467344" y="3131752"/>
+              <a:off x="4467344" y="3443041"/>
               <a:ext cx="3927890" cy="2743426"/>
             </a:xfrm>
             <a:prstGeom prst="rect">
@@ -14259,8 +14734,8 @@
           </p:nvSpPr>
           <p:spPr>
             <a:xfrm>
-              <a:off x="4441162" y="3064705"/>
-              <a:ext cx="3927890" cy="2743424"/>
+              <a:off x="4441162" y="3138551"/>
+              <a:ext cx="3927890" cy="2978778"/>
             </a:xfrm>
             <a:prstGeom prst="rect">
               <a:avLst/>
@@ -14313,7 +14788,7 @@
           </p:nvSpPr>
           <p:spPr>
             <a:xfrm>
-              <a:off x="4835612" y="2732004"/>
+              <a:off x="4837481" y="2770913"/>
               <a:ext cx="3187616" cy="369332"/>
             </a:xfrm>
             <a:prstGeom prst="rect">
@@ -14329,7 +14804,7 @@
             <a:p>
               <a:pPr algn="ctr"/>
               <a:r>
-                <a:rPr lang="en-US">
+                <a:rPr lang="en-US" dirty="0">
                   <a:solidFill>
                     <a:srgbClr val="C00000"/>
                   </a:solidFill>
@@ -14355,41 +14830,11 @@
         <p:grpSpPr>
           <a:xfrm>
             <a:off x="2103063" y="3815567"/>
-            <a:ext cx="2204447" cy="1799201"/>
+            <a:ext cx="2525936" cy="2050211"/>
             <a:chOff x="1555904" y="3302331"/>
-            <a:chExt cx="2204447" cy="1799201"/>
+            <a:chExt cx="2525936" cy="2050211"/>
           </a:xfrm>
         </p:grpSpPr>
-        <p:pic>
-          <p:nvPicPr>
-            <p:cNvPr id="47" name="Picture 46">
-              <a:extLst>
-                <a:ext uri="{FF2B5EF4-FFF2-40B4-BE49-F238E27FC236}">
-                  <a16:creationId xmlns:a16="http://schemas.microsoft.com/office/drawing/2014/main" id="{175DCC27-09C9-4911-89D5-5D6E61FEE6EF}"/>
-                </a:ext>
-              </a:extLst>
-            </p:cNvPr>
-            <p:cNvPicPr>
-              <a:picLocks noChangeAspect="1"/>
-            </p:cNvPicPr>
-            <p:nvPr/>
-          </p:nvPicPr>
-          <p:blipFill>
-            <a:blip r:embed="rId5"/>
-            <a:stretch>
-              <a:fillRect/>
-            </a:stretch>
-          </p:blipFill>
-          <p:spPr>
-            <a:xfrm>
-              <a:off x="1598083" y="3643823"/>
-              <a:ext cx="2162268" cy="1457709"/>
-            </a:xfrm>
-            <a:prstGeom prst="rect">
-              <a:avLst/>
-            </a:prstGeom>
-          </p:spPr>
-        </p:pic>
         <p:sp>
           <p:nvSpPr>
             <p:cNvPr id="48" name="Rectangle 47">
@@ -14404,8 +14849,8 @@
           </p:nvSpPr>
           <p:spPr>
             <a:xfrm>
-              <a:off x="1555904" y="3643822"/>
-              <a:ext cx="2162268" cy="1457710"/>
+              <a:off x="1555904" y="3643821"/>
+              <a:ext cx="2525936" cy="1708721"/>
             </a:xfrm>
             <a:prstGeom prst="rect">
               <a:avLst/>
@@ -14503,12 +14948,12 @@
         </p:nvCxnSpPr>
         <p:spPr>
           <a:xfrm rot="5400000">
-            <a:off x="6162249" y="-184622"/>
-            <a:ext cx="990113" cy="7010265"/>
+            <a:off x="4552316" y="1425310"/>
+            <a:ext cx="990113" cy="3790400"/>
           </a:xfrm>
           <a:prstGeom prst="bentConnector3">
             <a:avLst>
-              <a:gd name="adj1" fmla="val 17230"/>
+              <a:gd name="adj1" fmla="val 22490"/>
             </a:avLst>
           </a:prstGeom>
           <a:ln>
@@ -14541,14 +14986,13 @@
           </p:cNvPr>
           <p:cNvCxnSpPr>
             <a:cxnSpLocks/>
-            <a:stCxn id="47" idx="3"/>
             <a:endCxn id="3" idx="1"/>
           </p:cNvCxnSpPr>
           <p:nvPr/>
         </p:nvCxnSpPr>
         <p:spPr>
           <a:xfrm>
-            <a:off x="4307510" y="4885914"/>
+            <a:off x="4307510" y="5187475"/>
             <a:ext cx="1656739" cy="8025"/>
           </a:xfrm>
           <a:prstGeom prst="line">
@@ -14575,151 +15019,6 @@
       </p:cxnSp>
       <p:grpSp>
         <p:nvGrpSpPr>
-          <p:cNvPr id="6" name="Group 5">
-            <a:extLst>
-              <a:ext uri="{FF2B5EF4-FFF2-40B4-BE49-F238E27FC236}">
-                <a16:creationId xmlns:a16="http://schemas.microsoft.com/office/drawing/2014/main" id="{CF3F9385-005B-463F-A553-3023EA895F3C}"/>
-              </a:ext>
-            </a:extLst>
-          </p:cNvPr>
-          <p:cNvGrpSpPr/>
-          <p:nvPr/>
-        </p:nvGrpSpPr>
-        <p:grpSpPr>
-          <a:xfrm>
-            <a:off x="6598670" y="1428901"/>
-            <a:ext cx="2066223" cy="1224361"/>
-            <a:chOff x="6598670" y="1428901"/>
-            <a:chExt cx="2066223" cy="1224361"/>
-          </a:xfrm>
-        </p:grpSpPr>
-        <p:pic>
-          <p:nvPicPr>
-            <p:cNvPr id="5" name="Picture 4">
-              <a:extLst>
-                <a:ext uri="{FF2B5EF4-FFF2-40B4-BE49-F238E27FC236}">
-                  <a16:creationId xmlns:a16="http://schemas.microsoft.com/office/drawing/2014/main" id="{72581B72-2F69-45F8-8953-C82F782E9EFF}"/>
-                </a:ext>
-              </a:extLst>
-            </p:cNvPr>
-            <p:cNvPicPr>
-              <a:picLocks noChangeAspect="1"/>
-            </p:cNvPicPr>
-            <p:nvPr/>
-          </p:nvPicPr>
-          <p:blipFill>
-            <a:blip r:embed="rId6"/>
-            <a:stretch>
-              <a:fillRect/>
-            </a:stretch>
-          </p:blipFill>
-          <p:spPr>
-            <a:xfrm>
-              <a:off x="6859711" y="1881966"/>
-              <a:ext cx="1601517" cy="740095"/>
-            </a:xfrm>
-            <a:prstGeom prst="rect">
-              <a:avLst/>
-            </a:prstGeom>
-          </p:spPr>
-        </p:pic>
-        <p:sp>
-          <p:nvSpPr>
-            <p:cNvPr id="64" name="Rectangle 63">
-              <a:extLst>
-                <a:ext uri="{FF2B5EF4-FFF2-40B4-BE49-F238E27FC236}">
-                  <a16:creationId xmlns:a16="http://schemas.microsoft.com/office/drawing/2014/main" id="{7C6293DD-4921-436F-B347-57A1BD241D4F}"/>
-                </a:ext>
-              </a:extLst>
-            </p:cNvPr>
-            <p:cNvSpPr/>
-            <p:nvPr/>
-          </p:nvSpPr>
-          <p:spPr>
-            <a:xfrm>
-              <a:off x="6813940" y="1808787"/>
-              <a:ext cx="1635681" cy="844475"/>
-            </a:xfrm>
-            <a:prstGeom prst="rect">
-              <a:avLst/>
-            </a:prstGeom>
-            <a:noFill/>
-            <a:ln>
-              <a:solidFill>
-                <a:schemeClr val="bg1">
-                  <a:lumMod val="65000"/>
-                </a:schemeClr>
-              </a:solidFill>
-            </a:ln>
-          </p:spPr>
-          <p:style>
-            <a:lnRef idx="2">
-              <a:schemeClr val="accent1">
-                <a:shade val="50000"/>
-              </a:schemeClr>
-            </a:lnRef>
-            <a:fillRef idx="1">
-              <a:schemeClr val="accent1"/>
-            </a:fillRef>
-            <a:effectRef idx="0">
-              <a:schemeClr val="accent1"/>
-            </a:effectRef>
-            <a:fontRef idx="minor">
-              <a:schemeClr val="lt1"/>
-            </a:fontRef>
-          </p:style>
-          <p:txBody>
-            <a:bodyPr rtlCol="0" anchor="ctr"/>
-            <a:lstStyle/>
-            <a:p>
-              <a:pPr algn="ctr"/>
-              <a:endParaRPr lang="en-US"/>
-            </a:p>
-          </p:txBody>
-        </p:sp>
-        <p:sp>
-          <p:nvSpPr>
-            <p:cNvPr id="66" name="TextBox 65">
-              <a:extLst>
-                <a:ext uri="{FF2B5EF4-FFF2-40B4-BE49-F238E27FC236}">
-                  <a16:creationId xmlns:a16="http://schemas.microsoft.com/office/drawing/2014/main" id="{E717E439-AE87-400F-A3B2-2B2F8B3EE115}"/>
-                </a:ext>
-              </a:extLst>
-            </p:cNvPr>
-            <p:cNvSpPr txBox="1"/>
-            <p:nvPr/>
-          </p:nvSpPr>
-          <p:spPr>
-            <a:xfrm>
-              <a:off x="6598670" y="1428901"/>
-              <a:ext cx="2066223" cy="369332"/>
-            </a:xfrm>
-            <a:prstGeom prst="rect">
-              <a:avLst/>
-            </a:prstGeom>
-            <a:noFill/>
-          </p:spPr>
-          <p:txBody>
-            <a:bodyPr wrap="square" rtlCol="0">
-              <a:spAutoFit/>
-            </a:bodyPr>
-            <a:lstStyle/>
-            <a:p>
-              <a:pPr algn="ctr"/>
-              <a:r>
-                <a:rPr lang="en-US">
-                  <a:solidFill>
-                    <a:srgbClr val="C00000"/>
-                  </a:solidFill>
-                </a:rPr>
-                <a:t>subRegType</a:t>
-              </a:r>
-            </a:p>
-          </p:txBody>
-        </p:sp>
-      </p:grpSp>
-      <p:grpSp>
-        <p:nvGrpSpPr>
           <p:cNvPr id="71" name="Group 70">
             <a:extLst>
               <a:ext uri="{FF2B5EF4-FFF2-40B4-BE49-F238E27FC236}">
@@ -14753,7 +15052,7 @@
             <p:nvPr/>
           </p:nvPicPr>
           <p:blipFill>
-            <a:blip r:embed="rId7"/>
+            <a:blip r:embed="rId4"/>
             <a:stretch>
               <a:fillRect/>
             </a:stretch>
@@ -14865,10 +15164,10 @@
       </p:sp>
       <p:cxnSp>
         <p:nvCxnSpPr>
-          <p:cNvPr id="74" name="Straight Connector 73">
-            <a:extLst>
-              <a:ext uri="{FF2B5EF4-FFF2-40B4-BE49-F238E27FC236}">
-                <a16:creationId xmlns:a16="http://schemas.microsoft.com/office/drawing/2014/main" id="{8602651A-7B76-4745-8B1F-59A7486B9C69}"/>
+          <p:cNvPr id="75" name="Straight Connector 74">
+            <a:extLst>
+              <a:ext uri="{FF2B5EF4-FFF2-40B4-BE49-F238E27FC236}">
+                <a16:creationId xmlns:a16="http://schemas.microsoft.com/office/drawing/2014/main" id="{0F682D75-FDC6-4E20-9F8B-ADFA453DC08E}"/>
               </a:ext>
             </a:extLst>
           </p:cNvPr>
@@ -14879,7 +15178,7 @@
         </p:nvCxnSpPr>
         <p:spPr>
           <a:xfrm>
-            <a:off x="5273048" y="2197085"/>
+            <a:off x="5349896" y="2192115"/>
             <a:ext cx="329272" cy="0"/>
           </a:xfrm>
           <a:prstGeom prst="line">
@@ -14904,1906 +15203,70 @@
           </a:fontRef>
         </p:style>
       </p:cxnSp>
-      <p:cxnSp>
-        <p:nvCxnSpPr>
-          <p:cNvPr id="75" name="Straight Connector 74">
-            <a:extLst>
-              <a:ext uri="{FF2B5EF4-FFF2-40B4-BE49-F238E27FC236}">
-                <a16:creationId xmlns:a16="http://schemas.microsoft.com/office/drawing/2014/main" id="{0F682D75-FDC6-4E20-9F8B-ADFA453DC08E}"/>
-              </a:ext>
-            </a:extLst>
-          </p:cNvPr>
-          <p:cNvCxnSpPr>
-            <a:cxnSpLocks/>
-          </p:cNvCxnSpPr>
-          <p:nvPr/>
-        </p:nvCxnSpPr>
-        <p:spPr>
-          <a:xfrm>
-            <a:off x="8569761" y="2192115"/>
-            <a:ext cx="329272" cy="0"/>
-          </a:xfrm>
-          <a:prstGeom prst="line">
-            <a:avLst/>
-          </a:prstGeom>
-          <a:ln>
-            <a:tailEnd type="triangle" w="lg" len="lg"/>
-          </a:ln>
-        </p:spPr>
-        <p:style>
-          <a:lnRef idx="1">
-            <a:schemeClr val="dk1"/>
-          </a:lnRef>
-          <a:fillRef idx="0">
-            <a:schemeClr val="dk1"/>
-          </a:fillRef>
-          <a:effectRef idx="0">
-            <a:schemeClr val="dk1"/>
-          </a:effectRef>
-          <a:fontRef idx="minor">
-            <a:schemeClr val="tx1"/>
-          </a:fontRef>
-        </p:style>
-      </p:cxnSp>
-      <p:sp>
-        <p:nvSpPr>
-          <p:cNvPr id="78" name="TextBox 77">
-            <a:extLst>
-              <a:ext uri="{FF2B5EF4-FFF2-40B4-BE49-F238E27FC236}">
-                <a16:creationId xmlns:a16="http://schemas.microsoft.com/office/drawing/2014/main" id="{58DD7A67-DA53-4E27-850B-8B1000104609}"/>
-              </a:ext>
-            </a:extLst>
-          </p:cNvPr>
-          <p:cNvSpPr txBox="1"/>
-          <p:nvPr/>
-        </p:nvSpPr>
-        <p:spPr>
-          <a:xfrm>
-            <a:off x="2657321" y="716818"/>
-            <a:ext cx="8291383" cy="369332"/>
+      <p:pic>
+        <p:nvPicPr>
+          <p:cNvPr id="9" name="Picture 8">
+            <a:extLst>
+              <a:ext uri="{FF2B5EF4-FFF2-40B4-BE49-F238E27FC236}">
+                <a16:creationId xmlns:a16="http://schemas.microsoft.com/office/drawing/2014/main" id="{F590B1F7-BB1E-48E9-B2AE-529D77CE21DA}"/>
+              </a:ext>
+            </a:extLst>
+          </p:cNvPr>
+          <p:cNvPicPr>
+            <a:picLocks noChangeAspect="1"/>
+          </p:cNvPicPr>
+          <p:nvPr/>
+        </p:nvPicPr>
+        <p:blipFill>
+          <a:blip r:embed="rId5"/>
+          <a:stretch>
+            <a:fillRect/>
+          </a:stretch>
+        </p:blipFill>
+        <p:spPr>
+          <a:xfrm>
+            <a:off x="2156667" y="4273882"/>
+            <a:ext cx="2472332" cy="1591897"/>
           </a:xfrm>
           <a:prstGeom prst="rect">
             <a:avLst/>
           </a:prstGeom>
-          <a:noFill/>
-        </p:spPr>
-        <p:txBody>
-          <a:bodyPr wrap="square" rtlCol="0">
-            <a:spAutoFit/>
-          </a:bodyPr>
-          <a:lstStyle/>
-          <a:p>
-            <a:pPr algn="ctr"/>
-            <a:r>
-              <a:rPr lang="en-US" b="1"/>
-              <a:t>Note: Folders created automatically for each unique </a:t>
-            </a:r>
-            <a:r>
-              <a:rPr lang="en-US">
-                <a:solidFill>
-                  <a:srgbClr val="C00000"/>
-                </a:solidFill>
-              </a:rPr>
-              <a:t>subRegType, param, scenario</a:t>
-            </a:r>
-          </a:p>
-        </p:txBody>
-      </p:sp>
+        </p:spPr>
+      </p:pic>
+      <p:pic>
+        <p:nvPicPr>
+          <p:cNvPr id="10" name="Picture 9">
+            <a:extLst>
+              <a:ext uri="{FF2B5EF4-FFF2-40B4-BE49-F238E27FC236}">
+                <a16:creationId xmlns:a16="http://schemas.microsoft.com/office/drawing/2014/main" id="{435C95E1-31B6-475D-BA2F-398056B24BF9}"/>
+              </a:ext>
+            </a:extLst>
+          </p:cNvPr>
+          <p:cNvPicPr>
+            <a:picLocks noChangeAspect="1"/>
+          </p:cNvPicPr>
+          <p:nvPr/>
+        </p:nvPicPr>
+        <p:blipFill>
+          <a:blip r:embed="rId6"/>
+          <a:stretch>
+            <a:fillRect/>
+          </a:stretch>
+        </p:blipFill>
+        <p:spPr>
+          <a:xfrm>
+            <a:off x="6003248" y="3576169"/>
+            <a:ext cx="796386" cy="318554"/>
+          </a:xfrm>
+          <a:prstGeom prst="rect">
+            <a:avLst/>
+          </a:prstGeom>
+        </p:spPr>
+      </p:pic>
     </p:spTree>
     <p:extLst>
       <p:ext uri="{BB962C8B-B14F-4D97-AF65-F5344CB8AC3E}">
         <p14:creationId xmlns:p14="http://schemas.microsoft.com/office/powerpoint/2010/main" val="1048377473"/>
-      </p:ext>
-    </p:extLst>
-  </p:cSld>
-  <p:clrMapOvr>
-    <a:masterClrMapping/>
-  </p:clrMapOvr>
-</p:sld>
-</file>
-
-<file path=ppt/slides/slide4.xml><?xml version="1.0" encoding="utf-8"?>
-<p:sld xmlns:a="http://schemas.openxmlformats.org/drawingml/2006/main" xmlns:r="http://schemas.openxmlformats.org/officeDocument/2006/relationships" xmlns:p="http://schemas.openxmlformats.org/presentationml/2006/main">
-  <p:cSld>
-    <p:spTree>
-      <p:nvGrpSpPr>
-        <p:cNvPr id="1" name=""/>
-        <p:cNvGrpSpPr/>
-        <p:nvPr/>
-      </p:nvGrpSpPr>
-      <p:grpSpPr>
-        <a:xfrm>
-          <a:off x="0" y="0"/>
-          <a:ext cx="0" cy="0"/>
-          <a:chOff x="0" y="0"/>
-          <a:chExt cx="0" cy="0"/>
-        </a:xfrm>
-      </p:grpSpPr>
-      <p:sp>
-        <p:nvSpPr>
-          <p:cNvPr id="6" name="TextBox 5">
-            <a:extLst>
-              <a:ext uri="{FF2B5EF4-FFF2-40B4-BE49-F238E27FC236}">
-                <a16:creationId xmlns:a16="http://schemas.microsoft.com/office/drawing/2014/main" id="{770E9E06-5F46-4A20-920E-2473B2FB3AF0}"/>
-              </a:ext>
-            </a:extLst>
-          </p:cNvPr>
-          <p:cNvSpPr txBox="1"/>
-          <p:nvPr/>
-        </p:nvSpPr>
-        <p:spPr>
-          <a:xfrm>
-            <a:off x="677207" y="522579"/>
-            <a:ext cx="2216370" cy="4429995"/>
-          </a:xfrm>
-          <a:prstGeom prst="rect">
-            <a:avLst/>
-          </a:prstGeom>
-          <a:noFill/>
-        </p:spPr>
-        <p:txBody>
-          <a:bodyPr wrap="square" rtlCol="0">
-            <a:spAutoFit/>
-          </a:bodyPr>
-          <a:lstStyle>
-            <a:defPPr>
-              <a:defRPr lang="en-US"/>
-            </a:defPPr>
-            <a:lvl1pPr>
-              <a:lnSpc>
-                <a:spcPct val="150000"/>
-              </a:lnSpc>
-              <a:defRPr sz="900">
-                <a:latin typeface="Consolas" panose="020B0609020204030204" pitchFamily="49" charset="0"/>
-              </a:defRPr>
-            </a:lvl1pPr>
-          </a:lstStyle>
-          <a:p>
-            <a:pPr algn="ctr"/>
-            <a:r>
-              <a:rPr lang="en-US" altLang="en-US" sz="1050" b="1" u="sng">
-                <a:latin typeface="+mn-lt"/>
-              </a:rPr>
-              <a:t>electricity</a:t>
-            </a:r>
-          </a:p>
-          <a:p>
-            <a:pPr marL="171450" indent="-171450">
-              <a:buFont typeface="Arial" panose="020B0604020202020204" pitchFamily="34" charset="0"/>
-              <a:buChar char="•"/>
-            </a:pPr>
-            <a:r>
-              <a:rPr lang="en-US" altLang="en-US" sz="1050">
-                <a:latin typeface="+mn-lt"/>
-              </a:rPr>
-              <a:t>elecByTechTWh</a:t>
-            </a:r>
-          </a:p>
-          <a:p>
-            <a:pPr marL="171450" indent="-171450">
-              <a:buFont typeface="Arial" panose="020B0604020202020204" pitchFamily="34" charset="0"/>
-              <a:buChar char="•"/>
-            </a:pPr>
-            <a:r>
-              <a:rPr lang="en-US" altLang="en-US" sz="1050">
-                <a:latin typeface="+mn-lt"/>
-              </a:rPr>
-              <a:t>elecCapByFuel</a:t>
-            </a:r>
-          </a:p>
-          <a:p>
-            <a:pPr marL="171450" indent="-171450">
-              <a:buFont typeface="Arial" panose="020B0604020202020204" pitchFamily="34" charset="0"/>
-              <a:buChar char="•"/>
-            </a:pPr>
-            <a:r>
-              <a:rPr lang="en-US" altLang="en-US" sz="1050">
-                <a:latin typeface="+mn-lt"/>
-              </a:rPr>
-              <a:t>elecFinalBySecTWh</a:t>
-            </a:r>
-          </a:p>
-          <a:p>
-            <a:pPr marL="171450" indent="-171450">
-              <a:buFont typeface="Arial" panose="020B0604020202020204" pitchFamily="34" charset="0"/>
-              <a:buChar char="•"/>
-            </a:pPr>
-            <a:r>
-              <a:rPr lang="en-US" altLang="en-US" sz="1050">
-                <a:latin typeface="+mn-lt"/>
-              </a:rPr>
-              <a:t>elecFinalByFuelTWh</a:t>
-            </a:r>
-          </a:p>
-          <a:p>
-            <a:pPr marL="171450" indent="-171450">
-              <a:buFont typeface="Arial" panose="020B0604020202020204" pitchFamily="34" charset="0"/>
-              <a:buChar char="•"/>
-            </a:pPr>
-            <a:r>
-              <a:rPr lang="en-US" altLang="en-US" sz="1050">
-                <a:latin typeface="+mn-lt"/>
-              </a:rPr>
-              <a:t>elecNewCapCost</a:t>
-            </a:r>
-          </a:p>
-          <a:p>
-            <a:pPr marL="171450" indent="-171450">
-              <a:buFont typeface="Arial" panose="020B0604020202020204" pitchFamily="34" charset="0"/>
-              <a:buChar char="•"/>
-            </a:pPr>
-            <a:r>
-              <a:rPr lang="en-US" altLang="en-US" sz="1050">
-                <a:latin typeface="+mn-lt"/>
-              </a:rPr>
-              <a:t>elecNewCapGW</a:t>
-            </a:r>
-          </a:p>
-          <a:p>
-            <a:pPr marL="171450" indent="-171450">
-              <a:buFont typeface="Arial" panose="020B0604020202020204" pitchFamily="34" charset="0"/>
-              <a:buChar char="•"/>
-            </a:pPr>
-            <a:r>
-              <a:rPr lang="en-US" altLang="en-US" sz="1050">
-                <a:latin typeface="+mn-lt"/>
-              </a:rPr>
-              <a:t>elecAnnualRetPrematureCost</a:t>
-            </a:r>
-          </a:p>
-          <a:p>
-            <a:pPr marL="171450" indent="-171450">
-              <a:buFont typeface="Arial" panose="020B0604020202020204" pitchFamily="34" charset="0"/>
-              <a:buChar char="•"/>
-            </a:pPr>
-            <a:r>
-              <a:rPr lang="en-US" altLang="en-US" sz="1050">
-                <a:latin typeface="+mn-lt"/>
-              </a:rPr>
-              <a:t>elecAnnualRetPrematureGW</a:t>
-            </a:r>
-          </a:p>
-          <a:p>
-            <a:pPr marL="171450" indent="-171450">
-              <a:buFont typeface="Arial" panose="020B0604020202020204" pitchFamily="34" charset="0"/>
-              <a:buChar char="•"/>
-            </a:pPr>
-            <a:r>
-              <a:rPr lang="en-US" altLang="en-US" sz="1050">
-                <a:latin typeface="+mn-lt"/>
-              </a:rPr>
-              <a:t>elecCumCapCost</a:t>
-            </a:r>
-          </a:p>
-          <a:p>
-            <a:pPr marL="171450" indent="-171450">
-              <a:buFont typeface="Arial" panose="020B0604020202020204" pitchFamily="34" charset="0"/>
-              <a:buChar char="•"/>
-            </a:pPr>
-            <a:r>
-              <a:rPr lang="en-US" altLang="en-US" sz="1050">
-                <a:latin typeface="+mn-lt"/>
-              </a:rPr>
-              <a:t>elecCumCapGW</a:t>
-            </a:r>
-          </a:p>
-          <a:p>
-            <a:pPr marL="171450" indent="-171450">
-              <a:buFont typeface="Arial" panose="020B0604020202020204" pitchFamily="34" charset="0"/>
-              <a:buChar char="•"/>
-            </a:pPr>
-            <a:r>
-              <a:rPr lang="en-US" altLang="en-US" sz="1050">
-                <a:latin typeface="+mn-lt"/>
-              </a:rPr>
-              <a:t>elecCumRetPrematureCost</a:t>
-            </a:r>
-          </a:p>
-          <a:p>
-            <a:pPr marL="171450" indent="-171450">
-              <a:buFont typeface="Arial" panose="020B0604020202020204" pitchFamily="34" charset="0"/>
-              <a:buChar char="•"/>
-            </a:pPr>
-            <a:r>
-              <a:rPr lang="en-US" altLang="en-US" sz="1050">
-                <a:latin typeface="+mn-lt"/>
-              </a:rPr>
-              <a:t>elecCumRetPrematureGW</a:t>
-            </a:r>
-          </a:p>
-          <a:p>
-            <a:pPr algn="ctr"/>
-            <a:r>
-              <a:rPr lang="en-US" altLang="en-US" sz="1050" b="1" u="sng">
-                <a:latin typeface="+mn-lt"/>
-              </a:rPr>
-              <a:t>transport</a:t>
-            </a:r>
-          </a:p>
-          <a:p>
-            <a:pPr marL="171450" indent="-171450">
-              <a:buFont typeface="Arial" panose="020B0604020202020204" pitchFamily="34" charset="0"/>
-              <a:buChar char="•"/>
-            </a:pPr>
-            <a:r>
-              <a:rPr lang="en-US" altLang="en-US" sz="1050">
-                <a:latin typeface="+mn-lt"/>
-              </a:rPr>
-              <a:t>transportPassengerVMTByMode</a:t>
-            </a:r>
-          </a:p>
-          <a:p>
-            <a:pPr marL="171450" indent="-171450">
-              <a:buFont typeface="Arial" panose="020B0604020202020204" pitchFamily="34" charset="0"/>
-              <a:buChar char="•"/>
-            </a:pPr>
-            <a:r>
-              <a:rPr lang="en-US" altLang="en-US" sz="1050">
-                <a:latin typeface="+mn-lt"/>
-              </a:rPr>
-              <a:t>transportFreightVMTByMode</a:t>
-            </a:r>
-          </a:p>
-          <a:p>
-            <a:pPr marL="171450" indent="-171450">
-              <a:buFont typeface="Arial" panose="020B0604020202020204" pitchFamily="34" charset="0"/>
-              <a:buChar char="•"/>
-            </a:pPr>
-            <a:r>
-              <a:rPr lang="en-US" altLang="en-US" sz="1050">
-                <a:latin typeface="+mn-lt"/>
-              </a:rPr>
-              <a:t>transportPassengerVMTByFuel</a:t>
-            </a:r>
-          </a:p>
-          <a:p>
-            <a:pPr marL="171450" indent="-171450">
-              <a:buFont typeface="Arial" panose="020B0604020202020204" pitchFamily="34" charset="0"/>
-              <a:buChar char="•"/>
-            </a:pPr>
-            <a:r>
-              <a:rPr lang="en-US" altLang="en-US" sz="1050">
-                <a:latin typeface="+mn-lt"/>
-              </a:rPr>
-              <a:t>transportFreightVMTByFuel</a:t>
-            </a:r>
-          </a:p>
-        </p:txBody>
-      </p:sp>
-      <p:sp>
-        <p:nvSpPr>
-          <p:cNvPr id="7" name="TextBox 6">
-            <a:extLst>
-              <a:ext uri="{FF2B5EF4-FFF2-40B4-BE49-F238E27FC236}">
-                <a16:creationId xmlns:a16="http://schemas.microsoft.com/office/drawing/2014/main" id="{08849C20-7534-4CC1-AE72-789DE7D498D4}"/>
-              </a:ext>
-            </a:extLst>
-          </p:cNvPr>
-          <p:cNvSpPr txBox="1"/>
-          <p:nvPr/>
-        </p:nvSpPr>
-        <p:spPr>
-          <a:xfrm>
-            <a:off x="3772467" y="522579"/>
-            <a:ext cx="2216370" cy="5884240"/>
-          </a:xfrm>
-          <a:prstGeom prst="rect">
-            <a:avLst/>
-          </a:prstGeom>
-          <a:noFill/>
-        </p:spPr>
-        <p:txBody>
-          <a:bodyPr wrap="square" rtlCol="0">
-            <a:spAutoFit/>
-          </a:bodyPr>
-          <a:lstStyle>
-            <a:defPPr>
-              <a:defRPr lang="en-US"/>
-            </a:defPPr>
-            <a:lvl1pPr>
-              <a:lnSpc>
-                <a:spcPct val="150000"/>
-              </a:lnSpc>
-              <a:defRPr sz="900">
-                <a:latin typeface="Consolas" panose="020B0609020204030204" pitchFamily="49" charset="0"/>
-              </a:defRPr>
-            </a:lvl1pPr>
-          </a:lstStyle>
-          <a:p>
-            <a:pPr algn="ctr"/>
-            <a:r>
-              <a:rPr lang="en-US" altLang="en-US" sz="1050" b="1" u="sng">
-                <a:latin typeface="+mn-lt"/>
-              </a:rPr>
-              <a:t>socioecon</a:t>
-            </a:r>
-          </a:p>
-          <a:p>
-            <a:pPr marL="171450" indent="-171450">
-              <a:buFont typeface="Arial" panose="020B0604020202020204" pitchFamily="34" charset="0"/>
-              <a:buChar char="•"/>
-            </a:pPr>
-            <a:r>
-              <a:rPr lang="en-US" altLang="en-US" sz="1050">
-                <a:latin typeface="+mn-lt"/>
-              </a:rPr>
-              <a:t>gdpPerCapita</a:t>
-            </a:r>
-          </a:p>
-          <a:p>
-            <a:pPr marL="171450" indent="-171450">
-              <a:buFont typeface="Arial" panose="020B0604020202020204" pitchFamily="34" charset="0"/>
-              <a:buChar char="•"/>
-            </a:pPr>
-            <a:r>
-              <a:rPr lang="en-US" altLang="en-US" sz="1050">
-                <a:latin typeface="+mn-lt"/>
-              </a:rPr>
-              <a:t>gdp</a:t>
-            </a:r>
-          </a:p>
-          <a:p>
-            <a:pPr marL="171450" indent="-171450">
-              <a:buFont typeface="Arial" panose="020B0604020202020204" pitchFamily="34" charset="0"/>
-              <a:buChar char="•"/>
-            </a:pPr>
-            <a:r>
-              <a:rPr lang="en-US" altLang="en-US" sz="1050">
-                <a:latin typeface="+mn-lt"/>
-              </a:rPr>
-              <a:t>gdpGrowthRate</a:t>
-            </a:r>
-          </a:p>
-          <a:p>
-            <a:pPr marL="171450" indent="-171450">
-              <a:buFont typeface="Arial" panose="020B0604020202020204" pitchFamily="34" charset="0"/>
-              <a:buChar char="•"/>
-            </a:pPr>
-            <a:r>
-              <a:rPr lang="en-US" altLang="en-US" sz="1050">
-                <a:latin typeface="+mn-lt"/>
-              </a:rPr>
-              <a:t>pop</a:t>
-            </a:r>
-          </a:p>
-          <a:p>
-            <a:pPr algn="ctr"/>
-            <a:r>
-              <a:rPr lang="en-US" altLang="en-US" sz="1050" b="1" u="sng">
-                <a:latin typeface="+mn-lt"/>
-              </a:rPr>
-              <a:t>ag</a:t>
-            </a:r>
-          </a:p>
-          <a:p>
-            <a:pPr marL="171450" indent="-171450">
-              <a:buFont typeface="Arial" panose="020B0604020202020204" pitchFamily="34" charset="0"/>
-              <a:buChar char="•"/>
-            </a:pPr>
-            <a:r>
-              <a:rPr lang="en-US" altLang="en-US" sz="1050">
-                <a:latin typeface="+mn-lt"/>
-              </a:rPr>
-              <a:t>agProdbyIrrRfd</a:t>
-            </a:r>
-          </a:p>
-          <a:p>
-            <a:pPr marL="171450" indent="-171450">
-              <a:buFont typeface="Arial" panose="020B0604020202020204" pitchFamily="34" charset="0"/>
-              <a:buChar char="•"/>
-            </a:pPr>
-            <a:r>
-              <a:rPr lang="en-US" altLang="en-US" sz="1050">
-                <a:latin typeface="+mn-lt"/>
-              </a:rPr>
-              <a:t>agProdBiomass</a:t>
-            </a:r>
-          </a:p>
-          <a:p>
-            <a:pPr marL="171450" indent="-171450">
-              <a:buFont typeface="Arial" panose="020B0604020202020204" pitchFamily="34" charset="0"/>
-              <a:buChar char="•"/>
-            </a:pPr>
-            <a:r>
-              <a:rPr lang="en-US" altLang="en-US" sz="1050">
-                <a:latin typeface="+mn-lt"/>
-              </a:rPr>
-              <a:t>agProdForest</a:t>
-            </a:r>
-          </a:p>
-          <a:p>
-            <a:pPr marL="171450" indent="-171450">
-              <a:buFont typeface="Arial" panose="020B0604020202020204" pitchFamily="34" charset="0"/>
-              <a:buChar char="•"/>
-            </a:pPr>
-            <a:r>
-              <a:rPr lang="en-US" altLang="en-US" sz="1050">
-                <a:latin typeface="+mn-lt"/>
-              </a:rPr>
-              <a:t>agProdByCrop</a:t>
-            </a:r>
-          </a:p>
-          <a:p>
-            <a:pPr algn="ctr"/>
-            <a:r>
-              <a:rPr lang="en-US" altLang="en-US" sz="1050" b="1" u="sng">
-                <a:latin typeface="+mn-lt"/>
-              </a:rPr>
-              <a:t>livestock</a:t>
-            </a:r>
-          </a:p>
-          <a:p>
-            <a:pPr marL="171450" indent="-171450">
-              <a:buFont typeface="Arial" panose="020B0604020202020204" pitchFamily="34" charset="0"/>
-              <a:buChar char="•"/>
-            </a:pPr>
-            <a:r>
-              <a:rPr lang="en-US" altLang="en-US" sz="1050">
-                <a:latin typeface="+mn-lt"/>
-              </a:rPr>
-              <a:t>livestock_MeatDairybyTechMixed</a:t>
-            </a:r>
-          </a:p>
-          <a:p>
-            <a:pPr marL="171450" indent="-171450">
-              <a:buFont typeface="Arial" panose="020B0604020202020204" pitchFamily="34" charset="0"/>
-              <a:buChar char="•"/>
-            </a:pPr>
-            <a:r>
-              <a:rPr lang="en-US" altLang="en-US" sz="1050">
-                <a:latin typeface="+mn-lt"/>
-              </a:rPr>
-              <a:t>livestock_MeatDairybyTechPastoral</a:t>
-            </a:r>
-          </a:p>
-          <a:p>
-            <a:pPr marL="171450" indent="-171450">
-              <a:buFont typeface="Arial" panose="020B0604020202020204" pitchFamily="34" charset="0"/>
-              <a:buChar char="•"/>
-            </a:pPr>
-            <a:r>
-              <a:rPr lang="en-US" altLang="en-US" sz="1050">
-                <a:latin typeface="+mn-lt"/>
-              </a:rPr>
-              <a:t>livestock_MeatDairybyTechImports</a:t>
-            </a:r>
-          </a:p>
-          <a:p>
-            <a:pPr marL="171450" indent="-171450">
-              <a:buFont typeface="Arial" panose="020B0604020202020204" pitchFamily="34" charset="0"/>
-              <a:buChar char="•"/>
-            </a:pPr>
-            <a:r>
-              <a:rPr lang="en-US" altLang="en-US" sz="1050">
-                <a:latin typeface="+mn-lt"/>
-              </a:rPr>
-              <a:t>livestock_MeatDairybySubsector</a:t>
-            </a:r>
-          </a:p>
-          <a:p>
-            <a:pPr algn="ctr"/>
-            <a:r>
-              <a:rPr lang="en-US" altLang="en-US" sz="1050" b="1" u="sng">
-                <a:latin typeface="+mn-lt"/>
-              </a:rPr>
-              <a:t>land</a:t>
-            </a:r>
-          </a:p>
-          <a:p>
-            <a:pPr marL="171450" indent="-171450">
-              <a:buFont typeface="Arial" panose="020B0604020202020204" pitchFamily="34" charset="0"/>
-              <a:buChar char="•"/>
-            </a:pPr>
-            <a:r>
-              <a:rPr lang="en-US" altLang="en-US" sz="1050">
-                <a:latin typeface="+mn-lt"/>
-              </a:rPr>
-              <a:t>landIrrRfd</a:t>
-            </a:r>
-          </a:p>
-          <a:p>
-            <a:pPr marL="171450" indent="-171450">
-              <a:buFont typeface="Arial" panose="020B0604020202020204" pitchFamily="34" charset="0"/>
-              <a:buChar char="•"/>
-            </a:pPr>
-            <a:r>
-              <a:rPr lang="en-US" altLang="en-US" sz="1050">
-                <a:latin typeface="+mn-lt"/>
-              </a:rPr>
-              <a:t>landIrrCrop</a:t>
-            </a:r>
-          </a:p>
-          <a:p>
-            <a:pPr marL="171450" indent="-171450">
-              <a:buFont typeface="Arial" panose="020B0604020202020204" pitchFamily="34" charset="0"/>
-              <a:buChar char="•"/>
-            </a:pPr>
-            <a:r>
-              <a:rPr lang="en-US" altLang="en-US" sz="1050">
-                <a:latin typeface="+mn-lt"/>
-              </a:rPr>
-              <a:t>landRfdCrop</a:t>
-            </a:r>
-          </a:p>
-          <a:p>
-            <a:pPr marL="171450" indent="-171450">
-              <a:buFont typeface="Arial" panose="020B0604020202020204" pitchFamily="34" charset="0"/>
-              <a:buChar char="•"/>
-            </a:pPr>
-            <a:r>
-              <a:rPr lang="en-US" altLang="en-US" sz="1050">
-                <a:latin typeface="+mn-lt"/>
-              </a:rPr>
-              <a:t>landAlloc</a:t>
-            </a:r>
-          </a:p>
-          <a:p>
-            <a:pPr marL="171450" indent="-171450">
-              <a:buFont typeface="Arial" panose="020B0604020202020204" pitchFamily="34" charset="0"/>
-              <a:buChar char="•"/>
-            </a:pPr>
-            <a:r>
-              <a:rPr lang="en-US" altLang="en-US" sz="1050">
-                <a:latin typeface="+mn-lt"/>
-              </a:rPr>
-              <a:t>landAllocByCrop</a:t>
-            </a:r>
-          </a:p>
-          <a:p>
-            <a:pPr algn="ctr"/>
-            <a:endParaRPr lang="en-US" altLang="en-US" sz="1050">
-              <a:latin typeface="+mn-lt"/>
-            </a:endParaRPr>
-          </a:p>
-        </p:txBody>
-      </p:sp>
-      <p:sp>
-        <p:nvSpPr>
-          <p:cNvPr id="8" name="TextBox 7">
-            <a:extLst>
-              <a:ext uri="{FF2B5EF4-FFF2-40B4-BE49-F238E27FC236}">
-                <a16:creationId xmlns:a16="http://schemas.microsoft.com/office/drawing/2014/main" id="{8585856F-0683-439B-927B-E2E8AD4AA13F}"/>
-              </a:ext>
-            </a:extLst>
-          </p:cNvPr>
-          <p:cNvSpPr txBox="1"/>
-          <p:nvPr/>
-        </p:nvSpPr>
-        <p:spPr>
-          <a:xfrm>
-            <a:off x="6867727" y="522579"/>
-            <a:ext cx="2216370" cy="4429995"/>
-          </a:xfrm>
-          <a:prstGeom prst="rect">
-            <a:avLst/>
-          </a:prstGeom>
-          <a:noFill/>
-        </p:spPr>
-        <p:txBody>
-          <a:bodyPr wrap="square" rtlCol="0">
-            <a:spAutoFit/>
-          </a:bodyPr>
-          <a:lstStyle>
-            <a:defPPr>
-              <a:defRPr lang="en-US"/>
-            </a:defPPr>
-            <a:lvl1pPr>
-              <a:lnSpc>
-                <a:spcPct val="150000"/>
-              </a:lnSpc>
-              <a:defRPr sz="900">
-                <a:latin typeface="Consolas" panose="020B0609020204030204" pitchFamily="49" charset="0"/>
-              </a:defRPr>
-            </a:lvl1pPr>
-          </a:lstStyle>
-          <a:p>
-            <a:pPr algn="ctr"/>
-            <a:r>
-              <a:rPr lang="en-US" altLang="en-US" sz="1050" b="1" u="sng">
-                <a:latin typeface="+mn-lt"/>
-              </a:rPr>
-              <a:t>emissions</a:t>
-            </a:r>
-          </a:p>
-          <a:p>
-            <a:pPr marL="171450" indent="-171450">
-              <a:buFont typeface="Arial" panose="020B0604020202020204" pitchFamily="34" charset="0"/>
-              <a:buChar char="•"/>
-            </a:pPr>
-            <a:r>
-              <a:rPr lang="en-US" altLang="en-US" sz="1050">
-                <a:latin typeface="+mn-lt"/>
-              </a:rPr>
-              <a:t>emissNonCO2BySectorGWPAR5</a:t>
-            </a:r>
-          </a:p>
-          <a:p>
-            <a:pPr marL="171450" indent="-171450">
-              <a:buFont typeface="Arial" panose="020B0604020202020204" pitchFamily="34" charset="0"/>
-              <a:buChar char="•"/>
-            </a:pPr>
-            <a:r>
-              <a:rPr lang="en-US" altLang="en-US" sz="1050">
-                <a:latin typeface="+mn-lt"/>
-              </a:rPr>
-              <a:t>emissNonCO2BySectorGTPAR5</a:t>
-            </a:r>
-          </a:p>
-          <a:p>
-            <a:pPr marL="171450" indent="-171450">
-              <a:buFont typeface="Arial" panose="020B0604020202020204" pitchFamily="34" charset="0"/>
-              <a:buChar char="•"/>
-            </a:pPr>
-            <a:r>
-              <a:rPr lang="en-US" altLang="en-US" sz="1050">
-                <a:latin typeface="+mn-lt"/>
-              </a:rPr>
-              <a:t>emissNonCO2BySectorOrigUnits</a:t>
-            </a:r>
-          </a:p>
-          <a:p>
-            <a:pPr marL="171450" indent="-171450">
-              <a:buFont typeface="Arial" panose="020B0604020202020204" pitchFamily="34" charset="0"/>
-              <a:buChar char="•"/>
-            </a:pPr>
-            <a:r>
-              <a:rPr lang="en-US" altLang="en-US" sz="1050">
-                <a:latin typeface="+mn-lt"/>
-              </a:rPr>
-              <a:t>emissLUC</a:t>
-            </a:r>
-          </a:p>
-          <a:p>
-            <a:pPr marL="171450" indent="-171450">
-              <a:buFont typeface="Arial" panose="020B0604020202020204" pitchFamily="34" charset="0"/>
-              <a:buChar char="•"/>
-            </a:pPr>
-            <a:r>
-              <a:rPr lang="en-US" altLang="en-US" sz="1050">
-                <a:latin typeface="+mn-lt"/>
-              </a:rPr>
-              <a:t>emissCO2BySectorNoBio</a:t>
-            </a:r>
-          </a:p>
-          <a:p>
-            <a:pPr marL="171450" indent="-171450">
-              <a:buFont typeface="Arial" panose="020B0604020202020204" pitchFamily="34" charset="0"/>
-              <a:buChar char="•"/>
-            </a:pPr>
-            <a:r>
-              <a:rPr lang="en-US" altLang="en-US" sz="1050">
-                <a:latin typeface="+mn-lt"/>
-              </a:rPr>
-              <a:t>emissNonCO2ByResProdGWPAR5</a:t>
-            </a:r>
-          </a:p>
-          <a:p>
-            <a:pPr marL="171450" indent="-171450">
-              <a:buFont typeface="Arial" panose="020B0604020202020204" pitchFamily="34" charset="0"/>
-              <a:buChar char="•"/>
-            </a:pPr>
-            <a:r>
-              <a:rPr lang="en-US" altLang="en-US" sz="1050">
-                <a:latin typeface="+mn-lt"/>
-              </a:rPr>
-              <a:t>emissMethaneBySourceGWPAR5</a:t>
-            </a:r>
-          </a:p>
-          <a:p>
-            <a:pPr marL="171450" indent="-171450">
-              <a:buFont typeface="Arial" panose="020B0604020202020204" pitchFamily="34" charset="0"/>
-              <a:buChar char="•"/>
-            </a:pPr>
-            <a:r>
-              <a:rPr lang="en-US" altLang="en-US" sz="1050">
-                <a:latin typeface="+mn-lt"/>
-              </a:rPr>
-              <a:t>emissByGasGWPAR5FFI</a:t>
-            </a:r>
-          </a:p>
-          <a:p>
-            <a:pPr marL="171450" indent="-171450">
-              <a:buFont typeface="Arial" panose="020B0604020202020204" pitchFamily="34" charset="0"/>
-              <a:buChar char="•"/>
-            </a:pPr>
-            <a:r>
-              <a:rPr lang="en-US" altLang="en-US" sz="1050">
-                <a:latin typeface="+mn-lt"/>
-              </a:rPr>
-              <a:t>emissByGasGWPAR5LUC</a:t>
-            </a:r>
-          </a:p>
-          <a:p>
-            <a:pPr marL="171450" indent="-171450">
-              <a:buFont typeface="Arial" panose="020B0604020202020204" pitchFamily="34" charset="0"/>
-              <a:buChar char="•"/>
-            </a:pPr>
-            <a:r>
-              <a:rPr lang="en-US" altLang="en-US" sz="1050">
-                <a:latin typeface="+mn-lt"/>
-              </a:rPr>
-              <a:t>emissBySectorGWPAR5FFI</a:t>
-            </a:r>
-          </a:p>
-          <a:p>
-            <a:pPr marL="171450" indent="-171450">
-              <a:buFont typeface="Arial" panose="020B0604020202020204" pitchFamily="34" charset="0"/>
-              <a:buChar char="•"/>
-            </a:pPr>
-            <a:r>
-              <a:rPr lang="en-US" altLang="en-US" sz="1050">
-                <a:latin typeface="+mn-lt"/>
-              </a:rPr>
-              <a:t>emissBySectorGWPAR5LUC</a:t>
-            </a:r>
-          </a:p>
-          <a:p>
-            <a:pPr marL="171450" indent="-171450">
-              <a:buFont typeface="Arial" panose="020B0604020202020204" pitchFamily="34" charset="0"/>
-              <a:buChar char="•"/>
-            </a:pPr>
-            <a:r>
-              <a:rPr lang="en-US" altLang="en-US" sz="1050">
-                <a:latin typeface="+mn-lt"/>
-              </a:rPr>
-              <a:t>emissNonCO2ByResProdGTPAR5</a:t>
-            </a:r>
-          </a:p>
-          <a:p>
-            <a:pPr marL="171450" indent="-171450">
-              <a:buFont typeface="Arial" panose="020B0604020202020204" pitchFamily="34" charset="0"/>
-              <a:buChar char="•"/>
-            </a:pPr>
-            <a:r>
-              <a:rPr lang="en-US" altLang="en-US" sz="1050">
-                <a:latin typeface="+mn-lt"/>
-              </a:rPr>
-              <a:t>emissMethaneBySourceGTPAR5</a:t>
-            </a:r>
-          </a:p>
-          <a:p>
-            <a:pPr marL="171450" indent="-171450">
-              <a:buFont typeface="Arial" panose="020B0604020202020204" pitchFamily="34" charset="0"/>
-              <a:buChar char="•"/>
-            </a:pPr>
-            <a:r>
-              <a:rPr lang="en-US" altLang="en-US" sz="1050">
-                <a:latin typeface="+mn-lt"/>
-              </a:rPr>
-              <a:t>emissByGasGTPAR5FFI</a:t>
-            </a:r>
-          </a:p>
-          <a:p>
-            <a:pPr marL="171450" indent="-171450">
-              <a:buFont typeface="Arial" panose="020B0604020202020204" pitchFamily="34" charset="0"/>
-              <a:buChar char="•"/>
-            </a:pPr>
-            <a:r>
-              <a:rPr lang="en-US" altLang="en-US" sz="1050">
-                <a:latin typeface="+mn-lt"/>
-              </a:rPr>
-              <a:t>emissByGasGTPAR5LUC</a:t>
-            </a:r>
-          </a:p>
-          <a:p>
-            <a:pPr marL="171450" indent="-171450">
-              <a:buFont typeface="Arial" panose="020B0604020202020204" pitchFamily="34" charset="0"/>
-              <a:buChar char="•"/>
-            </a:pPr>
-            <a:r>
-              <a:rPr lang="en-US" altLang="en-US" sz="1050">
-                <a:latin typeface="+mn-lt"/>
-              </a:rPr>
-              <a:t>emissBySectorGTPAR5FFI</a:t>
-            </a:r>
-          </a:p>
-          <a:p>
-            <a:pPr marL="171450" indent="-171450">
-              <a:buFont typeface="Arial" panose="020B0604020202020204" pitchFamily="34" charset="0"/>
-              <a:buChar char="•"/>
-            </a:pPr>
-            <a:r>
-              <a:rPr lang="en-US" altLang="en-US" sz="1050">
-                <a:latin typeface="+mn-lt"/>
-              </a:rPr>
-              <a:t>emissBySectorGTPAR5LUC</a:t>
-            </a:r>
-          </a:p>
-        </p:txBody>
-      </p:sp>
-      <p:sp>
-        <p:nvSpPr>
-          <p:cNvPr id="10" name="TextBox 9">
-            <a:extLst>
-              <a:ext uri="{FF2B5EF4-FFF2-40B4-BE49-F238E27FC236}">
-                <a16:creationId xmlns:a16="http://schemas.microsoft.com/office/drawing/2014/main" id="{11BBF495-EC10-4E41-938D-C41D6846FC07}"/>
-              </a:ext>
-            </a:extLst>
-          </p:cNvPr>
-          <p:cNvSpPr txBox="1"/>
-          <p:nvPr/>
-        </p:nvSpPr>
-        <p:spPr>
-          <a:xfrm>
-            <a:off x="9270444" y="522578"/>
-            <a:ext cx="2216370" cy="2006255"/>
-          </a:xfrm>
-          <a:prstGeom prst="rect">
-            <a:avLst/>
-          </a:prstGeom>
-          <a:noFill/>
-        </p:spPr>
-        <p:txBody>
-          <a:bodyPr wrap="square" rtlCol="0">
-            <a:spAutoFit/>
-          </a:bodyPr>
-          <a:lstStyle>
-            <a:defPPr>
-              <a:defRPr lang="en-US"/>
-            </a:defPPr>
-            <a:lvl1pPr>
-              <a:lnSpc>
-                <a:spcPct val="150000"/>
-              </a:lnSpc>
-              <a:defRPr sz="900">
-                <a:latin typeface="Consolas" panose="020B0609020204030204" pitchFamily="49" charset="0"/>
-              </a:defRPr>
-            </a:lvl1pPr>
-          </a:lstStyle>
-          <a:p>
-            <a:pPr algn="ctr"/>
-            <a:r>
-              <a:rPr lang="en-US" altLang="en-US" sz="1050" b="1" u="sng">
-                <a:latin typeface="+mn-lt"/>
-              </a:rPr>
-              <a:t>water</a:t>
-            </a:r>
-          </a:p>
-          <a:p>
-            <a:pPr marL="171450" indent="-171450">
-              <a:buFont typeface="Arial" panose="020B0604020202020204" pitchFamily="34" charset="0"/>
-              <a:buChar char="•"/>
-            </a:pPr>
-            <a:r>
-              <a:rPr lang="en-US" altLang="en-US" sz="1050">
-                <a:latin typeface="+mn-lt"/>
-              </a:rPr>
-              <a:t>watConsumBySec</a:t>
-            </a:r>
-          </a:p>
-          <a:p>
-            <a:pPr marL="171450" indent="-171450">
-              <a:buFont typeface="Arial" panose="020B0604020202020204" pitchFamily="34" charset="0"/>
-              <a:buChar char="•"/>
-            </a:pPr>
-            <a:r>
-              <a:rPr lang="en-US" altLang="en-US" sz="1050">
-                <a:latin typeface="+mn-lt"/>
-              </a:rPr>
-              <a:t>watWithdrawBySec</a:t>
-            </a:r>
-          </a:p>
-          <a:p>
-            <a:pPr marL="171450" indent="-171450">
-              <a:buFont typeface="Arial" panose="020B0604020202020204" pitchFamily="34" charset="0"/>
-              <a:buChar char="•"/>
-            </a:pPr>
-            <a:r>
-              <a:rPr lang="en-US" altLang="en-US" sz="1050">
-                <a:latin typeface="+mn-lt"/>
-              </a:rPr>
-              <a:t>watWithdrawByCrop</a:t>
-            </a:r>
-          </a:p>
-          <a:p>
-            <a:pPr marL="171450" indent="-171450">
-              <a:buFont typeface="Arial" panose="020B0604020202020204" pitchFamily="34" charset="0"/>
-              <a:buChar char="•"/>
-            </a:pPr>
-            <a:r>
-              <a:rPr lang="en-US" altLang="en-US" sz="1050">
-                <a:latin typeface="+mn-lt"/>
-              </a:rPr>
-              <a:t>watBioPhysCons</a:t>
-            </a:r>
-          </a:p>
-          <a:p>
-            <a:pPr marL="171450" indent="-171450">
-              <a:buFont typeface="Arial" panose="020B0604020202020204" pitchFamily="34" charset="0"/>
-              <a:buChar char="•"/>
-            </a:pPr>
-            <a:r>
-              <a:rPr lang="en-US" altLang="en-US" sz="1050">
-                <a:latin typeface="+mn-lt"/>
-              </a:rPr>
-              <a:t>watIrrWithdrawBasin</a:t>
-            </a:r>
-          </a:p>
-          <a:p>
-            <a:pPr marL="171450" indent="-171450">
-              <a:buFont typeface="Arial" panose="020B0604020202020204" pitchFamily="34" charset="0"/>
-              <a:buChar char="•"/>
-            </a:pPr>
-            <a:r>
-              <a:rPr lang="en-US" altLang="en-US" sz="1050">
-                <a:latin typeface="+mn-lt"/>
-              </a:rPr>
-              <a:t>watIrrConsBasin</a:t>
-            </a:r>
-          </a:p>
-          <a:p>
-            <a:pPr marL="171450" indent="-171450">
-              <a:buFont typeface="Arial" panose="020B0604020202020204" pitchFamily="34" charset="0"/>
-              <a:buChar char="•"/>
-            </a:pPr>
-            <a:r>
-              <a:rPr lang="en-US" altLang="en-US" sz="1050">
-                <a:latin typeface="+mn-lt"/>
-              </a:rPr>
-              <a:t>watSupRunoffBasin</a:t>
-            </a:r>
-          </a:p>
-        </p:txBody>
-      </p:sp>
-      <p:sp>
-        <p:nvSpPr>
-          <p:cNvPr id="11" name="Rectangle 10">
-            <a:extLst>
-              <a:ext uri="{FF2B5EF4-FFF2-40B4-BE49-F238E27FC236}">
-                <a16:creationId xmlns:a16="http://schemas.microsoft.com/office/drawing/2014/main" id="{F7432040-3975-4A47-9851-71C7544179DB}"/>
-              </a:ext>
-            </a:extLst>
-          </p:cNvPr>
-          <p:cNvSpPr/>
-          <p:nvPr/>
-        </p:nvSpPr>
-        <p:spPr>
-          <a:xfrm>
-            <a:off x="497520" y="522577"/>
-            <a:ext cx="10466402" cy="5691791"/>
-          </a:xfrm>
-          <a:prstGeom prst="rect">
-            <a:avLst/>
-          </a:prstGeom>
-          <a:noFill/>
-          <a:ln>
-            <a:solidFill>
-              <a:schemeClr val="bg1">
-                <a:lumMod val="65000"/>
-              </a:schemeClr>
-            </a:solidFill>
-          </a:ln>
-        </p:spPr>
-        <p:style>
-          <a:lnRef idx="2">
-            <a:schemeClr val="accent1">
-              <a:shade val="50000"/>
-            </a:schemeClr>
-          </a:lnRef>
-          <a:fillRef idx="1">
-            <a:schemeClr val="accent1"/>
-          </a:fillRef>
-          <a:effectRef idx="0">
-            <a:schemeClr val="accent1"/>
-          </a:effectRef>
-          <a:fontRef idx="minor">
-            <a:schemeClr val="lt1"/>
-          </a:fontRef>
-        </p:style>
-        <p:txBody>
-          <a:bodyPr rtlCol="0" anchor="ctr"/>
-          <a:lstStyle/>
-          <a:p>
-            <a:pPr algn="ctr"/>
-            <a:endParaRPr lang="en-US"/>
-          </a:p>
-        </p:txBody>
-      </p:sp>
-      <p:sp>
-        <p:nvSpPr>
-          <p:cNvPr id="12" name="TextBox 11">
-            <a:extLst>
-              <a:ext uri="{FF2B5EF4-FFF2-40B4-BE49-F238E27FC236}">
-                <a16:creationId xmlns:a16="http://schemas.microsoft.com/office/drawing/2014/main" id="{F1498920-CEE6-468A-B822-668FDD52D7A2}"/>
-              </a:ext>
-            </a:extLst>
-          </p:cNvPr>
-          <p:cNvSpPr txBox="1"/>
-          <p:nvPr/>
-        </p:nvSpPr>
-        <p:spPr>
-          <a:xfrm>
-            <a:off x="192163" y="128664"/>
-            <a:ext cx="2066223" cy="369332"/>
-          </a:xfrm>
-          <a:prstGeom prst="rect">
-            <a:avLst/>
-          </a:prstGeom>
-          <a:noFill/>
-        </p:spPr>
-        <p:txBody>
-          <a:bodyPr wrap="square" rtlCol="0">
-            <a:spAutoFit/>
-          </a:bodyPr>
-          <a:lstStyle/>
-          <a:p>
-            <a:pPr algn="ctr"/>
-            <a:r>
-              <a:rPr lang="en-US" b="1"/>
-              <a:t>Param List</a:t>
-            </a:r>
-          </a:p>
-        </p:txBody>
-      </p:sp>
-    </p:spTree>
-    <p:extLst>
-      <p:ext uri="{BB962C8B-B14F-4D97-AF65-F5344CB8AC3E}">
-        <p14:creationId xmlns:p14="http://schemas.microsoft.com/office/powerpoint/2010/main" val="3345794904"/>
-      </p:ext>
-    </p:extLst>
-  </p:cSld>
-  <p:clrMapOvr>
-    <a:masterClrMapping/>
-  </p:clrMapOvr>
-</p:sld>
-</file>
-
-<file path=ppt/slides/slide40.xml><?xml version="1.0" encoding="utf-8"?>
-<p:sld xmlns:a="http://schemas.openxmlformats.org/drawingml/2006/main" xmlns:r="http://schemas.openxmlformats.org/officeDocument/2006/relationships" xmlns:p="http://schemas.openxmlformats.org/presentationml/2006/main">
-  <p:cSld>
-    <p:spTree>
-      <p:nvGrpSpPr>
-        <p:cNvPr id="1" name=""/>
-        <p:cNvGrpSpPr/>
-        <p:nvPr/>
-      </p:nvGrpSpPr>
-      <p:grpSpPr>
-        <a:xfrm>
-          <a:off x="0" y="0"/>
-          <a:ext cx="0" cy="0"/>
-          <a:chOff x="0" y="0"/>
-          <a:chExt cx="0" cy="0"/>
-        </a:xfrm>
-      </p:grpSpPr>
-      <p:sp>
-        <p:nvSpPr>
-          <p:cNvPr id="7" name="TextBox 6">
-            <a:extLst>
-              <a:ext uri="{FF2B5EF4-FFF2-40B4-BE49-F238E27FC236}">
-                <a16:creationId xmlns:a16="http://schemas.microsoft.com/office/drawing/2014/main" id="{A063DF1C-7DF0-40B4-AC9D-EC918B0CB000}"/>
-              </a:ext>
-            </a:extLst>
-          </p:cNvPr>
-          <p:cNvSpPr txBox="1"/>
-          <p:nvPr/>
-        </p:nvSpPr>
-        <p:spPr>
-          <a:xfrm>
-            <a:off x="192162" y="-345805"/>
-            <a:ext cx="3101370" cy="369332"/>
-          </a:xfrm>
-          <a:prstGeom prst="rect">
-            <a:avLst/>
-          </a:prstGeom>
-          <a:noFill/>
-        </p:spPr>
-        <p:txBody>
-          <a:bodyPr wrap="square" rtlCol="0">
-            <a:spAutoFit/>
-          </a:bodyPr>
-          <a:lstStyle/>
-          <a:p>
-            <a:pPr algn="ctr"/>
-            <a:r>
-              <a:rPr lang="en-US" b="1"/>
-              <a:t>GCAM by Param Figs</a:t>
-            </a:r>
-          </a:p>
-        </p:txBody>
-      </p:sp>
-      <p:sp>
-        <p:nvSpPr>
-          <p:cNvPr id="3" name="Rectangle 2">
-            <a:extLst>
-              <a:ext uri="{FF2B5EF4-FFF2-40B4-BE49-F238E27FC236}">
-                <a16:creationId xmlns:a16="http://schemas.microsoft.com/office/drawing/2014/main" id="{F74BF3CB-7E52-4F13-8449-FE231ADB4921}"/>
-              </a:ext>
-            </a:extLst>
-          </p:cNvPr>
-          <p:cNvSpPr/>
-          <p:nvPr/>
-        </p:nvSpPr>
-        <p:spPr>
-          <a:xfrm>
-            <a:off x="442452" y="117988"/>
-            <a:ext cx="11444747" cy="6548284"/>
-          </a:xfrm>
-          <a:prstGeom prst="rect">
-            <a:avLst/>
-          </a:prstGeom>
-          <a:noFill/>
-          <a:ln>
-            <a:solidFill>
-              <a:schemeClr val="bg1">
-                <a:lumMod val="65000"/>
-              </a:schemeClr>
-            </a:solidFill>
-          </a:ln>
-        </p:spPr>
-        <p:style>
-          <a:lnRef idx="2">
-            <a:schemeClr val="accent1">
-              <a:shade val="50000"/>
-            </a:schemeClr>
-          </a:lnRef>
-          <a:fillRef idx="1">
-            <a:schemeClr val="accent1"/>
-          </a:fillRef>
-          <a:effectRef idx="0">
-            <a:schemeClr val="accent1"/>
-          </a:effectRef>
-          <a:fontRef idx="minor">
-            <a:schemeClr val="lt1"/>
-          </a:fontRef>
-        </p:style>
-        <p:txBody>
-          <a:bodyPr rtlCol="0" anchor="ctr"/>
-          <a:lstStyle/>
-          <a:p>
-            <a:pPr algn="ctr"/>
-            <a:endParaRPr lang="en-US"/>
-          </a:p>
-        </p:txBody>
-      </p:sp>
-      <p:sp>
-        <p:nvSpPr>
-          <p:cNvPr id="64" name="TextBox 63">
-            <a:extLst>
-              <a:ext uri="{FF2B5EF4-FFF2-40B4-BE49-F238E27FC236}">
-                <a16:creationId xmlns:a16="http://schemas.microsoft.com/office/drawing/2014/main" id="{7628F066-CA00-4417-A6D9-707233D718F1}"/>
-              </a:ext>
-            </a:extLst>
-          </p:cNvPr>
-          <p:cNvSpPr txBox="1"/>
-          <p:nvPr/>
-        </p:nvSpPr>
-        <p:spPr>
-          <a:xfrm>
-            <a:off x="1084319" y="741040"/>
-            <a:ext cx="2485538" cy="369332"/>
-          </a:xfrm>
-          <a:prstGeom prst="rect">
-            <a:avLst/>
-          </a:prstGeom>
-          <a:noFill/>
-        </p:spPr>
-        <p:txBody>
-          <a:bodyPr wrap="square" rtlCol="0">
-            <a:spAutoFit/>
-          </a:bodyPr>
-          <a:lstStyle/>
-          <a:p>
-            <a:pPr algn="ctr"/>
-            <a:r>
-              <a:rPr lang="en-US" b="1"/>
-              <a:t>Population by Year SSP3</a:t>
-            </a:r>
-          </a:p>
-        </p:txBody>
-      </p:sp>
-      <p:sp>
-        <p:nvSpPr>
-          <p:cNvPr id="65" name="TextBox 64">
-            <a:extLst>
-              <a:ext uri="{FF2B5EF4-FFF2-40B4-BE49-F238E27FC236}">
-                <a16:creationId xmlns:a16="http://schemas.microsoft.com/office/drawing/2014/main" id="{D00C1B6A-B22A-4D19-91EF-C8BA151777A4}"/>
-              </a:ext>
-            </a:extLst>
-          </p:cNvPr>
-          <p:cNvSpPr txBox="1"/>
-          <p:nvPr/>
-        </p:nvSpPr>
-        <p:spPr>
-          <a:xfrm>
-            <a:off x="807994" y="3486630"/>
-            <a:ext cx="2485538" cy="646331"/>
-          </a:xfrm>
-          <a:prstGeom prst="rect">
-            <a:avLst/>
-          </a:prstGeom>
-          <a:noFill/>
-        </p:spPr>
-        <p:txBody>
-          <a:bodyPr wrap="square" rtlCol="0">
-            <a:spAutoFit/>
-          </a:bodyPr>
-          <a:lstStyle/>
-          <a:p>
-            <a:pPr algn="ctr"/>
-            <a:r>
-              <a:rPr lang="en-US" b="1"/>
-              <a:t>Land Allocation SSP5</a:t>
-            </a:r>
-          </a:p>
-          <a:p>
-            <a:pPr algn="ctr"/>
-            <a:r>
-              <a:rPr lang="en-US" b="1"/>
-              <a:t>(Mean 2010 to 2050)</a:t>
-            </a:r>
-          </a:p>
-        </p:txBody>
-      </p:sp>
-      <p:sp>
-        <p:nvSpPr>
-          <p:cNvPr id="66" name="TextBox 65">
-            <a:extLst>
-              <a:ext uri="{FF2B5EF4-FFF2-40B4-BE49-F238E27FC236}">
-                <a16:creationId xmlns:a16="http://schemas.microsoft.com/office/drawing/2014/main" id="{D23BD46B-EFD3-48A8-A749-606D7DA6C469}"/>
-              </a:ext>
-            </a:extLst>
-          </p:cNvPr>
-          <p:cNvSpPr txBox="1"/>
-          <p:nvPr/>
-        </p:nvSpPr>
-        <p:spPr>
-          <a:xfrm>
-            <a:off x="4853231" y="3552051"/>
-            <a:ext cx="2485538" cy="369332"/>
-          </a:xfrm>
-          <a:prstGeom prst="rect">
-            <a:avLst/>
-          </a:prstGeom>
-          <a:noFill/>
-        </p:spPr>
-        <p:txBody>
-          <a:bodyPr wrap="square" rtlCol="0">
-            <a:spAutoFit/>
-          </a:bodyPr>
-          <a:lstStyle/>
-          <a:p>
-            <a:pPr algn="ctr"/>
-            <a:r>
-              <a:rPr lang="en-US" b="1"/>
-              <a:t>Runoff by Basin 2050</a:t>
-            </a:r>
-          </a:p>
-        </p:txBody>
-      </p:sp>
-      <p:sp>
-        <p:nvSpPr>
-          <p:cNvPr id="67" name="TextBox 66">
-            <a:extLst>
-              <a:ext uri="{FF2B5EF4-FFF2-40B4-BE49-F238E27FC236}">
-                <a16:creationId xmlns:a16="http://schemas.microsoft.com/office/drawing/2014/main" id="{80439EAE-3020-4A30-8A0D-8343E7A17CD8}"/>
-              </a:ext>
-            </a:extLst>
-          </p:cNvPr>
-          <p:cNvSpPr txBox="1"/>
-          <p:nvPr/>
-        </p:nvSpPr>
-        <p:spPr>
-          <a:xfrm>
-            <a:off x="8412211" y="3447289"/>
-            <a:ext cx="2950299" cy="646331"/>
-          </a:xfrm>
-          <a:prstGeom prst="rect">
-            <a:avLst/>
-          </a:prstGeom>
-          <a:noFill/>
-        </p:spPr>
-        <p:txBody>
-          <a:bodyPr wrap="square" rtlCol="0">
-            <a:spAutoFit/>
-          </a:bodyPr>
-          <a:lstStyle/>
-          <a:p>
-            <a:pPr algn="ctr"/>
-            <a:r>
-              <a:rPr lang="en-US" b="1"/>
-              <a:t>Percentage Diff Elec Gen</a:t>
-            </a:r>
-          </a:p>
-          <a:p>
-            <a:pPr algn="ctr"/>
-            <a:r>
-              <a:rPr lang="en-US" b="1"/>
-              <a:t>(SSP5 – SSP3)</a:t>
-            </a:r>
-          </a:p>
-        </p:txBody>
-      </p:sp>
-      <p:pic>
-        <p:nvPicPr>
-          <p:cNvPr id="6" name="Picture 5" descr="A picture containing text, map&#10;&#10;Description automatically generated">
-            <a:extLst>
-              <a:ext uri="{FF2B5EF4-FFF2-40B4-BE49-F238E27FC236}">
-                <a16:creationId xmlns:a16="http://schemas.microsoft.com/office/drawing/2014/main" id="{5246A03D-8991-4794-AFC7-9553B33AAC8B}"/>
-              </a:ext>
-            </a:extLst>
-          </p:cNvPr>
-          <p:cNvPicPr>
-            <a:picLocks noChangeAspect="1"/>
-          </p:cNvPicPr>
-          <p:nvPr/>
-        </p:nvPicPr>
-        <p:blipFill>
-          <a:blip r:embed="rId2" cstate="print">
-            <a:extLst>
-              <a:ext uri="{28A0092B-C50C-407E-A947-70E740481C1C}">
-                <a14:useLocalDpi xmlns:a14="http://schemas.microsoft.com/office/drawing/2010/main" val="0"/>
-              </a:ext>
-            </a:extLst>
-          </a:blip>
-          <a:stretch>
-            <a:fillRect/>
-          </a:stretch>
-        </p:blipFill>
-        <p:spPr>
-          <a:xfrm>
-            <a:off x="4568054" y="4106049"/>
-            <a:ext cx="3655891" cy="2472811"/>
-          </a:xfrm>
-          <a:prstGeom prst="rect">
-            <a:avLst/>
-          </a:prstGeom>
-        </p:spPr>
-      </p:pic>
-      <p:pic>
-        <p:nvPicPr>
-          <p:cNvPr id="17" name="Picture 16" descr="A picture containing text, map&#10;&#10;Description automatically generated">
-            <a:extLst>
-              <a:ext uri="{FF2B5EF4-FFF2-40B4-BE49-F238E27FC236}">
-                <a16:creationId xmlns:a16="http://schemas.microsoft.com/office/drawing/2014/main" id="{1CF5B8F5-FA65-42EB-B3F1-1C8421421835}"/>
-              </a:ext>
-            </a:extLst>
-          </p:cNvPr>
-          <p:cNvPicPr>
-            <a:picLocks noChangeAspect="1"/>
-          </p:cNvPicPr>
-          <p:nvPr/>
-        </p:nvPicPr>
-        <p:blipFill>
-          <a:blip r:embed="rId3" cstate="print">
-            <a:extLst>
-              <a:ext uri="{28A0092B-C50C-407E-A947-70E740481C1C}">
-                <a14:useLocalDpi xmlns:a14="http://schemas.microsoft.com/office/drawing/2010/main" val="0"/>
-              </a:ext>
-            </a:extLst>
-          </a:blip>
-          <a:stretch>
-            <a:fillRect/>
-          </a:stretch>
-        </p:blipFill>
-        <p:spPr>
-          <a:xfrm>
-            <a:off x="672542" y="4106049"/>
-            <a:ext cx="3717897" cy="2472811"/>
-          </a:xfrm>
-          <a:prstGeom prst="rect">
-            <a:avLst/>
-          </a:prstGeom>
-        </p:spPr>
-      </p:pic>
-      <p:pic>
-        <p:nvPicPr>
-          <p:cNvPr id="19" name="Picture 18" descr="A close up of a map&#10;&#10;Description automatically generated">
-            <a:extLst>
-              <a:ext uri="{FF2B5EF4-FFF2-40B4-BE49-F238E27FC236}">
-                <a16:creationId xmlns:a16="http://schemas.microsoft.com/office/drawing/2014/main" id="{0D9FB249-DA1F-47EC-A0F5-53F1A1704847}"/>
-              </a:ext>
-            </a:extLst>
-          </p:cNvPr>
-          <p:cNvPicPr>
-            <a:picLocks noChangeAspect="1"/>
-          </p:cNvPicPr>
-          <p:nvPr/>
-        </p:nvPicPr>
-        <p:blipFill>
-          <a:blip r:embed="rId4">
-            <a:extLst>
-              <a:ext uri="{28A0092B-C50C-407E-A947-70E740481C1C}">
-                <a14:useLocalDpi xmlns:a14="http://schemas.microsoft.com/office/drawing/2010/main" val="0"/>
-              </a:ext>
-            </a:extLst>
-          </a:blip>
-          <a:stretch>
-            <a:fillRect/>
-          </a:stretch>
-        </p:blipFill>
-        <p:spPr>
-          <a:xfrm>
-            <a:off x="3934490" y="221175"/>
-            <a:ext cx="7428020" cy="1409063"/>
-          </a:xfrm>
-          <a:prstGeom prst="rect">
-            <a:avLst/>
-          </a:prstGeom>
-        </p:spPr>
-      </p:pic>
-      <p:pic>
-        <p:nvPicPr>
-          <p:cNvPr id="21" name="Picture 20" descr="A picture containing text, map&#10;&#10;Description automatically generated">
-            <a:extLst>
-              <a:ext uri="{FF2B5EF4-FFF2-40B4-BE49-F238E27FC236}">
-                <a16:creationId xmlns:a16="http://schemas.microsoft.com/office/drawing/2014/main" id="{46679271-34BC-46F3-A89F-3DD2AA742315}"/>
-              </a:ext>
-            </a:extLst>
-          </p:cNvPr>
-          <p:cNvPicPr>
-            <a:picLocks noChangeAspect="1"/>
-          </p:cNvPicPr>
-          <p:nvPr/>
-        </p:nvPicPr>
-        <p:blipFill>
-          <a:blip r:embed="rId5">
-            <a:extLst>
-              <a:ext uri="{28A0092B-C50C-407E-A947-70E740481C1C}">
-                <a14:useLocalDpi xmlns:a14="http://schemas.microsoft.com/office/drawing/2010/main" val="0"/>
-              </a:ext>
-            </a:extLst>
-          </a:blip>
-          <a:stretch>
-            <a:fillRect/>
-          </a:stretch>
-        </p:blipFill>
-        <p:spPr>
-          <a:xfrm>
-            <a:off x="3934490" y="1828225"/>
-            <a:ext cx="7223619" cy="1409062"/>
-          </a:xfrm>
-          <a:prstGeom prst="rect">
-            <a:avLst/>
-          </a:prstGeom>
-        </p:spPr>
-      </p:pic>
-      <p:sp>
-        <p:nvSpPr>
-          <p:cNvPr id="30" name="TextBox 29">
-            <a:extLst>
-              <a:ext uri="{FF2B5EF4-FFF2-40B4-BE49-F238E27FC236}">
-                <a16:creationId xmlns:a16="http://schemas.microsoft.com/office/drawing/2014/main" id="{2DFD97C6-B7A5-4D16-B656-84935B142B4C}"/>
-              </a:ext>
-            </a:extLst>
-          </p:cNvPr>
-          <p:cNvSpPr txBox="1"/>
-          <p:nvPr/>
-        </p:nvSpPr>
-        <p:spPr>
-          <a:xfrm>
-            <a:off x="1084319" y="1981564"/>
-            <a:ext cx="2485538" cy="923330"/>
-          </a:xfrm>
-          <a:prstGeom prst="rect">
-            <a:avLst/>
-          </a:prstGeom>
-          <a:noFill/>
-        </p:spPr>
-        <p:txBody>
-          <a:bodyPr wrap="square" rtlCol="0">
-            <a:spAutoFit/>
-          </a:bodyPr>
-          <a:lstStyle/>
-          <a:p>
-            <a:pPr algn="ctr"/>
-            <a:r>
-              <a:rPr lang="en-US" b="1"/>
-              <a:t>Absolute Difference in Population by Year</a:t>
-            </a:r>
-          </a:p>
-          <a:p>
-            <a:pPr algn="ctr"/>
-            <a:r>
-              <a:rPr lang="en-US" b="1"/>
-              <a:t>(SSP5 – SSP3)</a:t>
-            </a:r>
-          </a:p>
-        </p:txBody>
-      </p:sp>
-      <p:pic>
-        <p:nvPicPr>
-          <p:cNvPr id="25" name="Picture 24" descr="A picture containing text, map&#10;&#10;Description automatically generated">
-            <a:extLst>
-              <a:ext uri="{FF2B5EF4-FFF2-40B4-BE49-F238E27FC236}">
-                <a16:creationId xmlns:a16="http://schemas.microsoft.com/office/drawing/2014/main" id="{1F8DE4E6-08A9-4594-88BA-0F93AA1C048E}"/>
-              </a:ext>
-            </a:extLst>
-          </p:cNvPr>
-          <p:cNvPicPr>
-            <a:picLocks noChangeAspect="1"/>
-          </p:cNvPicPr>
-          <p:nvPr/>
-        </p:nvPicPr>
-        <p:blipFill>
-          <a:blip r:embed="rId6" cstate="print">
-            <a:extLst>
-              <a:ext uri="{28A0092B-C50C-407E-A947-70E740481C1C}">
-                <a14:useLocalDpi xmlns:a14="http://schemas.microsoft.com/office/drawing/2010/main" val="0"/>
-              </a:ext>
-            </a:extLst>
-          </a:blip>
-          <a:stretch>
-            <a:fillRect/>
-          </a:stretch>
-        </p:blipFill>
-        <p:spPr>
-          <a:xfrm>
-            <a:off x="8223945" y="4135943"/>
-            <a:ext cx="3424701" cy="2413022"/>
-          </a:xfrm>
-          <a:prstGeom prst="rect">
-            <a:avLst/>
-          </a:prstGeom>
-        </p:spPr>
-      </p:pic>
-    </p:spTree>
-    <p:extLst>
-      <p:ext uri="{BB962C8B-B14F-4D97-AF65-F5344CB8AC3E}">
-        <p14:creationId xmlns:p14="http://schemas.microsoft.com/office/powerpoint/2010/main" val="454569677"/>
-      </p:ext>
-    </p:extLst>
-  </p:cSld>
-  <p:clrMapOvr>
-    <a:masterClrMapping/>
-  </p:clrMapOvr>
-</p:sld>
-</file>
-
-<file path=ppt/slides/slide41.xml><?xml version="1.0" encoding="utf-8"?>
-<p:sld xmlns:a="http://schemas.openxmlformats.org/drawingml/2006/main" xmlns:r="http://schemas.openxmlformats.org/officeDocument/2006/relationships" xmlns:p="http://schemas.openxmlformats.org/presentationml/2006/main">
-  <p:cSld>
-    <p:spTree>
-      <p:nvGrpSpPr>
-        <p:cNvPr id="1" name=""/>
-        <p:cNvGrpSpPr/>
-        <p:nvPr/>
-      </p:nvGrpSpPr>
-      <p:grpSpPr>
-        <a:xfrm>
-          <a:off x="0" y="0"/>
-          <a:ext cx="0" cy="0"/>
-          <a:chOff x="0" y="0"/>
-          <a:chExt cx="0" cy="0"/>
-        </a:xfrm>
-      </p:grpSpPr>
-      <p:sp>
-        <p:nvSpPr>
-          <p:cNvPr id="7" name="TextBox 6">
-            <a:extLst>
-              <a:ext uri="{FF2B5EF4-FFF2-40B4-BE49-F238E27FC236}">
-                <a16:creationId xmlns:a16="http://schemas.microsoft.com/office/drawing/2014/main" id="{A063DF1C-7DF0-40B4-AC9D-EC918B0CB000}"/>
-              </a:ext>
-            </a:extLst>
-          </p:cNvPr>
-          <p:cNvSpPr txBox="1"/>
-          <p:nvPr/>
-        </p:nvSpPr>
-        <p:spPr>
-          <a:xfrm>
-            <a:off x="201996" y="-369332"/>
-            <a:ext cx="3101370" cy="369332"/>
-          </a:xfrm>
-          <a:prstGeom prst="rect">
-            <a:avLst/>
-          </a:prstGeom>
-          <a:noFill/>
-        </p:spPr>
-        <p:txBody>
-          <a:bodyPr wrap="square" rtlCol="0">
-            <a:spAutoFit/>
-          </a:bodyPr>
-          <a:lstStyle/>
-          <a:p>
-            <a:pPr algn="ctr"/>
-            <a:r>
-              <a:rPr lang="en-US" b="1"/>
-              <a:t>GCAM by Class Figs</a:t>
-            </a:r>
-          </a:p>
-        </p:txBody>
-      </p:sp>
-      <p:sp>
-        <p:nvSpPr>
-          <p:cNvPr id="3" name="Rectangle 2">
-            <a:extLst>
-              <a:ext uri="{FF2B5EF4-FFF2-40B4-BE49-F238E27FC236}">
-                <a16:creationId xmlns:a16="http://schemas.microsoft.com/office/drawing/2014/main" id="{80047060-3AA7-4699-9EAE-4E3F4573EEA2}"/>
-              </a:ext>
-            </a:extLst>
-          </p:cNvPr>
-          <p:cNvSpPr/>
-          <p:nvPr/>
-        </p:nvSpPr>
-        <p:spPr>
-          <a:xfrm>
-            <a:off x="442452" y="117988"/>
-            <a:ext cx="11444747" cy="6548284"/>
-          </a:xfrm>
-          <a:prstGeom prst="rect">
-            <a:avLst/>
-          </a:prstGeom>
-          <a:noFill/>
-          <a:ln>
-            <a:solidFill>
-              <a:schemeClr val="bg1">
-                <a:lumMod val="65000"/>
-              </a:schemeClr>
-            </a:solidFill>
-          </a:ln>
-        </p:spPr>
-        <p:style>
-          <a:lnRef idx="2">
-            <a:schemeClr val="accent1">
-              <a:shade val="50000"/>
-            </a:schemeClr>
-          </a:lnRef>
-          <a:fillRef idx="1">
-            <a:schemeClr val="accent1"/>
-          </a:fillRef>
-          <a:effectRef idx="0">
-            <a:schemeClr val="accent1"/>
-          </a:effectRef>
-          <a:fontRef idx="minor">
-            <a:schemeClr val="lt1"/>
-          </a:fontRef>
-        </p:style>
-        <p:txBody>
-          <a:bodyPr rtlCol="0" anchor="ctr"/>
-          <a:lstStyle/>
-          <a:p>
-            <a:pPr algn="ctr"/>
-            <a:endParaRPr lang="en-US"/>
-          </a:p>
-        </p:txBody>
-      </p:sp>
-      <p:pic>
-        <p:nvPicPr>
-          <p:cNvPr id="4" name="Picture 3" descr="A close up of a map&#10;&#10;Description automatically generated">
-            <a:extLst>
-              <a:ext uri="{FF2B5EF4-FFF2-40B4-BE49-F238E27FC236}">
-                <a16:creationId xmlns:a16="http://schemas.microsoft.com/office/drawing/2014/main" id="{54953583-8DC0-4DC1-9C80-59364DCE9939}"/>
-              </a:ext>
-            </a:extLst>
-          </p:cNvPr>
-          <p:cNvPicPr>
-            <a:picLocks noChangeAspect="1"/>
-          </p:cNvPicPr>
-          <p:nvPr/>
-        </p:nvPicPr>
-        <p:blipFill>
-          <a:blip r:embed="rId2">
-            <a:extLst>
-              <a:ext uri="{28A0092B-C50C-407E-A947-70E740481C1C}">
-                <a14:useLocalDpi xmlns:a14="http://schemas.microsoft.com/office/drawing/2010/main" val="0"/>
-              </a:ext>
-            </a:extLst>
-          </a:blip>
-          <a:stretch>
-            <a:fillRect/>
-          </a:stretch>
-        </p:blipFill>
-        <p:spPr>
-          <a:xfrm>
-            <a:off x="592175" y="545082"/>
-            <a:ext cx="7331022" cy="3993389"/>
-          </a:xfrm>
-          <a:prstGeom prst="rect">
-            <a:avLst/>
-          </a:prstGeom>
-        </p:spPr>
-      </p:pic>
-      <p:pic>
-        <p:nvPicPr>
-          <p:cNvPr id="6" name="Picture 5" descr="A picture containing text, map&#10;&#10;Description automatically generated">
-            <a:extLst>
-              <a:ext uri="{FF2B5EF4-FFF2-40B4-BE49-F238E27FC236}">
-                <a16:creationId xmlns:a16="http://schemas.microsoft.com/office/drawing/2014/main" id="{949EBDC5-4E80-425B-84EA-DDBD3A9647A4}"/>
-              </a:ext>
-            </a:extLst>
-          </p:cNvPr>
-          <p:cNvPicPr>
-            <a:picLocks noChangeAspect="1"/>
-          </p:cNvPicPr>
-          <p:nvPr/>
-        </p:nvPicPr>
-        <p:blipFill>
-          <a:blip r:embed="rId3">
-            <a:extLst>
-              <a:ext uri="{28A0092B-C50C-407E-A947-70E740481C1C}">
-                <a14:useLocalDpi xmlns:a14="http://schemas.microsoft.com/office/drawing/2010/main" val="0"/>
-              </a:ext>
-            </a:extLst>
-          </a:blip>
-          <a:stretch>
-            <a:fillRect/>
-          </a:stretch>
-        </p:blipFill>
-        <p:spPr>
-          <a:xfrm>
-            <a:off x="4257686" y="3783081"/>
-            <a:ext cx="7525130" cy="2748571"/>
-          </a:xfrm>
-          <a:prstGeom prst="rect">
-            <a:avLst/>
-          </a:prstGeom>
-        </p:spPr>
-      </p:pic>
-      <p:sp>
-        <p:nvSpPr>
-          <p:cNvPr id="9" name="TextBox 8">
-            <a:extLst>
-              <a:ext uri="{FF2B5EF4-FFF2-40B4-BE49-F238E27FC236}">
-                <a16:creationId xmlns:a16="http://schemas.microsoft.com/office/drawing/2014/main" id="{65A82A39-C97E-4486-BF84-AD752A7FF992}"/>
-              </a:ext>
-            </a:extLst>
-          </p:cNvPr>
-          <p:cNvSpPr txBox="1"/>
-          <p:nvPr/>
-        </p:nvSpPr>
-        <p:spPr>
-          <a:xfrm>
-            <a:off x="1556139" y="175750"/>
-            <a:ext cx="4210816" cy="369332"/>
-          </a:xfrm>
-          <a:prstGeom prst="rect">
-            <a:avLst/>
-          </a:prstGeom>
-          <a:noFill/>
-        </p:spPr>
-        <p:txBody>
-          <a:bodyPr wrap="square" rtlCol="0">
-            <a:spAutoFit/>
-          </a:bodyPr>
-          <a:lstStyle/>
-          <a:p>
-            <a:pPr algn="ctr"/>
-            <a:r>
-              <a:rPr lang="en-US" b="1"/>
-              <a:t>Electricity Generation SSP5 by Class 2040</a:t>
-            </a:r>
-          </a:p>
-        </p:txBody>
-      </p:sp>
-      <p:sp>
-        <p:nvSpPr>
-          <p:cNvPr id="10" name="TextBox 9">
-            <a:extLst>
-              <a:ext uri="{FF2B5EF4-FFF2-40B4-BE49-F238E27FC236}">
-                <a16:creationId xmlns:a16="http://schemas.microsoft.com/office/drawing/2014/main" id="{52335815-A0C2-4151-96C4-FDD5E5395A04}"/>
-              </a:ext>
-            </a:extLst>
-          </p:cNvPr>
-          <p:cNvSpPr txBox="1"/>
-          <p:nvPr/>
-        </p:nvSpPr>
-        <p:spPr>
-          <a:xfrm>
-            <a:off x="5929124" y="3429000"/>
-            <a:ext cx="3976074" cy="369332"/>
-          </a:xfrm>
-          <a:prstGeom prst="rect">
-            <a:avLst/>
-          </a:prstGeom>
-          <a:noFill/>
-        </p:spPr>
-        <p:txBody>
-          <a:bodyPr wrap="square" rtlCol="0">
-            <a:spAutoFit/>
-          </a:bodyPr>
-          <a:lstStyle/>
-          <a:p>
-            <a:pPr algn="ctr"/>
-            <a:r>
-              <a:rPr lang="en-US" b="1"/>
-              <a:t>Land Allocation SSP5 by Class 2040</a:t>
-            </a:r>
-          </a:p>
-        </p:txBody>
-      </p:sp>
-    </p:spTree>
-    <p:extLst>
-      <p:ext uri="{BB962C8B-B14F-4D97-AF65-F5344CB8AC3E}">
-        <p14:creationId xmlns:p14="http://schemas.microsoft.com/office/powerpoint/2010/main" val="1298961020"/>
       </p:ext>
     </p:extLst>
   </p:cSld>
@@ -16832,6 +15295,771 @@
       </p:grpSpPr>
       <p:sp>
         <p:nvSpPr>
+          <p:cNvPr id="7" name="TextBox 6">
+            <a:extLst>
+              <a:ext uri="{FF2B5EF4-FFF2-40B4-BE49-F238E27FC236}">
+                <a16:creationId xmlns:a16="http://schemas.microsoft.com/office/drawing/2014/main" id="{A063DF1C-7DF0-40B4-AC9D-EC918B0CB000}"/>
+              </a:ext>
+            </a:extLst>
+          </p:cNvPr>
+          <p:cNvSpPr txBox="1"/>
+          <p:nvPr/>
+        </p:nvSpPr>
+        <p:spPr>
+          <a:xfrm>
+            <a:off x="192162" y="-345805"/>
+            <a:ext cx="3101370" cy="369332"/>
+          </a:xfrm>
+          <a:prstGeom prst="rect">
+            <a:avLst/>
+          </a:prstGeom>
+          <a:noFill/>
+        </p:spPr>
+        <p:txBody>
+          <a:bodyPr wrap="square" rtlCol="0">
+            <a:spAutoFit/>
+          </a:bodyPr>
+          <a:lstStyle/>
+          <a:p>
+            <a:pPr algn="ctr"/>
+            <a:r>
+              <a:rPr lang="en-US" b="1"/>
+              <a:t>GCAM by Param Figs</a:t>
+            </a:r>
+          </a:p>
+        </p:txBody>
+      </p:sp>
+      <p:sp>
+        <p:nvSpPr>
+          <p:cNvPr id="3" name="Rectangle 2">
+            <a:extLst>
+              <a:ext uri="{FF2B5EF4-FFF2-40B4-BE49-F238E27FC236}">
+                <a16:creationId xmlns:a16="http://schemas.microsoft.com/office/drawing/2014/main" id="{F74BF3CB-7E52-4F13-8449-FE231ADB4921}"/>
+              </a:ext>
+            </a:extLst>
+          </p:cNvPr>
+          <p:cNvSpPr/>
+          <p:nvPr/>
+        </p:nvSpPr>
+        <p:spPr>
+          <a:xfrm>
+            <a:off x="442452" y="117988"/>
+            <a:ext cx="11444747" cy="6548284"/>
+          </a:xfrm>
+          <a:prstGeom prst="rect">
+            <a:avLst/>
+          </a:prstGeom>
+          <a:noFill/>
+          <a:ln>
+            <a:solidFill>
+              <a:schemeClr val="bg1">
+                <a:lumMod val="65000"/>
+              </a:schemeClr>
+            </a:solidFill>
+          </a:ln>
+        </p:spPr>
+        <p:style>
+          <a:lnRef idx="2">
+            <a:schemeClr val="accent1">
+              <a:shade val="50000"/>
+            </a:schemeClr>
+          </a:lnRef>
+          <a:fillRef idx="1">
+            <a:schemeClr val="accent1"/>
+          </a:fillRef>
+          <a:effectRef idx="0">
+            <a:schemeClr val="accent1"/>
+          </a:effectRef>
+          <a:fontRef idx="minor">
+            <a:schemeClr val="lt1"/>
+          </a:fontRef>
+        </p:style>
+        <p:txBody>
+          <a:bodyPr rtlCol="0" anchor="ctr"/>
+          <a:lstStyle/>
+          <a:p>
+            <a:pPr algn="ctr"/>
+            <a:endParaRPr lang="en-US"/>
+          </a:p>
+        </p:txBody>
+      </p:sp>
+      <p:sp>
+        <p:nvSpPr>
+          <p:cNvPr id="64" name="TextBox 63">
+            <a:extLst>
+              <a:ext uri="{FF2B5EF4-FFF2-40B4-BE49-F238E27FC236}">
+                <a16:creationId xmlns:a16="http://schemas.microsoft.com/office/drawing/2014/main" id="{7628F066-CA00-4417-A6D9-707233D718F1}"/>
+              </a:ext>
+            </a:extLst>
+          </p:cNvPr>
+          <p:cNvSpPr txBox="1"/>
+          <p:nvPr/>
+        </p:nvSpPr>
+        <p:spPr>
+          <a:xfrm>
+            <a:off x="1084319" y="741040"/>
+            <a:ext cx="2485538" cy="369332"/>
+          </a:xfrm>
+          <a:prstGeom prst="rect">
+            <a:avLst/>
+          </a:prstGeom>
+          <a:noFill/>
+        </p:spPr>
+        <p:txBody>
+          <a:bodyPr wrap="square" rtlCol="0">
+            <a:spAutoFit/>
+          </a:bodyPr>
+          <a:lstStyle/>
+          <a:p>
+            <a:pPr algn="ctr"/>
+            <a:r>
+              <a:rPr lang="en-US" b="1"/>
+              <a:t>Population by Year SSP3</a:t>
+            </a:r>
+          </a:p>
+        </p:txBody>
+      </p:sp>
+      <p:sp>
+        <p:nvSpPr>
+          <p:cNvPr id="65" name="TextBox 64">
+            <a:extLst>
+              <a:ext uri="{FF2B5EF4-FFF2-40B4-BE49-F238E27FC236}">
+                <a16:creationId xmlns:a16="http://schemas.microsoft.com/office/drawing/2014/main" id="{D00C1B6A-B22A-4D19-91EF-C8BA151777A4}"/>
+              </a:ext>
+            </a:extLst>
+          </p:cNvPr>
+          <p:cNvSpPr txBox="1"/>
+          <p:nvPr/>
+        </p:nvSpPr>
+        <p:spPr>
+          <a:xfrm>
+            <a:off x="807994" y="3486630"/>
+            <a:ext cx="2485538" cy="646331"/>
+          </a:xfrm>
+          <a:prstGeom prst="rect">
+            <a:avLst/>
+          </a:prstGeom>
+          <a:noFill/>
+        </p:spPr>
+        <p:txBody>
+          <a:bodyPr wrap="square" rtlCol="0">
+            <a:spAutoFit/>
+          </a:bodyPr>
+          <a:lstStyle/>
+          <a:p>
+            <a:pPr algn="ctr"/>
+            <a:r>
+              <a:rPr lang="en-US" b="1"/>
+              <a:t>Land Allocation SSP5</a:t>
+            </a:r>
+          </a:p>
+          <a:p>
+            <a:pPr algn="ctr"/>
+            <a:r>
+              <a:rPr lang="en-US" b="1"/>
+              <a:t>(Mean 2010 to 2050)</a:t>
+            </a:r>
+          </a:p>
+        </p:txBody>
+      </p:sp>
+      <p:sp>
+        <p:nvSpPr>
+          <p:cNvPr id="66" name="TextBox 65">
+            <a:extLst>
+              <a:ext uri="{FF2B5EF4-FFF2-40B4-BE49-F238E27FC236}">
+                <a16:creationId xmlns:a16="http://schemas.microsoft.com/office/drawing/2014/main" id="{D23BD46B-EFD3-48A8-A749-606D7DA6C469}"/>
+              </a:ext>
+            </a:extLst>
+          </p:cNvPr>
+          <p:cNvSpPr txBox="1"/>
+          <p:nvPr/>
+        </p:nvSpPr>
+        <p:spPr>
+          <a:xfrm>
+            <a:off x="4853231" y="3552051"/>
+            <a:ext cx="2485538" cy="369332"/>
+          </a:xfrm>
+          <a:prstGeom prst="rect">
+            <a:avLst/>
+          </a:prstGeom>
+          <a:noFill/>
+        </p:spPr>
+        <p:txBody>
+          <a:bodyPr wrap="square" rtlCol="0">
+            <a:spAutoFit/>
+          </a:bodyPr>
+          <a:lstStyle/>
+          <a:p>
+            <a:pPr algn="ctr"/>
+            <a:r>
+              <a:rPr lang="en-US" b="1"/>
+              <a:t>Runoff by Basin 2050</a:t>
+            </a:r>
+          </a:p>
+        </p:txBody>
+      </p:sp>
+      <p:sp>
+        <p:nvSpPr>
+          <p:cNvPr id="67" name="TextBox 66">
+            <a:extLst>
+              <a:ext uri="{FF2B5EF4-FFF2-40B4-BE49-F238E27FC236}">
+                <a16:creationId xmlns:a16="http://schemas.microsoft.com/office/drawing/2014/main" id="{80439EAE-3020-4A30-8A0D-8343E7A17CD8}"/>
+              </a:ext>
+            </a:extLst>
+          </p:cNvPr>
+          <p:cNvSpPr txBox="1"/>
+          <p:nvPr/>
+        </p:nvSpPr>
+        <p:spPr>
+          <a:xfrm>
+            <a:off x="8412211" y="3447289"/>
+            <a:ext cx="2950299" cy="646331"/>
+          </a:xfrm>
+          <a:prstGeom prst="rect">
+            <a:avLst/>
+          </a:prstGeom>
+          <a:noFill/>
+        </p:spPr>
+        <p:txBody>
+          <a:bodyPr wrap="square" rtlCol="0">
+            <a:spAutoFit/>
+          </a:bodyPr>
+          <a:lstStyle/>
+          <a:p>
+            <a:pPr algn="ctr"/>
+            <a:r>
+              <a:rPr lang="en-US" b="1"/>
+              <a:t>Percentage Diff Elec Gen</a:t>
+            </a:r>
+          </a:p>
+          <a:p>
+            <a:pPr algn="ctr"/>
+            <a:r>
+              <a:rPr lang="en-US" b="1"/>
+              <a:t>(SSP5 – SSP3)</a:t>
+            </a:r>
+          </a:p>
+        </p:txBody>
+      </p:sp>
+      <p:pic>
+        <p:nvPicPr>
+          <p:cNvPr id="6" name="Picture 5" descr="A picture containing text, map&#10;&#10;Description automatically generated">
+            <a:extLst>
+              <a:ext uri="{FF2B5EF4-FFF2-40B4-BE49-F238E27FC236}">
+                <a16:creationId xmlns:a16="http://schemas.microsoft.com/office/drawing/2014/main" id="{5246A03D-8991-4794-AFC7-9553B33AAC8B}"/>
+              </a:ext>
+            </a:extLst>
+          </p:cNvPr>
+          <p:cNvPicPr>
+            <a:picLocks noChangeAspect="1"/>
+          </p:cNvPicPr>
+          <p:nvPr/>
+        </p:nvPicPr>
+        <p:blipFill>
+          <a:blip r:embed="rId2" cstate="print">
+            <a:extLst>
+              <a:ext uri="{28A0092B-C50C-407E-A947-70E740481C1C}">
+                <a14:useLocalDpi xmlns:a14="http://schemas.microsoft.com/office/drawing/2010/main" val="0"/>
+              </a:ext>
+            </a:extLst>
+          </a:blip>
+          <a:stretch>
+            <a:fillRect/>
+          </a:stretch>
+        </p:blipFill>
+        <p:spPr>
+          <a:xfrm>
+            <a:off x="4568054" y="4106049"/>
+            <a:ext cx="3655891" cy="2472811"/>
+          </a:xfrm>
+          <a:prstGeom prst="rect">
+            <a:avLst/>
+          </a:prstGeom>
+        </p:spPr>
+      </p:pic>
+      <p:pic>
+        <p:nvPicPr>
+          <p:cNvPr id="17" name="Picture 16" descr="A picture containing text, map&#10;&#10;Description automatically generated">
+            <a:extLst>
+              <a:ext uri="{FF2B5EF4-FFF2-40B4-BE49-F238E27FC236}">
+                <a16:creationId xmlns:a16="http://schemas.microsoft.com/office/drawing/2014/main" id="{1CF5B8F5-FA65-42EB-B3F1-1C8421421835}"/>
+              </a:ext>
+            </a:extLst>
+          </p:cNvPr>
+          <p:cNvPicPr>
+            <a:picLocks noChangeAspect="1"/>
+          </p:cNvPicPr>
+          <p:nvPr/>
+        </p:nvPicPr>
+        <p:blipFill>
+          <a:blip r:embed="rId3" cstate="print">
+            <a:extLst>
+              <a:ext uri="{28A0092B-C50C-407E-A947-70E740481C1C}">
+                <a14:useLocalDpi xmlns:a14="http://schemas.microsoft.com/office/drawing/2010/main" val="0"/>
+              </a:ext>
+            </a:extLst>
+          </a:blip>
+          <a:stretch>
+            <a:fillRect/>
+          </a:stretch>
+        </p:blipFill>
+        <p:spPr>
+          <a:xfrm>
+            <a:off x="672542" y="4106049"/>
+            <a:ext cx="3717897" cy="2472811"/>
+          </a:xfrm>
+          <a:prstGeom prst="rect">
+            <a:avLst/>
+          </a:prstGeom>
+        </p:spPr>
+      </p:pic>
+      <p:pic>
+        <p:nvPicPr>
+          <p:cNvPr id="19" name="Picture 18" descr="A close up of a map&#10;&#10;Description automatically generated">
+            <a:extLst>
+              <a:ext uri="{FF2B5EF4-FFF2-40B4-BE49-F238E27FC236}">
+                <a16:creationId xmlns:a16="http://schemas.microsoft.com/office/drawing/2014/main" id="{0D9FB249-DA1F-47EC-A0F5-53F1A1704847}"/>
+              </a:ext>
+            </a:extLst>
+          </p:cNvPr>
+          <p:cNvPicPr>
+            <a:picLocks noChangeAspect="1"/>
+          </p:cNvPicPr>
+          <p:nvPr/>
+        </p:nvPicPr>
+        <p:blipFill>
+          <a:blip r:embed="rId4">
+            <a:extLst>
+              <a:ext uri="{28A0092B-C50C-407E-A947-70E740481C1C}">
+                <a14:useLocalDpi xmlns:a14="http://schemas.microsoft.com/office/drawing/2010/main" val="0"/>
+              </a:ext>
+            </a:extLst>
+          </a:blip>
+          <a:stretch>
+            <a:fillRect/>
+          </a:stretch>
+        </p:blipFill>
+        <p:spPr>
+          <a:xfrm>
+            <a:off x="3934490" y="221175"/>
+            <a:ext cx="7428020" cy="1409063"/>
+          </a:xfrm>
+          <a:prstGeom prst="rect">
+            <a:avLst/>
+          </a:prstGeom>
+        </p:spPr>
+      </p:pic>
+      <p:pic>
+        <p:nvPicPr>
+          <p:cNvPr id="21" name="Picture 20" descr="A picture containing text, map&#10;&#10;Description automatically generated">
+            <a:extLst>
+              <a:ext uri="{FF2B5EF4-FFF2-40B4-BE49-F238E27FC236}">
+                <a16:creationId xmlns:a16="http://schemas.microsoft.com/office/drawing/2014/main" id="{46679271-34BC-46F3-A89F-3DD2AA742315}"/>
+              </a:ext>
+            </a:extLst>
+          </p:cNvPr>
+          <p:cNvPicPr>
+            <a:picLocks noChangeAspect="1"/>
+          </p:cNvPicPr>
+          <p:nvPr/>
+        </p:nvPicPr>
+        <p:blipFill>
+          <a:blip r:embed="rId5">
+            <a:extLst>
+              <a:ext uri="{28A0092B-C50C-407E-A947-70E740481C1C}">
+                <a14:useLocalDpi xmlns:a14="http://schemas.microsoft.com/office/drawing/2010/main" val="0"/>
+              </a:ext>
+            </a:extLst>
+          </a:blip>
+          <a:stretch>
+            <a:fillRect/>
+          </a:stretch>
+        </p:blipFill>
+        <p:spPr>
+          <a:xfrm>
+            <a:off x="3934490" y="1828225"/>
+            <a:ext cx="7223619" cy="1409062"/>
+          </a:xfrm>
+          <a:prstGeom prst="rect">
+            <a:avLst/>
+          </a:prstGeom>
+        </p:spPr>
+      </p:pic>
+      <p:sp>
+        <p:nvSpPr>
+          <p:cNvPr id="30" name="TextBox 29">
+            <a:extLst>
+              <a:ext uri="{FF2B5EF4-FFF2-40B4-BE49-F238E27FC236}">
+                <a16:creationId xmlns:a16="http://schemas.microsoft.com/office/drawing/2014/main" id="{2DFD97C6-B7A5-4D16-B656-84935B142B4C}"/>
+              </a:ext>
+            </a:extLst>
+          </p:cNvPr>
+          <p:cNvSpPr txBox="1"/>
+          <p:nvPr/>
+        </p:nvSpPr>
+        <p:spPr>
+          <a:xfrm>
+            <a:off x="1084319" y="1981564"/>
+            <a:ext cx="2485538" cy="923330"/>
+          </a:xfrm>
+          <a:prstGeom prst="rect">
+            <a:avLst/>
+          </a:prstGeom>
+          <a:noFill/>
+        </p:spPr>
+        <p:txBody>
+          <a:bodyPr wrap="square" rtlCol="0">
+            <a:spAutoFit/>
+          </a:bodyPr>
+          <a:lstStyle/>
+          <a:p>
+            <a:pPr algn="ctr"/>
+            <a:r>
+              <a:rPr lang="en-US" b="1"/>
+              <a:t>Absolute Difference in Population by Year</a:t>
+            </a:r>
+          </a:p>
+          <a:p>
+            <a:pPr algn="ctr"/>
+            <a:r>
+              <a:rPr lang="en-US" b="1"/>
+              <a:t>(SSP5 – SSP3)</a:t>
+            </a:r>
+          </a:p>
+        </p:txBody>
+      </p:sp>
+      <p:pic>
+        <p:nvPicPr>
+          <p:cNvPr id="25" name="Picture 24" descr="A picture containing text, map&#10;&#10;Description automatically generated">
+            <a:extLst>
+              <a:ext uri="{FF2B5EF4-FFF2-40B4-BE49-F238E27FC236}">
+                <a16:creationId xmlns:a16="http://schemas.microsoft.com/office/drawing/2014/main" id="{1F8DE4E6-08A9-4594-88BA-0F93AA1C048E}"/>
+              </a:ext>
+            </a:extLst>
+          </p:cNvPr>
+          <p:cNvPicPr>
+            <a:picLocks noChangeAspect="1"/>
+          </p:cNvPicPr>
+          <p:nvPr/>
+        </p:nvPicPr>
+        <p:blipFill>
+          <a:blip r:embed="rId6" cstate="print">
+            <a:extLst>
+              <a:ext uri="{28A0092B-C50C-407E-A947-70E740481C1C}">
+                <a14:useLocalDpi xmlns:a14="http://schemas.microsoft.com/office/drawing/2010/main" val="0"/>
+              </a:ext>
+            </a:extLst>
+          </a:blip>
+          <a:stretch>
+            <a:fillRect/>
+          </a:stretch>
+        </p:blipFill>
+        <p:spPr>
+          <a:xfrm>
+            <a:off x="8223945" y="4135943"/>
+            <a:ext cx="3424701" cy="2413022"/>
+          </a:xfrm>
+          <a:prstGeom prst="rect">
+            <a:avLst/>
+          </a:prstGeom>
+        </p:spPr>
+      </p:pic>
+    </p:spTree>
+    <p:extLst>
+      <p:ext uri="{BB962C8B-B14F-4D97-AF65-F5344CB8AC3E}">
+        <p14:creationId xmlns:p14="http://schemas.microsoft.com/office/powerpoint/2010/main" val="454569677"/>
+      </p:ext>
+    </p:extLst>
+  </p:cSld>
+  <p:clrMapOvr>
+    <a:masterClrMapping/>
+  </p:clrMapOvr>
+</p:sld>
+</file>
+
+<file path=ppt/slides/slide43.xml><?xml version="1.0" encoding="utf-8"?>
+<p:sld xmlns:a="http://schemas.openxmlformats.org/drawingml/2006/main" xmlns:r="http://schemas.openxmlformats.org/officeDocument/2006/relationships" xmlns:p="http://schemas.openxmlformats.org/presentationml/2006/main">
+  <p:cSld>
+    <p:spTree>
+      <p:nvGrpSpPr>
+        <p:cNvPr id="1" name=""/>
+        <p:cNvGrpSpPr/>
+        <p:nvPr/>
+      </p:nvGrpSpPr>
+      <p:grpSpPr>
+        <a:xfrm>
+          <a:off x="0" y="0"/>
+          <a:ext cx="0" cy="0"/>
+          <a:chOff x="0" y="0"/>
+          <a:chExt cx="0" cy="0"/>
+        </a:xfrm>
+      </p:grpSpPr>
+      <p:sp>
+        <p:nvSpPr>
+          <p:cNvPr id="7" name="TextBox 6">
+            <a:extLst>
+              <a:ext uri="{FF2B5EF4-FFF2-40B4-BE49-F238E27FC236}">
+                <a16:creationId xmlns:a16="http://schemas.microsoft.com/office/drawing/2014/main" id="{A063DF1C-7DF0-40B4-AC9D-EC918B0CB000}"/>
+              </a:ext>
+            </a:extLst>
+          </p:cNvPr>
+          <p:cNvSpPr txBox="1"/>
+          <p:nvPr/>
+        </p:nvSpPr>
+        <p:spPr>
+          <a:xfrm>
+            <a:off x="201996" y="-369332"/>
+            <a:ext cx="3101370" cy="369332"/>
+          </a:xfrm>
+          <a:prstGeom prst="rect">
+            <a:avLst/>
+          </a:prstGeom>
+          <a:noFill/>
+        </p:spPr>
+        <p:txBody>
+          <a:bodyPr wrap="square" rtlCol="0">
+            <a:spAutoFit/>
+          </a:bodyPr>
+          <a:lstStyle/>
+          <a:p>
+            <a:pPr algn="ctr"/>
+            <a:r>
+              <a:rPr lang="en-US" b="1"/>
+              <a:t>GCAM by Class Figs</a:t>
+            </a:r>
+          </a:p>
+        </p:txBody>
+      </p:sp>
+      <p:sp>
+        <p:nvSpPr>
+          <p:cNvPr id="3" name="Rectangle 2">
+            <a:extLst>
+              <a:ext uri="{FF2B5EF4-FFF2-40B4-BE49-F238E27FC236}">
+                <a16:creationId xmlns:a16="http://schemas.microsoft.com/office/drawing/2014/main" id="{80047060-3AA7-4699-9EAE-4E3F4573EEA2}"/>
+              </a:ext>
+            </a:extLst>
+          </p:cNvPr>
+          <p:cNvSpPr/>
+          <p:nvPr/>
+        </p:nvSpPr>
+        <p:spPr>
+          <a:xfrm>
+            <a:off x="442452" y="117988"/>
+            <a:ext cx="11444747" cy="6548284"/>
+          </a:xfrm>
+          <a:prstGeom prst="rect">
+            <a:avLst/>
+          </a:prstGeom>
+          <a:noFill/>
+          <a:ln>
+            <a:solidFill>
+              <a:schemeClr val="bg1">
+                <a:lumMod val="65000"/>
+              </a:schemeClr>
+            </a:solidFill>
+          </a:ln>
+        </p:spPr>
+        <p:style>
+          <a:lnRef idx="2">
+            <a:schemeClr val="accent1">
+              <a:shade val="50000"/>
+            </a:schemeClr>
+          </a:lnRef>
+          <a:fillRef idx="1">
+            <a:schemeClr val="accent1"/>
+          </a:fillRef>
+          <a:effectRef idx="0">
+            <a:schemeClr val="accent1"/>
+          </a:effectRef>
+          <a:fontRef idx="minor">
+            <a:schemeClr val="lt1"/>
+          </a:fontRef>
+        </p:style>
+        <p:txBody>
+          <a:bodyPr rtlCol="0" anchor="ctr"/>
+          <a:lstStyle/>
+          <a:p>
+            <a:pPr algn="ctr"/>
+            <a:endParaRPr lang="en-US"/>
+          </a:p>
+        </p:txBody>
+      </p:sp>
+      <p:pic>
+        <p:nvPicPr>
+          <p:cNvPr id="4" name="Picture 3" descr="A close up of a map&#10;&#10;Description automatically generated">
+            <a:extLst>
+              <a:ext uri="{FF2B5EF4-FFF2-40B4-BE49-F238E27FC236}">
+                <a16:creationId xmlns:a16="http://schemas.microsoft.com/office/drawing/2014/main" id="{54953583-8DC0-4DC1-9C80-59364DCE9939}"/>
+              </a:ext>
+            </a:extLst>
+          </p:cNvPr>
+          <p:cNvPicPr>
+            <a:picLocks noChangeAspect="1"/>
+          </p:cNvPicPr>
+          <p:nvPr/>
+        </p:nvPicPr>
+        <p:blipFill>
+          <a:blip r:embed="rId2">
+            <a:extLst>
+              <a:ext uri="{28A0092B-C50C-407E-A947-70E740481C1C}">
+                <a14:useLocalDpi xmlns:a14="http://schemas.microsoft.com/office/drawing/2010/main" val="0"/>
+              </a:ext>
+            </a:extLst>
+          </a:blip>
+          <a:stretch>
+            <a:fillRect/>
+          </a:stretch>
+        </p:blipFill>
+        <p:spPr>
+          <a:xfrm>
+            <a:off x="592175" y="545082"/>
+            <a:ext cx="7331022" cy="3993389"/>
+          </a:xfrm>
+          <a:prstGeom prst="rect">
+            <a:avLst/>
+          </a:prstGeom>
+        </p:spPr>
+      </p:pic>
+      <p:pic>
+        <p:nvPicPr>
+          <p:cNvPr id="6" name="Picture 5" descr="A picture containing text, map&#10;&#10;Description automatically generated">
+            <a:extLst>
+              <a:ext uri="{FF2B5EF4-FFF2-40B4-BE49-F238E27FC236}">
+                <a16:creationId xmlns:a16="http://schemas.microsoft.com/office/drawing/2014/main" id="{949EBDC5-4E80-425B-84EA-DDBD3A9647A4}"/>
+              </a:ext>
+            </a:extLst>
+          </p:cNvPr>
+          <p:cNvPicPr>
+            <a:picLocks noChangeAspect="1"/>
+          </p:cNvPicPr>
+          <p:nvPr/>
+        </p:nvPicPr>
+        <p:blipFill>
+          <a:blip r:embed="rId3">
+            <a:extLst>
+              <a:ext uri="{28A0092B-C50C-407E-A947-70E740481C1C}">
+                <a14:useLocalDpi xmlns:a14="http://schemas.microsoft.com/office/drawing/2010/main" val="0"/>
+              </a:ext>
+            </a:extLst>
+          </a:blip>
+          <a:stretch>
+            <a:fillRect/>
+          </a:stretch>
+        </p:blipFill>
+        <p:spPr>
+          <a:xfrm>
+            <a:off x="4257686" y="3783081"/>
+            <a:ext cx="7525130" cy="2748571"/>
+          </a:xfrm>
+          <a:prstGeom prst="rect">
+            <a:avLst/>
+          </a:prstGeom>
+        </p:spPr>
+      </p:pic>
+      <p:sp>
+        <p:nvSpPr>
+          <p:cNvPr id="9" name="TextBox 8">
+            <a:extLst>
+              <a:ext uri="{FF2B5EF4-FFF2-40B4-BE49-F238E27FC236}">
+                <a16:creationId xmlns:a16="http://schemas.microsoft.com/office/drawing/2014/main" id="{65A82A39-C97E-4486-BF84-AD752A7FF992}"/>
+              </a:ext>
+            </a:extLst>
+          </p:cNvPr>
+          <p:cNvSpPr txBox="1"/>
+          <p:nvPr/>
+        </p:nvSpPr>
+        <p:spPr>
+          <a:xfrm>
+            <a:off x="1556139" y="175750"/>
+            <a:ext cx="4210816" cy="369332"/>
+          </a:xfrm>
+          <a:prstGeom prst="rect">
+            <a:avLst/>
+          </a:prstGeom>
+          <a:noFill/>
+        </p:spPr>
+        <p:txBody>
+          <a:bodyPr wrap="square" rtlCol="0">
+            <a:spAutoFit/>
+          </a:bodyPr>
+          <a:lstStyle/>
+          <a:p>
+            <a:pPr algn="ctr"/>
+            <a:r>
+              <a:rPr lang="en-US" b="1"/>
+              <a:t>Electricity Generation SSP5 by Class 2040</a:t>
+            </a:r>
+          </a:p>
+        </p:txBody>
+      </p:sp>
+      <p:sp>
+        <p:nvSpPr>
+          <p:cNvPr id="10" name="TextBox 9">
+            <a:extLst>
+              <a:ext uri="{FF2B5EF4-FFF2-40B4-BE49-F238E27FC236}">
+                <a16:creationId xmlns:a16="http://schemas.microsoft.com/office/drawing/2014/main" id="{52335815-A0C2-4151-96C4-FDD5E5395A04}"/>
+              </a:ext>
+            </a:extLst>
+          </p:cNvPr>
+          <p:cNvSpPr txBox="1"/>
+          <p:nvPr/>
+        </p:nvSpPr>
+        <p:spPr>
+          <a:xfrm>
+            <a:off x="5929124" y="3429000"/>
+            <a:ext cx="3976074" cy="369332"/>
+          </a:xfrm>
+          <a:prstGeom prst="rect">
+            <a:avLst/>
+          </a:prstGeom>
+          <a:noFill/>
+        </p:spPr>
+        <p:txBody>
+          <a:bodyPr wrap="square" rtlCol="0">
+            <a:spAutoFit/>
+          </a:bodyPr>
+          <a:lstStyle/>
+          <a:p>
+            <a:pPr algn="ctr"/>
+            <a:r>
+              <a:rPr lang="en-US" b="1"/>
+              <a:t>Land Allocation SSP5 by Class 2040</a:t>
+            </a:r>
+          </a:p>
+        </p:txBody>
+      </p:sp>
+    </p:spTree>
+    <p:extLst>
+      <p:ext uri="{BB962C8B-B14F-4D97-AF65-F5344CB8AC3E}">
+        <p14:creationId xmlns:p14="http://schemas.microsoft.com/office/powerpoint/2010/main" val="1298961020"/>
+      </p:ext>
+    </p:extLst>
+  </p:cSld>
+  <p:clrMapOvr>
+    <a:masterClrMapping/>
+  </p:clrMapOvr>
+</p:sld>
+</file>
+
+<file path=ppt/slides/slide44.xml><?xml version="1.0" encoding="utf-8"?>
+<p:sld xmlns:a="http://schemas.openxmlformats.org/drawingml/2006/main" xmlns:r="http://schemas.openxmlformats.org/officeDocument/2006/relationships" xmlns:p="http://schemas.openxmlformats.org/presentationml/2006/main">
+  <p:cSld>
+    <p:spTree>
+      <p:nvGrpSpPr>
+        <p:cNvPr id="1" name=""/>
+        <p:cNvGrpSpPr/>
+        <p:nvPr/>
+      </p:nvGrpSpPr>
+      <p:grpSpPr>
+        <a:xfrm>
+          <a:off x="0" y="0"/>
+          <a:ext cx="0" cy="0"/>
+          <a:chOff x="0" y="0"/>
+          <a:chExt cx="0" cy="0"/>
+        </a:xfrm>
+      </p:grpSpPr>
+      <p:sp>
+        <p:nvSpPr>
           <p:cNvPr id="2" name="Title 1"/>
           <p:cNvSpPr>
             <a:spLocks noGrp="1"/>
@@ -16870,7 +16098,7 @@
 </p:sld>
 </file>
 
-<file path=ppt/slides/slide43.xml><?xml version="1.0" encoding="utf-8"?>
+<file path=ppt/slides/slide45.xml><?xml version="1.0" encoding="utf-8"?>
 <p:sld xmlns:a="http://schemas.openxmlformats.org/drawingml/2006/main" xmlns:r="http://schemas.openxmlformats.org/officeDocument/2006/relationships" xmlns:p="http://schemas.openxmlformats.org/presentationml/2006/main">
   <p:cSld>
     <p:spTree>
@@ -18939,7 +18167,7 @@
 </p:sld>
 </file>
 
-<file path=ppt/slides/slide44.xml><?xml version="1.0" encoding="utf-8"?>
+<file path=ppt/slides/slide46.xml><?xml version="1.0" encoding="utf-8"?>
 <p:sld xmlns:a="http://schemas.openxmlformats.org/drawingml/2006/main" xmlns:r="http://schemas.openxmlformats.org/officeDocument/2006/relationships" xmlns:p="http://schemas.openxmlformats.org/presentationml/2006/main">
   <p:cSld>
     <p:spTree>
@@ -19855,7 +19083,7 @@
 </p:sld>
 </file>
 
-<file path=ppt/slides/slide45.xml><?xml version="1.0" encoding="utf-8"?>
+<file path=ppt/slides/slide47.xml><?xml version="1.0" encoding="utf-8"?>
 <p:sld xmlns:a="http://schemas.openxmlformats.org/drawingml/2006/main" xmlns:r="http://schemas.openxmlformats.org/officeDocument/2006/relationships" xmlns:p="http://schemas.openxmlformats.org/presentationml/2006/main">
   <p:cSld>
     <p:spTree>
@@ -26711,7 +25939,7 @@
 </p:sld>
 </file>
 
-<file path=ppt/slides/slide46.xml><?xml version="1.0" encoding="utf-8"?>
+<file path=ppt/slides/slide48.xml><?xml version="1.0" encoding="utf-8"?>
 <p:sld xmlns:a="http://schemas.openxmlformats.org/drawingml/2006/main" xmlns:r="http://schemas.openxmlformats.org/officeDocument/2006/relationships" xmlns:p="http://schemas.openxmlformats.org/presentationml/2006/main">
   <p:cSld>
     <p:spTree>

--- a/vignettes/vignetteFigs/00vignetteFigs.pptx
+++ b/vignettes/vignetteFigs/00vignetteFigs.pptx
@@ -244,7 +244,7 @@
           <a:p>
             <a:fld id="{921607FB-4AF3-41D9-93C1-AF2B65302971}" type="datetimeFigureOut">
               <a:rPr lang="en-US" smtClean="0"/>
-              <a:t>3/1/2021</a:t>
+              <a:t>3/2/2021</a:t>
             </a:fld>
             <a:endParaRPr lang="en-US"/>
           </a:p>
@@ -640,7 +640,7 @@
           <a:p>
             <a:fld id="{11D67388-0790-496E-9A12-37055489AF4F}" type="datetimeFigureOut">
               <a:rPr lang="en-US" smtClean="0"/>
-              <a:t>3/1/2021</a:t>
+              <a:t>3/2/2021</a:t>
             </a:fld>
             <a:endParaRPr lang="en-US"/>
           </a:p>
@@ -808,7 +808,7 @@
           <a:p>
             <a:fld id="{11D67388-0790-496E-9A12-37055489AF4F}" type="datetimeFigureOut">
               <a:rPr lang="en-US" smtClean="0"/>
-              <a:t>3/1/2021</a:t>
+              <a:t>3/2/2021</a:t>
             </a:fld>
             <a:endParaRPr lang="en-US"/>
           </a:p>
@@ -986,7 +986,7 @@
           <a:p>
             <a:fld id="{11D67388-0790-496E-9A12-37055489AF4F}" type="datetimeFigureOut">
               <a:rPr lang="en-US" smtClean="0"/>
-              <a:t>3/1/2021</a:t>
+              <a:t>3/2/2021</a:t>
             </a:fld>
             <a:endParaRPr lang="en-US"/>
           </a:p>
@@ -1154,7 +1154,7 @@
           <a:p>
             <a:fld id="{11D67388-0790-496E-9A12-37055489AF4F}" type="datetimeFigureOut">
               <a:rPr lang="en-US" smtClean="0"/>
-              <a:t>3/1/2021</a:t>
+              <a:t>3/2/2021</a:t>
             </a:fld>
             <a:endParaRPr lang="en-US"/>
           </a:p>
@@ -1399,7 +1399,7 @@
           <a:p>
             <a:fld id="{11D67388-0790-496E-9A12-37055489AF4F}" type="datetimeFigureOut">
               <a:rPr lang="en-US" smtClean="0"/>
-              <a:t>3/1/2021</a:t>
+              <a:t>3/2/2021</a:t>
             </a:fld>
             <a:endParaRPr lang="en-US"/>
           </a:p>
@@ -1628,7 +1628,7 @@
           <a:p>
             <a:fld id="{11D67388-0790-496E-9A12-37055489AF4F}" type="datetimeFigureOut">
               <a:rPr lang="en-US" smtClean="0"/>
-              <a:t>3/1/2021</a:t>
+              <a:t>3/2/2021</a:t>
             </a:fld>
             <a:endParaRPr lang="en-US"/>
           </a:p>
@@ -1992,7 +1992,7 @@
           <a:p>
             <a:fld id="{11D67388-0790-496E-9A12-37055489AF4F}" type="datetimeFigureOut">
               <a:rPr lang="en-US" smtClean="0"/>
-              <a:t>3/1/2021</a:t>
+              <a:t>3/2/2021</a:t>
             </a:fld>
             <a:endParaRPr lang="en-US"/>
           </a:p>
@@ -2109,7 +2109,7 @@
           <a:p>
             <a:fld id="{11D67388-0790-496E-9A12-37055489AF4F}" type="datetimeFigureOut">
               <a:rPr lang="en-US" smtClean="0"/>
-              <a:t>3/1/2021</a:t>
+              <a:t>3/2/2021</a:t>
             </a:fld>
             <a:endParaRPr lang="en-US"/>
           </a:p>
@@ -2204,7 +2204,7 @@
           <a:p>
             <a:fld id="{11D67388-0790-496E-9A12-37055489AF4F}" type="datetimeFigureOut">
               <a:rPr lang="en-US" smtClean="0"/>
-              <a:t>3/1/2021</a:t>
+              <a:t>3/2/2021</a:t>
             </a:fld>
             <a:endParaRPr lang="en-US"/>
           </a:p>
@@ -2479,7 +2479,7 @@
           <a:p>
             <a:fld id="{11D67388-0790-496E-9A12-37055489AF4F}" type="datetimeFigureOut">
               <a:rPr lang="en-US" smtClean="0"/>
-              <a:t>3/1/2021</a:t>
+              <a:t>3/2/2021</a:t>
             </a:fld>
             <a:endParaRPr lang="en-US"/>
           </a:p>
@@ -2731,7 +2731,7 @@
           <a:p>
             <a:fld id="{11D67388-0790-496E-9A12-37055489AF4F}" type="datetimeFigureOut">
               <a:rPr lang="en-US" smtClean="0"/>
-              <a:t>3/1/2021</a:t>
+              <a:t>3/2/2021</a:t>
             </a:fld>
             <a:endParaRPr lang="en-US"/>
           </a:p>
@@ -2942,7 +2942,7 @@
           <a:p>
             <a:fld id="{11D67388-0790-496E-9A12-37055489AF4F}" type="datetimeFigureOut">
               <a:rPr lang="en-US" smtClean="0"/>
-              <a:t>3/1/2021</a:t>
+              <a:t>3/2/2021</a:t>
             </a:fld>
             <a:endParaRPr lang="en-US"/>
           </a:p>
@@ -28121,7 +28121,7 @@
                     <a:p>
                       <a:pPr algn="ctr"/>
                       <a:r>
-                        <a:rPr lang="en-US" sz="1800"/>
+                        <a:rPr lang="en-US" sz="1800" dirty="0"/>
                         <a:t>7</a:t>
                       </a:r>
                     </a:p>

--- a/vignettes/vignetteFigs/00vignetteFigs.pptx
+++ b/vignettes/vignetteFigs/00vignetteFigs.pptx
@@ -5,7 +5,7 @@
     <p:sldMasterId id="2147483648" r:id="rId1"/>
   </p:sldMasterIdLst>
   <p:notesMasterIdLst>
-    <p:notesMasterId r:id="rId50"/>
+    <p:notesMasterId r:id="rId49"/>
   </p:notesMasterIdLst>
   <p:sldIdLst>
     <p:sldId id="260" r:id="rId2"/>
@@ -55,7 +55,6 @@
     <p:sldId id="301" r:id="rId46"/>
     <p:sldId id="300" r:id="rId47"/>
     <p:sldId id="298" r:id="rId48"/>
-    <p:sldId id="302" r:id="rId49"/>
   </p:sldIdLst>
   <p:sldSz cx="12192000" cy="6858000"/>
   <p:notesSz cx="6858000" cy="9144000"/>
@@ -244,7 +243,7 @@
           <a:p>
             <a:fld id="{921607FB-4AF3-41D9-93C1-AF2B65302971}" type="datetimeFigureOut">
               <a:rPr lang="en-US" smtClean="0"/>
-              <a:t>3/2/2021</a:t>
+              <a:t>4/9/2021</a:t>
             </a:fld>
             <a:endParaRPr lang="en-US"/>
           </a:p>
@@ -640,7 +639,7 @@
           <a:p>
             <a:fld id="{11D67388-0790-496E-9A12-37055489AF4F}" type="datetimeFigureOut">
               <a:rPr lang="en-US" smtClean="0"/>
-              <a:t>3/2/2021</a:t>
+              <a:t>4/9/2021</a:t>
             </a:fld>
             <a:endParaRPr lang="en-US"/>
           </a:p>
@@ -808,7 +807,7 @@
           <a:p>
             <a:fld id="{11D67388-0790-496E-9A12-37055489AF4F}" type="datetimeFigureOut">
               <a:rPr lang="en-US" smtClean="0"/>
-              <a:t>3/2/2021</a:t>
+              <a:t>4/9/2021</a:t>
             </a:fld>
             <a:endParaRPr lang="en-US"/>
           </a:p>
@@ -986,7 +985,7 @@
           <a:p>
             <a:fld id="{11D67388-0790-496E-9A12-37055489AF4F}" type="datetimeFigureOut">
               <a:rPr lang="en-US" smtClean="0"/>
-              <a:t>3/2/2021</a:t>
+              <a:t>4/9/2021</a:t>
             </a:fld>
             <a:endParaRPr lang="en-US"/>
           </a:p>
@@ -1154,7 +1153,7 @@
           <a:p>
             <a:fld id="{11D67388-0790-496E-9A12-37055489AF4F}" type="datetimeFigureOut">
               <a:rPr lang="en-US" smtClean="0"/>
-              <a:t>3/2/2021</a:t>
+              <a:t>4/9/2021</a:t>
             </a:fld>
             <a:endParaRPr lang="en-US"/>
           </a:p>
@@ -1399,7 +1398,7 @@
           <a:p>
             <a:fld id="{11D67388-0790-496E-9A12-37055489AF4F}" type="datetimeFigureOut">
               <a:rPr lang="en-US" smtClean="0"/>
-              <a:t>3/2/2021</a:t>
+              <a:t>4/9/2021</a:t>
             </a:fld>
             <a:endParaRPr lang="en-US"/>
           </a:p>
@@ -1628,7 +1627,7 @@
           <a:p>
             <a:fld id="{11D67388-0790-496E-9A12-37055489AF4F}" type="datetimeFigureOut">
               <a:rPr lang="en-US" smtClean="0"/>
-              <a:t>3/2/2021</a:t>
+              <a:t>4/9/2021</a:t>
             </a:fld>
             <a:endParaRPr lang="en-US"/>
           </a:p>
@@ -1992,7 +1991,7 @@
           <a:p>
             <a:fld id="{11D67388-0790-496E-9A12-37055489AF4F}" type="datetimeFigureOut">
               <a:rPr lang="en-US" smtClean="0"/>
-              <a:t>3/2/2021</a:t>
+              <a:t>4/9/2021</a:t>
             </a:fld>
             <a:endParaRPr lang="en-US"/>
           </a:p>
@@ -2109,7 +2108,7 @@
           <a:p>
             <a:fld id="{11D67388-0790-496E-9A12-37055489AF4F}" type="datetimeFigureOut">
               <a:rPr lang="en-US" smtClean="0"/>
-              <a:t>3/2/2021</a:t>
+              <a:t>4/9/2021</a:t>
             </a:fld>
             <a:endParaRPr lang="en-US"/>
           </a:p>
@@ -2204,7 +2203,7 @@
           <a:p>
             <a:fld id="{11D67388-0790-496E-9A12-37055489AF4F}" type="datetimeFigureOut">
               <a:rPr lang="en-US" smtClean="0"/>
-              <a:t>3/2/2021</a:t>
+              <a:t>4/9/2021</a:t>
             </a:fld>
             <a:endParaRPr lang="en-US"/>
           </a:p>
@@ -2479,7 +2478,7 @@
           <a:p>
             <a:fld id="{11D67388-0790-496E-9A12-37055489AF4F}" type="datetimeFigureOut">
               <a:rPr lang="en-US" smtClean="0"/>
-              <a:t>3/2/2021</a:t>
+              <a:t>4/9/2021</a:t>
             </a:fld>
             <a:endParaRPr lang="en-US"/>
           </a:p>
@@ -2731,7 +2730,7 @@
           <a:p>
             <a:fld id="{11D67388-0790-496E-9A12-37055489AF4F}" type="datetimeFigureOut">
               <a:rPr lang="en-US" smtClean="0"/>
-              <a:t>3/2/2021</a:t>
+              <a:t>4/9/2021</a:t>
             </a:fld>
             <a:endParaRPr lang="en-US"/>
           </a:p>
@@ -2942,7 +2941,7 @@
           <a:p>
             <a:fld id="{11D67388-0790-496E-9A12-37055489AF4F}" type="datetimeFigureOut">
               <a:rPr lang="en-US" smtClean="0"/>
-              <a:t>3/2/2021</a:t>
+              <a:t>4/9/2021</a:t>
             </a:fld>
             <a:endParaRPr lang="en-US"/>
           </a:p>
@@ -25939,36 +25938,6 @@
 </p:sld>
 </file>
 
-<file path=ppt/slides/slide48.xml><?xml version="1.0" encoding="utf-8"?>
-<p:sld xmlns:a="http://schemas.openxmlformats.org/drawingml/2006/main" xmlns:r="http://schemas.openxmlformats.org/officeDocument/2006/relationships" xmlns:p="http://schemas.openxmlformats.org/presentationml/2006/main">
-  <p:cSld>
-    <p:spTree>
-      <p:nvGrpSpPr>
-        <p:cNvPr id="1" name=""/>
-        <p:cNvGrpSpPr/>
-        <p:nvPr/>
-      </p:nvGrpSpPr>
-      <p:grpSpPr>
-        <a:xfrm>
-          <a:off x="0" y="0"/>
-          <a:ext cx="0" cy="0"/>
-          <a:chOff x="0" y="0"/>
-          <a:chExt cx="0" cy="0"/>
-        </a:xfrm>
-      </p:grpSpPr>
-    </p:spTree>
-    <p:extLst>
-      <p:ext uri="{BB962C8B-B14F-4D97-AF65-F5344CB8AC3E}">
-        <p14:creationId xmlns:p14="http://schemas.microsoft.com/office/powerpoint/2010/main" val="2366498184"/>
-      </p:ext>
-    </p:extLst>
-  </p:cSld>
-  <p:clrMapOvr>
-    <a:masterClrMapping/>
-  </p:clrMapOvr>
-</p:sld>
-</file>
-
 <file path=ppt/slides/slide5.xml><?xml version="1.0" encoding="utf-8"?>
 <p:sld xmlns:a="http://schemas.openxmlformats.org/drawingml/2006/main" xmlns:r="http://schemas.openxmlformats.org/officeDocument/2006/relationships" xmlns:p="http://schemas.openxmlformats.org/presentationml/2006/main">
   <p:cSld>

--- a/vignettes/vignetteFigs/00vignetteFigs.pptx
+++ b/vignettes/vignetteFigs/00vignetteFigs.pptx
@@ -5,10 +5,11 @@
     <p:sldMasterId id="2147483648" r:id="rId1"/>
   </p:sldMasterIdLst>
   <p:notesMasterIdLst>
-    <p:notesMasterId r:id="rId3"/>
+    <p:notesMasterId r:id="rId4"/>
   </p:notesMasterIdLst>
   <p:sldIdLst>
     <p:sldId id="316" r:id="rId2"/>
+    <p:sldId id="317" r:id="rId3"/>
   </p:sldIdLst>
   <p:sldSz cx="12192000" cy="6858000"/>
   <p:notesSz cx="6858000" cy="9144000"/>
@@ -197,7 +198,7 @@
           <a:p>
             <a:fld id="{921607FB-4AF3-41D9-93C1-AF2B65302971}" type="datetimeFigureOut">
               <a:rPr lang="en-US" smtClean="0"/>
-              <a:t>7/11/2021</a:t>
+              <a:t>7/30/2021</a:t>
             </a:fld>
             <a:endParaRPr lang="en-US"/>
           </a:p>
@@ -593,7 +594,7 @@
           <a:p>
             <a:fld id="{11D67388-0790-496E-9A12-37055489AF4F}" type="datetimeFigureOut">
               <a:rPr lang="en-US" smtClean="0"/>
-              <a:t>7/11/2021</a:t>
+              <a:t>7/30/2021</a:t>
             </a:fld>
             <a:endParaRPr lang="en-US"/>
           </a:p>
@@ -761,7 +762,7 @@
           <a:p>
             <a:fld id="{11D67388-0790-496E-9A12-37055489AF4F}" type="datetimeFigureOut">
               <a:rPr lang="en-US" smtClean="0"/>
-              <a:t>7/11/2021</a:t>
+              <a:t>7/30/2021</a:t>
             </a:fld>
             <a:endParaRPr lang="en-US"/>
           </a:p>
@@ -939,7 +940,7 @@
           <a:p>
             <a:fld id="{11D67388-0790-496E-9A12-37055489AF4F}" type="datetimeFigureOut">
               <a:rPr lang="en-US" smtClean="0"/>
-              <a:t>7/11/2021</a:t>
+              <a:t>7/30/2021</a:t>
             </a:fld>
             <a:endParaRPr lang="en-US"/>
           </a:p>
@@ -1107,7 +1108,7 @@
           <a:p>
             <a:fld id="{11D67388-0790-496E-9A12-37055489AF4F}" type="datetimeFigureOut">
               <a:rPr lang="en-US" smtClean="0"/>
-              <a:t>7/11/2021</a:t>
+              <a:t>7/30/2021</a:t>
             </a:fld>
             <a:endParaRPr lang="en-US"/>
           </a:p>
@@ -1352,7 +1353,7 @@
           <a:p>
             <a:fld id="{11D67388-0790-496E-9A12-37055489AF4F}" type="datetimeFigureOut">
               <a:rPr lang="en-US" smtClean="0"/>
-              <a:t>7/11/2021</a:t>
+              <a:t>7/30/2021</a:t>
             </a:fld>
             <a:endParaRPr lang="en-US"/>
           </a:p>
@@ -1581,7 +1582,7 @@
           <a:p>
             <a:fld id="{11D67388-0790-496E-9A12-37055489AF4F}" type="datetimeFigureOut">
               <a:rPr lang="en-US" smtClean="0"/>
-              <a:t>7/11/2021</a:t>
+              <a:t>7/30/2021</a:t>
             </a:fld>
             <a:endParaRPr lang="en-US"/>
           </a:p>
@@ -1945,7 +1946,7 @@
           <a:p>
             <a:fld id="{11D67388-0790-496E-9A12-37055489AF4F}" type="datetimeFigureOut">
               <a:rPr lang="en-US" smtClean="0"/>
-              <a:t>7/11/2021</a:t>
+              <a:t>7/30/2021</a:t>
             </a:fld>
             <a:endParaRPr lang="en-US"/>
           </a:p>
@@ -2062,7 +2063,7 @@
           <a:p>
             <a:fld id="{11D67388-0790-496E-9A12-37055489AF4F}" type="datetimeFigureOut">
               <a:rPr lang="en-US" smtClean="0"/>
-              <a:t>7/11/2021</a:t>
+              <a:t>7/30/2021</a:t>
             </a:fld>
             <a:endParaRPr lang="en-US"/>
           </a:p>
@@ -2157,7 +2158,7 @@
           <a:p>
             <a:fld id="{11D67388-0790-496E-9A12-37055489AF4F}" type="datetimeFigureOut">
               <a:rPr lang="en-US" smtClean="0"/>
-              <a:t>7/11/2021</a:t>
+              <a:t>7/30/2021</a:t>
             </a:fld>
             <a:endParaRPr lang="en-US"/>
           </a:p>
@@ -2432,7 +2433,7 @@
           <a:p>
             <a:fld id="{11D67388-0790-496E-9A12-37055489AF4F}" type="datetimeFigureOut">
               <a:rPr lang="en-US" smtClean="0"/>
-              <a:t>7/11/2021</a:t>
+              <a:t>7/30/2021</a:t>
             </a:fld>
             <a:endParaRPr lang="en-US"/>
           </a:p>
@@ -2684,7 +2685,7 @@
           <a:p>
             <a:fld id="{11D67388-0790-496E-9A12-37055489AF4F}" type="datetimeFigureOut">
               <a:rPr lang="en-US" smtClean="0"/>
-              <a:t>7/11/2021</a:t>
+              <a:t>7/30/2021</a:t>
             </a:fld>
             <a:endParaRPr lang="en-US"/>
           </a:p>
@@ -2895,7 +2896,7 @@
           <a:p>
             <a:fld id="{11D67388-0790-496E-9A12-37055489AF4F}" type="datetimeFigureOut">
               <a:rPr lang="en-US" smtClean="0"/>
-              <a:t>7/11/2021</a:t>
+              <a:t>7/30/2021</a:t>
             </a:fld>
             <a:endParaRPr lang="en-US"/>
           </a:p>
@@ -8785,6 +8786,746 @@
     <p:extLst>
       <p:ext uri="{BB962C8B-B14F-4D97-AF65-F5344CB8AC3E}">
         <p14:creationId xmlns:p14="http://schemas.microsoft.com/office/powerpoint/2010/main" val="294701547"/>
+      </p:ext>
+    </p:extLst>
+  </p:cSld>
+  <p:clrMapOvr>
+    <a:masterClrMapping/>
+  </p:clrMapOvr>
+</p:sld>
+</file>
+
+<file path=ppt/slides/slide2.xml><?xml version="1.0" encoding="utf-8"?>
+<p:sld xmlns:a="http://schemas.openxmlformats.org/drawingml/2006/main" xmlns:r="http://schemas.openxmlformats.org/officeDocument/2006/relationships" xmlns:p="http://schemas.openxmlformats.org/presentationml/2006/main">
+  <p:cSld>
+    <p:spTree>
+      <p:nvGrpSpPr>
+        <p:cNvPr id="1" name=""/>
+        <p:cNvGrpSpPr/>
+        <p:nvPr/>
+      </p:nvGrpSpPr>
+      <p:grpSpPr>
+        <a:xfrm>
+          <a:off x="0" y="0"/>
+          <a:ext cx="0" cy="0"/>
+          <a:chOff x="0" y="0"/>
+          <a:chExt cx="0" cy="0"/>
+        </a:xfrm>
+      </p:grpSpPr>
+      <p:sp>
+        <p:nvSpPr>
+          <p:cNvPr id="4" name="Rectangle: Rounded Corners 3">
+            <a:extLst>
+              <a:ext uri="{FF2B5EF4-FFF2-40B4-BE49-F238E27FC236}">
+                <a16:creationId xmlns:a16="http://schemas.microsoft.com/office/drawing/2014/main" id="{F8D7A6B8-BD42-446A-BA4F-B0D3200E6AC9}"/>
+              </a:ext>
+            </a:extLst>
+          </p:cNvPr>
+          <p:cNvSpPr/>
+          <p:nvPr/>
+        </p:nvSpPr>
+        <p:spPr>
+          <a:xfrm>
+            <a:off x="262467" y="1083733"/>
+            <a:ext cx="3750734" cy="3530600"/>
+          </a:xfrm>
+          <a:prstGeom prst="roundRect">
+            <a:avLst/>
+          </a:prstGeom>
+          <a:solidFill>
+            <a:schemeClr val="bg1">
+              <a:lumMod val="95000"/>
+            </a:schemeClr>
+          </a:solidFill>
+        </p:spPr>
+        <p:style>
+          <a:lnRef idx="2">
+            <a:schemeClr val="accent3">
+              <a:shade val="50000"/>
+            </a:schemeClr>
+          </a:lnRef>
+          <a:fillRef idx="1">
+            <a:schemeClr val="accent3"/>
+          </a:fillRef>
+          <a:effectRef idx="0">
+            <a:schemeClr val="accent3"/>
+          </a:effectRef>
+          <a:fontRef idx="minor">
+            <a:schemeClr val="lt1"/>
+          </a:fontRef>
+        </p:style>
+        <p:txBody>
+          <a:bodyPr rtlCol="0" anchor="ctr"/>
+          <a:lstStyle/>
+          <a:p>
+            <a:pPr algn="ctr"/>
+            <a:endParaRPr lang="en-US" dirty="0"/>
+          </a:p>
+        </p:txBody>
+      </p:sp>
+      <p:sp>
+        <p:nvSpPr>
+          <p:cNvPr id="5" name="TextBox 4">
+            <a:extLst>
+              <a:ext uri="{FF2B5EF4-FFF2-40B4-BE49-F238E27FC236}">
+                <a16:creationId xmlns:a16="http://schemas.microsoft.com/office/drawing/2014/main" id="{996DF6A3-7AAC-4AFA-A62E-56511B0ABC58}"/>
+              </a:ext>
+            </a:extLst>
+          </p:cNvPr>
+          <p:cNvSpPr txBox="1"/>
+          <p:nvPr/>
+        </p:nvSpPr>
+        <p:spPr>
+          <a:xfrm>
+            <a:off x="766234" y="1457028"/>
+            <a:ext cx="2726266" cy="584775"/>
+          </a:xfrm>
+          <a:prstGeom prst="rect">
+            <a:avLst/>
+          </a:prstGeom>
+          <a:noFill/>
+        </p:spPr>
+        <p:txBody>
+          <a:bodyPr wrap="square" rtlCol="0">
+            <a:spAutoFit/>
+          </a:bodyPr>
+          <a:lstStyle/>
+          <a:p>
+            <a:pPr algn="ctr"/>
+            <a:r>
+              <a:rPr lang="en-US" sz="3200" b="1" dirty="0"/>
+              <a:t>Story  board</a:t>
+            </a:r>
+          </a:p>
+        </p:txBody>
+      </p:sp>
+      <p:sp>
+        <p:nvSpPr>
+          <p:cNvPr id="6" name="Rectangle: Rounded Corners 5">
+            <a:extLst>
+              <a:ext uri="{FF2B5EF4-FFF2-40B4-BE49-F238E27FC236}">
+                <a16:creationId xmlns:a16="http://schemas.microsoft.com/office/drawing/2014/main" id="{AB480DA7-A7B8-4705-B182-A30C62B38C1E}"/>
+              </a:ext>
+            </a:extLst>
+          </p:cNvPr>
+          <p:cNvSpPr/>
+          <p:nvPr/>
+        </p:nvSpPr>
+        <p:spPr>
+          <a:xfrm>
+            <a:off x="499534" y="2723828"/>
+            <a:ext cx="3259666" cy="465666"/>
+          </a:xfrm>
+          <a:prstGeom prst="roundRect">
+            <a:avLst/>
+          </a:prstGeom>
+          <a:solidFill>
+            <a:schemeClr val="bg1"/>
+          </a:solidFill>
+          <a:ln w="3175">
+            <a:solidFill>
+              <a:schemeClr val="bg1">
+                <a:lumMod val="50000"/>
+              </a:schemeClr>
+            </a:solidFill>
+          </a:ln>
+        </p:spPr>
+        <p:style>
+          <a:lnRef idx="2">
+            <a:schemeClr val="accent1">
+              <a:shade val="50000"/>
+            </a:schemeClr>
+          </a:lnRef>
+          <a:fillRef idx="1">
+            <a:schemeClr val="accent1"/>
+          </a:fillRef>
+          <a:effectRef idx="0">
+            <a:schemeClr val="accent1"/>
+          </a:effectRef>
+          <a:fontRef idx="minor">
+            <a:schemeClr val="lt1"/>
+          </a:fontRef>
+        </p:style>
+        <p:txBody>
+          <a:bodyPr rtlCol="0" anchor="ctr"/>
+          <a:lstStyle/>
+          <a:p>
+            <a:r>
+              <a:rPr lang="en-US" dirty="0">
+                <a:solidFill>
+                  <a:schemeClr val="bg1">
+                    <a:lumMod val="75000"/>
+                  </a:schemeClr>
+                </a:solidFill>
+              </a:rPr>
+              <a:t>Enter optional title here …</a:t>
+            </a:r>
+          </a:p>
+        </p:txBody>
+      </p:sp>
+      <p:sp>
+        <p:nvSpPr>
+          <p:cNvPr id="7" name="TextBox 6">
+            <a:extLst>
+              <a:ext uri="{FF2B5EF4-FFF2-40B4-BE49-F238E27FC236}">
+                <a16:creationId xmlns:a16="http://schemas.microsoft.com/office/drawing/2014/main" id="{D6336A65-6830-493A-9829-208EC56A7AC2}"/>
+              </a:ext>
+            </a:extLst>
+          </p:cNvPr>
+          <p:cNvSpPr txBox="1"/>
+          <p:nvPr/>
+        </p:nvSpPr>
+        <p:spPr>
+          <a:xfrm>
+            <a:off x="499534" y="2263825"/>
+            <a:ext cx="1871134" cy="369332"/>
+          </a:xfrm>
+          <a:prstGeom prst="rect">
+            <a:avLst/>
+          </a:prstGeom>
+          <a:noFill/>
+        </p:spPr>
+        <p:txBody>
+          <a:bodyPr wrap="square" rtlCol="0">
+            <a:spAutoFit/>
+          </a:bodyPr>
+          <a:lstStyle/>
+          <a:p>
+            <a:r>
+              <a:rPr lang="en-US" b="1" dirty="0"/>
+              <a:t>Title (Optional):</a:t>
+            </a:r>
+          </a:p>
+        </p:txBody>
+      </p:sp>
+      <p:sp>
+        <p:nvSpPr>
+          <p:cNvPr id="8" name="Rectangle: Rounded Corners 7">
+            <a:extLst>
+              <a:ext uri="{FF2B5EF4-FFF2-40B4-BE49-F238E27FC236}">
+                <a16:creationId xmlns:a16="http://schemas.microsoft.com/office/drawing/2014/main" id="{38D46DD6-C15E-411C-9279-2762BD294FB7}"/>
+              </a:ext>
+            </a:extLst>
+          </p:cNvPr>
+          <p:cNvSpPr/>
+          <p:nvPr/>
+        </p:nvSpPr>
+        <p:spPr>
+          <a:xfrm>
+            <a:off x="499534" y="3918203"/>
+            <a:ext cx="3259666" cy="465666"/>
+          </a:xfrm>
+          <a:prstGeom prst="roundRect">
+            <a:avLst/>
+          </a:prstGeom>
+          <a:solidFill>
+            <a:schemeClr val="bg1"/>
+          </a:solidFill>
+          <a:ln w="3175">
+            <a:solidFill>
+              <a:schemeClr val="bg1">
+                <a:lumMod val="50000"/>
+              </a:schemeClr>
+            </a:solidFill>
+          </a:ln>
+        </p:spPr>
+        <p:style>
+          <a:lnRef idx="2">
+            <a:schemeClr val="accent1">
+              <a:shade val="50000"/>
+            </a:schemeClr>
+          </a:lnRef>
+          <a:fillRef idx="1">
+            <a:schemeClr val="accent1"/>
+          </a:fillRef>
+          <a:effectRef idx="0">
+            <a:schemeClr val="accent1"/>
+          </a:effectRef>
+          <a:fontRef idx="minor">
+            <a:schemeClr val="lt1"/>
+          </a:fontRef>
+        </p:style>
+        <p:txBody>
+          <a:bodyPr rtlCol="0" anchor="ctr"/>
+          <a:lstStyle/>
+          <a:p>
+            <a:r>
+              <a:rPr lang="en-US" dirty="0">
+                <a:solidFill>
+                  <a:schemeClr val="bg1">
+                    <a:lumMod val="75000"/>
+                  </a:schemeClr>
+                </a:solidFill>
+              </a:rPr>
+              <a:t>Add your story here …</a:t>
+            </a:r>
+          </a:p>
+        </p:txBody>
+      </p:sp>
+      <p:sp>
+        <p:nvSpPr>
+          <p:cNvPr id="9" name="TextBox 8">
+            <a:extLst>
+              <a:ext uri="{FF2B5EF4-FFF2-40B4-BE49-F238E27FC236}">
+                <a16:creationId xmlns:a16="http://schemas.microsoft.com/office/drawing/2014/main" id="{7775F0BF-804E-4DE7-B7CF-7DE1C7C9068D}"/>
+              </a:ext>
+            </a:extLst>
+          </p:cNvPr>
+          <p:cNvSpPr txBox="1"/>
+          <p:nvPr/>
+        </p:nvSpPr>
+        <p:spPr>
+          <a:xfrm>
+            <a:off x="499534" y="3472671"/>
+            <a:ext cx="1871134" cy="369332"/>
+          </a:xfrm>
+          <a:prstGeom prst="rect">
+            <a:avLst/>
+          </a:prstGeom>
+          <a:noFill/>
+        </p:spPr>
+        <p:txBody>
+          <a:bodyPr wrap="square" rtlCol="0">
+            <a:spAutoFit/>
+          </a:bodyPr>
+          <a:lstStyle/>
+          <a:p>
+            <a:r>
+              <a:rPr lang="en-US" b="1" dirty="0"/>
+              <a:t>Story:</a:t>
+            </a:r>
+          </a:p>
+        </p:txBody>
+      </p:sp>
+      <p:pic>
+        <p:nvPicPr>
+          <p:cNvPr id="11" name="Picture 10">
+            <a:extLst>
+              <a:ext uri="{FF2B5EF4-FFF2-40B4-BE49-F238E27FC236}">
+                <a16:creationId xmlns:a16="http://schemas.microsoft.com/office/drawing/2014/main" id="{E50F1493-F59F-466D-842C-44DAAB57EB57}"/>
+              </a:ext>
+            </a:extLst>
+          </p:cNvPr>
+          <p:cNvPicPr>
+            <a:picLocks noChangeAspect="1"/>
+          </p:cNvPicPr>
+          <p:nvPr/>
+        </p:nvPicPr>
+        <p:blipFill>
+          <a:blip r:embed="rId2"/>
+          <a:stretch>
+            <a:fillRect/>
+          </a:stretch>
+        </p:blipFill>
+        <p:spPr>
+          <a:xfrm>
+            <a:off x="4666657" y="490778"/>
+            <a:ext cx="7298666" cy="5156489"/>
+          </a:xfrm>
+          <a:prstGeom prst="rect">
+            <a:avLst/>
+          </a:prstGeom>
+          <a:ln>
+            <a:solidFill>
+              <a:schemeClr val="bg1">
+                <a:lumMod val="50000"/>
+              </a:schemeClr>
+            </a:solidFill>
+          </a:ln>
+        </p:spPr>
+      </p:pic>
+      <p:pic>
+        <p:nvPicPr>
+          <p:cNvPr id="12" name="Picture 11">
+            <a:extLst>
+              <a:ext uri="{FF2B5EF4-FFF2-40B4-BE49-F238E27FC236}">
+                <a16:creationId xmlns:a16="http://schemas.microsoft.com/office/drawing/2014/main" id="{3E942A76-FECC-4B96-80D4-1BA1D4548584}"/>
+              </a:ext>
+            </a:extLst>
+          </p:cNvPr>
+          <p:cNvPicPr>
+            <a:picLocks noChangeAspect="1"/>
+          </p:cNvPicPr>
+          <p:nvPr/>
+        </p:nvPicPr>
+        <p:blipFill rotWithShape="1">
+          <a:blip r:embed="rId2"/>
+          <a:srcRect t="15778"/>
+          <a:stretch/>
+        </p:blipFill>
+        <p:spPr>
+          <a:xfrm>
+            <a:off x="4666657" y="2353733"/>
+            <a:ext cx="7298666" cy="4342944"/>
+          </a:xfrm>
+          <a:prstGeom prst="rect">
+            <a:avLst/>
+          </a:prstGeom>
+          <a:ln>
+            <a:solidFill>
+              <a:schemeClr val="bg1">
+                <a:lumMod val="50000"/>
+              </a:schemeClr>
+            </a:solidFill>
+          </a:ln>
+        </p:spPr>
+      </p:pic>
+      <p:sp>
+        <p:nvSpPr>
+          <p:cNvPr id="13" name="Rectangle 12">
+            <a:extLst>
+              <a:ext uri="{FF2B5EF4-FFF2-40B4-BE49-F238E27FC236}">
+                <a16:creationId xmlns:a16="http://schemas.microsoft.com/office/drawing/2014/main" id="{38BFC3E3-76B4-4480-A293-7C62DCBCFA9A}"/>
+              </a:ext>
+            </a:extLst>
+          </p:cNvPr>
+          <p:cNvSpPr/>
+          <p:nvPr/>
+        </p:nvSpPr>
+        <p:spPr>
+          <a:xfrm>
+            <a:off x="4683591" y="1312333"/>
+            <a:ext cx="7262876" cy="1041400"/>
+          </a:xfrm>
+          <a:prstGeom prst="rect">
+            <a:avLst/>
+          </a:prstGeom>
+          <a:solidFill>
+            <a:schemeClr val="bg1"/>
+          </a:solidFill>
+          <a:ln>
+            <a:noFill/>
+          </a:ln>
+        </p:spPr>
+        <p:style>
+          <a:lnRef idx="2">
+            <a:schemeClr val="accent1">
+              <a:shade val="50000"/>
+            </a:schemeClr>
+          </a:lnRef>
+          <a:fillRef idx="1">
+            <a:schemeClr val="accent1"/>
+          </a:fillRef>
+          <a:effectRef idx="0">
+            <a:schemeClr val="accent1"/>
+          </a:effectRef>
+          <a:fontRef idx="minor">
+            <a:schemeClr val="lt1"/>
+          </a:fontRef>
+        </p:style>
+        <p:txBody>
+          <a:bodyPr rtlCol="0" anchor="ctr"/>
+          <a:lstStyle/>
+          <a:p>
+            <a:pPr algn="ctr"/>
+            <a:endParaRPr lang="en-US"/>
+          </a:p>
+        </p:txBody>
+      </p:sp>
+      <p:sp>
+        <p:nvSpPr>
+          <p:cNvPr id="14" name="Rectangle: Rounded Corners 13">
+            <a:extLst>
+              <a:ext uri="{FF2B5EF4-FFF2-40B4-BE49-F238E27FC236}">
+                <a16:creationId xmlns:a16="http://schemas.microsoft.com/office/drawing/2014/main" id="{89A6F1ED-5863-47C3-BF54-8AF09D1B67F8}"/>
+              </a:ext>
+            </a:extLst>
+          </p:cNvPr>
+          <p:cNvSpPr/>
+          <p:nvPr/>
+        </p:nvSpPr>
+        <p:spPr>
+          <a:xfrm>
+            <a:off x="4885267" y="1413933"/>
+            <a:ext cx="6934200" cy="778934"/>
+          </a:xfrm>
+          <a:prstGeom prst="roundRect">
+            <a:avLst/>
+          </a:prstGeom>
+          <a:solidFill>
+            <a:schemeClr val="bg1">
+              <a:lumMod val="95000"/>
+            </a:schemeClr>
+          </a:solidFill>
+          <a:ln w="3175">
+            <a:solidFill>
+              <a:schemeClr val="bg1">
+                <a:lumMod val="50000"/>
+              </a:schemeClr>
+            </a:solidFill>
+          </a:ln>
+        </p:spPr>
+        <p:style>
+          <a:lnRef idx="2">
+            <a:schemeClr val="accent1">
+              <a:shade val="50000"/>
+            </a:schemeClr>
+          </a:lnRef>
+          <a:fillRef idx="1">
+            <a:schemeClr val="accent1"/>
+          </a:fillRef>
+          <a:effectRef idx="0">
+            <a:schemeClr val="accent1"/>
+          </a:effectRef>
+          <a:fontRef idx="minor">
+            <a:schemeClr val="lt1"/>
+          </a:fontRef>
+        </p:style>
+        <p:txBody>
+          <a:bodyPr rtlCol="0" anchor="ctr"/>
+          <a:lstStyle/>
+          <a:p>
+            <a:pPr algn="ctr"/>
+            <a:endParaRPr lang="en-US"/>
+          </a:p>
+        </p:txBody>
+      </p:sp>
+      <p:sp>
+        <p:nvSpPr>
+          <p:cNvPr id="15" name="TextBox 14">
+            <a:extLst>
+              <a:ext uri="{FF2B5EF4-FFF2-40B4-BE49-F238E27FC236}">
+                <a16:creationId xmlns:a16="http://schemas.microsoft.com/office/drawing/2014/main" id="{DD25474B-C6FF-42D4-9F7D-5F5D8BB20577}"/>
+              </a:ext>
+            </a:extLst>
+          </p:cNvPr>
+          <p:cNvSpPr txBox="1"/>
+          <p:nvPr/>
+        </p:nvSpPr>
+        <p:spPr>
+          <a:xfrm>
+            <a:off x="6951896" y="1388958"/>
+            <a:ext cx="2726266" cy="307777"/>
+          </a:xfrm>
+          <a:prstGeom prst="rect">
+            <a:avLst/>
+          </a:prstGeom>
+          <a:noFill/>
+        </p:spPr>
+        <p:txBody>
+          <a:bodyPr wrap="square" rtlCol="0">
+            <a:spAutoFit/>
+          </a:bodyPr>
+          <a:lstStyle/>
+          <a:p>
+            <a:pPr algn="ctr"/>
+            <a:r>
+              <a:rPr lang="en-US" sz="1400" b="1" dirty="0"/>
+              <a:t>MY TITLE</a:t>
+            </a:r>
+          </a:p>
+        </p:txBody>
+      </p:sp>
+      <p:sp>
+        <p:nvSpPr>
+          <p:cNvPr id="16" name="TextBox 15">
+            <a:extLst>
+              <a:ext uri="{FF2B5EF4-FFF2-40B4-BE49-F238E27FC236}">
+                <a16:creationId xmlns:a16="http://schemas.microsoft.com/office/drawing/2014/main" id="{8B4254F2-163F-4677-A9F7-A264C2C57656}"/>
+              </a:ext>
+            </a:extLst>
+          </p:cNvPr>
+          <p:cNvSpPr txBox="1"/>
+          <p:nvPr/>
+        </p:nvSpPr>
+        <p:spPr>
+          <a:xfrm>
+            <a:off x="4969934" y="1606915"/>
+            <a:ext cx="6764865" cy="584775"/>
+          </a:xfrm>
+          <a:prstGeom prst="rect">
+            <a:avLst/>
+          </a:prstGeom>
+          <a:noFill/>
+        </p:spPr>
+        <p:txBody>
+          <a:bodyPr wrap="square" rtlCol="0">
+            <a:spAutoFit/>
+          </a:bodyPr>
+          <a:lstStyle/>
+          <a:p>
+            <a:r>
+              <a:rPr lang="en-US" sz="800" b="0" i="0" dirty="0">
+                <a:solidFill>
+                  <a:srgbClr val="24292E"/>
+                </a:solidFill>
+                <a:effectLst/>
+                <a:latin typeface="-apple-system"/>
+              </a:rPr>
+              <a:t>Existing scientific literature shows that health and agricultural impacts attributable to air pollution are significant and should be considered in the integrated analysis of human and Earth-system interactions. The implementation of policies that affect the power sector, the composition of the vehicle fleet or the investments and deployment of different energy sources will in turn result in different levels of air pollution. Even though the various methodologies for estimating the impacts of air pollution, such as exposure-response functions, are extensively applied by the scientific community, they are normally not</a:t>
+            </a:r>
+            <a:endParaRPr lang="en-US" sz="800" dirty="0"/>
+          </a:p>
+        </p:txBody>
+      </p:sp>
+      <p:sp>
+        <p:nvSpPr>
+          <p:cNvPr id="17" name="Rectangle: Rounded Corners 16">
+            <a:extLst>
+              <a:ext uri="{FF2B5EF4-FFF2-40B4-BE49-F238E27FC236}">
+                <a16:creationId xmlns:a16="http://schemas.microsoft.com/office/drawing/2014/main" id="{FA5F072C-E1D9-4625-A1A9-B7CB8D64B99C}"/>
+              </a:ext>
+            </a:extLst>
+          </p:cNvPr>
+          <p:cNvSpPr/>
+          <p:nvPr/>
+        </p:nvSpPr>
+        <p:spPr>
+          <a:xfrm>
+            <a:off x="11692465" y="1413933"/>
+            <a:ext cx="127001" cy="777757"/>
+          </a:xfrm>
+          <a:prstGeom prst="roundRect">
+            <a:avLst/>
+          </a:prstGeom>
+          <a:solidFill>
+            <a:schemeClr val="bg1">
+              <a:lumMod val="95000"/>
+            </a:schemeClr>
+          </a:solidFill>
+          <a:ln w="3175">
+            <a:solidFill>
+              <a:schemeClr val="bg1">
+                <a:lumMod val="50000"/>
+              </a:schemeClr>
+            </a:solidFill>
+          </a:ln>
+        </p:spPr>
+        <p:style>
+          <a:lnRef idx="2">
+            <a:schemeClr val="accent1">
+              <a:shade val="50000"/>
+            </a:schemeClr>
+          </a:lnRef>
+          <a:fillRef idx="1">
+            <a:schemeClr val="accent1"/>
+          </a:fillRef>
+          <a:effectRef idx="0">
+            <a:schemeClr val="accent1"/>
+          </a:effectRef>
+          <a:fontRef idx="minor">
+            <a:schemeClr val="lt1"/>
+          </a:fontRef>
+        </p:style>
+        <p:txBody>
+          <a:bodyPr rtlCol="0" anchor="ctr"/>
+          <a:lstStyle/>
+          <a:p>
+            <a:pPr algn="ctr"/>
+            <a:endParaRPr lang="en-US"/>
+          </a:p>
+        </p:txBody>
+      </p:sp>
+      <p:sp>
+        <p:nvSpPr>
+          <p:cNvPr id="18" name="Rectangle: Rounded Corners 17">
+            <a:extLst>
+              <a:ext uri="{FF2B5EF4-FFF2-40B4-BE49-F238E27FC236}">
+                <a16:creationId xmlns:a16="http://schemas.microsoft.com/office/drawing/2014/main" id="{9D336D8A-AAB7-483A-B81F-BBEE7A5F03D0}"/>
+              </a:ext>
+            </a:extLst>
+          </p:cNvPr>
+          <p:cNvSpPr/>
+          <p:nvPr/>
+        </p:nvSpPr>
+        <p:spPr>
+          <a:xfrm>
+            <a:off x="11692464" y="1795408"/>
+            <a:ext cx="127001" cy="134992"/>
+          </a:xfrm>
+          <a:prstGeom prst="roundRect">
+            <a:avLst/>
+          </a:prstGeom>
+          <a:solidFill>
+            <a:schemeClr val="tx1">
+              <a:lumMod val="50000"/>
+              <a:lumOff val="50000"/>
+            </a:schemeClr>
+          </a:solidFill>
+          <a:ln w="3175">
+            <a:solidFill>
+              <a:schemeClr val="tx1">
+                <a:lumMod val="50000"/>
+                <a:lumOff val="50000"/>
+              </a:schemeClr>
+            </a:solidFill>
+          </a:ln>
+        </p:spPr>
+        <p:style>
+          <a:lnRef idx="2">
+            <a:schemeClr val="accent1">
+              <a:shade val="50000"/>
+            </a:schemeClr>
+          </a:lnRef>
+          <a:fillRef idx="1">
+            <a:schemeClr val="accent1"/>
+          </a:fillRef>
+          <a:effectRef idx="0">
+            <a:schemeClr val="accent1"/>
+          </a:effectRef>
+          <a:fontRef idx="minor">
+            <a:schemeClr val="lt1"/>
+          </a:fontRef>
+        </p:style>
+        <p:txBody>
+          <a:bodyPr rtlCol="0" anchor="ctr"/>
+          <a:lstStyle/>
+          <a:p>
+            <a:pPr algn="ctr"/>
+            <a:endParaRPr lang="en-US"/>
+          </a:p>
+        </p:txBody>
+      </p:sp>
+      <p:sp>
+        <p:nvSpPr>
+          <p:cNvPr id="21" name="Isosceles Triangle 20">
+            <a:extLst>
+              <a:ext uri="{FF2B5EF4-FFF2-40B4-BE49-F238E27FC236}">
+                <a16:creationId xmlns:a16="http://schemas.microsoft.com/office/drawing/2014/main" id="{BD3C1858-3DAB-476E-B501-7F155A224449}"/>
+              </a:ext>
+            </a:extLst>
+          </p:cNvPr>
+          <p:cNvSpPr/>
+          <p:nvPr/>
+        </p:nvSpPr>
+        <p:spPr>
+          <a:xfrm>
+            <a:off x="4968380" y="1469453"/>
+            <a:ext cx="127380" cy="78540"/>
+          </a:xfrm>
+          <a:prstGeom prst="triangle">
+            <a:avLst/>
+          </a:prstGeom>
+        </p:spPr>
+        <p:style>
+          <a:lnRef idx="2">
+            <a:schemeClr val="dk1">
+              <a:shade val="50000"/>
+            </a:schemeClr>
+          </a:lnRef>
+          <a:fillRef idx="1">
+            <a:schemeClr val="dk1"/>
+          </a:fillRef>
+          <a:effectRef idx="0">
+            <a:schemeClr val="dk1"/>
+          </a:effectRef>
+          <a:fontRef idx="minor">
+            <a:schemeClr val="lt1"/>
+          </a:fontRef>
+        </p:style>
+        <p:txBody>
+          <a:bodyPr rtlCol="0" anchor="ctr"/>
+          <a:lstStyle/>
+          <a:p>
+            <a:pPr algn="ctr"/>
+            <a:endParaRPr lang="en-US"/>
+          </a:p>
+        </p:txBody>
+      </p:sp>
+    </p:spTree>
+    <p:extLst>
+      <p:ext uri="{BB962C8B-B14F-4D97-AF65-F5344CB8AC3E}">
+        <p14:creationId xmlns:p14="http://schemas.microsoft.com/office/powerpoint/2010/main" val="1380771159"/>
       </p:ext>
     </p:extLst>
   </p:cSld>

--- a/vignettes/vignetteFigs/00vignetteFigs.pptx
+++ b/vignettes/vignetteFigs/00vignetteFigs.pptx
@@ -5,11 +5,10 @@
     <p:sldMasterId id="2147483648" r:id="rId1"/>
   </p:sldMasterIdLst>
   <p:notesMasterIdLst>
-    <p:notesMasterId r:id="rId4"/>
+    <p:notesMasterId r:id="rId3"/>
   </p:notesMasterIdLst>
   <p:sldIdLst>
     <p:sldId id="316" r:id="rId2"/>
-    <p:sldId id="317" r:id="rId3"/>
   </p:sldIdLst>
   <p:sldSz cx="12192000" cy="6858000"/>
   <p:notesSz cx="6858000" cy="9144000"/>
@@ -198,7 +197,7 @@
           <a:p>
             <a:fld id="{921607FB-4AF3-41D9-93C1-AF2B65302971}" type="datetimeFigureOut">
               <a:rPr lang="en-US" smtClean="0"/>
-              <a:t>7/30/2021</a:t>
+              <a:t>8/3/2021</a:t>
             </a:fld>
             <a:endParaRPr lang="en-US"/>
           </a:p>
@@ -594,7 +593,7 @@
           <a:p>
             <a:fld id="{11D67388-0790-496E-9A12-37055489AF4F}" type="datetimeFigureOut">
               <a:rPr lang="en-US" smtClean="0"/>
-              <a:t>7/30/2021</a:t>
+              <a:t>8/3/2021</a:t>
             </a:fld>
             <a:endParaRPr lang="en-US"/>
           </a:p>
@@ -762,7 +761,7 @@
           <a:p>
             <a:fld id="{11D67388-0790-496E-9A12-37055489AF4F}" type="datetimeFigureOut">
               <a:rPr lang="en-US" smtClean="0"/>
-              <a:t>7/30/2021</a:t>
+              <a:t>8/3/2021</a:t>
             </a:fld>
             <a:endParaRPr lang="en-US"/>
           </a:p>
@@ -940,7 +939,7 @@
           <a:p>
             <a:fld id="{11D67388-0790-496E-9A12-37055489AF4F}" type="datetimeFigureOut">
               <a:rPr lang="en-US" smtClean="0"/>
-              <a:t>7/30/2021</a:t>
+              <a:t>8/3/2021</a:t>
             </a:fld>
             <a:endParaRPr lang="en-US"/>
           </a:p>
@@ -1108,7 +1107,7 @@
           <a:p>
             <a:fld id="{11D67388-0790-496E-9A12-37055489AF4F}" type="datetimeFigureOut">
               <a:rPr lang="en-US" smtClean="0"/>
-              <a:t>7/30/2021</a:t>
+              <a:t>8/3/2021</a:t>
             </a:fld>
             <a:endParaRPr lang="en-US"/>
           </a:p>
@@ -1353,7 +1352,7 @@
           <a:p>
             <a:fld id="{11D67388-0790-496E-9A12-37055489AF4F}" type="datetimeFigureOut">
               <a:rPr lang="en-US" smtClean="0"/>
-              <a:t>7/30/2021</a:t>
+              <a:t>8/3/2021</a:t>
             </a:fld>
             <a:endParaRPr lang="en-US"/>
           </a:p>
@@ -1582,7 +1581,7 @@
           <a:p>
             <a:fld id="{11D67388-0790-496E-9A12-37055489AF4F}" type="datetimeFigureOut">
               <a:rPr lang="en-US" smtClean="0"/>
-              <a:t>7/30/2021</a:t>
+              <a:t>8/3/2021</a:t>
             </a:fld>
             <a:endParaRPr lang="en-US"/>
           </a:p>
@@ -1946,7 +1945,7 @@
           <a:p>
             <a:fld id="{11D67388-0790-496E-9A12-37055489AF4F}" type="datetimeFigureOut">
               <a:rPr lang="en-US" smtClean="0"/>
-              <a:t>7/30/2021</a:t>
+              <a:t>8/3/2021</a:t>
             </a:fld>
             <a:endParaRPr lang="en-US"/>
           </a:p>
@@ -2063,7 +2062,7 @@
           <a:p>
             <a:fld id="{11D67388-0790-496E-9A12-37055489AF4F}" type="datetimeFigureOut">
               <a:rPr lang="en-US" smtClean="0"/>
-              <a:t>7/30/2021</a:t>
+              <a:t>8/3/2021</a:t>
             </a:fld>
             <a:endParaRPr lang="en-US"/>
           </a:p>
@@ -2158,7 +2157,7 @@
           <a:p>
             <a:fld id="{11D67388-0790-496E-9A12-37055489AF4F}" type="datetimeFigureOut">
               <a:rPr lang="en-US" smtClean="0"/>
-              <a:t>7/30/2021</a:t>
+              <a:t>8/3/2021</a:t>
             </a:fld>
             <a:endParaRPr lang="en-US"/>
           </a:p>
@@ -2433,7 +2432,7 @@
           <a:p>
             <a:fld id="{11D67388-0790-496E-9A12-37055489AF4F}" type="datetimeFigureOut">
               <a:rPr lang="en-US" smtClean="0"/>
-              <a:t>7/30/2021</a:t>
+              <a:t>8/3/2021</a:t>
             </a:fld>
             <a:endParaRPr lang="en-US"/>
           </a:p>
@@ -2685,7 +2684,7 @@
           <a:p>
             <a:fld id="{11D67388-0790-496E-9A12-37055489AF4F}" type="datetimeFigureOut">
               <a:rPr lang="en-US" smtClean="0"/>
-              <a:t>7/30/2021</a:t>
+              <a:t>8/3/2021</a:t>
             </a:fld>
             <a:endParaRPr lang="en-US"/>
           </a:p>
@@ -2896,7 +2895,7 @@
           <a:p>
             <a:fld id="{11D67388-0790-496E-9A12-37055489AF4F}" type="datetimeFigureOut">
               <a:rPr lang="en-US" smtClean="0"/>
-              <a:t>7/30/2021</a:t>
+              <a:t>8/3/2021</a:t>
             </a:fld>
             <a:endParaRPr lang="en-US"/>
           </a:p>
@@ -8786,746 +8785,6 @@
     <p:extLst>
       <p:ext uri="{BB962C8B-B14F-4D97-AF65-F5344CB8AC3E}">
         <p14:creationId xmlns:p14="http://schemas.microsoft.com/office/powerpoint/2010/main" val="294701547"/>
-      </p:ext>
-    </p:extLst>
-  </p:cSld>
-  <p:clrMapOvr>
-    <a:masterClrMapping/>
-  </p:clrMapOvr>
-</p:sld>
-</file>
-
-<file path=ppt/slides/slide2.xml><?xml version="1.0" encoding="utf-8"?>
-<p:sld xmlns:a="http://schemas.openxmlformats.org/drawingml/2006/main" xmlns:r="http://schemas.openxmlformats.org/officeDocument/2006/relationships" xmlns:p="http://schemas.openxmlformats.org/presentationml/2006/main">
-  <p:cSld>
-    <p:spTree>
-      <p:nvGrpSpPr>
-        <p:cNvPr id="1" name=""/>
-        <p:cNvGrpSpPr/>
-        <p:nvPr/>
-      </p:nvGrpSpPr>
-      <p:grpSpPr>
-        <a:xfrm>
-          <a:off x="0" y="0"/>
-          <a:ext cx="0" cy="0"/>
-          <a:chOff x="0" y="0"/>
-          <a:chExt cx="0" cy="0"/>
-        </a:xfrm>
-      </p:grpSpPr>
-      <p:sp>
-        <p:nvSpPr>
-          <p:cNvPr id="4" name="Rectangle: Rounded Corners 3">
-            <a:extLst>
-              <a:ext uri="{FF2B5EF4-FFF2-40B4-BE49-F238E27FC236}">
-                <a16:creationId xmlns:a16="http://schemas.microsoft.com/office/drawing/2014/main" id="{F8D7A6B8-BD42-446A-BA4F-B0D3200E6AC9}"/>
-              </a:ext>
-            </a:extLst>
-          </p:cNvPr>
-          <p:cNvSpPr/>
-          <p:nvPr/>
-        </p:nvSpPr>
-        <p:spPr>
-          <a:xfrm>
-            <a:off x="262467" y="1083733"/>
-            <a:ext cx="3750734" cy="3530600"/>
-          </a:xfrm>
-          <a:prstGeom prst="roundRect">
-            <a:avLst/>
-          </a:prstGeom>
-          <a:solidFill>
-            <a:schemeClr val="bg1">
-              <a:lumMod val="95000"/>
-            </a:schemeClr>
-          </a:solidFill>
-        </p:spPr>
-        <p:style>
-          <a:lnRef idx="2">
-            <a:schemeClr val="accent3">
-              <a:shade val="50000"/>
-            </a:schemeClr>
-          </a:lnRef>
-          <a:fillRef idx="1">
-            <a:schemeClr val="accent3"/>
-          </a:fillRef>
-          <a:effectRef idx="0">
-            <a:schemeClr val="accent3"/>
-          </a:effectRef>
-          <a:fontRef idx="minor">
-            <a:schemeClr val="lt1"/>
-          </a:fontRef>
-        </p:style>
-        <p:txBody>
-          <a:bodyPr rtlCol="0" anchor="ctr"/>
-          <a:lstStyle/>
-          <a:p>
-            <a:pPr algn="ctr"/>
-            <a:endParaRPr lang="en-US" dirty="0"/>
-          </a:p>
-        </p:txBody>
-      </p:sp>
-      <p:sp>
-        <p:nvSpPr>
-          <p:cNvPr id="5" name="TextBox 4">
-            <a:extLst>
-              <a:ext uri="{FF2B5EF4-FFF2-40B4-BE49-F238E27FC236}">
-                <a16:creationId xmlns:a16="http://schemas.microsoft.com/office/drawing/2014/main" id="{996DF6A3-7AAC-4AFA-A62E-56511B0ABC58}"/>
-              </a:ext>
-            </a:extLst>
-          </p:cNvPr>
-          <p:cNvSpPr txBox="1"/>
-          <p:nvPr/>
-        </p:nvSpPr>
-        <p:spPr>
-          <a:xfrm>
-            <a:off x="766234" y="1457028"/>
-            <a:ext cx="2726266" cy="584775"/>
-          </a:xfrm>
-          <a:prstGeom prst="rect">
-            <a:avLst/>
-          </a:prstGeom>
-          <a:noFill/>
-        </p:spPr>
-        <p:txBody>
-          <a:bodyPr wrap="square" rtlCol="0">
-            <a:spAutoFit/>
-          </a:bodyPr>
-          <a:lstStyle/>
-          <a:p>
-            <a:pPr algn="ctr"/>
-            <a:r>
-              <a:rPr lang="en-US" sz="3200" b="1" dirty="0"/>
-              <a:t>Story  board</a:t>
-            </a:r>
-          </a:p>
-        </p:txBody>
-      </p:sp>
-      <p:sp>
-        <p:nvSpPr>
-          <p:cNvPr id="6" name="Rectangle: Rounded Corners 5">
-            <a:extLst>
-              <a:ext uri="{FF2B5EF4-FFF2-40B4-BE49-F238E27FC236}">
-                <a16:creationId xmlns:a16="http://schemas.microsoft.com/office/drawing/2014/main" id="{AB480DA7-A7B8-4705-B182-A30C62B38C1E}"/>
-              </a:ext>
-            </a:extLst>
-          </p:cNvPr>
-          <p:cNvSpPr/>
-          <p:nvPr/>
-        </p:nvSpPr>
-        <p:spPr>
-          <a:xfrm>
-            <a:off x="499534" y="2723828"/>
-            <a:ext cx="3259666" cy="465666"/>
-          </a:xfrm>
-          <a:prstGeom prst="roundRect">
-            <a:avLst/>
-          </a:prstGeom>
-          <a:solidFill>
-            <a:schemeClr val="bg1"/>
-          </a:solidFill>
-          <a:ln w="3175">
-            <a:solidFill>
-              <a:schemeClr val="bg1">
-                <a:lumMod val="50000"/>
-              </a:schemeClr>
-            </a:solidFill>
-          </a:ln>
-        </p:spPr>
-        <p:style>
-          <a:lnRef idx="2">
-            <a:schemeClr val="accent1">
-              <a:shade val="50000"/>
-            </a:schemeClr>
-          </a:lnRef>
-          <a:fillRef idx="1">
-            <a:schemeClr val="accent1"/>
-          </a:fillRef>
-          <a:effectRef idx="0">
-            <a:schemeClr val="accent1"/>
-          </a:effectRef>
-          <a:fontRef idx="minor">
-            <a:schemeClr val="lt1"/>
-          </a:fontRef>
-        </p:style>
-        <p:txBody>
-          <a:bodyPr rtlCol="0" anchor="ctr"/>
-          <a:lstStyle/>
-          <a:p>
-            <a:r>
-              <a:rPr lang="en-US" dirty="0">
-                <a:solidFill>
-                  <a:schemeClr val="bg1">
-                    <a:lumMod val="75000"/>
-                  </a:schemeClr>
-                </a:solidFill>
-              </a:rPr>
-              <a:t>Enter optional title here …</a:t>
-            </a:r>
-          </a:p>
-        </p:txBody>
-      </p:sp>
-      <p:sp>
-        <p:nvSpPr>
-          <p:cNvPr id="7" name="TextBox 6">
-            <a:extLst>
-              <a:ext uri="{FF2B5EF4-FFF2-40B4-BE49-F238E27FC236}">
-                <a16:creationId xmlns:a16="http://schemas.microsoft.com/office/drawing/2014/main" id="{D6336A65-6830-493A-9829-208EC56A7AC2}"/>
-              </a:ext>
-            </a:extLst>
-          </p:cNvPr>
-          <p:cNvSpPr txBox="1"/>
-          <p:nvPr/>
-        </p:nvSpPr>
-        <p:spPr>
-          <a:xfrm>
-            <a:off x="499534" y="2263825"/>
-            <a:ext cx="1871134" cy="369332"/>
-          </a:xfrm>
-          <a:prstGeom prst="rect">
-            <a:avLst/>
-          </a:prstGeom>
-          <a:noFill/>
-        </p:spPr>
-        <p:txBody>
-          <a:bodyPr wrap="square" rtlCol="0">
-            <a:spAutoFit/>
-          </a:bodyPr>
-          <a:lstStyle/>
-          <a:p>
-            <a:r>
-              <a:rPr lang="en-US" b="1" dirty="0"/>
-              <a:t>Title (Optional):</a:t>
-            </a:r>
-          </a:p>
-        </p:txBody>
-      </p:sp>
-      <p:sp>
-        <p:nvSpPr>
-          <p:cNvPr id="8" name="Rectangle: Rounded Corners 7">
-            <a:extLst>
-              <a:ext uri="{FF2B5EF4-FFF2-40B4-BE49-F238E27FC236}">
-                <a16:creationId xmlns:a16="http://schemas.microsoft.com/office/drawing/2014/main" id="{38D46DD6-C15E-411C-9279-2762BD294FB7}"/>
-              </a:ext>
-            </a:extLst>
-          </p:cNvPr>
-          <p:cNvSpPr/>
-          <p:nvPr/>
-        </p:nvSpPr>
-        <p:spPr>
-          <a:xfrm>
-            <a:off x="499534" y="3918203"/>
-            <a:ext cx="3259666" cy="465666"/>
-          </a:xfrm>
-          <a:prstGeom prst="roundRect">
-            <a:avLst/>
-          </a:prstGeom>
-          <a:solidFill>
-            <a:schemeClr val="bg1"/>
-          </a:solidFill>
-          <a:ln w="3175">
-            <a:solidFill>
-              <a:schemeClr val="bg1">
-                <a:lumMod val="50000"/>
-              </a:schemeClr>
-            </a:solidFill>
-          </a:ln>
-        </p:spPr>
-        <p:style>
-          <a:lnRef idx="2">
-            <a:schemeClr val="accent1">
-              <a:shade val="50000"/>
-            </a:schemeClr>
-          </a:lnRef>
-          <a:fillRef idx="1">
-            <a:schemeClr val="accent1"/>
-          </a:fillRef>
-          <a:effectRef idx="0">
-            <a:schemeClr val="accent1"/>
-          </a:effectRef>
-          <a:fontRef idx="minor">
-            <a:schemeClr val="lt1"/>
-          </a:fontRef>
-        </p:style>
-        <p:txBody>
-          <a:bodyPr rtlCol="0" anchor="ctr"/>
-          <a:lstStyle/>
-          <a:p>
-            <a:r>
-              <a:rPr lang="en-US" dirty="0">
-                <a:solidFill>
-                  <a:schemeClr val="bg1">
-                    <a:lumMod val="75000"/>
-                  </a:schemeClr>
-                </a:solidFill>
-              </a:rPr>
-              <a:t>Add your story here …</a:t>
-            </a:r>
-          </a:p>
-        </p:txBody>
-      </p:sp>
-      <p:sp>
-        <p:nvSpPr>
-          <p:cNvPr id="9" name="TextBox 8">
-            <a:extLst>
-              <a:ext uri="{FF2B5EF4-FFF2-40B4-BE49-F238E27FC236}">
-                <a16:creationId xmlns:a16="http://schemas.microsoft.com/office/drawing/2014/main" id="{7775F0BF-804E-4DE7-B7CF-7DE1C7C9068D}"/>
-              </a:ext>
-            </a:extLst>
-          </p:cNvPr>
-          <p:cNvSpPr txBox="1"/>
-          <p:nvPr/>
-        </p:nvSpPr>
-        <p:spPr>
-          <a:xfrm>
-            <a:off x="499534" y="3472671"/>
-            <a:ext cx="1871134" cy="369332"/>
-          </a:xfrm>
-          <a:prstGeom prst="rect">
-            <a:avLst/>
-          </a:prstGeom>
-          <a:noFill/>
-        </p:spPr>
-        <p:txBody>
-          <a:bodyPr wrap="square" rtlCol="0">
-            <a:spAutoFit/>
-          </a:bodyPr>
-          <a:lstStyle/>
-          <a:p>
-            <a:r>
-              <a:rPr lang="en-US" b="1" dirty="0"/>
-              <a:t>Story:</a:t>
-            </a:r>
-          </a:p>
-        </p:txBody>
-      </p:sp>
-      <p:pic>
-        <p:nvPicPr>
-          <p:cNvPr id="11" name="Picture 10">
-            <a:extLst>
-              <a:ext uri="{FF2B5EF4-FFF2-40B4-BE49-F238E27FC236}">
-                <a16:creationId xmlns:a16="http://schemas.microsoft.com/office/drawing/2014/main" id="{E50F1493-F59F-466D-842C-44DAAB57EB57}"/>
-              </a:ext>
-            </a:extLst>
-          </p:cNvPr>
-          <p:cNvPicPr>
-            <a:picLocks noChangeAspect="1"/>
-          </p:cNvPicPr>
-          <p:nvPr/>
-        </p:nvPicPr>
-        <p:blipFill>
-          <a:blip r:embed="rId2"/>
-          <a:stretch>
-            <a:fillRect/>
-          </a:stretch>
-        </p:blipFill>
-        <p:spPr>
-          <a:xfrm>
-            <a:off x="4666657" y="490778"/>
-            <a:ext cx="7298666" cy="5156489"/>
-          </a:xfrm>
-          <a:prstGeom prst="rect">
-            <a:avLst/>
-          </a:prstGeom>
-          <a:ln>
-            <a:solidFill>
-              <a:schemeClr val="bg1">
-                <a:lumMod val="50000"/>
-              </a:schemeClr>
-            </a:solidFill>
-          </a:ln>
-        </p:spPr>
-      </p:pic>
-      <p:pic>
-        <p:nvPicPr>
-          <p:cNvPr id="12" name="Picture 11">
-            <a:extLst>
-              <a:ext uri="{FF2B5EF4-FFF2-40B4-BE49-F238E27FC236}">
-                <a16:creationId xmlns:a16="http://schemas.microsoft.com/office/drawing/2014/main" id="{3E942A76-FECC-4B96-80D4-1BA1D4548584}"/>
-              </a:ext>
-            </a:extLst>
-          </p:cNvPr>
-          <p:cNvPicPr>
-            <a:picLocks noChangeAspect="1"/>
-          </p:cNvPicPr>
-          <p:nvPr/>
-        </p:nvPicPr>
-        <p:blipFill rotWithShape="1">
-          <a:blip r:embed="rId2"/>
-          <a:srcRect t="15778"/>
-          <a:stretch/>
-        </p:blipFill>
-        <p:spPr>
-          <a:xfrm>
-            <a:off x="4666657" y="2353733"/>
-            <a:ext cx="7298666" cy="4342944"/>
-          </a:xfrm>
-          <a:prstGeom prst="rect">
-            <a:avLst/>
-          </a:prstGeom>
-          <a:ln>
-            <a:solidFill>
-              <a:schemeClr val="bg1">
-                <a:lumMod val="50000"/>
-              </a:schemeClr>
-            </a:solidFill>
-          </a:ln>
-        </p:spPr>
-      </p:pic>
-      <p:sp>
-        <p:nvSpPr>
-          <p:cNvPr id="13" name="Rectangle 12">
-            <a:extLst>
-              <a:ext uri="{FF2B5EF4-FFF2-40B4-BE49-F238E27FC236}">
-                <a16:creationId xmlns:a16="http://schemas.microsoft.com/office/drawing/2014/main" id="{38BFC3E3-76B4-4480-A293-7C62DCBCFA9A}"/>
-              </a:ext>
-            </a:extLst>
-          </p:cNvPr>
-          <p:cNvSpPr/>
-          <p:nvPr/>
-        </p:nvSpPr>
-        <p:spPr>
-          <a:xfrm>
-            <a:off x="4683591" y="1312333"/>
-            <a:ext cx="7262876" cy="1041400"/>
-          </a:xfrm>
-          <a:prstGeom prst="rect">
-            <a:avLst/>
-          </a:prstGeom>
-          <a:solidFill>
-            <a:schemeClr val="bg1"/>
-          </a:solidFill>
-          <a:ln>
-            <a:noFill/>
-          </a:ln>
-        </p:spPr>
-        <p:style>
-          <a:lnRef idx="2">
-            <a:schemeClr val="accent1">
-              <a:shade val="50000"/>
-            </a:schemeClr>
-          </a:lnRef>
-          <a:fillRef idx="1">
-            <a:schemeClr val="accent1"/>
-          </a:fillRef>
-          <a:effectRef idx="0">
-            <a:schemeClr val="accent1"/>
-          </a:effectRef>
-          <a:fontRef idx="minor">
-            <a:schemeClr val="lt1"/>
-          </a:fontRef>
-        </p:style>
-        <p:txBody>
-          <a:bodyPr rtlCol="0" anchor="ctr"/>
-          <a:lstStyle/>
-          <a:p>
-            <a:pPr algn="ctr"/>
-            <a:endParaRPr lang="en-US"/>
-          </a:p>
-        </p:txBody>
-      </p:sp>
-      <p:sp>
-        <p:nvSpPr>
-          <p:cNvPr id="14" name="Rectangle: Rounded Corners 13">
-            <a:extLst>
-              <a:ext uri="{FF2B5EF4-FFF2-40B4-BE49-F238E27FC236}">
-                <a16:creationId xmlns:a16="http://schemas.microsoft.com/office/drawing/2014/main" id="{89A6F1ED-5863-47C3-BF54-8AF09D1B67F8}"/>
-              </a:ext>
-            </a:extLst>
-          </p:cNvPr>
-          <p:cNvSpPr/>
-          <p:nvPr/>
-        </p:nvSpPr>
-        <p:spPr>
-          <a:xfrm>
-            <a:off x="4885267" y="1413933"/>
-            <a:ext cx="6934200" cy="778934"/>
-          </a:xfrm>
-          <a:prstGeom prst="roundRect">
-            <a:avLst/>
-          </a:prstGeom>
-          <a:solidFill>
-            <a:schemeClr val="bg1">
-              <a:lumMod val="95000"/>
-            </a:schemeClr>
-          </a:solidFill>
-          <a:ln w="3175">
-            <a:solidFill>
-              <a:schemeClr val="bg1">
-                <a:lumMod val="50000"/>
-              </a:schemeClr>
-            </a:solidFill>
-          </a:ln>
-        </p:spPr>
-        <p:style>
-          <a:lnRef idx="2">
-            <a:schemeClr val="accent1">
-              <a:shade val="50000"/>
-            </a:schemeClr>
-          </a:lnRef>
-          <a:fillRef idx="1">
-            <a:schemeClr val="accent1"/>
-          </a:fillRef>
-          <a:effectRef idx="0">
-            <a:schemeClr val="accent1"/>
-          </a:effectRef>
-          <a:fontRef idx="minor">
-            <a:schemeClr val="lt1"/>
-          </a:fontRef>
-        </p:style>
-        <p:txBody>
-          <a:bodyPr rtlCol="0" anchor="ctr"/>
-          <a:lstStyle/>
-          <a:p>
-            <a:pPr algn="ctr"/>
-            <a:endParaRPr lang="en-US"/>
-          </a:p>
-        </p:txBody>
-      </p:sp>
-      <p:sp>
-        <p:nvSpPr>
-          <p:cNvPr id="15" name="TextBox 14">
-            <a:extLst>
-              <a:ext uri="{FF2B5EF4-FFF2-40B4-BE49-F238E27FC236}">
-                <a16:creationId xmlns:a16="http://schemas.microsoft.com/office/drawing/2014/main" id="{DD25474B-C6FF-42D4-9F7D-5F5D8BB20577}"/>
-              </a:ext>
-            </a:extLst>
-          </p:cNvPr>
-          <p:cNvSpPr txBox="1"/>
-          <p:nvPr/>
-        </p:nvSpPr>
-        <p:spPr>
-          <a:xfrm>
-            <a:off x="6951896" y="1388958"/>
-            <a:ext cx="2726266" cy="307777"/>
-          </a:xfrm>
-          <a:prstGeom prst="rect">
-            <a:avLst/>
-          </a:prstGeom>
-          <a:noFill/>
-        </p:spPr>
-        <p:txBody>
-          <a:bodyPr wrap="square" rtlCol="0">
-            <a:spAutoFit/>
-          </a:bodyPr>
-          <a:lstStyle/>
-          <a:p>
-            <a:pPr algn="ctr"/>
-            <a:r>
-              <a:rPr lang="en-US" sz="1400" b="1" dirty="0"/>
-              <a:t>MY TITLE</a:t>
-            </a:r>
-          </a:p>
-        </p:txBody>
-      </p:sp>
-      <p:sp>
-        <p:nvSpPr>
-          <p:cNvPr id="16" name="TextBox 15">
-            <a:extLst>
-              <a:ext uri="{FF2B5EF4-FFF2-40B4-BE49-F238E27FC236}">
-                <a16:creationId xmlns:a16="http://schemas.microsoft.com/office/drawing/2014/main" id="{8B4254F2-163F-4677-A9F7-A264C2C57656}"/>
-              </a:ext>
-            </a:extLst>
-          </p:cNvPr>
-          <p:cNvSpPr txBox="1"/>
-          <p:nvPr/>
-        </p:nvSpPr>
-        <p:spPr>
-          <a:xfrm>
-            <a:off x="4969934" y="1606915"/>
-            <a:ext cx="6764865" cy="584775"/>
-          </a:xfrm>
-          <a:prstGeom prst="rect">
-            <a:avLst/>
-          </a:prstGeom>
-          <a:noFill/>
-        </p:spPr>
-        <p:txBody>
-          <a:bodyPr wrap="square" rtlCol="0">
-            <a:spAutoFit/>
-          </a:bodyPr>
-          <a:lstStyle/>
-          <a:p>
-            <a:r>
-              <a:rPr lang="en-US" sz="800" b="0" i="0" dirty="0">
-                <a:solidFill>
-                  <a:srgbClr val="24292E"/>
-                </a:solidFill>
-                <a:effectLst/>
-                <a:latin typeface="-apple-system"/>
-              </a:rPr>
-              <a:t>Existing scientific literature shows that health and agricultural impacts attributable to air pollution are significant and should be considered in the integrated analysis of human and Earth-system interactions. The implementation of policies that affect the power sector, the composition of the vehicle fleet or the investments and deployment of different energy sources will in turn result in different levels of air pollution. Even though the various methodologies for estimating the impacts of air pollution, such as exposure-response functions, are extensively applied by the scientific community, they are normally not</a:t>
-            </a:r>
-            <a:endParaRPr lang="en-US" sz="800" dirty="0"/>
-          </a:p>
-        </p:txBody>
-      </p:sp>
-      <p:sp>
-        <p:nvSpPr>
-          <p:cNvPr id="17" name="Rectangle: Rounded Corners 16">
-            <a:extLst>
-              <a:ext uri="{FF2B5EF4-FFF2-40B4-BE49-F238E27FC236}">
-                <a16:creationId xmlns:a16="http://schemas.microsoft.com/office/drawing/2014/main" id="{FA5F072C-E1D9-4625-A1A9-B7CB8D64B99C}"/>
-              </a:ext>
-            </a:extLst>
-          </p:cNvPr>
-          <p:cNvSpPr/>
-          <p:nvPr/>
-        </p:nvSpPr>
-        <p:spPr>
-          <a:xfrm>
-            <a:off x="11692465" y="1413933"/>
-            <a:ext cx="127001" cy="777757"/>
-          </a:xfrm>
-          <a:prstGeom prst="roundRect">
-            <a:avLst/>
-          </a:prstGeom>
-          <a:solidFill>
-            <a:schemeClr val="bg1">
-              <a:lumMod val="95000"/>
-            </a:schemeClr>
-          </a:solidFill>
-          <a:ln w="3175">
-            <a:solidFill>
-              <a:schemeClr val="bg1">
-                <a:lumMod val="50000"/>
-              </a:schemeClr>
-            </a:solidFill>
-          </a:ln>
-        </p:spPr>
-        <p:style>
-          <a:lnRef idx="2">
-            <a:schemeClr val="accent1">
-              <a:shade val="50000"/>
-            </a:schemeClr>
-          </a:lnRef>
-          <a:fillRef idx="1">
-            <a:schemeClr val="accent1"/>
-          </a:fillRef>
-          <a:effectRef idx="0">
-            <a:schemeClr val="accent1"/>
-          </a:effectRef>
-          <a:fontRef idx="minor">
-            <a:schemeClr val="lt1"/>
-          </a:fontRef>
-        </p:style>
-        <p:txBody>
-          <a:bodyPr rtlCol="0" anchor="ctr"/>
-          <a:lstStyle/>
-          <a:p>
-            <a:pPr algn="ctr"/>
-            <a:endParaRPr lang="en-US"/>
-          </a:p>
-        </p:txBody>
-      </p:sp>
-      <p:sp>
-        <p:nvSpPr>
-          <p:cNvPr id="18" name="Rectangle: Rounded Corners 17">
-            <a:extLst>
-              <a:ext uri="{FF2B5EF4-FFF2-40B4-BE49-F238E27FC236}">
-                <a16:creationId xmlns:a16="http://schemas.microsoft.com/office/drawing/2014/main" id="{9D336D8A-AAB7-483A-B81F-BBEE7A5F03D0}"/>
-              </a:ext>
-            </a:extLst>
-          </p:cNvPr>
-          <p:cNvSpPr/>
-          <p:nvPr/>
-        </p:nvSpPr>
-        <p:spPr>
-          <a:xfrm>
-            <a:off x="11692464" y="1795408"/>
-            <a:ext cx="127001" cy="134992"/>
-          </a:xfrm>
-          <a:prstGeom prst="roundRect">
-            <a:avLst/>
-          </a:prstGeom>
-          <a:solidFill>
-            <a:schemeClr val="tx1">
-              <a:lumMod val="50000"/>
-              <a:lumOff val="50000"/>
-            </a:schemeClr>
-          </a:solidFill>
-          <a:ln w="3175">
-            <a:solidFill>
-              <a:schemeClr val="tx1">
-                <a:lumMod val="50000"/>
-                <a:lumOff val="50000"/>
-              </a:schemeClr>
-            </a:solidFill>
-          </a:ln>
-        </p:spPr>
-        <p:style>
-          <a:lnRef idx="2">
-            <a:schemeClr val="accent1">
-              <a:shade val="50000"/>
-            </a:schemeClr>
-          </a:lnRef>
-          <a:fillRef idx="1">
-            <a:schemeClr val="accent1"/>
-          </a:fillRef>
-          <a:effectRef idx="0">
-            <a:schemeClr val="accent1"/>
-          </a:effectRef>
-          <a:fontRef idx="minor">
-            <a:schemeClr val="lt1"/>
-          </a:fontRef>
-        </p:style>
-        <p:txBody>
-          <a:bodyPr rtlCol="0" anchor="ctr"/>
-          <a:lstStyle/>
-          <a:p>
-            <a:pPr algn="ctr"/>
-            <a:endParaRPr lang="en-US"/>
-          </a:p>
-        </p:txBody>
-      </p:sp>
-      <p:sp>
-        <p:nvSpPr>
-          <p:cNvPr id="21" name="Isosceles Triangle 20">
-            <a:extLst>
-              <a:ext uri="{FF2B5EF4-FFF2-40B4-BE49-F238E27FC236}">
-                <a16:creationId xmlns:a16="http://schemas.microsoft.com/office/drawing/2014/main" id="{BD3C1858-3DAB-476E-B501-7F155A224449}"/>
-              </a:ext>
-            </a:extLst>
-          </p:cNvPr>
-          <p:cNvSpPr/>
-          <p:nvPr/>
-        </p:nvSpPr>
-        <p:spPr>
-          <a:xfrm>
-            <a:off x="4968380" y="1469453"/>
-            <a:ext cx="127380" cy="78540"/>
-          </a:xfrm>
-          <a:prstGeom prst="triangle">
-            <a:avLst/>
-          </a:prstGeom>
-        </p:spPr>
-        <p:style>
-          <a:lnRef idx="2">
-            <a:schemeClr val="dk1">
-              <a:shade val="50000"/>
-            </a:schemeClr>
-          </a:lnRef>
-          <a:fillRef idx="1">
-            <a:schemeClr val="dk1"/>
-          </a:fillRef>
-          <a:effectRef idx="0">
-            <a:schemeClr val="dk1"/>
-          </a:effectRef>
-          <a:fontRef idx="minor">
-            <a:schemeClr val="lt1"/>
-          </a:fontRef>
-        </p:style>
-        <p:txBody>
-          <a:bodyPr rtlCol="0" anchor="ctr"/>
-          <a:lstStyle/>
-          <a:p>
-            <a:pPr algn="ctr"/>
-            <a:endParaRPr lang="en-US"/>
-          </a:p>
-        </p:txBody>
-      </p:sp>
-    </p:spTree>
-    <p:extLst>
-      <p:ext uri="{BB962C8B-B14F-4D97-AF65-F5344CB8AC3E}">
-        <p14:creationId xmlns:p14="http://schemas.microsoft.com/office/powerpoint/2010/main" val="1380771159"/>
       </p:ext>
     </p:extLst>
   </p:cSld>
